--- a/slides/day1_slides.pptx
+++ b/slides/day1_slides.pptx
@@ -5,7 +5,7 @@
     <p:sldMasterId id="2147483660" r:id="rId1"/>
   </p:sldMasterIdLst>
   <p:notesMasterIdLst>
-    <p:notesMasterId r:id="rId74"/>
+    <p:notesMasterId r:id="rId73"/>
   </p:notesMasterIdLst>
   <p:sldIdLst>
     <p:sldId id="256" r:id="rId2"/>
@@ -24,62 +24,61 @@
     <p:sldId id="267" r:id="rId15"/>
     <p:sldId id="268" r:id="rId16"/>
     <p:sldId id="270" r:id="rId17"/>
-    <p:sldId id="272" r:id="rId18"/>
-    <p:sldId id="271" r:id="rId19"/>
-    <p:sldId id="275" r:id="rId20"/>
-    <p:sldId id="276" r:id="rId21"/>
-    <p:sldId id="281" r:id="rId22"/>
-    <p:sldId id="277" r:id="rId23"/>
-    <p:sldId id="278" r:id="rId24"/>
-    <p:sldId id="279" r:id="rId25"/>
-    <p:sldId id="280" r:id="rId26"/>
-    <p:sldId id="283" r:id="rId27"/>
-    <p:sldId id="284" r:id="rId28"/>
-    <p:sldId id="286" r:id="rId29"/>
-    <p:sldId id="285" r:id="rId30"/>
-    <p:sldId id="287" r:id="rId31"/>
-    <p:sldId id="290" r:id="rId32"/>
-    <p:sldId id="288" r:id="rId33"/>
-    <p:sldId id="296" r:id="rId34"/>
-    <p:sldId id="295" r:id="rId35"/>
-    <p:sldId id="294" r:id="rId36"/>
-    <p:sldId id="297" r:id="rId37"/>
-    <p:sldId id="313" r:id="rId38"/>
-    <p:sldId id="291" r:id="rId39"/>
-    <p:sldId id="301" r:id="rId40"/>
-    <p:sldId id="300" r:id="rId41"/>
-    <p:sldId id="303" r:id="rId42"/>
-    <p:sldId id="307" r:id="rId43"/>
-    <p:sldId id="304" r:id="rId44"/>
-    <p:sldId id="306" r:id="rId45"/>
-    <p:sldId id="302" r:id="rId46"/>
-    <p:sldId id="299" r:id="rId47"/>
-    <p:sldId id="308" r:id="rId48"/>
-    <p:sldId id="309" r:id="rId49"/>
-    <p:sldId id="311" r:id="rId50"/>
-    <p:sldId id="310" r:id="rId51"/>
-    <p:sldId id="292" r:id="rId52"/>
-    <p:sldId id="314" r:id="rId53"/>
-    <p:sldId id="316" r:id="rId54"/>
-    <p:sldId id="315" r:id="rId55"/>
-    <p:sldId id="317" r:id="rId56"/>
-    <p:sldId id="318" r:id="rId57"/>
-    <p:sldId id="324" r:id="rId58"/>
-    <p:sldId id="325" r:id="rId59"/>
-    <p:sldId id="326" r:id="rId60"/>
-    <p:sldId id="327" r:id="rId61"/>
-    <p:sldId id="328" r:id="rId62"/>
-    <p:sldId id="320" r:id="rId63"/>
-    <p:sldId id="330" r:id="rId64"/>
-    <p:sldId id="329" r:id="rId65"/>
-    <p:sldId id="321" r:id="rId66"/>
-    <p:sldId id="331" r:id="rId67"/>
-    <p:sldId id="322" r:id="rId68"/>
-    <p:sldId id="323" r:id="rId69"/>
-    <p:sldId id="333" r:id="rId70"/>
-    <p:sldId id="335" r:id="rId71"/>
-    <p:sldId id="334" r:id="rId72"/>
-    <p:sldId id="336" r:id="rId73"/>
+    <p:sldId id="271" r:id="rId18"/>
+    <p:sldId id="275" r:id="rId19"/>
+    <p:sldId id="276" r:id="rId20"/>
+    <p:sldId id="281" r:id="rId21"/>
+    <p:sldId id="277" r:id="rId22"/>
+    <p:sldId id="278" r:id="rId23"/>
+    <p:sldId id="279" r:id="rId24"/>
+    <p:sldId id="280" r:id="rId25"/>
+    <p:sldId id="283" r:id="rId26"/>
+    <p:sldId id="284" r:id="rId27"/>
+    <p:sldId id="286" r:id="rId28"/>
+    <p:sldId id="285" r:id="rId29"/>
+    <p:sldId id="287" r:id="rId30"/>
+    <p:sldId id="290" r:id="rId31"/>
+    <p:sldId id="288" r:id="rId32"/>
+    <p:sldId id="296" r:id="rId33"/>
+    <p:sldId id="295" r:id="rId34"/>
+    <p:sldId id="294" r:id="rId35"/>
+    <p:sldId id="297" r:id="rId36"/>
+    <p:sldId id="313" r:id="rId37"/>
+    <p:sldId id="291" r:id="rId38"/>
+    <p:sldId id="301" r:id="rId39"/>
+    <p:sldId id="300" r:id="rId40"/>
+    <p:sldId id="303" r:id="rId41"/>
+    <p:sldId id="307" r:id="rId42"/>
+    <p:sldId id="304" r:id="rId43"/>
+    <p:sldId id="306" r:id="rId44"/>
+    <p:sldId id="302" r:id="rId45"/>
+    <p:sldId id="299" r:id="rId46"/>
+    <p:sldId id="308" r:id="rId47"/>
+    <p:sldId id="309" r:id="rId48"/>
+    <p:sldId id="311" r:id="rId49"/>
+    <p:sldId id="310" r:id="rId50"/>
+    <p:sldId id="292" r:id="rId51"/>
+    <p:sldId id="314" r:id="rId52"/>
+    <p:sldId id="316" r:id="rId53"/>
+    <p:sldId id="315" r:id="rId54"/>
+    <p:sldId id="317" r:id="rId55"/>
+    <p:sldId id="318" r:id="rId56"/>
+    <p:sldId id="324" r:id="rId57"/>
+    <p:sldId id="325" r:id="rId58"/>
+    <p:sldId id="326" r:id="rId59"/>
+    <p:sldId id="327" r:id="rId60"/>
+    <p:sldId id="328" r:id="rId61"/>
+    <p:sldId id="320" r:id="rId62"/>
+    <p:sldId id="330" r:id="rId63"/>
+    <p:sldId id="329" r:id="rId64"/>
+    <p:sldId id="321" r:id="rId65"/>
+    <p:sldId id="331" r:id="rId66"/>
+    <p:sldId id="322" r:id="rId67"/>
+    <p:sldId id="323" r:id="rId68"/>
+    <p:sldId id="333" r:id="rId69"/>
+    <p:sldId id="335" r:id="rId70"/>
+    <p:sldId id="334" r:id="rId71"/>
+    <p:sldId id="336" r:id="rId72"/>
   </p:sldIdLst>
   <p:sldSz cx="9144000" cy="6858000" type="screen4x3"/>
   <p:notesSz cx="6858000" cy="9144000"/>
@@ -700,7 +699,7 @@
           <a:p>
             <a:fld id="{850A63CA-6EF3-434A-8E2F-FF8FCBDA0A72}" type="slidenum">
               <a:rPr lang="en-US" smtClean="0"/>
-              <a:t>18</a:t>
+              <a:t>17</a:t>
             </a:fld>
             <a:endParaRPr lang="en-US"/>
           </a:p>
@@ -796,7 +795,7 @@
           <a:p>
             <a:fld id="{850A63CA-6EF3-434A-8E2F-FF8FCBDA0A72}" type="slidenum">
               <a:rPr lang="en-US" smtClean="0"/>
-              <a:t>70</a:t>
+              <a:t>69</a:t>
             </a:fld>
             <a:endParaRPr lang="en-US"/>
           </a:p>
@@ -888,7 +887,7 @@
           <a:p>
             <a:fld id="{850A63CA-6EF3-434A-8E2F-FF8FCBDA0A72}" type="slidenum">
               <a:rPr lang="en-US" smtClean="0"/>
-              <a:t>71</a:t>
+              <a:t>70</a:t>
             </a:fld>
             <a:endParaRPr lang="en-US"/>
           </a:p>
@@ -5847,42 +5846,6 @@
       </p:grpSpPr>
       <p:sp>
         <p:nvSpPr>
-          <p:cNvPr id="2" name="Title 1"/>
-          <p:cNvSpPr>
-            <a:spLocks noGrp="1"/>
-          </p:cNvSpPr>
-          <p:nvPr>
-            <p:ph type="title"/>
-          </p:nvPr>
-        </p:nvSpPr>
-        <p:spPr>
-          <a:xfrm>
-            <a:off x="457199" y="152718"/>
-            <a:ext cx="6079146" cy="1371600"/>
-          </a:xfrm>
-        </p:spPr>
-        <p:txBody>
-          <a:bodyPr/>
-          <a:lstStyle/>
-          <a:p>
-            <a:r>
-              <a:rPr lang="en-US" dirty="0" smtClean="0"/>
-              <a:t>basic </a:t>
-            </a:r>
-            <a:r>
-              <a:rPr lang="en-US" dirty="0" err="1" smtClean="0"/>
-              <a:t>unix</a:t>
-            </a:r>
-            <a:r>
-              <a:rPr lang="en-US" dirty="0" smtClean="0"/>
-              <a:t> commands</a:t>
-            </a:r>
-            <a:endParaRPr lang="en-US" dirty="0"/>
-          </a:p>
-        </p:txBody>
-      </p:sp>
-      <p:sp>
-        <p:nvSpPr>
           <p:cNvPr id="3" name="Content Placeholder 2"/>
           <p:cNvSpPr>
             <a:spLocks noGrp="1"/>
@@ -5926,6 +5889,52 @@
           </a:p>
           <a:p>
             <a:endParaRPr lang="en-US" dirty="0" smtClean="0"/>
+          </a:p>
+        </p:txBody>
+      </p:sp>
+      <p:sp>
+        <p:nvSpPr>
+          <p:cNvPr id="5" name="Title 1"/>
+          <p:cNvSpPr txBox="1">
+            <a:spLocks/>
+          </p:cNvSpPr>
+          <p:nvPr/>
+        </p:nvSpPr>
+        <p:spPr>
+          <a:xfrm>
+            <a:off x="457199" y="145354"/>
+            <a:ext cx="6915620" cy="689482"/>
+          </a:xfrm>
+          <a:prstGeom prst="rect">
+            <a:avLst/>
+          </a:prstGeom>
+        </p:spPr>
+        <p:txBody>
+          <a:bodyPr vert="horz" lIns="91440" tIns="45720" rIns="91440" bIns="45720" rtlCol="0" anchor="b">
+            <a:normAutofit/>
+          </a:bodyPr>
+          <a:lstStyle>
+            <a:lvl1pPr algn="l" defTabSz="914400" rtl="0" eaLnBrk="1" latinLnBrk="0" hangingPunct="1">
+              <a:spcBef>
+                <a:spcPct val="0"/>
+              </a:spcBef>
+              <a:buNone/>
+              <a:defRPr sz="3600" kern="1200" cap="all" spc="-60" baseline="0">
+                <a:solidFill>
+                  <a:schemeClr val="tx2"/>
+                </a:solidFill>
+                <a:latin typeface="+mj-lt"/>
+                <a:ea typeface="+mj-ea"/>
+                <a:cs typeface="+mj-cs"/>
+              </a:defRPr>
+            </a:lvl1pPr>
+          </a:lstStyle>
+          <a:p>
+            <a:r>
+              <a:rPr lang="en-US" smtClean="0"/>
+              <a:t>basic unix commands</a:t>
+            </a:r>
+            <a:endParaRPr lang="en-US" dirty="0"/>
           </a:p>
         </p:txBody>
       </p:sp>
@@ -5959,42 +5968,6 @@
           <a:chExt cx="0" cy="0"/>
         </a:xfrm>
       </p:grpSpPr>
-      <p:sp>
-        <p:nvSpPr>
-          <p:cNvPr id="2" name="Title 1"/>
-          <p:cNvSpPr>
-            <a:spLocks noGrp="1"/>
-          </p:cNvSpPr>
-          <p:nvPr>
-            <p:ph type="title"/>
-          </p:nvPr>
-        </p:nvSpPr>
-        <p:spPr>
-          <a:xfrm>
-            <a:off x="457199" y="152718"/>
-            <a:ext cx="6167955" cy="1371600"/>
-          </a:xfrm>
-        </p:spPr>
-        <p:txBody>
-          <a:bodyPr/>
-          <a:lstStyle/>
-          <a:p>
-            <a:r>
-              <a:rPr lang="en-US" dirty="0" smtClean="0"/>
-              <a:t>basic </a:t>
-            </a:r>
-            <a:r>
-              <a:rPr lang="en-US" dirty="0" err="1" smtClean="0"/>
-              <a:t>unix</a:t>
-            </a:r>
-            <a:r>
-              <a:rPr lang="en-US" dirty="0" smtClean="0"/>
-              <a:t> commands</a:t>
-            </a:r>
-            <a:endParaRPr lang="en-US" dirty="0"/>
-          </a:p>
-        </p:txBody>
-      </p:sp>
       <p:graphicFrame>
         <p:nvGraphicFramePr>
           <p:cNvPr id="4" name="Table 3"/>
@@ -6004,14 +5977,14 @@
           <p:nvPr>
             <p:extLst>
               <p:ext uri="{D42A27DB-BD31-4B8C-83A1-F6EECF244321}">
-                <p14:modId xmlns:p14="http://schemas.microsoft.com/office/powerpoint/2010/main" val="3721493620"/>
+                <p14:modId xmlns:p14="http://schemas.microsoft.com/office/powerpoint/2010/main" val="163139098"/>
               </p:ext>
             </p:extLst>
           </p:nvPr>
         </p:nvGraphicFramePr>
         <p:xfrm>
-          <a:off x="239784" y="1550737"/>
-          <a:ext cx="8596715" cy="3936642"/>
+          <a:off x="239784" y="1068649"/>
+          <a:ext cx="8596715" cy="4302402"/>
         </p:xfrm>
         <a:graphic>
           <a:graphicData uri="http://schemas.openxmlformats.org/drawingml/2006/table">
@@ -6490,573 +6463,7 @@
                           <a:latin typeface="Monaco"/>
                           <a:cs typeface="Monaco"/>
                         </a:rPr>
-                        <a:t>man</a:t>
-                      </a:r>
-                      <a:endParaRPr lang="en-US" dirty="0">
-                        <a:latin typeface="Monaco"/>
-                        <a:cs typeface="Monaco"/>
-                      </a:endParaRPr>
-                    </a:p>
-                  </a:txBody>
-                  <a:tcPr/>
-                </a:tc>
-                <a:tc>
-                  <a:txBody>
-                    <a:bodyPr/>
-                    <a:lstStyle/>
-                    <a:p>
-                      <a:r>
-                        <a:rPr lang="en-US" b="1" dirty="0" smtClean="0"/>
-                        <a:t>M</a:t>
-                      </a:r>
-                      <a:r>
-                        <a:rPr lang="en-US" b="0" dirty="0" smtClean="0"/>
-                        <a:t>a</a:t>
-                      </a:r>
-                      <a:r>
-                        <a:rPr lang="en-US" b="1" dirty="0" smtClean="0"/>
-                        <a:t>n</a:t>
-                      </a:r>
-                      <a:r>
-                        <a:rPr lang="en-US" b="0" dirty="0" smtClean="0"/>
-                        <a:t>ual</a:t>
-                      </a:r>
-                      <a:r>
-                        <a:rPr lang="en-US" b="0" baseline="0" dirty="0" smtClean="0"/>
-                        <a:t> (shows documentation for a given command)</a:t>
-                      </a:r>
-                      <a:endParaRPr lang="en-US" b="1" dirty="0"/>
-                    </a:p>
-                  </a:txBody>
-                  <a:tcPr/>
-                </a:tc>
-              </a:tr>
-            </a:tbl>
-          </a:graphicData>
-        </a:graphic>
-      </p:graphicFrame>
-    </p:spTree>
-    <p:extLst>
-      <p:ext uri="{BB962C8B-B14F-4D97-AF65-F5344CB8AC3E}">
-        <p14:creationId xmlns:p14="http://schemas.microsoft.com/office/powerpoint/2010/main" val="2130528735"/>
-      </p:ext>
-    </p:extLst>
-  </p:cSld>
-  <p:clrMapOvr>
-    <a:masterClrMapping/>
-  </p:clrMapOvr>
-</p:sld>
-</file>
-
-<file path=ppt/slides/slide18.xml><?xml version="1.0" encoding="utf-8"?>
-<p:sld xmlns:a="http://schemas.openxmlformats.org/drawingml/2006/main" xmlns:r="http://schemas.openxmlformats.org/officeDocument/2006/relationships" xmlns:p="http://schemas.openxmlformats.org/presentationml/2006/main">
-  <p:cSld>
-    <p:spTree>
-      <p:nvGrpSpPr>
-        <p:cNvPr id="1" name=""/>
-        <p:cNvGrpSpPr/>
-        <p:nvPr/>
-      </p:nvGrpSpPr>
-      <p:grpSpPr>
-        <a:xfrm>
-          <a:off x="0" y="0"/>
-          <a:ext cx="0" cy="0"/>
-          <a:chOff x="0" y="0"/>
-          <a:chExt cx="0" cy="0"/>
-        </a:xfrm>
-      </p:grpSpPr>
-      <p:sp>
-        <p:nvSpPr>
-          <p:cNvPr id="2" name="Title 1"/>
-          <p:cNvSpPr>
-            <a:spLocks noGrp="1"/>
-          </p:cNvSpPr>
-          <p:nvPr>
-            <p:ph type="title"/>
-          </p:nvPr>
-        </p:nvSpPr>
-        <p:spPr>
-          <a:xfrm>
-            <a:off x="457199" y="152718"/>
-            <a:ext cx="6167955" cy="1371600"/>
-          </a:xfrm>
-        </p:spPr>
-        <p:txBody>
-          <a:bodyPr/>
-          <a:lstStyle/>
-          <a:p>
-            <a:r>
-              <a:rPr lang="en-US" dirty="0" smtClean="0"/>
-              <a:t>basic </a:t>
-            </a:r>
-            <a:r>
-              <a:rPr lang="en-US" dirty="0" err="1" smtClean="0"/>
-              <a:t>unix</a:t>
-            </a:r>
-            <a:r>
-              <a:rPr lang="en-US" dirty="0" smtClean="0"/>
-              <a:t> commands</a:t>
-            </a:r>
-            <a:endParaRPr lang="en-US" dirty="0"/>
-          </a:p>
-        </p:txBody>
-      </p:sp>
-      <p:graphicFrame>
-        <p:nvGraphicFramePr>
-          <p:cNvPr id="4" name="Table 3"/>
-          <p:cNvGraphicFramePr>
-            <a:graphicFrameLocks noGrp="1"/>
-          </p:cNvGraphicFramePr>
-          <p:nvPr>
-            <p:extLst>
-              <p:ext uri="{D42A27DB-BD31-4B8C-83A1-F6EECF244321}">
-                <p14:modId xmlns:p14="http://schemas.microsoft.com/office/powerpoint/2010/main" val="3644487668"/>
-              </p:ext>
-            </p:extLst>
-          </p:nvPr>
-        </p:nvGraphicFramePr>
-        <p:xfrm>
-          <a:off x="239784" y="1550737"/>
-          <a:ext cx="8596715" cy="3936642"/>
-        </p:xfrm>
-        <a:graphic>
-          <a:graphicData uri="http://schemas.openxmlformats.org/drawingml/2006/table">
-            <a:tbl>
-              <a:tblPr firstRow="1" bandRow="1">
-                <a:tableStyleId>{616DA210-FB5B-4158-B5E0-FEB733F419BA}</a:tableStyleId>
-              </a:tblPr>
-              <a:tblGrid>
-                <a:gridCol w="1731777"/>
-                <a:gridCol w="6864938"/>
-              </a:tblGrid>
-              <a:tr h="296720">
-                <a:tc>
-                  <a:txBody>
-                    <a:bodyPr/>
-                    <a:lstStyle/>
-                    <a:p>
-                      <a:pPr algn="ctr"/>
-                      <a:r>
-                        <a:rPr lang="en-US" dirty="0" smtClean="0"/>
-                        <a:t>UNIX</a:t>
-                      </a:r>
-                      <a:r>
-                        <a:rPr lang="en-US" baseline="0" dirty="0" smtClean="0"/>
-                        <a:t> Command</a:t>
-                      </a:r>
-                      <a:endParaRPr lang="en-US" dirty="0"/>
-                    </a:p>
-                  </a:txBody>
-                  <a:tcPr/>
-                </a:tc>
-                <a:tc>
-                  <a:txBody>
-                    <a:bodyPr/>
-                    <a:lstStyle/>
-                    <a:p>
-                      <a:pPr algn="ctr"/>
-                      <a:r>
-                        <a:rPr lang="en-US" dirty="0" smtClean="0"/>
-                        <a:t>What it</a:t>
-                      </a:r>
-                      <a:r>
-                        <a:rPr lang="en-US" baseline="0" dirty="0" smtClean="0"/>
-                        <a:t> does</a:t>
-                      </a:r>
-                      <a:endParaRPr lang="en-US" dirty="0"/>
-                    </a:p>
-                  </a:txBody>
-                  <a:tcPr/>
-                </a:tc>
-              </a:tr>
-              <a:tr h="296720">
-                <a:tc>
-                  <a:txBody>
-                    <a:bodyPr/>
-                    <a:lstStyle/>
-                    <a:p>
-                      <a:r>
-                        <a:rPr lang="en-US" dirty="0" smtClean="0">
-                          <a:latin typeface="Monaco"/>
-                          <a:cs typeface="Monaco"/>
-                        </a:rPr>
-                        <a:t>cd</a:t>
-                      </a:r>
-                      <a:endParaRPr lang="en-US" dirty="0">
-                        <a:latin typeface="Monaco"/>
-                        <a:cs typeface="Monaco"/>
-                      </a:endParaRPr>
-                    </a:p>
-                  </a:txBody>
-                  <a:tcPr/>
-                </a:tc>
-                <a:tc>
-                  <a:txBody>
-                    <a:bodyPr/>
-                    <a:lstStyle/>
-                    <a:p>
-                      <a:r>
-                        <a:rPr lang="en-US" b="1" dirty="0" smtClean="0"/>
-                        <a:t>C</a:t>
-                      </a:r>
-                      <a:r>
-                        <a:rPr lang="en-US" b="0" dirty="0" smtClean="0"/>
-                        <a:t>hange </a:t>
-                      </a:r>
-                      <a:r>
-                        <a:rPr lang="en-US" b="1" dirty="0" smtClean="0"/>
-                        <a:t>D</a:t>
-                      </a:r>
-                      <a:r>
-                        <a:rPr lang="en-US" b="0" dirty="0" smtClean="0"/>
-                        <a:t>irectory</a:t>
-                      </a:r>
-                      <a:endParaRPr lang="en-US" b="1" dirty="0"/>
-                    </a:p>
-                  </a:txBody>
-                  <a:tcPr/>
-                </a:tc>
-              </a:tr>
-              <a:tr h="296720">
-                <a:tc>
-                  <a:txBody>
-                    <a:bodyPr/>
-                    <a:lstStyle/>
-                    <a:p>
-                      <a:r>
-                        <a:rPr lang="en-US" dirty="0" err="1" smtClean="0">
-                          <a:latin typeface="Monaco"/>
-                          <a:cs typeface="Monaco"/>
-                        </a:rPr>
-                        <a:t>pwd</a:t>
-                      </a:r>
-                      <a:endParaRPr lang="en-US" dirty="0">
-                        <a:latin typeface="Monaco"/>
-                        <a:cs typeface="Monaco"/>
-                      </a:endParaRPr>
-                    </a:p>
-                  </a:txBody>
-                  <a:tcPr/>
-                </a:tc>
-                <a:tc>
-                  <a:txBody>
-                    <a:bodyPr/>
-                    <a:lstStyle/>
-                    <a:p>
-                      <a:r>
-                        <a:rPr lang="en-US" b="1" dirty="0" smtClean="0"/>
-                        <a:t>P</a:t>
-                      </a:r>
-                      <a:r>
-                        <a:rPr lang="en-US" b="0" dirty="0" smtClean="0"/>
-                        <a:t>rint</a:t>
-                      </a:r>
-                      <a:r>
-                        <a:rPr lang="en-US" b="0" baseline="0" dirty="0" smtClean="0"/>
-                        <a:t> </a:t>
-                      </a:r>
-                      <a:r>
-                        <a:rPr lang="en-US" b="1" baseline="0" dirty="0" smtClean="0"/>
-                        <a:t>W</a:t>
-                      </a:r>
-                      <a:r>
-                        <a:rPr lang="en-US" b="0" baseline="0" dirty="0" smtClean="0"/>
-                        <a:t>orking </a:t>
-                      </a:r>
-                      <a:r>
-                        <a:rPr lang="en-US" b="1" baseline="0" dirty="0" smtClean="0"/>
-                        <a:t>D</a:t>
-                      </a:r>
-                      <a:r>
-                        <a:rPr lang="en-US" b="0" baseline="0" dirty="0" smtClean="0"/>
-                        <a:t>irectory  (gives the full path)</a:t>
-                      </a:r>
-                      <a:endParaRPr lang="en-US" b="1" dirty="0"/>
-                    </a:p>
-                  </a:txBody>
-                  <a:tcPr/>
-                </a:tc>
-              </a:tr>
-              <a:tr h="296720">
-                <a:tc>
-                  <a:txBody>
-                    <a:bodyPr/>
-                    <a:lstStyle/>
-                    <a:p>
-                      <a:r>
-                        <a:rPr lang="en-US" dirty="0" err="1" smtClean="0">
-                          <a:latin typeface="Monaco"/>
-                          <a:cs typeface="Monaco"/>
-                        </a:rPr>
-                        <a:t>ls</a:t>
-                      </a:r>
-                      <a:endParaRPr lang="en-US" dirty="0">
-                        <a:latin typeface="Monaco"/>
-                        <a:cs typeface="Monaco"/>
-                      </a:endParaRPr>
-                    </a:p>
-                  </a:txBody>
-                  <a:tcPr/>
-                </a:tc>
-                <a:tc>
-                  <a:txBody>
-                    <a:bodyPr/>
-                    <a:lstStyle/>
-                    <a:p>
-                      <a:r>
-                        <a:rPr lang="en-US" b="1" dirty="0" smtClean="0"/>
-                        <a:t>L</a:t>
-                      </a:r>
-                      <a:r>
-                        <a:rPr lang="en-US" b="0" i="0" dirty="0" smtClean="0"/>
-                        <a:t>i</a:t>
-                      </a:r>
-                      <a:r>
-                        <a:rPr lang="en-US" b="1" i="0" dirty="0" smtClean="0"/>
-                        <a:t>s</a:t>
-                      </a:r>
-                      <a:r>
-                        <a:rPr lang="en-US" b="0" i="0" dirty="0" smtClean="0"/>
-                        <a:t>t</a:t>
-                      </a:r>
-                      <a:r>
-                        <a:rPr lang="en-US" b="0" i="0" baseline="0" dirty="0" smtClean="0"/>
-                        <a:t> (contents of a directory</a:t>
-                      </a:r>
-                      <a:endParaRPr lang="en-US" b="1" dirty="0"/>
-                    </a:p>
-                  </a:txBody>
-                  <a:tcPr/>
-                </a:tc>
-              </a:tr>
-              <a:tr h="296720">
-                <a:tc>
-                  <a:txBody>
-                    <a:bodyPr/>
-                    <a:lstStyle/>
-                    <a:p>
-                      <a:r>
-                        <a:rPr lang="en-US" dirty="0" smtClean="0">
-                          <a:latin typeface="Monaco"/>
-                          <a:cs typeface="Monaco"/>
-                        </a:rPr>
-                        <a:t>mv</a:t>
-                      </a:r>
-                      <a:endParaRPr lang="en-US" dirty="0">
-                        <a:latin typeface="Monaco"/>
-                        <a:cs typeface="Monaco"/>
-                      </a:endParaRPr>
-                    </a:p>
-                  </a:txBody>
-                  <a:tcPr/>
-                </a:tc>
-                <a:tc>
-                  <a:txBody>
-                    <a:bodyPr/>
-                    <a:lstStyle/>
-                    <a:p>
-                      <a:r>
-                        <a:rPr lang="en-US" b="1" dirty="0" smtClean="0"/>
-                        <a:t>M</a:t>
-                      </a:r>
-                      <a:r>
-                        <a:rPr lang="en-US" b="0" dirty="0" smtClean="0"/>
-                        <a:t>o</a:t>
-                      </a:r>
-                      <a:r>
-                        <a:rPr lang="en-US" b="1" dirty="0" smtClean="0"/>
-                        <a:t>v</a:t>
-                      </a:r>
-                      <a:r>
-                        <a:rPr lang="en-US" b="0" dirty="0" smtClean="0"/>
-                        <a:t>e a file or directory (original not retained!)</a:t>
-                      </a:r>
-                      <a:endParaRPr lang="en-US" b="1" dirty="0"/>
-                    </a:p>
-                  </a:txBody>
-                  <a:tcPr/>
-                </a:tc>
-              </a:tr>
-              <a:tr h="296720">
-                <a:tc>
-                  <a:txBody>
-                    <a:bodyPr/>
-                    <a:lstStyle/>
-                    <a:p>
-                      <a:r>
-                        <a:rPr lang="en-US" dirty="0" err="1" smtClean="0">
-                          <a:latin typeface="Monaco"/>
-                          <a:cs typeface="Monaco"/>
-                        </a:rPr>
-                        <a:t>cp</a:t>
-                      </a:r>
-                      <a:endParaRPr lang="en-US" dirty="0">
-                        <a:latin typeface="Monaco"/>
-                        <a:cs typeface="Monaco"/>
-                      </a:endParaRPr>
-                    </a:p>
-                  </a:txBody>
-                  <a:tcPr/>
-                </a:tc>
-                <a:tc>
-                  <a:txBody>
-                    <a:bodyPr/>
-                    <a:lstStyle/>
-                    <a:p>
-                      <a:r>
-                        <a:rPr lang="en-US" b="1" dirty="0" smtClean="0"/>
-                        <a:t>C</a:t>
-                      </a:r>
-                      <a:r>
-                        <a:rPr lang="en-US" b="0" dirty="0" smtClean="0"/>
-                        <a:t>o</a:t>
-                      </a:r>
-                      <a:r>
-                        <a:rPr lang="en-US" b="1" dirty="0" smtClean="0"/>
-                        <a:t>p</a:t>
-                      </a:r>
-                      <a:r>
-                        <a:rPr lang="en-US" b="0" dirty="0" smtClean="0"/>
-                        <a:t>y a file or directory (original </a:t>
-                      </a:r>
-                      <a:r>
-                        <a:rPr lang="en-US" b="0" i="1" dirty="0" smtClean="0"/>
-                        <a:t>is</a:t>
-                      </a:r>
-                      <a:r>
-                        <a:rPr lang="en-US" b="0" i="0" dirty="0" smtClean="0"/>
-                        <a:t> retained)</a:t>
-                      </a:r>
-                      <a:endParaRPr lang="en-US" b="1" dirty="0"/>
-                    </a:p>
-                  </a:txBody>
-                  <a:tcPr/>
-                </a:tc>
-              </a:tr>
-              <a:tr h="296720">
-                <a:tc>
-                  <a:txBody>
-                    <a:bodyPr/>
-                    <a:lstStyle/>
-                    <a:p>
-                      <a:r>
-                        <a:rPr lang="en-US" dirty="0" err="1" smtClean="0">
-                          <a:latin typeface="Monaco"/>
-                          <a:cs typeface="Monaco"/>
-                        </a:rPr>
-                        <a:t>rm</a:t>
-                      </a:r>
-                      <a:endParaRPr lang="en-US" dirty="0">
-                        <a:latin typeface="Monaco"/>
-                        <a:cs typeface="Monaco"/>
-                      </a:endParaRPr>
-                    </a:p>
-                  </a:txBody>
-                  <a:tcPr/>
-                </a:tc>
-                <a:tc>
-                  <a:txBody>
-                    <a:bodyPr/>
-                    <a:lstStyle/>
-                    <a:p>
-                      <a:r>
-                        <a:rPr lang="en-US" b="1" dirty="0" smtClean="0"/>
-                        <a:t>R</a:t>
-                      </a:r>
-                      <a:r>
-                        <a:rPr lang="en-US" b="0" dirty="0" smtClean="0"/>
-                        <a:t>e</a:t>
-                      </a:r>
-                      <a:r>
-                        <a:rPr lang="en-US" b="1" dirty="0" smtClean="0"/>
-                        <a:t>m</a:t>
-                      </a:r>
-                      <a:r>
-                        <a:rPr lang="en-US" b="0" dirty="0" smtClean="0"/>
-                        <a:t>ove a</a:t>
-                      </a:r>
-                      <a:r>
-                        <a:rPr lang="en-US" b="0" baseline="0" dirty="0" smtClean="0"/>
-                        <a:t> file or directory *forever*  (NOT A TRASHCAN)</a:t>
-                      </a:r>
-                      <a:endParaRPr lang="en-US" b="1" dirty="0"/>
-                    </a:p>
-                  </a:txBody>
-                  <a:tcPr/>
-                </a:tc>
-              </a:tr>
-              <a:tr h="370482">
-                <a:tc>
-                  <a:txBody>
-                    <a:bodyPr/>
-                    <a:lstStyle/>
-                    <a:p>
-                      <a:r>
-                        <a:rPr lang="en-US" dirty="0" err="1" smtClean="0">
-                          <a:latin typeface="Monaco"/>
-                          <a:cs typeface="Monaco"/>
-                        </a:rPr>
-                        <a:t>mkdir</a:t>
-                      </a:r>
-                      <a:endParaRPr lang="en-US" dirty="0">
-                        <a:latin typeface="Monaco"/>
-                        <a:cs typeface="Monaco"/>
-                      </a:endParaRPr>
-                    </a:p>
-                  </a:txBody>
-                  <a:tcPr/>
-                </a:tc>
-                <a:tc>
-                  <a:txBody>
-                    <a:bodyPr/>
-                    <a:lstStyle/>
-                    <a:p>
-                      <a:r>
-                        <a:rPr lang="en-US" b="1" dirty="0" smtClean="0"/>
-                        <a:t>M</a:t>
-                      </a:r>
-                      <a:r>
-                        <a:rPr lang="en-US" b="0" dirty="0" smtClean="0"/>
-                        <a:t>a</a:t>
-                      </a:r>
-                      <a:r>
-                        <a:rPr lang="en-US" b="1" dirty="0" smtClean="0"/>
-                        <a:t>k</a:t>
-                      </a:r>
-                      <a:r>
-                        <a:rPr lang="en-US" b="0" dirty="0" smtClean="0"/>
-                        <a:t>e</a:t>
-                      </a:r>
-                      <a:r>
-                        <a:rPr lang="en-US" b="0" baseline="0" dirty="0" smtClean="0"/>
-                        <a:t> a new </a:t>
-                      </a:r>
-                      <a:r>
-                        <a:rPr lang="en-US" b="1" baseline="0" dirty="0" smtClean="0"/>
-                        <a:t>dir</a:t>
-                      </a:r>
-                      <a:r>
-                        <a:rPr lang="en-US" b="0" baseline="0" dirty="0" smtClean="0"/>
-                        <a:t>ectory</a:t>
-                      </a:r>
-                      <a:endParaRPr lang="en-US" b="1" dirty="0"/>
-                    </a:p>
-                  </a:txBody>
-                  <a:tcPr/>
-                </a:tc>
-              </a:tr>
-              <a:tr h="296720">
-                <a:tc>
-                  <a:txBody>
-                    <a:bodyPr/>
-                    <a:lstStyle/>
-                    <a:p>
-                      <a:r>
-                        <a:rPr lang="en-US" dirty="0" smtClean="0">
-                          <a:latin typeface="Monaco"/>
-                          <a:cs typeface="Monaco"/>
-                        </a:rPr>
-                        <a:t>echo</a:t>
+                        <a:t>touch</a:t>
                       </a:r>
                       <a:endParaRPr lang="en-US" dirty="0">
                         <a:latin typeface="Monaco"/>
@@ -7073,11 +6480,7 @@
                     <a:p>
                       <a:r>
                         <a:rPr lang="en-US" b="0" dirty="0" smtClean="0"/>
-                        <a:t>Prints</a:t>
-                      </a:r>
-                      <a:r>
-                        <a:rPr lang="en-US" b="0" baseline="0" dirty="0" smtClean="0"/>
-                        <a:t> to screen</a:t>
+                        <a:t>Create a new (empty) file</a:t>
                       </a:r>
                       <a:endParaRPr lang="en-US" b="0" dirty="0"/>
                     </a:p>
@@ -7165,8 +6568,13 @@
           <a:p>
             <a:r>
               <a:rPr lang="en-US" dirty="0" smtClean="0"/>
-              <a:t>…And UNIX symbols!</a:t>
-            </a:r>
+              <a:t>…And UNIX </a:t>
+            </a:r>
+            <a:r>
+              <a:rPr lang="en-US" dirty="0" smtClean="0"/>
+              <a:t>symbols/shortcuts!</a:t>
+            </a:r>
+            <a:endParaRPr lang="en-US" dirty="0" smtClean="0"/>
           </a:p>
           <a:p>
             <a:pPr marL="285750" indent="-285750">
@@ -7209,10 +6617,252 @@
           </a:p>
         </p:txBody>
       </p:sp>
+      <p:sp>
+        <p:nvSpPr>
+          <p:cNvPr id="6" name="Title 1"/>
+          <p:cNvSpPr txBox="1">
+            <a:spLocks/>
+          </p:cNvSpPr>
+          <p:nvPr/>
+        </p:nvSpPr>
+        <p:spPr>
+          <a:xfrm>
+            <a:off x="457199" y="145354"/>
+            <a:ext cx="6915620" cy="689482"/>
+          </a:xfrm>
+          <a:prstGeom prst="rect">
+            <a:avLst/>
+          </a:prstGeom>
+        </p:spPr>
+        <p:txBody>
+          <a:bodyPr vert="horz" lIns="91440" tIns="45720" rIns="91440" bIns="45720" rtlCol="0" anchor="b">
+            <a:normAutofit/>
+          </a:bodyPr>
+          <a:lstStyle>
+            <a:lvl1pPr algn="l" defTabSz="914400" rtl="0" eaLnBrk="1" latinLnBrk="0" hangingPunct="1">
+              <a:spcBef>
+                <a:spcPct val="0"/>
+              </a:spcBef>
+              <a:buNone/>
+              <a:defRPr sz="3600" kern="1200" cap="all" spc="-60" baseline="0">
+                <a:solidFill>
+                  <a:schemeClr val="tx2"/>
+                </a:solidFill>
+                <a:latin typeface="+mj-lt"/>
+                <a:ea typeface="+mj-ea"/>
+                <a:cs typeface="+mj-cs"/>
+              </a:defRPr>
+            </a:lvl1pPr>
+          </a:lstStyle>
+          <a:p>
+            <a:r>
+              <a:rPr lang="en-US" dirty="0" smtClean="0"/>
+              <a:t>basic </a:t>
+            </a:r>
+            <a:r>
+              <a:rPr lang="en-US" dirty="0" err="1" smtClean="0"/>
+              <a:t>unix</a:t>
+            </a:r>
+            <a:r>
+              <a:rPr lang="en-US" dirty="0" smtClean="0"/>
+              <a:t> commands</a:t>
+            </a:r>
+            <a:endParaRPr lang="en-US" dirty="0"/>
+          </a:p>
+        </p:txBody>
+      </p:sp>
     </p:spTree>
     <p:extLst>
       <p:ext uri="{BB962C8B-B14F-4D97-AF65-F5344CB8AC3E}">
         <p14:creationId xmlns:p14="http://schemas.microsoft.com/office/powerpoint/2010/main" val="3576102169"/>
+      </p:ext>
+    </p:extLst>
+  </p:cSld>
+  <p:clrMapOvr>
+    <a:masterClrMapping/>
+  </p:clrMapOvr>
+</p:sld>
+</file>
+
+<file path=ppt/slides/slide18.xml><?xml version="1.0" encoding="utf-8"?>
+<p:sld xmlns:a="http://schemas.openxmlformats.org/drawingml/2006/main" xmlns:r="http://schemas.openxmlformats.org/officeDocument/2006/relationships" xmlns:p="http://schemas.openxmlformats.org/presentationml/2006/main">
+  <p:cSld>
+    <p:spTree>
+      <p:nvGrpSpPr>
+        <p:cNvPr id="1" name=""/>
+        <p:cNvGrpSpPr/>
+        <p:nvPr/>
+      </p:nvGrpSpPr>
+      <p:grpSpPr>
+        <a:xfrm>
+          <a:off x="0" y="0"/>
+          <a:ext cx="0" cy="0"/>
+          <a:chOff x="0" y="0"/>
+          <a:chExt cx="0" cy="0"/>
+        </a:xfrm>
+      </p:grpSpPr>
+      <p:sp>
+        <p:nvSpPr>
+          <p:cNvPr id="2" name="Title 1"/>
+          <p:cNvSpPr>
+            <a:spLocks noGrp="1"/>
+          </p:cNvSpPr>
+          <p:nvPr>
+            <p:ph type="title"/>
+          </p:nvPr>
+        </p:nvSpPr>
+        <p:spPr/>
+        <p:txBody>
+          <a:bodyPr/>
+          <a:lstStyle/>
+          <a:p>
+            <a:r>
+              <a:rPr lang="en-US" dirty="0" smtClean="0"/>
+              <a:t>enter, python!</a:t>
+            </a:r>
+            <a:endParaRPr lang="en-US" dirty="0"/>
+          </a:p>
+        </p:txBody>
+      </p:sp>
+      <p:sp>
+        <p:nvSpPr>
+          <p:cNvPr id="3" name="Content Placeholder 2"/>
+          <p:cNvSpPr>
+            <a:spLocks noGrp="1"/>
+          </p:cNvSpPr>
+          <p:nvPr>
+            <p:ph idx="1"/>
+          </p:nvPr>
+        </p:nvSpPr>
+        <p:spPr/>
+        <p:txBody>
+          <a:bodyPr/>
+          <a:lstStyle/>
+          <a:p>
+            <a:pPr marL="457200" indent="-457200">
+              <a:buFont typeface="Arial"/>
+              <a:buChar char="•"/>
+            </a:pPr>
+            <a:r>
+              <a:rPr lang="en-US" dirty="0"/>
+              <a:t>Python is an </a:t>
+            </a:r>
+            <a:r>
+              <a:rPr lang="en-US" i="1" dirty="0"/>
+              <a:t>interpreted</a:t>
+            </a:r>
+            <a:r>
+              <a:rPr lang="en-US" dirty="0"/>
+              <a:t> language</a:t>
+            </a:r>
+          </a:p>
+          <a:p>
+            <a:pPr marL="914400" lvl="1" indent="-457200">
+              <a:buFont typeface="Arial"/>
+              <a:buChar char="•"/>
+            </a:pPr>
+            <a:r>
+              <a:rPr lang="en-US" dirty="0"/>
+              <a:t>We can code either using the interpreter directly or using </a:t>
+            </a:r>
+            <a:r>
+              <a:rPr lang="en-US" i="1" dirty="0"/>
+              <a:t>scripts</a:t>
+            </a:r>
+            <a:r>
+              <a:rPr lang="en-US" dirty="0"/>
+              <a:t> (text files with python code)</a:t>
+            </a:r>
+          </a:p>
+          <a:p>
+            <a:pPr marL="457200" indent="-457200">
+              <a:buFont typeface="Arial"/>
+              <a:buChar char="•"/>
+            </a:pPr>
+            <a:endParaRPr lang="en-US" dirty="0" smtClean="0"/>
+          </a:p>
+          <a:p>
+            <a:pPr marL="457200" indent="-457200">
+              <a:buFont typeface="Arial"/>
+              <a:buChar char="•"/>
+            </a:pPr>
+            <a:r>
+              <a:rPr lang="en-US" dirty="0" smtClean="0"/>
+              <a:t>Python is an </a:t>
+            </a:r>
+            <a:r>
+              <a:rPr lang="en-US" i="1" dirty="0" smtClean="0"/>
+              <a:t>object-oriented language</a:t>
+            </a:r>
+            <a:endParaRPr lang="en-US" dirty="0" smtClean="0"/>
+          </a:p>
+          <a:p>
+            <a:pPr marL="914400" lvl="1" indent="-457200">
+              <a:buFont typeface="Arial"/>
+              <a:buChar char="•"/>
+            </a:pPr>
+            <a:r>
+              <a:rPr lang="en-US" dirty="0" err="1" smtClean="0"/>
+              <a:t>object.method</a:t>
+            </a:r>
+            <a:r>
+              <a:rPr lang="en-US" dirty="0" smtClean="0"/>
+              <a:t>()   </a:t>
+            </a:r>
+            <a:r>
+              <a:rPr lang="en-US" dirty="0" smtClean="0">
+                <a:sym typeface="Wingdings"/>
+              </a:rPr>
+              <a:t> perform an action </a:t>
+            </a:r>
+            <a:r>
+              <a:rPr lang="en-US" i="1" dirty="0" smtClean="0">
+                <a:sym typeface="Wingdings"/>
+              </a:rPr>
+              <a:t>on</a:t>
+            </a:r>
+            <a:r>
+              <a:rPr lang="en-US" dirty="0" smtClean="0">
+                <a:sym typeface="Wingdings"/>
+              </a:rPr>
+              <a:t> object</a:t>
+            </a:r>
+            <a:endParaRPr lang="en-US" dirty="0" smtClean="0"/>
+          </a:p>
+          <a:p>
+            <a:pPr marL="914400" lvl="1" indent="-457200">
+              <a:buFont typeface="Arial"/>
+              <a:buChar char="•"/>
+            </a:pPr>
+            <a:r>
+              <a:rPr lang="en-US" dirty="0" err="1" smtClean="0"/>
+              <a:t>object.attribute</a:t>
+            </a:r>
+            <a:r>
+              <a:rPr lang="en-US" dirty="0" smtClean="0"/>
+              <a:t>    </a:t>
+            </a:r>
+            <a:r>
+              <a:rPr lang="en-US" dirty="0" smtClean="0">
+                <a:sym typeface="Wingdings"/>
+              </a:rPr>
+              <a:t> see an aspect of the object</a:t>
+            </a:r>
+            <a:endParaRPr lang="en-US" dirty="0" smtClean="0"/>
+          </a:p>
+          <a:p>
+            <a:pPr marL="914400" lvl="1" indent="-457200">
+              <a:buFont typeface="Arial"/>
+              <a:buChar char="•"/>
+            </a:pPr>
+            <a:endParaRPr lang="en-US" dirty="0"/>
+          </a:p>
+        </p:txBody>
+      </p:sp>
+    </p:spTree>
+    <p:extLst>
+      <p:ext uri="{BB962C8B-B14F-4D97-AF65-F5344CB8AC3E}">
+        <p14:creationId xmlns:p14="http://schemas.microsoft.com/office/powerpoint/2010/main" val="1035205068"/>
       </p:ext>
     </p:extLst>
   </p:cSld>
@@ -7251,12 +6901,14 @@
         </p:nvSpPr>
         <p:spPr/>
         <p:txBody>
-          <a:bodyPr/>
+          <a:bodyPr>
+            <a:normAutofit/>
+          </a:bodyPr>
           <a:lstStyle/>
           <a:p>
             <a:r>
               <a:rPr lang="en-US" dirty="0" smtClean="0"/>
-              <a:t>enter, python!</a:t>
+              <a:t>Python data types</a:t>
             </a:r>
             <a:endParaRPr lang="en-US" dirty="0"/>
           </a:p>
@@ -7274,7 +6926,9 @@
         </p:nvSpPr>
         <p:spPr/>
         <p:txBody>
-          <a:bodyPr/>
+          <a:bodyPr>
+            <a:normAutofit fontScale="92500" lnSpcReduction="10000"/>
+          </a:bodyPr>
           <a:lstStyle/>
           <a:p>
             <a:pPr marL="457200" indent="-457200">
@@ -7282,16 +6936,28 @@
               <a:buChar char="•"/>
             </a:pPr>
             <a:r>
-              <a:rPr lang="en-US" dirty="0"/>
-              <a:t>Python is an </a:t>
-            </a:r>
-            <a:r>
-              <a:rPr lang="en-US" i="1" dirty="0"/>
-              <a:t>interpreted</a:t>
-            </a:r>
-            <a:r>
-              <a:rPr lang="en-US" dirty="0"/>
-              <a:t> language</a:t>
+              <a:rPr lang="en-US" dirty="0" smtClean="0"/>
+              <a:t>Each defined variable has a </a:t>
+            </a:r>
+            <a:r>
+              <a:rPr lang="en-US" i="1" dirty="0" smtClean="0"/>
+              <a:t>name</a:t>
+            </a:r>
+            <a:r>
+              <a:rPr lang="en-US" dirty="0" smtClean="0"/>
+              <a:t>, </a:t>
+            </a:r>
+            <a:r>
+              <a:rPr lang="en-US" i="1" dirty="0" smtClean="0"/>
+              <a:t>value</a:t>
+            </a:r>
+            <a:r>
+              <a:rPr lang="en-US" dirty="0" smtClean="0"/>
+              <a:t>, and </a:t>
+            </a:r>
+            <a:r>
+              <a:rPr lang="en-US" i="1" dirty="0" smtClean="0"/>
+              <a:t>type</a:t>
             </a:r>
           </a:p>
           <a:p>
@@ -7300,39 +6966,34 @@
               <a:buChar char="•"/>
             </a:pPr>
             <a:r>
-              <a:rPr lang="en-US" dirty="0"/>
-              <a:t>We can code either using the interpreter directly or using </a:t>
-            </a:r>
-            <a:r>
-              <a:rPr lang="en-US" i="1" dirty="0"/>
-              <a:t>scripts</a:t>
-            </a:r>
-            <a:r>
-              <a:rPr lang="en-US" dirty="0"/>
-              <a:t> (text files with python code)</a:t>
-            </a:r>
+              <a:rPr lang="en-US" dirty="0" smtClean="0"/>
+              <a:t>The </a:t>
+            </a:r>
+            <a:r>
+              <a:rPr lang="en-US" i="1" dirty="0" smtClean="0"/>
+              <a:t>type</a:t>
+            </a:r>
+            <a:r>
+              <a:rPr lang="en-US" dirty="0" smtClean="0"/>
+              <a:t> determines what you can do with the variable</a:t>
+            </a:r>
+          </a:p>
+          <a:p>
+            <a:pPr marL="914400" lvl="1" indent="-457200">
+              <a:buFont typeface="Arial"/>
+              <a:buChar char="•"/>
+            </a:pPr>
+            <a:endParaRPr lang="en-US" dirty="0" smtClean="0"/>
           </a:p>
           <a:p>
             <a:pPr marL="457200" indent="-457200">
               <a:buFont typeface="Arial"/>
               <a:buChar char="•"/>
             </a:pPr>
-            <a:endParaRPr lang="en-US" dirty="0" smtClean="0"/>
-          </a:p>
-          <a:p>
-            <a:pPr marL="457200" indent="-457200">
-              <a:buFont typeface="Arial"/>
-              <a:buChar char="•"/>
-            </a:pPr>
             <a:r>
               <a:rPr lang="en-US" dirty="0" smtClean="0"/>
-              <a:t>Python is an </a:t>
-            </a:r>
-            <a:r>
-              <a:rPr lang="en-US" i="1" dirty="0" smtClean="0"/>
-              <a:t>object-oriented language</a:t>
-            </a:r>
-            <a:endParaRPr lang="en-US" dirty="0" smtClean="0"/>
+              <a:t>We will cover the basics:</a:t>
+            </a:r>
           </a:p>
           <a:p>
             <a:pPr marL="914400" lvl="1" indent="-457200">
@@ -7340,32 +7001,9 @@
               <a:buChar char="•"/>
             </a:pPr>
             <a:r>
-              <a:rPr lang="en-US" dirty="0" err="1" smtClean="0"/>
-              <a:t>object.method</a:t>
-            </a:r>
-            <a:r>
               <a:rPr lang="en-US" dirty="0" smtClean="0"/>
-              <a:t>()   </a:t>
-            </a:r>
-            <a:r>
-              <a:rPr lang="en-US" dirty="0" smtClean="0">
-                <a:sym typeface="Wingdings"/>
-              </a:rPr>
-              <a:t> perform an action </a:t>
-            </a:r>
-            <a:r>
-              <a:rPr lang="en-US" i="1" dirty="0" smtClean="0">
-                <a:sym typeface="Wingdings"/>
-              </a:rPr>
-              <a:t>on</a:t>
-            </a:r>
-            <a:r>
-              <a:rPr lang="en-US" dirty="0" smtClean="0">
-                <a:sym typeface="Wingdings"/>
-              </a:rPr>
-              <a:t> object</a:t>
-            </a:r>
-            <a:endParaRPr lang="en-US" dirty="0" smtClean="0"/>
+              <a:t>Integers</a:t>
+            </a:r>
           </a:p>
           <a:p>
             <a:pPr marL="914400" lvl="1" indent="-457200">
@@ -7373,26 +7011,42 @@
               <a:buChar char="•"/>
             </a:pPr>
             <a:r>
-              <a:rPr lang="en-US" dirty="0" err="1" smtClean="0"/>
-              <a:t>object.attribute</a:t>
-            </a:r>
-            <a:r>
               <a:rPr lang="en-US" dirty="0" smtClean="0"/>
-              <a:t>    </a:t>
-            </a:r>
-            <a:r>
-              <a:rPr lang="en-US" dirty="0" smtClean="0">
-                <a:sym typeface="Wingdings"/>
-              </a:rPr>
-              <a:t> see an aspect of the object</a:t>
-            </a:r>
-            <a:endParaRPr lang="en-US" dirty="0" smtClean="0"/>
+              <a:t>Floats</a:t>
+            </a:r>
           </a:p>
           <a:p>
             <a:pPr marL="914400" lvl="1" indent="-457200">
               <a:buFont typeface="Arial"/>
               <a:buChar char="•"/>
             </a:pPr>
+            <a:r>
+              <a:rPr lang="en-US" dirty="0" smtClean="0"/>
+              <a:t>Lists       </a:t>
+            </a:r>
+          </a:p>
+          <a:p>
+            <a:pPr marL="914400" lvl="1" indent="-457200">
+              <a:buFont typeface="Arial"/>
+              <a:buChar char="•"/>
+            </a:pPr>
+            <a:r>
+              <a:rPr lang="en-US" dirty="0" smtClean="0"/>
+              <a:t>Strings</a:t>
+            </a:r>
+          </a:p>
+          <a:p>
+            <a:pPr marL="914400" lvl="1" indent="-457200">
+              <a:buFont typeface="Arial"/>
+              <a:buChar char="•"/>
+            </a:pPr>
+            <a:r>
+              <a:rPr lang="en-US" dirty="0" smtClean="0"/>
+              <a:t>Dictionaries (tomorrow)</a:t>
+            </a:r>
+            <a:endParaRPr lang="en-US" dirty="0"/>
+          </a:p>
+          <a:p>
             <a:endParaRPr lang="en-US" dirty="0"/>
           </a:p>
         </p:txBody>
@@ -7400,7 +7054,7 @@
     </p:spTree>
     <p:extLst>
       <p:ext uri="{BB962C8B-B14F-4D97-AF65-F5344CB8AC3E}">
-        <p14:creationId xmlns:p14="http://schemas.microsoft.com/office/powerpoint/2010/main" val="1035205068"/>
+        <p14:creationId xmlns:p14="http://schemas.microsoft.com/office/powerpoint/2010/main" val="1297169505"/>
       </p:ext>
     </p:extLst>
   </p:cSld>
@@ -7603,198 +7257,6 @@
         </p:nvSpPr>
         <p:spPr/>
         <p:txBody>
-          <a:bodyPr>
-            <a:normAutofit/>
-          </a:bodyPr>
-          <a:lstStyle/>
-          <a:p>
-            <a:r>
-              <a:rPr lang="en-US" dirty="0" smtClean="0"/>
-              <a:t>Python data types</a:t>
-            </a:r>
-            <a:endParaRPr lang="en-US" dirty="0"/>
-          </a:p>
-        </p:txBody>
-      </p:sp>
-      <p:sp>
-        <p:nvSpPr>
-          <p:cNvPr id="3" name="Content Placeholder 2"/>
-          <p:cNvSpPr>
-            <a:spLocks noGrp="1"/>
-          </p:cNvSpPr>
-          <p:nvPr>
-            <p:ph idx="1"/>
-          </p:nvPr>
-        </p:nvSpPr>
-        <p:spPr/>
-        <p:txBody>
-          <a:bodyPr>
-            <a:normAutofit fontScale="92500" lnSpcReduction="10000"/>
-          </a:bodyPr>
-          <a:lstStyle/>
-          <a:p>
-            <a:pPr marL="457200" indent="-457200">
-              <a:buFont typeface="Arial"/>
-              <a:buChar char="•"/>
-            </a:pPr>
-            <a:r>
-              <a:rPr lang="en-US" dirty="0" smtClean="0"/>
-              <a:t>Each defined variable has a </a:t>
-            </a:r>
-            <a:r>
-              <a:rPr lang="en-US" i="1" dirty="0" smtClean="0"/>
-              <a:t>name</a:t>
-            </a:r>
-            <a:r>
-              <a:rPr lang="en-US" dirty="0" smtClean="0"/>
-              <a:t>, </a:t>
-            </a:r>
-            <a:r>
-              <a:rPr lang="en-US" i="1" dirty="0" smtClean="0"/>
-              <a:t>value</a:t>
-            </a:r>
-            <a:r>
-              <a:rPr lang="en-US" dirty="0" smtClean="0"/>
-              <a:t>, and </a:t>
-            </a:r>
-            <a:r>
-              <a:rPr lang="en-US" i="1" dirty="0" smtClean="0"/>
-              <a:t>type</a:t>
-            </a:r>
-          </a:p>
-          <a:p>
-            <a:pPr marL="914400" lvl="1" indent="-457200">
-              <a:buFont typeface="Arial"/>
-              <a:buChar char="•"/>
-            </a:pPr>
-            <a:r>
-              <a:rPr lang="en-US" dirty="0" smtClean="0"/>
-              <a:t>The </a:t>
-            </a:r>
-            <a:r>
-              <a:rPr lang="en-US" i="1" dirty="0" smtClean="0"/>
-              <a:t>type</a:t>
-            </a:r>
-            <a:r>
-              <a:rPr lang="en-US" dirty="0" smtClean="0"/>
-              <a:t> determines what you can do with the variable</a:t>
-            </a:r>
-          </a:p>
-          <a:p>
-            <a:pPr marL="914400" lvl="1" indent="-457200">
-              <a:buFont typeface="Arial"/>
-              <a:buChar char="•"/>
-            </a:pPr>
-            <a:endParaRPr lang="en-US" dirty="0" smtClean="0"/>
-          </a:p>
-          <a:p>
-            <a:pPr marL="457200" indent="-457200">
-              <a:buFont typeface="Arial"/>
-              <a:buChar char="•"/>
-            </a:pPr>
-            <a:r>
-              <a:rPr lang="en-US" dirty="0" smtClean="0"/>
-              <a:t>We will cover the basics:</a:t>
-            </a:r>
-          </a:p>
-          <a:p>
-            <a:pPr marL="914400" lvl="1" indent="-457200">
-              <a:buFont typeface="Arial"/>
-              <a:buChar char="•"/>
-            </a:pPr>
-            <a:r>
-              <a:rPr lang="en-US" dirty="0" smtClean="0"/>
-              <a:t>Integers</a:t>
-            </a:r>
-          </a:p>
-          <a:p>
-            <a:pPr marL="914400" lvl="1" indent="-457200">
-              <a:buFont typeface="Arial"/>
-              <a:buChar char="•"/>
-            </a:pPr>
-            <a:r>
-              <a:rPr lang="en-US" dirty="0" smtClean="0"/>
-              <a:t>Floats</a:t>
-            </a:r>
-          </a:p>
-          <a:p>
-            <a:pPr marL="914400" lvl="1" indent="-457200">
-              <a:buFont typeface="Arial"/>
-              <a:buChar char="•"/>
-            </a:pPr>
-            <a:r>
-              <a:rPr lang="en-US" dirty="0" smtClean="0"/>
-              <a:t>Lists       </a:t>
-            </a:r>
-          </a:p>
-          <a:p>
-            <a:pPr marL="914400" lvl="1" indent="-457200">
-              <a:buFont typeface="Arial"/>
-              <a:buChar char="•"/>
-            </a:pPr>
-            <a:r>
-              <a:rPr lang="en-US" dirty="0" smtClean="0"/>
-              <a:t>Strings</a:t>
-            </a:r>
-          </a:p>
-          <a:p>
-            <a:pPr marL="914400" lvl="1" indent="-457200">
-              <a:buFont typeface="Arial"/>
-              <a:buChar char="•"/>
-            </a:pPr>
-            <a:r>
-              <a:rPr lang="en-US" dirty="0" smtClean="0"/>
-              <a:t>Dictionaries (tomorrow)</a:t>
-            </a:r>
-            <a:endParaRPr lang="en-US" dirty="0"/>
-          </a:p>
-          <a:p>
-            <a:endParaRPr lang="en-US" dirty="0"/>
-          </a:p>
-        </p:txBody>
-      </p:sp>
-    </p:spTree>
-    <p:extLst>
-      <p:ext uri="{BB962C8B-B14F-4D97-AF65-F5344CB8AC3E}">
-        <p14:creationId xmlns:p14="http://schemas.microsoft.com/office/powerpoint/2010/main" val="1297169505"/>
-      </p:ext>
-    </p:extLst>
-  </p:cSld>
-  <p:clrMapOvr>
-    <a:masterClrMapping/>
-  </p:clrMapOvr>
-</p:sld>
-</file>
-
-<file path=ppt/slides/slide21.xml><?xml version="1.0" encoding="utf-8"?>
-<p:sld xmlns:a="http://schemas.openxmlformats.org/drawingml/2006/main" xmlns:r="http://schemas.openxmlformats.org/officeDocument/2006/relationships" xmlns:p="http://schemas.openxmlformats.org/presentationml/2006/main">
-  <p:cSld>
-    <p:spTree>
-      <p:nvGrpSpPr>
-        <p:cNvPr id="1" name=""/>
-        <p:cNvGrpSpPr/>
-        <p:nvPr/>
-      </p:nvGrpSpPr>
-      <p:grpSpPr>
-        <a:xfrm>
-          <a:off x="0" y="0"/>
-          <a:ext cx="0" cy="0"/>
-          <a:chOff x="0" y="0"/>
-          <a:chExt cx="0" cy="0"/>
-        </a:xfrm>
-      </p:grpSpPr>
-      <p:sp>
-        <p:nvSpPr>
-          <p:cNvPr id="2" name="Title 1"/>
-          <p:cNvSpPr>
-            <a:spLocks noGrp="1"/>
-          </p:cNvSpPr>
-          <p:nvPr>
-            <p:ph type="title"/>
-          </p:nvPr>
-        </p:nvSpPr>
-        <p:spPr/>
-        <p:txBody>
           <a:bodyPr/>
           <a:lstStyle/>
           <a:p>
@@ -7959,7 +7421,7 @@
 </p:sld>
 </file>
 
-<file path=ppt/slides/slide22.xml><?xml version="1.0" encoding="utf-8"?>
+<file path=ppt/slides/slide21.xml><?xml version="1.0" encoding="utf-8"?>
 <p:sld xmlns:a="http://schemas.openxmlformats.org/drawingml/2006/main" xmlns:r="http://schemas.openxmlformats.org/officeDocument/2006/relationships" xmlns:p="http://schemas.openxmlformats.org/presentationml/2006/main">
   <p:cSld>
     <p:spTree>
@@ -8327,7 +7789,7 @@
 </p:sld>
 </file>
 
-<file path=ppt/slides/slide23.xml><?xml version="1.0" encoding="utf-8"?>
+<file path=ppt/slides/slide22.xml><?xml version="1.0" encoding="utf-8"?>
 <p:sld xmlns:a="http://schemas.openxmlformats.org/drawingml/2006/main" xmlns:r="http://schemas.openxmlformats.org/officeDocument/2006/relationships" xmlns:p="http://schemas.openxmlformats.org/presentationml/2006/main">
   <p:cSld>
     <p:spTree>
@@ -8688,7 +8150,7 @@
 </p:sld>
 </file>
 
-<file path=ppt/slides/slide24.xml><?xml version="1.0" encoding="utf-8"?>
+<file path=ppt/slides/slide23.xml><?xml version="1.0" encoding="utf-8"?>
 <p:sld xmlns:a="http://schemas.openxmlformats.org/drawingml/2006/main" xmlns:r="http://schemas.openxmlformats.org/officeDocument/2006/relationships" xmlns:p="http://schemas.openxmlformats.org/presentationml/2006/main">
   <p:cSld>
     <p:spTree>
@@ -9028,6 +8490,101 @@
 </p:sld>
 </file>
 
+<file path=ppt/slides/slide24.xml><?xml version="1.0" encoding="utf-8"?>
+<p:sld xmlns:a="http://schemas.openxmlformats.org/drawingml/2006/main" xmlns:r="http://schemas.openxmlformats.org/officeDocument/2006/relationships" xmlns:p="http://schemas.openxmlformats.org/presentationml/2006/main">
+  <p:cSld>
+    <p:spTree>
+      <p:nvGrpSpPr>
+        <p:cNvPr id="1" name=""/>
+        <p:cNvGrpSpPr/>
+        <p:nvPr/>
+      </p:nvGrpSpPr>
+      <p:grpSpPr>
+        <a:xfrm>
+          <a:off x="0" y="0"/>
+          <a:ext cx="0" cy="0"/>
+          <a:chOff x="0" y="0"/>
+          <a:chExt cx="0" cy="0"/>
+        </a:xfrm>
+      </p:grpSpPr>
+      <p:sp>
+        <p:nvSpPr>
+          <p:cNvPr id="2" name="Title 1"/>
+          <p:cNvSpPr>
+            <a:spLocks noGrp="1"/>
+          </p:cNvSpPr>
+          <p:nvPr>
+            <p:ph type="title"/>
+          </p:nvPr>
+        </p:nvSpPr>
+        <p:spPr/>
+        <p:txBody>
+          <a:bodyPr/>
+          <a:lstStyle/>
+          <a:p>
+            <a:r>
+              <a:rPr lang="en-US" dirty="0" smtClean="0"/>
+              <a:t>Mathematical operations</a:t>
+            </a:r>
+            <a:endParaRPr lang="en-US" dirty="0"/>
+          </a:p>
+        </p:txBody>
+      </p:sp>
+      <p:sp>
+        <p:nvSpPr>
+          <p:cNvPr id="3" name="Content Placeholder 2"/>
+          <p:cNvSpPr>
+            <a:spLocks noGrp="1"/>
+          </p:cNvSpPr>
+          <p:nvPr>
+            <p:ph idx="1"/>
+          </p:nvPr>
+        </p:nvSpPr>
+        <p:spPr/>
+        <p:txBody>
+          <a:bodyPr/>
+          <a:lstStyle/>
+          <a:p>
+            <a:pPr marL="457200" indent="-457200">
+              <a:buFont typeface="Arial"/>
+              <a:buChar char="•"/>
+            </a:pPr>
+            <a:r>
+              <a:rPr lang="en-US" dirty="0" smtClean="0"/>
+              <a:t>Standard symbols</a:t>
+            </a:r>
+          </a:p>
+          <a:p>
+            <a:pPr marL="914400" lvl="1" indent="-457200">
+              <a:buFont typeface="Arial"/>
+              <a:buChar char="•"/>
+            </a:pPr>
+            <a:r>
+              <a:rPr lang="en-US" dirty="0" smtClean="0"/>
+              <a:t>+, -, *, /, %</a:t>
+            </a:r>
+          </a:p>
+          <a:p>
+            <a:pPr lvl="1" indent="0">
+              <a:buNone/>
+            </a:pPr>
+            <a:endParaRPr lang="en-US" dirty="0" smtClean="0"/>
+          </a:p>
+        </p:txBody>
+      </p:sp>
+    </p:spTree>
+    <p:extLst>
+      <p:ext uri="{BB962C8B-B14F-4D97-AF65-F5344CB8AC3E}">
+        <p14:creationId xmlns:p14="http://schemas.microsoft.com/office/powerpoint/2010/main" val="3336113825"/>
+      </p:ext>
+    </p:extLst>
+  </p:cSld>
+  <p:clrMapOvr>
+    <a:masterClrMapping/>
+  </p:clrMapOvr>
+</p:sld>
+</file>
+
 <file path=ppt/slides/slide25.xml><?xml version="1.0" encoding="utf-8"?>
 <p:sld xmlns:a="http://schemas.openxmlformats.org/drawingml/2006/main" xmlns:r="http://schemas.openxmlformats.org/officeDocument/2006/relationships" xmlns:p="http://schemas.openxmlformats.org/presentationml/2006/main">
   <p:cSld>
@@ -9110,10 +8667,69 @@
           </a:p>
         </p:txBody>
       </p:sp>
+      <p:sp>
+        <p:nvSpPr>
+          <p:cNvPr id="4" name="TextBox 3"/>
+          <p:cNvSpPr txBox="1"/>
+          <p:nvPr/>
+        </p:nvSpPr>
+        <p:spPr>
+          <a:xfrm>
+            <a:off x="1663699" y="2956022"/>
+            <a:ext cx="5225710" cy="1200329"/>
+          </a:xfrm>
+          <a:prstGeom prst="rect">
+            <a:avLst/>
+          </a:prstGeom>
+          <a:noFill/>
+        </p:spPr>
+        <p:txBody>
+          <a:bodyPr wrap="square" rtlCol="0">
+            <a:spAutoFit/>
+          </a:bodyPr>
+          <a:lstStyle/>
+          <a:p>
+            <a:r>
+              <a:rPr lang="en-US" dirty="0" smtClean="0">
+                <a:latin typeface="Monaco"/>
+                <a:cs typeface="Monaco"/>
+              </a:rPr>
+              <a:t># Define variables and math them</a:t>
+            </a:r>
+          </a:p>
+          <a:p>
+            <a:r>
+              <a:rPr lang="en-US" dirty="0" smtClean="0">
+                <a:latin typeface="Monaco"/>
+                <a:cs typeface="Monaco"/>
+              </a:rPr>
+              <a:t>a = 5</a:t>
+            </a:r>
+          </a:p>
+          <a:p>
+            <a:r>
+              <a:rPr lang="en-US" dirty="0" smtClean="0">
+                <a:latin typeface="Monaco"/>
+                <a:cs typeface="Monaco"/>
+              </a:rPr>
+              <a:t>b = -33</a:t>
+            </a:r>
+          </a:p>
+          <a:p>
+            <a:r>
+              <a:rPr lang="en-US" dirty="0" smtClean="0">
+                <a:latin typeface="Monaco"/>
+                <a:cs typeface="Monaco"/>
+              </a:rPr>
+              <a:t>c = a + b  #c now has a value -28</a:t>
+            </a:r>
+          </a:p>
+        </p:txBody>
+      </p:sp>
     </p:spTree>
     <p:extLst>
       <p:ext uri="{BB962C8B-B14F-4D97-AF65-F5344CB8AC3E}">
-        <p14:creationId xmlns:p14="http://schemas.microsoft.com/office/powerpoint/2010/main" val="3336113825"/>
+        <p14:creationId xmlns:p14="http://schemas.microsoft.com/office/powerpoint/2010/main" val="2573030338"/>
       </p:ext>
     </p:extLst>
   </p:cSld>
@@ -9261,6 +8877,44 @@
               </a:rPr>
               <a:t>c = a + b  #c now has a value -28</a:t>
             </a:r>
+          </a:p>
+        </p:txBody>
+      </p:sp>
+      <p:sp>
+        <p:nvSpPr>
+          <p:cNvPr id="8" name="TextBox 7"/>
+          <p:cNvSpPr txBox="1"/>
+          <p:nvPr/>
+        </p:nvSpPr>
+        <p:spPr>
+          <a:xfrm>
+            <a:off x="3577341" y="4156351"/>
+            <a:ext cx="3525497" cy="369332"/>
+          </a:xfrm>
+          <a:prstGeom prst="rect">
+            <a:avLst/>
+          </a:prstGeom>
+          <a:noFill/>
+        </p:spPr>
+        <p:txBody>
+          <a:bodyPr wrap="square" rtlCol="0">
+            <a:spAutoFit/>
+          </a:bodyPr>
+          <a:lstStyle/>
+          <a:p>
+            <a:r>
+              <a:rPr lang="en-US" dirty="0" smtClean="0">
+                <a:solidFill>
+                  <a:schemeClr val="accent2"/>
+                </a:solidFill>
+              </a:rPr>
+              <a:t>What type of variable is c?</a:t>
+            </a:r>
+            <a:endParaRPr lang="en-US" dirty="0">
+              <a:solidFill>
+                <a:schemeClr val="accent2"/>
+              </a:solidFill>
+            </a:endParaRPr>
           </a:p>
         </p:txBody>
       </p:sp>
@@ -9420,14 +9074,14 @@
       </p:sp>
       <p:sp>
         <p:nvSpPr>
-          <p:cNvPr id="8" name="TextBox 7"/>
+          <p:cNvPr id="7" name="TextBox 6"/>
           <p:cNvSpPr txBox="1"/>
           <p:nvPr/>
         </p:nvSpPr>
         <p:spPr>
           <a:xfrm>
-            <a:off x="3577341" y="4156351"/>
-            <a:ext cx="3525497" cy="369332"/>
+            <a:off x="1743002" y="4925834"/>
+            <a:ext cx="5225710" cy="1200329"/>
           </a:xfrm>
           <a:prstGeom prst="rect">
             <a:avLst/>
@@ -9442,24 +9096,45 @@
           <a:p>
             <a:r>
               <a:rPr lang="en-US" dirty="0" smtClean="0">
-                <a:solidFill>
-                  <a:schemeClr val="accent2"/>
-                </a:solidFill>
-              </a:rPr>
-              <a:t>What type of variable is c?</a:t>
-            </a:r>
-            <a:endParaRPr lang="en-US" dirty="0">
-              <a:solidFill>
-                <a:schemeClr val="accent2"/>
-              </a:solidFill>
-            </a:endParaRPr>
+                <a:latin typeface="Monaco"/>
+                <a:cs typeface="Monaco"/>
+              </a:rPr>
+              <a:t># Define variables and math them</a:t>
+            </a:r>
+          </a:p>
+          <a:p>
+            <a:r>
+              <a:rPr lang="en-US" dirty="0" smtClean="0">
+                <a:latin typeface="Monaco"/>
+                <a:cs typeface="Monaco"/>
+              </a:rPr>
+              <a:t>a = 5.0</a:t>
+            </a:r>
+          </a:p>
+          <a:p>
+            <a:r>
+              <a:rPr lang="en-US" dirty="0" smtClean="0">
+                <a:latin typeface="Monaco"/>
+                <a:cs typeface="Monaco"/>
+              </a:rPr>
+              <a:t>b = -33</a:t>
+            </a:r>
+          </a:p>
+          <a:p>
+            <a:r>
+              <a:rPr lang="en-US" dirty="0" smtClean="0">
+                <a:latin typeface="Monaco"/>
+                <a:cs typeface="Monaco"/>
+              </a:rPr>
+              <a:t>c = a + b  #c now has a value -28.0</a:t>
+            </a:r>
           </a:p>
         </p:txBody>
       </p:sp>
     </p:spTree>
     <p:extLst>
       <p:ext uri="{BB962C8B-B14F-4D97-AF65-F5344CB8AC3E}">
-        <p14:creationId xmlns:p14="http://schemas.microsoft.com/office/powerpoint/2010/main" val="2573030338"/>
+        <p14:creationId xmlns:p14="http://schemas.microsoft.com/office/powerpoint/2010/main" val="242800007"/>
       </p:ext>
     </p:extLst>
   </p:cSld>
@@ -9612,6 +9287,44 @@
       </p:sp>
       <p:sp>
         <p:nvSpPr>
+          <p:cNvPr id="6" name="TextBox 5"/>
+          <p:cNvSpPr txBox="1"/>
+          <p:nvPr/>
+        </p:nvSpPr>
+        <p:spPr>
+          <a:xfrm>
+            <a:off x="3479764" y="6126163"/>
+            <a:ext cx="3525497" cy="369332"/>
+          </a:xfrm>
+          <a:prstGeom prst="rect">
+            <a:avLst/>
+          </a:prstGeom>
+          <a:noFill/>
+        </p:spPr>
+        <p:txBody>
+          <a:bodyPr wrap="square" rtlCol="0">
+            <a:spAutoFit/>
+          </a:bodyPr>
+          <a:lstStyle/>
+          <a:p>
+            <a:r>
+              <a:rPr lang="en-US" dirty="0" smtClean="0">
+                <a:solidFill>
+                  <a:schemeClr val="accent2"/>
+                </a:solidFill>
+              </a:rPr>
+              <a:t>What type of variable is c now?</a:t>
+            </a:r>
+            <a:endParaRPr lang="en-US" dirty="0">
+              <a:solidFill>
+                <a:schemeClr val="accent2"/>
+              </a:solidFill>
+            </a:endParaRPr>
+          </a:p>
+        </p:txBody>
+      </p:sp>
+      <p:sp>
+        <p:nvSpPr>
           <p:cNvPr id="7" name="TextBox 6"/>
           <p:cNvSpPr txBox="1"/>
           <p:nvPr/>
@@ -9672,7 +9385,7 @@
     </p:spTree>
     <p:extLst>
       <p:ext uri="{BB962C8B-B14F-4D97-AF65-F5344CB8AC3E}">
-        <p14:creationId xmlns:p14="http://schemas.microsoft.com/office/powerpoint/2010/main" val="242800007"/>
+        <p14:creationId xmlns:p14="http://schemas.microsoft.com/office/powerpoint/2010/main" val="2573030338"/>
       </p:ext>
     </p:extLst>
   </p:cSld>
@@ -9716,51 +9429,9 @@
           <a:p>
             <a:r>
               <a:rPr lang="en-US" dirty="0" smtClean="0"/>
-              <a:t>Mathematical operations</a:t>
+              <a:t>results follow the input types!</a:t>
             </a:r>
             <a:endParaRPr lang="en-US" dirty="0"/>
-          </a:p>
-        </p:txBody>
-      </p:sp>
-      <p:sp>
-        <p:nvSpPr>
-          <p:cNvPr id="3" name="Content Placeholder 2"/>
-          <p:cNvSpPr>
-            <a:spLocks noGrp="1"/>
-          </p:cNvSpPr>
-          <p:nvPr>
-            <p:ph idx="1"/>
-          </p:nvPr>
-        </p:nvSpPr>
-        <p:spPr/>
-        <p:txBody>
-          <a:bodyPr/>
-          <a:lstStyle/>
-          <a:p>
-            <a:pPr marL="457200" indent="-457200">
-              <a:buFont typeface="Arial"/>
-              <a:buChar char="•"/>
-            </a:pPr>
-            <a:r>
-              <a:rPr lang="en-US" dirty="0" smtClean="0"/>
-              <a:t>Standard symbols</a:t>
-            </a:r>
-          </a:p>
-          <a:p>
-            <a:pPr marL="914400" lvl="1" indent="-457200">
-              <a:buFont typeface="Arial"/>
-              <a:buChar char="•"/>
-            </a:pPr>
-            <a:r>
-              <a:rPr lang="en-US" dirty="0" smtClean="0"/>
-              <a:t>+, -, *, /, %</a:t>
-            </a:r>
-          </a:p>
-          <a:p>
-            <a:pPr lvl="1" indent="0">
-              <a:buNone/>
-            </a:pPr>
-            <a:endParaRPr lang="en-US" dirty="0" smtClean="0"/>
           </a:p>
         </p:txBody>
       </p:sp>
@@ -9772,8 +9443,8 @@
         </p:nvSpPr>
         <p:spPr>
           <a:xfrm>
-            <a:off x="1663699" y="2956022"/>
-            <a:ext cx="5225710" cy="1200329"/>
+            <a:off x="622064" y="1788071"/>
+            <a:ext cx="6514047" cy="2308324"/>
           </a:xfrm>
           <a:prstGeom prst="rect">
             <a:avLst/>
@@ -9791,8 +9462,19 @@
                 <a:latin typeface="Monaco"/>
                 <a:cs typeface="Monaco"/>
               </a:rPr>
-              <a:t># Define variables and math them</a:t>
-            </a:r>
+              <a:t># Dividing two integers results in an </a:t>
+            </a:r>
+            <a:r>
+              <a:rPr lang="en-US" i="1" dirty="0" smtClean="0">
+                <a:latin typeface="Monaco"/>
+                <a:cs typeface="Monaco"/>
+              </a:rPr>
+              <a:t>integer</a:t>
+            </a:r>
+            <a:endParaRPr lang="en-US" dirty="0" smtClean="0">
+              <a:latin typeface="Monaco"/>
+              <a:cs typeface="Monaco"/>
+            </a:endParaRPr>
           </a:p>
           <a:p>
             <a:r>
@@ -9809,113 +9491,61 @@
                 <a:latin typeface="Monaco"/>
                 <a:cs typeface="Monaco"/>
               </a:rPr>
-              <a:t>b = -33</a:t>
-            </a:r>
-          </a:p>
-          <a:p>
-            <a:r>
-              <a:rPr lang="en-US" dirty="0" smtClean="0">
-                <a:latin typeface="Monaco"/>
-                <a:cs typeface="Monaco"/>
-              </a:rPr>
-              <a:t>c = a + b  #c now has a value -28</a:t>
-            </a:r>
-          </a:p>
-        </p:txBody>
-      </p:sp>
-      <p:sp>
-        <p:nvSpPr>
-          <p:cNvPr id="6" name="TextBox 5"/>
-          <p:cNvSpPr txBox="1"/>
-          <p:nvPr/>
-        </p:nvSpPr>
-        <p:spPr>
-          <a:xfrm>
-            <a:off x="3479764" y="6126163"/>
-            <a:ext cx="3525497" cy="369332"/>
-          </a:xfrm>
-          <a:prstGeom prst="rect">
-            <a:avLst/>
-          </a:prstGeom>
-          <a:noFill/>
-        </p:spPr>
-        <p:txBody>
-          <a:bodyPr wrap="square" rtlCol="0">
-            <a:spAutoFit/>
-          </a:bodyPr>
-          <a:lstStyle/>
-          <a:p>
-            <a:r>
-              <a:rPr lang="en-US" dirty="0" smtClean="0">
-                <a:solidFill>
-                  <a:schemeClr val="accent2"/>
-                </a:solidFill>
-              </a:rPr>
-              <a:t>What type of variable is c now?</a:t>
-            </a:r>
-            <a:endParaRPr lang="en-US" dirty="0">
-              <a:solidFill>
-                <a:schemeClr val="accent2"/>
-              </a:solidFill>
+              <a:t>b = 7</a:t>
+            </a:r>
+          </a:p>
+          <a:p>
+            <a:r>
+              <a:rPr lang="en-US" dirty="0" smtClean="0">
+                <a:latin typeface="Monaco"/>
+                <a:cs typeface="Monaco"/>
+              </a:rPr>
+              <a:t>c = a / b</a:t>
+            </a:r>
+          </a:p>
+          <a:p>
+            <a:endParaRPr lang="en-US" dirty="0" smtClean="0">
+              <a:latin typeface="Monaco"/>
+              <a:cs typeface="Monaco"/>
             </a:endParaRPr>
           </a:p>
-        </p:txBody>
-      </p:sp>
-      <p:sp>
-        <p:nvSpPr>
-          <p:cNvPr id="7" name="TextBox 6"/>
-          <p:cNvSpPr txBox="1"/>
-          <p:nvPr/>
-        </p:nvSpPr>
-        <p:spPr>
-          <a:xfrm>
-            <a:off x="1743002" y="4925834"/>
-            <a:ext cx="5225710" cy="1200329"/>
-          </a:xfrm>
-          <a:prstGeom prst="rect">
-            <a:avLst/>
-          </a:prstGeom>
-          <a:noFill/>
-        </p:spPr>
-        <p:txBody>
-          <a:bodyPr wrap="square" rtlCol="0">
-            <a:spAutoFit/>
-          </a:bodyPr>
-          <a:lstStyle/>
-          <a:p>
-            <a:r>
-              <a:rPr lang="en-US" dirty="0" smtClean="0">
-                <a:latin typeface="Monaco"/>
-                <a:cs typeface="Monaco"/>
-              </a:rPr>
-              <a:t># Define variables and math them</a:t>
-            </a:r>
-          </a:p>
-          <a:p>
-            <a:r>
-              <a:rPr lang="en-US" dirty="0" smtClean="0">
-                <a:latin typeface="Monaco"/>
-                <a:cs typeface="Monaco"/>
-              </a:rPr>
-              <a:t>a = 5.0</a:t>
-            </a:r>
-          </a:p>
-          <a:p>
-            <a:r>
-              <a:rPr lang="en-US" dirty="0" smtClean="0">
-                <a:latin typeface="Monaco"/>
-                <a:cs typeface="Monaco"/>
-              </a:rPr>
-              <a:t>b = -33</a:t>
-            </a:r>
-          </a:p>
-          <a:p>
-            <a:r>
-              <a:rPr lang="en-US" dirty="0" smtClean="0">
-                <a:latin typeface="Monaco"/>
-                <a:cs typeface="Monaco"/>
-              </a:rPr>
-              <a:t>c = a + b  #c now has a value -28.0</a:t>
+          <a:p>
+            <a:r>
+              <a:rPr lang="en-US" dirty="0" smtClean="0">
+                <a:latin typeface="Monaco"/>
+                <a:cs typeface="Monaco"/>
+              </a:rPr>
+              <a:t># Use print statements to see output</a:t>
+            </a:r>
+          </a:p>
+          <a:p>
+            <a:r>
+              <a:rPr lang="en-US" dirty="0" smtClean="0">
+                <a:latin typeface="Monaco"/>
+                <a:cs typeface="Monaco"/>
+              </a:rPr>
+              <a:t>print c</a:t>
+            </a:r>
+          </a:p>
+          <a:p>
+            <a:r>
+              <a:rPr lang="en-US" dirty="0">
+                <a:latin typeface="Monaco"/>
+                <a:cs typeface="Monaco"/>
+              </a:rPr>
+              <a:t>	</a:t>
+            </a:r>
+            <a:r>
+              <a:rPr lang="en-US" dirty="0" smtClean="0">
+                <a:solidFill>
+                  <a:schemeClr val="bg1">
+                    <a:lumMod val="65000"/>
+                  </a:schemeClr>
+                </a:solidFill>
+                <a:latin typeface="Monaco"/>
+                <a:cs typeface="Monaco"/>
+              </a:rPr>
+              <a:t>0</a:t>
             </a:r>
           </a:p>
         </p:txBody>
@@ -9923,7 +9553,7 @@
     </p:spTree>
     <p:extLst>
       <p:ext uri="{BB962C8B-B14F-4D97-AF65-F5344CB8AC3E}">
-        <p14:creationId xmlns:p14="http://schemas.microsoft.com/office/powerpoint/2010/main" val="2573030338"/>
+        <p14:creationId xmlns:p14="http://schemas.microsoft.com/office/powerpoint/2010/main" val="335227802"/>
       </p:ext>
     </p:extLst>
   </p:cSld>
@@ -10174,6 +9804,168 @@
           </a:p>
         </p:txBody>
       </p:sp>
+      <p:sp>
+        <p:nvSpPr>
+          <p:cNvPr id="5" name="TextBox 4"/>
+          <p:cNvSpPr txBox="1"/>
+          <p:nvPr/>
+        </p:nvSpPr>
+        <p:spPr>
+          <a:xfrm>
+            <a:off x="1736059" y="4705989"/>
+            <a:ext cx="2103737" cy="1477328"/>
+          </a:xfrm>
+          <a:prstGeom prst="rect">
+            <a:avLst/>
+          </a:prstGeom>
+          <a:noFill/>
+        </p:spPr>
+        <p:txBody>
+          <a:bodyPr wrap="square" rtlCol="0">
+            <a:spAutoFit/>
+          </a:bodyPr>
+          <a:lstStyle/>
+          <a:p>
+            <a:r>
+              <a:rPr lang="en-US" dirty="0" smtClean="0">
+                <a:latin typeface="Monaco"/>
+                <a:cs typeface="Monaco"/>
+              </a:rPr>
+              <a:t>a = 5.</a:t>
+            </a:r>
+          </a:p>
+          <a:p>
+            <a:r>
+              <a:rPr lang="en-US" dirty="0" smtClean="0">
+                <a:latin typeface="Monaco"/>
+                <a:cs typeface="Monaco"/>
+              </a:rPr>
+              <a:t>b = 7</a:t>
+            </a:r>
+          </a:p>
+          <a:p>
+            <a:r>
+              <a:rPr lang="en-US" dirty="0" smtClean="0">
+                <a:latin typeface="Monaco"/>
+                <a:cs typeface="Monaco"/>
+              </a:rPr>
+              <a:t>c = a / b</a:t>
+            </a:r>
+          </a:p>
+          <a:p>
+            <a:r>
+              <a:rPr lang="en-US" dirty="0" smtClean="0">
+                <a:latin typeface="Monaco"/>
+                <a:cs typeface="Monaco"/>
+              </a:rPr>
+              <a:t>print c</a:t>
+            </a:r>
+          </a:p>
+          <a:p>
+            <a:r>
+              <a:rPr lang="en-US" dirty="0">
+                <a:latin typeface="Monaco"/>
+                <a:cs typeface="Monaco"/>
+              </a:rPr>
+              <a:t> </a:t>
+            </a:r>
+            <a:r>
+              <a:rPr lang="en-US" dirty="0" smtClean="0">
+                <a:latin typeface="Monaco"/>
+                <a:cs typeface="Monaco"/>
+              </a:rPr>
+              <a:t> </a:t>
+            </a:r>
+            <a:r>
+              <a:rPr lang="en-US" dirty="0" smtClean="0">
+                <a:solidFill>
+                  <a:srgbClr val="A6A6A6"/>
+                </a:solidFill>
+                <a:latin typeface="Monaco"/>
+                <a:cs typeface="Monaco"/>
+              </a:rPr>
+              <a:t>0.714285714</a:t>
+            </a:r>
+          </a:p>
+        </p:txBody>
+      </p:sp>
+      <p:sp>
+        <p:nvSpPr>
+          <p:cNvPr id="6" name="Rectangle 5"/>
+          <p:cNvSpPr/>
+          <p:nvPr/>
+        </p:nvSpPr>
+        <p:spPr>
+          <a:xfrm>
+            <a:off x="2506512" y="4869695"/>
+            <a:ext cx="191142" cy="173592"/>
+          </a:xfrm>
+          <a:prstGeom prst="rect">
+            <a:avLst/>
+          </a:prstGeom>
+          <a:noFill/>
+          <a:ln w="28575" cmpd="sng">
+            <a:solidFill>
+              <a:schemeClr val="accent2"/>
+            </a:solidFill>
+          </a:ln>
+          <a:effectLst/>
+        </p:spPr>
+        <p:style>
+          <a:lnRef idx="1">
+            <a:schemeClr val="accent1"/>
+          </a:lnRef>
+          <a:fillRef idx="3">
+            <a:schemeClr val="accent1"/>
+          </a:fillRef>
+          <a:effectRef idx="2">
+            <a:schemeClr val="accent1"/>
+          </a:effectRef>
+          <a:fontRef idx="minor">
+            <a:schemeClr val="lt1"/>
+          </a:fontRef>
+        </p:style>
+        <p:txBody>
+          <a:bodyPr rtlCol="0" anchor="ctr"/>
+          <a:lstStyle/>
+          <a:p>
+            <a:pPr algn="ctr"/>
+            <a:endParaRPr lang="en-US"/>
+          </a:p>
+        </p:txBody>
+      </p:sp>
+      <p:sp>
+        <p:nvSpPr>
+          <p:cNvPr id="7" name="TextBox 6"/>
+          <p:cNvSpPr txBox="1"/>
+          <p:nvPr/>
+        </p:nvSpPr>
+        <p:spPr>
+          <a:xfrm>
+            <a:off x="622064" y="4215168"/>
+            <a:ext cx="7620380" cy="369332"/>
+          </a:xfrm>
+          <a:prstGeom prst="rect">
+            <a:avLst/>
+          </a:prstGeom>
+          <a:noFill/>
+        </p:spPr>
+        <p:txBody>
+          <a:bodyPr wrap="square" rtlCol="0">
+            <a:spAutoFit/>
+          </a:bodyPr>
+          <a:lstStyle/>
+          <a:p>
+            <a:r>
+              <a:rPr lang="en-US" dirty="0" smtClean="0">
+                <a:latin typeface="Monaco"/>
+                <a:cs typeface="Monaco"/>
+              </a:rPr>
+              <a:t># The solution is to make one of the variables a float</a:t>
+            </a:r>
+          </a:p>
+        </p:txBody>
+      </p:sp>
     </p:spTree>
     <p:extLst>
       <p:ext uri="{BB962C8B-B14F-4D97-AF65-F5344CB8AC3E}">
@@ -10504,6 +10296,118 @@
           </a:p>
         </p:txBody>
       </p:sp>
+      <p:sp>
+        <p:nvSpPr>
+          <p:cNvPr id="8" name="TextBox 7"/>
+          <p:cNvSpPr txBox="1"/>
+          <p:nvPr/>
+        </p:nvSpPr>
+        <p:spPr>
+          <a:xfrm>
+            <a:off x="5032374" y="4705989"/>
+            <a:ext cx="2789024" cy="1477328"/>
+          </a:xfrm>
+          <a:prstGeom prst="rect">
+            <a:avLst/>
+          </a:prstGeom>
+          <a:noFill/>
+        </p:spPr>
+        <p:txBody>
+          <a:bodyPr wrap="square" rtlCol="0">
+            <a:spAutoFit/>
+          </a:bodyPr>
+          <a:lstStyle/>
+          <a:p>
+            <a:r>
+              <a:rPr lang="en-US" dirty="0" smtClean="0">
+                <a:latin typeface="Monaco"/>
+                <a:cs typeface="Monaco"/>
+              </a:rPr>
+              <a:t>a = 5</a:t>
+            </a:r>
+          </a:p>
+          <a:p>
+            <a:r>
+              <a:rPr lang="en-US" dirty="0" smtClean="0">
+                <a:latin typeface="Monaco"/>
+                <a:cs typeface="Monaco"/>
+              </a:rPr>
+              <a:t>b = 7</a:t>
+            </a:r>
+          </a:p>
+          <a:p>
+            <a:r>
+              <a:rPr lang="en-US" dirty="0" smtClean="0">
+                <a:latin typeface="Monaco"/>
+                <a:cs typeface="Monaco"/>
+              </a:rPr>
+              <a:t>c = a / </a:t>
+            </a:r>
+            <a:r>
+              <a:rPr lang="en-US" dirty="0" smtClean="0">
+                <a:solidFill>
+                  <a:schemeClr val="accent2"/>
+                </a:solidFill>
+                <a:latin typeface="Monaco"/>
+                <a:cs typeface="Monaco"/>
+              </a:rPr>
+              <a:t>float(</a:t>
+            </a:r>
+            <a:r>
+              <a:rPr lang="en-US" dirty="0" smtClean="0">
+                <a:latin typeface="Monaco"/>
+                <a:cs typeface="Monaco"/>
+              </a:rPr>
+              <a:t>b</a:t>
+            </a:r>
+            <a:r>
+              <a:rPr lang="en-US" dirty="0" smtClean="0">
+                <a:solidFill>
+                  <a:schemeClr val="accent2"/>
+                </a:solidFill>
+                <a:latin typeface="Monaco"/>
+                <a:cs typeface="Monaco"/>
+              </a:rPr>
+              <a:t>)</a:t>
+            </a:r>
+          </a:p>
+          <a:p>
+            <a:r>
+              <a:rPr lang="en-US" dirty="0" smtClean="0">
+                <a:latin typeface="Monaco"/>
+                <a:cs typeface="Monaco"/>
+              </a:rPr>
+              <a:t>print c</a:t>
+            </a:r>
+          </a:p>
+          <a:p>
+            <a:r>
+              <a:rPr lang="en-US" dirty="0">
+                <a:latin typeface="Monaco"/>
+                <a:cs typeface="Monaco"/>
+              </a:rPr>
+              <a:t> </a:t>
+            </a:r>
+            <a:r>
+              <a:rPr lang="en-US" dirty="0" smtClean="0">
+                <a:latin typeface="Monaco"/>
+                <a:cs typeface="Monaco"/>
+              </a:rPr>
+              <a:t> </a:t>
+            </a:r>
+            <a:r>
+              <a:rPr lang="en-US" dirty="0" smtClean="0">
+                <a:solidFill>
+                  <a:srgbClr val="A6A6A6"/>
+                </a:solidFill>
+                <a:latin typeface="Monaco"/>
+                <a:cs typeface="Monaco"/>
+              </a:rPr>
+              <a:t>0.714285714</a:t>
+            </a:r>
+          </a:p>
+        </p:txBody>
+      </p:sp>
     </p:spTree>
     <p:extLst>
       <p:ext uri="{BB962C8B-B14F-4D97-AF65-F5344CB8AC3E}">
@@ -10551,7 +10455,7 @@
           <a:p>
             <a:r>
               <a:rPr lang="en-US" dirty="0" smtClean="0"/>
-              <a:t>results follow the input types!</a:t>
+              <a:t>Modifying the value in place</a:t>
             </a:r>
             <a:endParaRPr lang="en-US" dirty="0"/>
           </a:p>
@@ -10559,397 +10463,41 @@
       </p:sp>
       <p:sp>
         <p:nvSpPr>
-          <p:cNvPr id="4" name="TextBox 3"/>
-          <p:cNvSpPr txBox="1"/>
-          <p:nvPr/>
-        </p:nvSpPr>
-        <p:spPr>
-          <a:xfrm>
-            <a:off x="622064" y="1788071"/>
-            <a:ext cx="6514047" cy="2308324"/>
-          </a:xfrm>
-          <a:prstGeom prst="rect">
-            <a:avLst/>
-          </a:prstGeom>
-          <a:noFill/>
-        </p:spPr>
-        <p:txBody>
-          <a:bodyPr wrap="square" rtlCol="0">
-            <a:spAutoFit/>
-          </a:bodyPr>
-          <a:lstStyle/>
-          <a:p>
-            <a:r>
-              <a:rPr lang="en-US" dirty="0" smtClean="0">
-                <a:latin typeface="Monaco"/>
-                <a:cs typeface="Monaco"/>
-              </a:rPr>
-              <a:t># Dividing two integers results in an </a:t>
-            </a:r>
-            <a:r>
-              <a:rPr lang="en-US" i="1" dirty="0" smtClean="0">
-                <a:latin typeface="Monaco"/>
-                <a:cs typeface="Monaco"/>
-              </a:rPr>
-              <a:t>integer</a:t>
-            </a:r>
-            <a:endParaRPr lang="en-US" dirty="0" smtClean="0">
-              <a:latin typeface="Monaco"/>
-              <a:cs typeface="Monaco"/>
-            </a:endParaRPr>
-          </a:p>
-          <a:p>
-            <a:r>
-              <a:rPr lang="en-US" dirty="0" smtClean="0">
-                <a:latin typeface="Monaco"/>
-                <a:cs typeface="Monaco"/>
-              </a:rPr>
-              <a:t>a = 5</a:t>
-            </a:r>
-          </a:p>
-          <a:p>
-            <a:r>
-              <a:rPr lang="en-US" dirty="0" smtClean="0">
-                <a:latin typeface="Monaco"/>
-                <a:cs typeface="Monaco"/>
-              </a:rPr>
-              <a:t>b = 7</a:t>
-            </a:r>
-          </a:p>
-          <a:p>
-            <a:r>
-              <a:rPr lang="en-US" dirty="0" smtClean="0">
-                <a:latin typeface="Monaco"/>
-                <a:cs typeface="Monaco"/>
-              </a:rPr>
-              <a:t>c = a / b</a:t>
-            </a:r>
-          </a:p>
-          <a:p>
-            <a:endParaRPr lang="en-US" dirty="0" smtClean="0">
-              <a:latin typeface="Monaco"/>
-              <a:cs typeface="Monaco"/>
-            </a:endParaRPr>
-          </a:p>
-          <a:p>
-            <a:r>
-              <a:rPr lang="en-US" dirty="0" smtClean="0">
-                <a:latin typeface="Monaco"/>
-                <a:cs typeface="Monaco"/>
-              </a:rPr>
-              <a:t># Use print statements to see output</a:t>
-            </a:r>
-          </a:p>
-          <a:p>
-            <a:r>
-              <a:rPr lang="en-US" dirty="0" smtClean="0">
-                <a:latin typeface="Monaco"/>
-                <a:cs typeface="Monaco"/>
-              </a:rPr>
-              <a:t>print c</a:t>
-            </a:r>
-          </a:p>
-          <a:p>
-            <a:r>
-              <a:rPr lang="en-US" dirty="0">
-                <a:latin typeface="Monaco"/>
-                <a:cs typeface="Monaco"/>
-              </a:rPr>
-              <a:t>	</a:t>
-            </a:r>
-            <a:r>
-              <a:rPr lang="en-US" dirty="0" smtClean="0">
-                <a:solidFill>
-                  <a:schemeClr val="bg1">
-                    <a:lumMod val="65000"/>
-                  </a:schemeClr>
-                </a:solidFill>
-                <a:latin typeface="Monaco"/>
-                <a:cs typeface="Monaco"/>
-              </a:rPr>
-              <a:t>0</a:t>
-            </a:r>
-          </a:p>
-        </p:txBody>
-      </p:sp>
-      <p:sp>
-        <p:nvSpPr>
-          <p:cNvPr id="5" name="TextBox 4"/>
-          <p:cNvSpPr txBox="1"/>
-          <p:nvPr/>
-        </p:nvSpPr>
-        <p:spPr>
-          <a:xfrm>
-            <a:off x="1736059" y="4705989"/>
-            <a:ext cx="2103737" cy="1477328"/>
-          </a:xfrm>
-          <a:prstGeom prst="rect">
-            <a:avLst/>
-          </a:prstGeom>
-          <a:noFill/>
-        </p:spPr>
-        <p:txBody>
-          <a:bodyPr wrap="square" rtlCol="0">
-            <a:spAutoFit/>
-          </a:bodyPr>
-          <a:lstStyle/>
-          <a:p>
-            <a:r>
-              <a:rPr lang="en-US" dirty="0" smtClean="0">
-                <a:latin typeface="Monaco"/>
-                <a:cs typeface="Monaco"/>
-              </a:rPr>
-              <a:t>a = 5.</a:t>
-            </a:r>
-          </a:p>
-          <a:p>
-            <a:r>
-              <a:rPr lang="en-US" dirty="0" smtClean="0">
-                <a:latin typeface="Monaco"/>
-                <a:cs typeface="Monaco"/>
-              </a:rPr>
-              <a:t>b = 7</a:t>
-            </a:r>
-          </a:p>
-          <a:p>
-            <a:r>
-              <a:rPr lang="en-US" dirty="0" smtClean="0">
-                <a:latin typeface="Monaco"/>
-                <a:cs typeface="Monaco"/>
-              </a:rPr>
-              <a:t>c = a / b</a:t>
-            </a:r>
-          </a:p>
-          <a:p>
-            <a:r>
-              <a:rPr lang="en-US" dirty="0" smtClean="0">
-                <a:latin typeface="Monaco"/>
-                <a:cs typeface="Monaco"/>
-              </a:rPr>
-              <a:t>print c</a:t>
-            </a:r>
-          </a:p>
-          <a:p>
-            <a:r>
-              <a:rPr lang="en-US" dirty="0">
-                <a:latin typeface="Monaco"/>
-                <a:cs typeface="Monaco"/>
-              </a:rPr>
-              <a:t> </a:t>
-            </a:r>
-            <a:r>
-              <a:rPr lang="en-US" dirty="0" smtClean="0">
-                <a:latin typeface="Monaco"/>
-                <a:cs typeface="Monaco"/>
-              </a:rPr>
-              <a:t> </a:t>
-            </a:r>
-            <a:r>
-              <a:rPr lang="en-US" dirty="0" smtClean="0">
-                <a:solidFill>
-                  <a:srgbClr val="A6A6A6"/>
-                </a:solidFill>
-                <a:latin typeface="Monaco"/>
-                <a:cs typeface="Monaco"/>
-              </a:rPr>
-              <a:t>0.714285714</a:t>
-            </a:r>
-          </a:p>
-        </p:txBody>
-      </p:sp>
-      <p:sp>
-        <p:nvSpPr>
-          <p:cNvPr id="6" name="Rectangle 5"/>
-          <p:cNvSpPr/>
-          <p:nvPr/>
-        </p:nvSpPr>
-        <p:spPr>
-          <a:xfrm>
-            <a:off x="2506512" y="4869695"/>
-            <a:ext cx="191142" cy="173592"/>
-          </a:xfrm>
-          <a:prstGeom prst="rect">
-            <a:avLst/>
-          </a:prstGeom>
-          <a:noFill/>
-          <a:ln w="28575" cmpd="sng">
-            <a:solidFill>
-              <a:schemeClr val="accent2"/>
-            </a:solidFill>
-          </a:ln>
-          <a:effectLst/>
-        </p:spPr>
-        <p:style>
-          <a:lnRef idx="1">
-            <a:schemeClr val="accent1"/>
-          </a:lnRef>
-          <a:fillRef idx="3">
-            <a:schemeClr val="accent1"/>
-          </a:fillRef>
-          <a:effectRef idx="2">
-            <a:schemeClr val="accent1"/>
-          </a:effectRef>
-          <a:fontRef idx="minor">
-            <a:schemeClr val="lt1"/>
-          </a:fontRef>
-        </p:style>
-        <p:txBody>
-          <a:bodyPr rtlCol="0" anchor="ctr"/>
-          <a:lstStyle/>
-          <a:p>
-            <a:pPr algn="ctr"/>
-            <a:endParaRPr lang="en-US"/>
-          </a:p>
-        </p:txBody>
-      </p:sp>
-      <p:sp>
-        <p:nvSpPr>
-          <p:cNvPr id="7" name="TextBox 6"/>
-          <p:cNvSpPr txBox="1"/>
-          <p:nvPr/>
-        </p:nvSpPr>
-        <p:spPr>
-          <a:xfrm>
-            <a:off x="622064" y="4215168"/>
-            <a:ext cx="7620380" cy="369332"/>
-          </a:xfrm>
-          <a:prstGeom prst="rect">
-            <a:avLst/>
-          </a:prstGeom>
-          <a:noFill/>
-        </p:spPr>
-        <p:txBody>
-          <a:bodyPr wrap="square" rtlCol="0">
-            <a:spAutoFit/>
-          </a:bodyPr>
-          <a:lstStyle/>
-          <a:p>
-            <a:r>
-              <a:rPr lang="en-US" dirty="0" smtClean="0">
-                <a:latin typeface="Monaco"/>
-                <a:cs typeface="Monaco"/>
-              </a:rPr>
-              <a:t># The solution is to make one of the variables a float</a:t>
-            </a:r>
-          </a:p>
-        </p:txBody>
-      </p:sp>
-      <p:sp>
-        <p:nvSpPr>
-          <p:cNvPr id="8" name="TextBox 7"/>
-          <p:cNvSpPr txBox="1"/>
-          <p:nvPr/>
-        </p:nvSpPr>
-        <p:spPr>
-          <a:xfrm>
-            <a:off x="5032374" y="4705989"/>
-            <a:ext cx="2789024" cy="1477328"/>
-          </a:xfrm>
-          <a:prstGeom prst="rect">
-            <a:avLst/>
-          </a:prstGeom>
-          <a:noFill/>
-        </p:spPr>
-        <p:txBody>
-          <a:bodyPr wrap="square" rtlCol="0">
-            <a:spAutoFit/>
-          </a:bodyPr>
-          <a:lstStyle/>
-          <a:p>
-            <a:r>
-              <a:rPr lang="en-US" dirty="0" smtClean="0">
-                <a:latin typeface="Monaco"/>
-                <a:cs typeface="Monaco"/>
-              </a:rPr>
-              <a:t>a = 5</a:t>
-            </a:r>
-          </a:p>
-          <a:p>
-            <a:r>
-              <a:rPr lang="en-US" dirty="0" smtClean="0">
-                <a:latin typeface="Monaco"/>
-                <a:cs typeface="Monaco"/>
-              </a:rPr>
-              <a:t>b = 7</a:t>
-            </a:r>
-          </a:p>
-          <a:p>
-            <a:r>
-              <a:rPr lang="en-US" dirty="0" smtClean="0">
-                <a:latin typeface="Monaco"/>
-                <a:cs typeface="Monaco"/>
-              </a:rPr>
-              <a:t>c = a / </a:t>
-            </a:r>
-            <a:r>
-              <a:rPr lang="en-US" dirty="0" smtClean="0">
-                <a:solidFill>
-                  <a:schemeClr val="accent2"/>
-                </a:solidFill>
-                <a:latin typeface="Monaco"/>
-                <a:cs typeface="Monaco"/>
-              </a:rPr>
-              <a:t>float(</a:t>
-            </a:r>
-            <a:r>
-              <a:rPr lang="en-US" dirty="0" smtClean="0">
-                <a:latin typeface="Monaco"/>
-                <a:cs typeface="Monaco"/>
-              </a:rPr>
-              <a:t>b</a:t>
-            </a:r>
-            <a:r>
-              <a:rPr lang="en-US" dirty="0" smtClean="0">
-                <a:solidFill>
-                  <a:schemeClr val="accent2"/>
-                </a:solidFill>
-                <a:latin typeface="Monaco"/>
-                <a:cs typeface="Monaco"/>
-              </a:rPr>
-              <a:t>)</a:t>
-            </a:r>
-          </a:p>
-          <a:p>
-            <a:r>
-              <a:rPr lang="en-US" dirty="0" smtClean="0">
-                <a:latin typeface="Monaco"/>
-                <a:cs typeface="Monaco"/>
-              </a:rPr>
-              <a:t>print c</a:t>
-            </a:r>
-          </a:p>
-          <a:p>
-            <a:r>
-              <a:rPr lang="en-US" dirty="0">
-                <a:latin typeface="Monaco"/>
-                <a:cs typeface="Monaco"/>
-              </a:rPr>
-              <a:t> </a:t>
-            </a:r>
-            <a:r>
-              <a:rPr lang="en-US" dirty="0" smtClean="0">
-                <a:latin typeface="Monaco"/>
-                <a:cs typeface="Monaco"/>
-              </a:rPr>
-              <a:t> </a:t>
-            </a:r>
-            <a:r>
-              <a:rPr lang="en-US" dirty="0" smtClean="0">
-                <a:solidFill>
-                  <a:srgbClr val="A6A6A6"/>
-                </a:solidFill>
-                <a:latin typeface="Monaco"/>
-                <a:cs typeface="Monaco"/>
-              </a:rPr>
-              <a:t>0.714285714</a:t>
-            </a:r>
+          <p:cNvPr id="3" name="Content Placeholder 2"/>
+          <p:cNvSpPr>
+            <a:spLocks noGrp="1"/>
+          </p:cNvSpPr>
+          <p:nvPr>
+            <p:ph idx="1"/>
+          </p:nvPr>
+        </p:nvSpPr>
+        <p:spPr/>
+        <p:txBody>
+          <a:bodyPr/>
+          <a:lstStyle/>
+          <a:p>
+            <a:pPr marL="457200" indent="-457200">
+              <a:buFont typeface="Arial"/>
+              <a:buChar char="•"/>
+            </a:pPr>
+            <a:r>
+              <a:rPr lang="en-US" dirty="0" smtClean="0"/>
+              <a:t>Mathematical symbols followed by an equals sign will change the variable value </a:t>
+            </a:r>
+            <a:r>
+              <a:rPr lang="en-US" i="1" dirty="0" smtClean="0"/>
+              <a:t>in place</a:t>
+            </a:r>
+          </a:p>
+          <a:p>
+            <a:endParaRPr lang="en-US" dirty="0" smtClean="0"/>
           </a:p>
         </p:txBody>
       </p:sp>
     </p:spTree>
     <p:extLst>
       <p:ext uri="{BB962C8B-B14F-4D97-AF65-F5344CB8AC3E}">
-        <p14:creationId xmlns:p14="http://schemas.microsoft.com/office/powerpoint/2010/main" val="335227802"/>
+        <p14:creationId xmlns:p14="http://schemas.microsoft.com/office/powerpoint/2010/main" val="3606775505"/>
       </p:ext>
     </p:extLst>
   </p:cSld>
@@ -11019,92 +10567,6 @@
               <a:buChar char="•"/>
             </a:pPr>
             <a:r>
-              <a:rPr lang="en-US" dirty="0" smtClean="0"/>
-              <a:t>Mathematical symbols followed by an equals sign will change the variable value </a:t>
-            </a:r>
-            <a:r>
-              <a:rPr lang="en-US" i="1" dirty="0" smtClean="0"/>
-              <a:t>in place</a:t>
-            </a:r>
-          </a:p>
-          <a:p>
-            <a:endParaRPr lang="en-US" dirty="0" smtClean="0"/>
-          </a:p>
-        </p:txBody>
-      </p:sp>
-    </p:spTree>
-    <p:extLst>
-      <p:ext uri="{BB962C8B-B14F-4D97-AF65-F5344CB8AC3E}">
-        <p14:creationId xmlns:p14="http://schemas.microsoft.com/office/powerpoint/2010/main" val="3606775505"/>
-      </p:ext>
-    </p:extLst>
-  </p:cSld>
-  <p:clrMapOvr>
-    <a:masterClrMapping/>
-  </p:clrMapOvr>
-</p:sld>
-</file>
-
-<file path=ppt/slides/slide34.xml><?xml version="1.0" encoding="utf-8"?>
-<p:sld xmlns:a="http://schemas.openxmlformats.org/drawingml/2006/main" xmlns:r="http://schemas.openxmlformats.org/officeDocument/2006/relationships" xmlns:p="http://schemas.openxmlformats.org/presentationml/2006/main">
-  <p:cSld>
-    <p:spTree>
-      <p:nvGrpSpPr>
-        <p:cNvPr id="1" name=""/>
-        <p:cNvGrpSpPr/>
-        <p:nvPr/>
-      </p:nvGrpSpPr>
-      <p:grpSpPr>
-        <a:xfrm>
-          <a:off x="0" y="0"/>
-          <a:ext cx="0" cy="0"/>
-          <a:chOff x="0" y="0"/>
-          <a:chExt cx="0" cy="0"/>
-        </a:xfrm>
-      </p:grpSpPr>
-      <p:sp>
-        <p:nvSpPr>
-          <p:cNvPr id="2" name="Title 1"/>
-          <p:cNvSpPr>
-            <a:spLocks noGrp="1"/>
-          </p:cNvSpPr>
-          <p:nvPr>
-            <p:ph type="title"/>
-          </p:nvPr>
-        </p:nvSpPr>
-        <p:spPr/>
-        <p:txBody>
-          <a:bodyPr/>
-          <a:lstStyle/>
-          <a:p>
-            <a:r>
-              <a:rPr lang="en-US" dirty="0" smtClean="0"/>
-              <a:t>Modifying the value in place</a:t>
-            </a:r>
-            <a:endParaRPr lang="en-US" dirty="0"/>
-          </a:p>
-        </p:txBody>
-      </p:sp>
-      <p:sp>
-        <p:nvSpPr>
-          <p:cNvPr id="3" name="Content Placeholder 2"/>
-          <p:cNvSpPr>
-            <a:spLocks noGrp="1"/>
-          </p:cNvSpPr>
-          <p:nvPr>
-            <p:ph idx="1"/>
-          </p:nvPr>
-        </p:nvSpPr>
-        <p:spPr/>
-        <p:txBody>
-          <a:bodyPr/>
-          <a:lstStyle/>
-          <a:p>
-            <a:pPr marL="457200" indent="-457200">
-              <a:buFont typeface="Arial"/>
-              <a:buChar char="•"/>
-            </a:pPr>
-            <a:r>
               <a:rPr lang="en-US" dirty="0"/>
               <a:t>Mathematical symbols followed by an equals sign will change the variable value </a:t>
             </a:r>
@@ -11141,7 +10603,7 @@
 </p:sld>
 </file>
 
-<file path=ppt/slides/slide35.xml><?xml version="1.0" encoding="utf-8"?>
+<file path=ppt/slides/slide34.xml><?xml version="1.0" encoding="utf-8"?>
 <p:sld xmlns:a="http://schemas.openxmlformats.org/drawingml/2006/main" xmlns:r="http://schemas.openxmlformats.org/officeDocument/2006/relationships" xmlns:p="http://schemas.openxmlformats.org/presentationml/2006/main">
   <p:cSld>
     <p:spTree>
@@ -11530,6 +10992,98 @@
 </p:sld>
 </file>
 
+<file path=ppt/slides/slide35.xml><?xml version="1.0" encoding="utf-8"?>
+<p:sld xmlns:a="http://schemas.openxmlformats.org/drawingml/2006/main" xmlns:r="http://schemas.openxmlformats.org/officeDocument/2006/relationships" xmlns:p="http://schemas.openxmlformats.org/presentationml/2006/main">
+  <p:cSld>
+    <p:spTree>
+      <p:nvGrpSpPr>
+        <p:cNvPr id="1" name=""/>
+        <p:cNvGrpSpPr/>
+        <p:nvPr/>
+      </p:nvGrpSpPr>
+      <p:grpSpPr>
+        <a:xfrm>
+          <a:off x="0" y="0"/>
+          <a:ext cx="0" cy="0"/>
+          <a:chOff x="0" y="0"/>
+          <a:chExt cx="0" cy="0"/>
+        </a:xfrm>
+      </p:grpSpPr>
+      <p:sp>
+        <p:nvSpPr>
+          <p:cNvPr id="2" name="Title 1"/>
+          <p:cNvSpPr>
+            <a:spLocks noGrp="1"/>
+          </p:cNvSpPr>
+          <p:nvPr>
+            <p:ph type="title"/>
+          </p:nvPr>
+        </p:nvSpPr>
+        <p:spPr/>
+        <p:txBody>
+          <a:bodyPr/>
+          <a:lstStyle/>
+          <a:p>
+            <a:r>
+              <a:rPr lang="en-US" dirty="0" smtClean="0"/>
+              <a:t>Python lists</a:t>
+            </a:r>
+            <a:endParaRPr lang="en-US" dirty="0"/>
+          </a:p>
+        </p:txBody>
+      </p:sp>
+      <p:sp>
+        <p:nvSpPr>
+          <p:cNvPr id="3" name="Content Placeholder 2"/>
+          <p:cNvSpPr>
+            <a:spLocks noGrp="1"/>
+          </p:cNvSpPr>
+          <p:nvPr>
+            <p:ph idx="1"/>
+          </p:nvPr>
+        </p:nvSpPr>
+        <p:spPr/>
+        <p:txBody>
+          <a:bodyPr/>
+          <a:lstStyle/>
+          <a:p>
+            <a:pPr marL="457200" indent="-457200">
+              <a:buFont typeface="Arial"/>
+              <a:buChar char="•"/>
+            </a:pPr>
+            <a:r>
+              <a:rPr lang="en-US" dirty="0" smtClean="0"/>
+              <a:t>Lists are defined with brackets: </a:t>
+            </a:r>
+            <a:r>
+              <a:rPr lang="en-US" dirty="0" smtClean="0">
+                <a:latin typeface="Monaco"/>
+                <a:cs typeface="Monaco"/>
+              </a:rPr>
+              <a:t>[]</a:t>
+            </a:r>
+          </a:p>
+          <a:p>
+            <a:endParaRPr lang="en-US" dirty="0" smtClean="0">
+              <a:latin typeface="Monaco"/>
+              <a:cs typeface="Monaco"/>
+            </a:endParaRPr>
+          </a:p>
+        </p:txBody>
+      </p:sp>
+    </p:spTree>
+    <p:extLst>
+      <p:ext uri="{BB962C8B-B14F-4D97-AF65-F5344CB8AC3E}">
+        <p14:creationId xmlns:p14="http://schemas.microsoft.com/office/powerpoint/2010/main" val="527900922"/>
+      </p:ext>
+    </p:extLst>
+  </p:cSld>
+  <p:clrMapOvr>
+    <a:masterClrMapping/>
+  </p:clrMapOvr>
+</p:sld>
+</file>
+
 <file path=ppt/slides/slide36.xml><?xml version="1.0" encoding="utf-8"?>
 <p:sld xmlns:a="http://schemas.openxmlformats.org/drawingml/2006/main" xmlns:r="http://schemas.openxmlformats.org/officeDocument/2006/relationships" xmlns:p="http://schemas.openxmlformats.org/presentationml/2006/main">
   <p:cSld>
@@ -11609,10 +11163,181 @@
           </a:p>
         </p:txBody>
       </p:sp>
+      <p:sp>
+        <p:nvSpPr>
+          <p:cNvPr id="4" name="TextBox 3"/>
+          <p:cNvSpPr txBox="1"/>
+          <p:nvPr/>
+        </p:nvSpPr>
+        <p:spPr>
+          <a:xfrm>
+            <a:off x="622063" y="2372800"/>
+            <a:ext cx="7290705" cy="3693319"/>
+          </a:xfrm>
+          <a:prstGeom prst="rect">
+            <a:avLst/>
+          </a:prstGeom>
+          <a:noFill/>
+        </p:spPr>
+        <p:txBody>
+          <a:bodyPr wrap="square" rtlCol="0">
+            <a:spAutoFit/>
+          </a:bodyPr>
+          <a:lstStyle/>
+          <a:p>
+            <a:r>
+              <a:rPr lang="en-US" dirty="0" smtClean="0">
+                <a:latin typeface="Monaco"/>
+                <a:cs typeface="Monaco"/>
+              </a:rPr>
+              <a:t># Define a list</a:t>
+            </a:r>
+          </a:p>
+          <a:p>
+            <a:r>
+              <a:rPr lang="en-US" dirty="0" smtClean="0">
+                <a:latin typeface="Monaco"/>
+                <a:cs typeface="Monaco"/>
+              </a:rPr>
+              <a:t>a = [1, 3, 5, 7, 9]</a:t>
+            </a:r>
+          </a:p>
+          <a:p>
+            <a:endParaRPr lang="en-US" dirty="0">
+              <a:latin typeface="Monaco"/>
+              <a:cs typeface="Monaco"/>
+            </a:endParaRPr>
+          </a:p>
+          <a:p>
+            <a:r>
+              <a:rPr lang="en-US" dirty="0" smtClean="0">
+                <a:latin typeface="Monaco"/>
+                <a:cs typeface="Monaco"/>
+              </a:rPr>
+              <a:t># Define another list</a:t>
+            </a:r>
+          </a:p>
+          <a:p>
+            <a:r>
+              <a:rPr lang="en-US" dirty="0" smtClean="0">
+                <a:latin typeface="Monaco"/>
+                <a:cs typeface="Monaco"/>
+              </a:rPr>
+              <a:t>b = [1, 3.1, -5, 7, 9.001]</a:t>
+            </a:r>
+          </a:p>
+          <a:p>
+            <a:endParaRPr lang="en-US" dirty="0">
+              <a:latin typeface="Monaco"/>
+              <a:cs typeface="Monaco"/>
+            </a:endParaRPr>
+          </a:p>
+          <a:p>
+            <a:r>
+              <a:rPr lang="en-US" dirty="0" smtClean="0">
+                <a:latin typeface="Monaco"/>
+                <a:cs typeface="Monaco"/>
+              </a:rPr>
+              <a:t># Define another list with *strings* (stay tuned!)</a:t>
+            </a:r>
+          </a:p>
+          <a:p>
+            <a:r>
+              <a:rPr lang="en-US" dirty="0" smtClean="0">
+                <a:latin typeface="Monaco"/>
+                <a:cs typeface="Monaco"/>
+              </a:rPr>
+              <a:t>c </a:t>
+            </a:r>
+            <a:r>
+              <a:rPr lang="en-US" dirty="0">
+                <a:latin typeface="Monaco"/>
+                <a:cs typeface="Monaco"/>
+              </a:rPr>
+              <a:t>= [1, 3.1, -5, 7, </a:t>
+            </a:r>
+            <a:r>
+              <a:rPr lang="en-US" dirty="0" smtClean="0">
+                <a:latin typeface="Monaco"/>
+                <a:cs typeface="Monaco"/>
+              </a:rPr>
+              <a:t>9.001, "</a:t>
+            </a:r>
+            <a:r>
+              <a:rPr lang="en-US" dirty="0" err="1" smtClean="0">
+                <a:latin typeface="Monaco"/>
+                <a:cs typeface="Monaco"/>
+              </a:rPr>
+              <a:t>woah</a:t>
+            </a:r>
+            <a:r>
+              <a:rPr lang="en-US" dirty="0" smtClean="0">
+                <a:latin typeface="Monaco"/>
+                <a:cs typeface="Monaco"/>
+              </a:rPr>
+              <a:t>", "dude"]</a:t>
+            </a:r>
+          </a:p>
+          <a:p>
+            <a:endParaRPr lang="en-US" dirty="0">
+              <a:latin typeface="Monaco"/>
+              <a:cs typeface="Monaco"/>
+            </a:endParaRPr>
+          </a:p>
+          <a:p>
+            <a:r>
+              <a:rPr lang="en-US" dirty="0" smtClean="0">
+                <a:latin typeface="Monaco"/>
+                <a:cs typeface="Monaco"/>
+              </a:rPr>
+              <a:t># Define another </a:t>
+            </a:r>
+            <a:r>
+              <a:rPr lang="en-US" dirty="0" err="1" smtClean="0">
+                <a:latin typeface="Monaco"/>
+                <a:cs typeface="Monaco"/>
+              </a:rPr>
+              <a:t>list..of</a:t>
+            </a:r>
+            <a:r>
+              <a:rPr lang="en-US" dirty="0" smtClean="0">
+                <a:latin typeface="Monaco"/>
+                <a:cs typeface="Monaco"/>
+              </a:rPr>
+              <a:t> lists!</a:t>
+            </a:r>
+          </a:p>
+          <a:p>
+            <a:r>
+              <a:rPr lang="en-US" dirty="0" smtClean="0">
+                <a:latin typeface="Monaco"/>
+                <a:cs typeface="Monaco"/>
+              </a:rPr>
+              <a:t>d = [ [1, 2, 3], [11, 22, 33], [7.55, -9] ]</a:t>
+            </a:r>
+            <a:endParaRPr lang="en-US" dirty="0">
+              <a:latin typeface="Monaco"/>
+              <a:cs typeface="Monaco"/>
+            </a:endParaRPr>
+          </a:p>
+          <a:p>
+            <a:endParaRPr lang="en-US" dirty="0">
+              <a:latin typeface="Monaco"/>
+              <a:cs typeface="Monaco"/>
+            </a:endParaRPr>
+          </a:p>
+          <a:p>
+            <a:endParaRPr lang="en-US" dirty="0" smtClean="0">
+              <a:latin typeface="Monaco"/>
+              <a:cs typeface="Monaco"/>
+            </a:endParaRPr>
+          </a:p>
+        </p:txBody>
+      </p:sp>
     </p:spTree>
     <p:extLst>
       <p:ext uri="{BB962C8B-B14F-4D97-AF65-F5344CB8AC3E}">
-        <p14:creationId xmlns:p14="http://schemas.microsoft.com/office/powerpoint/2010/main" val="527900922"/>
+        <p14:creationId xmlns:p14="http://schemas.microsoft.com/office/powerpoint/2010/main" val="2099707461"/>
       </p:ext>
     </p:extLst>
   </p:cSld>
@@ -11872,10 +11597,48 @@
           </a:p>
         </p:txBody>
       </p:sp>
+      <p:sp>
+        <p:nvSpPr>
+          <p:cNvPr id="5" name="TextBox 4"/>
+          <p:cNvSpPr txBox="1"/>
+          <p:nvPr/>
+        </p:nvSpPr>
+        <p:spPr>
+          <a:xfrm>
+            <a:off x="1388846" y="5739425"/>
+            <a:ext cx="5747266" cy="369332"/>
+          </a:xfrm>
+          <a:prstGeom prst="rect">
+            <a:avLst/>
+          </a:prstGeom>
+          <a:noFill/>
+        </p:spPr>
+        <p:txBody>
+          <a:bodyPr wrap="square" rtlCol="0">
+            <a:spAutoFit/>
+          </a:bodyPr>
+          <a:lstStyle/>
+          <a:p>
+            <a:r>
+              <a:rPr lang="en-US" dirty="0" smtClean="0">
+                <a:solidFill>
+                  <a:schemeClr val="accent2"/>
+                </a:solidFill>
+              </a:rPr>
+              <a:t>What do you notice about the values inside these lists?</a:t>
+            </a:r>
+            <a:endParaRPr lang="en-US" dirty="0">
+              <a:solidFill>
+                <a:schemeClr val="accent2"/>
+              </a:solidFill>
+            </a:endParaRPr>
+          </a:p>
+        </p:txBody>
+      </p:sp>
     </p:spTree>
     <p:extLst>
       <p:ext uri="{BB962C8B-B14F-4D97-AF65-F5344CB8AC3E}">
-        <p14:creationId xmlns:p14="http://schemas.microsoft.com/office/powerpoint/2010/main" val="2099707461"/>
+        <p14:creationId xmlns:p14="http://schemas.microsoft.com/office/powerpoint/2010/main" val="600571947"/>
       </p:ext>
     </p:extLst>
   </p:cSld>
@@ -11919,48 +11682,9 @@
           <a:p>
             <a:r>
               <a:rPr lang="en-US" dirty="0" smtClean="0"/>
-              <a:t>Python lists</a:t>
+              <a:t>indexing in python</a:t>
             </a:r>
             <a:endParaRPr lang="en-US" dirty="0"/>
-          </a:p>
-        </p:txBody>
-      </p:sp>
-      <p:sp>
-        <p:nvSpPr>
-          <p:cNvPr id="3" name="Content Placeholder 2"/>
-          <p:cNvSpPr>
-            <a:spLocks noGrp="1"/>
-          </p:cNvSpPr>
-          <p:nvPr>
-            <p:ph idx="1"/>
-          </p:nvPr>
-        </p:nvSpPr>
-        <p:spPr/>
-        <p:txBody>
-          <a:bodyPr/>
-          <a:lstStyle/>
-          <a:p>
-            <a:pPr marL="457200" indent="-457200">
-              <a:buFont typeface="Arial"/>
-              <a:buChar char="•"/>
-            </a:pPr>
-            <a:r>
-              <a:rPr lang="en-US" dirty="0" smtClean="0"/>
-              <a:t>Lists are defined with brackets: </a:t>
-            </a:r>
-            <a:r>
-              <a:rPr lang="en-US" dirty="0" smtClean="0">
-                <a:latin typeface="Monaco"/>
-                <a:cs typeface="Monaco"/>
-              </a:rPr>
-              <a:t>[]</a:t>
-            </a:r>
-          </a:p>
-          <a:p>
-            <a:endParaRPr lang="en-US" dirty="0" smtClean="0">
-              <a:latin typeface="Monaco"/>
-              <a:cs typeface="Monaco"/>
-            </a:endParaRPr>
           </a:p>
         </p:txBody>
       </p:sp>
@@ -11972,8 +11696,8 @@
         </p:nvSpPr>
         <p:spPr>
           <a:xfrm>
-            <a:off x="622063" y="2372800"/>
-            <a:ext cx="7290705" cy="3693319"/>
+            <a:off x="457198" y="1815481"/>
+            <a:ext cx="7894154" cy="923330"/>
           </a:xfrm>
           <a:prstGeom prst="rect">
             <a:avLst/>
@@ -11987,142 +11711,58 @@
           <a:lstStyle/>
           <a:p>
             <a:r>
-              <a:rPr lang="en-US" dirty="0" smtClean="0">
-                <a:latin typeface="Monaco"/>
-                <a:cs typeface="Monaco"/>
-              </a:rPr>
-              <a:t># Define a list</a:t>
-            </a:r>
-          </a:p>
-          <a:p>
-            <a:r>
-              <a:rPr lang="en-US" dirty="0" smtClean="0">
-                <a:latin typeface="Monaco"/>
-                <a:cs typeface="Monaco"/>
-              </a:rPr>
-              <a:t>a = [1, 3, 5, 7, 9]</a:t>
-            </a:r>
-          </a:p>
-          <a:p>
-            <a:endParaRPr lang="en-US" dirty="0">
-              <a:latin typeface="Monaco"/>
-              <a:cs typeface="Monaco"/>
-            </a:endParaRPr>
-          </a:p>
-          <a:p>
-            <a:r>
-              <a:rPr lang="en-US" dirty="0" smtClean="0">
-                <a:latin typeface="Monaco"/>
-                <a:cs typeface="Monaco"/>
-              </a:rPr>
-              <a:t># Define another list</a:t>
-            </a:r>
-          </a:p>
-          <a:p>
-            <a:r>
-              <a:rPr lang="en-US" dirty="0" smtClean="0">
-                <a:latin typeface="Monaco"/>
-                <a:cs typeface="Monaco"/>
-              </a:rPr>
-              <a:t>b = [1, 3.1, -5, 7, 9.001]</a:t>
-            </a:r>
-          </a:p>
-          <a:p>
-            <a:endParaRPr lang="en-US" dirty="0">
-              <a:latin typeface="Monaco"/>
-              <a:cs typeface="Monaco"/>
-            </a:endParaRPr>
-          </a:p>
-          <a:p>
-            <a:r>
-              <a:rPr lang="en-US" dirty="0" smtClean="0">
-                <a:latin typeface="Monaco"/>
-                <a:cs typeface="Monaco"/>
-              </a:rPr>
-              <a:t># Define another list with *strings* (stay tuned!)</a:t>
-            </a:r>
-          </a:p>
-          <a:p>
-            <a:r>
-              <a:rPr lang="en-US" dirty="0" smtClean="0">
-                <a:latin typeface="Monaco"/>
-                <a:cs typeface="Monaco"/>
-              </a:rPr>
-              <a:t>c </a:t>
-            </a:r>
-            <a:r>
               <a:rPr lang="en-US" dirty="0">
                 <a:latin typeface="Monaco"/>
                 <a:cs typeface="Monaco"/>
               </a:rPr>
-              <a:t>= [1, 3.1, -5, 7, </a:t>
-            </a:r>
-            <a:r>
-              <a:rPr lang="en-US" dirty="0" smtClean="0">
-                <a:latin typeface="Monaco"/>
-                <a:cs typeface="Monaco"/>
-              </a:rPr>
-              <a:t>9.001, "</a:t>
-            </a:r>
-            <a:r>
-              <a:rPr lang="en-US" dirty="0" err="1" smtClean="0">
-                <a:latin typeface="Monaco"/>
-                <a:cs typeface="Monaco"/>
-              </a:rPr>
-              <a:t>woah</a:t>
-            </a:r>
-            <a:r>
-              <a:rPr lang="en-US" dirty="0" smtClean="0">
-                <a:latin typeface="Monaco"/>
-                <a:cs typeface="Monaco"/>
-              </a:rPr>
-              <a:t>", "dude"]</a:t>
-            </a:r>
-          </a:p>
-          <a:p>
-            <a:endParaRPr lang="en-US" dirty="0">
-              <a:latin typeface="Monaco"/>
-              <a:cs typeface="Monaco"/>
-            </a:endParaRPr>
-          </a:p>
-          <a:p>
-            <a:r>
-              <a:rPr lang="en-US" dirty="0" smtClean="0">
-                <a:latin typeface="Monaco"/>
-                <a:cs typeface="Monaco"/>
-              </a:rPr>
-              <a:t># Define another </a:t>
-            </a:r>
-            <a:r>
-              <a:rPr lang="en-US" dirty="0" err="1" smtClean="0">
-                <a:latin typeface="Monaco"/>
-                <a:cs typeface="Monaco"/>
-              </a:rPr>
-              <a:t>list..of</a:t>
-            </a:r>
-            <a:r>
-              <a:rPr lang="en-US" dirty="0" smtClean="0">
-                <a:latin typeface="Monaco"/>
-                <a:cs typeface="Monaco"/>
-              </a:rPr>
-              <a:t> lists!</a:t>
-            </a:r>
-          </a:p>
-          <a:p>
-            <a:r>
-              <a:rPr lang="en-US" dirty="0" smtClean="0">
-                <a:latin typeface="Monaco"/>
-                <a:cs typeface="Monaco"/>
-              </a:rPr>
-              <a:t>d = [ [1, 2, 3], [11, 22, 33], [7.55, -9] ]</a:t>
-            </a:r>
-            <a:endParaRPr lang="en-US" dirty="0">
-              <a:latin typeface="Monaco"/>
-              <a:cs typeface="Monaco"/>
-            </a:endParaRPr>
-          </a:p>
-          <a:p>
-            <a:endParaRPr lang="en-US" dirty="0">
+              <a:t>d</a:t>
+            </a:r>
+            <a:r>
+              <a:rPr lang="en-US" dirty="0" smtClean="0">
+                <a:latin typeface="Monaco"/>
+                <a:cs typeface="Monaco"/>
+              </a:rPr>
+              <a:t> = [1, 3, 5, 7, 9, 11, 13]</a:t>
+            </a:r>
+          </a:p>
+          <a:p>
+            <a:r>
+              <a:rPr lang="en-US" b="1" dirty="0">
+                <a:solidFill>
+                  <a:schemeClr val="accent2"/>
+                </a:solidFill>
+                <a:latin typeface="Monaco"/>
+                <a:cs typeface="Monaco"/>
+              </a:rPr>
+              <a:t> </a:t>
+            </a:r>
+            <a:r>
+              <a:rPr lang="en-US" b="1" dirty="0" smtClean="0">
+                <a:solidFill>
+                  <a:schemeClr val="accent2"/>
+                </a:solidFill>
+                <a:latin typeface="Monaco"/>
+                <a:cs typeface="Monaco"/>
+              </a:rPr>
+              <a:t>    0  1  2  3  4  5   6    </a:t>
+            </a:r>
+            <a:r>
+              <a:rPr lang="en-US" b="1" dirty="0" smtClean="0">
+                <a:solidFill>
+                  <a:schemeClr val="accent2"/>
+                </a:solidFill>
+                <a:latin typeface="Monaco"/>
+                <a:cs typeface="Monaco"/>
+                <a:sym typeface="Wingdings"/>
+              </a:rPr>
+              <a:t> Indexing starts from 0!</a:t>
+            </a:r>
+            <a:endParaRPr lang="en-US" dirty="0" smtClean="0">
+              <a:solidFill>
+                <a:schemeClr val="bg1">
+                  <a:lumMod val="65000"/>
+                </a:schemeClr>
+              </a:solidFill>
               <a:latin typeface="Monaco"/>
               <a:cs typeface="Monaco"/>
             </a:endParaRPr>
@@ -12135,48 +11775,10 @@
           </a:p>
         </p:txBody>
       </p:sp>
-      <p:sp>
-        <p:nvSpPr>
-          <p:cNvPr id="5" name="TextBox 4"/>
-          <p:cNvSpPr txBox="1"/>
-          <p:nvPr/>
-        </p:nvSpPr>
-        <p:spPr>
-          <a:xfrm>
-            <a:off x="1388846" y="5739425"/>
-            <a:ext cx="5747266" cy="369332"/>
-          </a:xfrm>
-          <a:prstGeom prst="rect">
-            <a:avLst/>
-          </a:prstGeom>
-          <a:noFill/>
-        </p:spPr>
-        <p:txBody>
-          <a:bodyPr wrap="square" rtlCol="0">
-            <a:spAutoFit/>
-          </a:bodyPr>
-          <a:lstStyle/>
-          <a:p>
-            <a:r>
-              <a:rPr lang="en-US" dirty="0" smtClean="0">
-                <a:solidFill>
-                  <a:schemeClr val="accent2"/>
-                </a:solidFill>
-              </a:rPr>
-              <a:t>What do you notice about the values inside these lists?</a:t>
-            </a:r>
-            <a:endParaRPr lang="en-US" dirty="0">
-              <a:solidFill>
-                <a:schemeClr val="accent2"/>
-              </a:solidFill>
-            </a:endParaRPr>
-          </a:p>
-        </p:txBody>
-      </p:sp>
     </p:spTree>
     <p:extLst>
       <p:ext uri="{BB962C8B-B14F-4D97-AF65-F5344CB8AC3E}">
-        <p14:creationId xmlns:p14="http://schemas.microsoft.com/office/powerpoint/2010/main" val="600571947"/>
+        <p14:creationId xmlns:p14="http://schemas.microsoft.com/office/powerpoint/2010/main" val="1165585668"/>
       </p:ext>
     </p:extLst>
   </p:cSld>
@@ -12235,7 +11837,7 @@
         <p:spPr>
           <a:xfrm>
             <a:off x="457198" y="1815481"/>
-            <a:ext cx="7894154" cy="923330"/>
+            <a:ext cx="7894154" cy="2862323"/>
           </a:xfrm>
           <a:prstGeom prst="rect">
             <a:avLst/>
@@ -12295,6 +11897,119 @@
               </a:rPr>
               <a:t> Indexing starts from 0!</a:t>
             </a:r>
+            <a:endParaRPr lang="en-US" b="1" dirty="0" smtClean="0">
+              <a:solidFill>
+                <a:schemeClr val="accent2"/>
+              </a:solidFill>
+              <a:latin typeface="Monaco"/>
+              <a:cs typeface="Monaco"/>
+            </a:endParaRPr>
+          </a:p>
+          <a:p>
+            <a:endParaRPr lang="en-US" dirty="0" smtClean="0">
+              <a:solidFill>
+                <a:srgbClr val="000000"/>
+              </a:solidFill>
+              <a:latin typeface="Monaco"/>
+              <a:cs typeface="Monaco"/>
+            </a:endParaRPr>
+          </a:p>
+          <a:p>
+            <a:endParaRPr lang="en-US" dirty="0" smtClean="0">
+              <a:solidFill>
+                <a:srgbClr val="000000"/>
+              </a:solidFill>
+              <a:latin typeface="Monaco"/>
+              <a:cs typeface="Monaco"/>
+            </a:endParaRPr>
+          </a:p>
+          <a:p>
+            <a:r>
+              <a:rPr lang="en-US" dirty="0" smtClean="0">
+                <a:solidFill>
+                  <a:srgbClr val="000000"/>
+                </a:solidFill>
+                <a:latin typeface="Monaco"/>
+                <a:cs typeface="Monaco"/>
+              </a:rPr>
+              <a:t># Index the </a:t>
+            </a:r>
+            <a:r>
+              <a:rPr lang="en-US" i="1" dirty="0" smtClean="0">
+                <a:solidFill>
+                  <a:srgbClr val="000000"/>
+                </a:solidFill>
+                <a:latin typeface="Monaco"/>
+                <a:cs typeface="Monaco"/>
+              </a:rPr>
+              <a:t>second</a:t>
+            </a:r>
+            <a:r>
+              <a:rPr lang="en-US" dirty="0" smtClean="0">
+                <a:solidFill>
+                  <a:srgbClr val="000000"/>
+                </a:solidFill>
+                <a:latin typeface="Monaco"/>
+                <a:cs typeface="Monaco"/>
+              </a:rPr>
+              <a:t> entry in d using brackets []</a:t>
+            </a:r>
+            <a:endParaRPr lang="en-US" dirty="0">
+              <a:solidFill>
+                <a:srgbClr val="000000"/>
+              </a:solidFill>
+              <a:latin typeface="Monaco"/>
+              <a:cs typeface="Monaco"/>
+            </a:endParaRPr>
+          </a:p>
+          <a:p>
+            <a:r>
+              <a:rPr lang="en-US" dirty="0" smtClean="0">
+                <a:solidFill>
+                  <a:srgbClr val="000000"/>
+                </a:solidFill>
+                <a:latin typeface="Monaco"/>
+                <a:cs typeface="Monaco"/>
+              </a:rPr>
+              <a:t>print d[1]</a:t>
+            </a:r>
+          </a:p>
+          <a:p>
+            <a:r>
+              <a:rPr lang="en-US" dirty="0">
+                <a:solidFill>
+                  <a:srgbClr val="000000"/>
+                </a:solidFill>
+                <a:latin typeface="Monaco"/>
+                <a:cs typeface="Monaco"/>
+              </a:rPr>
+              <a:t>	</a:t>
+            </a:r>
+            <a:r>
+              <a:rPr lang="en-US" dirty="0" smtClean="0">
+                <a:solidFill>
+                  <a:schemeClr val="bg1">
+                    <a:lumMod val="65000"/>
+                  </a:schemeClr>
+                </a:solidFill>
+                <a:latin typeface="Monaco"/>
+                <a:cs typeface="Monaco"/>
+              </a:rPr>
+              <a:t>3</a:t>
+            </a:r>
+          </a:p>
+          <a:p>
+            <a:endParaRPr lang="en-US" dirty="0">
+              <a:solidFill>
+                <a:schemeClr val="bg1">
+                  <a:lumMod val="65000"/>
+                </a:schemeClr>
+              </a:solidFill>
+              <a:latin typeface="Monaco"/>
+              <a:cs typeface="Monaco"/>
+            </a:endParaRPr>
+          </a:p>
+          <a:p>
             <a:endParaRPr lang="en-US" dirty="0" smtClean="0">
               <a:solidFill>
                 <a:schemeClr val="bg1">
@@ -12491,7 +12206,7 @@
         <p:spPr>
           <a:xfrm>
             <a:off x="457198" y="1815481"/>
-            <a:ext cx="7894154" cy="2862323"/>
+            <a:ext cx="7894154" cy="3693319"/>
           </a:xfrm>
           <a:prstGeom prst="rect">
             <a:avLst/>
@@ -12664,6 +12379,64 @@
             </a:endParaRPr>
           </a:p>
           <a:p>
+            <a:r>
+              <a:rPr lang="en-US" dirty="0" smtClean="0">
+                <a:latin typeface="Monaco"/>
+                <a:cs typeface="Monaco"/>
+              </a:rPr>
+              <a:t># Index a </a:t>
+            </a:r>
+            <a:r>
+              <a:rPr lang="en-US" i="1" dirty="0" smtClean="0">
+                <a:latin typeface="Monaco"/>
+                <a:cs typeface="Monaco"/>
+              </a:rPr>
+              <a:t>slice</a:t>
+            </a:r>
+            <a:r>
+              <a:rPr lang="en-US" dirty="0" smtClean="0">
+                <a:latin typeface="Monaco"/>
+                <a:cs typeface="Monaco"/>
+              </a:rPr>
+              <a:t> of the list with [x:y]</a:t>
+            </a:r>
+          </a:p>
+          <a:p>
+            <a:r>
+              <a:rPr lang="en-US" dirty="0" smtClean="0">
+                <a:latin typeface="Monaco"/>
+                <a:cs typeface="Monaco"/>
+              </a:rPr>
+              <a:t>print d[1:4]</a:t>
+            </a:r>
+          </a:p>
+          <a:p>
+            <a:r>
+              <a:rPr lang="en-US" dirty="0">
+                <a:solidFill>
+                  <a:schemeClr val="bg1">
+                    <a:lumMod val="65000"/>
+                  </a:schemeClr>
+                </a:solidFill>
+                <a:latin typeface="Monaco"/>
+                <a:cs typeface="Monaco"/>
+              </a:rPr>
+              <a:t> </a:t>
+            </a:r>
+            <a:r>
+              <a:rPr lang="en-US" dirty="0" smtClean="0">
+                <a:solidFill>
+                  <a:schemeClr val="bg1">
+                    <a:lumMod val="65000"/>
+                  </a:schemeClr>
+                </a:solidFill>
+                <a:latin typeface="Monaco"/>
+                <a:cs typeface="Monaco"/>
+              </a:rPr>
+              <a:t>  [3, 5, 7]</a:t>
+            </a:r>
+          </a:p>
+          <a:p>
             <a:endParaRPr lang="en-US" dirty="0" smtClean="0">
               <a:solidFill>
                 <a:schemeClr val="bg1">
@@ -12685,7 +12458,7 @@
     </p:spTree>
     <p:extLst>
       <p:ext uri="{BB962C8B-B14F-4D97-AF65-F5344CB8AC3E}">
-        <p14:creationId xmlns:p14="http://schemas.microsoft.com/office/powerpoint/2010/main" val="1165585668"/>
+        <p14:creationId xmlns:p14="http://schemas.microsoft.com/office/powerpoint/2010/main" val="542718252"/>
       </p:ext>
     </p:extLst>
   </p:cSld>
@@ -12993,10 +12766,90 @@
           </a:p>
         </p:txBody>
       </p:sp>
+      <p:sp>
+        <p:nvSpPr>
+          <p:cNvPr id="3" name="TextBox 2"/>
+          <p:cNvSpPr txBox="1"/>
+          <p:nvPr/>
+        </p:nvSpPr>
+        <p:spPr>
+          <a:xfrm>
+            <a:off x="2421345" y="4586465"/>
+            <a:ext cx="4504613" cy="369332"/>
+          </a:xfrm>
+          <a:prstGeom prst="rect">
+            <a:avLst/>
+          </a:prstGeom>
+          <a:noFill/>
+        </p:spPr>
+        <p:txBody>
+          <a:bodyPr wrap="square" rtlCol="0">
+            <a:spAutoFit/>
+          </a:bodyPr>
+          <a:lstStyle/>
+          <a:p>
+            <a:r>
+              <a:rPr lang="en-US" dirty="0" smtClean="0">
+                <a:solidFill>
+                  <a:schemeClr val="accent2"/>
+                </a:solidFill>
+              </a:rPr>
+              <a:t>In </a:t>
+            </a:r>
+            <a:r>
+              <a:rPr lang="en-US" dirty="0" smtClean="0">
+                <a:solidFill>
+                  <a:schemeClr val="accent2"/>
+                </a:solidFill>
+                <a:latin typeface="Monaco"/>
+                <a:cs typeface="Monaco"/>
+              </a:rPr>
+              <a:t>[x:y]</a:t>
+            </a:r>
+            <a:r>
+              <a:rPr lang="en-US" dirty="0" smtClean="0">
+                <a:solidFill>
+                  <a:schemeClr val="accent2"/>
+                </a:solidFill>
+              </a:rPr>
+              <a:t>,  x is </a:t>
+            </a:r>
+            <a:r>
+              <a:rPr lang="en-US" u="sng" dirty="0" smtClean="0">
+                <a:solidFill>
+                  <a:schemeClr val="accent2"/>
+                </a:solidFill>
+              </a:rPr>
+              <a:t>inclusive</a:t>
+            </a:r>
+            <a:r>
+              <a:rPr lang="en-US" dirty="0" smtClean="0">
+                <a:solidFill>
+                  <a:schemeClr val="accent2"/>
+                </a:solidFill>
+              </a:rPr>
+              <a:t> and y is </a:t>
+            </a:r>
+            <a:r>
+              <a:rPr lang="en-US" u="sng" dirty="0" smtClean="0">
+                <a:solidFill>
+                  <a:schemeClr val="accent2"/>
+                </a:solidFill>
+              </a:rPr>
+              <a:t>exclusive</a:t>
+            </a:r>
+            <a:endParaRPr lang="en-US" u="sng" dirty="0">
+              <a:solidFill>
+                <a:schemeClr val="accent2"/>
+              </a:solidFill>
+            </a:endParaRPr>
+          </a:p>
+        </p:txBody>
+      </p:sp>
     </p:spTree>
     <p:extLst>
       <p:ext uri="{BB962C8B-B14F-4D97-AF65-F5344CB8AC3E}">
-        <p14:creationId xmlns:p14="http://schemas.microsoft.com/office/powerpoint/2010/main" val="542718252"/>
+        <p14:creationId xmlns:p14="http://schemas.microsoft.com/office/powerpoint/2010/main" val="251870614"/>
       </p:ext>
     </p:extLst>
   </p:cSld>
@@ -13055,7 +12908,7 @@
         <p:spPr>
           <a:xfrm>
             <a:off x="457198" y="1815481"/>
-            <a:ext cx="7894154" cy="3693319"/>
+            <a:ext cx="7894154" cy="4247317"/>
           </a:xfrm>
           <a:prstGeom prst="rect">
             <a:avLst/>
@@ -13283,6 +13136,26 @@
                 <a:cs typeface="Monaco"/>
               </a:rPr>
               <a:t>  [3, 5, 7]</a:t>
+            </a:r>
+          </a:p>
+          <a:p>
+            <a:endParaRPr lang="en-US" dirty="0">
+              <a:solidFill>
+                <a:schemeClr val="bg1">
+                  <a:lumMod val="65000"/>
+                </a:schemeClr>
+              </a:solidFill>
+              <a:latin typeface="Monaco"/>
+              <a:cs typeface="Monaco"/>
+            </a:endParaRPr>
+          </a:p>
+          <a:p>
+            <a:r>
+              <a:rPr lang="en-US" dirty="0" smtClean="0">
+                <a:latin typeface="Monaco"/>
+                <a:cs typeface="Monaco"/>
+              </a:rPr>
+              <a:t># x and y defaults are 0 and "last index"</a:t>
             </a:r>
           </a:p>
           <a:p>
@@ -13387,7 +13260,7 @@
     </p:spTree>
     <p:extLst>
       <p:ext uri="{BB962C8B-B14F-4D97-AF65-F5344CB8AC3E}">
-        <p14:creationId xmlns:p14="http://schemas.microsoft.com/office/powerpoint/2010/main" val="251870614"/>
+        <p14:creationId xmlns:p14="http://schemas.microsoft.com/office/powerpoint/2010/main" val="542718252"/>
       </p:ext>
     </p:extLst>
   </p:cSld>
@@ -13446,7 +13319,7 @@
         <p:spPr>
           <a:xfrm>
             <a:off x="457198" y="1815481"/>
-            <a:ext cx="7894154" cy="4247317"/>
+            <a:ext cx="7894154" cy="4801315"/>
           </a:xfrm>
           <a:prstGeom prst="rect">
             <a:avLst/>
@@ -13694,6 +13567,48 @@
                 <a:cs typeface="Monaco"/>
               </a:rPr>
               <a:t># x and y defaults are 0 and "last index"</a:t>
+            </a:r>
+          </a:p>
+          <a:p>
+            <a:r>
+              <a:rPr lang="en-US" dirty="0">
+                <a:latin typeface="Monaco"/>
+                <a:cs typeface="Monaco"/>
+              </a:rPr>
+              <a:t>print d</a:t>
+            </a:r>
+            <a:r>
+              <a:rPr lang="en-US" dirty="0" smtClean="0">
+                <a:latin typeface="Monaco"/>
+                <a:cs typeface="Monaco"/>
+              </a:rPr>
+              <a:t>[3:]  # assumes go through end of list</a:t>
+            </a:r>
+          </a:p>
+          <a:p>
+            <a:r>
+              <a:rPr lang="en-US" dirty="0">
+                <a:solidFill>
+                  <a:schemeClr val="bg1">
+                    <a:lumMod val="65000"/>
+                  </a:schemeClr>
+                </a:solidFill>
+                <a:latin typeface="Monaco"/>
+                <a:cs typeface="Monaco"/>
+              </a:rPr>
+              <a:t>	</a:t>
+            </a:r>
+            <a:r>
+              <a:rPr lang="en-US" dirty="0" smtClean="0">
+                <a:solidFill>
+                  <a:schemeClr val="bg1">
+                    <a:lumMod val="65000"/>
+                  </a:schemeClr>
+                </a:solidFill>
+                <a:latin typeface="Monaco"/>
+                <a:cs typeface="Monaco"/>
+              </a:rPr>
+              <a:t>[7, 9, 11, 13]</a:t>
             </a:r>
           </a:p>
           <a:p>
@@ -13857,7 +13772,7 @@
         <p:spPr>
           <a:xfrm>
             <a:off x="457198" y="1815481"/>
-            <a:ext cx="7894154" cy="4801315"/>
+            <a:ext cx="7894154" cy="5355313"/>
           </a:xfrm>
           <a:prstGeom prst="rect">
             <a:avLst/>
@@ -14148,6 +14063,53 @@
               </a:rPr>
               <a:t>[7, 9, 11, 13]</a:t>
             </a:r>
+          </a:p>
+          <a:p>
+            <a:r>
+              <a:rPr lang="en-US" dirty="0" smtClean="0">
+                <a:solidFill>
+                  <a:srgbClr val="000000"/>
+                </a:solidFill>
+                <a:latin typeface="Monaco"/>
+                <a:cs typeface="Monaco"/>
+              </a:rPr>
+              <a:t>print d[:5]  # assumes start at beginning of list</a:t>
+            </a:r>
+          </a:p>
+          <a:p>
+            <a:r>
+              <a:rPr lang="en-US" dirty="0">
+                <a:solidFill>
+                  <a:schemeClr val="bg1">
+                    <a:lumMod val="65000"/>
+                  </a:schemeClr>
+                </a:solidFill>
+                <a:latin typeface="Monaco"/>
+                <a:cs typeface="Monaco"/>
+              </a:rPr>
+              <a:t> </a:t>
+            </a:r>
+            <a:r>
+              <a:rPr lang="en-US" dirty="0" smtClean="0">
+                <a:solidFill>
+                  <a:schemeClr val="bg1">
+                    <a:lumMod val="65000"/>
+                  </a:schemeClr>
+                </a:solidFill>
+                <a:latin typeface="Monaco"/>
+                <a:cs typeface="Monaco"/>
+              </a:rPr>
+              <a:t>  [1, 3, 5, 7, 9]</a:t>
+            </a:r>
+            <a:endParaRPr lang="en-US" dirty="0">
+              <a:solidFill>
+                <a:schemeClr val="bg1">
+                  <a:lumMod val="65000"/>
+                </a:schemeClr>
+              </a:solidFill>
+              <a:latin typeface="Monaco"/>
+              <a:cs typeface="Monaco"/>
+            </a:endParaRPr>
           </a:p>
           <a:p>
             <a:endParaRPr lang="en-US" dirty="0" smtClean="0">
@@ -14251,7 +14213,7 @@
     </p:spTree>
     <p:extLst>
       <p:ext uri="{BB962C8B-B14F-4D97-AF65-F5344CB8AC3E}">
-        <p14:creationId xmlns:p14="http://schemas.microsoft.com/office/powerpoint/2010/main" val="542718252"/>
+        <p14:creationId xmlns:p14="http://schemas.microsoft.com/office/powerpoint/2010/main" val="4247775296"/>
       </p:ext>
     </p:extLst>
   </p:cSld>
@@ -14309,8 +14271,8 @@
         </p:nvSpPr>
         <p:spPr>
           <a:xfrm>
-            <a:off x="457198" y="1815481"/>
-            <a:ext cx="7894154" cy="5355313"/>
+            <a:off x="457197" y="1815481"/>
+            <a:ext cx="8442383" cy="2862323"/>
           </a:xfrm>
           <a:prstGeom prst="rect">
             <a:avLst/>
@@ -14335,7 +14297,7 @@
                 <a:latin typeface="Monaco"/>
                 <a:cs typeface="Monaco"/>
               </a:rPr>
-              <a:t> = [1, 3, 5, 7, 9, 11, 13]</a:t>
+              <a:t> = [1,  3,  5,  7,  9,  11,  13]</a:t>
             </a:r>
           </a:p>
           <a:p>
@@ -14357,7 +14319,7 @@
                 <a:latin typeface="Monaco"/>
                 <a:cs typeface="Monaco"/>
               </a:rPr>
-              <a:t>    0  1  2  3  4  5   6    </a:t>
+              <a:t>    0   1   2   3   4   5    6   </a:t>
             </a:r>
             <a:r>
               <a:rPr lang="en-US" b="1" dirty="0" smtClean="0">
@@ -14379,6 +14341,56 @@
             </a:endParaRPr>
           </a:p>
           <a:p>
+            <a:r>
+              <a:rPr lang="en-US" dirty="0" smtClean="0">
+                <a:solidFill>
+                  <a:srgbClr val="D1282E"/>
+                </a:solidFill>
+                <a:latin typeface="Monaco"/>
+                <a:cs typeface="Monaco"/>
+              </a:rPr>
+              <a:t>    -</a:t>
+            </a:r>
+            <a:r>
+              <a:rPr lang="en-US" dirty="0">
+                <a:solidFill>
+                  <a:srgbClr val="D1282E"/>
+                </a:solidFill>
+                <a:latin typeface="Monaco"/>
+                <a:cs typeface="Monaco"/>
+              </a:rPr>
+              <a:t>7</a:t>
+            </a:r>
+            <a:r>
+              <a:rPr lang="en-US" dirty="0" smtClean="0">
+                <a:solidFill>
+                  <a:srgbClr val="D1282E"/>
+                </a:solidFill>
+                <a:latin typeface="Monaco"/>
+                <a:cs typeface="Monaco"/>
+              </a:rPr>
+              <a:t>  -6  -5  -4  -3  -2   -1   </a:t>
+            </a:r>
+            <a:r>
+              <a:rPr lang="en-US" dirty="0" smtClean="0">
+                <a:solidFill>
+                  <a:srgbClr val="D1282E"/>
+                </a:solidFill>
+                <a:latin typeface="Monaco"/>
+                <a:cs typeface="Monaco"/>
+                <a:sym typeface="Wingdings"/>
+              </a:rPr>
+              <a:t> Negative indexing</a:t>
+            </a:r>
+            <a:endParaRPr lang="en-US" dirty="0" smtClean="0">
+              <a:solidFill>
+                <a:srgbClr val="D1282E"/>
+              </a:solidFill>
+              <a:latin typeface="Monaco"/>
+              <a:cs typeface="Monaco"/>
+            </a:endParaRPr>
+          </a:p>
+          <a:p>
             <a:endParaRPr lang="en-US" dirty="0" smtClean="0">
               <a:solidFill>
                 <a:srgbClr val="000000"/>
@@ -14388,15 +14400,6 @@
             </a:endParaRPr>
           </a:p>
           <a:p>
-            <a:endParaRPr lang="en-US" dirty="0" smtClean="0">
-              <a:solidFill>
-                <a:srgbClr val="000000"/>
-              </a:solidFill>
-              <a:latin typeface="Monaco"/>
-              <a:cs typeface="Monaco"/>
-            </a:endParaRPr>
-          </a:p>
-          <a:p>
             <a:r>
               <a:rPr lang="en-US" dirty="0" smtClean="0">
                 <a:solidFill>
@@ -14415,7 +14418,7 @@
                 <a:latin typeface="Monaco"/>
                 <a:cs typeface="Monaco"/>
               </a:rPr>
-              <a:t>second</a:t>
+              <a:t>last </a:t>
             </a:r>
             <a:r>
               <a:rPr lang="en-US" dirty="0" smtClean="0">
@@ -14425,7 +14428,7 @@
                 <a:latin typeface="Monaco"/>
                 <a:cs typeface="Monaco"/>
               </a:rPr>
-              <a:t> entry in d using brackets []</a:t>
+              <a:t>entry in d using brackets []</a:t>
             </a:r>
             <a:endParaRPr lang="en-US" dirty="0">
               <a:solidFill>
@@ -14444,22 +14447,12 @@
                 <a:latin typeface="Monaco"/>
                 <a:cs typeface="Monaco"/>
               </a:rPr>
-              <a:t>print d[1]</a:t>
+              <a:t>print d[-1]</a:t>
             </a:r>
           </a:p>
           <a:p>
             <a:r>
               <a:rPr lang="en-US" dirty="0">
-                <a:solidFill>
-                  <a:srgbClr val="000000"/>
-                </a:solidFill>
-                <a:latin typeface="Monaco"/>
-                <a:cs typeface="Monaco"/>
-              </a:rPr>
-              <a:t>	</a:t>
-            </a:r>
-            <a:r>
-              <a:rPr lang="en-US" dirty="0" smtClean="0">
                 <a:solidFill>
                   <a:schemeClr val="bg1">
                     <a:lumMod val="65000"/>
@@ -14468,7 +14461,19 @@
                 <a:latin typeface="Monaco"/>
                 <a:cs typeface="Monaco"/>
               </a:rPr>
-              <a:t>3</a:t>
+              <a:t>	</a:t>
+            </a:r>
+            <a:r>
+              <a:rPr lang="en-US" dirty="0" smtClean="0">
+                <a:solidFill>
+                  <a:schemeClr val="bg1">
+                    <a:lumMod val="65000"/>
+                  </a:schemeClr>
+                </a:solidFill>
+                <a:latin typeface="Monaco"/>
+                <a:cs typeface="Monaco"/>
+              </a:rPr>
+              <a:t>13</a:t>
             </a:r>
           </a:p>
           <a:p>
@@ -14483,173 +14488,6 @@
             </a:endParaRPr>
           </a:p>
           <a:p>
-            <a:r>
-              <a:rPr lang="en-US" dirty="0" smtClean="0">
-                <a:latin typeface="Monaco"/>
-                <a:cs typeface="Monaco"/>
-              </a:rPr>
-              <a:t># Index a </a:t>
-            </a:r>
-            <a:r>
-              <a:rPr lang="en-US" i="1" dirty="0" smtClean="0">
-                <a:latin typeface="Monaco"/>
-                <a:cs typeface="Monaco"/>
-              </a:rPr>
-              <a:t>slice</a:t>
-            </a:r>
-            <a:r>
-              <a:rPr lang="en-US" dirty="0" smtClean="0">
-                <a:latin typeface="Monaco"/>
-                <a:cs typeface="Monaco"/>
-              </a:rPr>
-              <a:t> of the list with [x:y]</a:t>
-            </a:r>
-          </a:p>
-          <a:p>
-            <a:r>
-              <a:rPr lang="en-US" dirty="0" smtClean="0">
-                <a:latin typeface="Monaco"/>
-                <a:cs typeface="Monaco"/>
-              </a:rPr>
-              <a:t>print d[1:4]</a:t>
-            </a:r>
-          </a:p>
-          <a:p>
-            <a:r>
-              <a:rPr lang="en-US" dirty="0">
-                <a:solidFill>
-                  <a:schemeClr val="bg1">
-                    <a:lumMod val="65000"/>
-                  </a:schemeClr>
-                </a:solidFill>
-                <a:latin typeface="Monaco"/>
-                <a:cs typeface="Monaco"/>
-              </a:rPr>
-              <a:t> </a:t>
-            </a:r>
-            <a:r>
-              <a:rPr lang="en-US" dirty="0" smtClean="0">
-                <a:solidFill>
-                  <a:schemeClr val="bg1">
-                    <a:lumMod val="65000"/>
-                  </a:schemeClr>
-                </a:solidFill>
-                <a:latin typeface="Monaco"/>
-                <a:cs typeface="Monaco"/>
-              </a:rPr>
-              <a:t>  [3, 5, 7]</a:t>
-            </a:r>
-          </a:p>
-          <a:p>
-            <a:endParaRPr lang="en-US" dirty="0">
-              <a:solidFill>
-                <a:schemeClr val="bg1">
-                  <a:lumMod val="65000"/>
-                </a:schemeClr>
-              </a:solidFill>
-              <a:latin typeface="Monaco"/>
-              <a:cs typeface="Monaco"/>
-            </a:endParaRPr>
-          </a:p>
-          <a:p>
-            <a:r>
-              <a:rPr lang="en-US" dirty="0" smtClean="0">
-                <a:latin typeface="Monaco"/>
-                <a:cs typeface="Monaco"/>
-              </a:rPr>
-              <a:t># x and y defaults are 0 and "last index"</a:t>
-            </a:r>
-          </a:p>
-          <a:p>
-            <a:r>
-              <a:rPr lang="en-US" dirty="0">
-                <a:latin typeface="Monaco"/>
-                <a:cs typeface="Monaco"/>
-              </a:rPr>
-              <a:t>print d</a:t>
-            </a:r>
-            <a:r>
-              <a:rPr lang="en-US" dirty="0" smtClean="0">
-                <a:latin typeface="Monaco"/>
-                <a:cs typeface="Monaco"/>
-              </a:rPr>
-              <a:t>[3:]  # assumes go through end of list</a:t>
-            </a:r>
-          </a:p>
-          <a:p>
-            <a:r>
-              <a:rPr lang="en-US" dirty="0">
-                <a:solidFill>
-                  <a:schemeClr val="bg1">
-                    <a:lumMod val="65000"/>
-                  </a:schemeClr>
-                </a:solidFill>
-                <a:latin typeface="Monaco"/>
-                <a:cs typeface="Monaco"/>
-              </a:rPr>
-              <a:t>	</a:t>
-            </a:r>
-            <a:r>
-              <a:rPr lang="en-US" dirty="0" smtClean="0">
-                <a:solidFill>
-                  <a:schemeClr val="bg1">
-                    <a:lumMod val="65000"/>
-                  </a:schemeClr>
-                </a:solidFill>
-                <a:latin typeface="Monaco"/>
-                <a:cs typeface="Monaco"/>
-              </a:rPr>
-              <a:t>[7, 9, 11, 13]</a:t>
-            </a:r>
-          </a:p>
-          <a:p>
-            <a:r>
-              <a:rPr lang="en-US" dirty="0" smtClean="0">
-                <a:solidFill>
-                  <a:srgbClr val="000000"/>
-                </a:solidFill>
-                <a:latin typeface="Monaco"/>
-                <a:cs typeface="Monaco"/>
-              </a:rPr>
-              <a:t>print d[:5]  # assumes start at beginning of list</a:t>
-            </a:r>
-          </a:p>
-          <a:p>
-            <a:r>
-              <a:rPr lang="en-US" dirty="0">
-                <a:solidFill>
-                  <a:schemeClr val="bg1">
-                    <a:lumMod val="65000"/>
-                  </a:schemeClr>
-                </a:solidFill>
-                <a:latin typeface="Monaco"/>
-                <a:cs typeface="Monaco"/>
-              </a:rPr>
-              <a:t> </a:t>
-            </a:r>
-            <a:r>
-              <a:rPr lang="en-US" dirty="0" smtClean="0">
-                <a:solidFill>
-                  <a:schemeClr val="bg1">
-                    <a:lumMod val="65000"/>
-                  </a:schemeClr>
-                </a:solidFill>
-                <a:latin typeface="Monaco"/>
-                <a:cs typeface="Monaco"/>
-              </a:rPr>
-              <a:t>  [1, 3, 5, 7, 9]</a:t>
-            </a:r>
-            <a:endParaRPr lang="en-US" dirty="0">
-              <a:solidFill>
-                <a:schemeClr val="bg1">
-                  <a:lumMod val="65000"/>
-                </a:schemeClr>
-              </a:solidFill>
-              <a:latin typeface="Monaco"/>
-              <a:cs typeface="Monaco"/>
-            </a:endParaRPr>
-          </a:p>
-          <a:p>
             <a:endParaRPr lang="en-US" dirty="0" smtClean="0">
               <a:solidFill>
                 <a:schemeClr val="bg1">
@@ -14668,90 +14506,10 @@
           </a:p>
         </p:txBody>
       </p:sp>
-      <p:sp>
-        <p:nvSpPr>
-          <p:cNvPr id="3" name="TextBox 2"/>
-          <p:cNvSpPr txBox="1"/>
-          <p:nvPr/>
-        </p:nvSpPr>
-        <p:spPr>
-          <a:xfrm>
-            <a:off x="2421345" y="4586465"/>
-            <a:ext cx="4504613" cy="369332"/>
-          </a:xfrm>
-          <a:prstGeom prst="rect">
-            <a:avLst/>
-          </a:prstGeom>
-          <a:noFill/>
-        </p:spPr>
-        <p:txBody>
-          <a:bodyPr wrap="square" rtlCol="0">
-            <a:spAutoFit/>
-          </a:bodyPr>
-          <a:lstStyle/>
-          <a:p>
-            <a:r>
-              <a:rPr lang="en-US" dirty="0" smtClean="0">
-                <a:solidFill>
-                  <a:schemeClr val="accent2"/>
-                </a:solidFill>
-              </a:rPr>
-              <a:t>In </a:t>
-            </a:r>
-            <a:r>
-              <a:rPr lang="en-US" dirty="0" smtClean="0">
-                <a:solidFill>
-                  <a:schemeClr val="accent2"/>
-                </a:solidFill>
-                <a:latin typeface="Monaco"/>
-                <a:cs typeface="Monaco"/>
-              </a:rPr>
-              <a:t>[x:y]</a:t>
-            </a:r>
-            <a:r>
-              <a:rPr lang="en-US" dirty="0" smtClean="0">
-                <a:solidFill>
-                  <a:schemeClr val="accent2"/>
-                </a:solidFill>
-              </a:rPr>
-              <a:t>,  x is </a:t>
-            </a:r>
-            <a:r>
-              <a:rPr lang="en-US" u="sng" dirty="0" smtClean="0">
-                <a:solidFill>
-                  <a:schemeClr val="accent2"/>
-                </a:solidFill>
-              </a:rPr>
-              <a:t>inclusive</a:t>
-            </a:r>
-            <a:r>
-              <a:rPr lang="en-US" dirty="0" smtClean="0">
-                <a:solidFill>
-                  <a:schemeClr val="accent2"/>
-                </a:solidFill>
-              </a:rPr>
-              <a:t> and y is </a:t>
-            </a:r>
-            <a:r>
-              <a:rPr lang="en-US" u="sng" dirty="0" smtClean="0">
-                <a:solidFill>
-                  <a:schemeClr val="accent2"/>
-                </a:solidFill>
-              </a:rPr>
-              <a:t>exclusive</a:t>
-            </a:r>
-            <a:endParaRPr lang="en-US" u="sng" dirty="0">
-              <a:solidFill>
-                <a:schemeClr val="accent2"/>
-              </a:solidFill>
-            </a:endParaRPr>
-          </a:p>
-        </p:txBody>
-      </p:sp>
     </p:spTree>
     <p:extLst>
       <p:ext uri="{BB962C8B-B14F-4D97-AF65-F5344CB8AC3E}">
-        <p14:creationId xmlns:p14="http://schemas.microsoft.com/office/powerpoint/2010/main" val="4247775296"/>
+        <p14:creationId xmlns:p14="http://schemas.microsoft.com/office/powerpoint/2010/main" val="1154438593"/>
       </p:ext>
     </p:extLst>
   </p:cSld>
@@ -14795,7 +14553,7 @@
           <a:p>
             <a:r>
               <a:rPr lang="en-US" dirty="0" smtClean="0"/>
-              <a:t>indexing in python</a:t>
+              <a:t>common list methods</a:t>
             </a:r>
             <a:endParaRPr lang="en-US" dirty="0"/>
           </a:p>
@@ -14803,14 +14561,14 @@
       </p:sp>
       <p:sp>
         <p:nvSpPr>
-          <p:cNvPr id="4" name="TextBox 3"/>
+          <p:cNvPr id="5" name="TextBox 4"/>
           <p:cNvSpPr txBox="1"/>
           <p:nvPr/>
         </p:nvSpPr>
         <p:spPr>
           <a:xfrm>
-            <a:off x="457197" y="1815481"/>
-            <a:ext cx="8442383" cy="2862323"/>
+            <a:off x="265716" y="1632754"/>
+            <a:ext cx="8158734" cy="646331"/>
           </a:xfrm>
           <a:prstGeom prst="rect">
             <a:avLst/>
@@ -14824,230 +14582,28 @@
           <a:lstStyle/>
           <a:p>
             <a:r>
-              <a:rPr lang="en-US" dirty="0">
-                <a:latin typeface="Monaco"/>
-                <a:cs typeface="Monaco"/>
-              </a:rPr>
-              <a:t>d</a:t>
-            </a:r>
-            <a:r>
-              <a:rPr lang="en-US" dirty="0" smtClean="0">
-                <a:latin typeface="Monaco"/>
-                <a:cs typeface="Monaco"/>
-              </a:rPr>
-              <a:t> = [1,  3,  5,  7,  9,  11,  13]</a:t>
-            </a:r>
-          </a:p>
-          <a:p>
-            <a:r>
-              <a:rPr lang="en-US" b="1" dirty="0">
-                <a:solidFill>
-                  <a:schemeClr val="accent2"/>
-                </a:solidFill>
-                <a:latin typeface="Monaco"/>
-                <a:cs typeface="Monaco"/>
-              </a:rPr>
-              <a:t> </a:t>
-            </a:r>
-            <a:r>
-              <a:rPr lang="en-US" b="1" dirty="0" smtClean="0">
-                <a:solidFill>
-                  <a:schemeClr val="accent2"/>
-                </a:solidFill>
-                <a:latin typeface="Monaco"/>
-                <a:cs typeface="Monaco"/>
-              </a:rPr>
-              <a:t>    0   1   2   3   4   5    6   </a:t>
-            </a:r>
-            <a:r>
-              <a:rPr lang="en-US" b="1" dirty="0" smtClean="0">
-                <a:solidFill>
-                  <a:schemeClr val="accent2"/>
-                </a:solidFill>
-                <a:latin typeface="Monaco"/>
-                <a:cs typeface="Monaco"/>
-                <a:sym typeface="Wingdings"/>
-              </a:rPr>
-              <a:t> Indexing starts from 0!</a:t>
-            </a:r>
-            <a:endParaRPr lang="en-US" b="1" dirty="0" smtClean="0">
-              <a:solidFill>
-                <a:schemeClr val="accent2"/>
-              </a:solidFill>
-              <a:latin typeface="Monaco"/>
-              <a:cs typeface="Monaco"/>
-            </a:endParaRPr>
-          </a:p>
-          <a:p>
-            <a:r>
-              <a:rPr lang="en-US" dirty="0" smtClean="0">
-                <a:solidFill>
-                  <a:srgbClr val="D1282E"/>
-                </a:solidFill>
-                <a:latin typeface="Monaco"/>
-                <a:cs typeface="Monaco"/>
-              </a:rPr>
-              <a:t>    -</a:t>
-            </a:r>
-            <a:r>
-              <a:rPr lang="en-US" dirty="0">
-                <a:solidFill>
-                  <a:srgbClr val="D1282E"/>
-                </a:solidFill>
-                <a:latin typeface="Monaco"/>
-                <a:cs typeface="Monaco"/>
-              </a:rPr>
-              <a:t>7</a:t>
-            </a:r>
-            <a:r>
-              <a:rPr lang="en-US" dirty="0" smtClean="0">
-                <a:solidFill>
-                  <a:srgbClr val="D1282E"/>
-                </a:solidFill>
-                <a:latin typeface="Monaco"/>
-                <a:cs typeface="Monaco"/>
-              </a:rPr>
-              <a:t>  -6  -5  -4  -3  -2   -1   </a:t>
-            </a:r>
-            <a:r>
-              <a:rPr lang="en-US" dirty="0" smtClean="0">
-                <a:solidFill>
-                  <a:srgbClr val="D1282E"/>
-                </a:solidFill>
-                <a:latin typeface="Monaco"/>
-                <a:cs typeface="Monaco"/>
-                <a:sym typeface="Wingdings"/>
-              </a:rPr>
-              <a:t> Negative indexing</a:t>
-            </a:r>
-            <a:endParaRPr lang="en-US" dirty="0" smtClean="0">
-              <a:solidFill>
-                <a:srgbClr val="D1282E"/>
-              </a:solidFill>
-              <a:latin typeface="Monaco"/>
-              <a:cs typeface="Monaco"/>
-            </a:endParaRPr>
-          </a:p>
-          <a:p>
-            <a:endParaRPr lang="en-US" dirty="0" smtClean="0">
-              <a:solidFill>
-                <a:srgbClr val="000000"/>
-              </a:solidFill>
-              <a:latin typeface="Monaco"/>
-              <a:cs typeface="Monaco"/>
-            </a:endParaRPr>
-          </a:p>
-          <a:p>
-            <a:r>
-              <a:rPr lang="en-US" dirty="0" smtClean="0">
-                <a:solidFill>
-                  <a:srgbClr val="000000"/>
-                </a:solidFill>
-                <a:latin typeface="Monaco"/>
-                <a:cs typeface="Monaco"/>
-              </a:rPr>
-              <a:t># Index the </a:t>
-            </a:r>
-            <a:r>
-              <a:rPr lang="en-US" i="1" dirty="0" smtClean="0">
-                <a:solidFill>
-                  <a:srgbClr val="000000"/>
-                </a:solidFill>
-                <a:latin typeface="Monaco"/>
-                <a:cs typeface="Monaco"/>
-              </a:rPr>
-              <a:t>last </a:t>
-            </a:r>
-            <a:r>
-              <a:rPr lang="en-US" dirty="0" smtClean="0">
-                <a:solidFill>
-                  <a:srgbClr val="000000"/>
-                </a:solidFill>
-                <a:latin typeface="Monaco"/>
-                <a:cs typeface="Monaco"/>
-              </a:rPr>
-              <a:t>entry in d using brackets []</a:t>
-            </a:r>
-            <a:endParaRPr lang="en-US" dirty="0">
-              <a:solidFill>
-                <a:srgbClr val="000000"/>
-              </a:solidFill>
-              <a:latin typeface="Monaco"/>
-              <a:cs typeface="Monaco"/>
-            </a:endParaRPr>
-          </a:p>
-          <a:p>
-            <a:r>
-              <a:rPr lang="en-US" dirty="0" smtClean="0">
-                <a:solidFill>
-                  <a:srgbClr val="000000"/>
-                </a:solidFill>
-                <a:latin typeface="Monaco"/>
-                <a:cs typeface="Monaco"/>
-              </a:rPr>
-              <a:t>print d[-1]</a:t>
-            </a:r>
-          </a:p>
-          <a:p>
-            <a:r>
-              <a:rPr lang="en-US" dirty="0">
-                <a:solidFill>
-                  <a:schemeClr val="bg1">
-                    <a:lumMod val="65000"/>
-                  </a:schemeClr>
-                </a:solidFill>
-                <a:latin typeface="Monaco"/>
-                <a:cs typeface="Monaco"/>
-              </a:rPr>
-              <a:t>	</a:t>
-            </a:r>
-            <a:r>
-              <a:rPr lang="en-US" dirty="0" smtClean="0">
-                <a:solidFill>
-                  <a:schemeClr val="bg1">
-                    <a:lumMod val="65000"/>
-                  </a:schemeClr>
-                </a:solidFill>
-                <a:latin typeface="Monaco"/>
-                <a:cs typeface="Monaco"/>
-              </a:rPr>
-              <a:t>13</a:t>
-            </a:r>
-          </a:p>
-          <a:p>
-            <a:endParaRPr lang="en-US" dirty="0">
-              <a:solidFill>
-                <a:schemeClr val="bg1">
-                  <a:lumMod val="65000"/>
-                </a:schemeClr>
-              </a:solidFill>
-              <a:latin typeface="Monaco"/>
-              <a:cs typeface="Monaco"/>
-            </a:endParaRPr>
-          </a:p>
-          <a:p>
-            <a:endParaRPr lang="en-US" dirty="0" smtClean="0">
-              <a:solidFill>
-                <a:schemeClr val="bg1">
-                  <a:lumMod val="65000"/>
-                </a:schemeClr>
-              </a:solidFill>
-              <a:latin typeface="Monaco"/>
-              <a:cs typeface="Monaco"/>
-            </a:endParaRPr>
-          </a:p>
-          <a:p>
-            <a:endParaRPr lang="en-US" dirty="0" smtClean="0">
-              <a:latin typeface="Monaco"/>
-              <a:cs typeface="Monaco"/>
-            </a:endParaRPr>
+              <a:rPr lang="en-US" dirty="0" smtClean="0">
+                <a:latin typeface="Monaco"/>
+                <a:cs typeface="Monaco"/>
+              </a:rPr>
+              <a:t># Define a list</a:t>
+            </a:r>
+          </a:p>
+          <a:p>
+            <a:r>
+              <a:rPr lang="en-US" dirty="0" smtClean="0">
+                <a:latin typeface="Monaco"/>
+                <a:cs typeface="Monaco"/>
+              </a:rPr>
+              <a:t>a = [1, 3, 5, 7, 9, 11, 13]</a:t>
+            </a:r>
           </a:p>
         </p:txBody>
       </p:sp>
     </p:spTree>
     <p:extLst>
       <p:ext uri="{BB962C8B-B14F-4D97-AF65-F5344CB8AC3E}">
-        <p14:creationId xmlns:p14="http://schemas.microsoft.com/office/powerpoint/2010/main" val="1154438593"/>
+        <p14:creationId xmlns:p14="http://schemas.microsoft.com/office/powerpoint/2010/main" val="1987330579"/>
       </p:ext>
     </p:extLst>
   </p:cSld>
@@ -15106,7 +14662,7 @@
         <p:spPr>
           <a:xfrm>
             <a:off x="265716" y="1632754"/>
-            <a:ext cx="8158734" cy="646331"/>
+            <a:ext cx="8158734" cy="2031325"/>
           </a:xfrm>
           <a:prstGeom prst="rect">
             <a:avLst/>
@@ -15134,6 +14690,97 @@
                 <a:cs typeface="Monaco"/>
               </a:rPr>
               <a:t>a = [1, 3, 5, 7, 9, 11, 13]</a:t>
+            </a:r>
+          </a:p>
+          <a:p>
+            <a:endParaRPr lang="en-US" dirty="0" smtClean="0">
+              <a:latin typeface="Monaco"/>
+              <a:cs typeface="Monaco"/>
+            </a:endParaRPr>
+          </a:p>
+          <a:p>
+            <a:r>
+              <a:rPr lang="en-US" dirty="0" smtClean="0">
+                <a:latin typeface="Monaco"/>
+                <a:cs typeface="Monaco"/>
+              </a:rPr>
+              <a:t># The </a:t>
+            </a:r>
+            <a:r>
+              <a:rPr lang="en-US" i="1" dirty="0" smtClean="0">
+                <a:latin typeface="Monaco"/>
+                <a:cs typeface="Monaco"/>
+              </a:rPr>
+              <a:t>.append()</a:t>
+            </a:r>
+            <a:r>
+              <a:rPr lang="en-US" dirty="0" smtClean="0">
+                <a:latin typeface="Monaco"/>
+                <a:cs typeface="Monaco"/>
+              </a:rPr>
+              <a:t> method adds a value to the end of the list</a:t>
+            </a:r>
+            <a:endParaRPr lang="en-US" dirty="0">
+              <a:latin typeface="Monaco"/>
+              <a:cs typeface="Monaco"/>
+            </a:endParaRPr>
+          </a:p>
+          <a:p>
+            <a:r>
+              <a:rPr lang="en-US" dirty="0" err="1" smtClean="0">
+                <a:latin typeface="Monaco"/>
+                <a:cs typeface="Monaco"/>
+              </a:rPr>
+              <a:t>a.append</a:t>
+            </a:r>
+            <a:r>
+              <a:rPr lang="en-US" dirty="0" smtClean="0">
+                <a:latin typeface="Monaco"/>
+                <a:cs typeface="Monaco"/>
+              </a:rPr>
+              <a:t>(15)</a:t>
+            </a:r>
+          </a:p>
+          <a:p>
+            <a:r>
+              <a:rPr lang="en-US" dirty="0" smtClean="0">
+                <a:latin typeface="Monaco"/>
+                <a:cs typeface="Monaco"/>
+              </a:rPr>
+              <a:t>print a</a:t>
+            </a:r>
+          </a:p>
+          <a:p>
+            <a:r>
+              <a:rPr lang="en-US" dirty="0">
+                <a:latin typeface="Monaco"/>
+                <a:cs typeface="Monaco"/>
+              </a:rPr>
+              <a:t>	</a:t>
+            </a:r>
+            <a:r>
+              <a:rPr lang="en-US" dirty="0">
+                <a:solidFill>
+                  <a:schemeClr val="bg1">
+                    <a:lumMod val="65000"/>
+                  </a:schemeClr>
+                </a:solidFill>
+                <a:latin typeface="Monaco"/>
+                <a:cs typeface="Monaco"/>
+              </a:rPr>
+              <a:t>[1, 3, 5, 7, 9, 11, </a:t>
+            </a:r>
+            <a:r>
+              <a:rPr lang="en-US" dirty="0" smtClean="0">
+                <a:solidFill>
+                  <a:schemeClr val="bg1">
+                    <a:lumMod val="65000"/>
+                  </a:schemeClr>
+                </a:solidFill>
+                <a:latin typeface="Monaco"/>
+                <a:cs typeface="Monaco"/>
+              </a:rPr>
+              <a:t>13, 15]</a:t>
             </a:r>
           </a:p>
         </p:txBody>
@@ -15200,7 +14847,7 @@
         <p:spPr>
           <a:xfrm>
             <a:off x="265716" y="1632754"/>
-            <a:ext cx="8158734" cy="2031325"/>
+            <a:ext cx="8158734" cy="3139321"/>
           </a:xfrm>
           <a:prstGeom prst="rect">
             <a:avLst/>
@@ -15319,6 +14966,98 @@
                 <a:cs typeface="Monaco"/>
               </a:rPr>
               <a:t>13, 15]</a:t>
+            </a:r>
+          </a:p>
+          <a:p>
+            <a:endParaRPr lang="en-US" dirty="0">
+              <a:solidFill>
+                <a:schemeClr val="bg1">
+                  <a:lumMod val="65000"/>
+                </a:schemeClr>
+              </a:solidFill>
+              <a:latin typeface="Monaco"/>
+              <a:cs typeface="Monaco"/>
+            </a:endParaRPr>
+          </a:p>
+          <a:p>
+            <a:r>
+              <a:rPr lang="en-US" dirty="0">
+                <a:latin typeface="Monaco"/>
+                <a:cs typeface="Monaco"/>
+              </a:rPr>
+              <a:t># The </a:t>
+            </a:r>
+            <a:r>
+              <a:rPr lang="en-US" i="1" dirty="0" smtClean="0">
+                <a:latin typeface="Monaco"/>
+                <a:cs typeface="Monaco"/>
+              </a:rPr>
+              <a:t>.index(</a:t>
+            </a:r>
+            <a:r>
+              <a:rPr lang="en-US" i="1" dirty="0">
+                <a:latin typeface="Monaco"/>
+                <a:cs typeface="Monaco"/>
+              </a:rPr>
+              <a:t>)</a:t>
+            </a:r>
+            <a:r>
+              <a:rPr lang="en-US" dirty="0">
+                <a:latin typeface="Monaco"/>
+                <a:cs typeface="Monaco"/>
+              </a:rPr>
+              <a:t> method </a:t>
+            </a:r>
+            <a:r>
+              <a:rPr lang="en-US" dirty="0" smtClean="0">
+                <a:latin typeface="Monaco"/>
+                <a:cs typeface="Monaco"/>
+              </a:rPr>
+              <a:t>extracts the index of a given value</a:t>
+            </a:r>
+          </a:p>
+          <a:p>
+            <a:r>
+              <a:rPr lang="en-US" dirty="0" smtClean="0">
+                <a:latin typeface="Monaco"/>
+                <a:cs typeface="Monaco"/>
+              </a:rPr>
+              <a:t>print </a:t>
+            </a:r>
+            <a:r>
+              <a:rPr lang="en-US" dirty="0" err="1" smtClean="0">
+                <a:latin typeface="Monaco"/>
+                <a:cs typeface="Monaco"/>
+              </a:rPr>
+              <a:t>a.index</a:t>
+            </a:r>
+            <a:r>
+              <a:rPr lang="en-US" dirty="0" smtClean="0">
+                <a:latin typeface="Monaco"/>
+                <a:cs typeface="Monaco"/>
+              </a:rPr>
+              <a:t>(3)</a:t>
+            </a:r>
+          </a:p>
+          <a:p>
+            <a:r>
+              <a:rPr lang="en-US" dirty="0" smtClean="0">
+                <a:latin typeface="Monaco"/>
+                <a:cs typeface="Monaco"/>
+              </a:rPr>
+              <a:t>	</a:t>
+            </a:r>
+            <a:r>
+              <a:rPr lang="en-US" dirty="0" smtClean="0">
+                <a:solidFill>
+                  <a:schemeClr val="bg1">
+                    <a:lumMod val="65000"/>
+                  </a:schemeClr>
+                </a:solidFill>
+                <a:latin typeface="Monaco"/>
+                <a:cs typeface="Monaco"/>
+              </a:rPr>
+              <a:t>1</a:t>
             </a:r>
           </a:p>
         </p:txBody>
@@ -15385,7 +15124,7 @@
         <p:spPr>
           <a:xfrm>
             <a:off x="265716" y="1632754"/>
-            <a:ext cx="8158734" cy="3139321"/>
+            <a:ext cx="8158734" cy="4247317"/>
           </a:xfrm>
           <a:prstGeom prst="rect">
             <a:avLst/>
@@ -15596,6 +15335,106 @@
                 <a:cs typeface="Monaco"/>
               </a:rPr>
               <a:t>1</a:t>
+            </a:r>
+          </a:p>
+          <a:p>
+            <a:endParaRPr lang="en-US" dirty="0">
+              <a:solidFill>
+                <a:schemeClr val="bg1">
+                  <a:lumMod val="65000"/>
+                </a:schemeClr>
+              </a:solidFill>
+              <a:latin typeface="Monaco"/>
+              <a:cs typeface="Monaco"/>
+            </a:endParaRPr>
+          </a:p>
+          <a:p>
+            <a:r>
+              <a:rPr lang="en-US" dirty="0">
+                <a:latin typeface="Monaco"/>
+                <a:cs typeface="Monaco"/>
+              </a:rPr>
+              <a:t># The </a:t>
+            </a:r>
+            <a:r>
+              <a:rPr lang="en-US" i="1" dirty="0" smtClean="0">
+                <a:latin typeface="Monaco"/>
+                <a:cs typeface="Monaco"/>
+              </a:rPr>
+              <a:t>.pop(</a:t>
+            </a:r>
+            <a:r>
+              <a:rPr lang="en-US" i="1" dirty="0">
+                <a:latin typeface="Monaco"/>
+                <a:cs typeface="Monaco"/>
+              </a:rPr>
+              <a:t>)</a:t>
+            </a:r>
+            <a:r>
+              <a:rPr lang="en-US" dirty="0">
+                <a:latin typeface="Monaco"/>
+                <a:cs typeface="Monaco"/>
+              </a:rPr>
+              <a:t> method </a:t>
+            </a:r>
+            <a:r>
+              <a:rPr lang="en-US" dirty="0" smtClean="0">
+                <a:latin typeface="Monaco"/>
+                <a:cs typeface="Monaco"/>
+              </a:rPr>
+              <a:t>removes a certain index from the list</a:t>
+            </a:r>
+            <a:endParaRPr lang="en-US" dirty="0">
+              <a:latin typeface="Monaco"/>
+              <a:cs typeface="Monaco"/>
+            </a:endParaRPr>
+          </a:p>
+          <a:p>
+            <a:r>
+              <a:rPr lang="en-US" dirty="0">
+                <a:latin typeface="Monaco"/>
+                <a:cs typeface="Monaco"/>
+              </a:rPr>
+              <a:t>print </a:t>
+            </a:r>
+            <a:r>
+              <a:rPr lang="en-US" dirty="0" err="1" smtClean="0">
+                <a:latin typeface="Monaco"/>
+                <a:cs typeface="Monaco"/>
+              </a:rPr>
+              <a:t>a.pop</a:t>
+            </a:r>
+            <a:r>
+              <a:rPr lang="en-US" dirty="0" smtClean="0">
+                <a:latin typeface="Monaco"/>
+                <a:cs typeface="Monaco"/>
+              </a:rPr>
+              <a:t>(1)</a:t>
+            </a:r>
+            <a:endParaRPr lang="en-US" dirty="0">
+              <a:latin typeface="Monaco"/>
+              <a:cs typeface="Monaco"/>
+            </a:endParaRPr>
+          </a:p>
+          <a:p>
+            <a:r>
+              <a:rPr lang="en-US" dirty="0">
+                <a:latin typeface="Monaco"/>
+                <a:cs typeface="Monaco"/>
+              </a:rPr>
+              <a:t>	</a:t>
+            </a:r>
+            <a:r>
+              <a:rPr lang="en-US" dirty="0" smtClean="0">
+                <a:solidFill>
+                  <a:schemeClr val="bg1">
+                    <a:lumMod val="65000"/>
+                  </a:schemeClr>
+                </a:solidFill>
+                <a:latin typeface="Monaco"/>
+                <a:cs typeface="Monaco"/>
+              </a:rPr>
+              <a:t>[1, 5, 7, 9, 11, 13]</a:t>
             </a:r>
           </a:p>
         </p:txBody>
@@ -15795,7 +15634,7 @@
         <p:spPr>
           <a:xfrm>
             <a:off x="265716" y="1632754"/>
-            <a:ext cx="8158734" cy="4247317"/>
+            <a:ext cx="8158734" cy="5078314"/>
           </a:xfrm>
           <a:prstGeom prst="rect">
             <a:avLst/>
@@ -16108,12 +15947,102 @@
               <a:t>[1, 5, 7, 9, 11, 13]</a:t>
             </a:r>
           </a:p>
+          <a:p>
+            <a:endParaRPr lang="en-US" dirty="0">
+              <a:latin typeface="Monaco"/>
+              <a:cs typeface="Monaco"/>
+            </a:endParaRPr>
+          </a:p>
+          <a:p>
+            <a:r>
+              <a:rPr lang="en-US" dirty="0">
+                <a:latin typeface="Monaco"/>
+                <a:cs typeface="Monaco"/>
+              </a:rPr>
+              <a:t>print </a:t>
+            </a:r>
+            <a:r>
+              <a:rPr lang="en-US" dirty="0" err="1">
+                <a:latin typeface="Monaco"/>
+                <a:cs typeface="Monaco"/>
+              </a:rPr>
+              <a:t>a.pop</a:t>
+            </a:r>
+            <a:r>
+              <a:rPr lang="en-US" dirty="0" smtClean="0">
+                <a:latin typeface="Monaco"/>
+                <a:cs typeface="Monaco"/>
+              </a:rPr>
+              <a:t>() # Default behavior removes last index</a:t>
+            </a:r>
+            <a:endParaRPr lang="en-US" dirty="0">
+              <a:latin typeface="Monaco"/>
+              <a:cs typeface="Monaco"/>
+            </a:endParaRPr>
+          </a:p>
+          <a:p>
+            <a:r>
+              <a:rPr lang="en-US" dirty="0">
+                <a:latin typeface="Monaco"/>
+                <a:cs typeface="Monaco"/>
+              </a:rPr>
+              <a:t>	</a:t>
+            </a:r>
+            <a:r>
+              <a:rPr lang="en-US" dirty="0">
+                <a:solidFill>
+                  <a:schemeClr val="bg1">
+                    <a:lumMod val="65000"/>
+                  </a:schemeClr>
+                </a:solidFill>
+                <a:latin typeface="Monaco"/>
+                <a:cs typeface="Monaco"/>
+              </a:rPr>
+              <a:t>[1, </a:t>
+            </a:r>
+            <a:r>
+              <a:rPr lang="en-US" dirty="0" smtClean="0">
+                <a:solidFill>
+                  <a:schemeClr val="bg1">
+                    <a:lumMod val="65000"/>
+                  </a:schemeClr>
+                </a:solidFill>
+                <a:latin typeface="Monaco"/>
+                <a:cs typeface="Monaco"/>
+              </a:rPr>
+              <a:t>3, 5</a:t>
+            </a:r>
+            <a:r>
+              <a:rPr lang="en-US" dirty="0">
+                <a:solidFill>
+                  <a:schemeClr val="bg1">
+                    <a:lumMod val="65000"/>
+                  </a:schemeClr>
+                </a:solidFill>
+                <a:latin typeface="Monaco"/>
+                <a:cs typeface="Monaco"/>
+              </a:rPr>
+              <a:t>, 7, 9, </a:t>
+            </a:r>
+            <a:r>
+              <a:rPr lang="en-US" dirty="0" smtClean="0">
+                <a:solidFill>
+                  <a:schemeClr val="bg1">
+                    <a:lumMod val="65000"/>
+                  </a:schemeClr>
+                </a:solidFill>
+                <a:latin typeface="Monaco"/>
+                <a:cs typeface="Monaco"/>
+              </a:rPr>
+              <a:t>11]</a:t>
+            </a:r>
+          </a:p>
         </p:txBody>
       </p:sp>
     </p:spTree>
     <p:extLst>
       <p:ext uri="{BB962C8B-B14F-4D97-AF65-F5344CB8AC3E}">
-        <p14:creationId xmlns:p14="http://schemas.microsoft.com/office/powerpoint/2010/main" val="1987330579"/>
+        <p14:creationId xmlns:p14="http://schemas.microsoft.com/office/powerpoint/2010/main" val="3967659267"/>
       </p:ext>
     </p:extLst>
   </p:cSld>
@@ -16157,7 +16086,7 @@
           <a:p>
             <a:r>
               <a:rPr lang="en-US" dirty="0" smtClean="0"/>
-              <a:t>common list methods</a:t>
+              <a:t>python strings</a:t>
             </a:r>
             <a:endParaRPr lang="en-US" dirty="0"/>
           </a:p>
@@ -16165,422 +16094,35 @@
       </p:sp>
       <p:sp>
         <p:nvSpPr>
-          <p:cNvPr id="5" name="TextBox 4"/>
-          <p:cNvSpPr txBox="1"/>
-          <p:nvPr/>
-        </p:nvSpPr>
-        <p:spPr>
-          <a:xfrm>
-            <a:off x="265716" y="1632754"/>
-            <a:ext cx="8158734" cy="5078314"/>
-          </a:xfrm>
-          <a:prstGeom prst="rect">
-            <a:avLst/>
-          </a:prstGeom>
-          <a:noFill/>
-        </p:spPr>
-        <p:txBody>
-          <a:bodyPr wrap="square" rtlCol="0">
-            <a:spAutoFit/>
-          </a:bodyPr>
-          <a:lstStyle/>
-          <a:p>
-            <a:r>
-              <a:rPr lang="en-US" dirty="0" smtClean="0">
-                <a:latin typeface="Monaco"/>
-                <a:cs typeface="Monaco"/>
-              </a:rPr>
-              <a:t># Define a list</a:t>
-            </a:r>
-          </a:p>
-          <a:p>
-            <a:r>
-              <a:rPr lang="en-US" dirty="0" smtClean="0">
-                <a:latin typeface="Monaco"/>
-                <a:cs typeface="Monaco"/>
-              </a:rPr>
-              <a:t>a = [1, 3, 5, 7, 9, 11, 13]</a:t>
-            </a:r>
-          </a:p>
-          <a:p>
-            <a:endParaRPr lang="en-US" dirty="0" smtClean="0">
-              <a:latin typeface="Monaco"/>
-              <a:cs typeface="Monaco"/>
-            </a:endParaRPr>
-          </a:p>
-          <a:p>
-            <a:r>
-              <a:rPr lang="en-US" dirty="0" smtClean="0">
-                <a:latin typeface="Monaco"/>
-                <a:cs typeface="Monaco"/>
-              </a:rPr>
-              <a:t># The </a:t>
-            </a:r>
-            <a:r>
-              <a:rPr lang="en-US" i="1" dirty="0" smtClean="0">
-                <a:latin typeface="Monaco"/>
-                <a:cs typeface="Monaco"/>
-              </a:rPr>
-              <a:t>.append()</a:t>
-            </a:r>
-            <a:r>
-              <a:rPr lang="en-US" dirty="0" smtClean="0">
-                <a:latin typeface="Monaco"/>
-                <a:cs typeface="Monaco"/>
-              </a:rPr>
-              <a:t> method adds a value to the end of the list</a:t>
-            </a:r>
-            <a:endParaRPr lang="en-US" dirty="0">
-              <a:latin typeface="Monaco"/>
-              <a:cs typeface="Monaco"/>
-            </a:endParaRPr>
-          </a:p>
-          <a:p>
-            <a:r>
-              <a:rPr lang="en-US" dirty="0" err="1" smtClean="0">
-                <a:latin typeface="Monaco"/>
-                <a:cs typeface="Monaco"/>
-              </a:rPr>
-              <a:t>a.append</a:t>
-            </a:r>
-            <a:r>
-              <a:rPr lang="en-US" dirty="0" smtClean="0">
-                <a:latin typeface="Monaco"/>
-                <a:cs typeface="Monaco"/>
-              </a:rPr>
-              <a:t>(15)</a:t>
-            </a:r>
-          </a:p>
-          <a:p>
-            <a:r>
-              <a:rPr lang="en-US" dirty="0" smtClean="0">
-                <a:latin typeface="Monaco"/>
-                <a:cs typeface="Monaco"/>
-              </a:rPr>
-              <a:t>print a</a:t>
-            </a:r>
-          </a:p>
-          <a:p>
-            <a:r>
-              <a:rPr lang="en-US" dirty="0">
-                <a:latin typeface="Monaco"/>
-                <a:cs typeface="Monaco"/>
-              </a:rPr>
-              <a:t>	</a:t>
-            </a:r>
-            <a:r>
-              <a:rPr lang="en-US" dirty="0">
-                <a:solidFill>
-                  <a:schemeClr val="bg1">
-                    <a:lumMod val="65000"/>
-                  </a:schemeClr>
-                </a:solidFill>
-                <a:latin typeface="Monaco"/>
-                <a:cs typeface="Monaco"/>
-              </a:rPr>
-              <a:t>[1, 3, 5, 7, 9, 11, </a:t>
-            </a:r>
-            <a:r>
-              <a:rPr lang="en-US" dirty="0" smtClean="0">
-                <a:solidFill>
-                  <a:schemeClr val="bg1">
-                    <a:lumMod val="65000"/>
-                  </a:schemeClr>
-                </a:solidFill>
-                <a:latin typeface="Monaco"/>
-                <a:cs typeface="Monaco"/>
-              </a:rPr>
-              <a:t>13, 15]</a:t>
-            </a:r>
-          </a:p>
-          <a:p>
-            <a:endParaRPr lang="en-US" dirty="0">
-              <a:solidFill>
-                <a:schemeClr val="bg1">
-                  <a:lumMod val="65000"/>
-                </a:schemeClr>
-              </a:solidFill>
-              <a:latin typeface="Monaco"/>
-              <a:cs typeface="Monaco"/>
-            </a:endParaRPr>
-          </a:p>
-          <a:p>
-            <a:r>
-              <a:rPr lang="en-US" dirty="0">
-                <a:latin typeface="Monaco"/>
-                <a:cs typeface="Monaco"/>
-              </a:rPr>
-              <a:t># The </a:t>
-            </a:r>
-            <a:r>
-              <a:rPr lang="en-US" i="1" dirty="0" smtClean="0">
-                <a:latin typeface="Monaco"/>
-                <a:cs typeface="Monaco"/>
-              </a:rPr>
-              <a:t>.index(</a:t>
-            </a:r>
-            <a:r>
-              <a:rPr lang="en-US" i="1" dirty="0">
-                <a:latin typeface="Monaco"/>
-                <a:cs typeface="Monaco"/>
-              </a:rPr>
-              <a:t>)</a:t>
-            </a:r>
-            <a:r>
-              <a:rPr lang="en-US" dirty="0">
-                <a:latin typeface="Monaco"/>
-                <a:cs typeface="Monaco"/>
-              </a:rPr>
-              <a:t> method </a:t>
-            </a:r>
-            <a:r>
-              <a:rPr lang="en-US" dirty="0" smtClean="0">
-                <a:latin typeface="Monaco"/>
-                <a:cs typeface="Monaco"/>
-              </a:rPr>
-              <a:t>extracts the index of a given value</a:t>
-            </a:r>
-          </a:p>
-          <a:p>
-            <a:r>
-              <a:rPr lang="en-US" dirty="0" smtClean="0">
-                <a:latin typeface="Monaco"/>
-                <a:cs typeface="Monaco"/>
-              </a:rPr>
-              <a:t>print </a:t>
-            </a:r>
-            <a:r>
-              <a:rPr lang="en-US" dirty="0" err="1" smtClean="0">
-                <a:latin typeface="Monaco"/>
-                <a:cs typeface="Monaco"/>
-              </a:rPr>
-              <a:t>a.index</a:t>
-            </a:r>
-            <a:r>
-              <a:rPr lang="en-US" dirty="0" smtClean="0">
-                <a:latin typeface="Monaco"/>
-                <a:cs typeface="Monaco"/>
-              </a:rPr>
-              <a:t>(3)</a:t>
-            </a:r>
-          </a:p>
-          <a:p>
-            <a:r>
-              <a:rPr lang="en-US" dirty="0" smtClean="0">
-                <a:latin typeface="Monaco"/>
-                <a:cs typeface="Monaco"/>
-              </a:rPr>
-              <a:t>	</a:t>
-            </a:r>
-            <a:r>
-              <a:rPr lang="en-US" dirty="0" smtClean="0">
-                <a:solidFill>
-                  <a:schemeClr val="bg1">
-                    <a:lumMod val="65000"/>
-                  </a:schemeClr>
-                </a:solidFill>
-                <a:latin typeface="Monaco"/>
-                <a:cs typeface="Monaco"/>
-              </a:rPr>
-              <a:t>1</a:t>
-            </a:r>
-          </a:p>
-          <a:p>
-            <a:endParaRPr lang="en-US" dirty="0">
-              <a:solidFill>
-                <a:schemeClr val="bg1">
-                  <a:lumMod val="65000"/>
-                </a:schemeClr>
-              </a:solidFill>
-              <a:latin typeface="Monaco"/>
-              <a:cs typeface="Monaco"/>
-            </a:endParaRPr>
-          </a:p>
-          <a:p>
-            <a:r>
-              <a:rPr lang="en-US" dirty="0">
-                <a:latin typeface="Monaco"/>
-                <a:cs typeface="Monaco"/>
-              </a:rPr>
-              <a:t># The </a:t>
-            </a:r>
-            <a:r>
-              <a:rPr lang="en-US" i="1" dirty="0" smtClean="0">
-                <a:latin typeface="Monaco"/>
-                <a:cs typeface="Monaco"/>
-              </a:rPr>
-              <a:t>.pop(</a:t>
-            </a:r>
-            <a:r>
-              <a:rPr lang="en-US" i="1" dirty="0">
-                <a:latin typeface="Monaco"/>
-                <a:cs typeface="Monaco"/>
-              </a:rPr>
-              <a:t>)</a:t>
-            </a:r>
-            <a:r>
-              <a:rPr lang="en-US" dirty="0">
-                <a:latin typeface="Monaco"/>
-                <a:cs typeface="Monaco"/>
-              </a:rPr>
-              <a:t> method </a:t>
-            </a:r>
-            <a:r>
-              <a:rPr lang="en-US" dirty="0" smtClean="0">
-                <a:latin typeface="Monaco"/>
-                <a:cs typeface="Monaco"/>
-              </a:rPr>
-              <a:t>removes a certain index from the list</a:t>
-            </a:r>
-            <a:endParaRPr lang="en-US" dirty="0">
-              <a:latin typeface="Monaco"/>
-              <a:cs typeface="Monaco"/>
-            </a:endParaRPr>
-          </a:p>
-          <a:p>
-            <a:r>
-              <a:rPr lang="en-US" dirty="0">
-                <a:latin typeface="Monaco"/>
-                <a:cs typeface="Monaco"/>
-              </a:rPr>
-              <a:t>print </a:t>
-            </a:r>
-            <a:r>
-              <a:rPr lang="en-US" dirty="0" err="1" smtClean="0">
-                <a:latin typeface="Monaco"/>
-                <a:cs typeface="Monaco"/>
-              </a:rPr>
-              <a:t>a.pop</a:t>
-            </a:r>
-            <a:r>
-              <a:rPr lang="en-US" dirty="0" smtClean="0">
-                <a:latin typeface="Monaco"/>
-                <a:cs typeface="Monaco"/>
-              </a:rPr>
-              <a:t>(1)</a:t>
-            </a:r>
-            <a:endParaRPr lang="en-US" dirty="0">
-              <a:latin typeface="Monaco"/>
-              <a:cs typeface="Monaco"/>
-            </a:endParaRPr>
-          </a:p>
-          <a:p>
-            <a:r>
-              <a:rPr lang="en-US" dirty="0">
-                <a:latin typeface="Monaco"/>
-                <a:cs typeface="Monaco"/>
-              </a:rPr>
-              <a:t>	</a:t>
-            </a:r>
-            <a:r>
-              <a:rPr lang="en-US" dirty="0" smtClean="0">
-                <a:solidFill>
-                  <a:schemeClr val="bg1">
-                    <a:lumMod val="65000"/>
-                  </a:schemeClr>
-                </a:solidFill>
-                <a:latin typeface="Monaco"/>
-                <a:cs typeface="Monaco"/>
-              </a:rPr>
-              <a:t>[1, 5, 7, 9, 11, 13]</a:t>
-            </a:r>
-          </a:p>
-          <a:p>
-            <a:endParaRPr lang="en-US" dirty="0">
-              <a:latin typeface="Monaco"/>
-              <a:cs typeface="Monaco"/>
-            </a:endParaRPr>
-          </a:p>
-          <a:p>
-            <a:r>
-              <a:rPr lang="en-US" dirty="0">
-                <a:latin typeface="Monaco"/>
-                <a:cs typeface="Monaco"/>
-              </a:rPr>
-              <a:t>print </a:t>
-            </a:r>
-            <a:r>
-              <a:rPr lang="en-US" dirty="0" err="1">
-                <a:latin typeface="Monaco"/>
-                <a:cs typeface="Monaco"/>
-              </a:rPr>
-              <a:t>a.pop</a:t>
-            </a:r>
-            <a:r>
-              <a:rPr lang="en-US" dirty="0" smtClean="0">
-                <a:latin typeface="Monaco"/>
-                <a:cs typeface="Monaco"/>
-              </a:rPr>
-              <a:t>() # Default behavior removes last index</a:t>
-            </a:r>
-            <a:endParaRPr lang="en-US" dirty="0">
-              <a:latin typeface="Monaco"/>
-              <a:cs typeface="Monaco"/>
-            </a:endParaRPr>
-          </a:p>
-          <a:p>
-            <a:r>
-              <a:rPr lang="en-US" dirty="0">
-                <a:latin typeface="Monaco"/>
-                <a:cs typeface="Monaco"/>
-              </a:rPr>
-              <a:t>	</a:t>
-            </a:r>
-            <a:r>
-              <a:rPr lang="en-US" dirty="0">
-                <a:solidFill>
-                  <a:schemeClr val="bg1">
-                    <a:lumMod val="65000"/>
-                  </a:schemeClr>
-                </a:solidFill>
-                <a:latin typeface="Monaco"/>
-                <a:cs typeface="Monaco"/>
-              </a:rPr>
-              <a:t>[1, </a:t>
-            </a:r>
-            <a:r>
-              <a:rPr lang="en-US" dirty="0" smtClean="0">
-                <a:solidFill>
-                  <a:schemeClr val="bg1">
-                    <a:lumMod val="65000"/>
-                  </a:schemeClr>
-                </a:solidFill>
-                <a:latin typeface="Monaco"/>
-                <a:cs typeface="Monaco"/>
-              </a:rPr>
-              <a:t>3, 5</a:t>
-            </a:r>
-            <a:r>
-              <a:rPr lang="en-US" dirty="0">
-                <a:solidFill>
-                  <a:schemeClr val="bg1">
-                    <a:lumMod val="65000"/>
-                  </a:schemeClr>
-                </a:solidFill>
-                <a:latin typeface="Monaco"/>
-                <a:cs typeface="Monaco"/>
-              </a:rPr>
-              <a:t>, 7, 9, </a:t>
-            </a:r>
-            <a:r>
-              <a:rPr lang="en-US" dirty="0" smtClean="0">
-                <a:solidFill>
-                  <a:schemeClr val="bg1">
-                    <a:lumMod val="65000"/>
-                  </a:schemeClr>
-                </a:solidFill>
-                <a:latin typeface="Monaco"/>
-                <a:cs typeface="Monaco"/>
-              </a:rPr>
-              <a:t>11]</a:t>
-            </a:r>
+          <p:cNvPr id="3" name="Content Placeholder 2"/>
+          <p:cNvSpPr>
+            <a:spLocks noGrp="1"/>
+          </p:cNvSpPr>
+          <p:nvPr>
+            <p:ph idx="1"/>
+          </p:nvPr>
+        </p:nvSpPr>
+        <p:spPr/>
+        <p:txBody>
+          <a:bodyPr/>
+          <a:lstStyle/>
+          <a:p>
+            <a:pPr marL="457200" indent="-457200">
+              <a:buFont typeface="Arial"/>
+              <a:buChar char="•"/>
+            </a:pPr>
+            <a:r>
+              <a:rPr lang="en-US" dirty="0" smtClean="0"/>
+              <a:t>Strings are defined with quotes: " " or ' '</a:t>
+            </a:r>
+            <a:endParaRPr lang="en-US" dirty="0"/>
           </a:p>
         </p:txBody>
       </p:sp>
     </p:spTree>
     <p:extLst>
       <p:ext uri="{BB962C8B-B14F-4D97-AF65-F5344CB8AC3E}">
-        <p14:creationId xmlns:p14="http://schemas.microsoft.com/office/powerpoint/2010/main" val="3967659267"/>
+        <p14:creationId xmlns:p14="http://schemas.microsoft.com/office/powerpoint/2010/main" val="1830553948"/>
       </p:ext>
     </p:extLst>
   </p:cSld>
@@ -16654,6 +16196,80 @@
               <a:t>Strings are defined with quotes: " " or ' '</a:t>
             </a:r>
             <a:endParaRPr lang="en-US" dirty="0"/>
+          </a:p>
+        </p:txBody>
+      </p:sp>
+      <p:sp>
+        <p:nvSpPr>
+          <p:cNvPr id="4" name="TextBox 3"/>
+          <p:cNvSpPr txBox="1"/>
+          <p:nvPr/>
+        </p:nvSpPr>
+        <p:spPr>
+          <a:xfrm>
+            <a:off x="622063" y="2372800"/>
+            <a:ext cx="7290705" cy="1754327"/>
+          </a:xfrm>
+          <a:prstGeom prst="rect">
+            <a:avLst/>
+          </a:prstGeom>
+          <a:noFill/>
+        </p:spPr>
+        <p:txBody>
+          <a:bodyPr wrap="square" rtlCol="0">
+            <a:spAutoFit/>
+          </a:bodyPr>
+          <a:lstStyle/>
+          <a:p>
+            <a:r>
+              <a:rPr lang="en-US" dirty="0" smtClean="0">
+                <a:latin typeface="Monaco"/>
+                <a:cs typeface="Monaco"/>
+              </a:rPr>
+              <a:t># Define some example strings</a:t>
+            </a:r>
+          </a:p>
+          <a:p>
+            <a:r>
+              <a:rPr lang="en-US" dirty="0" smtClean="0">
+                <a:latin typeface="Monaco"/>
+                <a:cs typeface="Monaco"/>
+              </a:rPr>
+              <a:t>a = "s"</a:t>
+            </a:r>
+          </a:p>
+          <a:p>
+            <a:r>
+              <a:rPr lang="en-US" dirty="0" smtClean="0">
+                <a:latin typeface="Monaco"/>
+                <a:cs typeface="Monaco"/>
+              </a:rPr>
+              <a:t>b = "python"</a:t>
+            </a:r>
+          </a:p>
+          <a:p>
+            <a:r>
+              <a:rPr lang="en-US" dirty="0" smtClean="0">
+                <a:latin typeface="Monaco"/>
+                <a:cs typeface="Monaco"/>
+              </a:rPr>
+              <a:t>c = "I love python!"</a:t>
+            </a:r>
+          </a:p>
+          <a:p>
+            <a:r>
+              <a:rPr lang="en-US" dirty="0" smtClean="0">
+                <a:latin typeface="Monaco"/>
+                <a:cs typeface="Monaco"/>
+              </a:rPr>
+              <a:t>d = "55"   </a:t>
+            </a:r>
+          </a:p>
+          <a:p>
+            <a:endParaRPr lang="en-US" dirty="0">
+              <a:latin typeface="Monaco"/>
+              <a:cs typeface="Monaco"/>
+            </a:endParaRPr>
           </a:p>
         </p:txBody>
       </p:sp>
@@ -16811,6 +16427,44 @@
           </a:p>
         </p:txBody>
       </p:sp>
+      <p:sp>
+        <p:nvSpPr>
+          <p:cNvPr id="5" name="TextBox 4"/>
+          <p:cNvSpPr txBox="1"/>
+          <p:nvPr/>
+        </p:nvSpPr>
+        <p:spPr>
+          <a:xfrm>
+            <a:off x="1927938" y="3709373"/>
+            <a:ext cx="4011207" cy="369332"/>
+          </a:xfrm>
+          <a:prstGeom prst="rect">
+            <a:avLst/>
+          </a:prstGeom>
+          <a:noFill/>
+        </p:spPr>
+        <p:txBody>
+          <a:bodyPr wrap="square" rtlCol="0">
+            <a:spAutoFit/>
+          </a:bodyPr>
+          <a:lstStyle/>
+          <a:p>
+            <a:r>
+              <a:rPr lang="en-US" dirty="0" smtClean="0">
+                <a:solidFill>
+                  <a:schemeClr val="accent2"/>
+                </a:solidFill>
+              </a:rPr>
+              <a:t>Why is d a string and not an integer?</a:t>
+            </a:r>
+            <a:endParaRPr lang="en-US" dirty="0">
+              <a:solidFill>
+                <a:schemeClr val="accent2"/>
+              </a:solidFill>
+            </a:endParaRPr>
+          </a:p>
+        </p:txBody>
+      </p:sp>
     </p:spTree>
     <p:extLst>
       <p:ext uri="{BB962C8B-B14F-4D97-AF65-F5344CB8AC3E}">
@@ -16887,6 +16541,37 @@
               <a:rPr lang="en-US" dirty="0" smtClean="0"/>
               <a:t>Strings are defined with quotes: " " or ' '</a:t>
             </a:r>
+          </a:p>
+          <a:p>
+            <a:pPr marL="457200" indent="-457200">
+              <a:buFont typeface="Arial"/>
+              <a:buChar char="•"/>
+            </a:pPr>
+            <a:endParaRPr lang="en-US" dirty="0"/>
+          </a:p>
+          <a:p>
+            <a:pPr marL="457200" indent="-457200">
+              <a:buFont typeface="Arial"/>
+              <a:buChar char="•"/>
+            </a:pPr>
+            <a:endParaRPr lang="en-US" dirty="0" smtClean="0"/>
+          </a:p>
+          <a:p>
+            <a:pPr marL="457200" indent="-457200">
+              <a:buFont typeface="Arial"/>
+              <a:buChar char="•"/>
+            </a:pPr>
+            <a:endParaRPr lang="en-US" dirty="0"/>
+          </a:p>
+          <a:p>
+            <a:pPr marL="457200" indent="-457200">
+              <a:buFont typeface="Arial"/>
+              <a:buChar char="•"/>
+            </a:pPr>
+            <a:r>
+              <a:rPr lang="en-US" dirty="0" smtClean="0"/>
+              <a:t>We can index strings just like lists</a:t>
+            </a:r>
             <a:endParaRPr lang="en-US" dirty="0"/>
           </a:p>
         </p:txBody>
@@ -16900,7 +16585,7 @@
         <p:spPr>
           <a:xfrm>
             <a:off x="622063" y="2372800"/>
-            <a:ext cx="7290705" cy="1754327"/>
+            <a:ext cx="7290705" cy="1477328"/>
           </a:xfrm>
           <a:prstGeom prst="rect">
             <a:avLst/>
@@ -16957,56 +16642,12 @@
               <a:t>d = "55"   </a:t>
             </a:r>
           </a:p>
-          <a:p>
-            <a:endParaRPr lang="en-US" dirty="0">
-              <a:latin typeface="Monaco"/>
-              <a:cs typeface="Monaco"/>
-            </a:endParaRPr>
-          </a:p>
-        </p:txBody>
-      </p:sp>
-      <p:sp>
-        <p:nvSpPr>
-          <p:cNvPr id="5" name="TextBox 4"/>
-          <p:cNvSpPr txBox="1"/>
-          <p:nvPr/>
-        </p:nvSpPr>
-        <p:spPr>
-          <a:xfrm>
-            <a:off x="1927938" y="3709373"/>
-            <a:ext cx="4011207" cy="369332"/>
-          </a:xfrm>
-          <a:prstGeom prst="rect">
-            <a:avLst/>
-          </a:prstGeom>
-          <a:noFill/>
-        </p:spPr>
-        <p:txBody>
-          <a:bodyPr wrap="square" rtlCol="0">
-            <a:spAutoFit/>
-          </a:bodyPr>
-          <a:lstStyle/>
-          <a:p>
-            <a:r>
-              <a:rPr lang="en-US" dirty="0" smtClean="0">
-                <a:solidFill>
-                  <a:schemeClr val="accent2"/>
-                </a:solidFill>
-              </a:rPr>
-              <a:t>Why is d a string and not an integer?</a:t>
-            </a:r>
-            <a:endParaRPr lang="en-US" dirty="0">
-              <a:solidFill>
-                <a:schemeClr val="accent2"/>
-              </a:solidFill>
-            </a:endParaRPr>
-          </a:p>
         </p:txBody>
       </p:sp>
     </p:spTree>
     <p:extLst>
       <p:ext uri="{BB962C8B-B14F-4D97-AF65-F5344CB8AC3E}">
-        <p14:creationId xmlns:p14="http://schemas.microsoft.com/office/powerpoint/2010/main" val="1830553948"/>
+        <p14:creationId xmlns:p14="http://schemas.microsoft.com/office/powerpoint/2010/main" val="4289337340"/>
       </p:ext>
     </p:extLst>
   </p:cSld>
@@ -17182,10 +16823,100 @@
           </a:p>
         </p:txBody>
       </p:sp>
+      <p:sp>
+        <p:nvSpPr>
+          <p:cNvPr id="6" name="TextBox 5"/>
+          <p:cNvSpPr txBox="1"/>
+          <p:nvPr/>
+        </p:nvSpPr>
+        <p:spPr>
+          <a:xfrm>
+            <a:off x="622063" y="4769194"/>
+            <a:ext cx="7081289" cy="1754327"/>
+          </a:xfrm>
+          <a:prstGeom prst="rect">
+            <a:avLst/>
+          </a:prstGeom>
+          <a:noFill/>
+        </p:spPr>
+        <p:txBody>
+          <a:bodyPr wrap="square" rtlCol="0">
+            <a:spAutoFit/>
+          </a:bodyPr>
+          <a:lstStyle/>
+          <a:p>
+            <a:r>
+              <a:rPr lang="en-US" dirty="0">
+                <a:latin typeface="Monaco"/>
+                <a:cs typeface="Monaco"/>
+              </a:rPr>
+              <a:t>print b[3] # the printed value is also a string</a:t>
+            </a:r>
+          </a:p>
+          <a:p>
+            <a:r>
+              <a:rPr lang="en-US" dirty="0">
+                <a:latin typeface="Monaco"/>
+                <a:cs typeface="Monaco"/>
+              </a:rPr>
+              <a:t>	</a:t>
+            </a:r>
+            <a:r>
+              <a:rPr lang="en-US" dirty="0">
+                <a:solidFill>
+                  <a:schemeClr val="bg1">
+                    <a:lumMod val="65000"/>
+                  </a:schemeClr>
+                </a:solidFill>
+                <a:latin typeface="Monaco"/>
+                <a:cs typeface="Monaco"/>
+              </a:rPr>
+              <a:t>h</a:t>
+            </a:r>
+          </a:p>
+          <a:p>
+            <a:endParaRPr lang="en-US" dirty="0">
+              <a:solidFill>
+                <a:schemeClr val="bg1">
+                  <a:lumMod val="65000"/>
+                </a:schemeClr>
+              </a:solidFill>
+              <a:latin typeface="Monaco"/>
+              <a:cs typeface="Monaco"/>
+            </a:endParaRPr>
+          </a:p>
+          <a:p>
+            <a:r>
+              <a:rPr lang="en-US" dirty="0">
+                <a:latin typeface="Monaco"/>
+                <a:cs typeface="Monaco"/>
+              </a:rPr>
+              <a:t>print c[:6]</a:t>
+            </a:r>
+          </a:p>
+          <a:p>
+            <a:r>
+              <a:rPr lang="en-US" dirty="0">
+                <a:solidFill>
+                  <a:schemeClr val="bg1">
+                    <a:lumMod val="65000"/>
+                  </a:schemeClr>
+                </a:solidFill>
+                <a:latin typeface="Monaco"/>
+                <a:cs typeface="Monaco"/>
+              </a:rPr>
+              <a:t>   I love</a:t>
+            </a:r>
+          </a:p>
+          <a:p>
+            <a:endParaRPr lang="en-US" dirty="0"/>
+          </a:p>
+        </p:txBody>
+      </p:sp>
     </p:spTree>
     <p:extLst>
       <p:ext uri="{BB962C8B-B14F-4D97-AF65-F5344CB8AC3E}">
-        <p14:creationId xmlns:p14="http://schemas.microsoft.com/office/powerpoint/2010/main" val="4289337340"/>
+        <p14:creationId xmlns:p14="http://schemas.microsoft.com/office/powerpoint/2010/main" val="1041029823"/>
       </p:ext>
     </p:extLst>
   </p:cSld>
@@ -17222,14 +16953,19 @@
             <p:ph type="title"/>
           </p:nvPr>
         </p:nvSpPr>
-        <p:spPr/>
+        <p:spPr>
+          <a:xfrm>
+            <a:off x="457198" y="228409"/>
+            <a:ext cx="7327651" cy="702043"/>
+          </a:xfrm>
+        </p:spPr>
         <p:txBody>
           <a:bodyPr/>
           <a:lstStyle/>
           <a:p>
             <a:r>
               <a:rPr lang="en-US" dirty="0" smtClean="0"/>
-              <a:t>python strings</a:t>
+              <a:t>common string methods</a:t>
             </a:r>
             <a:endParaRPr lang="en-US" dirty="0"/>
           </a:p>
@@ -17237,72 +16973,14 @@
       </p:sp>
       <p:sp>
         <p:nvSpPr>
-          <p:cNvPr id="3" name="Content Placeholder 2"/>
-          <p:cNvSpPr>
-            <a:spLocks noGrp="1"/>
-          </p:cNvSpPr>
-          <p:nvPr>
-            <p:ph idx="1"/>
-          </p:nvPr>
-        </p:nvSpPr>
-        <p:spPr/>
-        <p:txBody>
-          <a:bodyPr/>
-          <a:lstStyle/>
-          <a:p>
-            <a:pPr marL="457200" indent="-457200">
-              <a:buFont typeface="Arial"/>
-              <a:buChar char="•"/>
-            </a:pPr>
-            <a:r>
-              <a:rPr lang="en-US" dirty="0" smtClean="0"/>
-              <a:t>Strings are defined with quotes: " " or ' '</a:t>
-            </a:r>
-          </a:p>
-          <a:p>
-            <a:pPr marL="457200" indent="-457200">
-              <a:buFont typeface="Arial"/>
-              <a:buChar char="•"/>
-            </a:pPr>
-            <a:endParaRPr lang="en-US" dirty="0"/>
-          </a:p>
-          <a:p>
-            <a:pPr marL="457200" indent="-457200">
-              <a:buFont typeface="Arial"/>
-              <a:buChar char="•"/>
-            </a:pPr>
-            <a:endParaRPr lang="en-US" dirty="0" smtClean="0"/>
-          </a:p>
-          <a:p>
-            <a:pPr marL="457200" indent="-457200">
-              <a:buFont typeface="Arial"/>
-              <a:buChar char="•"/>
-            </a:pPr>
-            <a:endParaRPr lang="en-US" dirty="0"/>
-          </a:p>
-          <a:p>
-            <a:pPr marL="457200" indent="-457200">
-              <a:buFont typeface="Arial"/>
-              <a:buChar char="•"/>
-            </a:pPr>
-            <a:r>
-              <a:rPr lang="en-US" dirty="0" smtClean="0"/>
-              <a:t>We can index strings just like lists</a:t>
-            </a:r>
-            <a:endParaRPr lang="en-US" dirty="0"/>
-          </a:p>
-        </p:txBody>
-      </p:sp>
-      <p:sp>
-        <p:nvSpPr>
-          <p:cNvPr id="4" name="TextBox 3"/>
+          <p:cNvPr id="5" name="TextBox 4"/>
           <p:cNvSpPr txBox="1"/>
           <p:nvPr/>
         </p:nvSpPr>
         <p:spPr>
           <a:xfrm>
-            <a:off x="622063" y="2372800"/>
-            <a:ext cx="7290705" cy="1477328"/>
+            <a:off x="265716" y="1058326"/>
+            <a:ext cx="8643002" cy="646331"/>
           </a:xfrm>
           <a:prstGeom prst="rect">
             <a:avLst/>
@@ -17320,141 +16998,31 @@
                 <a:latin typeface="Monaco"/>
                 <a:cs typeface="Monaco"/>
               </a:rPr>
-              <a:t># Define some example strings</a:t>
-            </a:r>
-          </a:p>
-          <a:p>
-            <a:r>
-              <a:rPr lang="en-US" dirty="0" smtClean="0">
-                <a:latin typeface="Monaco"/>
-                <a:cs typeface="Monaco"/>
-              </a:rPr>
-              <a:t>a = "s"</a:t>
-            </a:r>
-          </a:p>
-          <a:p>
-            <a:r>
-              <a:rPr lang="en-US" dirty="0" smtClean="0">
-                <a:latin typeface="Monaco"/>
-                <a:cs typeface="Monaco"/>
-              </a:rPr>
-              <a:t>b = "python"</a:t>
-            </a:r>
-          </a:p>
-          <a:p>
-            <a:r>
-              <a:rPr lang="en-US" dirty="0" smtClean="0">
-                <a:latin typeface="Monaco"/>
-                <a:cs typeface="Monaco"/>
-              </a:rPr>
-              <a:t>c = "I love python!"</a:t>
-            </a:r>
-          </a:p>
-          <a:p>
-            <a:r>
-              <a:rPr lang="en-US" dirty="0" smtClean="0">
-                <a:latin typeface="Monaco"/>
-                <a:cs typeface="Monaco"/>
-              </a:rPr>
-              <a:t>d = "55"   </a:t>
-            </a:r>
-          </a:p>
-        </p:txBody>
-      </p:sp>
-      <p:sp>
-        <p:nvSpPr>
-          <p:cNvPr id="6" name="TextBox 5"/>
-          <p:cNvSpPr txBox="1"/>
-          <p:nvPr/>
-        </p:nvSpPr>
-        <p:spPr>
-          <a:xfrm>
-            <a:off x="622063" y="4769194"/>
-            <a:ext cx="7081289" cy="1754327"/>
-          </a:xfrm>
-          <a:prstGeom prst="rect">
-            <a:avLst/>
-          </a:prstGeom>
-          <a:noFill/>
-        </p:spPr>
-        <p:txBody>
-          <a:bodyPr wrap="square" rtlCol="0">
-            <a:spAutoFit/>
-          </a:bodyPr>
-          <a:lstStyle/>
+              <a:t># Define a string</a:t>
+            </a:r>
+          </a:p>
           <a:p>
             <a:r>
               <a:rPr lang="en-US" dirty="0">
                 <a:latin typeface="Monaco"/>
                 <a:cs typeface="Monaco"/>
               </a:rPr>
-              <a:t>print b[3] # the printed value is also a string</a:t>
-            </a:r>
-          </a:p>
-          <a:p>
-            <a:r>
-              <a:rPr lang="en-US" dirty="0">
-                <a:latin typeface="Monaco"/>
-                <a:cs typeface="Monaco"/>
-              </a:rPr>
-              <a:t>	</a:t>
-            </a:r>
-            <a:r>
-              <a:rPr lang="en-US" dirty="0">
-                <a:solidFill>
-                  <a:schemeClr val="bg1">
-                    <a:lumMod val="65000"/>
-                  </a:schemeClr>
-                </a:solidFill>
-                <a:latin typeface="Monaco"/>
-                <a:cs typeface="Monaco"/>
-              </a:rPr>
-              <a:t>h</a:t>
-            </a:r>
-          </a:p>
-          <a:p>
-            <a:endParaRPr lang="en-US" dirty="0">
-              <a:solidFill>
-                <a:schemeClr val="bg1">
-                  <a:lumMod val="65000"/>
-                </a:schemeClr>
-              </a:solidFill>
-              <a:latin typeface="Monaco"/>
-              <a:cs typeface="Monaco"/>
-            </a:endParaRPr>
-          </a:p>
-          <a:p>
-            <a:r>
-              <a:rPr lang="en-US" dirty="0">
-                <a:latin typeface="Monaco"/>
-                <a:cs typeface="Monaco"/>
-              </a:rPr>
-              <a:t>print c[:6]</a:t>
-            </a:r>
-          </a:p>
-          <a:p>
-            <a:r>
-              <a:rPr lang="en-US" dirty="0">
-                <a:solidFill>
-                  <a:schemeClr val="bg1">
-                    <a:lumMod val="65000"/>
-                  </a:schemeClr>
-                </a:solidFill>
-                <a:latin typeface="Monaco"/>
-                <a:cs typeface="Monaco"/>
-              </a:rPr>
-              <a:t>   I love</a:t>
-            </a:r>
-          </a:p>
-          <a:p>
-            <a:endParaRPr lang="en-US" dirty="0"/>
+              <a:t>s</a:t>
+            </a:r>
+            <a:r>
+              <a:rPr lang="en-US" dirty="0" smtClean="0">
+                <a:latin typeface="Monaco"/>
+                <a:cs typeface="Monaco"/>
+              </a:rPr>
+              <a:t> = "This is an example string."</a:t>
+            </a:r>
           </a:p>
         </p:txBody>
       </p:sp>
     </p:spTree>
     <p:extLst>
       <p:ext uri="{BB962C8B-B14F-4D97-AF65-F5344CB8AC3E}">
-        <p14:creationId xmlns:p14="http://schemas.microsoft.com/office/powerpoint/2010/main" val="1041029823"/>
+        <p14:creationId xmlns:p14="http://schemas.microsoft.com/office/powerpoint/2010/main" val="143305919"/>
       </p:ext>
     </p:extLst>
   </p:cSld>
@@ -17518,7 +17086,7 @@
         <p:spPr>
           <a:xfrm>
             <a:off x="265716" y="1058326"/>
-            <a:ext cx="8643002" cy="646331"/>
+            <a:ext cx="8643002" cy="1754327"/>
           </a:xfrm>
           <a:prstGeom prst="rect">
             <a:avLst/>
@@ -17553,6 +17121,83 @@
                 <a:cs typeface="Monaco"/>
               </a:rPr>
               <a:t> = "This is an example string."</a:t>
+            </a:r>
+          </a:p>
+          <a:p>
+            <a:endParaRPr lang="en-US" dirty="0">
+              <a:latin typeface="Monaco"/>
+              <a:cs typeface="Monaco"/>
+            </a:endParaRPr>
+          </a:p>
+          <a:p>
+            <a:r>
+              <a:rPr lang="en-US" dirty="0" smtClean="0">
+                <a:latin typeface="Monaco"/>
+                <a:cs typeface="Monaco"/>
+              </a:rPr>
+              <a:t># The </a:t>
+            </a:r>
+            <a:r>
+              <a:rPr lang="en-US" i="1" dirty="0" smtClean="0">
+                <a:latin typeface="Monaco"/>
+                <a:cs typeface="Monaco"/>
+              </a:rPr>
+              <a:t>.upper()</a:t>
+            </a:r>
+            <a:r>
+              <a:rPr lang="en-US" dirty="0" smtClean="0">
+                <a:latin typeface="Monaco"/>
+                <a:cs typeface="Monaco"/>
+              </a:rPr>
+              <a:t> method makes the string uppercase</a:t>
+            </a:r>
+            <a:endParaRPr lang="en-US" dirty="0">
+              <a:latin typeface="Monaco"/>
+              <a:cs typeface="Monaco"/>
+            </a:endParaRPr>
+          </a:p>
+          <a:p>
+            <a:r>
+              <a:rPr lang="en-US" dirty="0" smtClean="0">
+                <a:latin typeface="Monaco"/>
+                <a:cs typeface="Monaco"/>
+              </a:rPr>
+              <a:t>print </a:t>
+            </a:r>
+            <a:r>
+              <a:rPr lang="en-US" dirty="0" err="1" smtClean="0">
+                <a:latin typeface="Monaco"/>
+                <a:cs typeface="Monaco"/>
+              </a:rPr>
+              <a:t>s.upper</a:t>
+            </a:r>
+            <a:r>
+              <a:rPr lang="en-US" dirty="0" smtClean="0">
+                <a:latin typeface="Monaco"/>
+                <a:cs typeface="Monaco"/>
+              </a:rPr>
+              <a:t>()</a:t>
+            </a:r>
+          </a:p>
+          <a:p>
+            <a:r>
+              <a:rPr lang="en-US" dirty="0">
+                <a:latin typeface="Monaco"/>
+                <a:cs typeface="Monaco"/>
+              </a:rPr>
+              <a:t>	</a:t>
+            </a:r>
+            <a:r>
+              <a:rPr lang="en-US" dirty="0" smtClean="0">
+                <a:solidFill>
+                  <a:schemeClr val="bg1">
+                    <a:lumMod val="65000"/>
+                  </a:schemeClr>
+                </a:solidFill>
+                <a:latin typeface="Monaco"/>
+                <a:cs typeface="Monaco"/>
+              </a:rPr>
+              <a:t>THIS IS AN EXAMPLE STRING.</a:t>
             </a:r>
           </a:p>
         </p:txBody>
@@ -17624,7 +17269,7 @@
         <p:spPr>
           <a:xfrm>
             <a:off x="265716" y="1058326"/>
-            <a:ext cx="8643002" cy="1754327"/>
+            <a:ext cx="8643002" cy="3416320"/>
           </a:xfrm>
           <a:prstGeom prst="rect">
             <a:avLst/>
@@ -17737,6 +17382,131 @@
               </a:rPr>
               <a:t>THIS IS AN EXAMPLE STRING.</a:t>
             </a:r>
+          </a:p>
+          <a:p>
+            <a:endParaRPr lang="en-US" dirty="0">
+              <a:solidFill>
+                <a:schemeClr val="bg1">
+                  <a:lumMod val="65000"/>
+                </a:schemeClr>
+              </a:solidFill>
+              <a:latin typeface="Monaco"/>
+              <a:cs typeface="Monaco"/>
+            </a:endParaRPr>
+          </a:p>
+          <a:p>
+            <a:r>
+              <a:rPr lang="en-US" dirty="0">
+                <a:latin typeface="Monaco"/>
+                <a:cs typeface="Monaco"/>
+              </a:rPr>
+              <a:t># The </a:t>
+            </a:r>
+            <a:r>
+              <a:rPr lang="en-US" i="1" dirty="0" smtClean="0">
+                <a:latin typeface="Monaco"/>
+                <a:cs typeface="Monaco"/>
+              </a:rPr>
+              <a:t>.lower(</a:t>
+            </a:r>
+            <a:r>
+              <a:rPr lang="en-US" i="1" dirty="0">
+                <a:latin typeface="Monaco"/>
+                <a:cs typeface="Monaco"/>
+              </a:rPr>
+              <a:t>)</a:t>
+            </a:r>
+            <a:r>
+              <a:rPr lang="en-US" dirty="0">
+                <a:latin typeface="Monaco"/>
+                <a:cs typeface="Monaco"/>
+              </a:rPr>
+              <a:t> method makes the string </a:t>
+            </a:r>
+            <a:r>
+              <a:rPr lang="en-US" dirty="0" smtClean="0">
+                <a:latin typeface="Monaco"/>
+                <a:cs typeface="Monaco"/>
+              </a:rPr>
+              <a:t>lowercase</a:t>
+            </a:r>
+            <a:endParaRPr lang="en-US" dirty="0">
+              <a:latin typeface="Monaco"/>
+              <a:cs typeface="Monaco"/>
+            </a:endParaRPr>
+          </a:p>
+          <a:p>
+            <a:r>
+              <a:rPr lang="en-US" dirty="0">
+                <a:latin typeface="Monaco"/>
+                <a:cs typeface="Monaco"/>
+              </a:rPr>
+              <a:t>print </a:t>
+            </a:r>
+            <a:r>
+              <a:rPr lang="en-US" dirty="0" err="1" smtClean="0">
+                <a:latin typeface="Monaco"/>
+                <a:cs typeface="Monaco"/>
+              </a:rPr>
+              <a:t>s.lower</a:t>
+            </a:r>
+            <a:r>
+              <a:rPr lang="en-US" dirty="0" smtClean="0">
+                <a:latin typeface="Monaco"/>
+                <a:cs typeface="Monaco"/>
+              </a:rPr>
+              <a:t>(</a:t>
+            </a:r>
+            <a:r>
+              <a:rPr lang="en-US" dirty="0">
+                <a:latin typeface="Monaco"/>
+                <a:cs typeface="Monaco"/>
+              </a:rPr>
+              <a:t>)</a:t>
+            </a:r>
+          </a:p>
+          <a:p>
+            <a:r>
+              <a:rPr lang="en-US" dirty="0">
+                <a:latin typeface="Monaco"/>
+                <a:cs typeface="Monaco"/>
+              </a:rPr>
+              <a:t>	</a:t>
+            </a:r>
+            <a:r>
+              <a:rPr lang="en-US" dirty="0" smtClean="0">
+                <a:solidFill>
+                  <a:schemeClr val="bg1">
+                    <a:lumMod val="65000"/>
+                  </a:schemeClr>
+                </a:solidFill>
+                <a:latin typeface="Monaco"/>
+                <a:cs typeface="Monaco"/>
+              </a:rPr>
+              <a:t>this is an example string.</a:t>
+            </a:r>
+          </a:p>
+          <a:p>
+            <a:endParaRPr lang="en-US" dirty="0">
+              <a:solidFill>
+                <a:schemeClr val="bg1">
+                  <a:lumMod val="65000"/>
+                </a:schemeClr>
+              </a:solidFill>
+              <a:latin typeface="Monaco"/>
+              <a:cs typeface="Monaco"/>
+            </a:endParaRPr>
+          </a:p>
+          <a:p>
+            <a:endParaRPr lang="en-US" dirty="0">
+              <a:solidFill>
+                <a:schemeClr val="bg1">
+                  <a:lumMod val="65000"/>
+                </a:schemeClr>
+              </a:solidFill>
+              <a:latin typeface="Monaco"/>
+              <a:cs typeface="Monaco"/>
+            </a:endParaRPr>
           </a:p>
         </p:txBody>
       </p:sp>
@@ -17807,7 +17577,7 @@
         <p:spPr>
           <a:xfrm>
             <a:off x="265716" y="1058326"/>
-            <a:ext cx="8643002" cy="3416320"/>
+            <a:ext cx="8643002" cy="4524316"/>
           </a:xfrm>
           <a:prstGeom prst="rect">
             <a:avLst/>
@@ -18022,6 +17792,121 @@
                 <a:cs typeface="Monaco"/>
               </a:rPr>
               <a:t>this is an example string.</a:t>
+            </a:r>
+          </a:p>
+          <a:p>
+            <a:endParaRPr lang="en-US" dirty="0">
+              <a:solidFill>
+                <a:schemeClr val="bg1">
+                  <a:lumMod val="65000"/>
+                </a:schemeClr>
+              </a:solidFill>
+              <a:latin typeface="Monaco"/>
+              <a:cs typeface="Monaco"/>
+            </a:endParaRPr>
+          </a:p>
+          <a:p>
+            <a:r>
+              <a:rPr lang="en-US" dirty="0">
+                <a:latin typeface="Monaco"/>
+                <a:cs typeface="Monaco"/>
+              </a:rPr>
+              <a:t># The </a:t>
+            </a:r>
+            <a:r>
+              <a:rPr lang="en-US" i="1" dirty="0" smtClean="0">
+                <a:latin typeface="Monaco"/>
+                <a:cs typeface="Monaco"/>
+              </a:rPr>
+              <a:t>.count(</a:t>
+            </a:r>
+            <a:r>
+              <a:rPr lang="en-US" i="1" dirty="0">
+                <a:latin typeface="Monaco"/>
+                <a:cs typeface="Monaco"/>
+              </a:rPr>
+              <a:t>)</a:t>
+            </a:r>
+            <a:r>
+              <a:rPr lang="en-US" dirty="0">
+                <a:latin typeface="Monaco"/>
+                <a:cs typeface="Monaco"/>
+              </a:rPr>
+              <a:t> </a:t>
+            </a:r>
+            <a:r>
+              <a:rPr lang="en-US" dirty="0" smtClean="0">
+                <a:latin typeface="Monaco"/>
+                <a:cs typeface="Monaco"/>
+              </a:rPr>
+              <a:t>method counts occurrences of a given character</a:t>
+            </a:r>
+            <a:endParaRPr lang="en-US" dirty="0">
+              <a:latin typeface="Monaco"/>
+              <a:cs typeface="Monaco"/>
+            </a:endParaRPr>
+          </a:p>
+          <a:p>
+            <a:r>
+              <a:rPr lang="en-US" dirty="0">
+                <a:latin typeface="Monaco"/>
+                <a:cs typeface="Monaco"/>
+              </a:rPr>
+              <a:t>print </a:t>
+            </a:r>
+            <a:r>
+              <a:rPr lang="en-US" dirty="0" err="1" smtClean="0">
+                <a:latin typeface="Monaco"/>
+                <a:cs typeface="Monaco"/>
+              </a:rPr>
+              <a:t>s.count</a:t>
+            </a:r>
+            <a:r>
+              <a:rPr lang="en-US" dirty="0" smtClean="0">
+                <a:latin typeface="Monaco"/>
+                <a:cs typeface="Monaco"/>
+              </a:rPr>
+              <a:t>("</a:t>
+            </a:r>
+            <a:r>
+              <a:rPr lang="en-US" dirty="0" err="1" smtClean="0">
+                <a:latin typeface="Monaco"/>
+                <a:cs typeface="Monaco"/>
+              </a:rPr>
+              <a:t>i</a:t>
+            </a:r>
+            <a:r>
+              <a:rPr lang="en-US" dirty="0" smtClean="0">
+                <a:latin typeface="Monaco"/>
+                <a:cs typeface="Monaco"/>
+              </a:rPr>
+              <a:t>")</a:t>
+            </a:r>
+          </a:p>
+          <a:p>
+            <a:r>
+              <a:rPr lang="en-US" dirty="0">
+                <a:solidFill>
+                  <a:schemeClr val="bg1">
+                    <a:lumMod val="65000"/>
+                  </a:schemeClr>
+                </a:solidFill>
+                <a:latin typeface="Monaco"/>
+                <a:cs typeface="Monaco"/>
+              </a:rPr>
+              <a:t> </a:t>
+            </a:r>
+            <a:r>
+              <a:rPr lang="en-US" dirty="0" smtClean="0">
+                <a:solidFill>
+                  <a:schemeClr val="bg1">
+                    <a:lumMod val="65000"/>
+                  </a:schemeClr>
+                </a:solidFill>
+                <a:latin typeface="Monaco"/>
+                <a:cs typeface="Monaco"/>
+              </a:rPr>
+              <a:t>   3</a:t>
             </a:r>
           </a:p>
           <a:p>
@@ -18238,7 +18123,7 @@
         <p:spPr>
           <a:xfrm>
             <a:off x="265716" y="1058326"/>
-            <a:ext cx="8643002" cy="4524316"/>
+            <a:ext cx="8643002" cy="5632312"/>
           </a:xfrm>
           <a:prstGeom prst="rect">
             <a:avLst/>
@@ -18569,6 +18454,198 @@
               </a:rPr>
               <a:t>   3</a:t>
             </a:r>
+          </a:p>
+          <a:p>
+            <a:endParaRPr lang="en-US" dirty="0">
+              <a:solidFill>
+                <a:schemeClr val="bg1">
+                  <a:lumMod val="65000"/>
+                </a:schemeClr>
+              </a:solidFill>
+              <a:latin typeface="Monaco"/>
+              <a:cs typeface="Monaco"/>
+            </a:endParaRPr>
+          </a:p>
+          <a:p>
+            <a:r>
+              <a:rPr lang="en-US" dirty="0">
+                <a:latin typeface="Monaco"/>
+                <a:cs typeface="Monaco"/>
+              </a:rPr>
+              <a:t># The </a:t>
+            </a:r>
+            <a:r>
+              <a:rPr lang="en-US" i="1" dirty="0" smtClean="0">
+                <a:latin typeface="Monaco"/>
+                <a:cs typeface="Monaco"/>
+              </a:rPr>
+              <a:t>.split(</a:t>
+            </a:r>
+            <a:r>
+              <a:rPr lang="en-US" i="1" dirty="0">
+                <a:latin typeface="Monaco"/>
+                <a:cs typeface="Monaco"/>
+              </a:rPr>
+              <a:t>)</a:t>
+            </a:r>
+            <a:r>
+              <a:rPr lang="en-US" dirty="0">
+                <a:latin typeface="Monaco"/>
+                <a:cs typeface="Monaco"/>
+              </a:rPr>
+              <a:t> method </a:t>
+            </a:r>
+            <a:r>
+              <a:rPr lang="en-US" dirty="0" smtClean="0">
+                <a:latin typeface="Monaco"/>
+                <a:cs typeface="Monaco"/>
+              </a:rPr>
+              <a:t>splits on a character, returns a list</a:t>
+            </a:r>
+          </a:p>
+          <a:p>
+            <a:r>
+              <a:rPr lang="en-US" dirty="0" smtClean="0">
+                <a:latin typeface="Monaco"/>
+                <a:cs typeface="Monaco"/>
+              </a:rPr>
+              <a:t>print </a:t>
+            </a:r>
+            <a:r>
+              <a:rPr lang="en-US" dirty="0" err="1" smtClean="0">
+                <a:latin typeface="Monaco"/>
+                <a:cs typeface="Monaco"/>
+              </a:rPr>
+              <a:t>s.split</a:t>
+            </a:r>
+            <a:r>
+              <a:rPr lang="en-US" dirty="0" smtClean="0">
+                <a:latin typeface="Monaco"/>
+                <a:cs typeface="Monaco"/>
+              </a:rPr>
+              <a:t>("</a:t>
+            </a:r>
+            <a:r>
+              <a:rPr lang="en-US" dirty="0" err="1" smtClean="0">
+                <a:latin typeface="Monaco"/>
+                <a:cs typeface="Monaco"/>
+              </a:rPr>
+              <a:t>i</a:t>
+            </a:r>
+            <a:r>
+              <a:rPr lang="en-US" dirty="0" smtClean="0">
+                <a:latin typeface="Monaco"/>
+                <a:cs typeface="Monaco"/>
+              </a:rPr>
+              <a:t>")</a:t>
+            </a:r>
+          </a:p>
+          <a:p>
+            <a:r>
+              <a:rPr lang="en-US" dirty="0">
+                <a:solidFill>
+                  <a:schemeClr val="bg1">
+                    <a:lumMod val="65000"/>
+                  </a:schemeClr>
+                </a:solidFill>
+                <a:latin typeface="Monaco"/>
+                <a:cs typeface="Monaco"/>
+              </a:rPr>
+              <a:t>	</a:t>
+            </a:r>
+            <a:r>
+              <a:rPr lang="en-US" dirty="0" smtClean="0">
+                <a:solidFill>
+                  <a:schemeClr val="bg1">
+                    <a:lumMod val="65000"/>
+                  </a:schemeClr>
+                </a:solidFill>
+                <a:latin typeface="Monaco"/>
+                <a:cs typeface="Monaco"/>
+              </a:rPr>
+              <a:t>["</a:t>
+            </a:r>
+            <a:r>
+              <a:rPr lang="en-US" dirty="0" err="1" smtClean="0">
+                <a:solidFill>
+                  <a:schemeClr val="bg1">
+                    <a:lumMod val="65000"/>
+                  </a:schemeClr>
+                </a:solidFill>
+                <a:latin typeface="Monaco"/>
+                <a:cs typeface="Monaco"/>
+              </a:rPr>
+              <a:t>Th</a:t>
+            </a:r>
+            <a:r>
+              <a:rPr lang="en-US" dirty="0" smtClean="0">
+                <a:solidFill>
+                  <a:schemeClr val="bg1">
+                    <a:lumMod val="65000"/>
+                  </a:schemeClr>
+                </a:solidFill>
+                <a:latin typeface="Monaco"/>
+                <a:cs typeface="Monaco"/>
+              </a:rPr>
+              <a:t>", "s ", "s an example </a:t>
+            </a:r>
+            <a:r>
+              <a:rPr lang="en-US" dirty="0" err="1" smtClean="0">
+                <a:solidFill>
+                  <a:schemeClr val="bg1">
+                    <a:lumMod val="65000"/>
+                  </a:schemeClr>
+                </a:solidFill>
+                <a:latin typeface="Monaco"/>
+                <a:cs typeface="Monaco"/>
+              </a:rPr>
+              <a:t>str</a:t>
+            </a:r>
+            <a:r>
+              <a:rPr lang="en-US" dirty="0" smtClean="0">
+                <a:solidFill>
+                  <a:schemeClr val="bg1">
+                    <a:lumMod val="65000"/>
+                  </a:schemeClr>
+                </a:solidFill>
+                <a:latin typeface="Monaco"/>
+                <a:cs typeface="Monaco"/>
+              </a:rPr>
+              <a:t>", "</a:t>
+            </a:r>
+            <a:r>
+              <a:rPr lang="en-US" dirty="0" err="1" smtClean="0">
+                <a:solidFill>
+                  <a:schemeClr val="bg1">
+                    <a:lumMod val="65000"/>
+                  </a:schemeClr>
+                </a:solidFill>
+                <a:latin typeface="Monaco"/>
+                <a:cs typeface="Monaco"/>
+              </a:rPr>
+              <a:t>ng</a:t>
+            </a:r>
+            <a:r>
+              <a:rPr lang="en-US" dirty="0" smtClean="0">
+                <a:solidFill>
+                  <a:schemeClr val="bg1">
+                    <a:lumMod val="65000"/>
+                  </a:schemeClr>
+                </a:solidFill>
+                <a:latin typeface="Monaco"/>
+                <a:cs typeface="Monaco"/>
+              </a:rPr>
+              <a:t>."]</a:t>
+            </a:r>
+            <a:endParaRPr lang="en-US" dirty="0">
+              <a:solidFill>
+                <a:schemeClr val="bg1">
+                  <a:lumMod val="65000"/>
+                </a:schemeClr>
+              </a:solidFill>
+              <a:latin typeface="Monaco"/>
+              <a:cs typeface="Monaco"/>
+            </a:endParaRPr>
           </a:p>
           <a:p>
             <a:endParaRPr lang="en-US" dirty="0">
@@ -18634,19 +18711,22 @@
             <p:ph type="title"/>
           </p:nvPr>
         </p:nvSpPr>
-        <p:spPr>
-          <a:xfrm>
-            <a:off x="457198" y="228409"/>
-            <a:ext cx="7327651" cy="702043"/>
-          </a:xfrm>
-        </p:spPr>
+        <p:spPr/>
         <p:txBody>
           <a:bodyPr/>
           <a:lstStyle/>
           <a:p>
             <a:r>
               <a:rPr lang="en-US" dirty="0" smtClean="0"/>
-              <a:t>common string methods</a:t>
+              <a:t>strings </a:t>
+            </a:r>
+            <a:r>
+              <a:rPr lang="en-US" dirty="0" err="1" smtClean="0"/>
+              <a:t>vs</a:t>
+            </a:r>
+            <a:r>
+              <a:rPr lang="en-US" dirty="0" smtClean="0"/>
+              <a:t> lists</a:t>
             </a:r>
             <a:endParaRPr lang="en-US" dirty="0"/>
           </a:p>
@@ -18654,565 +18734,65 @@
       </p:sp>
       <p:sp>
         <p:nvSpPr>
-          <p:cNvPr id="5" name="TextBox 4"/>
-          <p:cNvSpPr txBox="1"/>
-          <p:nvPr/>
-        </p:nvSpPr>
-        <p:spPr>
-          <a:xfrm>
-            <a:off x="265716" y="1058326"/>
-            <a:ext cx="8643002" cy="5632312"/>
-          </a:xfrm>
-          <a:prstGeom prst="rect">
-            <a:avLst/>
-          </a:prstGeom>
-          <a:noFill/>
-        </p:spPr>
-        <p:txBody>
-          <a:bodyPr wrap="square" rtlCol="0">
-            <a:spAutoFit/>
-          </a:bodyPr>
-          <a:lstStyle/>
-          <a:p>
-            <a:r>
-              <a:rPr lang="en-US" dirty="0" smtClean="0">
-                <a:latin typeface="Monaco"/>
-                <a:cs typeface="Monaco"/>
-              </a:rPr>
-              <a:t># Define a string</a:t>
-            </a:r>
-          </a:p>
-          <a:p>
-            <a:r>
-              <a:rPr lang="en-US" dirty="0">
-                <a:latin typeface="Monaco"/>
-                <a:cs typeface="Monaco"/>
-              </a:rPr>
-              <a:t>s</a:t>
-            </a:r>
-            <a:r>
-              <a:rPr lang="en-US" dirty="0" smtClean="0">
-                <a:latin typeface="Monaco"/>
-                <a:cs typeface="Monaco"/>
-              </a:rPr>
-              <a:t> = "This is an example string."</a:t>
-            </a:r>
-          </a:p>
-          <a:p>
-            <a:endParaRPr lang="en-US" dirty="0">
-              <a:latin typeface="Monaco"/>
-              <a:cs typeface="Monaco"/>
-            </a:endParaRPr>
-          </a:p>
-          <a:p>
-            <a:r>
-              <a:rPr lang="en-US" dirty="0" smtClean="0">
-                <a:latin typeface="Monaco"/>
-                <a:cs typeface="Monaco"/>
-              </a:rPr>
-              <a:t># The </a:t>
-            </a:r>
-            <a:r>
-              <a:rPr lang="en-US" i="1" dirty="0" smtClean="0">
-                <a:latin typeface="Monaco"/>
-                <a:cs typeface="Monaco"/>
-              </a:rPr>
-              <a:t>.upper()</a:t>
-            </a:r>
-            <a:r>
-              <a:rPr lang="en-US" dirty="0" smtClean="0">
-                <a:latin typeface="Monaco"/>
-                <a:cs typeface="Monaco"/>
-              </a:rPr>
-              <a:t> method makes the string uppercase</a:t>
-            </a:r>
-            <a:endParaRPr lang="en-US" dirty="0">
-              <a:latin typeface="Monaco"/>
-              <a:cs typeface="Monaco"/>
-            </a:endParaRPr>
-          </a:p>
-          <a:p>
-            <a:r>
-              <a:rPr lang="en-US" dirty="0" smtClean="0">
-                <a:latin typeface="Monaco"/>
-                <a:cs typeface="Monaco"/>
-              </a:rPr>
-              <a:t>print </a:t>
-            </a:r>
-            <a:r>
-              <a:rPr lang="en-US" dirty="0" err="1" smtClean="0">
-                <a:latin typeface="Monaco"/>
-                <a:cs typeface="Monaco"/>
-              </a:rPr>
-              <a:t>s.upper</a:t>
-            </a:r>
-            <a:r>
-              <a:rPr lang="en-US" dirty="0" smtClean="0">
-                <a:latin typeface="Monaco"/>
-                <a:cs typeface="Monaco"/>
-              </a:rPr>
-              <a:t>()</a:t>
-            </a:r>
-          </a:p>
-          <a:p>
-            <a:r>
-              <a:rPr lang="en-US" dirty="0">
-                <a:latin typeface="Monaco"/>
-                <a:cs typeface="Monaco"/>
-              </a:rPr>
-              <a:t>	</a:t>
-            </a:r>
-            <a:r>
-              <a:rPr lang="en-US" dirty="0" smtClean="0">
-                <a:solidFill>
-                  <a:schemeClr val="bg1">
-                    <a:lumMod val="65000"/>
-                  </a:schemeClr>
-                </a:solidFill>
-                <a:latin typeface="Monaco"/>
-                <a:cs typeface="Monaco"/>
-              </a:rPr>
-              <a:t>THIS IS AN EXAMPLE STRING.</a:t>
-            </a:r>
-          </a:p>
-          <a:p>
-            <a:endParaRPr lang="en-US" dirty="0">
-              <a:solidFill>
-                <a:schemeClr val="bg1">
-                  <a:lumMod val="65000"/>
-                </a:schemeClr>
-              </a:solidFill>
-              <a:latin typeface="Monaco"/>
-              <a:cs typeface="Monaco"/>
-            </a:endParaRPr>
-          </a:p>
-          <a:p>
-            <a:r>
-              <a:rPr lang="en-US" dirty="0">
-                <a:latin typeface="Monaco"/>
-                <a:cs typeface="Monaco"/>
-              </a:rPr>
-              <a:t># The </a:t>
-            </a:r>
-            <a:r>
-              <a:rPr lang="en-US" i="1" dirty="0" smtClean="0">
-                <a:latin typeface="Monaco"/>
-                <a:cs typeface="Monaco"/>
-              </a:rPr>
-              <a:t>.lower(</a:t>
-            </a:r>
-            <a:r>
-              <a:rPr lang="en-US" i="1" dirty="0">
-                <a:latin typeface="Monaco"/>
-                <a:cs typeface="Monaco"/>
-              </a:rPr>
-              <a:t>)</a:t>
-            </a:r>
-            <a:r>
-              <a:rPr lang="en-US" dirty="0">
-                <a:latin typeface="Monaco"/>
-                <a:cs typeface="Monaco"/>
-              </a:rPr>
-              <a:t> method makes the string </a:t>
-            </a:r>
-            <a:r>
-              <a:rPr lang="en-US" dirty="0" smtClean="0">
-                <a:latin typeface="Monaco"/>
-                <a:cs typeface="Monaco"/>
-              </a:rPr>
-              <a:t>lowercase</a:t>
-            </a:r>
-            <a:endParaRPr lang="en-US" dirty="0">
-              <a:latin typeface="Monaco"/>
-              <a:cs typeface="Monaco"/>
-            </a:endParaRPr>
-          </a:p>
-          <a:p>
-            <a:r>
-              <a:rPr lang="en-US" dirty="0">
-                <a:latin typeface="Monaco"/>
-                <a:cs typeface="Monaco"/>
-              </a:rPr>
-              <a:t>print </a:t>
-            </a:r>
-            <a:r>
-              <a:rPr lang="en-US" dirty="0" err="1" smtClean="0">
-                <a:latin typeface="Monaco"/>
-                <a:cs typeface="Monaco"/>
-              </a:rPr>
-              <a:t>s.lower</a:t>
-            </a:r>
-            <a:r>
-              <a:rPr lang="en-US" dirty="0" smtClean="0">
-                <a:latin typeface="Monaco"/>
-                <a:cs typeface="Monaco"/>
-              </a:rPr>
-              <a:t>(</a:t>
-            </a:r>
-            <a:r>
-              <a:rPr lang="en-US" dirty="0">
-                <a:latin typeface="Monaco"/>
-                <a:cs typeface="Monaco"/>
-              </a:rPr>
-              <a:t>)</a:t>
-            </a:r>
-          </a:p>
-          <a:p>
-            <a:r>
-              <a:rPr lang="en-US" dirty="0">
-                <a:latin typeface="Monaco"/>
-                <a:cs typeface="Monaco"/>
-              </a:rPr>
-              <a:t>	</a:t>
-            </a:r>
-            <a:r>
-              <a:rPr lang="en-US" dirty="0" smtClean="0">
-                <a:solidFill>
-                  <a:schemeClr val="bg1">
-                    <a:lumMod val="65000"/>
-                  </a:schemeClr>
-                </a:solidFill>
-                <a:latin typeface="Monaco"/>
-                <a:cs typeface="Monaco"/>
-              </a:rPr>
-              <a:t>this is an example string.</a:t>
-            </a:r>
-          </a:p>
-          <a:p>
-            <a:endParaRPr lang="en-US" dirty="0">
-              <a:solidFill>
-                <a:schemeClr val="bg1">
-                  <a:lumMod val="65000"/>
-                </a:schemeClr>
-              </a:solidFill>
-              <a:latin typeface="Monaco"/>
-              <a:cs typeface="Monaco"/>
-            </a:endParaRPr>
-          </a:p>
-          <a:p>
-            <a:r>
-              <a:rPr lang="en-US" dirty="0">
-                <a:latin typeface="Monaco"/>
-                <a:cs typeface="Monaco"/>
-              </a:rPr>
-              <a:t># The </a:t>
-            </a:r>
-            <a:r>
-              <a:rPr lang="en-US" i="1" dirty="0" smtClean="0">
-                <a:latin typeface="Monaco"/>
-                <a:cs typeface="Monaco"/>
-              </a:rPr>
-              <a:t>.count(</a:t>
-            </a:r>
-            <a:r>
-              <a:rPr lang="en-US" i="1" dirty="0">
-                <a:latin typeface="Monaco"/>
-                <a:cs typeface="Monaco"/>
-              </a:rPr>
-              <a:t>)</a:t>
-            </a:r>
-            <a:r>
-              <a:rPr lang="en-US" dirty="0">
-                <a:latin typeface="Monaco"/>
-                <a:cs typeface="Monaco"/>
-              </a:rPr>
-              <a:t> </a:t>
-            </a:r>
-            <a:r>
-              <a:rPr lang="en-US" dirty="0" smtClean="0">
-                <a:latin typeface="Monaco"/>
-                <a:cs typeface="Monaco"/>
-              </a:rPr>
-              <a:t>method counts occurrences of a given character</a:t>
-            </a:r>
-            <a:endParaRPr lang="en-US" dirty="0">
-              <a:latin typeface="Monaco"/>
-              <a:cs typeface="Monaco"/>
-            </a:endParaRPr>
-          </a:p>
-          <a:p>
-            <a:r>
-              <a:rPr lang="en-US" dirty="0">
-                <a:latin typeface="Monaco"/>
-                <a:cs typeface="Monaco"/>
-              </a:rPr>
-              <a:t>print </a:t>
-            </a:r>
-            <a:r>
-              <a:rPr lang="en-US" dirty="0" err="1" smtClean="0">
-                <a:latin typeface="Monaco"/>
-                <a:cs typeface="Monaco"/>
-              </a:rPr>
-              <a:t>s.count</a:t>
-            </a:r>
-            <a:r>
-              <a:rPr lang="en-US" dirty="0" smtClean="0">
-                <a:latin typeface="Monaco"/>
-                <a:cs typeface="Monaco"/>
-              </a:rPr>
-              <a:t>("</a:t>
-            </a:r>
-            <a:r>
-              <a:rPr lang="en-US" dirty="0" err="1" smtClean="0">
-                <a:latin typeface="Monaco"/>
-                <a:cs typeface="Monaco"/>
-              </a:rPr>
-              <a:t>i</a:t>
-            </a:r>
-            <a:r>
-              <a:rPr lang="en-US" dirty="0" smtClean="0">
-                <a:latin typeface="Monaco"/>
-                <a:cs typeface="Monaco"/>
-              </a:rPr>
-              <a:t>")</a:t>
-            </a:r>
-          </a:p>
-          <a:p>
-            <a:r>
-              <a:rPr lang="en-US" dirty="0">
-                <a:solidFill>
-                  <a:schemeClr val="bg1">
-                    <a:lumMod val="65000"/>
-                  </a:schemeClr>
-                </a:solidFill>
-                <a:latin typeface="Monaco"/>
-                <a:cs typeface="Monaco"/>
-              </a:rPr>
-              <a:t> </a:t>
-            </a:r>
-            <a:r>
-              <a:rPr lang="en-US" dirty="0" smtClean="0">
-                <a:solidFill>
-                  <a:schemeClr val="bg1">
-                    <a:lumMod val="65000"/>
-                  </a:schemeClr>
-                </a:solidFill>
-                <a:latin typeface="Monaco"/>
-                <a:cs typeface="Monaco"/>
-              </a:rPr>
-              <a:t>   3</a:t>
-            </a:r>
-          </a:p>
-          <a:p>
-            <a:endParaRPr lang="en-US" dirty="0">
-              <a:solidFill>
-                <a:schemeClr val="bg1">
-                  <a:lumMod val="65000"/>
-                </a:schemeClr>
-              </a:solidFill>
-              <a:latin typeface="Monaco"/>
-              <a:cs typeface="Monaco"/>
-            </a:endParaRPr>
-          </a:p>
-          <a:p>
-            <a:r>
-              <a:rPr lang="en-US" dirty="0">
-                <a:latin typeface="Monaco"/>
-                <a:cs typeface="Monaco"/>
-              </a:rPr>
-              <a:t># The </a:t>
-            </a:r>
-            <a:r>
-              <a:rPr lang="en-US" i="1" dirty="0" smtClean="0">
-                <a:latin typeface="Monaco"/>
-                <a:cs typeface="Monaco"/>
-              </a:rPr>
-              <a:t>.split(</a:t>
-            </a:r>
-            <a:r>
-              <a:rPr lang="en-US" i="1" dirty="0">
-                <a:latin typeface="Monaco"/>
-                <a:cs typeface="Monaco"/>
-              </a:rPr>
-              <a:t>)</a:t>
-            </a:r>
-            <a:r>
-              <a:rPr lang="en-US" dirty="0">
-                <a:latin typeface="Monaco"/>
-                <a:cs typeface="Monaco"/>
-              </a:rPr>
-              <a:t> method </a:t>
-            </a:r>
-            <a:r>
-              <a:rPr lang="en-US" dirty="0" smtClean="0">
-                <a:latin typeface="Monaco"/>
-                <a:cs typeface="Monaco"/>
-              </a:rPr>
-              <a:t>splits on a character, returns a list</a:t>
-            </a:r>
-          </a:p>
-          <a:p>
-            <a:r>
-              <a:rPr lang="en-US" dirty="0" smtClean="0">
-                <a:latin typeface="Monaco"/>
-                <a:cs typeface="Monaco"/>
-              </a:rPr>
-              <a:t>print </a:t>
-            </a:r>
-            <a:r>
-              <a:rPr lang="en-US" dirty="0" err="1" smtClean="0">
-                <a:latin typeface="Monaco"/>
-                <a:cs typeface="Monaco"/>
-              </a:rPr>
-              <a:t>s.split</a:t>
-            </a:r>
-            <a:r>
-              <a:rPr lang="en-US" dirty="0" smtClean="0">
-                <a:latin typeface="Monaco"/>
-                <a:cs typeface="Monaco"/>
-              </a:rPr>
-              <a:t>("</a:t>
-            </a:r>
-            <a:r>
-              <a:rPr lang="en-US" dirty="0" err="1" smtClean="0">
-                <a:latin typeface="Monaco"/>
-                <a:cs typeface="Monaco"/>
-              </a:rPr>
-              <a:t>i</a:t>
-            </a:r>
-            <a:r>
-              <a:rPr lang="en-US" dirty="0" smtClean="0">
-                <a:latin typeface="Monaco"/>
-                <a:cs typeface="Monaco"/>
-              </a:rPr>
-              <a:t>")</a:t>
-            </a:r>
-          </a:p>
-          <a:p>
-            <a:r>
-              <a:rPr lang="en-US" dirty="0">
-                <a:solidFill>
-                  <a:schemeClr val="bg1">
-                    <a:lumMod val="65000"/>
-                  </a:schemeClr>
-                </a:solidFill>
-                <a:latin typeface="Monaco"/>
-                <a:cs typeface="Monaco"/>
-              </a:rPr>
-              <a:t>	</a:t>
-            </a:r>
-            <a:r>
-              <a:rPr lang="en-US" dirty="0" smtClean="0">
-                <a:solidFill>
-                  <a:schemeClr val="bg1">
-                    <a:lumMod val="65000"/>
-                  </a:schemeClr>
-                </a:solidFill>
-                <a:latin typeface="Monaco"/>
-                <a:cs typeface="Monaco"/>
-              </a:rPr>
-              <a:t>["</a:t>
-            </a:r>
-            <a:r>
-              <a:rPr lang="en-US" dirty="0" err="1" smtClean="0">
-                <a:solidFill>
-                  <a:schemeClr val="bg1">
-                    <a:lumMod val="65000"/>
-                  </a:schemeClr>
-                </a:solidFill>
-                <a:latin typeface="Monaco"/>
-                <a:cs typeface="Monaco"/>
-              </a:rPr>
-              <a:t>Th</a:t>
-            </a:r>
-            <a:r>
-              <a:rPr lang="en-US" dirty="0" smtClean="0">
-                <a:solidFill>
-                  <a:schemeClr val="bg1">
-                    <a:lumMod val="65000"/>
-                  </a:schemeClr>
-                </a:solidFill>
-                <a:latin typeface="Monaco"/>
-                <a:cs typeface="Monaco"/>
-              </a:rPr>
-              <a:t>", "s ", "s an example </a:t>
-            </a:r>
-            <a:r>
-              <a:rPr lang="en-US" dirty="0" err="1" smtClean="0">
-                <a:solidFill>
-                  <a:schemeClr val="bg1">
-                    <a:lumMod val="65000"/>
-                  </a:schemeClr>
-                </a:solidFill>
-                <a:latin typeface="Monaco"/>
-                <a:cs typeface="Monaco"/>
-              </a:rPr>
-              <a:t>str</a:t>
-            </a:r>
-            <a:r>
-              <a:rPr lang="en-US" dirty="0" smtClean="0">
-                <a:solidFill>
-                  <a:schemeClr val="bg1">
-                    <a:lumMod val="65000"/>
-                  </a:schemeClr>
-                </a:solidFill>
-                <a:latin typeface="Monaco"/>
-                <a:cs typeface="Monaco"/>
-              </a:rPr>
-              <a:t>", "</a:t>
-            </a:r>
-            <a:r>
-              <a:rPr lang="en-US" dirty="0" err="1" smtClean="0">
-                <a:solidFill>
-                  <a:schemeClr val="bg1">
-                    <a:lumMod val="65000"/>
-                  </a:schemeClr>
-                </a:solidFill>
-                <a:latin typeface="Monaco"/>
-                <a:cs typeface="Monaco"/>
-              </a:rPr>
-              <a:t>ng</a:t>
-            </a:r>
-            <a:r>
-              <a:rPr lang="en-US" dirty="0" smtClean="0">
-                <a:solidFill>
-                  <a:schemeClr val="bg1">
-                    <a:lumMod val="65000"/>
-                  </a:schemeClr>
-                </a:solidFill>
-                <a:latin typeface="Monaco"/>
-                <a:cs typeface="Monaco"/>
-              </a:rPr>
-              <a:t>."]</a:t>
-            </a:r>
-            <a:endParaRPr lang="en-US" dirty="0">
-              <a:solidFill>
-                <a:schemeClr val="bg1">
-                  <a:lumMod val="65000"/>
-                </a:schemeClr>
-              </a:solidFill>
-              <a:latin typeface="Monaco"/>
-              <a:cs typeface="Monaco"/>
-            </a:endParaRPr>
-          </a:p>
-          <a:p>
-            <a:endParaRPr lang="en-US" dirty="0">
-              <a:solidFill>
-                <a:schemeClr val="bg1">
-                  <a:lumMod val="65000"/>
-                </a:schemeClr>
-              </a:solidFill>
-              <a:latin typeface="Monaco"/>
-              <a:cs typeface="Monaco"/>
-            </a:endParaRPr>
-          </a:p>
-          <a:p>
-            <a:endParaRPr lang="en-US" dirty="0">
-              <a:solidFill>
-                <a:schemeClr val="bg1">
-                  <a:lumMod val="65000"/>
-                </a:schemeClr>
-              </a:solidFill>
-              <a:latin typeface="Monaco"/>
-              <a:cs typeface="Monaco"/>
-            </a:endParaRPr>
+          <p:cNvPr id="3" name="Content Placeholder 2"/>
+          <p:cNvSpPr>
+            <a:spLocks noGrp="1"/>
+          </p:cNvSpPr>
+          <p:nvPr>
+            <p:ph idx="1"/>
+          </p:nvPr>
+        </p:nvSpPr>
+        <p:spPr/>
+        <p:txBody>
+          <a:bodyPr/>
+          <a:lstStyle/>
+          <a:p>
+            <a:pPr marL="457200" indent="-457200">
+              <a:buFont typeface="Arial"/>
+              <a:buChar char="•"/>
+            </a:pPr>
+            <a:r>
+              <a:rPr lang="en-US" dirty="0" smtClean="0"/>
+              <a:t>Strings cannot be modified in place </a:t>
+            </a:r>
+          </a:p>
+          <a:p>
+            <a:pPr marL="914400" lvl="1" indent="-457200">
+              <a:buFont typeface="Arial"/>
+              <a:buChar char="•"/>
+            </a:pPr>
+            <a:r>
+              <a:rPr lang="en-US" dirty="0" smtClean="0"/>
+              <a:t>You must </a:t>
+            </a:r>
+            <a:r>
+              <a:rPr lang="en-US" i="1" dirty="0" smtClean="0"/>
+              <a:t>re-define</a:t>
+            </a:r>
+            <a:r>
+              <a:rPr lang="en-US" dirty="0" smtClean="0"/>
+              <a:t> the string to change it.</a:t>
+            </a:r>
+          </a:p>
+          <a:p>
+            <a:pPr marL="457200" indent="-457200">
+              <a:buFont typeface="Arial"/>
+              <a:buChar char="•"/>
+            </a:pPr>
+            <a:r>
+              <a:rPr lang="en-US" dirty="0" smtClean="0"/>
+              <a:t>Lists can be modified in place</a:t>
+            </a:r>
+          </a:p>
+          <a:p>
+            <a:endParaRPr lang="en-US" dirty="0"/>
           </a:p>
         </p:txBody>
       </p:sp>
     </p:spTree>
     <p:extLst>
       <p:ext uri="{BB962C8B-B14F-4D97-AF65-F5344CB8AC3E}">
-        <p14:creationId xmlns:p14="http://schemas.microsoft.com/office/powerpoint/2010/main" val="143305919"/>
+        <p14:creationId xmlns:p14="http://schemas.microsoft.com/office/powerpoint/2010/main" val="1216690747"/>
       </p:ext>
     </p:extLst>
   </p:cSld>
@@ -19256,15 +18836,7 @@
           <a:p>
             <a:r>
               <a:rPr lang="en-US" dirty="0" smtClean="0"/>
-              <a:t>strings </a:t>
-            </a:r>
-            <a:r>
-              <a:rPr lang="en-US" dirty="0" err="1" smtClean="0"/>
-              <a:t>vs</a:t>
-            </a:r>
-            <a:r>
-              <a:rPr lang="en-US" dirty="0" smtClean="0"/>
-              <a:t> lists</a:t>
+              <a:t>strings are immutable</a:t>
             </a:r>
             <a:endParaRPr lang="en-US" dirty="0"/>
           </a:p>
@@ -19272,65 +18844,102 @@
       </p:sp>
       <p:sp>
         <p:nvSpPr>
-          <p:cNvPr id="3" name="Content Placeholder 2"/>
-          <p:cNvSpPr>
-            <a:spLocks noGrp="1"/>
-          </p:cNvSpPr>
-          <p:nvPr>
-            <p:ph idx="1"/>
-          </p:nvPr>
-        </p:nvSpPr>
-        <p:spPr/>
-        <p:txBody>
-          <a:bodyPr/>
-          <a:lstStyle/>
-          <a:p>
-            <a:pPr marL="457200" indent="-457200">
-              <a:buFont typeface="Arial"/>
-              <a:buChar char="•"/>
-            </a:pPr>
-            <a:r>
-              <a:rPr lang="en-US" dirty="0" smtClean="0"/>
-              <a:t>Strings cannot be modified in place </a:t>
-            </a:r>
-          </a:p>
-          <a:p>
-            <a:pPr marL="914400" lvl="1" indent="-457200">
-              <a:buFont typeface="Arial"/>
-              <a:buChar char="•"/>
-            </a:pPr>
-            <a:r>
-              <a:rPr lang="en-US" dirty="0" smtClean="0"/>
-              <a:t>You must </a:t>
-            </a:r>
-            <a:r>
-              <a:rPr lang="en-US" i="1" dirty="0" smtClean="0"/>
-              <a:t>re-define</a:t>
-            </a:r>
-            <a:r>
-              <a:rPr lang="en-US" dirty="0" smtClean="0"/>
-              <a:t> the string to change it.</a:t>
-            </a:r>
-          </a:p>
-          <a:p>
-            <a:pPr marL="457200" indent="-457200">
-              <a:buFont typeface="Arial"/>
-              <a:buChar char="•"/>
-            </a:pPr>
-            <a:r>
-              <a:rPr lang="en-US" dirty="0" smtClean="0"/>
-              <a:t>Lists can be modified in place</a:t>
-            </a:r>
-          </a:p>
-          <a:p>
-            <a:endParaRPr lang="en-US" dirty="0"/>
+          <p:cNvPr id="4" name="TextBox 3"/>
+          <p:cNvSpPr txBox="1"/>
+          <p:nvPr/>
+        </p:nvSpPr>
+        <p:spPr>
+          <a:xfrm>
+            <a:off x="521555" y="1652227"/>
+            <a:ext cx="8021678" cy="1477328"/>
+          </a:xfrm>
+          <a:prstGeom prst="rect">
+            <a:avLst/>
+          </a:prstGeom>
+          <a:noFill/>
+        </p:spPr>
+        <p:txBody>
+          <a:bodyPr wrap="square" rtlCol="0">
+            <a:spAutoFit/>
+          </a:bodyPr>
+          <a:lstStyle/>
+          <a:p>
+            <a:r>
+              <a:rPr lang="en-US" dirty="0" smtClean="0">
+                <a:latin typeface="Monaco"/>
+                <a:cs typeface="Monaco"/>
+              </a:rPr>
+              <a:t># Strings *will not* change when methods are called</a:t>
+            </a:r>
+          </a:p>
+          <a:p>
+            <a:r>
+              <a:rPr lang="en-US" dirty="0" smtClean="0">
+                <a:latin typeface="Monaco"/>
+                <a:cs typeface="Monaco"/>
+              </a:rPr>
+              <a:t>s = "example"</a:t>
+            </a:r>
+          </a:p>
+          <a:p>
+            <a:r>
+              <a:rPr lang="en-US" dirty="0" err="1" smtClean="0">
+                <a:latin typeface="Monaco"/>
+                <a:cs typeface="Monaco"/>
+              </a:rPr>
+              <a:t>s.upper</a:t>
+            </a:r>
+            <a:r>
+              <a:rPr lang="en-US" dirty="0" smtClean="0">
+                <a:latin typeface="Monaco"/>
+                <a:cs typeface="Monaco"/>
+              </a:rPr>
+              <a:t>()</a:t>
+            </a:r>
+          </a:p>
+          <a:p>
+            <a:r>
+              <a:rPr lang="en-US" dirty="0" smtClean="0">
+                <a:latin typeface="Monaco"/>
+                <a:cs typeface="Monaco"/>
+              </a:rPr>
+              <a:t>print s</a:t>
+            </a:r>
+          </a:p>
+          <a:p>
+            <a:r>
+              <a:rPr lang="en-US" dirty="0">
+                <a:latin typeface="Monaco"/>
+                <a:cs typeface="Monaco"/>
+              </a:rPr>
+              <a:t> </a:t>
+            </a:r>
+            <a:r>
+              <a:rPr lang="en-US" dirty="0" smtClean="0">
+                <a:latin typeface="Monaco"/>
+                <a:cs typeface="Monaco"/>
+              </a:rPr>
+              <a:t>   </a:t>
+            </a:r>
+            <a:r>
+              <a:rPr lang="en-US" dirty="0" smtClean="0">
+                <a:solidFill>
+                  <a:schemeClr val="bg1">
+                    <a:lumMod val="65000"/>
+                  </a:schemeClr>
+                </a:solidFill>
+                <a:latin typeface="Monaco"/>
+                <a:cs typeface="Monaco"/>
+              </a:rPr>
+              <a:t>example</a:t>
+            </a:r>
           </a:p>
         </p:txBody>
       </p:sp>
     </p:spTree>
     <p:extLst>
       <p:ext uri="{BB962C8B-B14F-4D97-AF65-F5344CB8AC3E}">
-        <p14:creationId xmlns:p14="http://schemas.microsoft.com/office/powerpoint/2010/main" val="1216690747"/>
+        <p14:creationId xmlns:p14="http://schemas.microsoft.com/office/powerpoint/2010/main" val="2776090658"/>
       </p:ext>
     </p:extLst>
   </p:cSld>
@@ -19389,7 +18998,7 @@
         <p:spPr>
           <a:xfrm>
             <a:off x="521555" y="1652227"/>
-            <a:ext cx="8021678" cy="1477328"/>
+            <a:ext cx="8021678" cy="2862323"/>
           </a:xfrm>
           <a:prstGeom prst="rect">
             <a:avLst/>
@@ -19472,12 +19081,90 @@
               <a:t>example</a:t>
             </a:r>
           </a:p>
+          <a:p>
+            <a:endParaRPr lang="en-US" dirty="0">
+              <a:solidFill>
+                <a:schemeClr val="bg1">
+                  <a:lumMod val="65000"/>
+                </a:schemeClr>
+              </a:solidFill>
+              <a:latin typeface="Monaco"/>
+              <a:cs typeface="Monaco"/>
+            </a:endParaRPr>
+          </a:p>
+          <a:p>
+            <a:r>
+              <a:rPr lang="en-US" dirty="0" smtClean="0">
+                <a:latin typeface="Monaco"/>
+                <a:cs typeface="Monaco"/>
+              </a:rPr>
+              <a:t># But if we re-define s when calling .upper()... </a:t>
+            </a:r>
+          </a:p>
+          <a:p>
+            <a:r>
+              <a:rPr lang="en-US" dirty="0" smtClean="0">
+                <a:latin typeface="Monaco"/>
+                <a:cs typeface="Monaco"/>
+              </a:rPr>
+              <a:t>s = </a:t>
+            </a:r>
+            <a:r>
+              <a:rPr lang="en-US" dirty="0" err="1" smtClean="0">
+                <a:latin typeface="Monaco"/>
+                <a:cs typeface="Monaco"/>
+              </a:rPr>
+              <a:t>s.upper</a:t>
+            </a:r>
+            <a:r>
+              <a:rPr lang="en-US" dirty="0" smtClean="0">
+                <a:latin typeface="Monaco"/>
+                <a:cs typeface="Monaco"/>
+              </a:rPr>
+              <a:t>()</a:t>
+            </a:r>
+          </a:p>
+          <a:p>
+            <a:r>
+              <a:rPr lang="en-US" dirty="0" smtClean="0">
+                <a:latin typeface="Monaco"/>
+                <a:cs typeface="Monaco"/>
+              </a:rPr>
+              <a:t>print s</a:t>
+            </a:r>
+          </a:p>
+          <a:p>
+            <a:r>
+              <a:rPr lang="en-US" dirty="0">
+                <a:solidFill>
+                  <a:schemeClr val="bg1">
+                    <a:lumMod val="65000"/>
+                  </a:schemeClr>
+                </a:solidFill>
+                <a:latin typeface="Monaco"/>
+                <a:cs typeface="Monaco"/>
+              </a:rPr>
+              <a:t> </a:t>
+            </a:r>
+            <a:r>
+              <a:rPr lang="en-US" dirty="0" smtClean="0">
+                <a:solidFill>
+                  <a:schemeClr val="bg1">
+                    <a:lumMod val="65000"/>
+                  </a:schemeClr>
+                </a:solidFill>
+                <a:latin typeface="Monaco"/>
+                <a:cs typeface="Monaco"/>
+              </a:rPr>
+              <a:t>   EXAMPLE</a:t>
+            </a:r>
+          </a:p>
         </p:txBody>
       </p:sp>
     </p:spTree>
     <p:extLst>
       <p:ext uri="{BB962C8B-B14F-4D97-AF65-F5344CB8AC3E}">
-        <p14:creationId xmlns:p14="http://schemas.microsoft.com/office/powerpoint/2010/main" val="2776090658"/>
+        <p14:creationId xmlns:p14="http://schemas.microsoft.com/office/powerpoint/2010/main" val="2602504510"/>
       </p:ext>
     </p:extLst>
   </p:cSld>
@@ -19536,7 +19223,7 @@
         <p:spPr>
           <a:xfrm>
             <a:off x="521555" y="1652227"/>
-            <a:ext cx="8021678" cy="2862323"/>
+            <a:ext cx="8021678" cy="3693319"/>
           </a:xfrm>
           <a:prstGeom prst="rect">
             <a:avLst/>
@@ -19697,12 +19384,166 @@
               <a:t>   EXAMPLE</a:t>
             </a:r>
           </a:p>
+          <a:p>
+            <a:endParaRPr lang="en-US" dirty="0">
+              <a:solidFill>
+                <a:schemeClr val="bg1">
+                  <a:lumMod val="65000"/>
+                </a:schemeClr>
+              </a:solidFill>
+              <a:latin typeface="Monaco"/>
+              <a:cs typeface="Monaco"/>
+            </a:endParaRPr>
+          </a:p>
+          <a:p>
+            <a:r>
+              <a:rPr lang="en-US" dirty="0">
+                <a:latin typeface="Monaco"/>
+                <a:cs typeface="Monaco"/>
+              </a:rPr>
+              <a:t># </a:t>
+            </a:r>
+            <a:r>
+              <a:rPr lang="en-US" dirty="0" smtClean="0">
+                <a:latin typeface="Monaco"/>
+                <a:cs typeface="Monaco"/>
+              </a:rPr>
+              <a:t>We'll get *an error* if we try too much</a:t>
+            </a:r>
+          </a:p>
+          <a:p>
+            <a:r>
+              <a:rPr lang="en-US" dirty="0" smtClean="0">
+                <a:latin typeface="Monaco"/>
+                <a:cs typeface="Monaco"/>
+              </a:rPr>
+              <a:t>s[2] = "A"</a:t>
+            </a:r>
+          </a:p>
+        </p:txBody>
+      </p:sp>
+      <p:sp>
+        <p:nvSpPr>
+          <p:cNvPr id="5" name="TextBox 4"/>
+          <p:cNvSpPr txBox="1"/>
+          <p:nvPr/>
+        </p:nvSpPr>
+        <p:spPr>
+          <a:xfrm>
+            <a:off x="585515" y="5345546"/>
+            <a:ext cx="8634604" cy="646331"/>
+          </a:xfrm>
+          <a:prstGeom prst="rect">
+            <a:avLst/>
+          </a:prstGeom>
+          <a:noFill/>
+        </p:spPr>
+        <p:txBody>
+          <a:bodyPr wrap="square" rtlCol="0">
+            <a:spAutoFit/>
+          </a:bodyPr>
+          <a:lstStyle/>
+          <a:p>
+            <a:r>
+              <a:rPr lang="en-US" dirty="0" err="1" smtClean="0">
+                <a:solidFill>
+                  <a:schemeClr val="tx2"/>
+                </a:solidFill>
+                <a:latin typeface="Monaco"/>
+                <a:cs typeface="Monaco"/>
+              </a:rPr>
+              <a:t>Traceback</a:t>
+            </a:r>
+            <a:r>
+              <a:rPr lang="en-US" dirty="0" smtClean="0">
+                <a:solidFill>
+                  <a:schemeClr val="tx2"/>
+                </a:solidFill>
+                <a:latin typeface="Monaco"/>
+                <a:cs typeface="Monaco"/>
+              </a:rPr>
+              <a:t> </a:t>
+            </a:r>
+            <a:r>
+              <a:rPr lang="en-US" dirty="0">
+                <a:solidFill>
+                  <a:schemeClr val="tx2"/>
+                </a:solidFill>
+                <a:latin typeface="Monaco"/>
+                <a:cs typeface="Monaco"/>
+              </a:rPr>
+              <a:t>(most recent call last):</a:t>
+            </a:r>
+          </a:p>
+          <a:p>
+            <a:r>
+              <a:rPr lang="en-US" dirty="0">
+                <a:solidFill>
+                  <a:schemeClr val="tx2"/>
+                </a:solidFill>
+                <a:latin typeface="Monaco"/>
+                <a:cs typeface="Monaco"/>
+              </a:rPr>
+              <a:t>  </a:t>
+            </a:r>
+            <a:r>
+              <a:rPr lang="en-US" dirty="0" err="1">
+                <a:solidFill>
+                  <a:schemeClr val="tx2"/>
+                </a:solidFill>
+                <a:latin typeface="Monaco"/>
+                <a:cs typeface="Monaco"/>
+              </a:rPr>
+              <a:t>TypeError</a:t>
+            </a:r>
+            <a:r>
+              <a:rPr lang="en-US" dirty="0">
+                <a:solidFill>
+                  <a:schemeClr val="tx2"/>
+                </a:solidFill>
+                <a:latin typeface="Monaco"/>
+                <a:cs typeface="Monaco"/>
+              </a:rPr>
+              <a:t>: '</a:t>
+            </a:r>
+            <a:r>
+              <a:rPr lang="en-US" dirty="0" err="1">
+                <a:solidFill>
+                  <a:schemeClr val="tx2"/>
+                </a:solidFill>
+                <a:latin typeface="Monaco"/>
+                <a:cs typeface="Monaco"/>
+              </a:rPr>
+              <a:t>str</a:t>
+            </a:r>
+            <a:r>
+              <a:rPr lang="en-US" dirty="0">
+                <a:solidFill>
+                  <a:schemeClr val="tx2"/>
+                </a:solidFill>
+                <a:latin typeface="Monaco"/>
+                <a:cs typeface="Monaco"/>
+              </a:rPr>
+              <a:t>' object does not support item </a:t>
+            </a:r>
+            <a:r>
+              <a:rPr lang="en-US" dirty="0" smtClean="0">
+                <a:solidFill>
+                  <a:schemeClr val="tx2"/>
+                </a:solidFill>
+                <a:latin typeface="Monaco"/>
+                <a:cs typeface="Monaco"/>
+              </a:rPr>
+              <a:t>assignment</a:t>
+            </a:r>
+            <a:endParaRPr lang="en-US" dirty="0"/>
+          </a:p>
         </p:txBody>
       </p:sp>
     </p:spTree>
     <p:extLst>
       <p:ext uri="{BB962C8B-B14F-4D97-AF65-F5344CB8AC3E}">
-        <p14:creationId xmlns:p14="http://schemas.microsoft.com/office/powerpoint/2010/main" val="2602504510"/>
+        <p14:creationId xmlns:p14="http://schemas.microsoft.com/office/powerpoint/2010/main" val="1535974828"/>
       </p:ext>
     </p:extLst>
   </p:cSld>
@@ -19746,7 +19587,7 @@
           <a:p>
             <a:r>
               <a:rPr lang="en-US" dirty="0" smtClean="0"/>
-              <a:t>strings are immutable</a:t>
+              <a:t>lists are mutable</a:t>
             </a:r>
             <a:endParaRPr lang="en-US" dirty="0"/>
           </a:p>
@@ -19761,7 +19602,7 @@
         <p:spPr>
           <a:xfrm>
             <a:off x="521555" y="1652227"/>
-            <a:ext cx="8021678" cy="3693319"/>
+            <a:ext cx="8021678" cy="2031325"/>
           </a:xfrm>
           <a:prstGeom prst="rect">
             <a:avLst/>
@@ -19779,41 +19620,7 @@
                 <a:latin typeface="Monaco"/>
                 <a:cs typeface="Monaco"/>
               </a:rPr>
-              <a:t># Strings *will not* change when methods are called</a:t>
-            </a:r>
-          </a:p>
-          <a:p>
-            <a:r>
-              <a:rPr lang="en-US" dirty="0" smtClean="0">
-                <a:latin typeface="Monaco"/>
-                <a:cs typeface="Monaco"/>
-              </a:rPr>
-              <a:t>s = "example"</a:t>
-            </a:r>
-          </a:p>
-          <a:p>
-            <a:r>
-              <a:rPr lang="en-US" dirty="0" err="1" smtClean="0">
-                <a:latin typeface="Monaco"/>
-                <a:cs typeface="Monaco"/>
-              </a:rPr>
-              <a:t>s.upper</a:t>
-            </a:r>
-            <a:r>
-              <a:rPr lang="en-US" dirty="0" smtClean="0">
-                <a:latin typeface="Monaco"/>
-                <a:cs typeface="Monaco"/>
-              </a:rPr>
-              <a:t>()</a:t>
-            </a:r>
-          </a:p>
-          <a:p>
-            <a:r>
-              <a:rPr lang="en-US" dirty="0" smtClean="0">
-                <a:latin typeface="Monaco"/>
-                <a:cs typeface="Monaco"/>
-              </a:rPr>
-              <a:t>print s</a:t>
+              <a:t># Lists *will* change when methods are called</a:t>
             </a:r>
           </a:p>
           <a:p>
@@ -19822,266 +19629,80 @@
                 <a:latin typeface="Monaco"/>
                 <a:cs typeface="Monaco"/>
               </a:rPr>
-              <a:t> </a:t>
-            </a:r>
-            <a:r>
-              <a:rPr lang="en-US" dirty="0" smtClean="0">
-                <a:latin typeface="Monaco"/>
-                <a:cs typeface="Monaco"/>
-              </a:rPr>
-              <a:t>   </a:t>
-            </a:r>
-            <a:r>
-              <a:rPr lang="en-US" dirty="0" smtClean="0">
-                <a:solidFill>
-                  <a:schemeClr val="bg1">
-                    <a:lumMod val="65000"/>
-                  </a:schemeClr>
-                </a:solidFill>
-                <a:latin typeface="Monaco"/>
-                <a:cs typeface="Monaco"/>
-              </a:rPr>
-              <a:t>example</a:t>
-            </a:r>
-          </a:p>
-          <a:p>
-            <a:endParaRPr lang="en-US" dirty="0">
+              <a:t>f = [1, 2, 3]</a:t>
+            </a:r>
+          </a:p>
+          <a:p>
+            <a:r>
+              <a:rPr lang="en-US" dirty="0" err="1">
+                <a:latin typeface="Monaco"/>
+                <a:cs typeface="Monaco"/>
+              </a:rPr>
+              <a:t>f.append</a:t>
+            </a:r>
+            <a:r>
+              <a:rPr lang="en-US" dirty="0">
+                <a:latin typeface="Monaco"/>
+                <a:cs typeface="Monaco"/>
+              </a:rPr>
+              <a:t>(4)</a:t>
+            </a:r>
+          </a:p>
+          <a:p>
+            <a:r>
+              <a:rPr lang="en-US" dirty="0">
+                <a:latin typeface="Monaco"/>
+                <a:cs typeface="Monaco"/>
+              </a:rPr>
+              <a:t>print f</a:t>
+            </a:r>
+          </a:p>
+          <a:p>
+            <a:r>
+              <a:rPr lang="en-US" dirty="0">
+                <a:solidFill>
+                  <a:srgbClr val="A6A6A6"/>
+                </a:solidFill>
+                <a:latin typeface="Monaco"/>
+                <a:cs typeface="Monaco"/>
+              </a:rPr>
+              <a:t>	[1, 2, 3, 4</a:t>
+            </a:r>
+            <a:r>
+              <a:rPr lang="en-US" dirty="0" smtClean="0">
+                <a:solidFill>
+                  <a:srgbClr val="A6A6A6"/>
+                </a:solidFill>
+                <a:latin typeface="Monaco"/>
+                <a:cs typeface="Monaco"/>
+              </a:rPr>
+              <a:t>]</a:t>
+            </a:r>
+          </a:p>
+          <a:p>
+            <a:endParaRPr lang="en-US" dirty="0" smtClean="0">
               <a:solidFill>
-                <a:schemeClr val="bg1">
-                  <a:lumMod val="65000"/>
-                </a:schemeClr>
+                <a:srgbClr val="A6A6A6"/>
               </a:solidFill>
               <a:latin typeface="Monaco"/>
               <a:cs typeface="Monaco"/>
             </a:endParaRPr>
           </a:p>
           <a:p>
-            <a:r>
-              <a:rPr lang="en-US" dirty="0" smtClean="0">
-                <a:latin typeface="Monaco"/>
-                <a:cs typeface="Monaco"/>
-              </a:rPr>
-              <a:t># But if we re-define s when calling .upper()... </a:t>
-            </a:r>
-          </a:p>
-          <a:p>
-            <a:r>
-              <a:rPr lang="en-US" dirty="0" smtClean="0">
-                <a:latin typeface="Monaco"/>
-                <a:cs typeface="Monaco"/>
-              </a:rPr>
-              <a:t>s = </a:t>
-            </a:r>
-            <a:r>
-              <a:rPr lang="en-US" dirty="0" err="1" smtClean="0">
-                <a:latin typeface="Monaco"/>
-                <a:cs typeface="Monaco"/>
-              </a:rPr>
-              <a:t>s.upper</a:t>
-            </a:r>
-            <a:r>
-              <a:rPr lang="en-US" dirty="0" smtClean="0">
-                <a:latin typeface="Monaco"/>
-                <a:cs typeface="Monaco"/>
-              </a:rPr>
-              <a:t>()</a:t>
-            </a:r>
-          </a:p>
-          <a:p>
-            <a:r>
-              <a:rPr lang="en-US" dirty="0" smtClean="0">
-                <a:latin typeface="Monaco"/>
-                <a:cs typeface="Monaco"/>
-              </a:rPr>
-              <a:t>print s</a:t>
-            </a:r>
-          </a:p>
-          <a:p>
-            <a:r>
-              <a:rPr lang="en-US" dirty="0">
-                <a:solidFill>
-                  <a:schemeClr val="bg1">
-                    <a:lumMod val="65000"/>
-                  </a:schemeClr>
-                </a:solidFill>
-                <a:latin typeface="Monaco"/>
-                <a:cs typeface="Monaco"/>
-              </a:rPr>
-              <a:t> </a:t>
-            </a:r>
-            <a:r>
-              <a:rPr lang="en-US" dirty="0" smtClean="0">
-                <a:solidFill>
-                  <a:schemeClr val="bg1">
-                    <a:lumMod val="65000"/>
-                  </a:schemeClr>
-                </a:solidFill>
-                <a:latin typeface="Monaco"/>
-                <a:cs typeface="Monaco"/>
-              </a:rPr>
-              <a:t>   EXAMPLE</a:t>
-            </a:r>
-          </a:p>
-          <a:p>
             <a:endParaRPr lang="en-US" dirty="0">
               <a:solidFill>
-                <a:schemeClr val="bg1">
-                  <a:lumMod val="65000"/>
-                </a:schemeClr>
+                <a:srgbClr val="A6A6A6"/>
               </a:solidFill>
               <a:latin typeface="Monaco"/>
               <a:cs typeface="Monaco"/>
             </a:endParaRPr>
           </a:p>
-          <a:p>
-            <a:r>
-              <a:rPr lang="en-US" dirty="0">
-                <a:latin typeface="Monaco"/>
-                <a:cs typeface="Monaco"/>
-              </a:rPr>
-              <a:t># </a:t>
-            </a:r>
-            <a:r>
-              <a:rPr lang="en-US" dirty="0" smtClean="0">
-                <a:latin typeface="Monaco"/>
-                <a:cs typeface="Monaco"/>
-              </a:rPr>
-              <a:t>We'll get *an error* if we try too much</a:t>
-            </a:r>
-          </a:p>
-          <a:p>
-            <a:r>
-              <a:rPr lang="en-US" dirty="0" smtClean="0">
-                <a:latin typeface="Monaco"/>
-                <a:cs typeface="Monaco"/>
-              </a:rPr>
-              <a:t>s[2] = "A"</a:t>
-            </a:r>
-          </a:p>
-        </p:txBody>
-      </p:sp>
-      <p:sp>
-        <p:nvSpPr>
-          <p:cNvPr id="5" name="TextBox 4"/>
-          <p:cNvSpPr txBox="1"/>
-          <p:nvPr/>
-        </p:nvSpPr>
-        <p:spPr>
-          <a:xfrm>
-            <a:off x="585515" y="5345546"/>
-            <a:ext cx="8634604" cy="646331"/>
-          </a:xfrm>
-          <a:prstGeom prst="rect">
-            <a:avLst/>
-          </a:prstGeom>
-          <a:noFill/>
-        </p:spPr>
-        <p:txBody>
-          <a:bodyPr wrap="square" rtlCol="0">
-            <a:spAutoFit/>
-          </a:bodyPr>
-          <a:lstStyle/>
-          <a:p>
-            <a:r>
-              <a:rPr lang="en-US" dirty="0" err="1" smtClean="0">
-                <a:solidFill>
-                  <a:schemeClr val="tx2"/>
-                </a:solidFill>
-                <a:latin typeface="Monaco"/>
-                <a:cs typeface="Monaco"/>
-              </a:rPr>
-              <a:t>Traceback</a:t>
-            </a:r>
-            <a:r>
-              <a:rPr lang="en-US" dirty="0" smtClean="0">
-                <a:solidFill>
-                  <a:schemeClr val="tx2"/>
-                </a:solidFill>
-                <a:latin typeface="Monaco"/>
-                <a:cs typeface="Monaco"/>
-              </a:rPr>
-              <a:t> </a:t>
-            </a:r>
-            <a:r>
-              <a:rPr lang="en-US" dirty="0">
-                <a:solidFill>
-                  <a:schemeClr val="tx2"/>
-                </a:solidFill>
-                <a:latin typeface="Monaco"/>
-                <a:cs typeface="Monaco"/>
-              </a:rPr>
-              <a:t>(most recent call last):</a:t>
-            </a:r>
-          </a:p>
-          <a:p>
-            <a:r>
-              <a:rPr lang="en-US" dirty="0">
-                <a:solidFill>
-                  <a:schemeClr val="tx2"/>
-                </a:solidFill>
-                <a:latin typeface="Monaco"/>
-                <a:cs typeface="Monaco"/>
-              </a:rPr>
-              <a:t>  </a:t>
-            </a:r>
-            <a:r>
-              <a:rPr lang="en-US" dirty="0" err="1">
-                <a:solidFill>
-                  <a:schemeClr val="tx2"/>
-                </a:solidFill>
-                <a:latin typeface="Monaco"/>
-                <a:cs typeface="Monaco"/>
-              </a:rPr>
-              <a:t>TypeError</a:t>
-            </a:r>
-            <a:r>
-              <a:rPr lang="en-US" dirty="0">
-                <a:solidFill>
-                  <a:schemeClr val="tx2"/>
-                </a:solidFill>
-                <a:latin typeface="Monaco"/>
-                <a:cs typeface="Monaco"/>
-              </a:rPr>
-              <a:t>: '</a:t>
-            </a:r>
-            <a:r>
-              <a:rPr lang="en-US" dirty="0" err="1">
-                <a:solidFill>
-                  <a:schemeClr val="tx2"/>
-                </a:solidFill>
-                <a:latin typeface="Monaco"/>
-                <a:cs typeface="Monaco"/>
-              </a:rPr>
-              <a:t>str</a:t>
-            </a:r>
-            <a:r>
-              <a:rPr lang="en-US" dirty="0">
-                <a:solidFill>
-                  <a:schemeClr val="tx2"/>
-                </a:solidFill>
-                <a:latin typeface="Monaco"/>
-                <a:cs typeface="Monaco"/>
-              </a:rPr>
-              <a:t>' object does not support item </a:t>
-            </a:r>
-            <a:r>
-              <a:rPr lang="en-US" dirty="0" smtClean="0">
-                <a:solidFill>
-                  <a:schemeClr val="tx2"/>
-                </a:solidFill>
-                <a:latin typeface="Monaco"/>
-                <a:cs typeface="Monaco"/>
-              </a:rPr>
-              <a:t>assignment</a:t>
-            </a:r>
-            <a:endParaRPr lang="en-US" dirty="0"/>
-          </a:p>
         </p:txBody>
       </p:sp>
     </p:spTree>
     <p:extLst>
       <p:ext uri="{BB962C8B-B14F-4D97-AF65-F5344CB8AC3E}">
-        <p14:creationId xmlns:p14="http://schemas.microsoft.com/office/powerpoint/2010/main" val="1535974828"/>
+        <p14:creationId xmlns:p14="http://schemas.microsoft.com/office/powerpoint/2010/main" val="284186306"/>
       </p:ext>
     </p:extLst>
   </p:cSld>
@@ -20140,7 +19761,7 @@
         <p:spPr>
           <a:xfrm>
             <a:off x="521555" y="1652227"/>
-            <a:ext cx="8021678" cy="2031325"/>
+            <a:ext cx="8021678" cy="3416320"/>
           </a:xfrm>
           <a:prstGeom prst="rect">
             <a:avLst/>
@@ -20227,6 +19848,83 @@
             </a:endParaRPr>
           </a:p>
           <a:p>
+            <a:r>
+              <a:rPr lang="en-US" dirty="0" smtClean="0">
+                <a:solidFill>
+                  <a:srgbClr val="000000"/>
+                </a:solidFill>
+                <a:latin typeface="Monaco"/>
+                <a:cs typeface="Monaco"/>
+              </a:rPr>
+              <a:t># We can use indexing to re-write items in lists</a:t>
+            </a:r>
+          </a:p>
+          <a:p>
+            <a:r>
+              <a:rPr lang="en-US" dirty="0" smtClean="0">
+                <a:solidFill>
+                  <a:srgbClr val="000000"/>
+                </a:solidFill>
+                <a:latin typeface="Monaco"/>
+                <a:cs typeface="Monaco"/>
+              </a:rPr>
+              <a:t>f[2] = 77.8</a:t>
+            </a:r>
+          </a:p>
+          <a:p>
+            <a:r>
+              <a:rPr lang="en-US" dirty="0" smtClean="0">
+                <a:solidFill>
+                  <a:srgbClr val="000000"/>
+                </a:solidFill>
+                <a:latin typeface="Monaco"/>
+                <a:cs typeface="Monaco"/>
+              </a:rPr>
+              <a:t>print f</a:t>
+            </a:r>
+          </a:p>
+          <a:p>
+            <a:r>
+              <a:rPr lang="en-US" dirty="0">
+                <a:solidFill>
+                  <a:srgbClr val="A6A6A6"/>
+                </a:solidFill>
+                <a:latin typeface="Monaco"/>
+                <a:cs typeface="Monaco"/>
+              </a:rPr>
+              <a:t>	[1, 2, </a:t>
+            </a:r>
+            <a:r>
+              <a:rPr lang="en-US" dirty="0" smtClean="0">
+                <a:solidFill>
+                  <a:srgbClr val="A6A6A6"/>
+                </a:solidFill>
+                <a:latin typeface="Monaco"/>
+                <a:cs typeface="Monaco"/>
+              </a:rPr>
+              <a:t>77.8, </a:t>
+            </a:r>
+            <a:r>
+              <a:rPr lang="en-US" dirty="0">
+                <a:solidFill>
+                  <a:srgbClr val="A6A6A6"/>
+                </a:solidFill>
+                <a:latin typeface="Monaco"/>
+                <a:cs typeface="Monaco"/>
+              </a:rPr>
+              <a:t>4]</a:t>
+            </a:r>
+          </a:p>
+          <a:p>
+            <a:endParaRPr lang="en-US" dirty="0" smtClean="0">
+              <a:solidFill>
+                <a:srgbClr val="A6A6A6"/>
+              </a:solidFill>
+              <a:latin typeface="Monaco"/>
+              <a:cs typeface="Monaco"/>
+            </a:endParaRPr>
+          </a:p>
+          <a:p>
             <a:endParaRPr lang="en-US" dirty="0">
               <a:solidFill>
                 <a:srgbClr val="A6A6A6"/>
@@ -20240,7 +19938,7 @@
     </p:spTree>
     <p:extLst>
       <p:ext uri="{BB962C8B-B14F-4D97-AF65-F5344CB8AC3E}">
-        <p14:creationId xmlns:p14="http://schemas.microsoft.com/office/powerpoint/2010/main" val="284186306"/>
+        <p14:creationId xmlns:p14="http://schemas.microsoft.com/office/powerpoint/2010/main" val="1727971694"/>
       </p:ext>
     </p:extLst>
   </p:cSld>
@@ -20284,8 +19982,51 @@
           <a:p>
             <a:r>
               <a:rPr lang="en-US" dirty="0" smtClean="0"/>
-              <a:t>lists are mutable</a:t>
-            </a:r>
+              <a:t>a note on methods</a:t>
+            </a:r>
+            <a:endParaRPr lang="en-US" dirty="0"/>
+          </a:p>
+        </p:txBody>
+      </p:sp>
+      <p:sp>
+        <p:nvSpPr>
+          <p:cNvPr id="3" name="Content Placeholder 2"/>
+          <p:cNvSpPr>
+            <a:spLocks noGrp="1"/>
+          </p:cNvSpPr>
+          <p:nvPr>
+            <p:ph idx="1"/>
+          </p:nvPr>
+        </p:nvSpPr>
+        <p:spPr/>
+        <p:txBody>
+          <a:bodyPr/>
+          <a:lstStyle/>
+          <a:p>
+            <a:pPr marL="457200" indent="-457200">
+              <a:buFont typeface="Arial"/>
+              <a:buChar char="•"/>
+            </a:pPr>
+            <a:r>
+              <a:rPr lang="en-US" dirty="0" smtClean="0"/>
+              <a:t>Methods are functions </a:t>
+            </a:r>
+            <a:r>
+              <a:rPr lang="en-US" i="1" dirty="0" smtClean="0"/>
+              <a:t>specific to a certain object</a:t>
+            </a:r>
+          </a:p>
+          <a:p>
+            <a:pPr marL="457200" indent="-457200">
+              <a:buFont typeface="Arial"/>
+              <a:buChar char="•"/>
+            </a:pPr>
+            <a:r>
+              <a:rPr lang="en-US" dirty="0" smtClean="0"/>
+              <a:t>Functions are/can be much more general:</a:t>
+            </a:r>
+          </a:p>
+          <a:p>
             <a:endParaRPr lang="en-US" dirty="0"/>
           </a:p>
         </p:txBody>
@@ -20298,8 +20039,8 @@
         </p:nvSpPr>
         <p:spPr>
           <a:xfrm>
-            <a:off x="521555" y="1652227"/>
-            <a:ext cx="8021678" cy="3416320"/>
+            <a:off x="165207" y="3807214"/>
+            <a:ext cx="8643002" cy="2862323"/>
           </a:xfrm>
           <a:prstGeom prst="rect">
             <a:avLst/>
@@ -20317,166 +20058,151 @@
                 <a:latin typeface="Monaco"/>
                 <a:cs typeface="Monaco"/>
               </a:rPr>
-              <a:t># Lists *will* change when methods are called</a:t>
+              <a:t>s = "python"</a:t>
+            </a:r>
+          </a:p>
+          <a:p>
+            <a:r>
+              <a:rPr lang="en-US" dirty="0" smtClean="0">
+                <a:latin typeface="Monaco"/>
+                <a:cs typeface="Monaco"/>
+              </a:rPr>
+              <a:t>print </a:t>
+            </a:r>
+            <a:r>
+              <a:rPr lang="en-US" dirty="0" err="1" smtClean="0">
+                <a:latin typeface="Monaco"/>
+                <a:cs typeface="Monaco"/>
+              </a:rPr>
+              <a:t>len</a:t>
+            </a:r>
+            <a:r>
+              <a:rPr lang="en-US" dirty="0" smtClean="0">
+                <a:latin typeface="Monaco"/>
+                <a:cs typeface="Monaco"/>
+              </a:rPr>
+              <a:t>(s)</a:t>
             </a:r>
           </a:p>
           <a:p>
             <a:r>
               <a:rPr lang="en-US" dirty="0">
-                <a:latin typeface="Monaco"/>
-                <a:cs typeface="Monaco"/>
-              </a:rPr>
-              <a:t>f = [1, 2, 3]</a:t>
-            </a:r>
-          </a:p>
-          <a:p>
-            <a:r>
-              <a:rPr lang="en-US" dirty="0" err="1">
-                <a:latin typeface="Monaco"/>
-                <a:cs typeface="Monaco"/>
-              </a:rPr>
-              <a:t>f.append</a:t>
-            </a:r>
-            <a:r>
-              <a:rPr lang="en-US" dirty="0">
-                <a:latin typeface="Monaco"/>
-                <a:cs typeface="Monaco"/>
-              </a:rPr>
-              <a:t>(4)</a:t>
-            </a:r>
-          </a:p>
-          <a:p>
-            <a:r>
-              <a:rPr lang="en-US" dirty="0">
-                <a:latin typeface="Monaco"/>
-                <a:cs typeface="Monaco"/>
-              </a:rPr>
-              <a:t>print f</a:t>
-            </a:r>
-          </a:p>
-          <a:p>
-            <a:r>
-              <a:rPr lang="en-US" dirty="0">
+                <a:solidFill>
+                  <a:schemeClr val="bg1">
+                    <a:lumMod val="65000"/>
+                  </a:schemeClr>
+                </a:solidFill>
+                <a:latin typeface="Monaco"/>
+                <a:cs typeface="Monaco"/>
+              </a:rPr>
+              <a:t>	</a:t>
+            </a:r>
+            <a:r>
+              <a:rPr lang="en-US" dirty="0" smtClean="0">
+                <a:solidFill>
+                  <a:schemeClr val="bg1">
+                    <a:lumMod val="65000"/>
+                  </a:schemeClr>
+                </a:solidFill>
+                <a:latin typeface="Monaco"/>
+                <a:cs typeface="Monaco"/>
+              </a:rPr>
+              <a:t>6</a:t>
+            </a:r>
+          </a:p>
+          <a:p>
+            <a:endParaRPr lang="en-US" dirty="0">
+              <a:latin typeface="Monaco"/>
+              <a:cs typeface="Monaco"/>
+            </a:endParaRPr>
+          </a:p>
+          <a:p>
+            <a:r>
+              <a:rPr lang="en-US" dirty="0" smtClean="0">
+                <a:latin typeface="Monaco"/>
+                <a:cs typeface="Monaco"/>
+              </a:rPr>
+              <a:t>d = ["p", "y", "t", "</a:t>
+            </a:r>
+            <a:r>
+              <a:rPr lang="en-US" dirty="0" err="1" smtClean="0">
+                <a:latin typeface="Monaco"/>
+                <a:cs typeface="Monaco"/>
+              </a:rPr>
+              <a:t>hon</a:t>
+            </a:r>
+            <a:r>
+              <a:rPr lang="en-US" dirty="0" smtClean="0">
+                <a:latin typeface="Monaco"/>
+                <a:cs typeface="Monaco"/>
+              </a:rPr>
+              <a:t>"]</a:t>
+            </a:r>
+          </a:p>
+          <a:p>
+            <a:r>
+              <a:rPr lang="en-US" dirty="0" smtClean="0">
+                <a:latin typeface="Monaco"/>
+                <a:cs typeface="Monaco"/>
+              </a:rPr>
+              <a:t>print </a:t>
+            </a:r>
+            <a:r>
+              <a:rPr lang="en-US" dirty="0" err="1" smtClean="0">
+                <a:latin typeface="Monaco"/>
+                <a:cs typeface="Monaco"/>
+              </a:rPr>
+              <a:t>len</a:t>
+            </a:r>
+            <a:r>
+              <a:rPr lang="en-US" dirty="0" smtClean="0">
+                <a:latin typeface="Monaco"/>
+                <a:cs typeface="Monaco"/>
+              </a:rPr>
+              <a:t>(d)</a:t>
+            </a:r>
+          </a:p>
+          <a:p>
+            <a:r>
+              <a:rPr lang="en-US" dirty="0" smtClean="0">
                 <a:solidFill>
                   <a:srgbClr val="A6A6A6"/>
                 </a:solidFill>
                 <a:latin typeface="Monaco"/>
                 <a:cs typeface="Monaco"/>
               </a:rPr>
-              <a:t>	[1, 2, 3, 4</a:t>
-            </a:r>
-            <a:r>
-              <a:rPr lang="en-US" dirty="0" smtClean="0">
-                <a:solidFill>
-                  <a:srgbClr val="A6A6A6"/>
-                </a:solidFill>
-                <a:latin typeface="Monaco"/>
-                <a:cs typeface="Monaco"/>
-              </a:rPr>
-              <a:t>]</a:t>
+              <a:t>	4</a:t>
             </a:r>
           </a:p>
           <a:p>
             <a:endParaRPr lang="en-US" dirty="0" smtClean="0">
+              <a:latin typeface="Monaco"/>
+              <a:cs typeface="Monaco"/>
+            </a:endParaRPr>
+          </a:p>
+          <a:p>
+            <a:endParaRPr lang="en-US" dirty="0">
+              <a:latin typeface="Monaco"/>
+              <a:cs typeface="Monaco"/>
+            </a:endParaRPr>
+          </a:p>
+          <a:p>
+            <a:endParaRPr lang="en-US" dirty="0">
               <a:solidFill>
-                <a:srgbClr val="A6A6A6"/>
+                <a:schemeClr val="bg1">
+                  <a:lumMod val="65000"/>
+                </a:schemeClr>
               </a:solidFill>
               <a:latin typeface="Monaco"/>
               <a:cs typeface="Monaco"/>
             </a:endParaRPr>
           </a:p>
-          <a:p>
-            <a:r>
-              <a:rPr lang="en-US" dirty="0" smtClean="0">
-                <a:solidFill>
-                  <a:srgbClr val="000000"/>
-                </a:solidFill>
-                <a:latin typeface="Monaco"/>
-                <a:cs typeface="Monaco"/>
-              </a:rPr>
-              <a:t># We can use indexing to re-write items in lists</a:t>
-            </a:r>
-          </a:p>
-          <a:p>
-            <a:r>
-              <a:rPr lang="en-US" dirty="0" smtClean="0">
-                <a:solidFill>
-                  <a:srgbClr val="000000"/>
-                </a:solidFill>
-                <a:latin typeface="Monaco"/>
-                <a:cs typeface="Monaco"/>
-              </a:rPr>
-              <a:t>f[2] = 77.8</a:t>
-            </a:r>
-          </a:p>
-          <a:p>
-            <a:r>
-              <a:rPr lang="en-US" dirty="0" smtClean="0">
-                <a:solidFill>
-                  <a:srgbClr val="000000"/>
-                </a:solidFill>
-                <a:latin typeface="Monaco"/>
-                <a:cs typeface="Monaco"/>
-              </a:rPr>
-              <a:t>print f</a:t>
-            </a:r>
-          </a:p>
-          <a:p>
-            <a:r>
-              <a:rPr lang="en-US" dirty="0">
-                <a:solidFill>
-                  <a:srgbClr val="A6A6A6"/>
-                </a:solidFill>
-                <a:latin typeface="Monaco"/>
-                <a:cs typeface="Monaco"/>
-              </a:rPr>
-              <a:t>	[1, 2, </a:t>
-            </a:r>
-            <a:r>
-              <a:rPr lang="en-US" dirty="0" smtClean="0">
-                <a:solidFill>
-                  <a:srgbClr val="A6A6A6"/>
-                </a:solidFill>
-                <a:latin typeface="Monaco"/>
-                <a:cs typeface="Monaco"/>
-              </a:rPr>
-              <a:t>77.8, </a:t>
-            </a:r>
-            <a:r>
-              <a:rPr lang="en-US" dirty="0">
-                <a:solidFill>
-                  <a:srgbClr val="A6A6A6"/>
-                </a:solidFill>
-                <a:latin typeface="Monaco"/>
-                <a:cs typeface="Monaco"/>
-              </a:rPr>
-              <a:t>4]</a:t>
-            </a:r>
-          </a:p>
-          <a:p>
-            <a:endParaRPr lang="en-US" dirty="0" smtClean="0">
-              <a:solidFill>
-                <a:srgbClr val="A6A6A6"/>
-              </a:solidFill>
-              <a:latin typeface="Monaco"/>
-              <a:cs typeface="Monaco"/>
-            </a:endParaRPr>
-          </a:p>
-          <a:p>
-            <a:endParaRPr lang="en-US" dirty="0">
-              <a:solidFill>
-                <a:srgbClr val="A6A6A6"/>
-              </a:solidFill>
-              <a:latin typeface="Monaco"/>
-              <a:cs typeface="Monaco"/>
-            </a:endParaRPr>
-          </a:p>
         </p:txBody>
       </p:sp>
     </p:spTree>
     <p:extLst>
       <p:ext uri="{BB962C8B-B14F-4D97-AF65-F5344CB8AC3E}">
-        <p14:creationId xmlns:p14="http://schemas.microsoft.com/office/powerpoint/2010/main" val="1727971694"/>
+        <p14:creationId xmlns:p14="http://schemas.microsoft.com/office/powerpoint/2010/main" val="922841025"/>
       </p:ext>
     </p:extLst>
   </p:cSld>
@@ -20520,7 +20246,7 @@
           <a:p>
             <a:r>
               <a:rPr lang="en-US" dirty="0" smtClean="0"/>
-              <a:t>a note on methods</a:t>
+              <a:t>A Note on print statements</a:t>
             </a:r>
             <a:endParaRPr lang="en-US" dirty="0"/>
           </a:p>
@@ -20547,200 +20273,20 @@
             </a:pPr>
             <a:r>
               <a:rPr lang="en-US" dirty="0" smtClean="0"/>
-              <a:t>Methods are functions </a:t>
+              <a:t>To print *more than one thing*, join items together with +,  </a:t>
             </a:r>
             <a:r>
               <a:rPr lang="en-US" i="1" dirty="0" smtClean="0"/>
-              <a:t>specific to a certain object</a:t>
-            </a:r>
-          </a:p>
-          <a:p>
-            <a:pPr marL="457200" indent="-457200">
-              <a:buFont typeface="Arial"/>
-              <a:buChar char="•"/>
-            </a:pPr>
-            <a:r>
-              <a:rPr lang="en-US" dirty="0" smtClean="0"/>
-              <a:t>Functions are/can be much more general:</a:t>
-            </a:r>
-          </a:p>
-          <a:p>
+              <a:t>as strings</a:t>
+            </a:r>
             <a:endParaRPr lang="en-US" dirty="0"/>
-          </a:p>
-        </p:txBody>
-      </p:sp>
-      <p:sp>
-        <p:nvSpPr>
-          <p:cNvPr id="4" name="TextBox 3"/>
-          <p:cNvSpPr txBox="1"/>
-          <p:nvPr/>
-        </p:nvSpPr>
-        <p:spPr>
-          <a:xfrm>
-            <a:off x="165207" y="3807214"/>
-            <a:ext cx="8643002" cy="2862323"/>
-          </a:xfrm>
-          <a:prstGeom prst="rect">
-            <a:avLst/>
-          </a:prstGeom>
-          <a:noFill/>
-        </p:spPr>
-        <p:txBody>
-          <a:bodyPr wrap="square" rtlCol="0">
-            <a:spAutoFit/>
-          </a:bodyPr>
-          <a:lstStyle/>
-          <a:p>
-            <a:r>
-              <a:rPr lang="en-US" dirty="0" smtClean="0">
-                <a:latin typeface="Monaco"/>
-                <a:cs typeface="Monaco"/>
-              </a:rPr>
-              <a:t>s = "python"</a:t>
-            </a:r>
-          </a:p>
-          <a:p>
-            <a:r>
-              <a:rPr lang="en-US" dirty="0" smtClean="0">
-                <a:latin typeface="Monaco"/>
-                <a:cs typeface="Monaco"/>
-              </a:rPr>
-              <a:t>print </a:t>
-            </a:r>
-            <a:r>
-              <a:rPr lang="en-US" dirty="0" err="1" smtClean="0">
-                <a:latin typeface="Monaco"/>
-                <a:cs typeface="Monaco"/>
-              </a:rPr>
-              <a:t>len</a:t>
-            </a:r>
-            <a:r>
-              <a:rPr lang="en-US" dirty="0" smtClean="0">
-                <a:latin typeface="Monaco"/>
-                <a:cs typeface="Monaco"/>
-              </a:rPr>
-              <a:t>(s)</a:t>
-            </a:r>
-          </a:p>
-          <a:p>
-            <a:r>
-              <a:rPr lang="en-US" dirty="0">
-                <a:solidFill>
-                  <a:schemeClr val="bg1">
-                    <a:lumMod val="65000"/>
-                  </a:schemeClr>
-                </a:solidFill>
-                <a:latin typeface="Monaco"/>
-                <a:cs typeface="Monaco"/>
-              </a:rPr>
-              <a:t>	</a:t>
-            </a:r>
-            <a:r>
-              <a:rPr lang="en-US" dirty="0" smtClean="0">
-                <a:solidFill>
-                  <a:schemeClr val="bg1">
-                    <a:lumMod val="65000"/>
-                  </a:schemeClr>
-                </a:solidFill>
-                <a:latin typeface="Monaco"/>
-                <a:cs typeface="Monaco"/>
-              </a:rPr>
-              <a:t>6</a:t>
-            </a:r>
-          </a:p>
-          <a:p>
-            <a:endParaRPr lang="en-US" dirty="0">
-              <a:latin typeface="Monaco"/>
-              <a:cs typeface="Monaco"/>
-            </a:endParaRPr>
-          </a:p>
-          <a:p>
-            <a:r>
-              <a:rPr lang="en-US" dirty="0" smtClean="0">
-                <a:latin typeface="Monaco"/>
-                <a:cs typeface="Monaco"/>
-              </a:rPr>
-              <a:t>d = ["p", "y", "t", "</a:t>
-            </a:r>
-            <a:r>
-              <a:rPr lang="en-US" dirty="0" err="1" smtClean="0">
-                <a:latin typeface="Monaco"/>
-                <a:cs typeface="Monaco"/>
-              </a:rPr>
-              <a:t>hon</a:t>
-            </a:r>
-            <a:r>
-              <a:rPr lang="en-US" dirty="0" smtClean="0">
-                <a:latin typeface="Monaco"/>
-                <a:cs typeface="Monaco"/>
-              </a:rPr>
-              <a:t>"]</a:t>
-            </a:r>
-          </a:p>
-          <a:p>
-            <a:r>
-              <a:rPr lang="en-US" dirty="0" smtClean="0">
-                <a:latin typeface="Monaco"/>
-                <a:cs typeface="Monaco"/>
-              </a:rPr>
-              <a:t>print </a:t>
-            </a:r>
-            <a:r>
-              <a:rPr lang="en-US" dirty="0" err="1" smtClean="0">
-                <a:latin typeface="Monaco"/>
-                <a:cs typeface="Monaco"/>
-              </a:rPr>
-              <a:t>len</a:t>
-            </a:r>
-            <a:r>
-              <a:rPr lang="en-US" dirty="0" smtClean="0">
-                <a:latin typeface="Monaco"/>
-                <a:cs typeface="Monaco"/>
-              </a:rPr>
-              <a:t>(d)</a:t>
-            </a:r>
-          </a:p>
-          <a:p>
-            <a:r>
-              <a:rPr lang="en-US" dirty="0" smtClean="0">
-                <a:solidFill>
-                  <a:srgbClr val="A6A6A6"/>
-                </a:solidFill>
-                <a:latin typeface="Monaco"/>
-                <a:cs typeface="Monaco"/>
-              </a:rPr>
-              <a:t>	4</a:t>
-            </a:r>
-          </a:p>
-          <a:p>
-            <a:endParaRPr lang="en-US" dirty="0" smtClean="0">
-              <a:latin typeface="Monaco"/>
-              <a:cs typeface="Monaco"/>
-            </a:endParaRPr>
-          </a:p>
-          <a:p>
-            <a:endParaRPr lang="en-US" dirty="0">
-              <a:latin typeface="Monaco"/>
-              <a:cs typeface="Monaco"/>
-            </a:endParaRPr>
-          </a:p>
-          <a:p>
-            <a:endParaRPr lang="en-US" dirty="0">
-              <a:solidFill>
-                <a:schemeClr val="bg1">
-                  <a:lumMod val="65000"/>
-                </a:schemeClr>
-              </a:solidFill>
-              <a:latin typeface="Monaco"/>
-              <a:cs typeface="Monaco"/>
-            </a:endParaRPr>
           </a:p>
         </p:txBody>
       </p:sp>
     </p:spTree>
     <p:extLst>
       <p:ext uri="{BB962C8B-B14F-4D97-AF65-F5344CB8AC3E}">
-        <p14:creationId xmlns:p14="http://schemas.microsoft.com/office/powerpoint/2010/main" val="922841025"/>
+        <p14:creationId xmlns:p14="http://schemas.microsoft.com/office/powerpoint/2010/main" val="2652945682"/>
       </p:ext>
     </p:extLst>
   </p:cSld>
@@ -20792,39 +20338,226 @@
       </p:sp>
       <p:sp>
         <p:nvSpPr>
-          <p:cNvPr id="3" name="Content Placeholder 2"/>
-          <p:cNvSpPr>
-            <a:spLocks noGrp="1"/>
-          </p:cNvSpPr>
-          <p:nvPr>
-            <p:ph idx="1"/>
-          </p:nvPr>
-        </p:nvSpPr>
-        <p:spPr/>
-        <p:txBody>
-          <a:bodyPr/>
-          <a:lstStyle/>
-          <a:p>
-            <a:pPr marL="457200" indent="-457200">
-              <a:buFont typeface="Arial"/>
-              <a:buChar char="•"/>
-            </a:pPr>
-            <a:r>
-              <a:rPr lang="en-US" dirty="0" smtClean="0"/>
-              <a:t>To print *more than one thing*, join items together with +,  </a:t>
-            </a:r>
-            <a:r>
-              <a:rPr lang="en-US" i="1" dirty="0" smtClean="0"/>
-              <a:t>as strings</a:t>
-            </a:r>
-            <a:endParaRPr lang="en-US" dirty="0"/>
+          <p:cNvPr id="4" name="TextBox 3"/>
+          <p:cNvSpPr txBox="1"/>
+          <p:nvPr/>
+        </p:nvSpPr>
+        <p:spPr>
+          <a:xfrm>
+            <a:off x="146194" y="1661364"/>
+            <a:ext cx="8735113" cy="4524316"/>
+          </a:xfrm>
+          <a:prstGeom prst="rect">
+            <a:avLst/>
+          </a:prstGeom>
+          <a:noFill/>
+        </p:spPr>
+        <p:txBody>
+          <a:bodyPr wrap="square" rtlCol="0">
+            <a:spAutoFit/>
+          </a:bodyPr>
+          <a:lstStyle/>
+          <a:p>
+            <a:r>
+              <a:rPr lang="en-US" dirty="0" smtClean="0">
+                <a:latin typeface="Monaco"/>
+                <a:cs typeface="Monaco"/>
+              </a:rPr>
+              <a:t>pi = 3.1415</a:t>
+            </a:r>
+          </a:p>
+          <a:p>
+            <a:endParaRPr lang="en-US" dirty="0" smtClean="0">
+              <a:latin typeface="Monaco"/>
+              <a:cs typeface="Monaco"/>
+            </a:endParaRPr>
+          </a:p>
+          <a:p>
+            <a:r>
+              <a:rPr lang="en-US" dirty="0" smtClean="0">
+                <a:latin typeface="Monaco"/>
+                <a:cs typeface="Monaco"/>
+              </a:rPr>
+              <a:t># Works fine!</a:t>
+            </a:r>
+            <a:endParaRPr lang="en-US" dirty="0">
+              <a:latin typeface="Monaco"/>
+              <a:cs typeface="Monaco"/>
+            </a:endParaRPr>
+          </a:p>
+          <a:p>
+            <a:r>
+              <a:rPr lang="en-US" dirty="0" smtClean="0">
+                <a:latin typeface="Monaco"/>
+                <a:cs typeface="Monaco"/>
+              </a:rPr>
+              <a:t>print pi</a:t>
+            </a:r>
+          </a:p>
+          <a:p>
+            <a:r>
+              <a:rPr lang="en-US" dirty="0" smtClean="0">
+                <a:latin typeface="Monaco"/>
+                <a:cs typeface="Monaco"/>
+              </a:rPr>
+              <a:t>	3.1415</a:t>
+            </a:r>
+          </a:p>
+          <a:p>
+            <a:endParaRPr lang="en-US" dirty="0" smtClean="0">
+              <a:latin typeface="Monaco"/>
+              <a:cs typeface="Monaco"/>
+            </a:endParaRPr>
+          </a:p>
+          <a:p>
+            <a:r>
+              <a:rPr lang="en-US" dirty="0" smtClean="0">
+                <a:latin typeface="Monaco"/>
+                <a:cs typeface="Monaco"/>
+              </a:rPr>
+              <a:t># To print a string and a float, recast the float to a string</a:t>
+            </a:r>
+          </a:p>
+          <a:p>
+            <a:r>
+              <a:rPr lang="en-US" dirty="0" smtClean="0">
+                <a:latin typeface="Monaco"/>
+                <a:cs typeface="Monaco"/>
+              </a:rPr>
+              <a:t>print "The value of pi is" + </a:t>
+            </a:r>
+            <a:r>
+              <a:rPr lang="en-US" dirty="0" err="1" smtClean="0">
+                <a:latin typeface="Monaco"/>
+                <a:cs typeface="Monaco"/>
+              </a:rPr>
+              <a:t>str</a:t>
+            </a:r>
+            <a:r>
+              <a:rPr lang="en-US" dirty="0" smtClean="0">
+                <a:latin typeface="Monaco"/>
+                <a:cs typeface="Monaco"/>
+              </a:rPr>
+              <a:t>(pi)</a:t>
+            </a:r>
+          </a:p>
+          <a:p>
+            <a:r>
+              <a:rPr lang="en-US" dirty="0">
+                <a:solidFill>
+                  <a:schemeClr val="bg1">
+                    <a:lumMod val="65000"/>
+                  </a:schemeClr>
+                </a:solidFill>
+                <a:latin typeface="Monaco"/>
+                <a:cs typeface="Monaco"/>
+              </a:rPr>
+              <a:t>	</a:t>
+            </a:r>
+            <a:r>
+              <a:rPr lang="en-US" dirty="0" smtClean="0">
+                <a:solidFill>
+                  <a:schemeClr val="bg1">
+                    <a:lumMod val="65000"/>
+                  </a:schemeClr>
+                </a:solidFill>
+                <a:latin typeface="Monaco"/>
+                <a:cs typeface="Monaco"/>
+              </a:rPr>
+              <a:t>The value of pi is 3.1415</a:t>
+            </a:r>
+          </a:p>
+          <a:p>
+            <a:endParaRPr lang="en-US" dirty="0" smtClean="0">
+              <a:solidFill>
+                <a:schemeClr val="bg1">
+                  <a:lumMod val="65000"/>
+                </a:schemeClr>
+              </a:solidFill>
+              <a:latin typeface="Monaco"/>
+              <a:cs typeface="Monaco"/>
+            </a:endParaRPr>
+          </a:p>
+          <a:p>
+            <a:endParaRPr lang="en-US" dirty="0">
+              <a:solidFill>
+                <a:schemeClr val="bg1">
+                  <a:lumMod val="65000"/>
+                </a:schemeClr>
+              </a:solidFill>
+              <a:latin typeface="Monaco"/>
+              <a:cs typeface="Monaco"/>
+            </a:endParaRPr>
+          </a:p>
+          <a:p>
+            <a:r>
+              <a:rPr lang="en-US" dirty="0" smtClean="0">
+                <a:latin typeface="Monaco"/>
+                <a:cs typeface="Monaco"/>
+              </a:rPr>
+              <a:t># Print statements that won't work:</a:t>
+            </a:r>
+          </a:p>
+          <a:p>
+            <a:r>
+              <a:rPr lang="en-US" dirty="0" smtClean="0">
+                <a:latin typeface="Monaco"/>
+                <a:cs typeface="Monaco"/>
+              </a:rPr>
+              <a:t>print "The value of pi is" </a:t>
+            </a:r>
+            <a:r>
+              <a:rPr lang="en-US" dirty="0" err="1" smtClean="0">
+                <a:latin typeface="Monaco"/>
+                <a:cs typeface="Monaco"/>
+              </a:rPr>
+              <a:t>str</a:t>
+            </a:r>
+            <a:r>
+              <a:rPr lang="en-US" dirty="0" smtClean="0">
+                <a:latin typeface="Monaco"/>
+                <a:cs typeface="Monaco"/>
+              </a:rPr>
+              <a:t>(pi)</a:t>
+            </a:r>
+          </a:p>
+          <a:p>
+            <a:r>
+              <a:rPr lang="en-US" dirty="0" smtClean="0">
+                <a:latin typeface="Monaco"/>
+                <a:cs typeface="Monaco"/>
+              </a:rPr>
+              <a:t>print "The value of pi is" + pi    </a:t>
+            </a:r>
+          </a:p>
+          <a:p>
+            <a:r>
+              <a:rPr lang="en-US" dirty="0" smtClean="0">
+                <a:latin typeface="Monaco"/>
+                <a:cs typeface="Monaco"/>
+              </a:rPr>
+              <a:t>print "The value of pi is" pi       </a:t>
+            </a:r>
+          </a:p>
+          <a:p>
+            <a:r>
+              <a:rPr lang="en-US" dirty="0" smtClean="0">
+                <a:latin typeface="Monaco"/>
+                <a:cs typeface="Monaco"/>
+              </a:rPr>
+              <a:t>print "The value of pi is pi"</a:t>
+            </a:r>
+            <a:endParaRPr lang="en-US" dirty="0">
+              <a:latin typeface="Monaco"/>
+              <a:cs typeface="Monaco"/>
+            </a:endParaRPr>
           </a:p>
         </p:txBody>
       </p:sp>
     </p:spTree>
     <p:extLst>
       <p:ext uri="{BB962C8B-B14F-4D97-AF65-F5344CB8AC3E}">
-        <p14:creationId xmlns:p14="http://schemas.microsoft.com/office/powerpoint/2010/main" val="2652945682"/>
+        <p14:creationId xmlns:p14="http://schemas.microsoft.com/office/powerpoint/2010/main" val="607294152"/>
       </p:ext>
     </p:extLst>
   </p:cSld>
@@ -21195,277 +20928,6 @@
                 <a:latin typeface="Monaco"/>
                 <a:cs typeface="Monaco"/>
               </a:rPr>
-              <a:t>(pi)</a:t>
-            </a:r>
-          </a:p>
-          <a:p>
-            <a:r>
-              <a:rPr lang="en-US" dirty="0" smtClean="0">
-                <a:latin typeface="Monaco"/>
-                <a:cs typeface="Monaco"/>
-              </a:rPr>
-              <a:t>print "The value of pi is" + pi    </a:t>
-            </a:r>
-          </a:p>
-          <a:p>
-            <a:r>
-              <a:rPr lang="en-US" dirty="0" smtClean="0">
-                <a:latin typeface="Monaco"/>
-                <a:cs typeface="Monaco"/>
-              </a:rPr>
-              <a:t>print "The value of pi is" pi       </a:t>
-            </a:r>
-          </a:p>
-          <a:p>
-            <a:r>
-              <a:rPr lang="en-US" dirty="0" smtClean="0">
-                <a:latin typeface="Monaco"/>
-                <a:cs typeface="Monaco"/>
-              </a:rPr>
-              <a:t>print "The value of pi is pi"</a:t>
-            </a:r>
-            <a:endParaRPr lang="en-US" dirty="0">
-              <a:latin typeface="Monaco"/>
-              <a:cs typeface="Monaco"/>
-            </a:endParaRPr>
-          </a:p>
-        </p:txBody>
-      </p:sp>
-    </p:spTree>
-    <p:extLst>
-      <p:ext uri="{BB962C8B-B14F-4D97-AF65-F5344CB8AC3E}">
-        <p14:creationId xmlns:p14="http://schemas.microsoft.com/office/powerpoint/2010/main" val="607294152"/>
-      </p:ext>
-    </p:extLst>
-  </p:cSld>
-  <p:clrMapOvr>
-    <a:masterClrMapping/>
-  </p:clrMapOvr>
-</p:sld>
-</file>
-
-<file path=ppt/slides/slide71.xml><?xml version="1.0" encoding="utf-8"?>
-<p:sld xmlns:a="http://schemas.openxmlformats.org/drawingml/2006/main" xmlns:r="http://schemas.openxmlformats.org/officeDocument/2006/relationships" xmlns:p="http://schemas.openxmlformats.org/presentationml/2006/main">
-  <p:cSld>
-    <p:spTree>
-      <p:nvGrpSpPr>
-        <p:cNvPr id="1" name=""/>
-        <p:cNvGrpSpPr/>
-        <p:nvPr/>
-      </p:nvGrpSpPr>
-      <p:grpSpPr>
-        <a:xfrm>
-          <a:off x="0" y="0"/>
-          <a:ext cx="0" cy="0"/>
-          <a:chOff x="0" y="0"/>
-          <a:chExt cx="0" cy="0"/>
-        </a:xfrm>
-      </p:grpSpPr>
-      <p:sp>
-        <p:nvSpPr>
-          <p:cNvPr id="2" name="Title 1"/>
-          <p:cNvSpPr>
-            <a:spLocks noGrp="1"/>
-          </p:cNvSpPr>
-          <p:nvPr>
-            <p:ph type="title"/>
-          </p:nvPr>
-        </p:nvSpPr>
-        <p:spPr/>
-        <p:txBody>
-          <a:bodyPr/>
-          <a:lstStyle/>
-          <a:p>
-            <a:r>
-              <a:rPr lang="en-US" dirty="0" smtClean="0"/>
-              <a:t>A Note on print statements</a:t>
-            </a:r>
-            <a:endParaRPr lang="en-US" dirty="0"/>
-          </a:p>
-        </p:txBody>
-      </p:sp>
-      <p:sp>
-        <p:nvSpPr>
-          <p:cNvPr id="4" name="TextBox 3"/>
-          <p:cNvSpPr txBox="1"/>
-          <p:nvPr/>
-        </p:nvSpPr>
-        <p:spPr>
-          <a:xfrm>
-            <a:off x="146194" y="1661364"/>
-            <a:ext cx="8735113" cy="4524316"/>
-          </a:xfrm>
-          <a:prstGeom prst="rect">
-            <a:avLst/>
-          </a:prstGeom>
-          <a:noFill/>
-        </p:spPr>
-        <p:txBody>
-          <a:bodyPr wrap="square" rtlCol="0">
-            <a:spAutoFit/>
-          </a:bodyPr>
-          <a:lstStyle/>
-          <a:p>
-            <a:r>
-              <a:rPr lang="en-US" dirty="0" smtClean="0">
-                <a:latin typeface="Monaco"/>
-                <a:cs typeface="Monaco"/>
-              </a:rPr>
-              <a:t>pi = 3.1415</a:t>
-            </a:r>
-          </a:p>
-          <a:p>
-            <a:endParaRPr lang="en-US" dirty="0" smtClean="0">
-              <a:latin typeface="Monaco"/>
-              <a:cs typeface="Monaco"/>
-            </a:endParaRPr>
-          </a:p>
-          <a:p>
-            <a:r>
-              <a:rPr lang="en-US" dirty="0" smtClean="0">
-                <a:latin typeface="Monaco"/>
-                <a:cs typeface="Monaco"/>
-              </a:rPr>
-              <a:t># Works fine!</a:t>
-            </a:r>
-            <a:endParaRPr lang="en-US" dirty="0">
-              <a:latin typeface="Monaco"/>
-              <a:cs typeface="Monaco"/>
-            </a:endParaRPr>
-          </a:p>
-          <a:p>
-            <a:r>
-              <a:rPr lang="en-US" dirty="0" smtClean="0">
-                <a:latin typeface="Monaco"/>
-                <a:cs typeface="Monaco"/>
-              </a:rPr>
-              <a:t>print pi</a:t>
-            </a:r>
-          </a:p>
-          <a:p>
-            <a:r>
-              <a:rPr lang="en-US" dirty="0" smtClean="0">
-                <a:latin typeface="Monaco"/>
-                <a:cs typeface="Monaco"/>
-              </a:rPr>
-              <a:t>	3.1415</a:t>
-            </a:r>
-          </a:p>
-          <a:p>
-            <a:endParaRPr lang="en-US" dirty="0" smtClean="0">
-              <a:latin typeface="Monaco"/>
-              <a:cs typeface="Monaco"/>
-            </a:endParaRPr>
-          </a:p>
-          <a:p>
-            <a:r>
-              <a:rPr lang="en-US" dirty="0" smtClean="0">
-                <a:latin typeface="Monaco"/>
-                <a:cs typeface="Monaco"/>
-              </a:rPr>
-              <a:t># To print a string and a float, recast the float to a string</a:t>
-            </a:r>
-          </a:p>
-          <a:p>
-            <a:r>
-              <a:rPr lang="en-US" dirty="0" smtClean="0">
-                <a:latin typeface="Monaco"/>
-                <a:cs typeface="Monaco"/>
-              </a:rPr>
-              <a:t>print "The value of pi is" + </a:t>
-            </a:r>
-            <a:r>
-              <a:rPr lang="en-US" dirty="0" err="1" smtClean="0">
-                <a:latin typeface="Monaco"/>
-                <a:cs typeface="Monaco"/>
-              </a:rPr>
-              <a:t>str</a:t>
-            </a:r>
-            <a:r>
-              <a:rPr lang="en-US" dirty="0" smtClean="0">
-                <a:latin typeface="Monaco"/>
-                <a:cs typeface="Monaco"/>
-              </a:rPr>
-              <a:t>(pi)</a:t>
-            </a:r>
-          </a:p>
-          <a:p>
-            <a:r>
-              <a:rPr lang="en-US" dirty="0">
-                <a:solidFill>
-                  <a:schemeClr val="bg1">
-                    <a:lumMod val="65000"/>
-                  </a:schemeClr>
-                </a:solidFill>
-                <a:latin typeface="Monaco"/>
-                <a:cs typeface="Monaco"/>
-              </a:rPr>
-              <a:t>	</a:t>
-            </a:r>
-            <a:r>
-              <a:rPr lang="en-US" dirty="0" smtClean="0">
-                <a:solidFill>
-                  <a:schemeClr val="bg1">
-                    <a:lumMod val="65000"/>
-                  </a:schemeClr>
-                </a:solidFill>
-                <a:latin typeface="Monaco"/>
-                <a:cs typeface="Monaco"/>
-              </a:rPr>
-              <a:t>The value of pi is 3.1415</a:t>
-            </a:r>
-          </a:p>
-          <a:p>
-            <a:endParaRPr lang="en-US" dirty="0" smtClean="0">
-              <a:solidFill>
-                <a:schemeClr val="bg1">
-                  <a:lumMod val="65000"/>
-                </a:schemeClr>
-              </a:solidFill>
-              <a:latin typeface="Monaco"/>
-              <a:cs typeface="Monaco"/>
-            </a:endParaRPr>
-          </a:p>
-          <a:p>
-            <a:endParaRPr lang="en-US" dirty="0">
-              <a:solidFill>
-                <a:schemeClr val="bg1">
-                  <a:lumMod val="65000"/>
-                </a:schemeClr>
-              </a:solidFill>
-              <a:latin typeface="Monaco"/>
-              <a:cs typeface="Monaco"/>
-            </a:endParaRPr>
-          </a:p>
-          <a:p>
-            <a:r>
-              <a:rPr lang="en-US" dirty="0" smtClean="0">
-                <a:latin typeface="Monaco"/>
-                <a:cs typeface="Monaco"/>
-              </a:rPr>
-              <a:t># Print statements that won't work:</a:t>
-            </a:r>
-          </a:p>
-          <a:p>
-            <a:r>
-              <a:rPr lang="en-US" dirty="0" smtClean="0">
-                <a:latin typeface="Monaco"/>
-                <a:cs typeface="Monaco"/>
-              </a:rPr>
-              <a:t>print "The value of pi is" </a:t>
-            </a:r>
-            <a:r>
-              <a:rPr lang="en-US" dirty="0" err="1" smtClean="0">
-                <a:latin typeface="Monaco"/>
-                <a:cs typeface="Monaco"/>
-              </a:rPr>
-              <a:t>str</a:t>
-            </a:r>
-            <a:r>
-              <a:rPr lang="en-US" dirty="0" smtClean="0">
-                <a:latin typeface="Monaco"/>
-                <a:cs typeface="Monaco"/>
-              </a:rPr>
               <a:t>(pi)  # missing a +</a:t>
             </a:r>
           </a:p>
@@ -21554,7 +21016,7 @@
 </p:sld>
 </file>
 
-<file path=ppt/slides/slide72.xml><?xml version="1.0" encoding="utf-8"?>
+<file path=ppt/slides/slide71.xml><?xml version="1.0" encoding="utf-8"?>
 <p:sld xmlns:a="http://schemas.openxmlformats.org/drawingml/2006/main" xmlns:r="http://schemas.openxmlformats.org/officeDocument/2006/relationships" xmlns:p="http://schemas.openxmlformats.org/presentationml/2006/main">
   <p:cSld>
     <p:spTree>

--- a/slides/day1_slides.pptx
+++ b/slides/day1_slides.pptx
@@ -3593,7 +3593,7 @@
         <p:spPr>
           <a:xfrm>
             <a:off x="457199" y="152718"/>
-            <a:ext cx="6168675" cy="1371600"/>
+            <a:ext cx="7620001" cy="1371600"/>
           </a:xfrm>
           <a:prstGeom prst="rect">
             <a:avLst/>
@@ -3606,7 +3606,7 @@
           <a:lstStyle/>
           <a:p>
             <a:r>
-              <a:rPr lang="en-US" smtClean="0"/>
+              <a:rPr lang="en-US" dirty="0" smtClean="0"/>
               <a:t>Click to edit Master title style</a:t>
             </a:r>
             <a:endParaRPr lang="en-US" dirty="0"/>
@@ -4296,8 +4296,15 @@
           <a:p>
             <a:r>
               <a:rPr lang="en-US" dirty="0" smtClean="0"/>
-              <a:t>navigating Unix systems</a:t>
-            </a:r>
+              <a:t>navigating Unix </a:t>
+            </a:r>
+            <a:r>
+              <a:rPr lang="en-US" dirty="0" smtClean="0"/>
+              <a:t>systems</a:t>
+            </a:r>
+            <a:br>
+              <a:rPr lang="en-US" dirty="0" smtClean="0"/>
+            </a:br>
             <a:endParaRPr lang="en-US" dirty="0"/>
           </a:p>
         </p:txBody>
@@ -4499,8 +4506,15 @@
           <a:p>
             <a:r>
               <a:rPr lang="en-US" dirty="0" smtClean="0"/>
-              <a:t>navigating Unix systems</a:t>
-            </a:r>
+              <a:t>navigating Unix </a:t>
+            </a:r>
+            <a:r>
+              <a:rPr lang="en-US" dirty="0" smtClean="0"/>
+              <a:t>systems</a:t>
+            </a:r>
+            <a:br>
+              <a:rPr lang="en-US" dirty="0" smtClean="0"/>
+            </a:br>
             <a:endParaRPr lang="en-US" dirty="0"/>
           </a:p>
         </p:txBody>
@@ -4681,35 +4695,17 @@
                   <a:schemeClr val="accent2"/>
                 </a:solidFill>
               </a:rPr>
-              <a:t>The path </a:t>
+              <a:t>The path from A to C is </a:t>
             </a:r>
             <a:r>
               <a:rPr lang="en-US" sz="2400" dirty="0" smtClean="0">
                 <a:solidFill>
                   <a:schemeClr val="accent2"/>
                 </a:solidFill>
-              </a:rPr>
-              <a:t>from A to C is </a:t>
-            </a:r>
-            <a:r>
-              <a:rPr lang="en-US" sz="2400" dirty="0" smtClean="0">
-                <a:solidFill>
-                  <a:schemeClr val="accent2"/>
-                </a:solidFill>
-                <a:latin typeface="Monaco"/>
-                <a:cs typeface="Monaco"/>
-              </a:rPr>
-              <a:t>A</a:t>
-            </a:r>
-            <a:r>
-              <a:rPr lang="en-US" sz="2400" dirty="0" smtClean="0">
-                <a:solidFill>
-                  <a:schemeClr val="accent2"/>
-                </a:solidFill>
-                <a:latin typeface="Monaco"/>
-                <a:cs typeface="Monaco"/>
-              </a:rPr>
-              <a:t>/B/C</a:t>
+                <a:latin typeface="Monaco"/>
+                <a:cs typeface="Monaco"/>
+              </a:rPr>
+              <a:t>A/B/C</a:t>
             </a:r>
             <a:endParaRPr lang="en-US" sz="2400" dirty="0">
               <a:solidFill>
@@ -4859,8 +4855,15 @@
           <a:p>
             <a:r>
               <a:rPr lang="en-US" dirty="0" smtClean="0"/>
-              <a:t>navigating Unix systems</a:t>
-            </a:r>
+              <a:t>navigating Unix </a:t>
+            </a:r>
+            <a:r>
+              <a:rPr lang="en-US" dirty="0" smtClean="0"/>
+              <a:t>systems</a:t>
+            </a:r>
+            <a:br>
+              <a:rPr lang="en-US" dirty="0" smtClean="0"/>
+            </a:br>
             <a:endParaRPr lang="en-US" dirty="0"/>
           </a:p>
         </p:txBody>
@@ -5010,31 +5013,6 @@
           <a:chExt cx="0" cy="0"/>
         </a:xfrm>
       </p:grpSpPr>
-      <p:sp>
-        <p:nvSpPr>
-          <p:cNvPr id="2" name="Title 1"/>
-          <p:cNvSpPr>
-            <a:spLocks noGrp="1"/>
-          </p:cNvSpPr>
-          <p:nvPr>
-            <p:ph type="title"/>
-          </p:nvPr>
-        </p:nvSpPr>
-        <p:spPr/>
-        <p:txBody>
-          <a:bodyPr>
-            <a:normAutofit/>
-          </a:bodyPr>
-          <a:lstStyle/>
-          <a:p>
-            <a:r>
-              <a:rPr lang="en-US" dirty="0" smtClean="0"/>
-              <a:t>navigating Unix systems</a:t>
-            </a:r>
-            <a:endParaRPr lang="en-US" dirty="0"/>
-          </a:p>
-        </p:txBody>
-      </p:sp>
       <p:sp>
         <p:nvSpPr>
           <p:cNvPr id="3" name="Content Placeholder 2"/>
@@ -5264,6 +5242,55 @@
           </a:p>
         </p:txBody>
       </p:sp>
+      <p:sp>
+        <p:nvSpPr>
+          <p:cNvPr id="11" name="Title 1"/>
+          <p:cNvSpPr txBox="1">
+            <a:spLocks/>
+          </p:cNvSpPr>
+          <p:nvPr/>
+        </p:nvSpPr>
+        <p:spPr>
+          <a:xfrm>
+            <a:off x="609599" y="305118"/>
+            <a:ext cx="7620001" cy="1371600"/>
+          </a:xfrm>
+          <a:prstGeom prst="rect">
+            <a:avLst/>
+          </a:prstGeom>
+        </p:spPr>
+        <p:txBody>
+          <a:bodyPr vert="horz" lIns="91440" tIns="45720" rIns="91440" bIns="45720" rtlCol="0" anchor="b">
+            <a:normAutofit/>
+          </a:bodyPr>
+          <a:lstStyle>
+            <a:lvl1pPr algn="l" defTabSz="914400" rtl="0" eaLnBrk="1" latinLnBrk="0" hangingPunct="1">
+              <a:spcBef>
+                <a:spcPct val="0"/>
+              </a:spcBef>
+              <a:buNone/>
+              <a:defRPr sz="3600" kern="1200" cap="all" spc="-60" baseline="0">
+                <a:solidFill>
+                  <a:schemeClr val="tx2"/>
+                </a:solidFill>
+                <a:latin typeface="+mj-lt"/>
+                <a:ea typeface="+mj-ea"/>
+                <a:cs typeface="+mj-cs"/>
+              </a:defRPr>
+            </a:lvl1pPr>
+          </a:lstStyle>
+          <a:p>
+            <a:r>
+              <a:rPr lang="en-US" dirty="0" smtClean="0"/>
+              <a:t>navigating Unix systems</a:t>
+            </a:r>
+            <a:br>
+              <a:rPr lang="en-US" dirty="0" smtClean="0"/>
+            </a:br>
+            <a:endParaRPr lang="en-US" dirty="0"/>
+          </a:p>
+        </p:txBody>
+      </p:sp>
     </p:spTree>
     <p:extLst>
       <p:ext uri="{BB962C8B-B14F-4D97-AF65-F5344CB8AC3E}">
@@ -5294,31 +5321,6 @@
           <a:chExt cx="0" cy="0"/>
         </a:xfrm>
       </p:grpSpPr>
-      <p:sp>
-        <p:nvSpPr>
-          <p:cNvPr id="2" name="Title 1"/>
-          <p:cNvSpPr>
-            <a:spLocks noGrp="1"/>
-          </p:cNvSpPr>
-          <p:nvPr>
-            <p:ph type="title"/>
-          </p:nvPr>
-        </p:nvSpPr>
-        <p:spPr/>
-        <p:txBody>
-          <a:bodyPr>
-            <a:normAutofit/>
-          </a:bodyPr>
-          <a:lstStyle/>
-          <a:p>
-            <a:r>
-              <a:rPr lang="en-US" dirty="0" smtClean="0"/>
-              <a:t>navigating Unix systems</a:t>
-            </a:r>
-            <a:endParaRPr lang="en-US" dirty="0"/>
-          </a:p>
-        </p:txBody>
-      </p:sp>
       <p:sp>
         <p:nvSpPr>
           <p:cNvPr id="3" name="Content Placeholder 2"/>
@@ -5634,6 +5636,43 @@
           </a:p>
         </p:txBody>
       </p:sp>
+      <p:sp>
+        <p:nvSpPr>
+          <p:cNvPr id="12" name="Title 1"/>
+          <p:cNvSpPr>
+            <a:spLocks noGrp="1"/>
+          </p:cNvSpPr>
+          <p:nvPr>
+            <p:ph type="title"/>
+          </p:nvPr>
+        </p:nvSpPr>
+        <p:spPr>
+          <a:xfrm>
+            <a:off x="457199" y="152718"/>
+            <a:ext cx="7620001" cy="1371600"/>
+          </a:xfrm>
+        </p:spPr>
+        <p:txBody>
+          <a:bodyPr>
+            <a:normAutofit/>
+          </a:bodyPr>
+          <a:lstStyle/>
+          <a:p>
+            <a:r>
+              <a:rPr lang="en-US" dirty="0" smtClean="0"/>
+              <a:t>navigating Unix </a:t>
+            </a:r>
+            <a:r>
+              <a:rPr lang="en-US" dirty="0" smtClean="0"/>
+              <a:t>systems</a:t>
+            </a:r>
+            <a:br>
+              <a:rPr lang="en-US" dirty="0" smtClean="0"/>
+            </a:br>
+            <a:endParaRPr lang="en-US" dirty="0"/>
+          </a:p>
+        </p:txBody>
+      </p:sp>
     </p:spTree>
     <p:extLst>
       <p:ext uri="{BB962C8B-B14F-4D97-AF65-F5344CB8AC3E}">
@@ -5666,28 +5705,6 @@
       </p:grpSpPr>
       <p:sp>
         <p:nvSpPr>
-          <p:cNvPr id="2" name="Title 1"/>
-          <p:cNvSpPr>
-            <a:spLocks noGrp="1"/>
-          </p:cNvSpPr>
-          <p:nvPr>
-            <p:ph type="title"/>
-          </p:nvPr>
-        </p:nvSpPr>
-        <p:spPr/>
-        <p:txBody>
-          <a:bodyPr/>
-          <a:lstStyle/>
-          <a:p>
-            <a:r>
-              <a:rPr lang="en-US" dirty="0"/>
-              <a:t>navigating Unix systems</a:t>
-            </a:r>
-          </a:p>
-        </p:txBody>
-      </p:sp>
-      <p:sp>
-        <p:nvSpPr>
           <p:cNvPr id="3" name="Content Placeholder 2"/>
           <p:cNvSpPr>
             <a:spLocks noGrp="1"/>
@@ -5811,6 +5828,43 @@
             <a:endParaRPr lang="en-US" dirty="0">
               <a:cs typeface="Monaco"/>
             </a:endParaRPr>
+          </a:p>
+        </p:txBody>
+      </p:sp>
+      <p:sp>
+        <p:nvSpPr>
+          <p:cNvPr id="5" name="Title 1"/>
+          <p:cNvSpPr>
+            <a:spLocks noGrp="1"/>
+          </p:cNvSpPr>
+          <p:nvPr>
+            <p:ph type="title"/>
+          </p:nvPr>
+        </p:nvSpPr>
+        <p:spPr>
+          <a:xfrm>
+            <a:off x="457199" y="152718"/>
+            <a:ext cx="7620001" cy="1371600"/>
+          </a:xfrm>
+        </p:spPr>
+        <p:txBody>
+          <a:bodyPr>
+            <a:normAutofit/>
+          </a:bodyPr>
+          <a:lstStyle/>
+          <a:p>
+            <a:r>
+              <a:rPr lang="en-US" dirty="0" smtClean="0"/>
+              <a:t>navigating Unix </a:t>
+            </a:r>
+            <a:r>
+              <a:rPr lang="en-US" dirty="0" smtClean="0"/>
+              <a:t>systems</a:t>
+            </a:r>
+            <a:br>
+              <a:rPr lang="en-US" dirty="0" smtClean="0"/>
+            </a:br>
+            <a:endParaRPr lang="en-US" dirty="0"/>
           </a:p>
         </p:txBody>
       </p:sp>
@@ -6568,13 +6622,8 @@
           <a:p>
             <a:r>
               <a:rPr lang="en-US" dirty="0" smtClean="0"/>
-              <a:t>…And UNIX </a:t>
-            </a:r>
-            <a:r>
-              <a:rPr lang="en-US" dirty="0" smtClean="0"/>
-              <a:t>symbols/shortcuts!</a:t>
-            </a:r>
-            <a:endParaRPr lang="en-US" dirty="0" smtClean="0"/>
+              <a:t>…And UNIX symbols/shortcuts!</a:t>
+            </a:r>
           </a:p>
           <a:p>
             <a:pPr marL="285750" indent="-285750">
@@ -6718,7 +6767,15 @@
           <a:p>
             <a:r>
               <a:rPr lang="en-US" dirty="0" smtClean="0"/>
-              <a:t>enter, python!</a:t>
+              <a:t>enter</a:t>
+            </a:r>
+            <a:r>
+              <a:rPr lang="en-US" dirty="0" smtClean="0"/>
+              <a:t>, python</a:t>
+            </a:r>
+            <a:r>
+              <a:rPr lang="en-US" dirty="0" smtClean="0"/>
+              <a:t>!</a:t>
             </a:r>
             <a:endParaRPr lang="en-US" dirty="0"/>
           </a:p>
@@ -6908,7 +6965,11 @@
           <a:p>
             <a:r>
               <a:rPr lang="en-US" dirty="0" smtClean="0"/>
-              <a:t>Python data types</a:t>
+              <a:t>Python data </a:t>
+            </a:r>
+            <a:r>
+              <a:rPr lang="en-US" dirty="0" smtClean="0"/>
+              <a:t>types</a:t>
             </a:r>
             <a:endParaRPr lang="en-US" dirty="0"/>
           </a:p>
@@ -7098,8 +7159,15 @@
           <a:p>
             <a:r>
               <a:rPr lang="en-US" dirty="0" smtClean="0"/>
-              <a:t>Topics we’ll cover:</a:t>
-            </a:r>
+              <a:t>Topics we’ll cover</a:t>
+            </a:r>
+            <a:r>
+              <a:rPr lang="en-US" dirty="0" smtClean="0"/>
+              <a:t>:</a:t>
+            </a:r>
+            <a:br>
+              <a:rPr lang="en-US" dirty="0" smtClean="0"/>
+            </a:br>
             <a:endParaRPr lang="en-US" dirty="0"/>
           </a:p>
         </p:txBody>
@@ -7262,7 +7330,11 @@
           <a:p>
             <a:r>
               <a:rPr lang="en-US" dirty="0" smtClean="0"/>
-              <a:t>Integers and floats</a:t>
+              <a:t>Integers and </a:t>
+            </a:r>
+            <a:r>
+              <a:rPr lang="en-US" dirty="0" smtClean="0"/>
+              <a:t>floats</a:t>
             </a:r>
             <a:endParaRPr lang="en-US" dirty="0"/>
           </a:p>
@@ -7455,7 +7527,11 @@
           <a:p>
             <a:r>
               <a:rPr lang="en-US" dirty="0" smtClean="0"/>
-              <a:t>Integers and floats</a:t>
+              <a:t>Integers and </a:t>
+            </a:r>
+            <a:r>
+              <a:rPr lang="en-US" dirty="0" smtClean="0"/>
+              <a:t>floats</a:t>
             </a:r>
             <a:endParaRPr lang="en-US" dirty="0"/>
           </a:p>
@@ -7823,7 +7899,15 @@
           <a:p>
             <a:r>
               <a:rPr lang="en-US" dirty="0" smtClean="0"/>
-              <a:t>Integers and floats</a:t>
+              <a:t>Integers </a:t>
+            </a:r>
+            <a:r>
+              <a:rPr lang="en-US" smtClean="0"/>
+              <a:t>and </a:t>
+            </a:r>
+            <a:r>
+              <a:rPr lang="en-US" smtClean="0"/>
+              <a:t>floats</a:t>
             </a:r>
             <a:endParaRPr lang="en-US" dirty="0"/>
           </a:p>
@@ -20601,8 +20685,15 @@
           <a:p>
             <a:r>
               <a:rPr lang="en-US" dirty="0" smtClean="0"/>
-              <a:t>why learn python?</a:t>
-            </a:r>
+              <a:t>why learn python</a:t>
+            </a:r>
+            <a:r>
+              <a:rPr lang="en-US" dirty="0" smtClean="0"/>
+              <a:t>?</a:t>
+            </a:r>
+            <a:br>
+              <a:rPr lang="en-US" dirty="0" smtClean="0"/>
+            </a:br>
             <a:endParaRPr lang="en-US" dirty="0"/>
           </a:p>
         </p:txBody>
@@ -21375,6 +21466,13 @@
               <a:rPr lang="en-US" dirty="0" err="1" smtClean="0"/>
               <a:t>unix</a:t>
             </a:r>
+            <a:r>
+              <a:rPr lang="en-US" dirty="0" smtClean="0"/>
+              <a:t/>
+            </a:r>
+            <a:br>
+              <a:rPr lang="en-US" dirty="0" smtClean="0"/>
+            </a:br>
             <a:endParaRPr lang="en-US" dirty="0"/>
           </a:p>
         </p:txBody>
@@ -21533,8 +21631,15 @@
           <a:p>
             <a:r>
               <a:rPr lang="en-US" dirty="0" smtClean="0"/>
-              <a:t>navigating Unix systems</a:t>
-            </a:r>
+              <a:t>navigating Unix </a:t>
+            </a:r>
+            <a:r>
+              <a:rPr lang="en-US" dirty="0" smtClean="0"/>
+              <a:t>systems</a:t>
+            </a:r>
+            <a:br>
+              <a:rPr lang="en-US" dirty="0" smtClean="0"/>
+            </a:br>
             <a:endParaRPr lang="en-US" dirty="0"/>
           </a:p>
         </p:txBody>

--- a/slides/day1_slides.pptx
+++ b/slides/day1_slides.pptx
@@ -5,7 +5,7 @@
     <p:sldMasterId id="2147483660" r:id="rId1"/>
   </p:sldMasterIdLst>
   <p:notesMasterIdLst>
-    <p:notesMasterId r:id="rId73"/>
+    <p:notesMasterId r:id="rId74"/>
   </p:notesMasterIdLst>
   <p:sldIdLst>
     <p:sldId id="256" r:id="rId2"/>
@@ -15,70 +15,71 @@
     <p:sldId id="273" r:id="rId6"/>
     <p:sldId id="259" r:id="rId7"/>
     <p:sldId id="260" r:id="rId8"/>
-    <p:sldId id="262" r:id="rId9"/>
-    <p:sldId id="263" r:id="rId10"/>
-    <p:sldId id="264" r:id="rId11"/>
-    <p:sldId id="269" r:id="rId12"/>
-    <p:sldId id="265" r:id="rId13"/>
-    <p:sldId id="266" r:id="rId14"/>
-    <p:sldId id="267" r:id="rId15"/>
-    <p:sldId id="268" r:id="rId16"/>
-    <p:sldId id="270" r:id="rId17"/>
-    <p:sldId id="271" r:id="rId18"/>
-    <p:sldId id="275" r:id="rId19"/>
-    <p:sldId id="276" r:id="rId20"/>
-    <p:sldId id="281" r:id="rId21"/>
-    <p:sldId id="277" r:id="rId22"/>
-    <p:sldId id="278" r:id="rId23"/>
-    <p:sldId id="279" r:id="rId24"/>
-    <p:sldId id="280" r:id="rId25"/>
-    <p:sldId id="283" r:id="rId26"/>
-    <p:sldId id="284" r:id="rId27"/>
-    <p:sldId id="286" r:id="rId28"/>
-    <p:sldId id="285" r:id="rId29"/>
-    <p:sldId id="287" r:id="rId30"/>
-    <p:sldId id="290" r:id="rId31"/>
-    <p:sldId id="288" r:id="rId32"/>
-    <p:sldId id="296" r:id="rId33"/>
-    <p:sldId id="295" r:id="rId34"/>
-    <p:sldId id="294" r:id="rId35"/>
-    <p:sldId id="297" r:id="rId36"/>
-    <p:sldId id="313" r:id="rId37"/>
-    <p:sldId id="291" r:id="rId38"/>
-    <p:sldId id="301" r:id="rId39"/>
-    <p:sldId id="300" r:id="rId40"/>
-    <p:sldId id="303" r:id="rId41"/>
-    <p:sldId id="307" r:id="rId42"/>
-    <p:sldId id="304" r:id="rId43"/>
-    <p:sldId id="306" r:id="rId44"/>
-    <p:sldId id="302" r:id="rId45"/>
-    <p:sldId id="299" r:id="rId46"/>
-    <p:sldId id="308" r:id="rId47"/>
-    <p:sldId id="309" r:id="rId48"/>
-    <p:sldId id="311" r:id="rId49"/>
-    <p:sldId id="310" r:id="rId50"/>
-    <p:sldId id="292" r:id="rId51"/>
-    <p:sldId id="314" r:id="rId52"/>
-    <p:sldId id="316" r:id="rId53"/>
-    <p:sldId id="315" r:id="rId54"/>
-    <p:sldId id="317" r:id="rId55"/>
-    <p:sldId id="318" r:id="rId56"/>
-    <p:sldId id="324" r:id="rId57"/>
-    <p:sldId id="325" r:id="rId58"/>
-    <p:sldId id="326" r:id="rId59"/>
-    <p:sldId id="327" r:id="rId60"/>
-    <p:sldId id="328" r:id="rId61"/>
-    <p:sldId id="320" r:id="rId62"/>
-    <p:sldId id="330" r:id="rId63"/>
-    <p:sldId id="329" r:id="rId64"/>
-    <p:sldId id="321" r:id="rId65"/>
-    <p:sldId id="331" r:id="rId66"/>
-    <p:sldId id="322" r:id="rId67"/>
-    <p:sldId id="323" r:id="rId68"/>
-    <p:sldId id="333" r:id="rId69"/>
-    <p:sldId id="335" r:id="rId70"/>
-    <p:sldId id="334" r:id="rId71"/>
-    <p:sldId id="336" r:id="rId72"/>
+    <p:sldId id="337" r:id="rId9"/>
+    <p:sldId id="262" r:id="rId10"/>
+    <p:sldId id="263" r:id="rId11"/>
+    <p:sldId id="264" r:id="rId12"/>
+    <p:sldId id="269" r:id="rId13"/>
+    <p:sldId id="265" r:id="rId14"/>
+    <p:sldId id="266" r:id="rId15"/>
+    <p:sldId id="267" r:id="rId16"/>
+    <p:sldId id="268" r:id="rId17"/>
+    <p:sldId id="270" r:id="rId18"/>
+    <p:sldId id="271" r:id="rId19"/>
+    <p:sldId id="275" r:id="rId20"/>
+    <p:sldId id="276" r:id="rId21"/>
+    <p:sldId id="281" r:id="rId22"/>
+    <p:sldId id="277" r:id="rId23"/>
+    <p:sldId id="278" r:id="rId24"/>
+    <p:sldId id="279" r:id="rId25"/>
+    <p:sldId id="280" r:id="rId26"/>
+    <p:sldId id="283" r:id="rId27"/>
+    <p:sldId id="284" r:id="rId28"/>
+    <p:sldId id="286" r:id="rId29"/>
+    <p:sldId id="285" r:id="rId30"/>
+    <p:sldId id="287" r:id="rId31"/>
+    <p:sldId id="290" r:id="rId32"/>
+    <p:sldId id="288" r:id="rId33"/>
+    <p:sldId id="296" r:id="rId34"/>
+    <p:sldId id="295" r:id="rId35"/>
+    <p:sldId id="294" r:id="rId36"/>
+    <p:sldId id="297" r:id="rId37"/>
+    <p:sldId id="313" r:id="rId38"/>
+    <p:sldId id="291" r:id="rId39"/>
+    <p:sldId id="301" r:id="rId40"/>
+    <p:sldId id="300" r:id="rId41"/>
+    <p:sldId id="303" r:id="rId42"/>
+    <p:sldId id="307" r:id="rId43"/>
+    <p:sldId id="304" r:id="rId44"/>
+    <p:sldId id="306" r:id="rId45"/>
+    <p:sldId id="302" r:id="rId46"/>
+    <p:sldId id="299" r:id="rId47"/>
+    <p:sldId id="308" r:id="rId48"/>
+    <p:sldId id="309" r:id="rId49"/>
+    <p:sldId id="311" r:id="rId50"/>
+    <p:sldId id="310" r:id="rId51"/>
+    <p:sldId id="292" r:id="rId52"/>
+    <p:sldId id="314" r:id="rId53"/>
+    <p:sldId id="316" r:id="rId54"/>
+    <p:sldId id="315" r:id="rId55"/>
+    <p:sldId id="317" r:id="rId56"/>
+    <p:sldId id="318" r:id="rId57"/>
+    <p:sldId id="324" r:id="rId58"/>
+    <p:sldId id="325" r:id="rId59"/>
+    <p:sldId id="326" r:id="rId60"/>
+    <p:sldId id="327" r:id="rId61"/>
+    <p:sldId id="328" r:id="rId62"/>
+    <p:sldId id="320" r:id="rId63"/>
+    <p:sldId id="330" r:id="rId64"/>
+    <p:sldId id="329" r:id="rId65"/>
+    <p:sldId id="321" r:id="rId66"/>
+    <p:sldId id="331" r:id="rId67"/>
+    <p:sldId id="322" r:id="rId68"/>
+    <p:sldId id="323" r:id="rId69"/>
+    <p:sldId id="333" r:id="rId70"/>
+    <p:sldId id="335" r:id="rId71"/>
+    <p:sldId id="334" r:id="rId72"/>
+    <p:sldId id="336" r:id="rId73"/>
   </p:sldIdLst>
   <p:sldSz cx="9144000" cy="6858000" type="screen4x3"/>
   <p:notesSz cx="6858000" cy="9144000"/>
@@ -611,7 +612,7 @@
           <a:p>
             <a:fld id="{850A63CA-6EF3-434A-8E2F-FF8FCBDA0A72}" type="slidenum">
               <a:rPr lang="en-US" smtClean="0"/>
-              <a:t>12</a:t>
+              <a:t>13</a:t>
             </a:fld>
             <a:endParaRPr lang="en-US"/>
           </a:p>
@@ -699,7 +700,7 @@
           <a:p>
             <a:fld id="{850A63CA-6EF3-434A-8E2F-FF8FCBDA0A72}" type="slidenum">
               <a:rPr lang="en-US" smtClean="0"/>
-              <a:t>17</a:t>
+              <a:t>18</a:t>
             </a:fld>
             <a:endParaRPr lang="en-US"/>
           </a:p>
@@ -795,7 +796,7 @@
           <a:p>
             <a:fld id="{850A63CA-6EF3-434A-8E2F-FF8FCBDA0A72}" type="slidenum">
               <a:rPr lang="en-US" smtClean="0"/>
-              <a:t>69</a:t>
+              <a:t>70</a:t>
             </a:fld>
             <a:endParaRPr lang="en-US"/>
           </a:p>
@@ -887,7 +888,7 @@
           <a:p>
             <a:fld id="{850A63CA-6EF3-434A-8E2F-FF8FCBDA0A72}" type="slidenum">
               <a:rPr lang="en-US" smtClean="0"/>
-              <a:t>70</a:t>
+              <a:t>71</a:t>
             </a:fld>
             <a:endParaRPr lang="en-US"/>
           </a:p>
@@ -4296,11 +4297,138 @@
           <a:p>
             <a:r>
               <a:rPr lang="en-US" dirty="0" smtClean="0"/>
-              <a:t>navigating Unix </a:t>
-            </a:r>
-            <a:r>
+              <a:t>navigating Unix systems</a:t>
+            </a:r>
+            <a:br>
               <a:rPr lang="en-US" dirty="0" smtClean="0"/>
-              <a:t>systems</a:t>
+            </a:br>
+            <a:endParaRPr lang="en-US" dirty="0"/>
+          </a:p>
+        </p:txBody>
+      </p:sp>
+      <p:sp>
+        <p:nvSpPr>
+          <p:cNvPr id="3" name="Content Placeholder 2"/>
+          <p:cNvSpPr>
+            <a:spLocks noGrp="1"/>
+          </p:cNvSpPr>
+          <p:nvPr>
+            <p:ph idx="1"/>
+          </p:nvPr>
+        </p:nvSpPr>
+        <p:spPr/>
+        <p:txBody>
+          <a:bodyPr/>
+          <a:lstStyle/>
+          <a:p>
+            <a:r>
+              <a:rPr lang="en-US" dirty="0" smtClean="0"/>
+              <a:t>Files and directories in UNIX systems are organized </a:t>
+            </a:r>
+            <a:r>
+              <a:rPr lang="en-US" i="1" dirty="0" smtClean="0"/>
+              <a:t>hierarchically </a:t>
+            </a:r>
+            <a:endParaRPr lang="en-US" b="0" dirty="0" smtClean="0"/>
+          </a:p>
+          <a:p>
+            <a:pPr marL="457200" indent="-457200">
+              <a:buFont typeface="Arial"/>
+              <a:buChar char="•"/>
+            </a:pPr>
+            <a:endParaRPr lang="en-US" b="0" i="1" dirty="0"/>
+          </a:p>
+          <a:p>
+            <a:endParaRPr lang="en-US" b="0" dirty="0" smtClean="0"/>
+          </a:p>
+          <a:p>
+            <a:endParaRPr lang="en-US" b="0" dirty="0"/>
+          </a:p>
+          <a:p>
+            <a:endParaRPr lang="en-US" dirty="0" smtClean="0"/>
+          </a:p>
+        </p:txBody>
+      </p:sp>
+      <p:pic>
+        <p:nvPicPr>
+          <p:cNvPr id="4" name="Picture 3" descr="directory_hierarchy.pdf"/>
+          <p:cNvPicPr>
+            <a:picLocks noChangeAspect="1"/>
+          </p:cNvPicPr>
+          <p:nvPr/>
+        </p:nvPicPr>
+        <p:blipFill>
+          <a:blip r:embed="rId2">
+            <a:extLst>
+              <a:ext uri="{28A0092B-C50C-407E-A947-70E740481C1C}">
+                <a14:useLocalDpi xmlns:a14="http://schemas.microsoft.com/office/drawing/2010/main" val="0"/>
+              </a:ext>
+            </a:extLst>
+          </a:blip>
+          <a:stretch>
+            <a:fillRect/>
+          </a:stretch>
+        </p:blipFill>
+        <p:spPr>
+          <a:xfrm>
+            <a:off x="1206500" y="2867729"/>
+            <a:ext cx="6731000" cy="3365500"/>
+          </a:xfrm>
+          <a:prstGeom prst="rect">
+            <a:avLst/>
+          </a:prstGeom>
+        </p:spPr>
+      </p:pic>
+    </p:spTree>
+    <p:extLst>
+      <p:ext uri="{BB962C8B-B14F-4D97-AF65-F5344CB8AC3E}">
+        <p14:creationId xmlns:p14="http://schemas.microsoft.com/office/powerpoint/2010/main" val="1622347597"/>
+      </p:ext>
+    </p:extLst>
+  </p:cSld>
+  <p:clrMapOvr>
+    <a:masterClrMapping/>
+  </p:clrMapOvr>
+</p:sld>
+</file>
+
+<file path=ppt/slides/slide11.xml><?xml version="1.0" encoding="utf-8"?>
+<p:sld xmlns:a="http://schemas.openxmlformats.org/drawingml/2006/main" xmlns:r="http://schemas.openxmlformats.org/officeDocument/2006/relationships" xmlns:p="http://schemas.openxmlformats.org/presentationml/2006/main">
+  <p:cSld>
+    <p:spTree>
+      <p:nvGrpSpPr>
+        <p:cNvPr id="1" name=""/>
+        <p:cNvGrpSpPr/>
+        <p:nvPr/>
+      </p:nvGrpSpPr>
+      <p:grpSpPr>
+        <a:xfrm>
+          <a:off x="0" y="0"/>
+          <a:ext cx="0" cy="0"/>
+          <a:chOff x="0" y="0"/>
+          <a:chExt cx="0" cy="0"/>
+        </a:xfrm>
+      </p:grpSpPr>
+      <p:sp>
+        <p:nvSpPr>
+          <p:cNvPr id="2" name="Title 1"/>
+          <p:cNvSpPr>
+            <a:spLocks noGrp="1"/>
+          </p:cNvSpPr>
+          <p:nvPr>
+            <p:ph type="title"/>
+          </p:nvPr>
+        </p:nvSpPr>
+        <p:spPr/>
+        <p:txBody>
+          <a:bodyPr>
+            <a:normAutofit/>
+          </a:bodyPr>
+          <a:lstStyle/>
+          <a:p>
+            <a:r>
+              <a:rPr lang="en-US" dirty="0" smtClean="0"/>
+              <a:t>navigating Unix systems</a:t>
             </a:r>
             <a:br>
               <a:rPr lang="en-US" dirty="0" smtClean="0"/>
@@ -4470,7 +4598,7 @@
 </p:sld>
 </file>
 
-<file path=ppt/slides/slide11.xml><?xml version="1.0" encoding="utf-8"?>
+<file path=ppt/slides/slide12.xml><?xml version="1.0" encoding="utf-8"?>
 <p:sld xmlns:a="http://schemas.openxmlformats.org/drawingml/2006/main" xmlns:r="http://schemas.openxmlformats.org/officeDocument/2006/relationships" xmlns:p="http://schemas.openxmlformats.org/presentationml/2006/main">
   <p:cSld>
     <p:spTree>
@@ -4506,11 +4634,7 @@
           <a:p>
             <a:r>
               <a:rPr lang="en-US" dirty="0" smtClean="0"/>
-              <a:t>navigating Unix </a:t>
-            </a:r>
-            <a:r>
-              <a:rPr lang="en-US" dirty="0" smtClean="0"/>
-              <a:t>systems</a:t>
+              <a:t>navigating Unix systems</a:t>
             </a:r>
             <a:br>
               <a:rPr lang="en-US" dirty="0" smtClean="0"/>
@@ -4819,7 +4943,7 @@
 </p:sld>
 </file>
 
-<file path=ppt/slides/slide12.xml><?xml version="1.0" encoding="utf-8"?>
+<file path=ppt/slides/slide13.xml><?xml version="1.0" encoding="utf-8"?>
 <p:sld xmlns:a="http://schemas.openxmlformats.org/drawingml/2006/main" xmlns:r="http://schemas.openxmlformats.org/officeDocument/2006/relationships" xmlns:p="http://schemas.openxmlformats.org/presentationml/2006/main">
   <p:cSld>
     <p:spTree>
@@ -4855,11 +4979,7 @@
           <a:p>
             <a:r>
               <a:rPr lang="en-US" dirty="0" smtClean="0"/>
-              <a:t>navigating Unix </a:t>
-            </a:r>
-            <a:r>
-              <a:rPr lang="en-US" dirty="0" smtClean="0"/>
-              <a:t>systems</a:t>
+              <a:t>navigating Unix systems</a:t>
             </a:r>
             <a:br>
               <a:rPr lang="en-US" dirty="0" smtClean="0"/>
@@ -4996,7 +5116,7 @@
 </p:sld>
 </file>
 
-<file path=ppt/slides/slide13.xml><?xml version="1.0" encoding="utf-8"?>
+<file path=ppt/slides/slide14.xml><?xml version="1.0" encoding="utf-8"?>
 <p:sld xmlns:a="http://schemas.openxmlformats.org/drawingml/2006/main" xmlns:r="http://schemas.openxmlformats.org/officeDocument/2006/relationships" xmlns:p="http://schemas.openxmlformats.org/presentationml/2006/main">
   <p:cSld>
     <p:spTree>
@@ -5304,7 +5424,7 @@
 </p:sld>
 </file>
 
-<file path=ppt/slides/slide14.xml><?xml version="1.0" encoding="utf-8"?>
+<file path=ppt/slides/slide15.xml><?xml version="1.0" encoding="utf-8"?>
 <p:sld xmlns:a="http://schemas.openxmlformats.org/drawingml/2006/main" xmlns:r="http://schemas.openxmlformats.org/officeDocument/2006/relationships" xmlns:p="http://schemas.openxmlformats.org/presentationml/2006/main">
   <p:cSld>
     <p:spTree>
@@ -5660,11 +5780,7 @@
           <a:p>
             <a:r>
               <a:rPr lang="en-US" dirty="0" smtClean="0"/>
-              <a:t>navigating Unix </a:t>
-            </a:r>
-            <a:r>
-              <a:rPr lang="en-US" dirty="0" smtClean="0"/>
-              <a:t>systems</a:t>
+              <a:t>navigating Unix systems</a:t>
             </a:r>
             <a:br>
               <a:rPr lang="en-US" dirty="0" smtClean="0"/>
@@ -5677,201 +5793,6 @@
     <p:extLst>
       <p:ext uri="{BB962C8B-B14F-4D97-AF65-F5344CB8AC3E}">
         <p14:creationId xmlns:p14="http://schemas.microsoft.com/office/powerpoint/2010/main" val="3837495021"/>
-      </p:ext>
-    </p:extLst>
-  </p:cSld>
-  <p:clrMapOvr>
-    <a:masterClrMapping/>
-  </p:clrMapOvr>
-</p:sld>
-</file>
-
-<file path=ppt/slides/slide15.xml><?xml version="1.0" encoding="utf-8"?>
-<p:sld xmlns:a="http://schemas.openxmlformats.org/drawingml/2006/main" xmlns:r="http://schemas.openxmlformats.org/officeDocument/2006/relationships" xmlns:p="http://schemas.openxmlformats.org/presentationml/2006/main">
-  <p:cSld>
-    <p:spTree>
-      <p:nvGrpSpPr>
-        <p:cNvPr id="1" name=""/>
-        <p:cNvGrpSpPr/>
-        <p:nvPr/>
-      </p:nvGrpSpPr>
-      <p:grpSpPr>
-        <a:xfrm>
-          <a:off x="0" y="0"/>
-          <a:ext cx="0" cy="0"/>
-          <a:chOff x="0" y="0"/>
-          <a:chExt cx="0" cy="0"/>
-        </a:xfrm>
-      </p:grpSpPr>
-      <p:sp>
-        <p:nvSpPr>
-          <p:cNvPr id="3" name="Content Placeholder 2"/>
-          <p:cNvSpPr>
-            <a:spLocks noGrp="1"/>
-          </p:cNvSpPr>
-          <p:nvPr>
-            <p:ph idx="1"/>
-          </p:nvPr>
-        </p:nvSpPr>
-        <p:spPr/>
-        <p:txBody>
-          <a:bodyPr/>
-          <a:lstStyle/>
-          <a:p>
-            <a:r>
-              <a:rPr lang="en-US" dirty="0" smtClean="0"/>
-              <a:t>We move around in our file system with the command </a:t>
-            </a:r>
-            <a:r>
-              <a:rPr lang="en-US" dirty="0" smtClean="0">
-                <a:latin typeface="Monaco"/>
-                <a:cs typeface="Monaco"/>
-              </a:rPr>
-              <a:t>cd</a:t>
-            </a:r>
-            <a:r>
-              <a:rPr lang="en-US" dirty="0" smtClean="0">
-                <a:cs typeface="Monaco"/>
-              </a:rPr>
-              <a:t> </a:t>
-            </a:r>
-            <a:r>
-              <a:rPr lang="en-US" sz="1800" dirty="0" smtClean="0">
-                <a:cs typeface="Monaco"/>
-              </a:rPr>
-              <a:t>(</a:t>
-            </a:r>
-            <a:r>
-              <a:rPr lang="en-US" sz="1800" i="1" dirty="0" smtClean="0">
-                <a:cs typeface="Monaco"/>
-              </a:rPr>
-              <a:t>c</a:t>
-            </a:r>
-            <a:r>
-              <a:rPr lang="en-US" sz="1800" dirty="0" smtClean="0">
-                <a:cs typeface="Monaco"/>
-              </a:rPr>
-              <a:t>hange </a:t>
-            </a:r>
-            <a:r>
-              <a:rPr lang="en-US" sz="1800" i="1" dirty="0" smtClean="0">
-                <a:cs typeface="Monaco"/>
-              </a:rPr>
-              <a:t>d</a:t>
-            </a:r>
-            <a:r>
-              <a:rPr lang="en-US" sz="1800" dirty="0" smtClean="0">
-                <a:cs typeface="Monaco"/>
-              </a:rPr>
-              <a:t>irectory)</a:t>
-            </a:r>
-            <a:endParaRPr lang="en-US" sz="1800" dirty="0" smtClean="0">
-              <a:latin typeface="Monaco"/>
-              <a:cs typeface="Monaco"/>
-            </a:endParaRPr>
-          </a:p>
-          <a:p>
-            <a:endParaRPr lang="en-US" dirty="0" smtClean="0">
-              <a:latin typeface="Monaco"/>
-              <a:cs typeface="Monaco"/>
-            </a:endParaRPr>
-          </a:p>
-          <a:p>
-            <a:pPr marL="914400" lvl="1" indent="-457200">
-              <a:buFont typeface="Arial"/>
-              <a:buChar char="•"/>
-            </a:pPr>
-            <a:r>
-              <a:rPr lang="en-US" dirty="0" smtClean="0">
-                <a:cs typeface="Monaco"/>
-              </a:rPr>
-              <a:t>Absolute, or full, path is the path </a:t>
-            </a:r>
-            <a:r>
-              <a:rPr lang="en-US" i="1" dirty="0" smtClean="0">
-                <a:cs typeface="Monaco"/>
-              </a:rPr>
-              <a:t>from the root</a:t>
-            </a:r>
-          </a:p>
-          <a:p>
-            <a:pPr lvl="1" indent="0">
-              <a:buNone/>
-            </a:pPr>
-            <a:endParaRPr lang="en-US" dirty="0" smtClean="0">
-              <a:cs typeface="Monaco"/>
-            </a:endParaRPr>
-          </a:p>
-          <a:p>
-            <a:pPr marL="914400" lvl="1" indent="-457200">
-              <a:buFont typeface="Arial"/>
-              <a:buChar char="•"/>
-            </a:pPr>
-            <a:r>
-              <a:rPr lang="en-US" dirty="0" smtClean="0">
-                <a:cs typeface="Monaco"/>
-              </a:rPr>
-              <a:t>Relative path is the path </a:t>
-            </a:r>
-            <a:r>
-              <a:rPr lang="en-US" i="1" dirty="0" smtClean="0">
-                <a:cs typeface="Monaco"/>
-              </a:rPr>
-              <a:t>from the working directory </a:t>
-            </a:r>
-            <a:r>
-              <a:rPr lang="en-US" dirty="0" smtClean="0">
-                <a:cs typeface="Monaco"/>
-              </a:rPr>
-              <a:t>(i.e., where you are)</a:t>
-            </a:r>
-            <a:endParaRPr lang="en-US" dirty="0">
-              <a:cs typeface="Monaco"/>
-            </a:endParaRPr>
-          </a:p>
-        </p:txBody>
-      </p:sp>
-      <p:sp>
-        <p:nvSpPr>
-          <p:cNvPr id="5" name="Title 1"/>
-          <p:cNvSpPr>
-            <a:spLocks noGrp="1"/>
-          </p:cNvSpPr>
-          <p:nvPr>
-            <p:ph type="title"/>
-          </p:nvPr>
-        </p:nvSpPr>
-        <p:spPr>
-          <a:xfrm>
-            <a:off x="457199" y="152718"/>
-            <a:ext cx="7620001" cy="1371600"/>
-          </a:xfrm>
-        </p:spPr>
-        <p:txBody>
-          <a:bodyPr>
-            <a:normAutofit/>
-          </a:bodyPr>
-          <a:lstStyle/>
-          <a:p>
-            <a:r>
-              <a:rPr lang="en-US" dirty="0" smtClean="0"/>
-              <a:t>navigating Unix </a:t>
-            </a:r>
-            <a:r>
-              <a:rPr lang="en-US" dirty="0" smtClean="0"/>
-              <a:t>systems</a:t>
-            </a:r>
-            <a:br>
-              <a:rPr lang="en-US" dirty="0" smtClean="0"/>
-            </a:br>
-            <a:endParaRPr lang="en-US" dirty="0"/>
-          </a:p>
-        </p:txBody>
-      </p:sp>
-    </p:spTree>
-    <p:extLst>
-      <p:ext uri="{BB962C8B-B14F-4D97-AF65-F5344CB8AC3E}">
-        <p14:creationId xmlns:p14="http://schemas.microsoft.com/office/powerpoint/2010/main" val="1391586062"/>
       </p:ext>
     </p:extLst>
   </p:cSld>
@@ -5913,6 +5834,197 @@
           <a:bodyPr/>
           <a:lstStyle/>
           <a:p>
+            <a:r>
+              <a:rPr lang="en-US" dirty="0" smtClean="0"/>
+              <a:t>We move around in our file system with the command </a:t>
+            </a:r>
+            <a:r>
+              <a:rPr lang="en-US" dirty="0" smtClean="0">
+                <a:latin typeface="Monaco"/>
+                <a:cs typeface="Monaco"/>
+              </a:rPr>
+              <a:t>cd</a:t>
+            </a:r>
+            <a:r>
+              <a:rPr lang="en-US" dirty="0" smtClean="0">
+                <a:cs typeface="Monaco"/>
+              </a:rPr>
+              <a:t> </a:t>
+            </a:r>
+            <a:r>
+              <a:rPr lang="en-US" sz="1800" dirty="0" smtClean="0">
+                <a:cs typeface="Monaco"/>
+              </a:rPr>
+              <a:t>(</a:t>
+            </a:r>
+            <a:r>
+              <a:rPr lang="en-US" sz="1800" i="1" dirty="0" smtClean="0">
+                <a:cs typeface="Monaco"/>
+              </a:rPr>
+              <a:t>c</a:t>
+            </a:r>
+            <a:r>
+              <a:rPr lang="en-US" sz="1800" dirty="0" smtClean="0">
+                <a:cs typeface="Monaco"/>
+              </a:rPr>
+              <a:t>hange </a:t>
+            </a:r>
+            <a:r>
+              <a:rPr lang="en-US" sz="1800" i="1" dirty="0" smtClean="0">
+                <a:cs typeface="Monaco"/>
+              </a:rPr>
+              <a:t>d</a:t>
+            </a:r>
+            <a:r>
+              <a:rPr lang="en-US" sz="1800" dirty="0" smtClean="0">
+                <a:cs typeface="Monaco"/>
+              </a:rPr>
+              <a:t>irectory)</a:t>
+            </a:r>
+            <a:endParaRPr lang="en-US" sz="1800" dirty="0" smtClean="0">
+              <a:latin typeface="Monaco"/>
+              <a:cs typeface="Monaco"/>
+            </a:endParaRPr>
+          </a:p>
+          <a:p>
+            <a:endParaRPr lang="en-US" dirty="0" smtClean="0">
+              <a:latin typeface="Monaco"/>
+              <a:cs typeface="Monaco"/>
+            </a:endParaRPr>
+          </a:p>
+          <a:p>
+            <a:pPr marL="914400" lvl="1" indent="-457200">
+              <a:buFont typeface="Arial"/>
+              <a:buChar char="•"/>
+            </a:pPr>
+            <a:r>
+              <a:rPr lang="en-US" dirty="0" smtClean="0">
+                <a:cs typeface="Monaco"/>
+              </a:rPr>
+              <a:t>Absolute, or full, path is the path </a:t>
+            </a:r>
+            <a:r>
+              <a:rPr lang="en-US" i="1" dirty="0" smtClean="0">
+                <a:cs typeface="Monaco"/>
+              </a:rPr>
+              <a:t>from the root</a:t>
+            </a:r>
+          </a:p>
+          <a:p>
+            <a:pPr lvl="1" indent="0">
+              <a:buNone/>
+            </a:pPr>
+            <a:endParaRPr lang="en-US" dirty="0" smtClean="0">
+              <a:cs typeface="Monaco"/>
+            </a:endParaRPr>
+          </a:p>
+          <a:p>
+            <a:pPr marL="914400" lvl="1" indent="-457200">
+              <a:buFont typeface="Arial"/>
+              <a:buChar char="•"/>
+            </a:pPr>
+            <a:r>
+              <a:rPr lang="en-US" dirty="0" smtClean="0">
+                <a:cs typeface="Monaco"/>
+              </a:rPr>
+              <a:t>Relative path is the path </a:t>
+            </a:r>
+            <a:r>
+              <a:rPr lang="en-US" i="1" dirty="0" smtClean="0">
+                <a:cs typeface="Monaco"/>
+              </a:rPr>
+              <a:t>from the working directory </a:t>
+            </a:r>
+            <a:r>
+              <a:rPr lang="en-US" dirty="0" smtClean="0">
+                <a:cs typeface="Monaco"/>
+              </a:rPr>
+              <a:t>(i.e., where you are)</a:t>
+            </a:r>
+            <a:endParaRPr lang="en-US" dirty="0">
+              <a:cs typeface="Monaco"/>
+            </a:endParaRPr>
+          </a:p>
+        </p:txBody>
+      </p:sp>
+      <p:sp>
+        <p:nvSpPr>
+          <p:cNvPr id="5" name="Title 1"/>
+          <p:cNvSpPr>
+            <a:spLocks noGrp="1"/>
+          </p:cNvSpPr>
+          <p:nvPr>
+            <p:ph type="title"/>
+          </p:nvPr>
+        </p:nvSpPr>
+        <p:spPr>
+          <a:xfrm>
+            <a:off x="457199" y="152718"/>
+            <a:ext cx="7620001" cy="1371600"/>
+          </a:xfrm>
+        </p:spPr>
+        <p:txBody>
+          <a:bodyPr>
+            <a:normAutofit/>
+          </a:bodyPr>
+          <a:lstStyle/>
+          <a:p>
+            <a:r>
+              <a:rPr lang="en-US" dirty="0" smtClean="0"/>
+              <a:t>navigating Unix systems</a:t>
+            </a:r>
+            <a:br>
+              <a:rPr lang="en-US" dirty="0" smtClean="0"/>
+            </a:br>
+            <a:endParaRPr lang="en-US" dirty="0"/>
+          </a:p>
+        </p:txBody>
+      </p:sp>
+    </p:spTree>
+    <p:extLst>
+      <p:ext uri="{BB962C8B-B14F-4D97-AF65-F5344CB8AC3E}">
+        <p14:creationId xmlns:p14="http://schemas.microsoft.com/office/powerpoint/2010/main" val="1391586062"/>
+      </p:ext>
+    </p:extLst>
+  </p:cSld>
+  <p:clrMapOvr>
+    <a:masterClrMapping/>
+  </p:clrMapOvr>
+</p:sld>
+</file>
+
+<file path=ppt/slides/slide17.xml><?xml version="1.0" encoding="utf-8"?>
+<p:sld xmlns:a="http://schemas.openxmlformats.org/drawingml/2006/main" xmlns:r="http://schemas.openxmlformats.org/officeDocument/2006/relationships" xmlns:p="http://schemas.openxmlformats.org/presentationml/2006/main">
+  <p:cSld>
+    <p:spTree>
+      <p:nvGrpSpPr>
+        <p:cNvPr id="1" name=""/>
+        <p:cNvGrpSpPr/>
+        <p:nvPr/>
+      </p:nvGrpSpPr>
+      <p:grpSpPr>
+        <a:xfrm>
+          <a:off x="0" y="0"/>
+          <a:ext cx="0" cy="0"/>
+          <a:chOff x="0" y="0"/>
+          <a:chExt cx="0" cy="0"/>
+        </a:xfrm>
+      </p:grpSpPr>
+      <p:sp>
+        <p:nvSpPr>
+          <p:cNvPr id="3" name="Content Placeholder 2"/>
+          <p:cNvSpPr>
+            <a:spLocks noGrp="1"/>
+          </p:cNvSpPr>
+          <p:nvPr>
+            <p:ph idx="1"/>
+          </p:nvPr>
+        </p:nvSpPr>
+        <p:spPr/>
+        <p:txBody>
+          <a:bodyPr/>
+          <a:lstStyle/>
+          <a:p>
             <a:pPr marL="457200" indent="-457200">
               <a:buFont typeface="Arial"/>
               <a:buChar char="•"/>
@@ -6005,7 +6117,7 @@
 </p:sld>
 </file>
 
-<file path=ppt/slides/slide17.xml><?xml version="1.0" encoding="utf-8"?>
+<file path=ppt/slides/slide18.xml><?xml version="1.0" encoding="utf-8"?>
 <p:sld xmlns:a="http://schemas.openxmlformats.org/drawingml/2006/main" xmlns:r="http://schemas.openxmlformats.org/officeDocument/2006/relationships" xmlns:p="http://schemas.openxmlformats.org/presentationml/2006/main">
   <p:cSld>
     <p:spTree>
@@ -6733,202 +6845,6 @@
 </p:sld>
 </file>
 
-<file path=ppt/slides/slide18.xml><?xml version="1.0" encoding="utf-8"?>
-<p:sld xmlns:a="http://schemas.openxmlformats.org/drawingml/2006/main" xmlns:r="http://schemas.openxmlformats.org/officeDocument/2006/relationships" xmlns:p="http://schemas.openxmlformats.org/presentationml/2006/main">
-  <p:cSld>
-    <p:spTree>
-      <p:nvGrpSpPr>
-        <p:cNvPr id="1" name=""/>
-        <p:cNvGrpSpPr/>
-        <p:nvPr/>
-      </p:nvGrpSpPr>
-      <p:grpSpPr>
-        <a:xfrm>
-          <a:off x="0" y="0"/>
-          <a:ext cx="0" cy="0"/>
-          <a:chOff x="0" y="0"/>
-          <a:chExt cx="0" cy="0"/>
-        </a:xfrm>
-      </p:grpSpPr>
-      <p:sp>
-        <p:nvSpPr>
-          <p:cNvPr id="2" name="Title 1"/>
-          <p:cNvSpPr>
-            <a:spLocks noGrp="1"/>
-          </p:cNvSpPr>
-          <p:nvPr>
-            <p:ph type="title"/>
-          </p:nvPr>
-        </p:nvSpPr>
-        <p:spPr/>
-        <p:txBody>
-          <a:bodyPr/>
-          <a:lstStyle/>
-          <a:p>
-            <a:r>
-              <a:rPr lang="en-US" dirty="0" smtClean="0"/>
-              <a:t>enter</a:t>
-            </a:r>
-            <a:r>
-              <a:rPr lang="en-US" dirty="0" smtClean="0"/>
-              <a:t>, python</a:t>
-            </a:r>
-            <a:r>
-              <a:rPr lang="en-US" dirty="0" smtClean="0"/>
-              <a:t>!</a:t>
-            </a:r>
-            <a:endParaRPr lang="en-US" dirty="0"/>
-          </a:p>
-        </p:txBody>
-      </p:sp>
-      <p:sp>
-        <p:nvSpPr>
-          <p:cNvPr id="3" name="Content Placeholder 2"/>
-          <p:cNvSpPr>
-            <a:spLocks noGrp="1"/>
-          </p:cNvSpPr>
-          <p:nvPr>
-            <p:ph idx="1"/>
-          </p:nvPr>
-        </p:nvSpPr>
-        <p:spPr/>
-        <p:txBody>
-          <a:bodyPr/>
-          <a:lstStyle/>
-          <a:p>
-            <a:pPr marL="457200" indent="-457200">
-              <a:buFont typeface="Arial"/>
-              <a:buChar char="•"/>
-            </a:pPr>
-            <a:r>
-              <a:rPr lang="en-US" dirty="0"/>
-              <a:t>Python is an </a:t>
-            </a:r>
-            <a:r>
-              <a:rPr lang="en-US" i="1" dirty="0"/>
-              <a:t>interpreted</a:t>
-            </a:r>
-            <a:r>
-              <a:rPr lang="en-US" dirty="0"/>
-              <a:t> language</a:t>
-            </a:r>
-          </a:p>
-          <a:p>
-            <a:pPr marL="914400" lvl="1" indent="-457200">
-              <a:buFont typeface="Arial"/>
-              <a:buChar char="•"/>
-            </a:pPr>
-            <a:r>
-              <a:rPr lang="en-US" dirty="0"/>
-              <a:t>We can code either using the interpreter directly or using </a:t>
-            </a:r>
-            <a:r>
-              <a:rPr lang="en-US" i="1" dirty="0"/>
-              <a:t>scripts</a:t>
-            </a:r>
-            <a:r>
-              <a:rPr lang="en-US" dirty="0"/>
-              <a:t> (text files with python code)</a:t>
-            </a:r>
-          </a:p>
-          <a:p>
-            <a:pPr marL="457200" indent="-457200">
-              <a:buFont typeface="Arial"/>
-              <a:buChar char="•"/>
-            </a:pPr>
-            <a:endParaRPr lang="en-US" dirty="0" smtClean="0"/>
-          </a:p>
-          <a:p>
-            <a:pPr marL="457200" indent="-457200">
-              <a:buFont typeface="Arial"/>
-              <a:buChar char="•"/>
-            </a:pPr>
-            <a:r>
-              <a:rPr lang="en-US" dirty="0" smtClean="0"/>
-              <a:t>Python is an </a:t>
-            </a:r>
-            <a:r>
-              <a:rPr lang="en-US" i="1" dirty="0" smtClean="0"/>
-              <a:t>object-oriented language</a:t>
-            </a:r>
-            <a:endParaRPr lang="en-US" dirty="0" smtClean="0"/>
-          </a:p>
-          <a:p>
-            <a:pPr marL="914400" lvl="1" indent="-457200">
-              <a:buFont typeface="Arial"/>
-              <a:buChar char="•"/>
-            </a:pPr>
-            <a:r>
-              <a:rPr lang="en-US" dirty="0" err="1" smtClean="0"/>
-              <a:t>object.method</a:t>
-            </a:r>
-            <a:r>
-              <a:rPr lang="en-US" dirty="0" smtClean="0"/>
-              <a:t>()   </a:t>
-            </a:r>
-            <a:r>
-              <a:rPr lang="en-US" dirty="0" smtClean="0">
-                <a:sym typeface="Wingdings"/>
-              </a:rPr>
-              <a:t> perform an action </a:t>
-            </a:r>
-            <a:r>
-              <a:rPr lang="en-US" i="1" dirty="0" smtClean="0">
-                <a:sym typeface="Wingdings"/>
-              </a:rPr>
-              <a:t>on</a:t>
-            </a:r>
-            <a:r>
-              <a:rPr lang="en-US" dirty="0" smtClean="0">
-                <a:sym typeface="Wingdings"/>
-              </a:rPr>
-              <a:t> object</a:t>
-            </a:r>
-            <a:endParaRPr lang="en-US" dirty="0" smtClean="0"/>
-          </a:p>
-          <a:p>
-            <a:pPr marL="914400" lvl="1" indent="-457200">
-              <a:buFont typeface="Arial"/>
-              <a:buChar char="•"/>
-            </a:pPr>
-            <a:r>
-              <a:rPr lang="en-US" dirty="0" err="1" smtClean="0"/>
-              <a:t>object.attribute</a:t>
-            </a:r>
-            <a:r>
-              <a:rPr lang="en-US" dirty="0" smtClean="0"/>
-              <a:t>    </a:t>
-            </a:r>
-            <a:r>
-              <a:rPr lang="en-US" dirty="0" smtClean="0">
-                <a:sym typeface="Wingdings"/>
-              </a:rPr>
-              <a:t> see an aspect of the object</a:t>
-            </a:r>
-            <a:endParaRPr lang="en-US" dirty="0" smtClean="0"/>
-          </a:p>
-          <a:p>
-            <a:pPr marL="914400" lvl="1" indent="-457200">
-              <a:buFont typeface="Arial"/>
-              <a:buChar char="•"/>
-            </a:pPr>
-            <a:endParaRPr lang="en-US" dirty="0"/>
-          </a:p>
-        </p:txBody>
-      </p:sp>
-    </p:spTree>
-    <p:extLst>
-      <p:ext uri="{BB962C8B-B14F-4D97-AF65-F5344CB8AC3E}">
-        <p14:creationId xmlns:p14="http://schemas.microsoft.com/office/powerpoint/2010/main" val="1035205068"/>
-      </p:ext>
-    </p:extLst>
-  </p:cSld>
-  <p:clrMapOvr>
-    <a:masterClrMapping/>
-  </p:clrMapOvr>
-</p:sld>
-</file>
-
 <file path=ppt/slides/slide19.xml><?xml version="1.0" encoding="utf-8"?>
 <p:sld xmlns:a="http://schemas.openxmlformats.org/drawingml/2006/main" xmlns:r="http://schemas.openxmlformats.org/officeDocument/2006/relationships" xmlns:p="http://schemas.openxmlformats.org/presentationml/2006/main">
   <p:cSld>
@@ -6958,18 +6874,12 @@
         </p:nvSpPr>
         <p:spPr/>
         <p:txBody>
-          <a:bodyPr>
-            <a:normAutofit/>
-          </a:bodyPr>
+          <a:bodyPr/>
           <a:lstStyle/>
           <a:p>
             <a:r>
               <a:rPr lang="en-US" dirty="0" smtClean="0"/>
-              <a:t>Python data </a:t>
-            </a:r>
-            <a:r>
-              <a:rPr lang="en-US" dirty="0" smtClean="0"/>
-              <a:t>types</a:t>
+              <a:t>enter, python!</a:t>
             </a:r>
             <a:endParaRPr lang="en-US" dirty="0"/>
           </a:p>
@@ -6987,9 +6897,7 @@
         </p:nvSpPr>
         <p:spPr/>
         <p:txBody>
-          <a:bodyPr>
-            <a:normAutofit fontScale="92500" lnSpcReduction="10000"/>
-          </a:bodyPr>
+          <a:bodyPr/>
           <a:lstStyle/>
           <a:p>
             <a:pPr marL="457200" indent="-457200">
@@ -6997,28 +6905,16 @@
               <a:buChar char="•"/>
             </a:pPr>
             <a:r>
-              <a:rPr lang="en-US" dirty="0" smtClean="0"/>
-              <a:t>Each defined variable has a </a:t>
-            </a:r>
-            <a:r>
-              <a:rPr lang="en-US" i="1" dirty="0" smtClean="0"/>
-              <a:t>name</a:t>
-            </a:r>
-            <a:r>
-              <a:rPr lang="en-US" dirty="0" smtClean="0"/>
-              <a:t>, </a:t>
-            </a:r>
-            <a:r>
-              <a:rPr lang="en-US" i="1" dirty="0" smtClean="0"/>
-              <a:t>value</a:t>
-            </a:r>
-            <a:r>
-              <a:rPr lang="en-US" dirty="0" smtClean="0"/>
-              <a:t>, and </a:t>
-            </a:r>
-            <a:r>
-              <a:rPr lang="en-US" i="1" dirty="0" smtClean="0"/>
-              <a:t>type</a:t>
+              <a:rPr lang="en-US" dirty="0"/>
+              <a:t>Python is an </a:t>
+            </a:r>
+            <a:r>
+              <a:rPr lang="en-US" i="1" dirty="0"/>
+              <a:t>interpreted</a:t>
+            </a:r>
+            <a:r>
+              <a:rPr lang="en-US" dirty="0"/>
+              <a:t> language</a:t>
             </a:r>
           </a:p>
           <a:p>
@@ -7027,34 +6923,72 @@
               <a:buChar char="•"/>
             </a:pPr>
             <a:r>
+              <a:rPr lang="en-US" dirty="0"/>
+              <a:t>We can code either using the interpreter directly or using </a:t>
+            </a:r>
+            <a:r>
+              <a:rPr lang="en-US" i="1" dirty="0"/>
+              <a:t>scripts</a:t>
+            </a:r>
+            <a:r>
+              <a:rPr lang="en-US" dirty="0"/>
+              <a:t> (text files with python code)</a:t>
+            </a:r>
+          </a:p>
+          <a:p>
+            <a:pPr marL="457200" indent="-457200">
+              <a:buFont typeface="Arial"/>
+              <a:buChar char="•"/>
+            </a:pPr>
+            <a:endParaRPr lang="en-US" dirty="0" smtClean="0"/>
+          </a:p>
+          <a:p>
+            <a:pPr marL="457200" indent="-457200">
+              <a:buFont typeface="Arial"/>
+              <a:buChar char="•"/>
+            </a:pPr>
+            <a:r>
               <a:rPr lang="en-US" dirty="0" smtClean="0"/>
-              <a:t>The </a:t>
+              <a:t>Python is an </a:t>
             </a:r>
             <a:r>
               <a:rPr lang="en-US" i="1" dirty="0" smtClean="0"/>
-              <a:t>type</a:t>
-            </a:r>
-            <a:r>
-              <a:rPr lang="en-US" dirty="0" smtClean="0"/>
-              <a:t> determines what you can do with the variable</a:t>
-            </a:r>
+              <a:t>object-oriented language</a:t>
+            </a:r>
+            <a:endParaRPr lang="en-US" dirty="0" smtClean="0"/>
           </a:p>
           <a:p>
             <a:pPr marL="914400" lvl="1" indent="-457200">
               <a:buFont typeface="Arial"/>
               <a:buChar char="•"/>
             </a:pPr>
+            <a:r>
+              <a:rPr lang="en-US" dirty="0" err="1" smtClean="0"/>
+              <a:t>object.method</a:t>
+            </a:r>
+            <a:r>
+              <a:rPr lang="en-US" dirty="0" smtClean="0"/>
+              <a:t>()   </a:t>
+            </a:r>
+            <a:r>
+              <a:rPr lang="en-US" dirty="0" smtClean="0">
+                <a:sym typeface="Wingdings"/>
+              </a:rPr>
+              <a:t> perform an action </a:t>
+            </a:r>
+            <a:r>
+              <a:rPr lang="en-US" i="1" dirty="0" smtClean="0">
+                <a:sym typeface="Wingdings"/>
+              </a:rPr>
+              <a:t>on</a:t>
+            </a:r>
+            <a:r>
+              <a:rPr lang="en-US" dirty="0" smtClean="0">
+                <a:sym typeface="Wingdings"/>
+              </a:rPr>
+              <a:t> object</a:t>
+            </a:r>
             <a:endParaRPr lang="en-US" dirty="0" smtClean="0"/>
-          </a:p>
-          <a:p>
-            <a:pPr marL="457200" indent="-457200">
-              <a:buFont typeface="Arial"/>
-              <a:buChar char="•"/>
-            </a:pPr>
-            <a:r>
-              <a:rPr lang="en-US" dirty="0" smtClean="0"/>
-              <a:t>We will cover the basics:</a:t>
-            </a:r>
           </a:p>
           <a:p>
             <a:pPr marL="914400" lvl="1" indent="-457200">
@@ -7062,52 +6996,26 @@
               <a:buChar char="•"/>
             </a:pPr>
             <a:r>
+              <a:rPr lang="en-US" dirty="0" err="1" smtClean="0"/>
+              <a:t>object.attribute</a:t>
+            </a:r>
+            <a:r>
               <a:rPr lang="en-US" dirty="0" smtClean="0"/>
-              <a:t>Integers</a:t>
-            </a:r>
+              <a:t>    </a:t>
+            </a:r>
+            <a:r>
+              <a:rPr lang="en-US" dirty="0" smtClean="0">
+                <a:sym typeface="Wingdings"/>
+              </a:rPr>
+              <a:t> see an aspect of the object</a:t>
+            </a:r>
+            <a:endParaRPr lang="en-US" dirty="0" smtClean="0"/>
           </a:p>
           <a:p>
             <a:pPr marL="914400" lvl="1" indent="-457200">
               <a:buFont typeface="Arial"/>
               <a:buChar char="•"/>
             </a:pPr>
-            <a:r>
-              <a:rPr lang="en-US" dirty="0" smtClean="0"/>
-              <a:t>Floats</a:t>
-            </a:r>
-          </a:p>
-          <a:p>
-            <a:pPr marL="914400" lvl="1" indent="-457200">
-              <a:buFont typeface="Arial"/>
-              <a:buChar char="•"/>
-            </a:pPr>
-            <a:r>
-              <a:rPr lang="en-US" dirty="0" smtClean="0"/>
-              <a:t>Lists       </a:t>
-            </a:r>
-          </a:p>
-          <a:p>
-            <a:pPr marL="914400" lvl="1" indent="-457200">
-              <a:buFont typeface="Arial"/>
-              <a:buChar char="•"/>
-            </a:pPr>
-            <a:r>
-              <a:rPr lang="en-US" dirty="0" smtClean="0"/>
-              <a:t>Strings</a:t>
-            </a:r>
-          </a:p>
-          <a:p>
-            <a:pPr marL="914400" lvl="1" indent="-457200">
-              <a:buFont typeface="Arial"/>
-              <a:buChar char="•"/>
-            </a:pPr>
-            <a:r>
-              <a:rPr lang="en-US" dirty="0" smtClean="0"/>
-              <a:t>Dictionaries (tomorrow)</a:t>
-            </a:r>
-            <a:endParaRPr lang="en-US" dirty="0"/>
-          </a:p>
-          <a:p>
             <a:endParaRPr lang="en-US" dirty="0"/>
           </a:p>
         </p:txBody>
@@ -7115,7 +7023,7 @@
     </p:spTree>
     <p:extLst>
       <p:ext uri="{BB962C8B-B14F-4D97-AF65-F5344CB8AC3E}">
-        <p14:creationId xmlns:p14="http://schemas.microsoft.com/office/powerpoint/2010/main" val="1297169505"/>
+        <p14:creationId xmlns:p14="http://schemas.microsoft.com/office/powerpoint/2010/main" val="1035205068"/>
       </p:ext>
     </p:extLst>
   </p:cSld>
@@ -7159,11 +7067,7 @@
           <a:p>
             <a:r>
               <a:rPr lang="en-US" dirty="0" smtClean="0"/>
-              <a:t>Topics we’ll cover</a:t>
-            </a:r>
-            <a:r>
-              <a:rPr lang="en-US" dirty="0" smtClean="0"/>
-              <a:t>:</a:t>
+              <a:t>Topics we’ll cover:</a:t>
             </a:r>
             <a:br>
               <a:rPr lang="en-US" dirty="0" smtClean="0"/>
@@ -7325,165 +7229,160 @@
         </p:nvSpPr>
         <p:spPr/>
         <p:txBody>
-          <a:bodyPr/>
+          <a:bodyPr>
+            <a:normAutofit/>
+          </a:bodyPr>
           <a:lstStyle/>
           <a:p>
             <a:r>
               <a:rPr lang="en-US" dirty="0" smtClean="0"/>
-              <a:t>Integers and </a:t>
-            </a:r>
+              <a:t>Python data types</a:t>
+            </a:r>
+            <a:endParaRPr lang="en-US" dirty="0"/>
+          </a:p>
+        </p:txBody>
+      </p:sp>
+      <p:sp>
+        <p:nvSpPr>
+          <p:cNvPr id="3" name="Content Placeholder 2"/>
+          <p:cNvSpPr>
+            <a:spLocks noGrp="1"/>
+          </p:cNvSpPr>
+          <p:nvPr>
+            <p:ph idx="1"/>
+          </p:nvPr>
+        </p:nvSpPr>
+        <p:spPr/>
+        <p:txBody>
+          <a:bodyPr>
+            <a:normAutofit fontScale="92500" lnSpcReduction="10000"/>
+          </a:bodyPr>
+          <a:lstStyle/>
+          <a:p>
+            <a:pPr marL="457200" indent="-457200">
+              <a:buFont typeface="Arial"/>
+              <a:buChar char="•"/>
+            </a:pPr>
             <a:r>
               <a:rPr lang="en-US" dirty="0" smtClean="0"/>
-              <a:t>floats</a:t>
+              <a:t>Each defined variable has a </a:t>
+            </a:r>
+            <a:r>
+              <a:rPr lang="en-US" i="1" dirty="0" smtClean="0"/>
+              <a:t>name</a:t>
+            </a:r>
+            <a:r>
+              <a:rPr lang="en-US" dirty="0" smtClean="0"/>
+              <a:t>, </a:t>
+            </a:r>
+            <a:r>
+              <a:rPr lang="en-US" i="1" dirty="0" smtClean="0"/>
+              <a:t>value</a:t>
+            </a:r>
+            <a:r>
+              <a:rPr lang="en-US" dirty="0" smtClean="0"/>
+              <a:t>, and </a:t>
+            </a:r>
+            <a:r>
+              <a:rPr lang="en-US" i="1" dirty="0" smtClean="0"/>
+              <a:t>type</a:t>
+            </a:r>
+          </a:p>
+          <a:p>
+            <a:pPr marL="914400" lvl="1" indent="-457200">
+              <a:buFont typeface="Arial"/>
+              <a:buChar char="•"/>
+            </a:pPr>
+            <a:r>
+              <a:rPr lang="en-US" dirty="0" smtClean="0"/>
+              <a:t>The </a:t>
+            </a:r>
+            <a:r>
+              <a:rPr lang="en-US" i="1" dirty="0" smtClean="0"/>
+              <a:t>type</a:t>
+            </a:r>
+            <a:r>
+              <a:rPr lang="en-US" dirty="0" smtClean="0"/>
+              <a:t> determines what you can do with the variable</a:t>
+            </a:r>
+          </a:p>
+          <a:p>
+            <a:pPr marL="914400" lvl="1" indent="-457200">
+              <a:buFont typeface="Arial"/>
+              <a:buChar char="•"/>
+            </a:pPr>
+            <a:endParaRPr lang="en-US" dirty="0" smtClean="0"/>
+          </a:p>
+          <a:p>
+            <a:pPr marL="457200" indent="-457200">
+              <a:buFont typeface="Arial"/>
+              <a:buChar char="•"/>
+            </a:pPr>
+            <a:r>
+              <a:rPr lang="en-US" dirty="0" smtClean="0"/>
+              <a:t>We will cover the basics:</a:t>
+            </a:r>
+          </a:p>
+          <a:p>
+            <a:pPr marL="914400" lvl="1" indent="-457200">
+              <a:buFont typeface="Arial"/>
+              <a:buChar char="•"/>
+            </a:pPr>
+            <a:r>
+              <a:rPr lang="en-US" dirty="0" smtClean="0"/>
+              <a:t>Integers</a:t>
+            </a:r>
+          </a:p>
+          <a:p>
+            <a:pPr marL="914400" lvl="1" indent="-457200">
+              <a:buFont typeface="Arial"/>
+              <a:buChar char="•"/>
+            </a:pPr>
+            <a:r>
+              <a:rPr lang="en-US" dirty="0" smtClean="0"/>
+              <a:t>Floats</a:t>
+            </a:r>
+          </a:p>
+          <a:p>
+            <a:pPr marL="914400" lvl="1" indent="-457200">
+              <a:buFont typeface="Arial"/>
+              <a:buChar char="•"/>
+            </a:pPr>
+            <a:r>
+              <a:rPr lang="en-US" dirty="0" smtClean="0"/>
+              <a:t>Lists       </a:t>
+            </a:r>
+          </a:p>
+          <a:p>
+            <a:pPr marL="914400" lvl="1" indent="-457200">
+              <a:buFont typeface="Arial"/>
+              <a:buChar char="•"/>
+            </a:pPr>
+            <a:r>
+              <a:rPr lang="en-US" dirty="0" smtClean="0"/>
+              <a:t>Strings</a:t>
+            </a:r>
+          </a:p>
+          <a:p>
+            <a:pPr marL="914400" lvl="1" indent="-457200">
+              <a:buFont typeface="Arial"/>
+              <a:buChar char="•"/>
+            </a:pPr>
+            <a:r>
+              <a:rPr lang="en-US" dirty="0" smtClean="0"/>
+              <a:t>Dictionaries (tomorrow)</a:t>
             </a:r>
             <a:endParaRPr lang="en-US" dirty="0"/>
           </a:p>
-        </p:txBody>
-      </p:sp>
-      <p:sp>
-        <p:nvSpPr>
-          <p:cNvPr id="5" name="TextBox 4"/>
-          <p:cNvSpPr txBox="1"/>
-          <p:nvPr/>
-        </p:nvSpPr>
-        <p:spPr>
-          <a:xfrm>
-            <a:off x="658612" y="2351642"/>
-            <a:ext cx="4891953" cy="1200329"/>
-          </a:xfrm>
-          <a:prstGeom prst="rect">
-            <a:avLst/>
-          </a:prstGeom>
-          <a:noFill/>
-        </p:spPr>
-        <p:txBody>
-          <a:bodyPr wrap="square" rtlCol="0">
-            <a:spAutoFit/>
-          </a:bodyPr>
-          <a:lstStyle/>
-          <a:p>
-            <a:r>
-              <a:rPr lang="en-US" dirty="0" smtClean="0">
-                <a:latin typeface="Monaco"/>
-                <a:cs typeface="Monaco"/>
-              </a:rPr>
-              <a:t># Define some integer variables</a:t>
-            </a:r>
-          </a:p>
-          <a:p>
-            <a:r>
-              <a:rPr lang="en-US" dirty="0" smtClean="0">
-                <a:latin typeface="Monaco"/>
-                <a:cs typeface="Monaco"/>
-              </a:rPr>
-              <a:t>a = 5</a:t>
-            </a:r>
-          </a:p>
-          <a:p>
-            <a:r>
-              <a:rPr lang="en-US" dirty="0" smtClean="0">
-                <a:latin typeface="Monaco"/>
-                <a:cs typeface="Monaco"/>
-              </a:rPr>
-              <a:t>b = -33</a:t>
-            </a:r>
-          </a:p>
-          <a:p>
-            <a:r>
-              <a:rPr lang="en-US" dirty="0" smtClean="0">
-                <a:latin typeface="Monaco"/>
-                <a:cs typeface="Monaco"/>
-              </a:rPr>
-              <a:t>c = 0</a:t>
-            </a:r>
-            <a:endParaRPr lang="en-US" dirty="0">
-              <a:latin typeface="Monaco"/>
-              <a:cs typeface="Monaco"/>
-            </a:endParaRPr>
-          </a:p>
-        </p:txBody>
-      </p:sp>
-      <p:sp>
-        <p:nvSpPr>
-          <p:cNvPr id="6" name="TextBox 5"/>
-          <p:cNvSpPr txBox="1"/>
-          <p:nvPr/>
-        </p:nvSpPr>
-        <p:spPr>
-          <a:xfrm>
-            <a:off x="658611" y="3916319"/>
-            <a:ext cx="4643288" cy="1200329"/>
-          </a:xfrm>
-          <a:prstGeom prst="rect">
-            <a:avLst/>
-          </a:prstGeom>
-          <a:noFill/>
-        </p:spPr>
-        <p:txBody>
-          <a:bodyPr wrap="square" rtlCol="0">
-            <a:spAutoFit/>
-          </a:bodyPr>
-          <a:lstStyle/>
-          <a:p>
-            <a:r>
-              <a:rPr lang="en-US" dirty="0" smtClean="0">
-                <a:latin typeface="Monaco"/>
-                <a:cs typeface="Monaco"/>
-              </a:rPr>
-              <a:t># Define some float variables</a:t>
-            </a:r>
-          </a:p>
-          <a:p>
-            <a:r>
-              <a:rPr lang="en-US" dirty="0" smtClean="0">
-                <a:latin typeface="Monaco"/>
-                <a:cs typeface="Monaco"/>
-              </a:rPr>
-              <a:t>d = 5.67</a:t>
-            </a:r>
-          </a:p>
-          <a:p>
-            <a:r>
-              <a:rPr lang="en-US" dirty="0">
-                <a:latin typeface="Monaco"/>
-                <a:cs typeface="Monaco"/>
-              </a:rPr>
-              <a:t>e</a:t>
-            </a:r>
-            <a:r>
-              <a:rPr lang="en-US" dirty="0" smtClean="0">
-                <a:latin typeface="Monaco"/>
-                <a:cs typeface="Monaco"/>
-              </a:rPr>
-              <a:t> = -33.2</a:t>
-            </a:r>
-          </a:p>
-          <a:p>
-            <a:r>
-              <a:rPr lang="en-US" dirty="0">
-                <a:latin typeface="Monaco"/>
-                <a:cs typeface="Monaco"/>
-              </a:rPr>
-              <a:t>f</a:t>
-            </a:r>
-            <a:r>
-              <a:rPr lang="en-US" dirty="0" smtClean="0">
-                <a:latin typeface="Monaco"/>
-                <a:cs typeface="Monaco"/>
-              </a:rPr>
-              <a:t> = 0.</a:t>
-            </a:r>
-            <a:endParaRPr lang="en-US" dirty="0">
-              <a:latin typeface="Monaco"/>
-              <a:cs typeface="Monaco"/>
-            </a:endParaRPr>
+          <a:p>
+            <a:endParaRPr lang="en-US" dirty="0"/>
           </a:p>
         </p:txBody>
       </p:sp>
     </p:spTree>
     <p:extLst>
       <p:ext uri="{BB962C8B-B14F-4D97-AF65-F5344CB8AC3E}">
-        <p14:creationId xmlns:p14="http://schemas.microsoft.com/office/powerpoint/2010/main" val="3577108628"/>
+        <p14:creationId xmlns:p14="http://schemas.microsoft.com/office/powerpoint/2010/main" val="1297169505"/>
       </p:ext>
     </p:extLst>
   </p:cSld>
@@ -7527,11 +7426,200 @@
           <a:p>
             <a:r>
               <a:rPr lang="en-US" dirty="0" smtClean="0"/>
-              <a:t>Integers and </a:t>
-            </a:r>
+              <a:t>Integers and floats</a:t>
+            </a:r>
+            <a:endParaRPr lang="en-US" dirty="0"/>
+          </a:p>
+        </p:txBody>
+      </p:sp>
+      <p:sp>
+        <p:nvSpPr>
+          <p:cNvPr id="5" name="TextBox 4"/>
+          <p:cNvSpPr txBox="1"/>
+          <p:nvPr/>
+        </p:nvSpPr>
+        <p:spPr>
+          <a:xfrm>
+            <a:off x="658612" y="2351642"/>
+            <a:ext cx="4891953" cy="1200329"/>
+          </a:xfrm>
+          <a:prstGeom prst="rect">
+            <a:avLst/>
+          </a:prstGeom>
+          <a:noFill/>
+        </p:spPr>
+        <p:txBody>
+          <a:bodyPr wrap="square" rtlCol="0">
+            <a:spAutoFit/>
+          </a:bodyPr>
+          <a:lstStyle/>
+          <a:p>
+            <a:r>
+              <a:rPr lang="en-US" dirty="0" smtClean="0">
+                <a:latin typeface="Monaco"/>
+                <a:cs typeface="Monaco"/>
+              </a:rPr>
+              <a:t># Define some integer variables</a:t>
+            </a:r>
+          </a:p>
+          <a:p>
+            <a:r>
+              <a:rPr lang="en-US" dirty="0" smtClean="0">
+                <a:latin typeface="Monaco"/>
+                <a:cs typeface="Monaco"/>
+              </a:rPr>
+              <a:t>a = 5</a:t>
+            </a:r>
+          </a:p>
+          <a:p>
+            <a:r>
+              <a:rPr lang="en-US" dirty="0" smtClean="0">
+                <a:latin typeface="Monaco"/>
+                <a:cs typeface="Monaco"/>
+              </a:rPr>
+              <a:t>b = -33</a:t>
+            </a:r>
+          </a:p>
+          <a:p>
+            <a:r>
+              <a:rPr lang="en-US" dirty="0" smtClean="0">
+                <a:latin typeface="Monaco"/>
+                <a:cs typeface="Monaco"/>
+              </a:rPr>
+              <a:t>c = 0</a:t>
+            </a:r>
+            <a:endParaRPr lang="en-US" dirty="0">
+              <a:latin typeface="Monaco"/>
+              <a:cs typeface="Monaco"/>
+            </a:endParaRPr>
+          </a:p>
+        </p:txBody>
+      </p:sp>
+      <p:sp>
+        <p:nvSpPr>
+          <p:cNvPr id="6" name="TextBox 5"/>
+          <p:cNvSpPr txBox="1"/>
+          <p:nvPr/>
+        </p:nvSpPr>
+        <p:spPr>
+          <a:xfrm>
+            <a:off x="658611" y="3916319"/>
+            <a:ext cx="4643288" cy="1200329"/>
+          </a:xfrm>
+          <a:prstGeom prst="rect">
+            <a:avLst/>
+          </a:prstGeom>
+          <a:noFill/>
+        </p:spPr>
+        <p:txBody>
+          <a:bodyPr wrap="square" rtlCol="0">
+            <a:spAutoFit/>
+          </a:bodyPr>
+          <a:lstStyle/>
+          <a:p>
+            <a:r>
+              <a:rPr lang="en-US" dirty="0" smtClean="0">
+                <a:latin typeface="Monaco"/>
+                <a:cs typeface="Monaco"/>
+              </a:rPr>
+              <a:t># Define some float variables</a:t>
+            </a:r>
+          </a:p>
+          <a:p>
+            <a:r>
+              <a:rPr lang="en-US" dirty="0" smtClean="0">
+                <a:latin typeface="Monaco"/>
+                <a:cs typeface="Monaco"/>
+              </a:rPr>
+              <a:t>d = 5.67</a:t>
+            </a:r>
+          </a:p>
+          <a:p>
+            <a:r>
+              <a:rPr lang="en-US" dirty="0">
+                <a:latin typeface="Monaco"/>
+                <a:cs typeface="Monaco"/>
+              </a:rPr>
+              <a:t>e</a:t>
+            </a:r>
+            <a:r>
+              <a:rPr lang="en-US" dirty="0" smtClean="0">
+                <a:latin typeface="Monaco"/>
+                <a:cs typeface="Monaco"/>
+              </a:rPr>
+              <a:t> = -33.2</a:t>
+            </a:r>
+          </a:p>
+          <a:p>
+            <a:r>
+              <a:rPr lang="en-US" dirty="0">
+                <a:latin typeface="Monaco"/>
+                <a:cs typeface="Monaco"/>
+              </a:rPr>
+              <a:t>f</a:t>
+            </a:r>
+            <a:r>
+              <a:rPr lang="en-US" dirty="0" smtClean="0">
+                <a:latin typeface="Monaco"/>
+                <a:cs typeface="Monaco"/>
+              </a:rPr>
+              <a:t> = 0.</a:t>
+            </a:r>
+            <a:endParaRPr lang="en-US" dirty="0">
+              <a:latin typeface="Monaco"/>
+              <a:cs typeface="Monaco"/>
+            </a:endParaRPr>
+          </a:p>
+        </p:txBody>
+      </p:sp>
+    </p:spTree>
+    <p:extLst>
+      <p:ext uri="{BB962C8B-B14F-4D97-AF65-F5344CB8AC3E}">
+        <p14:creationId xmlns:p14="http://schemas.microsoft.com/office/powerpoint/2010/main" val="3577108628"/>
+      </p:ext>
+    </p:extLst>
+  </p:cSld>
+  <p:clrMapOvr>
+    <a:masterClrMapping/>
+  </p:clrMapOvr>
+</p:sld>
+</file>
+
+<file path=ppt/slides/slide22.xml><?xml version="1.0" encoding="utf-8"?>
+<p:sld xmlns:a="http://schemas.openxmlformats.org/drawingml/2006/main" xmlns:r="http://schemas.openxmlformats.org/officeDocument/2006/relationships" xmlns:p="http://schemas.openxmlformats.org/presentationml/2006/main">
+  <p:cSld>
+    <p:spTree>
+      <p:nvGrpSpPr>
+        <p:cNvPr id="1" name=""/>
+        <p:cNvGrpSpPr/>
+        <p:nvPr/>
+      </p:nvGrpSpPr>
+      <p:grpSpPr>
+        <a:xfrm>
+          <a:off x="0" y="0"/>
+          <a:ext cx="0" cy="0"/>
+          <a:chOff x="0" y="0"/>
+          <a:chExt cx="0" cy="0"/>
+        </a:xfrm>
+      </p:grpSpPr>
+      <p:sp>
+        <p:nvSpPr>
+          <p:cNvPr id="2" name="Title 1"/>
+          <p:cNvSpPr>
+            <a:spLocks noGrp="1"/>
+          </p:cNvSpPr>
+          <p:nvPr>
+            <p:ph type="title"/>
+          </p:nvPr>
+        </p:nvSpPr>
+        <p:spPr/>
+        <p:txBody>
+          <a:bodyPr/>
+          <a:lstStyle/>
+          <a:p>
             <a:r>
               <a:rPr lang="en-US" dirty="0" smtClean="0"/>
-              <a:t>floats</a:t>
+              <a:t>Integers and floats</a:t>
             </a:r>
             <a:endParaRPr lang="en-US" dirty="0"/>
           </a:p>
@@ -7865,7 +7953,7 @@
 </p:sld>
 </file>
 
-<file path=ppt/slides/slide22.xml><?xml version="1.0" encoding="utf-8"?>
+<file path=ppt/slides/slide23.xml><?xml version="1.0" encoding="utf-8"?>
 <p:sld xmlns:a="http://schemas.openxmlformats.org/drawingml/2006/main" xmlns:r="http://schemas.openxmlformats.org/officeDocument/2006/relationships" xmlns:p="http://schemas.openxmlformats.org/presentationml/2006/main">
   <p:cSld>
     <p:spTree>
@@ -7903,11 +7991,7 @@
             </a:r>
             <a:r>
               <a:rPr lang="en-US" smtClean="0"/>
-              <a:t>and </a:t>
-            </a:r>
-            <a:r>
-              <a:rPr lang="en-US" smtClean="0"/>
-              <a:t>floats</a:t>
+              <a:t>and floats</a:t>
             </a:r>
             <a:endParaRPr lang="en-US" dirty="0"/>
           </a:p>
@@ -8234,7 +8318,7 @@
 </p:sld>
 </file>
 
-<file path=ppt/slides/slide23.xml><?xml version="1.0" encoding="utf-8"?>
+<file path=ppt/slides/slide24.xml><?xml version="1.0" encoding="utf-8"?>
 <p:sld xmlns:a="http://schemas.openxmlformats.org/drawingml/2006/main" xmlns:r="http://schemas.openxmlformats.org/officeDocument/2006/relationships" xmlns:p="http://schemas.openxmlformats.org/presentationml/2006/main">
   <p:cSld>
     <p:spTree>
@@ -8574,101 +8658,6 @@
 </p:sld>
 </file>
 
-<file path=ppt/slides/slide24.xml><?xml version="1.0" encoding="utf-8"?>
-<p:sld xmlns:a="http://schemas.openxmlformats.org/drawingml/2006/main" xmlns:r="http://schemas.openxmlformats.org/officeDocument/2006/relationships" xmlns:p="http://schemas.openxmlformats.org/presentationml/2006/main">
-  <p:cSld>
-    <p:spTree>
-      <p:nvGrpSpPr>
-        <p:cNvPr id="1" name=""/>
-        <p:cNvGrpSpPr/>
-        <p:nvPr/>
-      </p:nvGrpSpPr>
-      <p:grpSpPr>
-        <a:xfrm>
-          <a:off x="0" y="0"/>
-          <a:ext cx="0" cy="0"/>
-          <a:chOff x="0" y="0"/>
-          <a:chExt cx="0" cy="0"/>
-        </a:xfrm>
-      </p:grpSpPr>
-      <p:sp>
-        <p:nvSpPr>
-          <p:cNvPr id="2" name="Title 1"/>
-          <p:cNvSpPr>
-            <a:spLocks noGrp="1"/>
-          </p:cNvSpPr>
-          <p:nvPr>
-            <p:ph type="title"/>
-          </p:nvPr>
-        </p:nvSpPr>
-        <p:spPr/>
-        <p:txBody>
-          <a:bodyPr/>
-          <a:lstStyle/>
-          <a:p>
-            <a:r>
-              <a:rPr lang="en-US" dirty="0" smtClean="0"/>
-              <a:t>Mathematical operations</a:t>
-            </a:r>
-            <a:endParaRPr lang="en-US" dirty="0"/>
-          </a:p>
-        </p:txBody>
-      </p:sp>
-      <p:sp>
-        <p:nvSpPr>
-          <p:cNvPr id="3" name="Content Placeholder 2"/>
-          <p:cNvSpPr>
-            <a:spLocks noGrp="1"/>
-          </p:cNvSpPr>
-          <p:nvPr>
-            <p:ph idx="1"/>
-          </p:nvPr>
-        </p:nvSpPr>
-        <p:spPr/>
-        <p:txBody>
-          <a:bodyPr/>
-          <a:lstStyle/>
-          <a:p>
-            <a:pPr marL="457200" indent="-457200">
-              <a:buFont typeface="Arial"/>
-              <a:buChar char="•"/>
-            </a:pPr>
-            <a:r>
-              <a:rPr lang="en-US" dirty="0" smtClean="0"/>
-              <a:t>Standard symbols</a:t>
-            </a:r>
-          </a:p>
-          <a:p>
-            <a:pPr marL="914400" lvl="1" indent="-457200">
-              <a:buFont typeface="Arial"/>
-              <a:buChar char="•"/>
-            </a:pPr>
-            <a:r>
-              <a:rPr lang="en-US" dirty="0" smtClean="0"/>
-              <a:t>+, -, *, /, %</a:t>
-            </a:r>
-          </a:p>
-          <a:p>
-            <a:pPr lvl="1" indent="0">
-              <a:buNone/>
-            </a:pPr>
-            <a:endParaRPr lang="en-US" dirty="0" smtClean="0"/>
-          </a:p>
-        </p:txBody>
-      </p:sp>
-    </p:spTree>
-    <p:extLst>
-      <p:ext uri="{BB962C8B-B14F-4D97-AF65-F5344CB8AC3E}">
-        <p14:creationId xmlns:p14="http://schemas.microsoft.com/office/powerpoint/2010/main" val="3336113825"/>
-      </p:ext>
-    </p:extLst>
-  </p:cSld>
-  <p:clrMapOvr>
-    <a:masterClrMapping/>
-  </p:clrMapOvr>
-</p:sld>
-</file>
-
 <file path=ppt/slides/slide25.xml><?xml version="1.0" encoding="utf-8"?>
 <p:sld xmlns:a="http://schemas.openxmlformats.org/drawingml/2006/main" xmlns:r="http://schemas.openxmlformats.org/officeDocument/2006/relationships" xmlns:p="http://schemas.openxmlformats.org/presentationml/2006/main">
   <p:cSld>
@@ -8751,69 +8740,10 @@
           </a:p>
         </p:txBody>
       </p:sp>
-      <p:sp>
-        <p:nvSpPr>
-          <p:cNvPr id="4" name="TextBox 3"/>
-          <p:cNvSpPr txBox="1"/>
-          <p:nvPr/>
-        </p:nvSpPr>
-        <p:spPr>
-          <a:xfrm>
-            <a:off x="1663699" y="2956022"/>
-            <a:ext cx="5225710" cy="1200329"/>
-          </a:xfrm>
-          <a:prstGeom prst="rect">
-            <a:avLst/>
-          </a:prstGeom>
-          <a:noFill/>
-        </p:spPr>
-        <p:txBody>
-          <a:bodyPr wrap="square" rtlCol="0">
-            <a:spAutoFit/>
-          </a:bodyPr>
-          <a:lstStyle/>
-          <a:p>
-            <a:r>
-              <a:rPr lang="en-US" dirty="0" smtClean="0">
-                <a:latin typeface="Monaco"/>
-                <a:cs typeface="Monaco"/>
-              </a:rPr>
-              <a:t># Define variables and math them</a:t>
-            </a:r>
-          </a:p>
-          <a:p>
-            <a:r>
-              <a:rPr lang="en-US" dirty="0" smtClean="0">
-                <a:latin typeface="Monaco"/>
-                <a:cs typeface="Monaco"/>
-              </a:rPr>
-              <a:t>a = 5</a:t>
-            </a:r>
-          </a:p>
-          <a:p>
-            <a:r>
-              <a:rPr lang="en-US" dirty="0" smtClean="0">
-                <a:latin typeface="Monaco"/>
-                <a:cs typeface="Monaco"/>
-              </a:rPr>
-              <a:t>b = -33</a:t>
-            </a:r>
-          </a:p>
-          <a:p>
-            <a:r>
-              <a:rPr lang="en-US" dirty="0" smtClean="0">
-                <a:latin typeface="Monaco"/>
-                <a:cs typeface="Monaco"/>
-              </a:rPr>
-              <a:t>c = a + b  #c now has a value -28</a:t>
-            </a:r>
-          </a:p>
-        </p:txBody>
-      </p:sp>
     </p:spTree>
     <p:extLst>
       <p:ext uri="{BB962C8B-B14F-4D97-AF65-F5344CB8AC3E}">
-        <p14:creationId xmlns:p14="http://schemas.microsoft.com/office/powerpoint/2010/main" val="2573030338"/>
+        <p14:creationId xmlns:p14="http://schemas.microsoft.com/office/powerpoint/2010/main" val="3336113825"/>
       </p:ext>
     </p:extLst>
   </p:cSld>
@@ -8961,44 +8891,6 @@
               </a:rPr>
               <a:t>c = a + b  #c now has a value -28</a:t>
             </a:r>
-          </a:p>
-        </p:txBody>
-      </p:sp>
-      <p:sp>
-        <p:nvSpPr>
-          <p:cNvPr id="8" name="TextBox 7"/>
-          <p:cNvSpPr txBox="1"/>
-          <p:nvPr/>
-        </p:nvSpPr>
-        <p:spPr>
-          <a:xfrm>
-            <a:off x="3577341" y="4156351"/>
-            <a:ext cx="3525497" cy="369332"/>
-          </a:xfrm>
-          <a:prstGeom prst="rect">
-            <a:avLst/>
-          </a:prstGeom>
-          <a:noFill/>
-        </p:spPr>
-        <p:txBody>
-          <a:bodyPr wrap="square" rtlCol="0">
-            <a:spAutoFit/>
-          </a:bodyPr>
-          <a:lstStyle/>
-          <a:p>
-            <a:r>
-              <a:rPr lang="en-US" dirty="0" smtClean="0">
-                <a:solidFill>
-                  <a:schemeClr val="accent2"/>
-                </a:solidFill>
-              </a:rPr>
-              <a:t>What type of variable is c?</a:t>
-            </a:r>
-            <a:endParaRPr lang="en-US" dirty="0">
-              <a:solidFill>
-                <a:schemeClr val="accent2"/>
-              </a:solidFill>
-            </a:endParaRPr>
           </a:p>
         </p:txBody>
       </p:sp>
@@ -9158,14 +9050,14 @@
       </p:sp>
       <p:sp>
         <p:nvSpPr>
-          <p:cNvPr id="7" name="TextBox 6"/>
+          <p:cNvPr id="8" name="TextBox 7"/>
           <p:cNvSpPr txBox="1"/>
           <p:nvPr/>
         </p:nvSpPr>
         <p:spPr>
           <a:xfrm>
-            <a:off x="1743002" y="4925834"/>
-            <a:ext cx="5225710" cy="1200329"/>
+            <a:off x="3577341" y="4156351"/>
+            <a:ext cx="3525497" cy="369332"/>
           </a:xfrm>
           <a:prstGeom prst="rect">
             <a:avLst/>
@@ -9180,45 +9072,24 @@
           <a:p>
             <a:r>
               <a:rPr lang="en-US" dirty="0" smtClean="0">
-                <a:latin typeface="Monaco"/>
-                <a:cs typeface="Monaco"/>
-              </a:rPr>
-              <a:t># Define variables and math them</a:t>
-            </a:r>
-          </a:p>
-          <a:p>
-            <a:r>
-              <a:rPr lang="en-US" dirty="0" smtClean="0">
-                <a:latin typeface="Monaco"/>
-                <a:cs typeface="Monaco"/>
-              </a:rPr>
-              <a:t>a = 5.0</a:t>
-            </a:r>
-          </a:p>
-          <a:p>
-            <a:r>
-              <a:rPr lang="en-US" dirty="0" smtClean="0">
-                <a:latin typeface="Monaco"/>
-                <a:cs typeface="Monaco"/>
-              </a:rPr>
-              <a:t>b = -33</a:t>
-            </a:r>
-          </a:p>
-          <a:p>
-            <a:r>
-              <a:rPr lang="en-US" dirty="0" smtClean="0">
-                <a:latin typeface="Monaco"/>
-                <a:cs typeface="Monaco"/>
-              </a:rPr>
-              <a:t>c = a + b  #c now has a value -28.0</a:t>
-            </a:r>
+                <a:solidFill>
+                  <a:schemeClr val="accent2"/>
+                </a:solidFill>
+              </a:rPr>
+              <a:t>What type of variable is c?</a:t>
+            </a:r>
+            <a:endParaRPr lang="en-US" dirty="0">
+              <a:solidFill>
+                <a:schemeClr val="accent2"/>
+              </a:solidFill>
+            </a:endParaRPr>
           </a:p>
         </p:txBody>
       </p:sp>
     </p:spTree>
     <p:extLst>
       <p:ext uri="{BB962C8B-B14F-4D97-AF65-F5344CB8AC3E}">
-        <p14:creationId xmlns:p14="http://schemas.microsoft.com/office/powerpoint/2010/main" val="242800007"/>
+        <p14:creationId xmlns:p14="http://schemas.microsoft.com/office/powerpoint/2010/main" val="2573030338"/>
       </p:ext>
     </p:extLst>
   </p:cSld>
@@ -9371,44 +9242,6 @@
       </p:sp>
       <p:sp>
         <p:nvSpPr>
-          <p:cNvPr id="6" name="TextBox 5"/>
-          <p:cNvSpPr txBox="1"/>
-          <p:nvPr/>
-        </p:nvSpPr>
-        <p:spPr>
-          <a:xfrm>
-            <a:off x="3479764" y="6126163"/>
-            <a:ext cx="3525497" cy="369332"/>
-          </a:xfrm>
-          <a:prstGeom prst="rect">
-            <a:avLst/>
-          </a:prstGeom>
-          <a:noFill/>
-        </p:spPr>
-        <p:txBody>
-          <a:bodyPr wrap="square" rtlCol="0">
-            <a:spAutoFit/>
-          </a:bodyPr>
-          <a:lstStyle/>
-          <a:p>
-            <a:r>
-              <a:rPr lang="en-US" dirty="0" smtClean="0">
-                <a:solidFill>
-                  <a:schemeClr val="accent2"/>
-                </a:solidFill>
-              </a:rPr>
-              <a:t>What type of variable is c now?</a:t>
-            </a:r>
-            <a:endParaRPr lang="en-US" dirty="0">
-              <a:solidFill>
-                <a:schemeClr val="accent2"/>
-              </a:solidFill>
-            </a:endParaRPr>
-          </a:p>
-        </p:txBody>
-      </p:sp>
-      <p:sp>
-        <p:nvSpPr>
           <p:cNvPr id="7" name="TextBox 6"/>
           <p:cNvSpPr txBox="1"/>
           <p:nvPr/>
@@ -9469,7 +9302,7 @@
     </p:spTree>
     <p:extLst>
       <p:ext uri="{BB962C8B-B14F-4D97-AF65-F5344CB8AC3E}">
-        <p14:creationId xmlns:p14="http://schemas.microsoft.com/office/powerpoint/2010/main" val="2573030338"/>
+        <p14:creationId xmlns:p14="http://schemas.microsoft.com/office/powerpoint/2010/main" val="242800007"/>
       </p:ext>
     </p:extLst>
   </p:cSld>
@@ -9513,9 +9346,51 @@
           <a:p>
             <a:r>
               <a:rPr lang="en-US" dirty="0" smtClean="0"/>
-              <a:t>results follow the input types!</a:t>
+              <a:t>Mathematical operations</a:t>
             </a:r>
             <a:endParaRPr lang="en-US" dirty="0"/>
+          </a:p>
+        </p:txBody>
+      </p:sp>
+      <p:sp>
+        <p:nvSpPr>
+          <p:cNvPr id="3" name="Content Placeholder 2"/>
+          <p:cNvSpPr>
+            <a:spLocks noGrp="1"/>
+          </p:cNvSpPr>
+          <p:nvPr>
+            <p:ph idx="1"/>
+          </p:nvPr>
+        </p:nvSpPr>
+        <p:spPr/>
+        <p:txBody>
+          <a:bodyPr/>
+          <a:lstStyle/>
+          <a:p>
+            <a:pPr marL="457200" indent="-457200">
+              <a:buFont typeface="Arial"/>
+              <a:buChar char="•"/>
+            </a:pPr>
+            <a:r>
+              <a:rPr lang="en-US" dirty="0" smtClean="0"/>
+              <a:t>Standard symbols</a:t>
+            </a:r>
+          </a:p>
+          <a:p>
+            <a:pPr marL="914400" lvl="1" indent="-457200">
+              <a:buFont typeface="Arial"/>
+              <a:buChar char="•"/>
+            </a:pPr>
+            <a:r>
+              <a:rPr lang="en-US" dirty="0" smtClean="0"/>
+              <a:t>+, -, *, /, %</a:t>
+            </a:r>
+          </a:p>
+          <a:p>
+            <a:pPr lvl="1" indent="0">
+              <a:buNone/>
+            </a:pPr>
+            <a:endParaRPr lang="en-US" dirty="0" smtClean="0"/>
           </a:p>
         </p:txBody>
       </p:sp>
@@ -9527,8 +9402,8 @@
         </p:nvSpPr>
         <p:spPr>
           <a:xfrm>
-            <a:off x="622064" y="1788071"/>
-            <a:ext cx="6514047" cy="2308324"/>
+            <a:off x="1663699" y="2956022"/>
+            <a:ext cx="5225710" cy="1200329"/>
           </a:xfrm>
           <a:prstGeom prst="rect">
             <a:avLst/>
@@ -9546,90 +9421,131 @@
                 <a:latin typeface="Monaco"/>
                 <a:cs typeface="Monaco"/>
               </a:rPr>
-              <a:t># Dividing two integers results in an </a:t>
-            </a:r>
-            <a:r>
-              <a:rPr lang="en-US" i="1" dirty="0" smtClean="0">
-                <a:latin typeface="Monaco"/>
-                <a:cs typeface="Monaco"/>
-              </a:rPr>
-              <a:t>integer</a:t>
-            </a:r>
-            <a:endParaRPr lang="en-US" dirty="0" smtClean="0">
-              <a:latin typeface="Monaco"/>
-              <a:cs typeface="Monaco"/>
+              <a:t># Define variables and math them</a:t>
+            </a:r>
+          </a:p>
+          <a:p>
+            <a:r>
+              <a:rPr lang="en-US" dirty="0" smtClean="0">
+                <a:latin typeface="Monaco"/>
+                <a:cs typeface="Monaco"/>
+              </a:rPr>
+              <a:t>a = 5</a:t>
+            </a:r>
+          </a:p>
+          <a:p>
+            <a:r>
+              <a:rPr lang="en-US" dirty="0" smtClean="0">
+                <a:latin typeface="Monaco"/>
+                <a:cs typeface="Monaco"/>
+              </a:rPr>
+              <a:t>b = -33</a:t>
+            </a:r>
+          </a:p>
+          <a:p>
+            <a:r>
+              <a:rPr lang="en-US" dirty="0" smtClean="0">
+                <a:latin typeface="Monaco"/>
+                <a:cs typeface="Monaco"/>
+              </a:rPr>
+              <a:t>c = a + b  #c now has a value -28</a:t>
+            </a:r>
+          </a:p>
+        </p:txBody>
+      </p:sp>
+      <p:sp>
+        <p:nvSpPr>
+          <p:cNvPr id="6" name="TextBox 5"/>
+          <p:cNvSpPr txBox="1"/>
+          <p:nvPr/>
+        </p:nvSpPr>
+        <p:spPr>
+          <a:xfrm>
+            <a:off x="3479764" y="6126163"/>
+            <a:ext cx="3525497" cy="369332"/>
+          </a:xfrm>
+          <a:prstGeom prst="rect">
+            <a:avLst/>
+          </a:prstGeom>
+          <a:noFill/>
+        </p:spPr>
+        <p:txBody>
+          <a:bodyPr wrap="square" rtlCol="0">
+            <a:spAutoFit/>
+          </a:bodyPr>
+          <a:lstStyle/>
+          <a:p>
+            <a:r>
+              <a:rPr lang="en-US" dirty="0" smtClean="0">
+                <a:solidFill>
+                  <a:schemeClr val="accent2"/>
+                </a:solidFill>
+              </a:rPr>
+              <a:t>What type of variable is c now?</a:t>
+            </a:r>
+            <a:endParaRPr lang="en-US" dirty="0">
+              <a:solidFill>
+                <a:schemeClr val="accent2"/>
+              </a:solidFill>
             </a:endParaRPr>
           </a:p>
-          <a:p>
-            <a:r>
-              <a:rPr lang="en-US" dirty="0" smtClean="0">
-                <a:latin typeface="Monaco"/>
-                <a:cs typeface="Monaco"/>
-              </a:rPr>
-              <a:t>a = 5</a:t>
-            </a:r>
-          </a:p>
-          <a:p>
-            <a:r>
-              <a:rPr lang="en-US" dirty="0" smtClean="0">
-                <a:latin typeface="Monaco"/>
-                <a:cs typeface="Monaco"/>
-              </a:rPr>
-              <a:t>b = 7</a:t>
-            </a:r>
-          </a:p>
-          <a:p>
-            <a:r>
-              <a:rPr lang="en-US" dirty="0" smtClean="0">
-                <a:latin typeface="Monaco"/>
-                <a:cs typeface="Monaco"/>
-              </a:rPr>
-              <a:t>c = a / b</a:t>
-            </a:r>
-          </a:p>
-          <a:p>
-            <a:endParaRPr lang="en-US" dirty="0" smtClean="0">
-              <a:latin typeface="Monaco"/>
-              <a:cs typeface="Monaco"/>
-            </a:endParaRPr>
-          </a:p>
-          <a:p>
-            <a:r>
-              <a:rPr lang="en-US" dirty="0" smtClean="0">
-                <a:latin typeface="Monaco"/>
-                <a:cs typeface="Monaco"/>
-              </a:rPr>
-              <a:t># Use print statements to see output</a:t>
-            </a:r>
-          </a:p>
-          <a:p>
-            <a:r>
-              <a:rPr lang="en-US" dirty="0" smtClean="0">
-                <a:latin typeface="Monaco"/>
-                <a:cs typeface="Monaco"/>
-              </a:rPr>
-              <a:t>print c</a:t>
-            </a:r>
-          </a:p>
-          <a:p>
-            <a:r>
-              <a:rPr lang="en-US" dirty="0">
-                <a:latin typeface="Monaco"/>
-                <a:cs typeface="Monaco"/>
-              </a:rPr>
-              <a:t>	</a:t>
-            </a:r>
-            <a:r>
-              <a:rPr lang="en-US" dirty="0" smtClean="0">
-                <a:solidFill>
-                  <a:schemeClr val="bg1">
-                    <a:lumMod val="65000"/>
-                  </a:schemeClr>
-                </a:solidFill>
-                <a:latin typeface="Monaco"/>
-                <a:cs typeface="Monaco"/>
-              </a:rPr>
-              <a:t>0</a:t>
+        </p:txBody>
+      </p:sp>
+      <p:sp>
+        <p:nvSpPr>
+          <p:cNvPr id="7" name="TextBox 6"/>
+          <p:cNvSpPr txBox="1"/>
+          <p:nvPr/>
+        </p:nvSpPr>
+        <p:spPr>
+          <a:xfrm>
+            <a:off x="1743002" y="4925834"/>
+            <a:ext cx="5225710" cy="1200329"/>
+          </a:xfrm>
+          <a:prstGeom prst="rect">
+            <a:avLst/>
+          </a:prstGeom>
+          <a:noFill/>
+        </p:spPr>
+        <p:txBody>
+          <a:bodyPr wrap="square" rtlCol="0">
+            <a:spAutoFit/>
+          </a:bodyPr>
+          <a:lstStyle/>
+          <a:p>
+            <a:r>
+              <a:rPr lang="en-US" dirty="0" smtClean="0">
+                <a:latin typeface="Monaco"/>
+                <a:cs typeface="Monaco"/>
+              </a:rPr>
+              <a:t># Define variables and math them</a:t>
+            </a:r>
+          </a:p>
+          <a:p>
+            <a:r>
+              <a:rPr lang="en-US" dirty="0" smtClean="0">
+                <a:latin typeface="Monaco"/>
+                <a:cs typeface="Monaco"/>
+              </a:rPr>
+              <a:t>a = 5.0</a:t>
+            </a:r>
+          </a:p>
+          <a:p>
+            <a:r>
+              <a:rPr lang="en-US" dirty="0" smtClean="0">
+                <a:latin typeface="Monaco"/>
+                <a:cs typeface="Monaco"/>
+              </a:rPr>
+              <a:t>b = -33</a:t>
+            </a:r>
+          </a:p>
+          <a:p>
+            <a:r>
+              <a:rPr lang="en-US" dirty="0" smtClean="0">
+                <a:latin typeface="Monaco"/>
+                <a:cs typeface="Monaco"/>
+              </a:rPr>
+              <a:t>c = a + b  #c now has a value -28.0</a:t>
             </a:r>
           </a:p>
         </p:txBody>
@@ -9637,7 +9553,7 @@
     </p:spTree>
     <p:extLst>
       <p:ext uri="{BB962C8B-B14F-4D97-AF65-F5344CB8AC3E}">
-        <p14:creationId xmlns:p14="http://schemas.microsoft.com/office/powerpoint/2010/main" val="335227802"/>
+        <p14:creationId xmlns:p14="http://schemas.microsoft.com/office/powerpoint/2010/main" val="2573030338"/>
       </p:ext>
     </p:extLst>
   </p:cSld>
@@ -9888,6 +9804,174 @@
           </a:p>
         </p:txBody>
       </p:sp>
+    </p:spTree>
+    <p:extLst>
+      <p:ext uri="{BB962C8B-B14F-4D97-AF65-F5344CB8AC3E}">
+        <p14:creationId xmlns:p14="http://schemas.microsoft.com/office/powerpoint/2010/main" val="335227802"/>
+      </p:ext>
+    </p:extLst>
+  </p:cSld>
+  <p:clrMapOvr>
+    <a:masterClrMapping/>
+  </p:clrMapOvr>
+</p:sld>
+</file>
+
+<file path=ppt/slides/slide31.xml><?xml version="1.0" encoding="utf-8"?>
+<p:sld xmlns:a="http://schemas.openxmlformats.org/drawingml/2006/main" xmlns:r="http://schemas.openxmlformats.org/officeDocument/2006/relationships" xmlns:p="http://schemas.openxmlformats.org/presentationml/2006/main">
+  <p:cSld>
+    <p:spTree>
+      <p:nvGrpSpPr>
+        <p:cNvPr id="1" name=""/>
+        <p:cNvGrpSpPr/>
+        <p:nvPr/>
+      </p:nvGrpSpPr>
+      <p:grpSpPr>
+        <a:xfrm>
+          <a:off x="0" y="0"/>
+          <a:ext cx="0" cy="0"/>
+          <a:chOff x="0" y="0"/>
+          <a:chExt cx="0" cy="0"/>
+        </a:xfrm>
+      </p:grpSpPr>
+      <p:sp>
+        <p:nvSpPr>
+          <p:cNvPr id="2" name="Title 1"/>
+          <p:cNvSpPr>
+            <a:spLocks noGrp="1"/>
+          </p:cNvSpPr>
+          <p:nvPr>
+            <p:ph type="title"/>
+          </p:nvPr>
+        </p:nvSpPr>
+        <p:spPr/>
+        <p:txBody>
+          <a:bodyPr/>
+          <a:lstStyle/>
+          <a:p>
+            <a:r>
+              <a:rPr lang="en-US" dirty="0" smtClean="0"/>
+              <a:t>results follow the input types!</a:t>
+            </a:r>
+            <a:endParaRPr lang="en-US" dirty="0"/>
+          </a:p>
+        </p:txBody>
+      </p:sp>
+      <p:sp>
+        <p:nvSpPr>
+          <p:cNvPr id="4" name="TextBox 3"/>
+          <p:cNvSpPr txBox="1"/>
+          <p:nvPr/>
+        </p:nvSpPr>
+        <p:spPr>
+          <a:xfrm>
+            <a:off x="622064" y="1788071"/>
+            <a:ext cx="6514047" cy="2308324"/>
+          </a:xfrm>
+          <a:prstGeom prst="rect">
+            <a:avLst/>
+          </a:prstGeom>
+          <a:noFill/>
+        </p:spPr>
+        <p:txBody>
+          <a:bodyPr wrap="square" rtlCol="0">
+            <a:spAutoFit/>
+          </a:bodyPr>
+          <a:lstStyle/>
+          <a:p>
+            <a:r>
+              <a:rPr lang="en-US" dirty="0" smtClean="0">
+                <a:latin typeface="Monaco"/>
+                <a:cs typeface="Monaco"/>
+              </a:rPr>
+              <a:t># Dividing two integers results in an </a:t>
+            </a:r>
+            <a:r>
+              <a:rPr lang="en-US" i="1" dirty="0" smtClean="0">
+                <a:latin typeface="Monaco"/>
+                <a:cs typeface="Monaco"/>
+              </a:rPr>
+              <a:t>integer</a:t>
+            </a:r>
+            <a:endParaRPr lang="en-US" dirty="0" smtClean="0">
+              <a:latin typeface="Monaco"/>
+              <a:cs typeface="Monaco"/>
+            </a:endParaRPr>
+          </a:p>
+          <a:p>
+            <a:r>
+              <a:rPr lang="en-US" dirty="0" smtClean="0">
+                <a:latin typeface="Monaco"/>
+                <a:cs typeface="Monaco"/>
+              </a:rPr>
+              <a:t>a = 5</a:t>
+            </a:r>
+          </a:p>
+          <a:p>
+            <a:r>
+              <a:rPr lang="en-US" dirty="0" smtClean="0">
+                <a:latin typeface="Monaco"/>
+                <a:cs typeface="Monaco"/>
+              </a:rPr>
+              <a:t>b = 7</a:t>
+            </a:r>
+          </a:p>
+          <a:p>
+            <a:r>
+              <a:rPr lang="en-US" dirty="0" smtClean="0">
+                <a:latin typeface="Monaco"/>
+                <a:cs typeface="Monaco"/>
+              </a:rPr>
+              <a:t>c = a / b</a:t>
+            </a:r>
+          </a:p>
+          <a:p>
+            <a:endParaRPr lang="en-US" dirty="0" smtClean="0">
+              <a:latin typeface="Monaco"/>
+              <a:cs typeface="Monaco"/>
+            </a:endParaRPr>
+          </a:p>
+          <a:p>
+            <a:r>
+              <a:rPr lang="en-US" dirty="0" smtClean="0">
+                <a:latin typeface="Monaco"/>
+                <a:cs typeface="Monaco"/>
+              </a:rPr>
+              <a:t># Use print statements to see output</a:t>
+            </a:r>
+          </a:p>
+          <a:p>
+            <a:r>
+              <a:rPr lang="en-US" dirty="0" smtClean="0">
+                <a:latin typeface="Monaco"/>
+                <a:cs typeface="Monaco"/>
+              </a:rPr>
+              <a:t>print c</a:t>
+            </a:r>
+          </a:p>
+          <a:p>
+            <a:r>
+              <a:rPr lang="en-US" dirty="0">
+                <a:latin typeface="Monaco"/>
+                <a:cs typeface="Monaco"/>
+              </a:rPr>
+              <a:t>	</a:t>
+            </a:r>
+            <a:r>
+              <a:rPr lang="en-US" dirty="0" smtClean="0">
+                <a:solidFill>
+                  <a:schemeClr val="bg1">
+                    <a:lumMod val="65000"/>
+                  </a:schemeClr>
+                </a:solidFill>
+                <a:latin typeface="Monaco"/>
+                <a:cs typeface="Monaco"/>
+              </a:rPr>
+              <a:t>0</a:t>
+            </a:r>
+          </a:p>
+        </p:txBody>
+      </p:sp>
       <p:sp>
         <p:nvSpPr>
           <p:cNvPr id="5" name="TextBox 4"/>
@@ -10063,7 +10147,7 @@
 </p:sld>
 </file>
 
-<file path=ppt/slides/slide31.xml><?xml version="1.0" encoding="utf-8"?>
+<file path=ppt/slides/slide32.xml><?xml version="1.0" encoding="utf-8"?>
 <p:sld xmlns:a="http://schemas.openxmlformats.org/drawingml/2006/main" xmlns:r="http://schemas.openxmlformats.org/officeDocument/2006/relationships" xmlns:p="http://schemas.openxmlformats.org/presentationml/2006/main">
   <p:cSld>
     <p:spTree>
@@ -10505,92 +10589,6 @@
 </p:sld>
 </file>
 
-<file path=ppt/slides/slide32.xml><?xml version="1.0" encoding="utf-8"?>
-<p:sld xmlns:a="http://schemas.openxmlformats.org/drawingml/2006/main" xmlns:r="http://schemas.openxmlformats.org/officeDocument/2006/relationships" xmlns:p="http://schemas.openxmlformats.org/presentationml/2006/main">
-  <p:cSld>
-    <p:spTree>
-      <p:nvGrpSpPr>
-        <p:cNvPr id="1" name=""/>
-        <p:cNvGrpSpPr/>
-        <p:nvPr/>
-      </p:nvGrpSpPr>
-      <p:grpSpPr>
-        <a:xfrm>
-          <a:off x="0" y="0"/>
-          <a:ext cx="0" cy="0"/>
-          <a:chOff x="0" y="0"/>
-          <a:chExt cx="0" cy="0"/>
-        </a:xfrm>
-      </p:grpSpPr>
-      <p:sp>
-        <p:nvSpPr>
-          <p:cNvPr id="2" name="Title 1"/>
-          <p:cNvSpPr>
-            <a:spLocks noGrp="1"/>
-          </p:cNvSpPr>
-          <p:nvPr>
-            <p:ph type="title"/>
-          </p:nvPr>
-        </p:nvSpPr>
-        <p:spPr/>
-        <p:txBody>
-          <a:bodyPr/>
-          <a:lstStyle/>
-          <a:p>
-            <a:r>
-              <a:rPr lang="en-US" dirty="0" smtClean="0"/>
-              <a:t>Modifying the value in place</a:t>
-            </a:r>
-            <a:endParaRPr lang="en-US" dirty="0"/>
-          </a:p>
-        </p:txBody>
-      </p:sp>
-      <p:sp>
-        <p:nvSpPr>
-          <p:cNvPr id="3" name="Content Placeholder 2"/>
-          <p:cNvSpPr>
-            <a:spLocks noGrp="1"/>
-          </p:cNvSpPr>
-          <p:nvPr>
-            <p:ph idx="1"/>
-          </p:nvPr>
-        </p:nvSpPr>
-        <p:spPr/>
-        <p:txBody>
-          <a:bodyPr/>
-          <a:lstStyle/>
-          <a:p>
-            <a:pPr marL="457200" indent="-457200">
-              <a:buFont typeface="Arial"/>
-              <a:buChar char="•"/>
-            </a:pPr>
-            <a:r>
-              <a:rPr lang="en-US" dirty="0" smtClean="0"/>
-              <a:t>Mathematical symbols followed by an equals sign will change the variable value </a:t>
-            </a:r>
-            <a:r>
-              <a:rPr lang="en-US" i="1" dirty="0" smtClean="0"/>
-              <a:t>in place</a:t>
-            </a:r>
-          </a:p>
-          <a:p>
-            <a:endParaRPr lang="en-US" dirty="0" smtClean="0"/>
-          </a:p>
-        </p:txBody>
-      </p:sp>
-    </p:spTree>
-    <p:extLst>
-      <p:ext uri="{BB962C8B-B14F-4D97-AF65-F5344CB8AC3E}">
-        <p14:creationId xmlns:p14="http://schemas.microsoft.com/office/powerpoint/2010/main" val="3606775505"/>
-      </p:ext>
-    </p:extLst>
-  </p:cSld>
-  <p:clrMapOvr>
-    <a:masterClrMapping/>
-  </p:clrMapOvr>
-</p:sld>
-</file>
-
 <file path=ppt/slides/slide33.xml><?xml version="1.0" encoding="utf-8"?>
 <p:sld xmlns:a="http://schemas.openxmlformats.org/drawingml/2006/main" xmlns:r="http://schemas.openxmlformats.org/officeDocument/2006/relationships" xmlns:p="http://schemas.openxmlformats.org/presentationml/2006/main">
   <p:cSld>
@@ -10651,6 +10649,92 @@
               <a:buChar char="•"/>
             </a:pPr>
             <a:r>
+              <a:rPr lang="en-US" dirty="0" smtClean="0"/>
+              <a:t>Mathematical symbols followed by an equals sign will change the variable value </a:t>
+            </a:r>
+            <a:r>
+              <a:rPr lang="en-US" i="1" dirty="0" smtClean="0"/>
+              <a:t>in place</a:t>
+            </a:r>
+          </a:p>
+          <a:p>
+            <a:endParaRPr lang="en-US" dirty="0" smtClean="0"/>
+          </a:p>
+        </p:txBody>
+      </p:sp>
+    </p:spTree>
+    <p:extLst>
+      <p:ext uri="{BB962C8B-B14F-4D97-AF65-F5344CB8AC3E}">
+        <p14:creationId xmlns:p14="http://schemas.microsoft.com/office/powerpoint/2010/main" val="3606775505"/>
+      </p:ext>
+    </p:extLst>
+  </p:cSld>
+  <p:clrMapOvr>
+    <a:masterClrMapping/>
+  </p:clrMapOvr>
+</p:sld>
+</file>
+
+<file path=ppt/slides/slide34.xml><?xml version="1.0" encoding="utf-8"?>
+<p:sld xmlns:a="http://schemas.openxmlformats.org/drawingml/2006/main" xmlns:r="http://schemas.openxmlformats.org/officeDocument/2006/relationships" xmlns:p="http://schemas.openxmlformats.org/presentationml/2006/main">
+  <p:cSld>
+    <p:spTree>
+      <p:nvGrpSpPr>
+        <p:cNvPr id="1" name=""/>
+        <p:cNvGrpSpPr/>
+        <p:nvPr/>
+      </p:nvGrpSpPr>
+      <p:grpSpPr>
+        <a:xfrm>
+          <a:off x="0" y="0"/>
+          <a:ext cx="0" cy="0"/>
+          <a:chOff x="0" y="0"/>
+          <a:chExt cx="0" cy="0"/>
+        </a:xfrm>
+      </p:grpSpPr>
+      <p:sp>
+        <p:nvSpPr>
+          <p:cNvPr id="2" name="Title 1"/>
+          <p:cNvSpPr>
+            <a:spLocks noGrp="1"/>
+          </p:cNvSpPr>
+          <p:nvPr>
+            <p:ph type="title"/>
+          </p:nvPr>
+        </p:nvSpPr>
+        <p:spPr/>
+        <p:txBody>
+          <a:bodyPr/>
+          <a:lstStyle/>
+          <a:p>
+            <a:r>
+              <a:rPr lang="en-US" dirty="0" smtClean="0"/>
+              <a:t>Modifying the value in place</a:t>
+            </a:r>
+            <a:endParaRPr lang="en-US" dirty="0"/>
+          </a:p>
+        </p:txBody>
+      </p:sp>
+      <p:sp>
+        <p:nvSpPr>
+          <p:cNvPr id="3" name="Content Placeholder 2"/>
+          <p:cNvSpPr>
+            <a:spLocks noGrp="1"/>
+          </p:cNvSpPr>
+          <p:nvPr>
+            <p:ph idx="1"/>
+          </p:nvPr>
+        </p:nvSpPr>
+        <p:spPr/>
+        <p:txBody>
+          <a:bodyPr/>
+          <a:lstStyle/>
+          <a:p>
+            <a:pPr marL="457200" indent="-457200">
+              <a:buFont typeface="Arial"/>
+              <a:buChar char="•"/>
+            </a:pPr>
+            <a:r>
               <a:rPr lang="en-US" dirty="0"/>
               <a:t>Mathematical symbols followed by an equals sign will change the variable value </a:t>
             </a:r>
@@ -10687,7 +10771,7 @@
 </p:sld>
 </file>
 
-<file path=ppt/slides/slide34.xml><?xml version="1.0" encoding="utf-8"?>
+<file path=ppt/slides/slide35.xml><?xml version="1.0" encoding="utf-8"?>
 <p:sld xmlns:a="http://schemas.openxmlformats.org/drawingml/2006/main" xmlns:r="http://schemas.openxmlformats.org/officeDocument/2006/relationships" xmlns:p="http://schemas.openxmlformats.org/presentationml/2006/main">
   <p:cSld>
     <p:spTree>
@@ -11076,98 +11160,6 @@
 </p:sld>
 </file>
 
-<file path=ppt/slides/slide35.xml><?xml version="1.0" encoding="utf-8"?>
-<p:sld xmlns:a="http://schemas.openxmlformats.org/drawingml/2006/main" xmlns:r="http://schemas.openxmlformats.org/officeDocument/2006/relationships" xmlns:p="http://schemas.openxmlformats.org/presentationml/2006/main">
-  <p:cSld>
-    <p:spTree>
-      <p:nvGrpSpPr>
-        <p:cNvPr id="1" name=""/>
-        <p:cNvGrpSpPr/>
-        <p:nvPr/>
-      </p:nvGrpSpPr>
-      <p:grpSpPr>
-        <a:xfrm>
-          <a:off x="0" y="0"/>
-          <a:ext cx="0" cy="0"/>
-          <a:chOff x="0" y="0"/>
-          <a:chExt cx="0" cy="0"/>
-        </a:xfrm>
-      </p:grpSpPr>
-      <p:sp>
-        <p:nvSpPr>
-          <p:cNvPr id="2" name="Title 1"/>
-          <p:cNvSpPr>
-            <a:spLocks noGrp="1"/>
-          </p:cNvSpPr>
-          <p:nvPr>
-            <p:ph type="title"/>
-          </p:nvPr>
-        </p:nvSpPr>
-        <p:spPr/>
-        <p:txBody>
-          <a:bodyPr/>
-          <a:lstStyle/>
-          <a:p>
-            <a:r>
-              <a:rPr lang="en-US" dirty="0" smtClean="0"/>
-              <a:t>Python lists</a:t>
-            </a:r>
-            <a:endParaRPr lang="en-US" dirty="0"/>
-          </a:p>
-        </p:txBody>
-      </p:sp>
-      <p:sp>
-        <p:nvSpPr>
-          <p:cNvPr id="3" name="Content Placeholder 2"/>
-          <p:cNvSpPr>
-            <a:spLocks noGrp="1"/>
-          </p:cNvSpPr>
-          <p:nvPr>
-            <p:ph idx="1"/>
-          </p:nvPr>
-        </p:nvSpPr>
-        <p:spPr/>
-        <p:txBody>
-          <a:bodyPr/>
-          <a:lstStyle/>
-          <a:p>
-            <a:pPr marL="457200" indent="-457200">
-              <a:buFont typeface="Arial"/>
-              <a:buChar char="•"/>
-            </a:pPr>
-            <a:r>
-              <a:rPr lang="en-US" dirty="0" smtClean="0"/>
-              <a:t>Lists are defined with brackets: </a:t>
-            </a:r>
-            <a:r>
-              <a:rPr lang="en-US" dirty="0" smtClean="0">
-                <a:latin typeface="Monaco"/>
-                <a:cs typeface="Monaco"/>
-              </a:rPr>
-              <a:t>[]</a:t>
-            </a:r>
-          </a:p>
-          <a:p>
-            <a:endParaRPr lang="en-US" dirty="0" smtClean="0">
-              <a:latin typeface="Monaco"/>
-              <a:cs typeface="Monaco"/>
-            </a:endParaRPr>
-          </a:p>
-        </p:txBody>
-      </p:sp>
-    </p:spTree>
-    <p:extLst>
-      <p:ext uri="{BB962C8B-B14F-4D97-AF65-F5344CB8AC3E}">
-        <p14:creationId xmlns:p14="http://schemas.microsoft.com/office/powerpoint/2010/main" val="527900922"/>
-      </p:ext>
-    </p:extLst>
-  </p:cSld>
-  <p:clrMapOvr>
-    <a:masterClrMapping/>
-  </p:clrMapOvr>
-</p:sld>
-</file>
-
 <file path=ppt/slides/slide36.xml><?xml version="1.0" encoding="utf-8"?>
 <p:sld xmlns:a="http://schemas.openxmlformats.org/drawingml/2006/main" xmlns:r="http://schemas.openxmlformats.org/officeDocument/2006/relationships" xmlns:p="http://schemas.openxmlformats.org/presentationml/2006/main">
   <p:cSld>
@@ -11247,181 +11239,10 @@
           </a:p>
         </p:txBody>
       </p:sp>
-      <p:sp>
-        <p:nvSpPr>
-          <p:cNvPr id="4" name="TextBox 3"/>
-          <p:cNvSpPr txBox="1"/>
-          <p:nvPr/>
-        </p:nvSpPr>
-        <p:spPr>
-          <a:xfrm>
-            <a:off x="622063" y="2372800"/>
-            <a:ext cx="7290705" cy="3693319"/>
-          </a:xfrm>
-          <a:prstGeom prst="rect">
-            <a:avLst/>
-          </a:prstGeom>
-          <a:noFill/>
-        </p:spPr>
-        <p:txBody>
-          <a:bodyPr wrap="square" rtlCol="0">
-            <a:spAutoFit/>
-          </a:bodyPr>
-          <a:lstStyle/>
-          <a:p>
-            <a:r>
-              <a:rPr lang="en-US" dirty="0" smtClean="0">
-                <a:latin typeface="Monaco"/>
-                <a:cs typeface="Monaco"/>
-              </a:rPr>
-              <a:t># Define a list</a:t>
-            </a:r>
-          </a:p>
-          <a:p>
-            <a:r>
-              <a:rPr lang="en-US" dirty="0" smtClean="0">
-                <a:latin typeface="Monaco"/>
-                <a:cs typeface="Monaco"/>
-              </a:rPr>
-              <a:t>a = [1, 3, 5, 7, 9]</a:t>
-            </a:r>
-          </a:p>
-          <a:p>
-            <a:endParaRPr lang="en-US" dirty="0">
-              <a:latin typeface="Monaco"/>
-              <a:cs typeface="Monaco"/>
-            </a:endParaRPr>
-          </a:p>
-          <a:p>
-            <a:r>
-              <a:rPr lang="en-US" dirty="0" smtClean="0">
-                <a:latin typeface="Monaco"/>
-                <a:cs typeface="Monaco"/>
-              </a:rPr>
-              <a:t># Define another list</a:t>
-            </a:r>
-          </a:p>
-          <a:p>
-            <a:r>
-              <a:rPr lang="en-US" dirty="0" smtClean="0">
-                <a:latin typeface="Monaco"/>
-                <a:cs typeface="Monaco"/>
-              </a:rPr>
-              <a:t>b = [1, 3.1, -5, 7, 9.001]</a:t>
-            </a:r>
-          </a:p>
-          <a:p>
-            <a:endParaRPr lang="en-US" dirty="0">
-              <a:latin typeface="Monaco"/>
-              <a:cs typeface="Monaco"/>
-            </a:endParaRPr>
-          </a:p>
-          <a:p>
-            <a:r>
-              <a:rPr lang="en-US" dirty="0" smtClean="0">
-                <a:latin typeface="Monaco"/>
-                <a:cs typeface="Monaco"/>
-              </a:rPr>
-              <a:t># Define another list with *strings* (stay tuned!)</a:t>
-            </a:r>
-          </a:p>
-          <a:p>
-            <a:r>
-              <a:rPr lang="en-US" dirty="0" smtClean="0">
-                <a:latin typeface="Monaco"/>
-                <a:cs typeface="Monaco"/>
-              </a:rPr>
-              <a:t>c </a:t>
-            </a:r>
-            <a:r>
-              <a:rPr lang="en-US" dirty="0">
-                <a:latin typeface="Monaco"/>
-                <a:cs typeface="Monaco"/>
-              </a:rPr>
-              <a:t>= [1, 3.1, -5, 7, </a:t>
-            </a:r>
-            <a:r>
-              <a:rPr lang="en-US" dirty="0" smtClean="0">
-                <a:latin typeface="Monaco"/>
-                <a:cs typeface="Monaco"/>
-              </a:rPr>
-              <a:t>9.001, "</a:t>
-            </a:r>
-            <a:r>
-              <a:rPr lang="en-US" dirty="0" err="1" smtClean="0">
-                <a:latin typeface="Monaco"/>
-                <a:cs typeface="Monaco"/>
-              </a:rPr>
-              <a:t>woah</a:t>
-            </a:r>
-            <a:r>
-              <a:rPr lang="en-US" dirty="0" smtClean="0">
-                <a:latin typeface="Monaco"/>
-                <a:cs typeface="Monaco"/>
-              </a:rPr>
-              <a:t>", "dude"]</a:t>
-            </a:r>
-          </a:p>
-          <a:p>
-            <a:endParaRPr lang="en-US" dirty="0">
-              <a:latin typeface="Monaco"/>
-              <a:cs typeface="Monaco"/>
-            </a:endParaRPr>
-          </a:p>
-          <a:p>
-            <a:r>
-              <a:rPr lang="en-US" dirty="0" smtClean="0">
-                <a:latin typeface="Monaco"/>
-                <a:cs typeface="Monaco"/>
-              </a:rPr>
-              <a:t># Define another </a:t>
-            </a:r>
-            <a:r>
-              <a:rPr lang="en-US" dirty="0" err="1" smtClean="0">
-                <a:latin typeface="Monaco"/>
-                <a:cs typeface="Monaco"/>
-              </a:rPr>
-              <a:t>list..of</a:t>
-            </a:r>
-            <a:r>
-              <a:rPr lang="en-US" dirty="0" smtClean="0">
-                <a:latin typeface="Monaco"/>
-                <a:cs typeface="Monaco"/>
-              </a:rPr>
-              <a:t> lists!</a:t>
-            </a:r>
-          </a:p>
-          <a:p>
-            <a:r>
-              <a:rPr lang="en-US" dirty="0" smtClean="0">
-                <a:latin typeface="Monaco"/>
-                <a:cs typeface="Monaco"/>
-              </a:rPr>
-              <a:t>d = [ [1, 2, 3], [11, 22, 33], [7.55, -9] ]</a:t>
-            </a:r>
-            <a:endParaRPr lang="en-US" dirty="0">
-              <a:latin typeface="Monaco"/>
-              <a:cs typeface="Monaco"/>
-            </a:endParaRPr>
-          </a:p>
-          <a:p>
-            <a:endParaRPr lang="en-US" dirty="0">
-              <a:latin typeface="Monaco"/>
-              <a:cs typeface="Monaco"/>
-            </a:endParaRPr>
-          </a:p>
-          <a:p>
-            <a:endParaRPr lang="en-US" dirty="0" smtClean="0">
-              <a:latin typeface="Monaco"/>
-              <a:cs typeface="Monaco"/>
-            </a:endParaRPr>
-          </a:p>
-        </p:txBody>
-      </p:sp>
     </p:spTree>
     <p:extLst>
       <p:ext uri="{BB962C8B-B14F-4D97-AF65-F5344CB8AC3E}">
-        <p14:creationId xmlns:p14="http://schemas.microsoft.com/office/powerpoint/2010/main" val="2099707461"/>
+        <p14:creationId xmlns:p14="http://schemas.microsoft.com/office/powerpoint/2010/main" val="527900922"/>
       </p:ext>
     </p:extLst>
   </p:cSld>
@@ -11681,48 +11502,10 @@
           </a:p>
         </p:txBody>
       </p:sp>
-      <p:sp>
-        <p:nvSpPr>
-          <p:cNvPr id="5" name="TextBox 4"/>
-          <p:cNvSpPr txBox="1"/>
-          <p:nvPr/>
-        </p:nvSpPr>
-        <p:spPr>
-          <a:xfrm>
-            <a:off x="1388846" y="5739425"/>
-            <a:ext cx="5747266" cy="369332"/>
-          </a:xfrm>
-          <a:prstGeom prst="rect">
-            <a:avLst/>
-          </a:prstGeom>
-          <a:noFill/>
-        </p:spPr>
-        <p:txBody>
-          <a:bodyPr wrap="square" rtlCol="0">
-            <a:spAutoFit/>
-          </a:bodyPr>
-          <a:lstStyle/>
-          <a:p>
-            <a:r>
-              <a:rPr lang="en-US" dirty="0" smtClean="0">
-                <a:solidFill>
-                  <a:schemeClr val="accent2"/>
-                </a:solidFill>
-              </a:rPr>
-              <a:t>What do you notice about the values inside these lists?</a:t>
-            </a:r>
-            <a:endParaRPr lang="en-US" dirty="0">
-              <a:solidFill>
-                <a:schemeClr val="accent2"/>
-              </a:solidFill>
-            </a:endParaRPr>
-          </a:p>
-        </p:txBody>
-      </p:sp>
     </p:spTree>
     <p:extLst>
       <p:ext uri="{BB962C8B-B14F-4D97-AF65-F5344CB8AC3E}">
-        <p14:creationId xmlns:p14="http://schemas.microsoft.com/office/powerpoint/2010/main" val="600571947"/>
+        <p14:creationId xmlns:p14="http://schemas.microsoft.com/office/powerpoint/2010/main" val="2099707461"/>
       </p:ext>
     </p:extLst>
   </p:cSld>
@@ -11766,9 +11549,48 @@
           <a:p>
             <a:r>
               <a:rPr lang="en-US" dirty="0" smtClean="0"/>
-              <a:t>indexing in python</a:t>
+              <a:t>Python lists</a:t>
             </a:r>
             <a:endParaRPr lang="en-US" dirty="0"/>
+          </a:p>
+        </p:txBody>
+      </p:sp>
+      <p:sp>
+        <p:nvSpPr>
+          <p:cNvPr id="3" name="Content Placeholder 2"/>
+          <p:cNvSpPr>
+            <a:spLocks noGrp="1"/>
+          </p:cNvSpPr>
+          <p:nvPr>
+            <p:ph idx="1"/>
+          </p:nvPr>
+        </p:nvSpPr>
+        <p:spPr/>
+        <p:txBody>
+          <a:bodyPr/>
+          <a:lstStyle/>
+          <a:p>
+            <a:pPr marL="457200" indent="-457200">
+              <a:buFont typeface="Arial"/>
+              <a:buChar char="•"/>
+            </a:pPr>
+            <a:r>
+              <a:rPr lang="en-US" dirty="0" smtClean="0"/>
+              <a:t>Lists are defined with brackets: </a:t>
+            </a:r>
+            <a:r>
+              <a:rPr lang="en-US" dirty="0" smtClean="0">
+                <a:latin typeface="Monaco"/>
+                <a:cs typeface="Monaco"/>
+              </a:rPr>
+              <a:t>[]</a:t>
+            </a:r>
+          </a:p>
+          <a:p>
+            <a:endParaRPr lang="en-US" dirty="0" smtClean="0">
+              <a:latin typeface="Monaco"/>
+              <a:cs typeface="Monaco"/>
+            </a:endParaRPr>
           </a:p>
         </p:txBody>
       </p:sp>
@@ -11780,8 +11602,8 @@
         </p:nvSpPr>
         <p:spPr>
           <a:xfrm>
-            <a:off x="457198" y="1815481"/>
-            <a:ext cx="7894154" cy="923330"/>
+            <a:off x="622063" y="2372800"/>
+            <a:ext cx="7290705" cy="3693319"/>
           </a:xfrm>
           <a:prstGeom prst="rect">
             <a:avLst/>
@@ -11795,58 +11617,142 @@
           <a:lstStyle/>
           <a:p>
             <a:r>
+              <a:rPr lang="en-US" dirty="0" smtClean="0">
+                <a:latin typeface="Monaco"/>
+                <a:cs typeface="Monaco"/>
+              </a:rPr>
+              <a:t># Define a list</a:t>
+            </a:r>
+          </a:p>
+          <a:p>
+            <a:r>
+              <a:rPr lang="en-US" dirty="0" smtClean="0">
+                <a:latin typeface="Monaco"/>
+                <a:cs typeface="Monaco"/>
+              </a:rPr>
+              <a:t>a = [1, 3, 5, 7, 9]</a:t>
+            </a:r>
+          </a:p>
+          <a:p>
+            <a:endParaRPr lang="en-US" dirty="0">
+              <a:latin typeface="Monaco"/>
+              <a:cs typeface="Monaco"/>
+            </a:endParaRPr>
+          </a:p>
+          <a:p>
+            <a:r>
+              <a:rPr lang="en-US" dirty="0" smtClean="0">
+                <a:latin typeface="Monaco"/>
+                <a:cs typeface="Monaco"/>
+              </a:rPr>
+              <a:t># Define another list</a:t>
+            </a:r>
+          </a:p>
+          <a:p>
+            <a:r>
+              <a:rPr lang="en-US" dirty="0" smtClean="0">
+                <a:latin typeface="Monaco"/>
+                <a:cs typeface="Monaco"/>
+              </a:rPr>
+              <a:t>b = [1, 3.1, -5, 7, 9.001]</a:t>
+            </a:r>
+          </a:p>
+          <a:p>
+            <a:endParaRPr lang="en-US" dirty="0">
+              <a:latin typeface="Monaco"/>
+              <a:cs typeface="Monaco"/>
+            </a:endParaRPr>
+          </a:p>
+          <a:p>
+            <a:r>
+              <a:rPr lang="en-US" dirty="0" smtClean="0">
+                <a:latin typeface="Monaco"/>
+                <a:cs typeface="Monaco"/>
+              </a:rPr>
+              <a:t># Define another list with *strings* (stay tuned!)</a:t>
+            </a:r>
+          </a:p>
+          <a:p>
+            <a:r>
+              <a:rPr lang="en-US" dirty="0" smtClean="0">
+                <a:latin typeface="Monaco"/>
+                <a:cs typeface="Monaco"/>
+              </a:rPr>
+              <a:t>c </a:t>
+            </a:r>
+            <a:r>
               <a:rPr lang="en-US" dirty="0">
                 <a:latin typeface="Monaco"/>
                 <a:cs typeface="Monaco"/>
               </a:rPr>
-              <a:t>d</a:t>
-            </a:r>
-            <a:r>
-              <a:rPr lang="en-US" dirty="0" smtClean="0">
-                <a:latin typeface="Monaco"/>
-                <a:cs typeface="Monaco"/>
-              </a:rPr>
-              <a:t> = [1, 3, 5, 7, 9, 11, 13]</a:t>
-            </a:r>
-          </a:p>
-          <a:p>
-            <a:r>
-              <a:rPr lang="en-US" b="1" dirty="0">
-                <a:solidFill>
-                  <a:schemeClr val="accent2"/>
-                </a:solidFill>
-                <a:latin typeface="Monaco"/>
-                <a:cs typeface="Monaco"/>
-              </a:rPr>
-              <a:t> </a:t>
-            </a:r>
-            <a:r>
-              <a:rPr lang="en-US" b="1" dirty="0" smtClean="0">
-                <a:solidFill>
-                  <a:schemeClr val="accent2"/>
-                </a:solidFill>
-                <a:latin typeface="Monaco"/>
-                <a:cs typeface="Monaco"/>
-              </a:rPr>
-              <a:t>    0  1  2  3  4  5   6    </a:t>
-            </a:r>
-            <a:r>
-              <a:rPr lang="en-US" b="1" dirty="0" smtClean="0">
-                <a:solidFill>
-                  <a:schemeClr val="accent2"/>
-                </a:solidFill>
-                <a:latin typeface="Monaco"/>
-                <a:cs typeface="Monaco"/>
-                <a:sym typeface="Wingdings"/>
-              </a:rPr>
-              <a:t> Indexing starts from 0!</a:t>
-            </a:r>
-            <a:endParaRPr lang="en-US" dirty="0" smtClean="0">
-              <a:solidFill>
-                <a:schemeClr val="bg1">
-                  <a:lumMod val="65000"/>
-                </a:schemeClr>
-              </a:solidFill>
+              <a:t>= [1, 3.1, -5, 7, </a:t>
+            </a:r>
+            <a:r>
+              <a:rPr lang="en-US" dirty="0" smtClean="0">
+                <a:latin typeface="Monaco"/>
+                <a:cs typeface="Monaco"/>
+              </a:rPr>
+              <a:t>9.001, "</a:t>
+            </a:r>
+            <a:r>
+              <a:rPr lang="en-US" dirty="0" err="1" smtClean="0">
+                <a:latin typeface="Monaco"/>
+                <a:cs typeface="Monaco"/>
+              </a:rPr>
+              <a:t>woah</a:t>
+            </a:r>
+            <a:r>
+              <a:rPr lang="en-US" dirty="0" smtClean="0">
+                <a:latin typeface="Monaco"/>
+                <a:cs typeface="Monaco"/>
+              </a:rPr>
+              <a:t>", "dude"]</a:t>
+            </a:r>
+          </a:p>
+          <a:p>
+            <a:endParaRPr lang="en-US" dirty="0">
+              <a:latin typeface="Monaco"/>
+              <a:cs typeface="Monaco"/>
+            </a:endParaRPr>
+          </a:p>
+          <a:p>
+            <a:r>
+              <a:rPr lang="en-US" dirty="0" smtClean="0">
+                <a:latin typeface="Monaco"/>
+                <a:cs typeface="Monaco"/>
+              </a:rPr>
+              <a:t># Define another </a:t>
+            </a:r>
+            <a:r>
+              <a:rPr lang="en-US" dirty="0" err="1" smtClean="0">
+                <a:latin typeface="Monaco"/>
+                <a:cs typeface="Monaco"/>
+              </a:rPr>
+              <a:t>list..of</a:t>
+            </a:r>
+            <a:r>
+              <a:rPr lang="en-US" dirty="0" smtClean="0">
+                <a:latin typeface="Monaco"/>
+                <a:cs typeface="Monaco"/>
+              </a:rPr>
+              <a:t> lists!</a:t>
+            </a:r>
+          </a:p>
+          <a:p>
+            <a:r>
+              <a:rPr lang="en-US" dirty="0" smtClean="0">
+                <a:latin typeface="Monaco"/>
+                <a:cs typeface="Monaco"/>
+              </a:rPr>
+              <a:t>d = [ [1, 2, 3], [11, 22, 33], [7.55, -9] ]</a:t>
+            </a:r>
+            <a:endParaRPr lang="en-US" dirty="0">
+              <a:latin typeface="Monaco"/>
+              <a:cs typeface="Monaco"/>
+            </a:endParaRPr>
+          </a:p>
+          <a:p>
+            <a:endParaRPr lang="en-US" dirty="0">
               <a:latin typeface="Monaco"/>
               <a:cs typeface="Monaco"/>
             </a:endParaRPr>
@@ -11859,10 +11765,48 @@
           </a:p>
         </p:txBody>
       </p:sp>
+      <p:sp>
+        <p:nvSpPr>
+          <p:cNvPr id="5" name="TextBox 4"/>
+          <p:cNvSpPr txBox="1"/>
+          <p:nvPr/>
+        </p:nvSpPr>
+        <p:spPr>
+          <a:xfrm>
+            <a:off x="1388846" y="5739425"/>
+            <a:ext cx="5747266" cy="369332"/>
+          </a:xfrm>
+          <a:prstGeom prst="rect">
+            <a:avLst/>
+          </a:prstGeom>
+          <a:noFill/>
+        </p:spPr>
+        <p:txBody>
+          <a:bodyPr wrap="square" rtlCol="0">
+            <a:spAutoFit/>
+          </a:bodyPr>
+          <a:lstStyle/>
+          <a:p>
+            <a:r>
+              <a:rPr lang="en-US" dirty="0" smtClean="0">
+                <a:solidFill>
+                  <a:schemeClr val="accent2"/>
+                </a:solidFill>
+              </a:rPr>
+              <a:t>What do you notice about the values inside these lists?</a:t>
+            </a:r>
+            <a:endParaRPr lang="en-US" dirty="0">
+              <a:solidFill>
+                <a:schemeClr val="accent2"/>
+              </a:solidFill>
+            </a:endParaRPr>
+          </a:p>
+        </p:txBody>
+      </p:sp>
     </p:spTree>
     <p:extLst>
       <p:ext uri="{BB962C8B-B14F-4D97-AF65-F5344CB8AC3E}">
-        <p14:creationId xmlns:p14="http://schemas.microsoft.com/office/powerpoint/2010/main" val="1165585668"/>
+        <p14:creationId xmlns:p14="http://schemas.microsoft.com/office/powerpoint/2010/main" val="600571947"/>
       </p:ext>
     </p:extLst>
   </p:cSld>
@@ -11921,7 +11865,7 @@
         <p:spPr>
           <a:xfrm>
             <a:off x="457198" y="1815481"/>
-            <a:ext cx="7894154" cy="2862323"/>
+            <a:ext cx="7894154" cy="923330"/>
           </a:xfrm>
           <a:prstGeom prst="rect">
             <a:avLst/>
@@ -11981,119 +11925,6 @@
               </a:rPr>
               <a:t> Indexing starts from 0!</a:t>
             </a:r>
-            <a:endParaRPr lang="en-US" b="1" dirty="0" smtClean="0">
-              <a:solidFill>
-                <a:schemeClr val="accent2"/>
-              </a:solidFill>
-              <a:latin typeface="Monaco"/>
-              <a:cs typeface="Monaco"/>
-            </a:endParaRPr>
-          </a:p>
-          <a:p>
-            <a:endParaRPr lang="en-US" dirty="0" smtClean="0">
-              <a:solidFill>
-                <a:srgbClr val="000000"/>
-              </a:solidFill>
-              <a:latin typeface="Monaco"/>
-              <a:cs typeface="Monaco"/>
-            </a:endParaRPr>
-          </a:p>
-          <a:p>
-            <a:endParaRPr lang="en-US" dirty="0" smtClean="0">
-              <a:solidFill>
-                <a:srgbClr val="000000"/>
-              </a:solidFill>
-              <a:latin typeface="Monaco"/>
-              <a:cs typeface="Monaco"/>
-            </a:endParaRPr>
-          </a:p>
-          <a:p>
-            <a:r>
-              <a:rPr lang="en-US" dirty="0" smtClean="0">
-                <a:solidFill>
-                  <a:srgbClr val="000000"/>
-                </a:solidFill>
-                <a:latin typeface="Monaco"/>
-                <a:cs typeface="Monaco"/>
-              </a:rPr>
-              <a:t># Index the </a:t>
-            </a:r>
-            <a:r>
-              <a:rPr lang="en-US" i="1" dirty="0" smtClean="0">
-                <a:solidFill>
-                  <a:srgbClr val="000000"/>
-                </a:solidFill>
-                <a:latin typeface="Monaco"/>
-                <a:cs typeface="Monaco"/>
-              </a:rPr>
-              <a:t>second</a:t>
-            </a:r>
-            <a:r>
-              <a:rPr lang="en-US" dirty="0" smtClean="0">
-                <a:solidFill>
-                  <a:srgbClr val="000000"/>
-                </a:solidFill>
-                <a:latin typeface="Monaco"/>
-                <a:cs typeface="Monaco"/>
-              </a:rPr>
-              <a:t> entry in d using brackets []</a:t>
-            </a:r>
-            <a:endParaRPr lang="en-US" dirty="0">
-              <a:solidFill>
-                <a:srgbClr val="000000"/>
-              </a:solidFill>
-              <a:latin typeface="Monaco"/>
-              <a:cs typeface="Monaco"/>
-            </a:endParaRPr>
-          </a:p>
-          <a:p>
-            <a:r>
-              <a:rPr lang="en-US" dirty="0" smtClean="0">
-                <a:solidFill>
-                  <a:srgbClr val="000000"/>
-                </a:solidFill>
-                <a:latin typeface="Monaco"/>
-                <a:cs typeface="Monaco"/>
-              </a:rPr>
-              <a:t>print d[1]</a:t>
-            </a:r>
-          </a:p>
-          <a:p>
-            <a:r>
-              <a:rPr lang="en-US" dirty="0">
-                <a:solidFill>
-                  <a:srgbClr val="000000"/>
-                </a:solidFill>
-                <a:latin typeface="Monaco"/>
-                <a:cs typeface="Monaco"/>
-              </a:rPr>
-              <a:t>	</a:t>
-            </a:r>
-            <a:r>
-              <a:rPr lang="en-US" dirty="0" smtClean="0">
-                <a:solidFill>
-                  <a:schemeClr val="bg1">
-                    <a:lumMod val="65000"/>
-                  </a:schemeClr>
-                </a:solidFill>
-                <a:latin typeface="Monaco"/>
-                <a:cs typeface="Monaco"/>
-              </a:rPr>
-              <a:t>3</a:t>
-            </a:r>
-          </a:p>
-          <a:p>
-            <a:endParaRPr lang="en-US" dirty="0">
-              <a:solidFill>
-                <a:schemeClr val="bg1">
-                  <a:lumMod val="65000"/>
-                </a:schemeClr>
-              </a:solidFill>
-              <a:latin typeface="Monaco"/>
-              <a:cs typeface="Monaco"/>
-            </a:endParaRPr>
-          </a:p>
-          <a:p>
             <a:endParaRPr lang="en-US" dirty="0" smtClean="0">
               <a:solidFill>
                 <a:schemeClr val="bg1">
@@ -12290,7 +12121,7 @@
         <p:spPr>
           <a:xfrm>
             <a:off x="457198" y="1815481"/>
-            <a:ext cx="7894154" cy="3693319"/>
+            <a:ext cx="7894154" cy="2862323"/>
           </a:xfrm>
           <a:prstGeom prst="rect">
             <a:avLst/>
@@ -12463,64 +12294,6 @@
             </a:endParaRPr>
           </a:p>
           <a:p>
-            <a:r>
-              <a:rPr lang="en-US" dirty="0" smtClean="0">
-                <a:latin typeface="Monaco"/>
-                <a:cs typeface="Monaco"/>
-              </a:rPr>
-              <a:t># Index a </a:t>
-            </a:r>
-            <a:r>
-              <a:rPr lang="en-US" i="1" dirty="0" smtClean="0">
-                <a:latin typeface="Monaco"/>
-                <a:cs typeface="Monaco"/>
-              </a:rPr>
-              <a:t>slice</a:t>
-            </a:r>
-            <a:r>
-              <a:rPr lang="en-US" dirty="0" smtClean="0">
-                <a:latin typeface="Monaco"/>
-                <a:cs typeface="Monaco"/>
-              </a:rPr>
-              <a:t> of the list with [x:y]</a:t>
-            </a:r>
-          </a:p>
-          <a:p>
-            <a:r>
-              <a:rPr lang="en-US" dirty="0" smtClean="0">
-                <a:latin typeface="Monaco"/>
-                <a:cs typeface="Monaco"/>
-              </a:rPr>
-              <a:t>print d[1:4]</a:t>
-            </a:r>
-          </a:p>
-          <a:p>
-            <a:r>
-              <a:rPr lang="en-US" dirty="0">
-                <a:solidFill>
-                  <a:schemeClr val="bg1">
-                    <a:lumMod val="65000"/>
-                  </a:schemeClr>
-                </a:solidFill>
-                <a:latin typeface="Monaco"/>
-                <a:cs typeface="Monaco"/>
-              </a:rPr>
-              <a:t> </a:t>
-            </a:r>
-            <a:r>
-              <a:rPr lang="en-US" dirty="0" smtClean="0">
-                <a:solidFill>
-                  <a:schemeClr val="bg1">
-                    <a:lumMod val="65000"/>
-                  </a:schemeClr>
-                </a:solidFill>
-                <a:latin typeface="Monaco"/>
-                <a:cs typeface="Monaco"/>
-              </a:rPr>
-              <a:t>  [3, 5, 7]</a:t>
-            </a:r>
-          </a:p>
-          <a:p>
             <a:endParaRPr lang="en-US" dirty="0" smtClean="0">
               <a:solidFill>
                 <a:schemeClr val="bg1">
@@ -12542,7 +12315,7 @@
     </p:spTree>
     <p:extLst>
       <p:ext uri="{BB962C8B-B14F-4D97-AF65-F5344CB8AC3E}">
-        <p14:creationId xmlns:p14="http://schemas.microsoft.com/office/powerpoint/2010/main" val="542718252"/>
+        <p14:creationId xmlns:p14="http://schemas.microsoft.com/office/powerpoint/2010/main" val="1165585668"/>
       </p:ext>
     </p:extLst>
   </p:cSld>
@@ -12850,90 +12623,10 @@
           </a:p>
         </p:txBody>
       </p:sp>
-      <p:sp>
-        <p:nvSpPr>
-          <p:cNvPr id="3" name="TextBox 2"/>
-          <p:cNvSpPr txBox="1"/>
-          <p:nvPr/>
-        </p:nvSpPr>
-        <p:spPr>
-          <a:xfrm>
-            <a:off x="2421345" y="4586465"/>
-            <a:ext cx="4504613" cy="369332"/>
-          </a:xfrm>
-          <a:prstGeom prst="rect">
-            <a:avLst/>
-          </a:prstGeom>
-          <a:noFill/>
-        </p:spPr>
-        <p:txBody>
-          <a:bodyPr wrap="square" rtlCol="0">
-            <a:spAutoFit/>
-          </a:bodyPr>
-          <a:lstStyle/>
-          <a:p>
-            <a:r>
-              <a:rPr lang="en-US" dirty="0" smtClean="0">
-                <a:solidFill>
-                  <a:schemeClr val="accent2"/>
-                </a:solidFill>
-              </a:rPr>
-              <a:t>In </a:t>
-            </a:r>
-            <a:r>
-              <a:rPr lang="en-US" dirty="0" smtClean="0">
-                <a:solidFill>
-                  <a:schemeClr val="accent2"/>
-                </a:solidFill>
-                <a:latin typeface="Monaco"/>
-                <a:cs typeface="Monaco"/>
-              </a:rPr>
-              <a:t>[x:y]</a:t>
-            </a:r>
-            <a:r>
-              <a:rPr lang="en-US" dirty="0" smtClean="0">
-                <a:solidFill>
-                  <a:schemeClr val="accent2"/>
-                </a:solidFill>
-              </a:rPr>
-              <a:t>,  x is </a:t>
-            </a:r>
-            <a:r>
-              <a:rPr lang="en-US" u="sng" dirty="0" smtClean="0">
-                <a:solidFill>
-                  <a:schemeClr val="accent2"/>
-                </a:solidFill>
-              </a:rPr>
-              <a:t>inclusive</a:t>
-            </a:r>
-            <a:r>
-              <a:rPr lang="en-US" dirty="0" smtClean="0">
-                <a:solidFill>
-                  <a:schemeClr val="accent2"/>
-                </a:solidFill>
-              </a:rPr>
-              <a:t> and y is </a:t>
-            </a:r>
-            <a:r>
-              <a:rPr lang="en-US" u="sng" dirty="0" smtClean="0">
-                <a:solidFill>
-                  <a:schemeClr val="accent2"/>
-                </a:solidFill>
-              </a:rPr>
-              <a:t>exclusive</a:t>
-            </a:r>
-            <a:endParaRPr lang="en-US" u="sng" dirty="0">
-              <a:solidFill>
-                <a:schemeClr val="accent2"/>
-              </a:solidFill>
-            </a:endParaRPr>
-          </a:p>
-        </p:txBody>
-      </p:sp>
     </p:spTree>
     <p:extLst>
       <p:ext uri="{BB962C8B-B14F-4D97-AF65-F5344CB8AC3E}">
-        <p14:creationId xmlns:p14="http://schemas.microsoft.com/office/powerpoint/2010/main" val="251870614"/>
+        <p14:creationId xmlns:p14="http://schemas.microsoft.com/office/powerpoint/2010/main" val="542718252"/>
       </p:ext>
     </p:extLst>
   </p:cSld>
@@ -12992,7 +12685,7 @@
         <p:spPr>
           <a:xfrm>
             <a:off x="457198" y="1815481"/>
-            <a:ext cx="7894154" cy="4247317"/>
+            <a:ext cx="7894154" cy="3693319"/>
           </a:xfrm>
           <a:prstGeom prst="rect">
             <a:avLst/>
@@ -13220,26 +12913,6 @@
                 <a:cs typeface="Monaco"/>
               </a:rPr>
               <a:t>  [3, 5, 7]</a:t>
-            </a:r>
-          </a:p>
-          <a:p>
-            <a:endParaRPr lang="en-US" dirty="0">
-              <a:solidFill>
-                <a:schemeClr val="bg1">
-                  <a:lumMod val="65000"/>
-                </a:schemeClr>
-              </a:solidFill>
-              <a:latin typeface="Monaco"/>
-              <a:cs typeface="Monaco"/>
-            </a:endParaRPr>
-          </a:p>
-          <a:p>
-            <a:r>
-              <a:rPr lang="en-US" dirty="0" smtClean="0">
-                <a:latin typeface="Monaco"/>
-                <a:cs typeface="Monaco"/>
-              </a:rPr>
-              <a:t># x and y defaults are 0 and "last index"</a:t>
             </a:r>
           </a:p>
           <a:p>
@@ -13344,7 +13017,7 @@
     </p:spTree>
     <p:extLst>
       <p:ext uri="{BB962C8B-B14F-4D97-AF65-F5344CB8AC3E}">
-        <p14:creationId xmlns:p14="http://schemas.microsoft.com/office/powerpoint/2010/main" val="542718252"/>
+        <p14:creationId xmlns:p14="http://schemas.microsoft.com/office/powerpoint/2010/main" val="251870614"/>
       </p:ext>
     </p:extLst>
   </p:cSld>
@@ -13403,7 +13076,7 @@
         <p:spPr>
           <a:xfrm>
             <a:off x="457198" y="1815481"/>
-            <a:ext cx="7894154" cy="4801315"/>
+            <a:ext cx="7894154" cy="4247317"/>
           </a:xfrm>
           <a:prstGeom prst="rect">
             <a:avLst/>
@@ -13651,48 +13324,6 @@
                 <a:cs typeface="Monaco"/>
               </a:rPr>
               <a:t># x and y defaults are 0 and "last index"</a:t>
-            </a:r>
-          </a:p>
-          <a:p>
-            <a:r>
-              <a:rPr lang="en-US" dirty="0">
-                <a:latin typeface="Monaco"/>
-                <a:cs typeface="Monaco"/>
-              </a:rPr>
-              <a:t>print d</a:t>
-            </a:r>
-            <a:r>
-              <a:rPr lang="en-US" dirty="0" smtClean="0">
-                <a:latin typeface="Monaco"/>
-                <a:cs typeface="Monaco"/>
-              </a:rPr>
-              <a:t>[3:]  # assumes go through end of list</a:t>
-            </a:r>
-          </a:p>
-          <a:p>
-            <a:r>
-              <a:rPr lang="en-US" dirty="0">
-                <a:solidFill>
-                  <a:schemeClr val="bg1">
-                    <a:lumMod val="65000"/>
-                  </a:schemeClr>
-                </a:solidFill>
-                <a:latin typeface="Monaco"/>
-                <a:cs typeface="Monaco"/>
-              </a:rPr>
-              <a:t>	</a:t>
-            </a:r>
-            <a:r>
-              <a:rPr lang="en-US" dirty="0" smtClean="0">
-                <a:solidFill>
-                  <a:schemeClr val="bg1">
-                    <a:lumMod val="65000"/>
-                  </a:schemeClr>
-                </a:solidFill>
-                <a:latin typeface="Monaco"/>
-                <a:cs typeface="Monaco"/>
-              </a:rPr>
-              <a:t>[7, 9, 11, 13]</a:t>
             </a:r>
           </a:p>
           <a:p>
@@ -13856,7 +13487,7 @@
         <p:spPr>
           <a:xfrm>
             <a:off x="457198" y="1815481"/>
-            <a:ext cx="7894154" cy="5355313"/>
+            <a:ext cx="7894154" cy="4801315"/>
           </a:xfrm>
           <a:prstGeom prst="rect">
             <a:avLst/>
@@ -14147,53 +13778,6 @@
               </a:rPr>
               <a:t>[7, 9, 11, 13]</a:t>
             </a:r>
-          </a:p>
-          <a:p>
-            <a:r>
-              <a:rPr lang="en-US" dirty="0" smtClean="0">
-                <a:solidFill>
-                  <a:srgbClr val="000000"/>
-                </a:solidFill>
-                <a:latin typeface="Monaco"/>
-                <a:cs typeface="Monaco"/>
-              </a:rPr>
-              <a:t>print d[:5]  # assumes start at beginning of list</a:t>
-            </a:r>
-          </a:p>
-          <a:p>
-            <a:r>
-              <a:rPr lang="en-US" dirty="0">
-                <a:solidFill>
-                  <a:schemeClr val="bg1">
-                    <a:lumMod val="65000"/>
-                  </a:schemeClr>
-                </a:solidFill>
-                <a:latin typeface="Monaco"/>
-                <a:cs typeface="Monaco"/>
-              </a:rPr>
-              <a:t> </a:t>
-            </a:r>
-            <a:r>
-              <a:rPr lang="en-US" dirty="0" smtClean="0">
-                <a:solidFill>
-                  <a:schemeClr val="bg1">
-                    <a:lumMod val="65000"/>
-                  </a:schemeClr>
-                </a:solidFill>
-                <a:latin typeface="Monaco"/>
-                <a:cs typeface="Monaco"/>
-              </a:rPr>
-              <a:t>  [1, 3, 5, 7, 9]</a:t>
-            </a:r>
-            <a:endParaRPr lang="en-US" dirty="0">
-              <a:solidFill>
-                <a:schemeClr val="bg1">
-                  <a:lumMod val="65000"/>
-                </a:schemeClr>
-              </a:solidFill>
-              <a:latin typeface="Monaco"/>
-              <a:cs typeface="Monaco"/>
-            </a:endParaRPr>
           </a:p>
           <a:p>
             <a:endParaRPr lang="en-US" dirty="0" smtClean="0">
@@ -14297,7 +13881,7 @@
     </p:spTree>
     <p:extLst>
       <p:ext uri="{BB962C8B-B14F-4D97-AF65-F5344CB8AC3E}">
-        <p14:creationId xmlns:p14="http://schemas.microsoft.com/office/powerpoint/2010/main" val="4247775296"/>
+        <p14:creationId xmlns:p14="http://schemas.microsoft.com/office/powerpoint/2010/main" val="542718252"/>
       </p:ext>
     </p:extLst>
   </p:cSld>
@@ -14355,8 +13939,8 @@
         </p:nvSpPr>
         <p:spPr>
           <a:xfrm>
-            <a:off x="457197" y="1815481"/>
-            <a:ext cx="8442383" cy="2862323"/>
+            <a:off x="457198" y="1815481"/>
+            <a:ext cx="7894154" cy="5355313"/>
           </a:xfrm>
           <a:prstGeom prst="rect">
             <a:avLst/>
@@ -14381,7 +13965,7 @@
                 <a:latin typeface="Monaco"/>
                 <a:cs typeface="Monaco"/>
               </a:rPr>
-              <a:t> = [1,  3,  5,  7,  9,  11,  13]</a:t>
+              <a:t> = [1, 3, 5, 7, 9, 11, 13]</a:t>
             </a:r>
           </a:p>
           <a:p>
@@ -14403,7 +13987,7 @@
                 <a:latin typeface="Monaco"/>
                 <a:cs typeface="Monaco"/>
               </a:rPr>
-              <a:t>    0   1   2   3   4   5    6   </a:t>
+              <a:t>    0  1  2  3  4  5   6    </a:t>
             </a:r>
             <a:r>
               <a:rPr lang="en-US" b="1" dirty="0" smtClean="0">
@@ -14425,56 +14009,6 @@
             </a:endParaRPr>
           </a:p>
           <a:p>
-            <a:r>
-              <a:rPr lang="en-US" dirty="0" smtClean="0">
-                <a:solidFill>
-                  <a:srgbClr val="D1282E"/>
-                </a:solidFill>
-                <a:latin typeface="Monaco"/>
-                <a:cs typeface="Monaco"/>
-              </a:rPr>
-              <a:t>    -</a:t>
-            </a:r>
-            <a:r>
-              <a:rPr lang="en-US" dirty="0">
-                <a:solidFill>
-                  <a:srgbClr val="D1282E"/>
-                </a:solidFill>
-                <a:latin typeface="Monaco"/>
-                <a:cs typeface="Monaco"/>
-              </a:rPr>
-              <a:t>7</a:t>
-            </a:r>
-            <a:r>
-              <a:rPr lang="en-US" dirty="0" smtClean="0">
-                <a:solidFill>
-                  <a:srgbClr val="D1282E"/>
-                </a:solidFill>
-                <a:latin typeface="Monaco"/>
-                <a:cs typeface="Monaco"/>
-              </a:rPr>
-              <a:t>  -6  -5  -4  -3  -2   -1   </a:t>
-            </a:r>
-            <a:r>
-              <a:rPr lang="en-US" dirty="0" smtClean="0">
-                <a:solidFill>
-                  <a:srgbClr val="D1282E"/>
-                </a:solidFill>
-                <a:latin typeface="Monaco"/>
-                <a:cs typeface="Monaco"/>
-                <a:sym typeface="Wingdings"/>
-              </a:rPr>
-              <a:t> Negative indexing</a:t>
-            </a:r>
-            <a:endParaRPr lang="en-US" dirty="0" smtClean="0">
-              <a:solidFill>
-                <a:srgbClr val="D1282E"/>
-              </a:solidFill>
-              <a:latin typeface="Monaco"/>
-              <a:cs typeface="Monaco"/>
-            </a:endParaRPr>
-          </a:p>
-          <a:p>
             <a:endParaRPr lang="en-US" dirty="0" smtClean="0">
               <a:solidFill>
                 <a:srgbClr val="000000"/>
@@ -14484,6 +14018,15 @@
             </a:endParaRPr>
           </a:p>
           <a:p>
+            <a:endParaRPr lang="en-US" dirty="0" smtClean="0">
+              <a:solidFill>
+                <a:srgbClr val="000000"/>
+              </a:solidFill>
+              <a:latin typeface="Monaco"/>
+              <a:cs typeface="Monaco"/>
+            </a:endParaRPr>
+          </a:p>
+          <a:p>
             <a:r>
               <a:rPr lang="en-US" dirty="0" smtClean="0">
                 <a:solidFill>
@@ -14502,7 +14045,7 @@
                 <a:latin typeface="Monaco"/>
                 <a:cs typeface="Monaco"/>
               </a:rPr>
-              <a:t>last </a:t>
+              <a:t>second</a:t>
             </a:r>
             <a:r>
               <a:rPr lang="en-US" dirty="0" smtClean="0">
@@ -14512,7 +14055,7 @@
                 <a:latin typeface="Monaco"/>
                 <a:cs typeface="Monaco"/>
               </a:rPr>
-              <a:t>entry in d using brackets []</a:t>
+              <a:t> entry in d using brackets []</a:t>
             </a:r>
             <a:endParaRPr lang="en-US" dirty="0">
               <a:solidFill>
@@ -14531,12 +14074,22 @@
                 <a:latin typeface="Monaco"/>
                 <a:cs typeface="Monaco"/>
               </a:rPr>
-              <a:t>print d[-1]</a:t>
+              <a:t>print d[1]</a:t>
             </a:r>
           </a:p>
           <a:p>
             <a:r>
               <a:rPr lang="en-US" dirty="0">
+                <a:solidFill>
+                  <a:srgbClr val="000000"/>
+                </a:solidFill>
+                <a:latin typeface="Monaco"/>
+                <a:cs typeface="Monaco"/>
+              </a:rPr>
+              <a:t>	</a:t>
+            </a:r>
+            <a:r>
+              <a:rPr lang="en-US" dirty="0" smtClean="0">
                 <a:solidFill>
                   <a:schemeClr val="bg1">
                     <a:lumMod val="65000"/>
@@ -14545,19 +14098,7 @@
                 <a:latin typeface="Monaco"/>
                 <a:cs typeface="Monaco"/>
               </a:rPr>
-              <a:t>	</a:t>
-            </a:r>
-            <a:r>
-              <a:rPr lang="en-US" dirty="0" smtClean="0">
-                <a:solidFill>
-                  <a:schemeClr val="bg1">
-                    <a:lumMod val="65000"/>
-                  </a:schemeClr>
-                </a:solidFill>
-                <a:latin typeface="Monaco"/>
-                <a:cs typeface="Monaco"/>
-              </a:rPr>
-              <a:t>13</a:t>
+              <a:t>3</a:t>
             </a:r>
           </a:p>
           <a:p>
@@ -14572,6 +14113,173 @@
             </a:endParaRPr>
           </a:p>
           <a:p>
+            <a:r>
+              <a:rPr lang="en-US" dirty="0" smtClean="0">
+                <a:latin typeface="Monaco"/>
+                <a:cs typeface="Monaco"/>
+              </a:rPr>
+              <a:t># Index a </a:t>
+            </a:r>
+            <a:r>
+              <a:rPr lang="en-US" i="1" dirty="0" smtClean="0">
+                <a:latin typeface="Monaco"/>
+                <a:cs typeface="Monaco"/>
+              </a:rPr>
+              <a:t>slice</a:t>
+            </a:r>
+            <a:r>
+              <a:rPr lang="en-US" dirty="0" smtClean="0">
+                <a:latin typeface="Monaco"/>
+                <a:cs typeface="Monaco"/>
+              </a:rPr>
+              <a:t> of the list with [x:y]</a:t>
+            </a:r>
+          </a:p>
+          <a:p>
+            <a:r>
+              <a:rPr lang="en-US" dirty="0" smtClean="0">
+                <a:latin typeface="Monaco"/>
+                <a:cs typeface="Monaco"/>
+              </a:rPr>
+              <a:t>print d[1:4]</a:t>
+            </a:r>
+          </a:p>
+          <a:p>
+            <a:r>
+              <a:rPr lang="en-US" dirty="0">
+                <a:solidFill>
+                  <a:schemeClr val="bg1">
+                    <a:lumMod val="65000"/>
+                  </a:schemeClr>
+                </a:solidFill>
+                <a:latin typeface="Monaco"/>
+                <a:cs typeface="Monaco"/>
+              </a:rPr>
+              <a:t> </a:t>
+            </a:r>
+            <a:r>
+              <a:rPr lang="en-US" dirty="0" smtClean="0">
+                <a:solidFill>
+                  <a:schemeClr val="bg1">
+                    <a:lumMod val="65000"/>
+                  </a:schemeClr>
+                </a:solidFill>
+                <a:latin typeface="Monaco"/>
+                <a:cs typeface="Monaco"/>
+              </a:rPr>
+              <a:t>  [3, 5, 7]</a:t>
+            </a:r>
+          </a:p>
+          <a:p>
+            <a:endParaRPr lang="en-US" dirty="0">
+              <a:solidFill>
+                <a:schemeClr val="bg1">
+                  <a:lumMod val="65000"/>
+                </a:schemeClr>
+              </a:solidFill>
+              <a:latin typeface="Monaco"/>
+              <a:cs typeface="Monaco"/>
+            </a:endParaRPr>
+          </a:p>
+          <a:p>
+            <a:r>
+              <a:rPr lang="en-US" dirty="0" smtClean="0">
+                <a:latin typeface="Monaco"/>
+                <a:cs typeface="Monaco"/>
+              </a:rPr>
+              <a:t># x and y defaults are 0 and "last index"</a:t>
+            </a:r>
+          </a:p>
+          <a:p>
+            <a:r>
+              <a:rPr lang="en-US" dirty="0">
+                <a:latin typeface="Monaco"/>
+                <a:cs typeface="Monaco"/>
+              </a:rPr>
+              <a:t>print d</a:t>
+            </a:r>
+            <a:r>
+              <a:rPr lang="en-US" dirty="0" smtClean="0">
+                <a:latin typeface="Monaco"/>
+                <a:cs typeface="Monaco"/>
+              </a:rPr>
+              <a:t>[3:]  # assumes go through end of list</a:t>
+            </a:r>
+          </a:p>
+          <a:p>
+            <a:r>
+              <a:rPr lang="en-US" dirty="0">
+                <a:solidFill>
+                  <a:schemeClr val="bg1">
+                    <a:lumMod val="65000"/>
+                  </a:schemeClr>
+                </a:solidFill>
+                <a:latin typeface="Monaco"/>
+                <a:cs typeface="Monaco"/>
+              </a:rPr>
+              <a:t>	</a:t>
+            </a:r>
+            <a:r>
+              <a:rPr lang="en-US" dirty="0" smtClean="0">
+                <a:solidFill>
+                  <a:schemeClr val="bg1">
+                    <a:lumMod val="65000"/>
+                  </a:schemeClr>
+                </a:solidFill>
+                <a:latin typeface="Monaco"/>
+                <a:cs typeface="Monaco"/>
+              </a:rPr>
+              <a:t>[7, 9, 11, 13]</a:t>
+            </a:r>
+          </a:p>
+          <a:p>
+            <a:r>
+              <a:rPr lang="en-US" dirty="0" smtClean="0">
+                <a:solidFill>
+                  <a:srgbClr val="000000"/>
+                </a:solidFill>
+                <a:latin typeface="Monaco"/>
+                <a:cs typeface="Monaco"/>
+              </a:rPr>
+              <a:t>print d[:5]  # assumes start at beginning of list</a:t>
+            </a:r>
+          </a:p>
+          <a:p>
+            <a:r>
+              <a:rPr lang="en-US" dirty="0">
+                <a:solidFill>
+                  <a:schemeClr val="bg1">
+                    <a:lumMod val="65000"/>
+                  </a:schemeClr>
+                </a:solidFill>
+                <a:latin typeface="Monaco"/>
+                <a:cs typeface="Monaco"/>
+              </a:rPr>
+              <a:t> </a:t>
+            </a:r>
+            <a:r>
+              <a:rPr lang="en-US" dirty="0" smtClean="0">
+                <a:solidFill>
+                  <a:schemeClr val="bg1">
+                    <a:lumMod val="65000"/>
+                  </a:schemeClr>
+                </a:solidFill>
+                <a:latin typeface="Monaco"/>
+                <a:cs typeface="Monaco"/>
+              </a:rPr>
+              <a:t>  [1, 3, 5, 7, 9]</a:t>
+            </a:r>
+            <a:endParaRPr lang="en-US" dirty="0">
+              <a:solidFill>
+                <a:schemeClr val="bg1">
+                  <a:lumMod val="65000"/>
+                </a:schemeClr>
+              </a:solidFill>
+              <a:latin typeface="Monaco"/>
+              <a:cs typeface="Monaco"/>
+            </a:endParaRPr>
+          </a:p>
+          <a:p>
             <a:endParaRPr lang="en-US" dirty="0" smtClean="0">
               <a:solidFill>
                 <a:schemeClr val="bg1">
@@ -14590,10 +14298,90 @@
           </a:p>
         </p:txBody>
       </p:sp>
+      <p:sp>
+        <p:nvSpPr>
+          <p:cNvPr id="3" name="TextBox 2"/>
+          <p:cNvSpPr txBox="1"/>
+          <p:nvPr/>
+        </p:nvSpPr>
+        <p:spPr>
+          <a:xfrm>
+            <a:off x="2421345" y="4586465"/>
+            <a:ext cx="4504613" cy="369332"/>
+          </a:xfrm>
+          <a:prstGeom prst="rect">
+            <a:avLst/>
+          </a:prstGeom>
+          <a:noFill/>
+        </p:spPr>
+        <p:txBody>
+          <a:bodyPr wrap="square" rtlCol="0">
+            <a:spAutoFit/>
+          </a:bodyPr>
+          <a:lstStyle/>
+          <a:p>
+            <a:r>
+              <a:rPr lang="en-US" dirty="0" smtClean="0">
+                <a:solidFill>
+                  <a:schemeClr val="accent2"/>
+                </a:solidFill>
+              </a:rPr>
+              <a:t>In </a:t>
+            </a:r>
+            <a:r>
+              <a:rPr lang="en-US" dirty="0" smtClean="0">
+                <a:solidFill>
+                  <a:schemeClr val="accent2"/>
+                </a:solidFill>
+                <a:latin typeface="Monaco"/>
+                <a:cs typeface="Monaco"/>
+              </a:rPr>
+              <a:t>[x:y]</a:t>
+            </a:r>
+            <a:r>
+              <a:rPr lang="en-US" dirty="0" smtClean="0">
+                <a:solidFill>
+                  <a:schemeClr val="accent2"/>
+                </a:solidFill>
+              </a:rPr>
+              <a:t>,  x is </a:t>
+            </a:r>
+            <a:r>
+              <a:rPr lang="en-US" u="sng" dirty="0" smtClean="0">
+                <a:solidFill>
+                  <a:schemeClr val="accent2"/>
+                </a:solidFill>
+              </a:rPr>
+              <a:t>inclusive</a:t>
+            </a:r>
+            <a:r>
+              <a:rPr lang="en-US" dirty="0" smtClean="0">
+                <a:solidFill>
+                  <a:schemeClr val="accent2"/>
+                </a:solidFill>
+              </a:rPr>
+              <a:t> and y is </a:t>
+            </a:r>
+            <a:r>
+              <a:rPr lang="en-US" u="sng" dirty="0" smtClean="0">
+                <a:solidFill>
+                  <a:schemeClr val="accent2"/>
+                </a:solidFill>
+              </a:rPr>
+              <a:t>exclusive</a:t>
+            </a:r>
+            <a:endParaRPr lang="en-US" u="sng" dirty="0">
+              <a:solidFill>
+                <a:schemeClr val="accent2"/>
+              </a:solidFill>
+            </a:endParaRPr>
+          </a:p>
+        </p:txBody>
+      </p:sp>
     </p:spTree>
     <p:extLst>
       <p:ext uri="{BB962C8B-B14F-4D97-AF65-F5344CB8AC3E}">
-        <p14:creationId xmlns:p14="http://schemas.microsoft.com/office/powerpoint/2010/main" val="1154438593"/>
+        <p14:creationId xmlns:p14="http://schemas.microsoft.com/office/powerpoint/2010/main" val="4247775296"/>
       </p:ext>
     </p:extLst>
   </p:cSld>
@@ -14637,7 +14425,7 @@
           <a:p>
             <a:r>
               <a:rPr lang="en-US" dirty="0" smtClean="0"/>
-              <a:t>common list methods</a:t>
+              <a:t>indexing in python</a:t>
             </a:r>
             <a:endParaRPr lang="en-US" dirty="0"/>
           </a:p>
@@ -14645,14 +14433,14 @@
       </p:sp>
       <p:sp>
         <p:nvSpPr>
-          <p:cNvPr id="5" name="TextBox 4"/>
+          <p:cNvPr id="4" name="TextBox 3"/>
           <p:cNvSpPr txBox="1"/>
           <p:nvPr/>
         </p:nvSpPr>
         <p:spPr>
           <a:xfrm>
-            <a:off x="265716" y="1632754"/>
-            <a:ext cx="8158734" cy="646331"/>
+            <a:off x="457197" y="1815481"/>
+            <a:ext cx="8442383" cy="2862323"/>
           </a:xfrm>
           <a:prstGeom prst="rect">
             <a:avLst/>
@@ -14666,28 +14454,230 @@
           <a:lstStyle/>
           <a:p>
             <a:r>
-              <a:rPr lang="en-US" dirty="0" smtClean="0">
-                <a:latin typeface="Monaco"/>
-                <a:cs typeface="Monaco"/>
-              </a:rPr>
-              <a:t># Define a list</a:t>
-            </a:r>
-          </a:p>
-          <a:p>
-            <a:r>
-              <a:rPr lang="en-US" dirty="0" smtClean="0">
-                <a:latin typeface="Monaco"/>
-                <a:cs typeface="Monaco"/>
-              </a:rPr>
-              <a:t>a = [1, 3, 5, 7, 9, 11, 13]</a:t>
-            </a:r>
+              <a:rPr lang="en-US" dirty="0">
+                <a:latin typeface="Monaco"/>
+                <a:cs typeface="Monaco"/>
+              </a:rPr>
+              <a:t>d</a:t>
+            </a:r>
+            <a:r>
+              <a:rPr lang="en-US" dirty="0" smtClean="0">
+                <a:latin typeface="Monaco"/>
+                <a:cs typeface="Monaco"/>
+              </a:rPr>
+              <a:t> = [1,  3,  5,  7,  9,  11,  13]</a:t>
+            </a:r>
+          </a:p>
+          <a:p>
+            <a:r>
+              <a:rPr lang="en-US" b="1" dirty="0">
+                <a:solidFill>
+                  <a:schemeClr val="accent2"/>
+                </a:solidFill>
+                <a:latin typeface="Monaco"/>
+                <a:cs typeface="Monaco"/>
+              </a:rPr>
+              <a:t> </a:t>
+            </a:r>
+            <a:r>
+              <a:rPr lang="en-US" b="1" dirty="0" smtClean="0">
+                <a:solidFill>
+                  <a:schemeClr val="accent2"/>
+                </a:solidFill>
+                <a:latin typeface="Monaco"/>
+                <a:cs typeface="Monaco"/>
+              </a:rPr>
+              <a:t>    0   1   2   3   4   5    6   </a:t>
+            </a:r>
+            <a:r>
+              <a:rPr lang="en-US" b="1" dirty="0" smtClean="0">
+                <a:solidFill>
+                  <a:schemeClr val="accent2"/>
+                </a:solidFill>
+                <a:latin typeface="Monaco"/>
+                <a:cs typeface="Monaco"/>
+                <a:sym typeface="Wingdings"/>
+              </a:rPr>
+              <a:t> Indexing starts from 0!</a:t>
+            </a:r>
+            <a:endParaRPr lang="en-US" b="1" dirty="0" smtClean="0">
+              <a:solidFill>
+                <a:schemeClr val="accent2"/>
+              </a:solidFill>
+              <a:latin typeface="Monaco"/>
+              <a:cs typeface="Monaco"/>
+            </a:endParaRPr>
+          </a:p>
+          <a:p>
+            <a:r>
+              <a:rPr lang="en-US" dirty="0" smtClean="0">
+                <a:solidFill>
+                  <a:srgbClr val="D1282E"/>
+                </a:solidFill>
+                <a:latin typeface="Monaco"/>
+                <a:cs typeface="Monaco"/>
+              </a:rPr>
+              <a:t>    -</a:t>
+            </a:r>
+            <a:r>
+              <a:rPr lang="en-US" dirty="0">
+                <a:solidFill>
+                  <a:srgbClr val="D1282E"/>
+                </a:solidFill>
+                <a:latin typeface="Monaco"/>
+                <a:cs typeface="Monaco"/>
+              </a:rPr>
+              <a:t>7</a:t>
+            </a:r>
+            <a:r>
+              <a:rPr lang="en-US" dirty="0" smtClean="0">
+                <a:solidFill>
+                  <a:srgbClr val="D1282E"/>
+                </a:solidFill>
+                <a:latin typeface="Monaco"/>
+                <a:cs typeface="Monaco"/>
+              </a:rPr>
+              <a:t>  -6  -5  -4  -3  -2   -1   </a:t>
+            </a:r>
+            <a:r>
+              <a:rPr lang="en-US" dirty="0" smtClean="0">
+                <a:solidFill>
+                  <a:srgbClr val="D1282E"/>
+                </a:solidFill>
+                <a:latin typeface="Monaco"/>
+                <a:cs typeface="Monaco"/>
+                <a:sym typeface="Wingdings"/>
+              </a:rPr>
+              <a:t> Negative indexing</a:t>
+            </a:r>
+            <a:endParaRPr lang="en-US" dirty="0" smtClean="0">
+              <a:solidFill>
+                <a:srgbClr val="D1282E"/>
+              </a:solidFill>
+              <a:latin typeface="Monaco"/>
+              <a:cs typeface="Monaco"/>
+            </a:endParaRPr>
+          </a:p>
+          <a:p>
+            <a:endParaRPr lang="en-US" dirty="0" smtClean="0">
+              <a:solidFill>
+                <a:srgbClr val="000000"/>
+              </a:solidFill>
+              <a:latin typeface="Monaco"/>
+              <a:cs typeface="Monaco"/>
+            </a:endParaRPr>
+          </a:p>
+          <a:p>
+            <a:r>
+              <a:rPr lang="en-US" dirty="0" smtClean="0">
+                <a:solidFill>
+                  <a:srgbClr val="000000"/>
+                </a:solidFill>
+                <a:latin typeface="Monaco"/>
+                <a:cs typeface="Monaco"/>
+              </a:rPr>
+              <a:t># Index the </a:t>
+            </a:r>
+            <a:r>
+              <a:rPr lang="en-US" i="1" dirty="0" smtClean="0">
+                <a:solidFill>
+                  <a:srgbClr val="000000"/>
+                </a:solidFill>
+                <a:latin typeface="Monaco"/>
+                <a:cs typeface="Monaco"/>
+              </a:rPr>
+              <a:t>last </a:t>
+            </a:r>
+            <a:r>
+              <a:rPr lang="en-US" dirty="0" smtClean="0">
+                <a:solidFill>
+                  <a:srgbClr val="000000"/>
+                </a:solidFill>
+                <a:latin typeface="Monaco"/>
+                <a:cs typeface="Monaco"/>
+              </a:rPr>
+              <a:t>entry in d using brackets []</a:t>
+            </a:r>
+            <a:endParaRPr lang="en-US" dirty="0">
+              <a:solidFill>
+                <a:srgbClr val="000000"/>
+              </a:solidFill>
+              <a:latin typeface="Monaco"/>
+              <a:cs typeface="Monaco"/>
+            </a:endParaRPr>
+          </a:p>
+          <a:p>
+            <a:r>
+              <a:rPr lang="en-US" dirty="0" smtClean="0">
+                <a:solidFill>
+                  <a:srgbClr val="000000"/>
+                </a:solidFill>
+                <a:latin typeface="Monaco"/>
+                <a:cs typeface="Monaco"/>
+              </a:rPr>
+              <a:t>print d[-1]</a:t>
+            </a:r>
+          </a:p>
+          <a:p>
+            <a:r>
+              <a:rPr lang="en-US" dirty="0">
+                <a:solidFill>
+                  <a:schemeClr val="bg1">
+                    <a:lumMod val="65000"/>
+                  </a:schemeClr>
+                </a:solidFill>
+                <a:latin typeface="Monaco"/>
+                <a:cs typeface="Monaco"/>
+              </a:rPr>
+              <a:t>	</a:t>
+            </a:r>
+            <a:r>
+              <a:rPr lang="en-US" dirty="0" smtClean="0">
+                <a:solidFill>
+                  <a:schemeClr val="bg1">
+                    <a:lumMod val="65000"/>
+                  </a:schemeClr>
+                </a:solidFill>
+                <a:latin typeface="Monaco"/>
+                <a:cs typeface="Monaco"/>
+              </a:rPr>
+              <a:t>13</a:t>
+            </a:r>
+          </a:p>
+          <a:p>
+            <a:endParaRPr lang="en-US" dirty="0">
+              <a:solidFill>
+                <a:schemeClr val="bg1">
+                  <a:lumMod val="65000"/>
+                </a:schemeClr>
+              </a:solidFill>
+              <a:latin typeface="Monaco"/>
+              <a:cs typeface="Monaco"/>
+            </a:endParaRPr>
+          </a:p>
+          <a:p>
+            <a:endParaRPr lang="en-US" dirty="0" smtClean="0">
+              <a:solidFill>
+                <a:schemeClr val="bg1">
+                  <a:lumMod val="65000"/>
+                </a:schemeClr>
+              </a:solidFill>
+              <a:latin typeface="Monaco"/>
+              <a:cs typeface="Monaco"/>
+            </a:endParaRPr>
+          </a:p>
+          <a:p>
+            <a:endParaRPr lang="en-US" dirty="0" smtClean="0">
+              <a:latin typeface="Monaco"/>
+              <a:cs typeface="Monaco"/>
+            </a:endParaRPr>
           </a:p>
         </p:txBody>
       </p:sp>
     </p:spTree>
     <p:extLst>
       <p:ext uri="{BB962C8B-B14F-4D97-AF65-F5344CB8AC3E}">
-        <p14:creationId xmlns:p14="http://schemas.microsoft.com/office/powerpoint/2010/main" val="1987330579"/>
+        <p14:creationId xmlns:p14="http://schemas.microsoft.com/office/powerpoint/2010/main" val="1154438593"/>
       </p:ext>
     </p:extLst>
   </p:cSld>
@@ -14746,7 +14736,7 @@
         <p:spPr>
           <a:xfrm>
             <a:off x="265716" y="1632754"/>
-            <a:ext cx="8158734" cy="2031325"/>
+            <a:ext cx="8158734" cy="646331"/>
           </a:xfrm>
           <a:prstGeom prst="rect">
             <a:avLst/>
@@ -14774,97 +14764,6 @@
                 <a:cs typeface="Monaco"/>
               </a:rPr>
               <a:t>a = [1, 3, 5, 7, 9, 11, 13]</a:t>
-            </a:r>
-          </a:p>
-          <a:p>
-            <a:endParaRPr lang="en-US" dirty="0" smtClean="0">
-              <a:latin typeface="Monaco"/>
-              <a:cs typeface="Monaco"/>
-            </a:endParaRPr>
-          </a:p>
-          <a:p>
-            <a:r>
-              <a:rPr lang="en-US" dirty="0" smtClean="0">
-                <a:latin typeface="Monaco"/>
-                <a:cs typeface="Monaco"/>
-              </a:rPr>
-              <a:t># The </a:t>
-            </a:r>
-            <a:r>
-              <a:rPr lang="en-US" i="1" dirty="0" smtClean="0">
-                <a:latin typeface="Monaco"/>
-                <a:cs typeface="Monaco"/>
-              </a:rPr>
-              <a:t>.append()</a:t>
-            </a:r>
-            <a:r>
-              <a:rPr lang="en-US" dirty="0" smtClean="0">
-                <a:latin typeface="Monaco"/>
-                <a:cs typeface="Monaco"/>
-              </a:rPr>
-              <a:t> method adds a value to the end of the list</a:t>
-            </a:r>
-            <a:endParaRPr lang="en-US" dirty="0">
-              <a:latin typeface="Monaco"/>
-              <a:cs typeface="Monaco"/>
-            </a:endParaRPr>
-          </a:p>
-          <a:p>
-            <a:r>
-              <a:rPr lang="en-US" dirty="0" err="1" smtClean="0">
-                <a:latin typeface="Monaco"/>
-                <a:cs typeface="Monaco"/>
-              </a:rPr>
-              <a:t>a.append</a:t>
-            </a:r>
-            <a:r>
-              <a:rPr lang="en-US" dirty="0" smtClean="0">
-                <a:latin typeface="Monaco"/>
-                <a:cs typeface="Monaco"/>
-              </a:rPr>
-              <a:t>(15)</a:t>
-            </a:r>
-          </a:p>
-          <a:p>
-            <a:r>
-              <a:rPr lang="en-US" dirty="0" smtClean="0">
-                <a:latin typeface="Monaco"/>
-                <a:cs typeface="Monaco"/>
-              </a:rPr>
-              <a:t>print a</a:t>
-            </a:r>
-          </a:p>
-          <a:p>
-            <a:r>
-              <a:rPr lang="en-US" dirty="0">
-                <a:latin typeface="Monaco"/>
-                <a:cs typeface="Monaco"/>
-              </a:rPr>
-              <a:t>	</a:t>
-            </a:r>
-            <a:r>
-              <a:rPr lang="en-US" dirty="0">
-                <a:solidFill>
-                  <a:schemeClr val="bg1">
-                    <a:lumMod val="65000"/>
-                  </a:schemeClr>
-                </a:solidFill>
-                <a:latin typeface="Monaco"/>
-                <a:cs typeface="Monaco"/>
-              </a:rPr>
-              <a:t>[1, 3, 5, 7, 9, 11, </a:t>
-            </a:r>
-            <a:r>
-              <a:rPr lang="en-US" dirty="0" smtClean="0">
-                <a:solidFill>
-                  <a:schemeClr val="bg1">
-                    <a:lumMod val="65000"/>
-                  </a:schemeClr>
-                </a:solidFill>
-                <a:latin typeface="Monaco"/>
-                <a:cs typeface="Monaco"/>
-              </a:rPr>
-              <a:t>13, 15]</a:t>
             </a:r>
           </a:p>
         </p:txBody>
@@ -14931,7 +14830,7 @@
         <p:spPr>
           <a:xfrm>
             <a:off x="265716" y="1632754"/>
-            <a:ext cx="8158734" cy="3139321"/>
+            <a:ext cx="8158734" cy="2031325"/>
           </a:xfrm>
           <a:prstGeom prst="rect">
             <a:avLst/>
@@ -15050,98 +14949,6 @@
                 <a:cs typeface="Monaco"/>
               </a:rPr>
               <a:t>13, 15]</a:t>
-            </a:r>
-          </a:p>
-          <a:p>
-            <a:endParaRPr lang="en-US" dirty="0">
-              <a:solidFill>
-                <a:schemeClr val="bg1">
-                  <a:lumMod val="65000"/>
-                </a:schemeClr>
-              </a:solidFill>
-              <a:latin typeface="Monaco"/>
-              <a:cs typeface="Monaco"/>
-            </a:endParaRPr>
-          </a:p>
-          <a:p>
-            <a:r>
-              <a:rPr lang="en-US" dirty="0">
-                <a:latin typeface="Monaco"/>
-                <a:cs typeface="Monaco"/>
-              </a:rPr>
-              <a:t># The </a:t>
-            </a:r>
-            <a:r>
-              <a:rPr lang="en-US" i="1" dirty="0" smtClean="0">
-                <a:latin typeface="Monaco"/>
-                <a:cs typeface="Monaco"/>
-              </a:rPr>
-              <a:t>.index(</a:t>
-            </a:r>
-            <a:r>
-              <a:rPr lang="en-US" i="1" dirty="0">
-                <a:latin typeface="Monaco"/>
-                <a:cs typeface="Monaco"/>
-              </a:rPr>
-              <a:t>)</a:t>
-            </a:r>
-            <a:r>
-              <a:rPr lang="en-US" dirty="0">
-                <a:latin typeface="Monaco"/>
-                <a:cs typeface="Monaco"/>
-              </a:rPr>
-              <a:t> method </a:t>
-            </a:r>
-            <a:r>
-              <a:rPr lang="en-US" dirty="0" smtClean="0">
-                <a:latin typeface="Monaco"/>
-                <a:cs typeface="Monaco"/>
-              </a:rPr>
-              <a:t>extracts the index of a given value</a:t>
-            </a:r>
-          </a:p>
-          <a:p>
-            <a:r>
-              <a:rPr lang="en-US" dirty="0" smtClean="0">
-                <a:latin typeface="Monaco"/>
-                <a:cs typeface="Monaco"/>
-              </a:rPr>
-              <a:t>print </a:t>
-            </a:r>
-            <a:r>
-              <a:rPr lang="en-US" dirty="0" err="1" smtClean="0">
-                <a:latin typeface="Monaco"/>
-                <a:cs typeface="Monaco"/>
-              </a:rPr>
-              <a:t>a.index</a:t>
-            </a:r>
-            <a:r>
-              <a:rPr lang="en-US" dirty="0" smtClean="0">
-                <a:latin typeface="Monaco"/>
-                <a:cs typeface="Monaco"/>
-              </a:rPr>
-              <a:t>(3)</a:t>
-            </a:r>
-          </a:p>
-          <a:p>
-            <a:r>
-              <a:rPr lang="en-US" dirty="0" smtClean="0">
-                <a:latin typeface="Monaco"/>
-                <a:cs typeface="Monaco"/>
-              </a:rPr>
-              <a:t>	</a:t>
-            </a:r>
-            <a:r>
-              <a:rPr lang="en-US" dirty="0" smtClean="0">
-                <a:solidFill>
-                  <a:schemeClr val="bg1">
-                    <a:lumMod val="65000"/>
-                  </a:schemeClr>
-                </a:solidFill>
-                <a:latin typeface="Monaco"/>
-                <a:cs typeface="Monaco"/>
-              </a:rPr>
-              <a:t>1</a:t>
             </a:r>
           </a:p>
         </p:txBody>
@@ -15208,7 +15015,7 @@
         <p:spPr>
           <a:xfrm>
             <a:off x="265716" y="1632754"/>
-            <a:ext cx="8158734" cy="4247317"/>
+            <a:ext cx="8158734" cy="3139321"/>
           </a:xfrm>
           <a:prstGeom prst="rect">
             <a:avLst/>
@@ -15419,106 +15226,6 @@
                 <a:cs typeface="Monaco"/>
               </a:rPr>
               <a:t>1</a:t>
-            </a:r>
-          </a:p>
-          <a:p>
-            <a:endParaRPr lang="en-US" dirty="0">
-              <a:solidFill>
-                <a:schemeClr val="bg1">
-                  <a:lumMod val="65000"/>
-                </a:schemeClr>
-              </a:solidFill>
-              <a:latin typeface="Monaco"/>
-              <a:cs typeface="Monaco"/>
-            </a:endParaRPr>
-          </a:p>
-          <a:p>
-            <a:r>
-              <a:rPr lang="en-US" dirty="0">
-                <a:latin typeface="Monaco"/>
-                <a:cs typeface="Monaco"/>
-              </a:rPr>
-              <a:t># The </a:t>
-            </a:r>
-            <a:r>
-              <a:rPr lang="en-US" i="1" dirty="0" smtClean="0">
-                <a:latin typeface="Monaco"/>
-                <a:cs typeface="Monaco"/>
-              </a:rPr>
-              <a:t>.pop(</a:t>
-            </a:r>
-            <a:r>
-              <a:rPr lang="en-US" i="1" dirty="0">
-                <a:latin typeface="Monaco"/>
-                <a:cs typeface="Monaco"/>
-              </a:rPr>
-              <a:t>)</a:t>
-            </a:r>
-            <a:r>
-              <a:rPr lang="en-US" dirty="0">
-                <a:latin typeface="Monaco"/>
-                <a:cs typeface="Monaco"/>
-              </a:rPr>
-              <a:t> method </a:t>
-            </a:r>
-            <a:r>
-              <a:rPr lang="en-US" dirty="0" smtClean="0">
-                <a:latin typeface="Monaco"/>
-                <a:cs typeface="Monaco"/>
-              </a:rPr>
-              <a:t>removes a certain index from the list</a:t>
-            </a:r>
-            <a:endParaRPr lang="en-US" dirty="0">
-              <a:latin typeface="Monaco"/>
-              <a:cs typeface="Monaco"/>
-            </a:endParaRPr>
-          </a:p>
-          <a:p>
-            <a:r>
-              <a:rPr lang="en-US" dirty="0">
-                <a:latin typeface="Monaco"/>
-                <a:cs typeface="Monaco"/>
-              </a:rPr>
-              <a:t>print </a:t>
-            </a:r>
-            <a:r>
-              <a:rPr lang="en-US" dirty="0" err="1" smtClean="0">
-                <a:latin typeface="Monaco"/>
-                <a:cs typeface="Monaco"/>
-              </a:rPr>
-              <a:t>a.pop</a:t>
-            </a:r>
-            <a:r>
-              <a:rPr lang="en-US" dirty="0" smtClean="0">
-                <a:latin typeface="Monaco"/>
-                <a:cs typeface="Monaco"/>
-              </a:rPr>
-              <a:t>(1)</a:t>
-            </a:r>
-            <a:endParaRPr lang="en-US" dirty="0">
-              <a:latin typeface="Monaco"/>
-              <a:cs typeface="Monaco"/>
-            </a:endParaRPr>
-          </a:p>
-          <a:p>
-            <a:r>
-              <a:rPr lang="en-US" dirty="0">
-                <a:latin typeface="Monaco"/>
-                <a:cs typeface="Monaco"/>
-              </a:rPr>
-              <a:t>	</a:t>
-            </a:r>
-            <a:r>
-              <a:rPr lang="en-US" dirty="0" smtClean="0">
-                <a:solidFill>
-                  <a:schemeClr val="bg1">
-                    <a:lumMod val="65000"/>
-                  </a:schemeClr>
-                </a:solidFill>
-                <a:latin typeface="Monaco"/>
-                <a:cs typeface="Monaco"/>
-              </a:rPr>
-              <a:t>[1, 5, 7, 9, 11, 13]</a:t>
             </a:r>
           </a:p>
         </p:txBody>
@@ -15718,7 +15425,7 @@
         <p:spPr>
           <a:xfrm>
             <a:off x="265716" y="1632754"/>
-            <a:ext cx="8158734" cy="5078314"/>
+            <a:ext cx="8158734" cy="4247317"/>
           </a:xfrm>
           <a:prstGeom prst="rect">
             <a:avLst/>
@@ -16031,102 +15738,12 @@
               <a:t>[1, 5, 7, 9, 11, 13]</a:t>
             </a:r>
           </a:p>
-          <a:p>
-            <a:endParaRPr lang="en-US" dirty="0">
-              <a:latin typeface="Monaco"/>
-              <a:cs typeface="Monaco"/>
-            </a:endParaRPr>
-          </a:p>
-          <a:p>
-            <a:r>
-              <a:rPr lang="en-US" dirty="0">
-                <a:latin typeface="Monaco"/>
-                <a:cs typeface="Monaco"/>
-              </a:rPr>
-              <a:t>print </a:t>
-            </a:r>
-            <a:r>
-              <a:rPr lang="en-US" dirty="0" err="1">
-                <a:latin typeface="Monaco"/>
-                <a:cs typeface="Monaco"/>
-              </a:rPr>
-              <a:t>a.pop</a:t>
-            </a:r>
-            <a:r>
-              <a:rPr lang="en-US" dirty="0" smtClean="0">
-                <a:latin typeface="Monaco"/>
-                <a:cs typeface="Monaco"/>
-              </a:rPr>
-              <a:t>() # Default behavior removes last index</a:t>
-            </a:r>
-            <a:endParaRPr lang="en-US" dirty="0">
-              <a:latin typeface="Monaco"/>
-              <a:cs typeface="Monaco"/>
-            </a:endParaRPr>
-          </a:p>
-          <a:p>
-            <a:r>
-              <a:rPr lang="en-US" dirty="0">
-                <a:latin typeface="Monaco"/>
-                <a:cs typeface="Monaco"/>
-              </a:rPr>
-              <a:t>	</a:t>
-            </a:r>
-            <a:r>
-              <a:rPr lang="en-US" dirty="0">
-                <a:solidFill>
-                  <a:schemeClr val="bg1">
-                    <a:lumMod val="65000"/>
-                  </a:schemeClr>
-                </a:solidFill>
-                <a:latin typeface="Monaco"/>
-                <a:cs typeface="Monaco"/>
-              </a:rPr>
-              <a:t>[1, </a:t>
-            </a:r>
-            <a:r>
-              <a:rPr lang="en-US" dirty="0" smtClean="0">
-                <a:solidFill>
-                  <a:schemeClr val="bg1">
-                    <a:lumMod val="65000"/>
-                  </a:schemeClr>
-                </a:solidFill>
-                <a:latin typeface="Monaco"/>
-                <a:cs typeface="Monaco"/>
-              </a:rPr>
-              <a:t>3, 5</a:t>
-            </a:r>
-            <a:r>
-              <a:rPr lang="en-US" dirty="0">
-                <a:solidFill>
-                  <a:schemeClr val="bg1">
-                    <a:lumMod val="65000"/>
-                  </a:schemeClr>
-                </a:solidFill>
-                <a:latin typeface="Monaco"/>
-                <a:cs typeface="Monaco"/>
-              </a:rPr>
-              <a:t>, 7, 9, </a:t>
-            </a:r>
-            <a:r>
-              <a:rPr lang="en-US" dirty="0" smtClean="0">
-                <a:solidFill>
-                  <a:schemeClr val="bg1">
-                    <a:lumMod val="65000"/>
-                  </a:schemeClr>
-                </a:solidFill>
-                <a:latin typeface="Monaco"/>
-                <a:cs typeface="Monaco"/>
-              </a:rPr>
-              <a:t>11]</a:t>
-            </a:r>
-          </a:p>
         </p:txBody>
       </p:sp>
     </p:spTree>
     <p:extLst>
       <p:ext uri="{BB962C8B-B14F-4D97-AF65-F5344CB8AC3E}">
-        <p14:creationId xmlns:p14="http://schemas.microsoft.com/office/powerpoint/2010/main" val="3967659267"/>
+        <p14:creationId xmlns:p14="http://schemas.microsoft.com/office/powerpoint/2010/main" val="1987330579"/>
       </p:ext>
     </p:extLst>
   </p:cSld>
@@ -16170,7 +15787,7 @@
           <a:p>
             <a:r>
               <a:rPr lang="en-US" dirty="0" smtClean="0"/>
-              <a:t>python strings</a:t>
+              <a:t>common list methods</a:t>
             </a:r>
             <a:endParaRPr lang="en-US" dirty="0"/>
           </a:p>
@@ -16178,35 +15795,422 @@
       </p:sp>
       <p:sp>
         <p:nvSpPr>
-          <p:cNvPr id="3" name="Content Placeholder 2"/>
-          <p:cNvSpPr>
-            <a:spLocks noGrp="1"/>
-          </p:cNvSpPr>
-          <p:nvPr>
-            <p:ph idx="1"/>
-          </p:nvPr>
-        </p:nvSpPr>
-        <p:spPr/>
-        <p:txBody>
-          <a:bodyPr/>
-          <a:lstStyle/>
-          <a:p>
-            <a:pPr marL="457200" indent="-457200">
-              <a:buFont typeface="Arial"/>
-              <a:buChar char="•"/>
-            </a:pPr>
-            <a:r>
-              <a:rPr lang="en-US" dirty="0" smtClean="0"/>
-              <a:t>Strings are defined with quotes: " " or ' '</a:t>
-            </a:r>
-            <a:endParaRPr lang="en-US" dirty="0"/>
+          <p:cNvPr id="5" name="TextBox 4"/>
+          <p:cNvSpPr txBox="1"/>
+          <p:nvPr/>
+        </p:nvSpPr>
+        <p:spPr>
+          <a:xfrm>
+            <a:off x="265716" y="1632754"/>
+            <a:ext cx="8158734" cy="5078314"/>
+          </a:xfrm>
+          <a:prstGeom prst="rect">
+            <a:avLst/>
+          </a:prstGeom>
+          <a:noFill/>
+        </p:spPr>
+        <p:txBody>
+          <a:bodyPr wrap="square" rtlCol="0">
+            <a:spAutoFit/>
+          </a:bodyPr>
+          <a:lstStyle/>
+          <a:p>
+            <a:r>
+              <a:rPr lang="en-US" dirty="0" smtClean="0">
+                <a:latin typeface="Monaco"/>
+                <a:cs typeface="Monaco"/>
+              </a:rPr>
+              <a:t># Define a list</a:t>
+            </a:r>
+          </a:p>
+          <a:p>
+            <a:r>
+              <a:rPr lang="en-US" dirty="0" smtClean="0">
+                <a:latin typeface="Monaco"/>
+                <a:cs typeface="Monaco"/>
+              </a:rPr>
+              <a:t>a = [1, 3, 5, 7, 9, 11, 13]</a:t>
+            </a:r>
+          </a:p>
+          <a:p>
+            <a:endParaRPr lang="en-US" dirty="0" smtClean="0">
+              <a:latin typeface="Monaco"/>
+              <a:cs typeface="Monaco"/>
+            </a:endParaRPr>
+          </a:p>
+          <a:p>
+            <a:r>
+              <a:rPr lang="en-US" dirty="0" smtClean="0">
+                <a:latin typeface="Monaco"/>
+                <a:cs typeface="Monaco"/>
+              </a:rPr>
+              <a:t># The </a:t>
+            </a:r>
+            <a:r>
+              <a:rPr lang="en-US" i="1" dirty="0" smtClean="0">
+                <a:latin typeface="Monaco"/>
+                <a:cs typeface="Monaco"/>
+              </a:rPr>
+              <a:t>.append()</a:t>
+            </a:r>
+            <a:r>
+              <a:rPr lang="en-US" dirty="0" smtClean="0">
+                <a:latin typeface="Monaco"/>
+                <a:cs typeface="Monaco"/>
+              </a:rPr>
+              <a:t> method adds a value to the end of the list</a:t>
+            </a:r>
+            <a:endParaRPr lang="en-US" dirty="0">
+              <a:latin typeface="Monaco"/>
+              <a:cs typeface="Monaco"/>
+            </a:endParaRPr>
+          </a:p>
+          <a:p>
+            <a:r>
+              <a:rPr lang="en-US" dirty="0" err="1" smtClean="0">
+                <a:latin typeface="Monaco"/>
+                <a:cs typeface="Monaco"/>
+              </a:rPr>
+              <a:t>a.append</a:t>
+            </a:r>
+            <a:r>
+              <a:rPr lang="en-US" dirty="0" smtClean="0">
+                <a:latin typeface="Monaco"/>
+                <a:cs typeface="Monaco"/>
+              </a:rPr>
+              <a:t>(15)</a:t>
+            </a:r>
+          </a:p>
+          <a:p>
+            <a:r>
+              <a:rPr lang="en-US" dirty="0" smtClean="0">
+                <a:latin typeface="Monaco"/>
+                <a:cs typeface="Monaco"/>
+              </a:rPr>
+              <a:t>print a</a:t>
+            </a:r>
+          </a:p>
+          <a:p>
+            <a:r>
+              <a:rPr lang="en-US" dirty="0">
+                <a:latin typeface="Monaco"/>
+                <a:cs typeface="Monaco"/>
+              </a:rPr>
+              <a:t>	</a:t>
+            </a:r>
+            <a:r>
+              <a:rPr lang="en-US" dirty="0">
+                <a:solidFill>
+                  <a:schemeClr val="bg1">
+                    <a:lumMod val="65000"/>
+                  </a:schemeClr>
+                </a:solidFill>
+                <a:latin typeface="Monaco"/>
+                <a:cs typeface="Monaco"/>
+              </a:rPr>
+              <a:t>[1, 3, 5, 7, 9, 11, </a:t>
+            </a:r>
+            <a:r>
+              <a:rPr lang="en-US" dirty="0" smtClean="0">
+                <a:solidFill>
+                  <a:schemeClr val="bg1">
+                    <a:lumMod val="65000"/>
+                  </a:schemeClr>
+                </a:solidFill>
+                <a:latin typeface="Monaco"/>
+                <a:cs typeface="Monaco"/>
+              </a:rPr>
+              <a:t>13, 15]</a:t>
+            </a:r>
+          </a:p>
+          <a:p>
+            <a:endParaRPr lang="en-US" dirty="0">
+              <a:solidFill>
+                <a:schemeClr val="bg1">
+                  <a:lumMod val="65000"/>
+                </a:schemeClr>
+              </a:solidFill>
+              <a:latin typeface="Monaco"/>
+              <a:cs typeface="Monaco"/>
+            </a:endParaRPr>
+          </a:p>
+          <a:p>
+            <a:r>
+              <a:rPr lang="en-US" dirty="0">
+                <a:latin typeface="Monaco"/>
+                <a:cs typeface="Monaco"/>
+              </a:rPr>
+              <a:t># The </a:t>
+            </a:r>
+            <a:r>
+              <a:rPr lang="en-US" i="1" dirty="0" smtClean="0">
+                <a:latin typeface="Monaco"/>
+                <a:cs typeface="Monaco"/>
+              </a:rPr>
+              <a:t>.index(</a:t>
+            </a:r>
+            <a:r>
+              <a:rPr lang="en-US" i="1" dirty="0">
+                <a:latin typeface="Monaco"/>
+                <a:cs typeface="Monaco"/>
+              </a:rPr>
+              <a:t>)</a:t>
+            </a:r>
+            <a:r>
+              <a:rPr lang="en-US" dirty="0">
+                <a:latin typeface="Monaco"/>
+                <a:cs typeface="Monaco"/>
+              </a:rPr>
+              <a:t> method </a:t>
+            </a:r>
+            <a:r>
+              <a:rPr lang="en-US" dirty="0" smtClean="0">
+                <a:latin typeface="Monaco"/>
+                <a:cs typeface="Monaco"/>
+              </a:rPr>
+              <a:t>extracts the index of a given value</a:t>
+            </a:r>
+          </a:p>
+          <a:p>
+            <a:r>
+              <a:rPr lang="en-US" dirty="0" smtClean="0">
+                <a:latin typeface="Monaco"/>
+                <a:cs typeface="Monaco"/>
+              </a:rPr>
+              <a:t>print </a:t>
+            </a:r>
+            <a:r>
+              <a:rPr lang="en-US" dirty="0" err="1" smtClean="0">
+                <a:latin typeface="Monaco"/>
+                <a:cs typeface="Monaco"/>
+              </a:rPr>
+              <a:t>a.index</a:t>
+            </a:r>
+            <a:r>
+              <a:rPr lang="en-US" dirty="0" smtClean="0">
+                <a:latin typeface="Monaco"/>
+                <a:cs typeface="Monaco"/>
+              </a:rPr>
+              <a:t>(3)</a:t>
+            </a:r>
+          </a:p>
+          <a:p>
+            <a:r>
+              <a:rPr lang="en-US" dirty="0" smtClean="0">
+                <a:latin typeface="Monaco"/>
+                <a:cs typeface="Monaco"/>
+              </a:rPr>
+              <a:t>	</a:t>
+            </a:r>
+            <a:r>
+              <a:rPr lang="en-US" dirty="0" smtClean="0">
+                <a:solidFill>
+                  <a:schemeClr val="bg1">
+                    <a:lumMod val="65000"/>
+                  </a:schemeClr>
+                </a:solidFill>
+                <a:latin typeface="Monaco"/>
+                <a:cs typeface="Monaco"/>
+              </a:rPr>
+              <a:t>1</a:t>
+            </a:r>
+          </a:p>
+          <a:p>
+            <a:endParaRPr lang="en-US" dirty="0">
+              <a:solidFill>
+                <a:schemeClr val="bg1">
+                  <a:lumMod val="65000"/>
+                </a:schemeClr>
+              </a:solidFill>
+              <a:latin typeface="Monaco"/>
+              <a:cs typeface="Monaco"/>
+            </a:endParaRPr>
+          </a:p>
+          <a:p>
+            <a:r>
+              <a:rPr lang="en-US" dirty="0">
+                <a:latin typeface="Monaco"/>
+                <a:cs typeface="Monaco"/>
+              </a:rPr>
+              <a:t># The </a:t>
+            </a:r>
+            <a:r>
+              <a:rPr lang="en-US" i="1" dirty="0" smtClean="0">
+                <a:latin typeface="Monaco"/>
+                <a:cs typeface="Monaco"/>
+              </a:rPr>
+              <a:t>.pop(</a:t>
+            </a:r>
+            <a:r>
+              <a:rPr lang="en-US" i="1" dirty="0">
+                <a:latin typeface="Monaco"/>
+                <a:cs typeface="Monaco"/>
+              </a:rPr>
+              <a:t>)</a:t>
+            </a:r>
+            <a:r>
+              <a:rPr lang="en-US" dirty="0">
+                <a:latin typeface="Monaco"/>
+                <a:cs typeface="Monaco"/>
+              </a:rPr>
+              <a:t> method </a:t>
+            </a:r>
+            <a:r>
+              <a:rPr lang="en-US" dirty="0" smtClean="0">
+                <a:latin typeface="Monaco"/>
+                <a:cs typeface="Monaco"/>
+              </a:rPr>
+              <a:t>removes a certain index from the list</a:t>
+            </a:r>
+            <a:endParaRPr lang="en-US" dirty="0">
+              <a:latin typeface="Monaco"/>
+              <a:cs typeface="Monaco"/>
+            </a:endParaRPr>
+          </a:p>
+          <a:p>
+            <a:r>
+              <a:rPr lang="en-US" dirty="0">
+                <a:latin typeface="Monaco"/>
+                <a:cs typeface="Monaco"/>
+              </a:rPr>
+              <a:t>print </a:t>
+            </a:r>
+            <a:r>
+              <a:rPr lang="en-US" dirty="0" err="1" smtClean="0">
+                <a:latin typeface="Monaco"/>
+                <a:cs typeface="Monaco"/>
+              </a:rPr>
+              <a:t>a.pop</a:t>
+            </a:r>
+            <a:r>
+              <a:rPr lang="en-US" dirty="0" smtClean="0">
+                <a:latin typeface="Monaco"/>
+                <a:cs typeface="Monaco"/>
+              </a:rPr>
+              <a:t>(1)</a:t>
+            </a:r>
+            <a:endParaRPr lang="en-US" dirty="0">
+              <a:latin typeface="Monaco"/>
+              <a:cs typeface="Monaco"/>
+            </a:endParaRPr>
+          </a:p>
+          <a:p>
+            <a:r>
+              <a:rPr lang="en-US" dirty="0">
+                <a:latin typeface="Monaco"/>
+                <a:cs typeface="Monaco"/>
+              </a:rPr>
+              <a:t>	</a:t>
+            </a:r>
+            <a:r>
+              <a:rPr lang="en-US" dirty="0" smtClean="0">
+                <a:solidFill>
+                  <a:schemeClr val="bg1">
+                    <a:lumMod val="65000"/>
+                  </a:schemeClr>
+                </a:solidFill>
+                <a:latin typeface="Monaco"/>
+                <a:cs typeface="Monaco"/>
+              </a:rPr>
+              <a:t>[1, 5, 7, 9, 11, 13]</a:t>
+            </a:r>
+          </a:p>
+          <a:p>
+            <a:endParaRPr lang="en-US" dirty="0">
+              <a:latin typeface="Monaco"/>
+              <a:cs typeface="Monaco"/>
+            </a:endParaRPr>
+          </a:p>
+          <a:p>
+            <a:r>
+              <a:rPr lang="en-US" dirty="0">
+                <a:latin typeface="Monaco"/>
+                <a:cs typeface="Monaco"/>
+              </a:rPr>
+              <a:t>print </a:t>
+            </a:r>
+            <a:r>
+              <a:rPr lang="en-US" dirty="0" err="1">
+                <a:latin typeface="Monaco"/>
+                <a:cs typeface="Monaco"/>
+              </a:rPr>
+              <a:t>a.pop</a:t>
+            </a:r>
+            <a:r>
+              <a:rPr lang="en-US" dirty="0" smtClean="0">
+                <a:latin typeface="Monaco"/>
+                <a:cs typeface="Monaco"/>
+              </a:rPr>
+              <a:t>() # Default behavior removes last index</a:t>
+            </a:r>
+            <a:endParaRPr lang="en-US" dirty="0">
+              <a:latin typeface="Monaco"/>
+              <a:cs typeface="Monaco"/>
+            </a:endParaRPr>
+          </a:p>
+          <a:p>
+            <a:r>
+              <a:rPr lang="en-US" dirty="0">
+                <a:latin typeface="Monaco"/>
+                <a:cs typeface="Monaco"/>
+              </a:rPr>
+              <a:t>	</a:t>
+            </a:r>
+            <a:r>
+              <a:rPr lang="en-US" dirty="0">
+                <a:solidFill>
+                  <a:schemeClr val="bg1">
+                    <a:lumMod val="65000"/>
+                  </a:schemeClr>
+                </a:solidFill>
+                <a:latin typeface="Monaco"/>
+                <a:cs typeface="Monaco"/>
+              </a:rPr>
+              <a:t>[1, </a:t>
+            </a:r>
+            <a:r>
+              <a:rPr lang="en-US" dirty="0" smtClean="0">
+                <a:solidFill>
+                  <a:schemeClr val="bg1">
+                    <a:lumMod val="65000"/>
+                  </a:schemeClr>
+                </a:solidFill>
+                <a:latin typeface="Monaco"/>
+                <a:cs typeface="Monaco"/>
+              </a:rPr>
+              <a:t>3, 5</a:t>
+            </a:r>
+            <a:r>
+              <a:rPr lang="en-US" dirty="0">
+                <a:solidFill>
+                  <a:schemeClr val="bg1">
+                    <a:lumMod val="65000"/>
+                  </a:schemeClr>
+                </a:solidFill>
+                <a:latin typeface="Monaco"/>
+                <a:cs typeface="Monaco"/>
+              </a:rPr>
+              <a:t>, 7, 9, </a:t>
+            </a:r>
+            <a:r>
+              <a:rPr lang="en-US" dirty="0" smtClean="0">
+                <a:solidFill>
+                  <a:schemeClr val="bg1">
+                    <a:lumMod val="65000"/>
+                  </a:schemeClr>
+                </a:solidFill>
+                <a:latin typeface="Monaco"/>
+                <a:cs typeface="Monaco"/>
+              </a:rPr>
+              <a:t>11]</a:t>
+            </a:r>
           </a:p>
         </p:txBody>
       </p:sp>
     </p:spTree>
     <p:extLst>
       <p:ext uri="{BB962C8B-B14F-4D97-AF65-F5344CB8AC3E}">
-        <p14:creationId xmlns:p14="http://schemas.microsoft.com/office/powerpoint/2010/main" val="1830553948"/>
+        <p14:creationId xmlns:p14="http://schemas.microsoft.com/office/powerpoint/2010/main" val="3967659267"/>
       </p:ext>
     </p:extLst>
   </p:cSld>
@@ -16280,80 +16284,6 @@
               <a:t>Strings are defined with quotes: " " or ' '</a:t>
             </a:r>
             <a:endParaRPr lang="en-US" dirty="0"/>
-          </a:p>
-        </p:txBody>
-      </p:sp>
-      <p:sp>
-        <p:nvSpPr>
-          <p:cNvPr id="4" name="TextBox 3"/>
-          <p:cNvSpPr txBox="1"/>
-          <p:nvPr/>
-        </p:nvSpPr>
-        <p:spPr>
-          <a:xfrm>
-            <a:off x="622063" y="2372800"/>
-            <a:ext cx="7290705" cy="1754327"/>
-          </a:xfrm>
-          <a:prstGeom prst="rect">
-            <a:avLst/>
-          </a:prstGeom>
-          <a:noFill/>
-        </p:spPr>
-        <p:txBody>
-          <a:bodyPr wrap="square" rtlCol="0">
-            <a:spAutoFit/>
-          </a:bodyPr>
-          <a:lstStyle/>
-          <a:p>
-            <a:r>
-              <a:rPr lang="en-US" dirty="0" smtClean="0">
-                <a:latin typeface="Monaco"/>
-                <a:cs typeface="Monaco"/>
-              </a:rPr>
-              <a:t># Define some example strings</a:t>
-            </a:r>
-          </a:p>
-          <a:p>
-            <a:r>
-              <a:rPr lang="en-US" dirty="0" smtClean="0">
-                <a:latin typeface="Monaco"/>
-                <a:cs typeface="Monaco"/>
-              </a:rPr>
-              <a:t>a = "s"</a:t>
-            </a:r>
-          </a:p>
-          <a:p>
-            <a:r>
-              <a:rPr lang="en-US" dirty="0" smtClean="0">
-                <a:latin typeface="Monaco"/>
-                <a:cs typeface="Monaco"/>
-              </a:rPr>
-              <a:t>b = "python"</a:t>
-            </a:r>
-          </a:p>
-          <a:p>
-            <a:r>
-              <a:rPr lang="en-US" dirty="0" smtClean="0">
-                <a:latin typeface="Monaco"/>
-                <a:cs typeface="Monaco"/>
-              </a:rPr>
-              <a:t>c = "I love python!"</a:t>
-            </a:r>
-          </a:p>
-          <a:p>
-            <a:r>
-              <a:rPr lang="en-US" dirty="0" smtClean="0">
-                <a:latin typeface="Monaco"/>
-                <a:cs typeface="Monaco"/>
-              </a:rPr>
-              <a:t>d = "55"   </a:t>
-            </a:r>
-          </a:p>
-          <a:p>
-            <a:endParaRPr lang="en-US" dirty="0">
-              <a:latin typeface="Monaco"/>
-              <a:cs typeface="Monaco"/>
-            </a:endParaRPr>
           </a:p>
         </p:txBody>
       </p:sp>
@@ -16511,44 +16441,6 @@
           </a:p>
         </p:txBody>
       </p:sp>
-      <p:sp>
-        <p:nvSpPr>
-          <p:cNvPr id="5" name="TextBox 4"/>
-          <p:cNvSpPr txBox="1"/>
-          <p:nvPr/>
-        </p:nvSpPr>
-        <p:spPr>
-          <a:xfrm>
-            <a:off x="1927938" y="3709373"/>
-            <a:ext cx="4011207" cy="369332"/>
-          </a:xfrm>
-          <a:prstGeom prst="rect">
-            <a:avLst/>
-          </a:prstGeom>
-          <a:noFill/>
-        </p:spPr>
-        <p:txBody>
-          <a:bodyPr wrap="square" rtlCol="0">
-            <a:spAutoFit/>
-          </a:bodyPr>
-          <a:lstStyle/>
-          <a:p>
-            <a:r>
-              <a:rPr lang="en-US" dirty="0" smtClean="0">
-                <a:solidFill>
-                  <a:schemeClr val="accent2"/>
-                </a:solidFill>
-              </a:rPr>
-              <a:t>Why is d a string and not an integer?</a:t>
-            </a:r>
-            <a:endParaRPr lang="en-US" dirty="0">
-              <a:solidFill>
-                <a:schemeClr val="accent2"/>
-              </a:solidFill>
-            </a:endParaRPr>
-          </a:p>
-        </p:txBody>
-      </p:sp>
     </p:spTree>
     <p:extLst>
       <p:ext uri="{BB962C8B-B14F-4D97-AF65-F5344CB8AC3E}">
@@ -16625,37 +16517,6 @@
               <a:rPr lang="en-US" dirty="0" smtClean="0"/>
               <a:t>Strings are defined with quotes: " " or ' '</a:t>
             </a:r>
-          </a:p>
-          <a:p>
-            <a:pPr marL="457200" indent="-457200">
-              <a:buFont typeface="Arial"/>
-              <a:buChar char="•"/>
-            </a:pPr>
-            <a:endParaRPr lang="en-US" dirty="0"/>
-          </a:p>
-          <a:p>
-            <a:pPr marL="457200" indent="-457200">
-              <a:buFont typeface="Arial"/>
-              <a:buChar char="•"/>
-            </a:pPr>
-            <a:endParaRPr lang="en-US" dirty="0" smtClean="0"/>
-          </a:p>
-          <a:p>
-            <a:pPr marL="457200" indent="-457200">
-              <a:buFont typeface="Arial"/>
-              <a:buChar char="•"/>
-            </a:pPr>
-            <a:endParaRPr lang="en-US" dirty="0"/>
-          </a:p>
-          <a:p>
-            <a:pPr marL="457200" indent="-457200">
-              <a:buFont typeface="Arial"/>
-              <a:buChar char="•"/>
-            </a:pPr>
-            <a:r>
-              <a:rPr lang="en-US" dirty="0" smtClean="0"/>
-              <a:t>We can index strings just like lists</a:t>
-            </a:r>
             <a:endParaRPr lang="en-US" dirty="0"/>
           </a:p>
         </p:txBody>
@@ -16669,7 +16530,7 @@
         <p:spPr>
           <a:xfrm>
             <a:off x="622063" y="2372800"/>
-            <a:ext cx="7290705" cy="1477328"/>
+            <a:ext cx="7290705" cy="1754327"/>
           </a:xfrm>
           <a:prstGeom prst="rect">
             <a:avLst/>
@@ -16726,12 +16587,56 @@
               <a:t>d = "55"   </a:t>
             </a:r>
           </a:p>
+          <a:p>
+            <a:endParaRPr lang="en-US" dirty="0">
+              <a:latin typeface="Monaco"/>
+              <a:cs typeface="Monaco"/>
+            </a:endParaRPr>
+          </a:p>
+        </p:txBody>
+      </p:sp>
+      <p:sp>
+        <p:nvSpPr>
+          <p:cNvPr id="5" name="TextBox 4"/>
+          <p:cNvSpPr txBox="1"/>
+          <p:nvPr/>
+        </p:nvSpPr>
+        <p:spPr>
+          <a:xfrm>
+            <a:off x="1927938" y="3709373"/>
+            <a:ext cx="4011207" cy="369332"/>
+          </a:xfrm>
+          <a:prstGeom prst="rect">
+            <a:avLst/>
+          </a:prstGeom>
+          <a:noFill/>
+        </p:spPr>
+        <p:txBody>
+          <a:bodyPr wrap="square" rtlCol="0">
+            <a:spAutoFit/>
+          </a:bodyPr>
+          <a:lstStyle/>
+          <a:p>
+            <a:r>
+              <a:rPr lang="en-US" dirty="0" smtClean="0">
+                <a:solidFill>
+                  <a:schemeClr val="accent2"/>
+                </a:solidFill>
+              </a:rPr>
+              <a:t>Why is d a string and not an integer?</a:t>
+            </a:r>
+            <a:endParaRPr lang="en-US" dirty="0">
+              <a:solidFill>
+                <a:schemeClr val="accent2"/>
+              </a:solidFill>
+            </a:endParaRPr>
+          </a:p>
         </p:txBody>
       </p:sp>
     </p:spTree>
     <p:extLst>
       <p:ext uri="{BB962C8B-B14F-4D97-AF65-F5344CB8AC3E}">
-        <p14:creationId xmlns:p14="http://schemas.microsoft.com/office/powerpoint/2010/main" val="4289337340"/>
+        <p14:creationId xmlns:p14="http://schemas.microsoft.com/office/powerpoint/2010/main" val="1830553948"/>
       </p:ext>
     </p:extLst>
   </p:cSld>
@@ -16907,100 +16812,10 @@
           </a:p>
         </p:txBody>
       </p:sp>
-      <p:sp>
-        <p:nvSpPr>
-          <p:cNvPr id="6" name="TextBox 5"/>
-          <p:cNvSpPr txBox="1"/>
-          <p:nvPr/>
-        </p:nvSpPr>
-        <p:spPr>
-          <a:xfrm>
-            <a:off x="622063" y="4769194"/>
-            <a:ext cx="7081289" cy="1754327"/>
-          </a:xfrm>
-          <a:prstGeom prst="rect">
-            <a:avLst/>
-          </a:prstGeom>
-          <a:noFill/>
-        </p:spPr>
-        <p:txBody>
-          <a:bodyPr wrap="square" rtlCol="0">
-            <a:spAutoFit/>
-          </a:bodyPr>
-          <a:lstStyle/>
-          <a:p>
-            <a:r>
-              <a:rPr lang="en-US" dirty="0">
-                <a:latin typeface="Monaco"/>
-                <a:cs typeface="Monaco"/>
-              </a:rPr>
-              <a:t>print b[3] # the printed value is also a string</a:t>
-            </a:r>
-          </a:p>
-          <a:p>
-            <a:r>
-              <a:rPr lang="en-US" dirty="0">
-                <a:latin typeface="Monaco"/>
-                <a:cs typeface="Monaco"/>
-              </a:rPr>
-              <a:t>	</a:t>
-            </a:r>
-            <a:r>
-              <a:rPr lang="en-US" dirty="0">
-                <a:solidFill>
-                  <a:schemeClr val="bg1">
-                    <a:lumMod val="65000"/>
-                  </a:schemeClr>
-                </a:solidFill>
-                <a:latin typeface="Monaco"/>
-                <a:cs typeface="Monaco"/>
-              </a:rPr>
-              <a:t>h</a:t>
-            </a:r>
-          </a:p>
-          <a:p>
-            <a:endParaRPr lang="en-US" dirty="0">
-              <a:solidFill>
-                <a:schemeClr val="bg1">
-                  <a:lumMod val="65000"/>
-                </a:schemeClr>
-              </a:solidFill>
-              <a:latin typeface="Monaco"/>
-              <a:cs typeface="Monaco"/>
-            </a:endParaRPr>
-          </a:p>
-          <a:p>
-            <a:r>
-              <a:rPr lang="en-US" dirty="0">
-                <a:latin typeface="Monaco"/>
-                <a:cs typeface="Monaco"/>
-              </a:rPr>
-              <a:t>print c[:6]</a:t>
-            </a:r>
-          </a:p>
-          <a:p>
-            <a:r>
-              <a:rPr lang="en-US" dirty="0">
-                <a:solidFill>
-                  <a:schemeClr val="bg1">
-                    <a:lumMod val="65000"/>
-                  </a:schemeClr>
-                </a:solidFill>
-                <a:latin typeface="Monaco"/>
-                <a:cs typeface="Monaco"/>
-              </a:rPr>
-              <a:t>   I love</a:t>
-            </a:r>
-          </a:p>
-          <a:p>
-            <a:endParaRPr lang="en-US" dirty="0"/>
-          </a:p>
-        </p:txBody>
-      </p:sp>
     </p:spTree>
     <p:extLst>
       <p:ext uri="{BB962C8B-B14F-4D97-AF65-F5344CB8AC3E}">
-        <p14:creationId xmlns:p14="http://schemas.microsoft.com/office/powerpoint/2010/main" val="1041029823"/>
+        <p14:creationId xmlns:p14="http://schemas.microsoft.com/office/powerpoint/2010/main" val="4289337340"/>
       </p:ext>
     </p:extLst>
   </p:cSld>
@@ -17037,34 +16852,87 @@
             <p:ph type="title"/>
           </p:nvPr>
         </p:nvSpPr>
+        <p:spPr/>
+        <p:txBody>
+          <a:bodyPr/>
+          <a:lstStyle/>
+          <a:p>
+            <a:r>
+              <a:rPr lang="en-US" dirty="0" smtClean="0"/>
+              <a:t>python strings</a:t>
+            </a:r>
+            <a:endParaRPr lang="en-US" dirty="0"/>
+          </a:p>
+        </p:txBody>
+      </p:sp>
+      <p:sp>
+        <p:nvSpPr>
+          <p:cNvPr id="3" name="Content Placeholder 2"/>
+          <p:cNvSpPr>
+            <a:spLocks noGrp="1"/>
+          </p:cNvSpPr>
+          <p:nvPr>
+            <p:ph idx="1"/>
+          </p:nvPr>
+        </p:nvSpPr>
+        <p:spPr/>
+        <p:txBody>
+          <a:bodyPr/>
+          <a:lstStyle/>
+          <a:p>
+            <a:pPr marL="457200" indent="-457200">
+              <a:buFont typeface="Arial"/>
+              <a:buChar char="•"/>
+            </a:pPr>
+            <a:r>
+              <a:rPr lang="en-US" dirty="0" smtClean="0"/>
+              <a:t>Strings are defined with quotes: " " or ' '</a:t>
+            </a:r>
+          </a:p>
+          <a:p>
+            <a:pPr marL="457200" indent="-457200">
+              <a:buFont typeface="Arial"/>
+              <a:buChar char="•"/>
+            </a:pPr>
+            <a:endParaRPr lang="en-US" dirty="0"/>
+          </a:p>
+          <a:p>
+            <a:pPr marL="457200" indent="-457200">
+              <a:buFont typeface="Arial"/>
+              <a:buChar char="•"/>
+            </a:pPr>
+            <a:endParaRPr lang="en-US" dirty="0" smtClean="0"/>
+          </a:p>
+          <a:p>
+            <a:pPr marL="457200" indent="-457200">
+              <a:buFont typeface="Arial"/>
+              <a:buChar char="•"/>
+            </a:pPr>
+            <a:endParaRPr lang="en-US" dirty="0"/>
+          </a:p>
+          <a:p>
+            <a:pPr marL="457200" indent="-457200">
+              <a:buFont typeface="Arial"/>
+              <a:buChar char="•"/>
+            </a:pPr>
+            <a:r>
+              <a:rPr lang="en-US" dirty="0" smtClean="0"/>
+              <a:t>We can index strings just like lists</a:t>
+            </a:r>
+            <a:endParaRPr lang="en-US" dirty="0"/>
+          </a:p>
+        </p:txBody>
+      </p:sp>
+      <p:sp>
+        <p:nvSpPr>
+          <p:cNvPr id="4" name="TextBox 3"/>
+          <p:cNvSpPr txBox="1"/>
+          <p:nvPr/>
+        </p:nvSpPr>
         <p:spPr>
           <a:xfrm>
-            <a:off x="457198" y="228409"/>
-            <a:ext cx="7327651" cy="702043"/>
-          </a:xfrm>
-        </p:spPr>
-        <p:txBody>
-          <a:bodyPr/>
-          <a:lstStyle/>
-          <a:p>
-            <a:r>
-              <a:rPr lang="en-US" dirty="0" smtClean="0"/>
-              <a:t>common string methods</a:t>
-            </a:r>
-            <a:endParaRPr lang="en-US" dirty="0"/>
-          </a:p>
-        </p:txBody>
-      </p:sp>
-      <p:sp>
-        <p:nvSpPr>
-          <p:cNvPr id="5" name="TextBox 4"/>
-          <p:cNvSpPr txBox="1"/>
-          <p:nvPr/>
-        </p:nvSpPr>
-        <p:spPr>
-          <a:xfrm>
-            <a:off x="265716" y="1058326"/>
-            <a:ext cx="8643002" cy="646331"/>
+            <a:off x="622063" y="2372800"/>
+            <a:ext cx="7290705" cy="1477328"/>
           </a:xfrm>
           <a:prstGeom prst="rect">
             <a:avLst/>
@@ -17082,31 +16950,141 @@
                 <a:latin typeface="Monaco"/>
                 <a:cs typeface="Monaco"/>
               </a:rPr>
-              <a:t># Define a string</a:t>
-            </a:r>
-          </a:p>
+              <a:t># Define some example strings</a:t>
+            </a:r>
+          </a:p>
+          <a:p>
+            <a:r>
+              <a:rPr lang="en-US" dirty="0" smtClean="0">
+                <a:latin typeface="Monaco"/>
+                <a:cs typeface="Monaco"/>
+              </a:rPr>
+              <a:t>a = "s"</a:t>
+            </a:r>
+          </a:p>
+          <a:p>
+            <a:r>
+              <a:rPr lang="en-US" dirty="0" smtClean="0">
+                <a:latin typeface="Monaco"/>
+                <a:cs typeface="Monaco"/>
+              </a:rPr>
+              <a:t>b = "python"</a:t>
+            </a:r>
+          </a:p>
+          <a:p>
+            <a:r>
+              <a:rPr lang="en-US" dirty="0" smtClean="0">
+                <a:latin typeface="Monaco"/>
+                <a:cs typeface="Monaco"/>
+              </a:rPr>
+              <a:t>c = "I love python!"</a:t>
+            </a:r>
+          </a:p>
+          <a:p>
+            <a:r>
+              <a:rPr lang="en-US" dirty="0" smtClean="0">
+                <a:latin typeface="Monaco"/>
+                <a:cs typeface="Monaco"/>
+              </a:rPr>
+              <a:t>d = "55"   </a:t>
+            </a:r>
+          </a:p>
+        </p:txBody>
+      </p:sp>
+      <p:sp>
+        <p:nvSpPr>
+          <p:cNvPr id="6" name="TextBox 5"/>
+          <p:cNvSpPr txBox="1"/>
+          <p:nvPr/>
+        </p:nvSpPr>
+        <p:spPr>
+          <a:xfrm>
+            <a:off x="622063" y="4769194"/>
+            <a:ext cx="7081289" cy="1754327"/>
+          </a:xfrm>
+          <a:prstGeom prst="rect">
+            <a:avLst/>
+          </a:prstGeom>
+          <a:noFill/>
+        </p:spPr>
+        <p:txBody>
+          <a:bodyPr wrap="square" rtlCol="0">
+            <a:spAutoFit/>
+          </a:bodyPr>
+          <a:lstStyle/>
           <a:p>
             <a:r>
               <a:rPr lang="en-US" dirty="0">
                 <a:latin typeface="Monaco"/>
                 <a:cs typeface="Monaco"/>
               </a:rPr>
-              <a:t>s</a:t>
-            </a:r>
-            <a:r>
-              <a:rPr lang="en-US" dirty="0" smtClean="0">
-                <a:latin typeface="Monaco"/>
-                <a:cs typeface="Monaco"/>
-              </a:rPr>
-              <a:t> = "This is an example string."</a:t>
-            </a:r>
+              <a:t>print b[3] # the printed value is also a string</a:t>
+            </a:r>
+          </a:p>
+          <a:p>
+            <a:r>
+              <a:rPr lang="en-US" dirty="0">
+                <a:latin typeface="Monaco"/>
+                <a:cs typeface="Monaco"/>
+              </a:rPr>
+              <a:t>	</a:t>
+            </a:r>
+            <a:r>
+              <a:rPr lang="en-US" dirty="0">
+                <a:solidFill>
+                  <a:schemeClr val="bg1">
+                    <a:lumMod val="65000"/>
+                  </a:schemeClr>
+                </a:solidFill>
+                <a:latin typeface="Monaco"/>
+                <a:cs typeface="Monaco"/>
+              </a:rPr>
+              <a:t>h</a:t>
+            </a:r>
+          </a:p>
+          <a:p>
+            <a:endParaRPr lang="en-US" dirty="0">
+              <a:solidFill>
+                <a:schemeClr val="bg1">
+                  <a:lumMod val="65000"/>
+                </a:schemeClr>
+              </a:solidFill>
+              <a:latin typeface="Monaco"/>
+              <a:cs typeface="Monaco"/>
+            </a:endParaRPr>
+          </a:p>
+          <a:p>
+            <a:r>
+              <a:rPr lang="en-US" dirty="0">
+                <a:latin typeface="Monaco"/>
+                <a:cs typeface="Monaco"/>
+              </a:rPr>
+              <a:t>print c[:6]</a:t>
+            </a:r>
+          </a:p>
+          <a:p>
+            <a:r>
+              <a:rPr lang="en-US" dirty="0">
+                <a:solidFill>
+                  <a:schemeClr val="bg1">
+                    <a:lumMod val="65000"/>
+                  </a:schemeClr>
+                </a:solidFill>
+                <a:latin typeface="Monaco"/>
+                <a:cs typeface="Monaco"/>
+              </a:rPr>
+              <a:t>   I love</a:t>
+            </a:r>
+          </a:p>
+          <a:p>
+            <a:endParaRPr lang="en-US" dirty="0"/>
           </a:p>
         </p:txBody>
       </p:sp>
     </p:spTree>
     <p:extLst>
       <p:ext uri="{BB962C8B-B14F-4D97-AF65-F5344CB8AC3E}">
-        <p14:creationId xmlns:p14="http://schemas.microsoft.com/office/powerpoint/2010/main" val="143305919"/>
+        <p14:creationId xmlns:p14="http://schemas.microsoft.com/office/powerpoint/2010/main" val="1041029823"/>
       </p:ext>
     </p:extLst>
   </p:cSld>
@@ -17170,7 +17148,7 @@
         <p:spPr>
           <a:xfrm>
             <a:off x="265716" y="1058326"/>
-            <a:ext cx="8643002" cy="1754327"/>
+            <a:ext cx="8643002" cy="646331"/>
           </a:xfrm>
           <a:prstGeom prst="rect">
             <a:avLst/>
@@ -17205,83 +17183,6 @@
                 <a:cs typeface="Monaco"/>
               </a:rPr>
               <a:t> = "This is an example string."</a:t>
-            </a:r>
-          </a:p>
-          <a:p>
-            <a:endParaRPr lang="en-US" dirty="0">
-              <a:latin typeface="Monaco"/>
-              <a:cs typeface="Monaco"/>
-            </a:endParaRPr>
-          </a:p>
-          <a:p>
-            <a:r>
-              <a:rPr lang="en-US" dirty="0" smtClean="0">
-                <a:latin typeface="Monaco"/>
-                <a:cs typeface="Monaco"/>
-              </a:rPr>
-              <a:t># The </a:t>
-            </a:r>
-            <a:r>
-              <a:rPr lang="en-US" i="1" dirty="0" smtClean="0">
-                <a:latin typeface="Monaco"/>
-                <a:cs typeface="Monaco"/>
-              </a:rPr>
-              <a:t>.upper()</a:t>
-            </a:r>
-            <a:r>
-              <a:rPr lang="en-US" dirty="0" smtClean="0">
-                <a:latin typeface="Monaco"/>
-                <a:cs typeface="Monaco"/>
-              </a:rPr>
-              <a:t> method makes the string uppercase</a:t>
-            </a:r>
-            <a:endParaRPr lang="en-US" dirty="0">
-              <a:latin typeface="Monaco"/>
-              <a:cs typeface="Monaco"/>
-            </a:endParaRPr>
-          </a:p>
-          <a:p>
-            <a:r>
-              <a:rPr lang="en-US" dirty="0" smtClean="0">
-                <a:latin typeface="Monaco"/>
-                <a:cs typeface="Monaco"/>
-              </a:rPr>
-              <a:t>print </a:t>
-            </a:r>
-            <a:r>
-              <a:rPr lang="en-US" dirty="0" err="1" smtClean="0">
-                <a:latin typeface="Monaco"/>
-                <a:cs typeface="Monaco"/>
-              </a:rPr>
-              <a:t>s.upper</a:t>
-            </a:r>
-            <a:r>
-              <a:rPr lang="en-US" dirty="0" smtClean="0">
-                <a:latin typeface="Monaco"/>
-                <a:cs typeface="Monaco"/>
-              </a:rPr>
-              <a:t>()</a:t>
-            </a:r>
-          </a:p>
-          <a:p>
-            <a:r>
-              <a:rPr lang="en-US" dirty="0">
-                <a:latin typeface="Monaco"/>
-                <a:cs typeface="Monaco"/>
-              </a:rPr>
-              <a:t>	</a:t>
-            </a:r>
-            <a:r>
-              <a:rPr lang="en-US" dirty="0" smtClean="0">
-                <a:solidFill>
-                  <a:schemeClr val="bg1">
-                    <a:lumMod val="65000"/>
-                  </a:schemeClr>
-                </a:solidFill>
-                <a:latin typeface="Monaco"/>
-                <a:cs typeface="Monaco"/>
-              </a:rPr>
-              <a:t>THIS IS AN EXAMPLE STRING.</a:t>
             </a:r>
           </a:p>
         </p:txBody>
@@ -17353,7 +17254,7 @@
         <p:spPr>
           <a:xfrm>
             <a:off x="265716" y="1058326"/>
-            <a:ext cx="8643002" cy="3416320"/>
+            <a:ext cx="8643002" cy="1754327"/>
           </a:xfrm>
           <a:prstGeom prst="rect">
             <a:avLst/>
@@ -17466,131 +17367,6 @@
               </a:rPr>
               <a:t>THIS IS AN EXAMPLE STRING.</a:t>
             </a:r>
-          </a:p>
-          <a:p>
-            <a:endParaRPr lang="en-US" dirty="0">
-              <a:solidFill>
-                <a:schemeClr val="bg1">
-                  <a:lumMod val="65000"/>
-                </a:schemeClr>
-              </a:solidFill>
-              <a:latin typeface="Monaco"/>
-              <a:cs typeface="Monaco"/>
-            </a:endParaRPr>
-          </a:p>
-          <a:p>
-            <a:r>
-              <a:rPr lang="en-US" dirty="0">
-                <a:latin typeface="Monaco"/>
-                <a:cs typeface="Monaco"/>
-              </a:rPr>
-              <a:t># The </a:t>
-            </a:r>
-            <a:r>
-              <a:rPr lang="en-US" i="1" dirty="0" smtClean="0">
-                <a:latin typeface="Monaco"/>
-                <a:cs typeface="Monaco"/>
-              </a:rPr>
-              <a:t>.lower(</a:t>
-            </a:r>
-            <a:r>
-              <a:rPr lang="en-US" i="1" dirty="0">
-                <a:latin typeface="Monaco"/>
-                <a:cs typeface="Monaco"/>
-              </a:rPr>
-              <a:t>)</a:t>
-            </a:r>
-            <a:r>
-              <a:rPr lang="en-US" dirty="0">
-                <a:latin typeface="Monaco"/>
-                <a:cs typeface="Monaco"/>
-              </a:rPr>
-              <a:t> method makes the string </a:t>
-            </a:r>
-            <a:r>
-              <a:rPr lang="en-US" dirty="0" smtClean="0">
-                <a:latin typeface="Monaco"/>
-                <a:cs typeface="Monaco"/>
-              </a:rPr>
-              <a:t>lowercase</a:t>
-            </a:r>
-            <a:endParaRPr lang="en-US" dirty="0">
-              <a:latin typeface="Monaco"/>
-              <a:cs typeface="Monaco"/>
-            </a:endParaRPr>
-          </a:p>
-          <a:p>
-            <a:r>
-              <a:rPr lang="en-US" dirty="0">
-                <a:latin typeface="Monaco"/>
-                <a:cs typeface="Monaco"/>
-              </a:rPr>
-              <a:t>print </a:t>
-            </a:r>
-            <a:r>
-              <a:rPr lang="en-US" dirty="0" err="1" smtClean="0">
-                <a:latin typeface="Monaco"/>
-                <a:cs typeface="Monaco"/>
-              </a:rPr>
-              <a:t>s.lower</a:t>
-            </a:r>
-            <a:r>
-              <a:rPr lang="en-US" dirty="0" smtClean="0">
-                <a:latin typeface="Monaco"/>
-                <a:cs typeface="Monaco"/>
-              </a:rPr>
-              <a:t>(</a:t>
-            </a:r>
-            <a:r>
-              <a:rPr lang="en-US" dirty="0">
-                <a:latin typeface="Monaco"/>
-                <a:cs typeface="Monaco"/>
-              </a:rPr>
-              <a:t>)</a:t>
-            </a:r>
-          </a:p>
-          <a:p>
-            <a:r>
-              <a:rPr lang="en-US" dirty="0">
-                <a:latin typeface="Monaco"/>
-                <a:cs typeface="Monaco"/>
-              </a:rPr>
-              <a:t>	</a:t>
-            </a:r>
-            <a:r>
-              <a:rPr lang="en-US" dirty="0" smtClean="0">
-                <a:solidFill>
-                  <a:schemeClr val="bg1">
-                    <a:lumMod val="65000"/>
-                  </a:schemeClr>
-                </a:solidFill>
-                <a:latin typeface="Monaco"/>
-                <a:cs typeface="Monaco"/>
-              </a:rPr>
-              <a:t>this is an example string.</a:t>
-            </a:r>
-          </a:p>
-          <a:p>
-            <a:endParaRPr lang="en-US" dirty="0">
-              <a:solidFill>
-                <a:schemeClr val="bg1">
-                  <a:lumMod val="65000"/>
-                </a:schemeClr>
-              </a:solidFill>
-              <a:latin typeface="Monaco"/>
-              <a:cs typeface="Monaco"/>
-            </a:endParaRPr>
-          </a:p>
-          <a:p>
-            <a:endParaRPr lang="en-US" dirty="0">
-              <a:solidFill>
-                <a:schemeClr val="bg1">
-                  <a:lumMod val="65000"/>
-                </a:schemeClr>
-              </a:solidFill>
-              <a:latin typeface="Monaco"/>
-              <a:cs typeface="Monaco"/>
-            </a:endParaRPr>
           </a:p>
         </p:txBody>
       </p:sp>
@@ -17661,7 +17437,7 @@
         <p:spPr>
           <a:xfrm>
             <a:off x="265716" y="1058326"/>
-            <a:ext cx="8643002" cy="4524316"/>
+            <a:ext cx="8643002" cy="3416320"/>
           </a:xfrm>
           <a:prstGeom prst="rect">
             <a:avLst/>
@@ -17876,121 +17652,6 @@
                 <a:cs typeface="Monaco"/>
               </a:rPr>
               <a:t>this is an example string.</a:t>
-            </a:r>
-          </a:p>
-          <a:p>
-            <a:endParaRPr lang="en-US" dirty="0">
-              <a:solidFill>
-                <a:schemeClr val="bg1">
-                  <a:lumMod val="65000"/>
-                </a:schemeClr>
-              </a:solidFill>
-              <a:latin typeface="Monaco"/>
-              <a:cs typeface="Monaco"/>
-            </a:endParaRPr>
-          </a:p>
-          <a:p>
-            <a:r>
-              <a:rPr lang="en-US" dirty="0">
-                <a:latin typeface="Monaco"/>
-                <a:cs typeface="Monaco"/>
-              </a:rPr>
-              <a:t># The </a:t>
-            </a:r>
-            <a:r>
-              <a:rPr lang="en-US" i="1" dirty="0" smtClean="0">
-                <a:latin typeface="Monaco"/>
-                <a:cs typeface="Monaco"/>
-              </a:rPr>
-              <a:t>.count(</a:t>
-            </a:r>
-            <a:r>
-              <a:rPr lang="en-US" i="1" dirty="0">
-                <a:latin typeface="Monaco"/>
-                <a:cs typeface="Monaco"/>
-              </a:rPr>
-              <a:t>)</a:t>
-            </a:r>
-            <a:r>
-              <a:rPr lang="en-US" dirty="0">
-                <a:latin typeface="Monaco"/>
-                <a:cs typeface="Monaco"/>
-              </a:rPr>
-              <a:t> </a:t>
-            </a:r>
-            <a:r>
-              <a:rPr lang="en-US" dirty="0" smtClean="0">
-                <a:latin typeface="Monaco"/>
-                <a:cs typeface="Monaco"/>
-              </a:rPr>
-              <a:t>method counts occurrences of a given character</a:t>
-            </a:r>
-            <a:endParaRPr lang="en-US" dirty="0">
-              <a:latin typeface="Monaco"/>
-              <a:cs typeface="Monaco"/>
-            </a:endParaRPr>
-          </a:p>
-          <a:p>
-            <a:r>
-              <a:rPr lang="en-US" dirty="0">
-                <a:latin typeface="Monaco"/>
-                <a:cs typeface="Monaco"/>
-              </a:rPr>
-              <a:t>print </a:t>
-            </a:r>
-            <a:r>
-              <a:rPr lang="en-US" dirty="0" err="1" smtClean="0">
-                <a:latin typeface="Monaco"/>
-                <a:cs typeface="Monaco"/>
-              </a:rPr>
-              <a:t>s.count</a:t>
-            </a:r>
-            <a:r>
-              <a:rPr lang="en-US" dirty="0" smtClean="0">
-                <a:latin typeface="Monaco"/>
-                <a:cs typeface="Monaco"/>
-              </a:rPr>
-              <a:t>("</a:t>
-            </a:r>
-            <a:r>
-              <a:rPr lang="en-US" dirty="0" err="1" smtClean="0">
-                <a:latin typeface="Monaco"/>
-                <a:cs typeface="Monaco"/>
-              </a:rPr>
-              <a:t>i</a:t>
-            </a:r>
-            <a:r>
-              <a:rPr lang="en-US" dirty="0" smtClean="0">
-                <a:latin typeface="Monaco"/>
-                <a:cs typeface="Monaco"/>
-              </a:rPr>
-              <a:t>")</a:t>
-            </a:r>
-          </a:p>
-          <a:p>
-            <a:r>
-              <a:rPr lang="en-US" dirty="0">
-                <a:solidFill>
-                  <a:schemeClr val="bg1">
-                    <a:lumMod val="65000"/>
-                  </a:schemeClr>
-                </a:solidFill>
-                <a:latin typeface="Monaco"/>
-                <a:cs typeface="Monaco"/>
-              </a:rPr>
-              <a:t> </a:t>
-            </a:r>
-            <a:r>
-              <a:rPr lang="en-US" dirty="0" smtClean="0">
-                <a:solidFill>
-                  <a:schemeClr val="bg1">
-                    <a:lumMod val="65000"/>
-                  </a:schemeClr>
-                </a:solidFill>
-                <a:latin typeface="Monaco"/>
-                <a:cs typeface="Monaco"/>
-              </a:rPr>
-              <a:t>   3</a:t>
             </a:r>
           </a:p>
           <a:p>
@@ -18207,7 +17868,7 @@
         <p:spPr>
           <a:xfrm>
             <a:off x="265716" y="1058326"/>
-            <a:ext cx="8643002" cy="5632312"/>
+            <a:ext cx="8643002" cy="4524316"/>
           </a:xfrm>
           <a:prstGeom prst="rect">
             <a:avLst/>
@@ -18538,198 +18199,6 @@
               </a:rPr>
               <a:t>   3</a:t>
             </a:r>
-          </a:p>
-          <a:p>
-            <a:endParaRPr lang="en-US" dirty="0">
-              <a:solidFill>
-                <a:schemeClr val="bg1">
-                  <a:lumMod val="65000"/>
-                </a:schemeClr>
-              </a:solidFill>
-              <a:latin typeface="Monaco"/>
-              <a:cs typeface="Monaco"/>
-            </a:endParaRPr>
-          </a:p>
-          <a:p>
-            <a:r>
-              <a:rPr lang="en-US" dirty="0">
-                <a:latin typeface="Monaco"/>
-                <a:cs typeface="Monaco"/>
-              </a:rPr>
-              <a:t># The </a:t>
-            </a:r>
-            <a:r>
-              <a:rPr lang="en-US" i="1" dirty="0" smtClean="0">
-                <a:latin typeface="Monaco"/>
-                <a:cs typeface="Monaco"/>
-              </a:rPr>
-              <a:t>.split(</a:t>
-            </a:r>
-            <a:r>
-              <a:rPr lang="en-US" i="1" dirty="0">
-                <a:latin typeface="Monaco"/>
-                <a:cs typeface="Monaco"/>
-              </a:rPr>
-              <a:t>)</a:t>
-            </a:r>
-            <a:r>
-              <a:rPr lang="en-US" dirty="0">
-                <a:latin typeface="Monaco"/>
-                <a:cs typeface="Monaco"/>
-              </a:rPr>
-              <a:t> method </a:t>
-            </a:r>
-            <a:r>
-              <a:rPr lang="en-US" dirty="0" smtClean="0">
-                <a:latin typeface="Monaco"/>
-                <a:cs typeface="Monaco"/>
-              </a:rPr>
-              <a:t>splits on a character, returns a list</a:t>
-            </a:r>
-          </a:p>
-          <a:p>
-            <a:r>
-              <a:rPr lang="en-US" dirty="0" smtClean="0">
-                <a:latin typeface="Monaco"/>
-                <a:cs typeface="Monaco"/>
-              </a:rPr>
-              <a:t>print </a:t>
-            </a:r>
-            <a:r>
-              <a:rPr lang="en-US" dirty="0" err="1" smtClean="0">
-                <a:latin typeface="Monaco"/>
-                <a:cs typeface="Monaco"/>
-              </a:rPr>
-              <a:t>s.split</a:t>
-            </a:r>
-            <a:r>
-              <a:rPr lang="en-US" dirty="0" smtClean="0">
-                <a:latin typeface="Monaco"/>
-                <a:cs typeface="Monaco"/>
-              </a:rPr>
-              <a:t>("</a:t>
-            </a:r>
-            <a:r>
-              <a:rPr lang="en-US" dirty="0" err="1" smtClean="0">
-                <a:latin typeface="Monaco"/>
-                <a:cs typeface="Monaco"/>
-              </a:rPr>
-              <a:t>i</a:t>
-            </a:r>
-            <a:r>
-              <a:rPr lang="en-US" dirty="0" smtClean="0">
-                <a:latin typeface="Monaco"/>
-                <a:cs typeface="Monaco"/>
-              </a:rPr>
-              <a:t>")</a:t>
-            </a:r>
-          </a:p>
-          <a:p>
-            <a:r>
-              <a:rPr lang="en-US" dirty="0">
-                <a:solidFill>
-                  <a:schemeClr val="bg1">
-                    <a:lumMod val="65000"/>
-                  </a:schemeClr>
-                </a:solidFill>
-                <a:latin typeface="Monaco"/>
-                <a:cs typeface="Monaco"/>
-              </a:rPr>
-              <a:t>	</a:t>
-            </a:r>
-            <a:r>
-              <a:rPr lang="en-US" dirty="0" smtClean="0">
-                <a:solidFill>
-                  <a:schemeClr val="bg1">
-                    <a:lumMod val="65000"/>
-                  </a:schemeClr>
-                </a:solidFill>
-                <a:latin typeface="Monaco"/>
-                <a:cs typeface="Monaco"/>
-              </a:rPr>
-              <a:t>["</a:t>
-            </a:r>
-            <a:r>
-              <a:rPr lang="en-US" dirty="0" err="1" smtClean="0">
-                <a:solidFill>
-                  <a:schemeClr val="bg1">
-                    <a:lumMod val="65000"/>
-                  </a:schemeClr>
-                </a:solidFill>
-                <a:latin typeface="Monaco"/>
-                <a:cs typeface="Monaco"/>
-              </a:rPr>
-              <a:t>Th</a:t>
-            </a:r>
-            <a:r>
-              <a:rPr lang="en-US" dirty="0" smtClean="0">
-                <a:solidFill>
-                  <a:schemeClr val="bg1">
-                    <a:lumMod val="65000"/>
-                  </a:schemeClr>
-                </a:solidFill>
-                <a:latin typeface="Monaco"/>
-                <a:cs typeface="Monaco"/>
-              </a:rPr>
-              <a:t>", "s ", "s an example </a:t>
-            </a:r>
-            <a:r>
-              <a:rPr lang="en-US" dirty="0" err="1" smtClean="0">
-                <a:solidFill>
-                  <a:schemeClr val="bg1">
-                    <a:lumMod val="65000"/>
-                  </a:schemeClr>
-                </a:solidFill>
-                <a:latin typeface="Monaco"/>
-                <a:cs typeface="Monaco"/>
-              </a:rPr>
-              <a:t>str</a:t>
-            </a:r>
-            <a:r>
-              <a:rPr lang="en-US" dirty="0" smtClean="0">
-                <a:solidFill>
-                  <a:schemeClr val="bg1">
-                    <a:lumMod val="65000"/>
-                  </a:schemeClr>
-                </a:solidFill>
-                <a:latin typeface="Monaco"/>
-                <a:cs typeface="Monaco"/>
-              </a:rPr>
-              <a:t>", "</a:t>
-            </a:r>
-            <a:r>
-              <a:rPr lang="en-US" dirty="0" err="1" smtClean="0">
-                <a:solidFill>
-                  <a:schemeClr val="bg1">
-                    <a:lumMod val="65000"/>
-                  </a:schemeClr>
-                </a:solidFill>
-                <a:latin typeface="Monaco"/>
-                <a:cs typeface="Monaco"/>
-              </a:rPr>
-              <a:t>ng</a:t>
-            </a:r>
-            <a:r>
-              <a:rPr lang="en-US" dirty="0" smtClean="0">
-                <a:solidFill>
-                  <a:schemeClr val="bg1">
-                    <a:lumMod val="65000"/>
-                  </a:schemeClr>
-                </a:solidFill>
-                <a:latin typeface="Monaco"/>
-                <a:cs typeface="Monaco"/>
-              </a:rPr>
-              <a:t>."]</a:t>
-            </a:r>
-            <a:endParaRPr lang="en-US" dirty="0">
-              <a:solidFill>
-                <a:schemeClr val="bg1">
-                  <a:lumMod val="65000"/>
-                </a:schemeClr>
-              </a:solidFill>
-              <a:latin typeface="Monaco"/>
-              <a:cs typeface="Monaco"/>
-            </a:endParaRPr>
           </a:p>
           <a:p>
             <a:endParaRPr lang="en-US" dirty="0">
@@ -18795,22 +18264,19 @@
             <p:ph type="title"/>
           </p:nvPr>
         </p:nvSpPr>
-        <p:spPr/>
+        <p:spPr>
+          <a:xfrm>
+            <a:off x="457198" y="228409"/>
+            <a:ext cx="7327651" cy="702043"/>
+          </a:xfrm>
+        </p:spPr>
         <p:txBody>
           <a:bodyPr/>
           <a:lstStyle/>
           <a:p>
             <a:r>
               <a:rPr lang="en-US" dirty="0" smtClean="0"/>
-              <a:t>strings </a:t>
-            </a:r>
-            <a:r>
-              <a:rPr lang="en-US" dirty="0" err="1" smtClean="0"/>
-              <a:t>vs</a:t>
-            </a:r>
-            <a:r>
-              <a:rPr lang="en-US" dirty="0" smtClean="0"/>
-              <a:t> lists</a:t>
+              <a:t>common string methods</a:t>
             </a:r>
             <a:endParaRPr lang="en-US" dirty="0"/>
           </a:p>
@@ -18818,65 +18284,565 @@
       </p:sp>
       <p:sp>
         <p:nvSpPr>
-          <p:cNvPr id="3" name="Content Placeholder 2"/>
-          <p:cNvSpPr>
-            <a:spLocks noGrp="1"/>
-          </p:cNvSpPr>
-          <p:nvPr>
-            <p:ph idx="1"/>
-          </p:nvPr>
-        </p:nvSpPr>
-        <p:spPr/>
-        <p:txBody>
-          <a:bodyPr/>
-          <a:lstStyle/>
-          <a:p>
-            <a:pPr marL="457200" indent="-457200">
-              <a:buFont typeface="Arial"/>
-              <a:buChar char="•"/>
-            </a:pPr>
-            <a:r>
-              <a:rPr lang="en-US" dirty="0" smtClean="0"/>
-              <a:t>Strings cannot be modified in place </a:t>
-            </a:r>
-          </a:p>
-          <a:p>
-            <a:pPr marL="914400" lvl="1" indent="-457200">
-              <a:buFont typeface="Arial"/>
-              <a:buChar char="•"/>
-            </a:pPr>
-            <a:r>
-              <a:rPr lang="en-US" dirty="0" smtClean="0"/>
-              <a:t>You must </a:t>
-            </a:r>
-            <a:r>
-              <a:rPr lang="en-US" i="1" dirty="0" smtClean="0"/>
-              <a:t>re-define</a:t>
-            </a:r>
-            <a:r>
-              <a:rPr lang="en-US" dirty="0" smtClean="0"/>
-              <a:t> the string to change it.</a:t>
-            </a:r>
-          </a:p>
-          <a:p>
-            <a:pPr marL="457200" indent="-457200">
-              <a:buFont typeface="Arial"/>
-              <a:buChar char="•"/>
-            </a:pPr>
-            <a:r>
-              <a:rPr lang="en-US" dirty="0" smtClean="0"/>
-              <a:t>Lists can be modified in place</a:t>
-            </a:r>
-          </a:p>
-          <a:p>
-            <a:endParaRPr lang="en-US" dirty="0"/>
+          <p:cNvPr id="5" name="TextBox 4"/>
+          <p:cNvSpPr txBox="1"/>
+          <p:nvPr/>
+        </p:nvSpPr>
+        <p:spPr>
+          <a:xfrm>
+            <a:off x="265716" y="1058326"/>
+            <a:ext cx="8643002" cy="5632312"/>
+          </a:xfrm>
+          <a:prstGeom prst="rect">
+            <a:avLst/>
+          </a:prstGeom>
+          <a:noFill/>
+        </p:spPr>
+        <p:txBody>
+          <a:bodyPr wrap="square" rtlCol="0">
+            <a:spAutoFit/>
+          </a:bodyPr>
+          <a:lstStyle/>
+          <a:p>
+            <a:r>
+              <a:rPr lang="en-US" dirty="0" smtClean="0">
+                <a:latin typeface="Monaco"/>
+                <a:cs typeface="Monaco"/>
+              </a:rPr>
+              <a:t># Define a string</a:t>
+            </a:r>
+          </a:p>
+          <a:p>
+            <a:r>
+              <a:rPr lang="en-US" dirty="0">
+                <a:latin typeface="Monaco"/>
+                <a:cs typeface="Monaco"/>
+              </a:rPr>
+              <a:t>s</a:t>
+            </a:r>
+            <a:r>
+              <a:rPr lang="en-US" dirty="0" smtClean="0">
+                <a:latin typeface="Monaco"/>
+                <a:cs typeface="Monaco"/>
+              </a:rPr>
+              <a:t> = "This is an example string."</a:t>
+            </a:r>
+          </a:p>
+          <a:p>
+            <a:endParaRPr lang="en-US" dirty="0">
+              <a:latin typeface="Monaco"/>
+              <a:cs typeface="Monaco"/>
+            </a:endParaRPr>
+          </a:p>
+          <a:p>
+            <a:r>
+              <a:rPr lang="en-US" dirty="0" smtClean="0">
+                <a:latin typeface="Monaco"/>
+                <a:cs typeface="Monaco"/>
+              </a:rPr>
+              <a:t># The </a:t>
+            </a:r>
+            <a:r>
+              <a:rPr lang="en-US" i="1" dirty="0" smtClean="0">
+                <a:latin typeface="Monaco"/>
+                <a:cs typeface="Monaco"/>
+              </a:rPr>
+              <a:t>.upper()</a:t>
+            </a:r>
+            <a:r>
+              <a:rPr lang="en-US" dirty="0" smtClean="0">
+                <a:latin typeface="Monaco"/>
+                <a:cs typeface="Monaco"/>
+              </a:rPr>
+              <a:t> method makes the string uppercase</a:t>
+            </a:r>
+            <a:endParaRPr lang="en-US" dirty="0">
+              <a:latin typeface="Monaco"/>
+              <a:cs typeface="Monaco"/>
+            </a:endParaRPr>
+          </a:p>
+          <a:p>
+            <a:r>
+              <a:rPr lang="en-US" dirty="0" smtClean="0">
+                <a:latin typeface="Monaco"/>
+                <a:cs typeface="Monaco"/>
+              </a:rPr>
+              <a:t>print </a:t>
+            </a:r>
+            <a:r>
+              <a:rPr lang="en-US" dirty="0" err="1" smtClean="0">
+                <a:latin typeface="Monaco"/>
+                <a:cs typeface="Monaco"/>
+              </a:rPr>
+              <a:t>s.upper</a:t>
+            </a:r>
+            <a:r>
+              <a:rPr lang="en-US" dirty="0" smtClean="0">
+                <a:latin typeface="Monaco"/>
+                <a:cs typeface="Monaco"/>
+              </a:rPr>
+              <a:t>()</a:t>
+            </a:r>
+          </a:p>
+          <a:p>
+            <a:r>
+              <a:rPr lang="en-US" dirty="0">
+                <a:latin typeface="Monaco"/>
+                <a:cs typeface="Monaco"/>
+              </a:rPr>
+              <a:t>	</a:t>
+            </a:r>
+            <a:r>
+              <a:rPr lang="en-US" dirty="0" smtClean="0">
+                <a:solidFill>
+                  <a:schemeClr val="bg1">
+                    <a:lumMod val="65000"/>
+                  </a:schemeClr>
+                </a:solidFill>
+                <a:latin typeface="Monaco"/>
+                <a:cs typeface="Monaco"/>
+              </a:rPr>
+              <a:t>THIS IS AN EXAMPLE STRING.</a:t>
+            </a:r>
+          </a:p>
+          <a:p>
+            <a:endParaRPr lang="en-US" dirty="0">
+              <a:solidFill>
+                <a:schemeClr val="bg1">
+                  <a:lumMod val="65000"/>
+                </a:schemeClr>
+              </a:solidFill>
+              <a:latin typeface="Monaco"/>
+              <a:cs typeface="Monaco"/>
+            </a:endParaRPr>
+          </a:p>
+          <a:p>
+            <a:r>
+              <a:rPr lang="en-US" dirty="0">
+                <a:latin typeface="Monaco"/>
+                <a:cs typeface="Monaco"/>
+              </a:rPr>
+              <a:t># The </a:t>
+            </a:r>
+            <a:r>
+              <a:rPr lang="en-US" i="1" dirty="0" smtClean="0">
+                <a:latin typeface="Monaco"/>
+                <a:cs typeface="Monaco"/>
+              </a:rPr>
+              <a:t>.lower(</a:t>
+            </a:r>
+            <a:r>
+              <a:rPr lang="en-US" i="1" dirty="0">
+                <a:latin typeface="Monaco"/>
+                <a:cs typeface="Monaco"/>
+              </a:rPr>
+              <a:t>)</a:t>
+            </a:r>
+            <a:r>
+              <a:rPr lang="en-US" dirty="0">
+                <a:latin typeface="Monaco"/>
+                <a:cs typeface="Monaco"/>
+              </a:rPr>
+              <a:t> method makes the string </a:t>
+            </a:r>
+            <a:r>
+              <a:rPr lang="en-US" dirty="0" smtClean="0">
+                <a:latin typeface="Monaco"/>
+                <a:cs typeface="Monaco"/>
+              </a:rPr>
+              <a:t>lowercase</a:t>
+            </a:r>
+            <a:endParaRPr lang="en-US" dirty="0">
+              <a:latin typeface="Monaco"/>
+              <a:cs typeface="Monaco"/>
+            </a:endParaRPr>
+          </a:p>
+          <a:p>
+            <a:r>
+              <a:rPr lang="en-US" dirty="0">
+                <a:latin typeface="Monaco"/>
+                <a:cs typeface="Monaco"/>
+              </a:rPr>
+              <a:t>print </a:t>
+            </a:r>
+            <a:r>
+              <a:rPr lang="en-US" dirty="0" err="1" smtClean="0">
+                <a:latin typeface="Monaco"/>
+                <a:cs typeface="Monaco"/>
+              </a:rPr>
+              <a:t>s.lower</a:t>
+            </a:r>
+            <a:r>
+              <a:rPr lang="en-US" dirty="0" smtClean="0">
+                <a:latin typeface="Monaco"/>
+                <a:cs typeface="Monaco"/>
+              </a:rPr>
+              <a:t>(</a:t>
+            </a:r>
+            <a:r>
+              <a:rPr lang="en-US" dirty="0">
+                <a:latin typeface="Monaco"/>
+                <a:cs typeface="Monaco"/>
+              </a:rPr>
+              <a:t>)</a:t>
+            </a:r>
+          </a:p>
+          <a:p>
+            <a:r>
+              <a:rPr lang="en-US" dirty="0">
+                <a:latin typeface="Monaco"/>
+                <a:cs typeface="Monaco"/>
+              </a:rPr>
+              <a:t>	</a:t>
+            </a:r>
+            <a:r>
+              <a:rPr lang="en-US" dirty="0" smtClean="0">
+                <a:solidFill>
+                  <a:schemeClr val="bg1">
+                    <a:lumMod val="65000"/>
+                  </a:schemeClr>
+                </a:solidFill>
+                <a:latin typeface="Monaco"/>
+                <a:cs typeface="Monaco"/>
+              </a:rPr>
+              <a:t>this is an example string.</a:t>
+            </a:r>
+          </a:p>
+          <a:p>
+            <a:endParaRPr lang="en-US" dirty="0">
+              <a:solidFill>
+                <a:schemeClr val="bg1">
+                  <a:lumMod val="65000"/>
+                </a:schemeClr>
+              </a:solidFill>
+              <a:latin typeface="Monaco"/>
+              <a:cs typeface="Monaco"/>
+            </a:endParaRPr>
+          </a:p>
+          <a:p>
+            <a:r>
+              <a:rPr lang="en-US" dirty="0">
+                <a:latin typeface="Monaco"/>
+                <a:cs typeface="Monaco"/>
+              </a:rPr>
+              <a:t># The </a:t>
+            </a:r>
+            <a:r>
+              <a:rPr lang="en-US" i="1" dirty="0" smtClean="0">
+                <a:latin typeface="Monaco"/>
+                <a:cs typeface="Monaco"/>
+              </a:rPr>
+              <a:t>.count(</a:t>
+            </a:r>
+            <a:r>
+              <a:rPr lang="en-US" i="1" dirty="0">
+                <a:latin typeface="Monaco"/>
+                <a:cs typeface="Monaco"/>
+              </a:rPr>
+              <a:t>)</a:t>
+            </a:r>
+            <a:r>
+              <a:rPr lang="en-US" dirty="0">
+                <a:latin typeface="Monaco"/>
+                <a:cs typeface="Monaco"/>
+              </a:rPr>
+              <a:t> </a:t>
+            </a:r>
+            <a:r>
+              <a:rPr lang="en-US" dirty="0" smtClean="0">
+                <a:latin typeface="Monaco"/>
+                <a:cs typeface="Monaco"/>
+              </a:rPr>
+              <a:t>method counts occurrences of a given character</a:t>
+            </a:r>
+            <a:endParaRPr lang="en-US" dirty="0">
+              <a:latin typeface="Monaco"/>
+              <a:cs typeface="Monaco"/>
+            </a:endParaRPr>
+          </a:p>
+          <a:p>
+            <a:r>
+              <a:rPr lang="en-US" dirty="0">
+                <a:latin typeface="Monaco"/>
+                <a:cs typeface="Monaco"/>
+              </a:rPr>
+              <a:t>print </a:t>
+            </a:r>
+            <a:r>
+              <a:rPr lang="en-US" dirty="0" err="1" smtClean="0">
+                <a:latin typeface="Monaco"/>
+                <a:cs typeface="Monaco"/>
+              </a:rPr>
+              <a:t>s.count</a:t>
+            </a:r>
+            <a:r>
+              <a:rPr lang="en-US" dirty="0" smtClean="0">
+                <a:latin typeface="Monaco"/>
+                <a:cs typeface="Monaco"/>
+              </a:rPr>
+              <a:t>("</a:t>
+            </a:r>
+            <a:r>
+              <a:rPr lang="en-US" dirty="0" err="1" smtClean="0">
+                <a:latin typeface="Monaco"/>
+                <a:cs typeface="Monaco"/>
+              </a:rPr>
+              <a:t>i</a:t>
+            </a:r>
+            <a:r>
+              <a:rPr lang="en-US" dirty="0" smtClean="0">
+                <a:latin typeface="Monaco"/>
+                <a:cs typeface="Monaco"/>
+              </a:rPr>
+              <a:t>")</a:t>
+            </a:r>
+          </a:p>
+          <a:p>
+            <a:r>
+              <a:rPr lang="en-US" dirty="0">
+                <a:solidFill>
+                  <a:schemeClr val="bg1">
+                    <a:lumMod val="65000"/>
+                  </a:schemeClr>
+                </a:solidFill>
+                <a:latin typeface="Monaco"/>
+                <a:cs typeface="Monaco"/>
+              </a:rPr>
+              <a:t> </a:t>
+            </a:r>
+            <a:r>
+              <a:rPr lang="en-US" dirty="0" smtClean="0">
+                <a:solidFill>
+                  <a:schemeClr val="bg1">
+                    <a:lumMod val="65000"/>
+                  </a:schemeClr>
+                </a:solidFill>
+                <a:latin typeface="Monaco"/>
+                <a:cs typeface="Monaco"/>
+              </a:rPr>
+              <a:t>   3</a:t>
+            </a:r>
+          </a:p>
+          <a:p>
+            <a:endParaRPr lang="en-US" dirty="0">
+              <a:solidFill>
+                <a:schemeClr val="bg1">
+                  <a:lumMod val="65000"/>
+                </a:schemeClr>
+              </a:solidFill>
+              <a:latin typeface="Monaco"/>
+              <a:cs typeface="Monaco"/>
+            </a:endParaRPr>
+          </a:p>
+          <a:p>
+            <a:r>
+              <a:rPr lang="en-US" dirty="0">
+                <a:latin typeface="Monaco"/>
+                <a:cs typeface="Monaco"/>
+              </a:rPr>
+              <a:t># The </a:t>
+            </a:r>
+            <a:r>
+              <a:rPr lang="en-US" i="1" dirty="0" smtClean="0">
+                <a:latin typeface="Monaco"/>
+                <a:cs typeface="Monaco"/>
+              </a:rPr>
+              <a:t>.split(</a:t>
+            </a:r>
+            <a:r>
+              <a:rPr lang="en-US" i="1" dirty="0">
+                <a:latin typeface="Monaco"/>
+                <a:cs typeface="Monaco"/>
+              </a:rPr>
+              <a:t>)</a:t>
+            </a:r>
+            <a:r>
+              <a:rPr lang="en-US" dirty="0">
+                <a:latin typeface="Monaco"/>
+                <a:cs typeface="Monaco"/>
+              </a:rPr>
+              <a:t> method </a:t>
+            </a:r>
+            <a:r>
+              <a:rPr lang="en-US" dirty="0" smtClean="0">
+                <a:latin typeface="Monaco"/>
+                <a:cs typeface="Monaco"/>
+              </a:rPr>
+              <a:t>splits on a character, returns a list</a:t>
+            </a:r>
+          </a:p>
+          <a:p>
+            <a:r>
+              <a:rPr lang="en-US" dirty="0" smtClean="0">
+                <a:latin typeface="Monaco"/>
+                <a:cs typeface="Monaco"/>
+              </a:rPr>
+              <a:t>print </a:t>
+            </a:r>
+            <a:r>
+              <a:rPr lang="en-US" dirty="0" err="1" smtClean="0">
+                <a:latin typeface="Monaco"/>
+                <a:cs typeface="Monaco"/>
+              </a:rPr>
+              <a:t>s.split</a:t>
+            </a:r>
+            <a:r>
+              <a:rPr lang="en-US" dirty="0" smtClean="0">
+                <a:latin typeface="Monaco"/>
+                <a:cs typeface="Monaco"/>
+              </a:rPr>
+              <a:t>("</a:t>
+            </a:r>
+            <a:r>
+              <a:rPr lang="en-US" dirty="0" err="1" smtClean="0">
+                <a:latin typeface="Monaco"/>
+                <a:cs typeface="Monaco"/>
+              </a:rPr>
+              <a:t>i</a:t>
+            </a:r>
+            <a:r>
+              <a:rPr lang="en-US" dirty="0" smtClean="0">
+                <a:latin typeface="Monaco"/>
+                <a:cs typeface="Monaco"/>
+              </a:rPr>
+              <a:t>")</a:t>
+            </a:r>
+          </a:p>
+          <a:p>
+            <a:r>
+              <a:rPr lang="en-US" dirty="0">
+                <a:solidFill>
+                  <a:schemeClr val="bg1">
+                    <a:lumMod val="65000"/>
+                  </a:schemeClr>
+                </a:solidFill>
+                <a:latin typeface="Monaco"/>
+                <a:cs typeface="Monaco"/>
+              </a:rPr>
+              <a:t>	</a:t>
+            </a:r>
+            <a:r>
+              <a:rPr lang="en-US" dirty="0" smtClean="0">
+                <a:solidFill>
+                  <a:schemeClr val="bg1">
+                    <a:lumMod val="65000"/>
+                  </a:schemeClr>
+                </a:solidFill>
+                <a:latin typeface="Monaco"/>
+                <a:cs typeface="Monaco"/>
+              </a:rPr>
+              <a:t>["</a:t>
+            </a:r>
+            <a:r>
+              <a:rPr lang="en-US" dirty="0" err="1" smtClean="0">
+                <a:solidFill>
+                  <a:schemeClr val="bg1">
+                    <a:lumMod val="65000"/>
+                  </a:schemeClr>
+                </a:solidFill>
+                <a:latin typeface="Monaco"/>
+                <a:cs typeface="Monaco"/>
+              </a:rPr>
+              <a:t>Th</a:t>
+            </a:r>
+            <a:r>
+              <a:rPr lang="en-US" dirty="0" smtClean="0">
+                <a:solidFill>
+                  <a:schemeClr val="bg1">
+                    <a:lumMod val="65000"/>
+                  </a:schemeClr>
+                </a:solidFill>
+                <a:latin typeface="Monaco"/>
+                <a:cs typeface="Monaco"/>
+              </a:rPr>
+              <a:t>", "s ", "s an example </a:t>
+            </a:r>
+            <a:r>
+              <a:rPr lang="en-US" dirty="0" err="1" smtClean="0">
+                <a:solidFill>
+                  <a:schemeClr val="bg1">
+                    <a:lumMod val="65000"/>
+                  </a:schemeClr>
+                </a:solidFill>
+                <a:latin typeface="Monaco"/>
+                <a:cs typeface="Monaco"/>
+              </a:rPr>
+              <a:t>str</a:t>
+            </a:r>
+            <a:r>
+              <a:rPr lang="en-US" dirty="0" smtClean="0">
+                <a:solidFill>
+                  <a:schemeClr val="bg1">
+                    <a:lumMod val="65000"/>
+                  </a:schemeClr>
+                </a:solidFill>
+                <a:latin typeface="Monaco"/>
+                <a:cs typeface="Monaco"/>
+              </a:rPr>
+              <a:t>", "</a:t>
+            </a:r>
+            <a:r>
+              <a:rPr lang="en-US" dirty="0" err="1" smtClean="0">
+                <a:solidFill>
+                  <a:schemeClr val="bg1">
+                    <a:lumMod val="65000"/>
+                  </a:schemeClr>
+                </a:solidFill>
+                <a:latin typeface="Monaco"/>
+                <a:cs typeface="Monaco"/>
+              </a:rPr>
+              <a:t>ng</a:t>
+            </a:r>
+            <a:r>
+              <a:rPr lang="en-US" dirty="0" smtClean="0">
+                <a:solidFill>
+                  <a:schemeClr val="bg1">
+                    <a:lumMod val="65000"/>
+                  </a:schemeClr>
+                </a:solidFill>
+                <a:latin typeface="Monaco"/>
+                <a:cs typeface="Monaco"/>
+              </a:rPr>
+              <a:t>."]</a:t>
+            </a:r>
+            <a:endParaRPr lang="en-US" dirty="0">
+              <a:solidFill>
+                <a:schemeClr val="bg1">
+                  <a:lumMod val="65000"/>
+                </a:schemeClr>
+              </a:solidFill>
+              <a:latin typeface="Monaco"/>
+              <a:cs typeface="Monaco"/>
+            </a:endParaRPr>
+          </a:p>
+          <a:p>
+            <a:endParaRPr lang="en-US" dirty="0">
+              <a:solidFill>
+                <a:schemeClr val="bg1">
+                  <a:lumMod val="65000"/>
+                </a:schemeClr>
+              </a:solidFill>
+              <a:latin typeface="Monaco"/>
+              <a:cs typeface="Monaco"/>
+            </a:endParaRPr>
+          </a:p>
+          <a:p>
+            <a:endParaRPr lang="en-US" dirty="0">
+              <a:solidFill>
+                <a:schemeClr val="bg1">
+                  <a:lumMod val="65000"/>
+                </a:schemeClr>
+              </a:solidFill>
+              <a:latin typeface="Monaco"/>
+              <a:cs typeface="Monaco"/>
+            </a:endParaRPr>
           </a:p>
         </p:txBody>
       </p:sp>
     </p:spTree>
     <p:extLst>
       <p:ext uri="{BB962C8B-B14F-4D97-AF65-F5344CB8AC3E}">
-        <p14:creationId xmlns:p14="http://schemas.microsoft.com/office/powerpoint/2010/main" val="1216690747"/>
+        <p14:creationId xmlns:p14="http://schemas.microsoft.com/office/powerpoint/2010/main" val="143305919"/>
       </p:ext>
     </p:extLst>
   </p:cSld>
@@ -18920,7 +18886,15 @@
           <a:p>
             <a:r>
               <a:rPr lang="en-US" dirty="0" smtClean="0"/>
-              <a:t>strings are immutable</a:t>
+              <a:t>strings </a:t>
+            </a:r>
+            <a:r>
+              <a:rPr lang="en-US" dirty="0" err="1" smtClean="0"/>
+              <a:t>vs</a:t>
+            </a:r>
+            <a:r>
+              <a:rPr lang="en-US" dirty="0" smtClean="0"/>
+              <a:t> lists</a:t>
             </a:r>
             <a:endParaRPr lang="en-US" dirty="0"/>
           </a:p>
@@ -18928,102 +18902,65 @@
       </p:sp>
       <p:sp>
         <p:nvSpPr>
-          <p:cNvPr id="4" name="TextBox 3"/>
-          <p:cNvSpPr txBox="1"/>
-          <p:nvPr/>
-        </p:nvSpPr>
-        <p:spPr>
-          <a:xfrm>
-            <a:off x="521555" y="1652227"/>
-            <a:ext cx="8021678" cy="1477328"/>
-          </a:xfrm>
-          <a:prstGeom prst="rect">
-            <a:avLst/>
-          </a:prstGeom>
-          <a:noFill/>
-        </p:spPr>
-        <p:txBody>
-          <a:bodyPr wrap="square" rtlCol="0">
-            <a:spAutoFit/>
-          </a:bodyPr>
-          <a:lstStyle/>
-          <a:p>
-            <a:r>
-              <a:rPr lang="en-US" dirty="0" smtClean="0">
-                <a:latin typeface="Monaco"/>
-                <a:cs typeface="Monaco"/>
-              </a:rPr>
-              <a:t># Strings *will not* change when methods are called</a:t>
-            </a:r>
-          </a:p>
-          <a:p>
-            <a:r>
-              <a:rPr lang="en-US" dirty="0" smtClean="0">
-                <a:latin typeface="Monaco"/>
-                <a:cs typeface="Monaco"/>
-              </a:rPr>
-              <a:t>s = "example"</a:t>
-            </a:r>
-          </a:p>
-          <a:p>
-            <a:r>
-              <a:rPr lang="en-US" dirty="0" err="1" smtClean="0">
-                <a:latin typeface="Monaco"/>
-                <a:cs typeface="Monaco"/>
-              </a:rPr>
-              <a:t>s.upper</a:t>
-            </a:r>
-            <a:r>
-              <a:rPr lang="en-US" dirty="0" smtClean="0">
-                <a:latin typeface="Monaco"/>
-                <a:cs typeface="Monaco"/>
-              </a:rPr>
-              <a:t>()</a:t>
-            </a:r>
-          </a:p>
-          <a:p>
-            <a:r>
-              <a:rPr lang="en-US" dirty="0" smtClean="0">
-                <a:latin typeface="Monaco"/>
-                <a:cs typeface="Monaco"/>
-              </a:rPr>
-              <a:t>print s</a:t>
-            </a:r>
-          </a:p>
-          <a:p>
-            <a:r>
-              <a:rPr lang="en-US" dirty="0">
-                <a:latin typeface="Monaco"/>
-                <a:cs typeface="Monaco"/>
-              </a:rPr>
-              <a:t> </a:t>
-            </a:r>
-            <a:r>
-              <a:rPr lang="en-US" dirty="0" smtClean="0">
-                <a:latin typeface="Monaco"/>
-                <a:cs typeface="Monaco"/>
-              </a:rPr>
-              <a:t>   </a:t>
-            </a:r>
-            <a:r>
-              <a:rPr lang="en-US" dirty="0" smtClean="0">
-                <a:solidFill>
-                  <a:schemeClr val="bg1">
-                    <a:lumMod val="65000"/>
-                  </a:schemeClr>
-                </a:solidFill>
-                <a:latin typeface="Monaco"/>
-                <a:cs typeface="Monaco"/>
-              </a:rPr>
-              <a:t>example</a:t>
-            </a:r>
+          <p:cNvPr id="3" name="Content Placeholder 2"/>
+          <p:cNvSpPr>
+            <a:spLocks noGrp="1"/>
+          </p:cNvSpPr>
+          <p:nvPr>
+            <p:ph idx="1"/>
+          </p:nvPr>
+        </p:nvSpPr>
+        <p:spPr/>
+        <p:txBody>
+          <a:bodyPr/>
+          <a:lstStyle/>
+          <a:p>
+            <a:pPr marL="457200" indent="-457200">
+              <a:buFont typeface="Arial"/>
+              <a:buChar char="•"/>
+            </a:pPr>
+            <a:r>
+              <a:rPr lang="en-US" dirty="0" smtClean="0"/>
+              <a:t>Strings cannot be modified in place </a:t>
+            </a:r>
+          </a:p>
+          <a:p>
+            <a:pPr marL="914400" lvl="1" indent="-457200">
+              <a:buFont typeface="Arial"/>
+              <a:buChar char="•"/>
+            </a:pPr>
+            <a:r>
+              <a:rPr lang="en-US" dirty="0" smtClean="0"/>
+              <a:t>You must </a:t>
+            </a:r>
+            <a:r>
+              <a:rPr lang="en-US" i="1" dirty="0" smtClean="0"/>
+              <a:t>re-define</a:t>
+            </a:r>
+            <a:r>
+              <a:rPr lang="en-US" dirty="0" smtClean="0"/>
+              <a:t> the string to change it.</a:t>
+            </a:r>
+          </a:p>
+          <a:p>
+            <a:pPr marL="457200" indent="-457200">
+              <a:buFont typeface="Arial"/>
+              <a:buChar char="•"/>
+            </a:pPr>
+            <a:r>
+              <a:rPr lang="en-US" dirty="0" smtClean="0"/>
+              <a:t>Lists can be modified in place</a:t>
+            </a:r>
+          </a:p>
+          <a:p>
+            <a:endParaRPr lang="en-US" dirty="0"/>
           </a:p>
         </p:txBody>
       </p:sp>
     </p:spTree>
     <p:extLst>
       <p:ext uri="{BB962C8B-B14F-4D97-AF65-F5344CB8AC3E}">
-        <p14:creationId xmlns:p14="http://schemas.microsoft.com/office/powerpoint/2010/main" val="2776090658"/>
+        <p14:creationId xmlns:p14="http://schemas.microsoft.com/office/powerpoint/2010/main" val="1216690747"/>
       </p:ext>
     </p:extLst>
   </p:cSld>
@@ -19082,7 +19019,7 @@
         <p:spPr>
           <a:xfrm>
             <a:off x="521555" y="1652227"/>
-            <a:ext cx="8021678" cy="2862323"/>
+            <a:ext cx="8021678" cy="1477328"/>
           </a:xfrm>
           <a:prstGeom prst="rect">
             <a:avLst/>
@@ -19165,90 +19102,12 @@
               <a:t>example</a:t>
             </a:r>
           </a:p>
-          <a:p>
-            <a:endParaRPr lang="en-US" dirty="0">
-              <a:solidFill>
-                <a:schemeClr val="bg1">
-                  <a:lumMod val="65000"/>
-                </a:schemeClr>
-              </a:solidFill>
-              <a:latin typeface="Monaco"/>
-              <a:cs typeface="Monaco"/>
-            </a:endParaRPr>
-          </a:p>
-          <a:p>
-            <a:r>
-              <a:rPr lang="en-US" dirty="0" smtClean="0">
-                <a:latin typeface="Monaco"/>
-                <a:cs typeface="Monaco"/>
-              </a:rPr>
-              <a:t># But if we re-define s when calling .upper()... </a:t>
-            </a:r>
-          </a:p>
-          <a:p>
-            <a:r>
-              <a:rPr lang="en-US" dirty="0" smtClean="0">
-                <a:latin typeface="Monaco"/>
-                <a:cs typeface="Monaco"/>
-              </a:rPr>
-              <a:t>s = </a:t>
-            </a:r>
-            <a:r>
-              <a:rPr lang="en-US" dirty="0" err="1" smtClean="0">
-                <a:latin typeface="Monaco"/>
-                <a:cs typeface="Monaco"/>
-              </a:rPr>
-              <a:t>s.upper</a:t>
-            </a:r>
-            <a:r>
-              <a:rPr lang="en-US" dirty="0" smtClean="0">
-                <a:latin typeface="Monaco"/>
-                <a:cs typeface="Monaco"/>
-              </a:rPr>
-              <a:t>()</a:t>
-            </a:r>
-          </a:p>
-          <a:p>
-            <a:r>
-              <a:rPr lang="en-US" dirty="0" smtClean="0">
-                <a:latin typeface="Monaco"/>
-                <a:cs typeface="Monaco"/>
-              </a:rPr>
-              <a:t>print s</a:t>
-            </a:r>
-          </a:p>
-          <a:p>
-            <a:r>
-              <a:rPr lang="en-US" dirty="0">
-                <a:solidFill>
-                  <a:schemeClr val="bg1">
-                    <a:lumMod val="65000"/>
-                  </a:schemeClr>
-                </a:solidFill>
-                <a:latin typeface="Monaco"/>
-                <a:cs typeface="Monaco"/>
-              </a:rPr>
-              <a:t> </a:t>
-            </a:r>
-            <a:r>
-              <a:rPr lang="en-US" dirty="0" smtClean="0">
-                <a:solidFill>
-                  <a:schemeClr val="bg1">
-                    <a:lumMod val="65000"/>
-                  </a:schemeClr>
-                </a:solidFill>
-                <a:latin typeface="Monaco"/>
-                <a:cs typeface="Monaco"/>
-              </a:rPr>
-              <a:t>   EXAMPLE</a:t>
-            </a:r>
-          </a:p>
         </p:txBody>
       </p:sp>
     </p:spTree>
     <p:extLst>
       <p:ext uri="{BB962C8B-B14F-4D97-AF65-F5344CB8AC3E}">
-        <p14:creationId xmlns:p14="http://schemas.microsoft.com/office/powerpoint/2010/main" val="2602504510"/>
+        <p14:creationId xmlns:p14="http://schemas.microsoft.com/office/powerpoint/2010/main" val="2776090658"/>
       </p:ext>
     </p:extLst>
   </p:cSld>
@@ -19307,7 +19166,7 @@
         <p:spPr>
           <a:xfrm>
             <a:off x="521555" y="1652227"/>
-            <a:ext cx="8021678" cy="3693319"/>
+            <a:ext cx="8021678" cy="2862323"/>
           </a:xfrm>
           <a:prstGeom prst="rect">
             <a:avLst/>
@@ -19468,166 +19327,12 @@
               <a:t>   EXAMPLE</a:t>
             </a:r>
           </a:p>
-          <a:p>
-            <a:endParaRPr lang="en-US" dirty="0">
-              <a:solidFill>
-                <a:schemeClr val="bg1">
-                  <a:lumMod val="65000"/>
-                </a:schemeClr>
-              </a:solidFill>
-              <a:latin typeface="Monaco"/>
-              <a:cs typeface="Monaco"/>
-            </a:endParaRPr>
-          </a:p>
-          <a:p>
-            <a:r>
-              <a:rPr lang="en-US" dirty="0">
-                <a:latin typeface="Monaco"/>
-                <a:cs typeface="Monaco"/>
-              </a:rPr>
-              <a:t># </a:t>
-            </a:r>
-            <a:r>
-              <a:rPr lang="en-US" dirty="0" smtClean="0">
-                <a:latin typeface="Monaco"/>
-                <a:cs typeface="Monaco"/>
-              </a:rPr>
-              <a:t>We'll get *an error* if we try too much</a:t>
-            </a:r>
-          </a:p>
-          <a:p>
-            <a:r>
-              <a:rPr lang="en-US" dirty="0" smtClean="0">
-                <a:latin typeface="Monaco"/>
-                <a:cs typeface="Monaco"/>
-              </a:rPr>
-              <a:t>s[2] = "A"</a:t>
-            </a:r>
-          </a:p>
-        </p:txBody>
-      </p:sp>
-      <p:sp>
-        <p:nvSpPr>
-          <p:cNvPr id="5" name="TextBox 4"/>
-          <p:cNvSpPr txBox="1"/>
-          <p:nvPr/>
-        </p:nvSpPr>
-        <p:spPr>
-          <a:xfrm>
-            <a:off x="585515" y="5345546"/>
-            <a:ext cx="8634604" cy="646331"/>
-          </a:xfrm>
-          <a:prstGeom prst="rect">
-            <a:avLst/>
-          </a:prstGeom>
-          <a:noFill/>
-        </p:spPr>
-        <p:txBody>
-          <a:bodyPr wrap="square" rtlCol="0">
-            <a:spAutoFit/>
-          </a:bodyPr>
-          <a:lstStyle/>
-          <a:p>
-            <a:r>
-              <a:rPr lang="en-US" dirty="0" err="1" smtClean="0">
-                <a:solidFill>
-                  <a:schemeClr val="tx2"/>
-                </a:solidFill>
-                <a:latin typeface="Monaco"/>
-                <a:cs typeface="Monaco"/>
-              </a:rPr>
-              <a:t>Traceback</a:t>
-            </a:r>
-            <a:r>
-              <a:rPr lang="en-US" dirty="0" smtClean="0">
-                <a:solidFill>
-                  <a:schemeClr val="tx2"/>
-                </a:solidFill>
-                <a:latin typeface="Monaco"/>
-                <a:cs typeface="Monaco"/>
-              </a:rPr>
-              <a:t> </a:t>
-            </a:r>
-            <a:r>
-              <a:rPr lang="en-US" dirty="0">
-                <a:solidFill>
-                  <a:schemeClr val="tx2"/>
-                </a:solidFill>
-                <a:latin typeface="Monaco"/>
-                <a:cs typeface="Monaco"/>
-              </a:rPr>
-              <a:t>(most recent call last):</a:t>
-            </a:r>
-          </a:p>
-          <a:p>
-            <a:r>
-              <a:rPr lang="en-US" dirty="0">
-                <a:solidFill>
-                  <a:schemeClr val="tx2"/>
-                </a:solidFill>
-                <a:latin typeface="Monaco"/>
-                <a:cs typeface="Monaco"/>
-              </a:rPr>
-              <a:t>  </a:t>
-            </a:r>
-            <a:r>
-              <a:rPr lang="en-US" dirty="0" err="1">
-                <a:solidFill>
-                  <a:schemeClr val="tx2"/>
-                </a:solidFill>
-                <a:latin typeface="Monaco"/>
-                <a:cs typeface="Monaco"/>
-              </a:rPr>
-              <a:t>TypeError</a:t>
-            </a:r>
-            <a:r>
-              <a:rPr lang="en-US" dirty="0">
-                <a:solidFill>
-                  <a:schemeClr val="tx2"/>
-                </a:solidFill>
-                <a:latin typeface="Monaco"/>
-                <a:cs typeface="Monaco"/>
-              </a:rPr>
-              <a:t>: '</a:t>
-            </a:r>
-            <a:r>
-              <a:rPr lang="en-US" dirty="0" err="1">
-                <a:solidFill>
-                  <a:schemeClr val="tx2"/>
-                </a:solidFill>
-                <a:latin typeface="Monaco"/>
-                <a:cs typeface="Monaco"/>
-              </a:rPr>
-              <a:t>str</a:t>
-            </a:r>
-            <a:r>
-              <a:rPr lang="en-US" dirty="0">
-                <a:solidFill>
-                  <a:schemeClr val="tx2"/>
-                </a:solidFill>
-                <a:latin typeface="Monaco"/>
-                <a:cs typeface="Monaco"/>
-              </a:rPr>
-              <a:t>' object does not support item </a:t>
-            </a:r>
-            <a:r>
-              <a:rPr lang="en-US" dirty="0" smtClean="0">
-                <a:solidFill>
-                  <a:schemeClr val="tx2"/>
-                </a:solidFill>
-                <a:latin typeface="Monaco"/>
-                <a:cs typeface="Monaco"/>
-              </a:rPr>
-              <a:t>assignment</a:t>
-            </a:r>
-            <a:endParaRPr lang="en-US" dirty="0"/>
-          </a:p>
         </p:txBody>
       </p:sp>
     </p:spTree>
     <p:extLst>
       <p:ext uri="{BB962C8B-B14F-4D97-AF65-F5344CB8AC3E}">
-        <p14:creationId xmlns:p14="http://schemas.microsoft.com/office/powerpoint/2010/main" val="1535974828"/>
+        <p14:creationId xmlns:p14="http://schemas.microsoft.com/office/powerpoint/2010/main" val="2602504510"/>
       </p:ext>
     </p:extLst>
   </p:cSld>
@@ -19671,7 +19376,7 @@
           <a:p>
             <a:r>
               <a:rPr lang="en-US" dirty="0" smtClean="0"/>
-              <a:t>lists are mutable</a:t>
+              <a:t>strings are immutable</a:t>
             </a:r>
             <a:endParaRPr lang="en-US" dirty="0"/>
           </a:p>
@@ -19686,7 +19391,7 @@
         <p:spPr>
           <a:xfrm>
             <a:off x="521555" y="1652227"/>
-            <a:ext cx="8021678" cy="2031325"/>
+            <a:ext cx="8021678" cy="3693319"/>
           </a:xfrm>
           <a:prstGeom prst="rect">
             <a:avLst/>
@@ -19704,7 +19409,41 @@
                 <a:latin typeface="Monaco"/>
                 <a:cs typeface="Monaco"/>
               </a:rPr>
-              <a:t># Lists *will* change when methods are called</a:t>
+              <a:t># Strings *will not* change when methods are called</a:t>
+            </a:r>
+          </a:p>
+          <a:p>
+            <a:r>
+              <a:rPr lang="en-US" dirty="0" smtClean="0">
+                <a:latin typeface="Monaco"/>
+                <a:cs typeface="Monaco"/>
+              </a:rPr>
+              <a:t>s = "example"</a:t>
+            </a:r>
+          </a:p>
+          <a:p>
+            <a:r>
+              <a:rPr lang="en-US" dirty="0" err="1" smtClean="0">
+                <a:latin typeface="Monaco"/>
+                <a:cs typeface="Monaco"/>
+              </a:rPr>
+              <a:t>s.upper</a:t>
+            </a:r>
+            <a:r>
+              <a:rPr lang="en-US" dirty="0" smtClean="0">
+                <a:latin typeface="Monaco"/>
+                <a:cs typeface="Monaco"/>
+              </a:rPr>
+              <a:t>()</a:t>
+            </a:r>
+          </a:p>
+          <a:p>
+            <a:r>
+              <a:rPr lang="en-US" dirty="0" smtClean="0">
+                <a:latin typeface="Monaco"/>
+                <a:cs typeface="Monaco"/>
+              </a:rPr>
+              <a:t>print s</a:t>
             </a:r>
           </a:p>
           <a:p>
@@ -19713,80 +19452,266 @@
                 <a:latin typeface="Monaco"/>
                 <a:cs typeface="Monaco"/>
               </a:rPr>
-              <a:t>f = [1, 2, 3]</a:t>
-            </a:r>
-          </a:p>
-          <a:p>
-            <a:r>
-              <a:rPr lang="en-US" dirty="0" err="1">
-                <a:latin typeface="Monaco"/>
-                <a:cs typeface="Monaco"/>
-              </a:rPr>
-              <a:t>f.append</a:t>
-            </a:r>
-            <a:r>
-              <a:rPr lang="en-US" dirty="0">
-                <a:latin typeface="Monaco"/>
-                <a:cs typeface="Monaco"/>
-              </a:rPr>
-              <a:t>(4)</a:t>
-            </a:r>
-          </a:p>
-          <a:p>
-            <a:r>
-              <a:rPr lang="en-US" dirty="0">
-                <a:latin typeface="Monaco"/>
-                <a:cs typeface="Monaco"/>
-              </a:rPr>
-              <a:t>print f</a:t>
-            </a:r>
-          </a:p>
-          <a:p>
-            <a:r>
-              <a:rPr lang="en-US" dirty="0">
-                <a:solidFill>
-                  <a:srgbClr val="A6A6A6"/>
-                </a:solidFill>
-                <a:latin typeface="Monaco"/>
-                <a:cs typeface="Monaco"/>
-              </a:rPr>
-              <a:t>	[1, 2, 3, 4</a:t>
-            </a:r>
-            <a:r>
-              <a:rPr lang="en-US" dirty="0" smtClean="0">
-                <a:solidFill>
-                  <a:srgbClr val="A6A6A6"/>
-                </a:solidFill>
-                <a:latin typeface="Monaco"/>
-                <a:cs typeface="Monaco"/>
-              </a:rPr>
-              <a:t>]</a:t>
-            </a:r>
-          </a:p>
-          <a:p>
-            <a:endParaRPr lang="en-US" dirty="0" smtClean="0">
+              <a:t> </a:t>
+            </a:r>
+            <a:r>
+              <a:rPr lang="en-US" dirty="0" smtClean="0">
+                <a:latin typeface="Monaco"/>
+                <a:cs typeface="Monaco"/>
+              </a:rPr>
+              <a:t>   </a:t>
+            </a:r>
+            <a:r>
+              <a:rPr lang="en-US" dirty="0" smtClean="0">
+                <a:solidFill>
+                  <a:schemeClr val="bg1">
+                    <a:lumMod val="65000"/>
+                  </a:schemeClr>
+                </a:solidFill>
+                <a:latin typeface="Monaco"/>
+                <a:cs typeface="Monaco"/>
+              </a:rPr>
+              <a:t>example</a:t>
+            </a:r>
+          </a:p>
+          <a:p>
+            <a:endParaRPr lang="en-US" dirty="0">
               <a:solidFill>
-                <a:srgbClr val="A6A6A6"/>
+                <a:schemeClr val="bg1">
+                  <a:lumMod val="65000"/>
+                </a:schemeClr>
               </a:solidFill>
               <a:latin typeface="Monaco"/>
               <a:cs typeface="Monaco"/>
             </a:endParaRPr>
           </a:p>
           <a:p>
+            <a:r>
+              <a:rPr lang="en-US" dirty="0" smtClean="0">
+                <a:latin typeface="Monaco"/>
+                <a:cs typeface="Monaco"/>
+              </a:rPr>
+              <a:t># But if we re-define s when calling .upper()... </a:t>
+            </a:r>
+          </a:p>
+          <a:p>
+            <a:r>
+              <a:rPr lang="en-US" dirty="0" smtClean="0">
+                <a:latin typeface="Monaco"/>
+                <a:cs typeface="Monaco"/>
+              </a:rPr>
+              <a:t>s = </a:t>
+            </a:r>
+            <a:r>
+              <a:rPr lang="en-US" dirty="0" err="1" smtClean="0">
+                <a:latin typeface="Monaco"/>
+                <a:cs typeface="Monaco"/>
+              </a:rPr>
+              <a:t>s.upper</a:t>
+            </a:r>
+            <a:r>
+              <a:rPr lang="en-US" dirty="0" smtClean="0">
+                <a:latin typeface="Monaco"/>
+                <a:cs typeface="Monaco"/>
+              </a:rPr>
+              <a:t>()</a:t>
+            </a:r>
+          </a:p>
+          <a:p>
+            <a:r>
+              <a:rPr lang="en-US" dirty="0" smtClean="0">
+                <a:latin typeface="Monaco"/>
+                <a:cs typeface="Monaco"/>
+              </a:rPr>
+              <a:t>print s</a:t>
+            </a:r>
+          </a:p>
+          <a:p>
+            <a:r>
+              <a:rPr lang="en-US" dirty="0">
+                <a:solidFill>
+                  <a:schemeClr val="bg1">
+                    <a:lumMod val="65000"/>
+                  </a:schemeClr>
+                </a:solidFill>
+                <a:latin typeface="Monaco"/>
+                <a:cs typeface="Monaco"/>
+              </a:rPr>
+              <a:t> </a:t>
+            </a:r>
+            <a:r>
+              <a:rPr lang="en-US" dirty="0" smtClean="0">
+                <a:solidFill>
+                  <a:schemeClr val="bg1">
+                    <a:lumMod val="65000"/>
+                  </a:schemeClr>
+                </a:solidFill>
+                <a:latin typeface="Monaco"/>
+                <a:cs typeface="Monaco"/>
+              </a:rPr>
+              <a:t>   EXAMPLE</a:t>
+            </a:r>
+          </a:p>
+          <a:p>
             <a:endParaRPr lang="en-US" dirty="0">
               <a:solidFill>
-                <a:srgbClr val="A6A6A6"/>
+                <a:schemeClr val="bg1">
+                  <a:lumMod val="65000"/>
+                </a:schemeClr>
               </a:solidFill>
               <a:latin typeface="Monaco"/>
               <a:cs typeface="Monaco"/>
             </a:endParaRPr>
           </a:p>
+          <a:p>
+            <a:r>
+              <a:rPr lang="en-US" dirty="0">
+                <a:latin typeface="Monaco"/>
+                <a:cs typeface="Monaco"/>
+              </a:rPr>
+              <a:t># </a:t>
+            </a:r>
+            <a:r>
+              <a:rPr lang="en-US" dirty="0" smtClean="0">
+                <a:latin typeface="Monaco"/>
+                <a:cs typeface="Monaco"/>
+              </a:rPr>
+              <a:t>We'll get *an error* if we try too much</a:t>
+            </a:r>
+          </a:p>
+          <a:p>
+            <a:r>
+              <a:rPr lang="en-US" dirty="0" smtClean="0">
+                <a:latin typeface="Monaco"/>
+                <a:cs typeface="Monaco"/>
+              </a:rPr>
+              <a:t>s[2] = "A"</a:t>
+            </a:r>
+          </a:p>
+        </p:txBody>
+      </p:sp>
+      <p:sp>
+        <p:nvSpPr>
+          <p:cNvPr id="5" name="TextBox 4"/>
+          <p:cNvSpPr txBox="1"/>
+          <p:nvPr/>
+        </p:nvSpPr>
+        <p:spPr>
+          <a:xfrm>
+            <a:off x="585515" y="5345546"/>
+            <a:ext cx="8634604" cy="646331"/>
+          </a:xfrm>
+          <a:prstGeom prst="rect">
+            <a:avLst/>
+          </a:prstGeom>
+          <a:noFill/>
+        </p:spPr>
+        <p:txBody>
+          <a:bodyPr wrap="square" rtlCol="0">
+            <a:spAutoFit/>
+          </a:bodyPr>
+          <a:lstStyle/>
+          <a:p>
+            <a:r>
+              <a:rPr lang="en-US" dirty="0" err="1" smtClean="0">
+                <a:solidFill>
+                  <a:schemeClr val="tx2"/>
+                </a:solidFill>
+                <a:latin typeface="Monaco"/>
+                <a:cs typeface="Monaco"/>
+              </a:rPr>
+              <a:t>Traceback</a:t>
+            </a:r>
+            <a:r>
+              <a:rPr lang="en-US" dirty="0" smtClean="0">
+                <a:solidFill>
+                  <a:schemeClr val="tx2"/>
+                </a:solidFill>
+                <a:latin typeface="Monaco"/>
+                <a:cs typeface="Monaco"/>
+              </a:rPr>
+              <a:t> </a:t>
+            </a:r>
+            <a:r>
+              <a:rPr lang="en-US" dirty="0">
+                <a:solidFill>
+                  <a:schemeClr val="tx2"/>
+                </a:solidFill>
+                <a:latin typeface="Monaco"/>
+                <a:cs typeface="Monaco"/>
+              </a:rPr>
+              <a:t>(most recent call last):</a:t>
+            </a:r>
+          </a:p>
+          <a:p>
+            <a:r>
+              <a:rPr lang="en-US" dirty="0">
+                <a:solidFill>
+                  <a:schemeClr val="tx2"/>
+                </a:solidFill>
+                <a:latin typeface="Monaco"/>
+                <a:cs typeface="Monaco"/>
+              </a:rPr>
+              <a:t>  </a:t>
+            </a:r>
+            <a:r>
+              <a:rPr lang="en-US" dirty="0" err="1">
+                <a:solidFill>
+                  <a:schemeClr val="tx2"/>
+                </a:solidFill>
+                <a:latin typeface="Monaco"/>
+                <a:cs typeface="Monaco"/>
+              </a:rPr>
+              <a:t>TypeError</a:t>
+            </a:r>
+            <a:r>
+              <a:rPr lang="en-US" dirty="0">
+                <a:solidFill>
+                  <a:schemeClr val="tx2"/>
+                </a:solidFill>
+                <a:latin typeface="Monaco"/>
+                <a:cs typeface="Monaco"/>
+              </a:rPr>
+              <a:t>: '</a:t>
+            </a:r>
+            <a:r>
+              <a:rPr lang="en-US" dirty="0" err="1">
+                <a:solidFill>
+                  <a:schemeClr val="tx2"/>
+                </a:solidFill>
+                <a:latin typeface="Monaco"/>
+                <a:cs typeface="Monaco"/>
+              </a:rPr>
+              <a:t>str</a:t>
+            </a:r>
+            <a:r>
+              <a:rPr lang="en-US" dirty="0">
+                <a:solidFill>
+                  <a:schemeClr val="tx2"/>
+                </a:solidFill>
+                <a:latin typeface="Monaco"/>
+                <a:cs typeface="Monaco"/>
+              </a:rPr>
+              <a:t>' object does not support item </a:t>
+            </a:r>
+            <a:r>
+              <a:rPr lang="en-US" dirty="0" smtClean="0">
+                <a:solidFill>
+                  <a:schemeClr val="tx2"/>
+                </a:solidFill>
+                <a:latin typeface="Monaco"/>
+                <a:cs typeface="Monaco"/>
+              </a:rPr>
+              <a:t>assignment</a:t>
+            </a:r>
+            <a:endParaRPr lang="en-US" dirty="0"/>
+          </a:p>
         </p:txBody>
       </p:sp>
     </p:spTree>
     <p:extLst>
       <p:ext uri="{BB962C8B-B14F-4D97-AF65-F5344CB8AC3E}">
-        <p14:creationId xmlns:p14="http://schemas.microsoft.com/office/powerpoint/2010/main" val="284186306"/>
+        <p14:creationId xmlns:p14="http://schemas.microsoft.com/office/powerpoint/2010/main" val="1535974828"/>
       </p:ext>
     </p:extLst>
   </p:cSld>
@@ -19845,7 +19770,7 @@
         <p:spPr>
           <a:xfrm>
             <a:off x="521555" y="1652227"/>
-            <a:ext cx="8021678" cy="3416320"/>
+            <a:ext cx="8021678" cy="2031325"/>
           </a:xfrm>
           <a:prstGeom prst="rect">
             <a:avLst/>
@@ -19932,83 +19857,6 @@
             </a:endParaRPr>
           </a:p>
           <a:p>
-            <a:r>
-              <a:rPr lang="en-US" dirty="0" smtClean="0">
-                <a:solidFill>
-                  <a:srgbClr val="000000"/>
-                </a:solidFill>
-                <a:latin typeface="Monaco"/>
-                <a:cs typeface="Monaco"/>
-              </a:rPr>
-              <a:t># We can use indexing to re-write items in lists</a:t>
-            </a:r>
-          </a:p>
-          <a:p>
-            <a:r>
-              <a:rPr lang="en-US" dirty="0" smtClean="0">
-                <a:solidFill>
-                  <a:srgbClr val="000000"/>
-                </a:solidFill>
-                <a:latin typeface="Monaco"/>
-                <a:cs typeface="Monaco"/>
-              </a:rPr>
-              <a:t>f[2] = 77.8</a:t>
-            </a:r>
-          </a:p>
-          <a:p>
-            <a:r>
-              <a:rPr lang="en-US" dirty="0" smtClean="0">
-                <a:solidFill>
-                  <a:srgbClr val="000000"/>
-                </a:solidFill>
-                <a:latin typeface="Monaco"/>
-                <a:cs typeface="Monaco"/>
-              </a:rPr>
-              <a:t>print f</a:t>
-            </a:r>
-          </a:p>
-          <a:p>
-            <a:r>
-              <a:rPr lang="en-US" dirty="0">
-                <a:solidFill>
-                  <a:srgbClr val="A6A6A6"/>
-                </a:solidFill>
-                <a:latin typeface="Monaco"/>
-                <a:cs typeface="Monaco"/>
-              </a:rPr>
-              <a:t>	[1, 2, </a:t>
-            </a:r>
-            <a:r>
-              <a:rPr lang="en-US" dirty="0" smtClean="0">
-                <a:solidFill>
-                  <a:srgbClr val="A6A6A6"/>
-                </a:solidFill>
-                <a:latin typeface="Monaco"/>
-                <a:cs typeface="Monaco"/>
-              </a:rPr>
-              <a:t>77.8, </a:t>
-            </a:r>
-            <a:r>
-              <a:rPr lang="en-US" dirty="0">
-                <a:solidFill>
-                  <a:srgbClr val="A6A6A6"/>
-                </a:solidFill>
-                <a:latin typeface="Monaco"/>
-                <a:cs typeface="Monaco"/>
-              </a:rPr>
-              <a:t>4]</a:t>
-            </a:r>
-          </a:p>
-          <a:p>
-            <a:endParaRPr lang="en-US" dirty="0" smtClean="0">
-              <a:solidFill>
-                <a:srgbClr val="A6A6A6"/>
-              </a:solidFill>
-              <a:latin typeface="Monaco"/>
-              <a:cs typeface="Monaco"/>
-            </a:endParaRPr>
-          </a:p>
-          <a:p>
             <a:endParaRPr lang="en-US" dirty="0">
               <a:solidFill>
                 <a:srgbClr val="A6A6A6"/>
@@ -20022,7 +19870,7 @@
     </p:spTree>
     <p:extLst>
       <p:ext uri="{BB962C8B-B14F-4D97-AF65-F5344CB8AC3E}">
-        <p14:creationId xmlns:p14="http://schemas.microsoft.com/office/powerpoint/2010/main" val="1727971694"/>
+        <p14:creationId xmlns:p14="http://schemas.microsoft.com/office/powerpoint/2010/main" val="284186306"/>
       </p:ext>
     </p:extLst>
   </p:cSld>
@@ -20066,51 +19914,8 @@
           <a:p>
             <a:r>
               <a:rPr lang="en-US" dirty="0" smtClean="0"/>
-              <a:t>a note on methods</a:t>
-            </a:r>
-            <a:endParaRPr lang="en-US" dirty="0"/>
-          </a:p>
-        </p:txBody>
-      </p:sp>
-      <p:sp>
-        <p:nvSpPr>
-          <p:cNvPr id="3" name="Content Placeholder 2"/>
-          <p:cNvSpPr>
-            <a:spLocks noGrp="1"/>
-          </p:cNvSpPr>
-          <p:nvPr>
-            <p:ph idx="1"/>
-          </p:nvPr>
-        </p:nvSpPr>
-        <p:spPr/>
-        <p:txBody>
-          <a:bodyPr/>
-          <a:lstStyle/>
-          <a:p>
-            <a:pPr marL="457200" indent="-457200">
-              <a:buFont typeface="Arial"/>
-              <a:buChar char="•"/>
-            </a:pPr>
-            <a:r>
-              <a:rPr lang="en-US" dirty="0" smtClean="0"/>
-              <a:t>Methods are functions </a:t>
-            </a:r>
-            <a:r>
-              <a:rPr lang="en-US" i="1" dirty="0" smtClean="0"/>
-              <a:t>specific to a certain object</a:t>
-            </a:r>
-          </a:p>
-          <a:p>
-            <a:pPr marL="457200" indent="-457200">
-              <a:buFont typeface="Arial"/>
-              <a:buChar char="•"/>
-            </a:pPr>
-            <a:r>
-              <a:rPr lang="en-US" dirty="0" smtClean="0"/>
-              <a:t>Functions are/can be much more general:</a:t>
-            </a:r>
-          </a:p>
-          <a:p>
+              <a:t>lists are mutable</a:t>
+            </a:r>
             <a:endParaRPr lang="en-US" dirty="0"/>
           </a:p>
         </p:txBody>
@@ -20123,8 +19928,8 @@
         </p:nvSpPr>
         <p:spPr>
           <a:xfrm>
-            <a:off x="165207" y="3807214"/>
-            <a:ext cx="8643002" cy="2862323"/>
+            <a:off x="521555" y="1652227"/>
+            <a:ext cx="8021678" cy="3416320"/>
           </a:xfrm>
           <a:prstGeom prst="rect">
             <a:avLst/>
@@ -20142,151 +19947,166 @@
                 <a:latin typeface="Monaco"/>
                 <a:cs typeface="Monaco"/>
               </a:rPr>
-              <a:t>s = "python"</a:t>
-            </a:r>
-          </a:p>
-          <a:p>
-            <a:r>
-              <a:rPr lang="en-US" dirty="0" smtClean="0">
-                <a:latin typeface="Monaco"/>
-                <a:cs typeface="Monaco"/>
-              </a:rPr>
-              <a:t>print </a:t>
-            </a:r>
-            <a:r>
-              <a:rPr lang="en-US" dirty="0" err="1" smtClean="0">
-                <a:latin typeface="Monaco"/>
-                <a:cs typeface="Monaco"/>
-              </a:rPr>
-              <a:t>len</a:t>
-            </a:r>
-            <a:r>
-              <a:rPr lang="en-US" dirty="0" smtClean="0">
-                <a:latin typeface="Monaco"/>
-                <a:cs typeface="Monaco"/>
-              </a:rPr>
-              <a:t>(s)</a:t>
+              <a:t># Lists *will* change when methods are called</a:t>
             </a:r>
           </a:p>
           <a:p>
             <a:r>
               <a:rPr lang="en-US" dirty="0">
-                <a:solidFill>
-                  <a:schemeClr val="bg1">
-                    <a:lumMod val="65000"/>
-                  </a:schemeClr>
-                </a:solidFill>
-                <a:latin typeface="Monaco"/>
-                <a:cs typeface="Monaco"/>
-              </a:rPr>
-              <a:t>	</a:t>
-            </a:r>
-            <a:r>
-              <a:rPr lang="en-US" dirty="0" smtClean="0">
-                <a:solidFill>
-                  <a:schemeClr val="bg1">
-                    <a:lumMod val="65000"/>
-                  </a:schemeClr>
-                </a:solidFill>
-                <a:latin typeface="Monaco"/>
-                <a:cs typeface="Monaco"/>
-              </a:rPr>
-              <a:t>6</a:t>
-            </a:r>
-          </a:p>
-          <a:p>
-            <a:endParaRPr lang="en-US" dirty="0">
-              <a:latin typeface="Monaco"/>
-              <a:cs typeface="Monaco"/>
-            </a:endParaRPr>
-          </a:p>
-          <a:p>
-            <a:r>
-              <a:rPr lang="en-US" dirty="0" smtClean="0">
-                <a:latin typeface="Monaco"/>
-                <a:cs typeface="Monaco"/>
-              </a:rPr>
-              <a:t>d = ["p", "y", "t", "</a:t>
-            </a:r>
-            <a:r>
-              <a:rPr lang="en-US" dirty="0" err="1" smtClean="0">
-                <a:latin typeface="Monaco"/>
-                <a:cs typeface="Monaco"/>
-              </a:rPr>
-              <a:t>hon</a:t>
-            </a:r>
-            <a:r>
-              <a:rPr lang="en-US" dirty="0" smtClean="0">
-                <a:latin typeface="Monaco"/>
-                <a:cs typeface="Monaco"/>
-              </a:rPr>
-              <a:t>"]</a:t>
-            </a:r>
-          </a:p>
-          <a:p>
-            <a:r>
-              <a:rPr lang="en-US" dirty="0" smtClean="0">
-                <a:latin typeface="Monaco"/>
-                <a:cs typeface="Monaco"/>
-              </a:rPr>
-              <a:t>print </a:t>
-            </a:r>
-            <a:r>
-              <a:rPr lang="en-US" dirty="0" err="1" smtClean="0">
-                <a:latin typeface="Monaco"/>
-                <a:cs typeface="Monaco"/>
-              </a:rPr>
-              <a:t>len</a:t>
-            </a:r>
-            <a:r>
-              <a:rPr lang="en-US" dirty="0" smtClean="0">
-                <a:latin typeface="Monaco"/>
-                <a:cs typeface="Monaco"/>
-              </a:rPr>
-              <a:t>(d)</a:t>
-            </a:r>
-          </a:p>
-          <a:p>
-            <a:r>
-              <a:rPr lang="en-US" dirty="0" smtClean="0">
+                <a:latin typeface="Monaco"/>
+                <a:cs typeface="Monaco"/>
+              </a:rPr>
+              <a:t>f = [1, 2, 3]</a:t>
+            </a:r>
+          </a:p>
+          <a:p>
+            <a:r>
+              <a:rPr lang="en-US" dirty="0" err="1">
+                <a:latin typeface="Monaco"/>
+                <a:cs typeface="Monaco"/>
+              </a:rPr>
+              <a:t>f.append</a:t>
+            </a:r>
+            <a:r>
+              <a:rPr lang="en-US" dirty="0">
+                <a:latin typeface="Monaco"/>
+                <a:cs typeface="Monaco"/>
+              </a:rPr>
+              <a:t>(4)</a:t>
+            </a:r>
+          </a:p>
+          <a:p>
+            <a:r>
+              <a:rPr lang="en-US" dirty="0">
+                <a:latin typeface="Monaco"/>
+                <a:cs typeface="Monaco"/>
+              </a:rPr>
+              <a:t>print f</a:t>
+            </a:r>
+          </a:p>
+          <a:p>
+            <a:r>
+              <a:rPr lang="en-US" dirty="0">
                 <a:solidFill>
                   <a:srgbClr val="A6A6A6"/>
                 </a:solidFill>
                 <a:latin typeface="Monaco"/>
                 <a:cs typeface="Monaco"/>
               </a:rPr>
-              <a:t>	4</a:t>
+              <a:t>	[1, 2, 3, 4</a:t>
+            </a:r>
+            <a:r>
+              <a:rPr lang="en-US" dirty="0" smtClean="0">
+                <a:solidFill>
+                  <a:srgbClr val="A6A6A6"/>
+                </a:solidFill>
+                <a:latin typeface="Monaco"/>
+                <a:cs typeface="Monaco"/>
+              </a:rPr>
+              <a:t>]</a:t>
             </a:r>
           </a:p>
           <a:p>
             <a:endParaRPr lang="en-US" dirty="0" smtClean="0">
-              <a:latin typeface="Monaco"/>
-              <a:cs typeface="Monaco"/>
-            </a:endParaRPr>
-          </a:p>
-          <a:p>
-            <a:endParaRPr lang="en-US" dirty="0">
-              <a:latin typeface="Monaco"/>
-              <a:cs typeface="Monaco"/>
-            </a:endParaRPr>
-          </a:p>
-          <a:p>
-            <a:endParaRPr lang="en-US" dirty="0">
               <a:solidFill>
-                <a:schemeClr val="bg1">
-                  <a:lumMod val="65000"/>
-                </a:schemeClr>
+                <a:srgbClr val="A6A6A6"/>
               </a:solidFill>
               <a:latin typeface="Monaco"/>
               <a:cs typeface="Monaco"/>
             </a:endParaRPr>
           </a:p>
+          <a:p>
+            <a:r>
+              <a:rPr lang="en-US" dirty="0" smtClean="0">
+                <a:solidFill>
+                  <a:srgbClr val="000000"/>
+                </a:solidFill>
+                <a:latin typeface="Monaco"/>
+                <a:cs typeface="Monaco"/>
+              </a:rPr>
+              <a:t># We can use indexing to re-write items in lists</a:t>
+            </a:r>
+          </a:p>
+          <a:p>
+            <a:r>
+              <a:rPr lang="en-US" dirty="0" smtClean="0">
+                <a:solidFill>
+                  <a:srgbClr val="000000"/>
+                </a:solidFill>
+                <a:latin typeface="Monaco"/>
+                <a:cs typeface="Monaco"/>
+              </a:rPr>
+              <a:t>f[2] = 77.8</a:t>
+            </a:r>
+          </a:p>
+          <a:p>
+            <a:r>
+              <a:rPr lang="en-US" dirty="0" smtClean="0">
+                <a:solidFill>
+                  <a:srgbClr val="000000"/>
+                </a:solidFill>
+                <a:latin typeface="Monaco"/>
+                <a:cs typeface="Monaco"/>
+              </a:rPr>
+              <a:t>print f</a:t>
+            </a:r>
+          </a:p>
+          <a:p>
+            <a:r>
+              <a:rPr lang="en-US" dirty="0">
+                <a:solidFill>
+                  <a:srgbClr val="A6A6A6"/>
+                </a:solidFill>
+                <a:latin typeface="Monaco"/>
+                <a:cs typeface="Monaco"/>
+              </a:rPr>
+              <a:t>	[1, 2, </a:t>
+            </a:r>
+            <a:r>
+              <a:rPr lang="en-US" dirty="0" smtClean="0">
+                <a:solidFill>
+                  <a:srgbClr val="A6A6A6"/>
+                </a:solidFill>
+                <a:latin typeface="Monaco"/>
+                <a:cs typeface="Monaco"/>
+              </a:rPr>
+              <a:t>77.8, </a:t>
+            </a:r>
+            <a:r>
+              <a:rPr lang="en-US" dirty="0">
+                <a:solidFill>
+                  <a:srgbClr val="A6A6A6"/>
+                </a:solidFill>
+                <a:latin typeface="Monaco"/>
+                <a:cs typeface="Monaco"/>
+              </a:rPr>
+              <a:t>4]</a:t>
+            </a:r>
+          </a:p>
+          <a:p>
+            <a:endParaRPr lang="en-US" dirty="0" smtClean="0">
+              <a:solidFill>
+                <a:srgbClr val="A6A6A6"/>
+              </a:solidFill>
+              <a:latin typeface="Monaco"/>
+              <a:cs typeface="Monaco"/>
+            </a:endParaRPr>
+          </a:p>
+          <a:p>
+            <a:endParaRPr lang="en-US" dirty="0">
+              <a:solidFill>
+                <a:srgbClr val="A6A6A6"/>
+              </a:solidFill>
+              <a:latin typeface="Monaco"/>
+              <a:cs typeface="Monaco"/>
+            </a:endParaRPr>
+          </a:p>
         </p:txBody>
       </p:sp>
     </p:spTree>
     <p:extLst>
       <p:ext uri="{BB962C8B-B14F-4D97-AF65-F5344CB8AC3E}">
-        <p14:creationId xmlns:p14="http://schemas.microsoft.com/office/powerpoint/2010/main" val="922841025"/>
+        <p14:creationId xmlns:p14="http://schemas.microsoft.com/office/powerpoint/2010/main" val="1727971694"/>
       </p:ext>
     </p:extLst>
   </p:cSld>
@@ -20330,7 +20150,7 @@
           <a:p>
             <a:r>
               <a:rPr lang="en-US" dirty="0" smtClean="0"/>
-              <a:t>A Note on print statements</a:t>
+              <a:t>a note on methods</a:t>
             </a:r>
             <a:endParaRPr lang="en-US" dirty="0"/>
           </a:p>
@@ -20357,20 +20177,200 @@
             </a:pPr>
             <a:r>
               <a:rPr lang="en-US" dirty="0" smtClean="0"/>
-              <a:t>To print *more than one thing*, join items together with +,  </a:t>
+              <a:t>Methods are functions </a:t>
             </a:r>
             <a:r>
               <a:rPr lang="en-US" i="1" dirty="0" smtClean="0"/>
-              <a:t>as strings</a:t>
-            </a:r>
+              <a:t>specific to a certain object</a:t>
+            </a:r>
+          </a:p>
+          <a:p>
+            <a:pPr marL="457200" indent="-457200">
+              <a:buFont typeface="Arial"/>
+              <a:buChar char="•"/>
+            </a:pPr>
+            <a:r>
+              <a:rPr lang="en-US" dirty="0" smtClean="0"/>
+              <a:t>Functions are/can be much more general:</a:t>
+            </a:r>
+          </a:p>
+          <a:p>
             <a:endParaRPr lang="en-US" dirty="0"/>
+          </a:p>
+        </p:txBody>
+      </p:sp>
+      <p:sp>
+        <p:nvSpPr>
+          <p:cNvPr id="4" name="TextBox 3"/>
+          <p:cNvSpPr txBox="1"/>
+          <p:nvPr/>
+        </p:nvSpPr>
+        <p:spPr>
+          <a:xfrm>
+            <a:off x="165207" y="3807214"/>
+            <a:ext cx="8643002" cy="2862323"/>
+          </a:xfrm>
+          <a:prstGeom prst="rect">
+            <a:avLst/>
+          </a:prstGeom>
+          <a:noFill/>
+        </p:spPr>
+        <p:txBody>
+          <a:bodyPr wrap="square" rtlCol="0">
+            <a:spAutoFit/>
+          </a:bodyPr>
+          <a:lstStyle/>
+          <a:p>
+            <a:r>
+              <a:rPr lang="en-US" dirty="0" smtClean="0">
+                <a:latin typeface="Monaco"/>
+                <a:cs typeface="Monaco"/>
+              </a:rPr>
+              <a:t>s = "python"</a:t>
+            </a:r>
+          </a:p>
+          <a:p>
+            <a:r>
+              <a:rPr lang="en-US" dirty="0" smtClean="0">
+                <a:latin typeface="Monaco"/>
+                <a:cs typeface="Monaco"/>
+              </a:rPr>
+              <a:t>print </a:t>
+            </a:r>
+            <a:r>
+              <a:rPr lang="en-US" dirty="0" err="1" smtClean="0">
+                <a:latin typeface="Monaco"/>
+                <a:cs typeface="Monaco"/>
+              </a:rPr>
+              <a:t>len</a:t>
+            </a:r>
+            <a:r>
+              <a:rPr lang="en-US" dirty="0" smtClean="0">
+                <a:latin typeface="Monaco"/>
+                <a:cs typeface="Monaco"/>
+              </a:rPr>
+              <a:t>(s)</a:t>
+            </a:r>
+          </a:p>
+          <a:p>
+            <a:r>
+              <a:rPr lang="en-US" dirty="0">
+                <a:solidFill>
+                  <a:schemeClr val="bg1">
+                    <a:lumMod val="65000"/>
+                  </a:schemeClr>
+                </a:solidFill>
+                <a:latin typeface="Monaco"/>
+                <a:cs typeface="Monaco"/>
+              </a:rPr>
+              <a:t>	</a:t>
+            </a:r>
+            <a:r>
+              <a:rPr lang="en-US" dirty="0" smtClean="0">
+                <a:solidFill>
+                  <a:schemeClr val="bg1">
+                    <a:lumMod val="65000"/>
+                  </a:schemeClr>
+                </a:solidFill>
+                <a:latin typeface="Monaco"/>
+                <a:cs typeface="Monaco"/>
+              </a:rPr>
+              <a:t>6</a:t>
+            </a:r>
+          </a:p>
+          <a:p>
+            <a:endParaRPr lang="en-US" dirty="0">
+              <a:latin typeface="Monaco"/>
+              <a:cs typeface="Monaco"/>
+            </a:endParaRPr>
+          </a:p>
+          <a:p>
+            <a:r>
+              <a:rPr lang="en-US" dirty="0" smtClean="0">
+                <a:latin typeface="Monaco"/>
+                <a:cs typeface="Monaco"/>
+              </a:rPr>
+              <a:t>d = ["p", "y", "t", "</a:t>
+            </a:r>
+            <a:r>
+              <a:rPr lang="en-US" dirty="0" err="1" smtClean="0">
+                <a:latin typeface="Monaco"/>
+                <a:cs typeface="Monaco"/>
+              </a:rPr>
+              <a:t>hon</a:t>
+            </a:r>
+            <a:r>
+              <a:rPr lang="en-US" dirty="0" smtClean="0">
+                <a:latin typeface="Monaco"/>
+                <a:cs typeface="Monaco"/>
+              </a:rPr>
+              <a:t>"]</a:t>
+            </a:r>
+          </a:p>
+          <a:p>
+            <a:r>
+              <a:rPr lang="en-US" dirty="0" smtClean="0">
+                <a:latin typeface="Monaco"/>
+                <a:cs typeface="Monaco"/>
+              </a:rPr>
+              <a:t>print </a:t>
+            </a:r>
+            <a:r>
+              <a:rPr lang="en-US" dirty="0" err="1" smtClean="0">
+                <a:latin typeface="Monaco"/>
+                <a:cs typeface="Monaco"/>
+              </a:rPr>
+              <a:t>len</a:t>
+            </a:r>
+            <a:r>
+              <a:rPr lang="en-US" dirty="0" smtClean="0">
+                <a:latin typeface="Monaco"/>
+                <a:cs typeface="Monaco"/>
+              </a:rPr>
+              <a:t>(d)</a:t>
+            </a:r>
+          </a:p>
+          <a:p>
+            <a:r>
+              <a:rPr lang="en-US" dirty="0" smtClean="0">
+                <a:solidFill>
+                  <a:srgbClr val="A6A6A6"/>
+                </a:solidFill>
+                <a:latin typeface="Monaco"/>
+                <a:cs typeface="Monaco"/>
+              </a:rPr>
+              <a:t>	4</a:t>
+            </a:r>
+          </a:p>
+          <a:p>
+            <a:endParaRPr lang="en-US" dirty="0" smtClean="0">
+              <a:latin typeface="Monaco"/>
+              <a:cs typeface="Monaco"/>
+            </a:endParaRPr>
+          </a:p>
+          <a:p>
+            <a:endParaRPr lang="en-US" dirty="0">
+              <a:latin typeface="Monaco"/>
+              <a:cs typeface="Monaco"/>
+            </a:endParaRPr>
+          </a:p>
+          <a:p>
+            <a:endParaRPr lang="en-US" dirty="0">
+              <a:solidFill>
+                <a:schemeClr val="bg1">
+                  <a:lumMod val="65000"/>
+                </a:schemeClr>
+              </a:solidFill>
+              <a:latin typeface="Monaco"/>
+              <a:cs typeface="Monaco"/>
+            </a:endParaRPr>
           </a:p>
         </p:txBody>
       </p:sp>
     </p:spTree>
     <p:extLst>
       <p:ext uri="{BB962C8B-B14F-4D97-AF65-F5344CB8AC3E}">
-        <p14:creationId xmlns:p14="http://schemas.microsoft.com/office/powerpoint/2010/main" val="2652945682"/>
+        <p14:creationId xmlns:p14="http://schemas.microsoft.com/office/powerpoint/2010/main" val="922841025"/>
       </p:ext>
     </p:extLst>
   </p:cSld>
@@ -20422,226 +20422,39 @@
       </p:sp>
       <p:sp>
         <p:nvSpPr>
-          <p:cNvPr id="4" name="TextBox 3"/>
-          <p:cNvSpPr txBox="1"/>
-          <p:nvPr/>
-        </p:nvSpPr>
-        <p:spPr>
-          <a:xfrm>
-            <a:off x="146194" y="1661364"/>
-            <a:ext cx="8735113" cy="4524316"/>
-          </a:xfrm>
-          <a:prstGeom prst="rect">
-            <a:avLst/>
-          </a:prstGeom>
-          <a:noFill/>
-        </p:spPr>
-        <p:txBody>
-          <a:bodyPr wrap="square" rtlCol="0">
-            <a:spAutoFit/>
-          </a:bodyPr>
-          <a:lstStyle/>
-          <a:p>
-            <a:r>
-              <a:rPr lang="en-US" dirty="0" smtClean="0">
-                <a:latin typeface="Monaco"/>
-                <a:cs typeface="Monaco"/>
-              </a:rPr>
-              <a:t>pi = 3.1415</a:t>
-            </a:r>
-          </a:p>
-          <a:p>
-            <a:endParaRPr lang="en-US" dirty="0" smtClean="0">
-              <a:latin typeface="Monaco"/>
-              <a:cs typeface="Monaco"/>
-            </a:endParaRPr>
-          </a:p>
-          <a:p>
-            <a:r>
-              <a:rPr lang="en-US" dirty="0" smtClean="0">
-                <a:latin typeface="Monaco"/>
-                <a:cs typeface="Monaco"/>
-              </a:rPr>
-              <a:t># Works fine!</a:t>
-            </a:r>
-            <a:endParaRPr lang="en-US" dirty="0">
-              <a:latin typeface="Monaco"/>
-              <a:cs typeface="Monaco"/>
-            </a:endParaRPr>
-          </a:p>
-          <a:p>
-            <a:r>
-              <a:rPr lang="en-US" dirty="0" smtClean="0">
-                <a:latin typeface="Monaco"/>
-                <a:cs typeface="Monaco"/>
-              </a:rPr>
-              <a:t>print pi</a:t>
-            </a:r>
-          </a:p>
-          <a:p>
-            <a:r>
-              <a:rPr lang="en-US" dirty="0" smtClean="0">
-                <a:latin typeface="Monaco"/>
-                <a:cs typeface="Monaco"/>
-              </a:rPr>
-              <a:t>	3.1415</a:t>
-            </a:r>
-          </a:p>
-          <a:p>
-            <a:endParaRPr lang="en-US" dirty="0" smtClean="0">
-              <a:latin typeface="Monaco"/>
-              <a:cs typeface="Monaco"/>
-            </a:endParaRPr>
-          </a:p>
-          <a:p>
-            <a:r>
-              <a:rPr lang="en-US" dirty="0" smtClean="0">
-                <a:latin typeface="Monaco"/>
-                <a:cs typeface="Monaco"/>
-              </a:rPr>
-              <a:t># To print a string and a float, recast the float to a string</a:t>
-            </a:r>
-          </a:p>
-          <a:p>
-            <a:r>
-              <a:rPr lang="en-US" dirty="0" smtClean="0">
-                <a:latin typeface="Monaco"/>
-                <a:cs typeface="Monaco"/>
-              </a:rPr>
-              <a:t>print "The value of pi is" + </a:t>
-            </a:r>
-            <a:r>
-              <a:rPr lang="en-US" dirty="0" err="1" smtClean="0">
-                <a:latin typeface="Monaco"/>
-                <a:cs typeface="Monaco"/>
-              </a:rPr>
-              <a:t>str</a:t>
-            </a:r>
-            <a:r>
-              <a:rPr lang="en-US" dirty="0" smtClean="0">
-                <a:latin typeface="Monaco"/>
-                <a:cs typeface="Monaco"/>
-              </a:rPr>
-              <a:t>(pi)</a:t>
-            </a:r>
-          </a:p>
-          <a:p>
-            <a:r>
-              <a:rPr lang="en-US" dirty="0">
-                <a:solidFill>
-                  <a:schemeClr val="bg1">
-                    <a:lumMod val="65000"/>
-                  </a:schemeClr>
-                </a:solidFill>
-                <a:latin typeface="Monaco"/>
-                <a:cs typeface="Monaco"/>
-              </a:rPr>
-              <a:t>	</a:t>
-            </a:r>
-            <a:r>
-              <a:rPr lang="en-US" dirty="0" smtClean="0">
-                <a:solidFill>
-                  <a:schemeClr val="bg1">
-                    <a:lumMod val="65000"/>
-                  </a:schemeClr>
-                </a:solidFill>
-                <a:latin typeface="Monaco"/>
-                <a:cs typeface="Monaco"/>
-              </a:rPr>
-              <a:t>The value of pi is 3.1415</a:t>
-            </a:r>
-          </a:p>
-          <a:p>
-            <a:endParaRPr lang="en-US" dirty="0" smtClean="0">
-              <a:solidFill>
-                <a:schemeClr val="bg1">
-                  <a:lumMod val="65000"/>
-                </a:schemeClr>
-              </a:solidFill>
-              <a:latin typeface="Monaco"/>
-              <a:cs typeface="Monaco"/>
-            </a:endParaRPr>
-          </a:p>
-          <a:p>
-            <a:endParaRPr lang="en-US" dirty="0">
-              <a:solidFill>
-                <a:schemeClr val="bg1">
-                  <a:lumMod val="65000"/>
-                </a:schemeClr>
-              </a:solidFill>
-              <a:latin typeface="Monaco"/>
-              <a:cs typeface="Monaco"/>
-            </a:endParaRPr>
-          </a:p>
-          <a:p>
-            <a:r>
-              <a:rPr lang="en-US" dirty="0" smtClean="0">
-                <a:latin typeface="Monaco"/>
-                <a:cs typeface="Monaco"/>
-              </a:rPr>
-              <a:t># Print statements that won't work:</a:t>
-            </a:r>
-          </a:p>
-          <a:p>
-            <a:r>
-              <a:rPr lang="en-US" dirty="0" smtClean="0">
-                <a:latin typeface="Monaco"/>
-                <a:cs typeface="Monaco"/>
-              </a:rPr>
-              <a:t>print "The value of pi is" </a:t>
-            </a:r>
-            <a:r>
-              <a:rPr lang="en-US" dirty="0" err="1" smtClean="0">
-                <a:latin typeface="Monaco"/>
-                <a:cs typeface="Monaco"/>
-              </a:rPr>
-              <a:t>str</a:t>
-            </a:r>
-            <a:r>
-              <a:rPr lang="en-US" dirty="0" smtClean="0">
-                <a:latin typeface="Monaco"/>
-                <a:cs typeface="Monaco"/>
-              </a:rPr>
-              <a:t>(pi)</a:t>
-            </a:r>
-          </a:p>
-          <a:p>
-            <a:r>
-              <a:rPr lang="en-US" dirty="0" smtClean="0">
-                <a:latin typeface="Monaco"/>
-                <a:cs typeface="Monaco"/>
-              </a:rPr>
-              <a:t>print "The value of pi is" + pi    </a:t>
-            </a:r>
-          </a:p>
-          <a:p>
-            <a:r>
-              <a:rPr lang="en-US" dirty="0" smtClean="0">
-                <a:latin typeface="Monaco"/>
-                <a:cs typeface="Monaco"/>
-              </a:rPr>
-              <a:t>print "The value of pi is" pi       </a:t>
-            </a:r>
-          </a:p>
-          <a:p>
-            <a:r>
-              <a:rPr lang="en-US" dirty="0" smtClean="0">
-                <a:latin typeface="Monaco"/>
-                <a:cs typeface="Monaco"/>
-              </a:rPr>
-              <a:t>print "The value of pi is pi"</a:t>
-            </a:r>
-            <a:endParaRPr lang="en-US" dirty="0">
-              <a:latin typeface="Monaco"/>
-              <a:cs typeface="Monaco"/>
-            </a:endParaRPr>
+          <p:cNvPr id="3" name="Content Placeholder 2"/>
+          <p:cNvSpPr>
+            <a:spLocks noGrp="1"/>
+          </p:cNvSpPr>
+          <p:nvPr>
+            <p:ph idx="1"/>
+          </p:nvPr>
+        </p:nvSpPr>
+        <p:spPr/>
+        <p:txBody>
+          <a:bodyPr/>
+          <a:lstStyle/>
+          <a:p>
+            <a:pPr marL="457200" indent="-457200">
+              <a:buFont typeface="Arial"/>
+              <a:buChar char="•"/>
+            </a:pPr>
+            <a:r>
+              <a:rPr lang="en-US" dirty="0" smtClean="0"/>
+              <a:t>To print *more than one thing*, join items together with +,  </a:t>
+            </a:r>
+            <a:r>
+              <a:rPr lang="en-US" i="1" dirty="0" smtClean="0"/>
+              <a:t>as strings</a:t>
+            </a:r>
+            <a:endParaRPr lang="en-US" dirty="0"/>
           </a:p>
         </p:txBody>
       </p:sp>
     </p:spTree>
     <p:extLst>
       <p:ext uri="{BB962C8B-B14F-4D97-AF65-F5344CB8AC3E}">
-        <p14:creationId xmlns:p14="http://schemas.microsoft.com/office/powerpoint/2010/main" val="607294152"/>
+        <p14:creationId xmlns:p14="http://schemas.microsoft.com/office/powerpoint/2010/main" val="2652945682"/>
       </p:ext>
     </p:extLst>
   </p:cSld>
@@ -20685,11 +20498,7 @@
           <a:p>
             <a:r>
               <a:rPr lang="en-US" dirty="0" smtClean="0"/>
-              <a:t>why learn python</a:t>
-            </a:r>
-            <a:r>
-              <a:rPr lang="en-US" dirty="0" smtClean="0"/>
-              <a:t>?</a:t>
+              <a:t>why learn python?</a:t>
             </a:r>
             <a:br>
               <a:rPr lang="en-US" dirty="0" smtClean="0"/>
@@ -21019,6 +20828,277 @@
                 <a:latin typeface="Monaco"/>
                 <a:cs typeface="Monaco"/>
               </a:rPr>
+              <a:t>(pi)</a:t>
+            </a:r>
+          </a:p>
+          <a:p>
+            <a:r>
+              <a:rPr lang="en-US" dirty="0" smtClean="0">
+                <a:latin typeface="Monaco"/>
+                <a:cs typeface="Monaco"/>
+              </a:rPr>
+              <a:t>print "The value of pi is" + pi    </a:t>
+            </a:r>
+          </a:p>
+          <a:p>
+            <a:r>
+              <a:rPr lang="en-US" dirty="0" smtClean="0">
+                <a:latin typeface="Monaco"/>
+                <a:cs typeface="Monaco"/>
+              </a:rPr>
+              <a:t>print "The value of pi is" pi       </a:t>
+            </a:r>
+          </a:p>
+          <a:p>
+            <a:r>
+              <a:rPr lang="en-US" dirty="0" smtClean="0">
+                <a:latin typeface="Monaco"/>
+                <a:cs typeface="Monaco"/>
+              </a:rPr>
+              <a:t>print "The value of pi is pi"</a:t>
+            </a:r>
+            <a:endParaRPr lang="en-US" dirty="0">
+              <a:latin typeface="Monaco"/>
+              <a:cs typeface="Monaco"/>
+            </a:endParaRPr>
+          </a:p>
+        </p:txBody>
+      </p:sp>
+    </p:spTree>
+    <p:extLst>
+      <p:ext uri="{BB962C8B-B14F-4D97-AF65-F5344CB8AC3E}">
+        <p14:creationId xmlns:p14="http://schemas.microsoft.com/office/powerpoint/2010/main" val="607294152"/>
+      </p:ext>
+    </p:extLst>
+  </p:cSld>
+  <p:clrMapOvr>
+    <a:masterClrMapping/>
+  </p:clrMapOvr>
+</p:sld>
+</file>
+
+<file path=ppt/slides/slide71.xml><?xml version="1.0" encoding="utf-8"?>
+<p:sld xmlns:a="http://schemas.openxmlformats.org/drawingml/2006/main" xmlns:r="http://schemas.openxmlformats.org/officeDocument/2006/relationships" xmlns:p="http://schemas.openxmlformats.org/presentationml/2006/main">
+  <p:cSld>
+    <p:spTree>
+      <p:nvGrpSpPr>
+        <p:cNvPr id="1" name=""/>
+        <p:cNvGrpSpPr/>
+        <p:nvPr/>
+      </p:nvGrpSpPr>
+      <p:grpSpPr>
+        <a:xfrm>
+          <a:off x="0" y="0"/>
+          <a:ext cx="0" cy="0"/>
+          <a:chOff x="0" y="0"/>
+          <a:chExt cx="0" cy="0"/>
+        </a:xfrm>
+      </p:grpSpPr>
+      <p:sp>
+        <p:nvSpPr>
+          <p:cNvPr id="2" name="Title 1"/>
+          <p:cNvSpPr>
+            <a:spLocks noGrp="1"/>
+          </p:cNvSpPr>
+          <p:nvPr>
+            <p:ph type="title"/>
+          </p:nvPr>
+        </p:nvSpPr>
+        <p:spPr/>
+        <p:txBody>
+          <a:bodyPr/>
+          <a:lstStyle/>
+          <a:p>
+            <a:r>
+              <a:rPr lang="en-US" dirty="0" smtClean="0"/>
+              <a:t>A Note on print statements</a:t>
+            </a:r>
+            <a:endParaRPr lang="en-US" dirty="0"/>
+          </a:p>
+        </p:txBody>
+      </p:sp>
+      <p:sp>
+        <p:nvSpPr>
+          <p:cNvPr id="4" name="TextBox 3"/>
+          <p:cNvSpPr txBox="1"/>
+          <p:nvPr/>
+        </p:nvSpPr>
+        <p:spPr>
+          <a:xfrm>
+            <a:off x="146194" y="1661364"/>
+            <a:ext cx="8735113" cy="4524316"/>
+          </a:xfrm>
+          <a:prstGeom prst="rect">
+            <a:avLst/>
+          </a:prstGeom>
+          <a:noFill/>
+        </p:spPr>
+        <p:txBody>
+          <a:bodyPr wrap="square" rtlCol="0">
+            <a:spAutoFit/>
+          </a:bodyPr>
+          <a:lstStyle/>
+          <a:p>
+            <a:r>
+              <a:rPr lang="en-US" dirty="0" smtClean="0">
+                <a:latin typeface="Monaco"/>
+                <a:cs typeface="Monaco"/>
+              </a:rPr>
+              <a:t>pi = 3.1415</a:t>
+            </a:r>
+          </a:p>
+          <a:p>
+            <a:endParaRPr lang="en-US" dirty="0" smtClean="0">
+              <a:latin typeface="Monaco"/>
+              <a:cs typeface="Monaco"/>
+            </a:endParaRPr>
+          </a:p>
+          <a:p>
+            <a:r>
+              <a:rPr lang="en-US" dirty="0" smtClean="0">
+                <a:latin typeface="Monaco"/>
+                <a:cs typeface="Monaco"/>
+              </a:rPr>
+              <a:t># Works fine!</a:t>
+            </a:r>
+            <a:endParaRPr lang="en-US" dirty="0">
+              <a:latin typeface="Monaco"/>
+              <a:cs typeface="Monaco"/>
+            </a:endParaRPr>
+          </a:p>
+          <a:p>
+            <a:r>
+              <a:rPr lang="en-US" dirty="0" smtClean="0">
+                <a:latin typeface="Monaco"/>
+                <a:cs typeface="Monaco"/>
+              </a:rPr>
+              <a:t>print pi</a:t>
+            </a:r>
+          </a:p>
+          <a:p>
+            <a:r>
+              <a:rPr lang="en-US" dirty="0" smtClean="0">
+                <a:latin typeface="Monaco"/>
+                <a:cs typeface="Monaco"/>
+              </a:rPr>
+              <a:t>	3.1415</a:t>
+            </a:r>
+          </a:p>
+          <a:p>
+            <a:endParaRPr lang="en-US" dirty="0" smtClean="0">
+              <a:latin typeface="Monaco"/>
+              <a:cs typeface="Monaco"/>
+            </a:endParaRPr>
+          </a:p>
+          <a:p>
+            <a:r>
+              <a:rPr lang="en-US" dirty="0" smtClean="0">
+                <a:latin typeface="Monaco"/>
+                <a:cs typeface="Monaco"/>
+              </a:rPr>
+              <a:t># To print a string and a float, recast the float to a string</a:t>
+            </a:r>
+          </a:p>
+          <a:p>
+            <a:r>
+              <a:rPr lang="en-US" dirty="0" smtClean="0">
+                <a:latin typeface="Monaco"/>
+                <a:cs typeface="Monaco"/>
+              </a:rPr>
+              <a:t>print "The value of pi is" + </a:t>
+            </a:r>
+            <a:r>
+              <a:rPr lang="en-US" dirty="0" err="1" smtClean="0">
+                <a:latin typeface="Monaco"/>
+                <a:cs typeface="Monaco"/>
+              </a:rPr>
+              <a:t>str</a:t>
+            </a:r>
+            <a:r>
+              <a:rPr lang="en-US" dirty="0" smtClean="0">
+                <a:latin typeface="Monaco"/>
+                <a:cs typeface="Monaco"/>
+              </a:rPr>
+              <a:t>(pi)</a:t>
+            </a:r>
+          </a:p>
+          <a:p>
+            <a:r>
+              <a:rPr lang="en-US" dirty="0">
+                <a:solidFill>
+                  <a:schemeClr val="bg1">
+                    <a:lumMod val="65000"/>
+                  </a:schemeClr>
+                </a:solidFill>
+                <a:latin typeface="Monaco"/>
+                <a:cs typeface="Monaco"/>
+              </a:rPr>
+              <a:t>	</a:t>
+            </a:r>
+            <a:r>
+              <a:rPr lang="en-US" dirty="0" smtClean="0">
+                <a:solidFill>
+                  <a:schemeClr val="bg1">
+                    <a:lumMod val="65000"/>
+                  </a:schemeClr>
+                </a:solidFill>
+                <a:latin typeface="Monaco"/>
+                <a:cs typeface="Monaco"/>
+              </a:rPr>
+              <a:t>The value of pi is 3.1415</a:t>
+            </a:r>
+          </a:p>
+          <a:p>
+            <a:endParaRPr lang="en-US" dirty="0" smtClean="0">
+              <a:solidFill>
+                <a:schemeClr val="bg1">
+                  <a:lumMod val="65000"/>
+                </a:schemeClr>
+              </a:solidFill>
+              <a:latin typeface="Monaco"/>
+              <a:cs typeface="Monaco"/>
+            </a:endParaRPr>
+          </a:p>
+          <a:p>
+            <a:endParaRPr lang="en-US" dirty="0">
+              <a:solidFill>
+                <a:schemeClr val="bg1">
+                  <a:lumMod val="65000"/>
+                </a:schemeClr>
+              </a:solidFill>
+              <a:latin typeface="Monaco"/>
+              <a:cs typeface="Monaco"/>
+            </a:endParaRPr>
+          </a:p>
+          <a:p>
+            <a:r>
+              <a:rPr lang="en-US" dirty="0" smtClean="0">
+                <a:latin typeface="Monaco"/>
+                <a:cs typeface="Monaco"/>
+              </a:rPr>
+              <a:t># Print statements that won't work:</a:t>
+            </a:r>
+          </a:p>
+          <a:p>
+            <a:r>
+              <a:rPr lang="en-US" dirty="0" smtClean="0">
+                <a:latin typeface="Monaco"/>
+                <a:cs typeface="Monaco"/>
+              </a:rPr>
+              <a:t>print "The value of pi is" </a:t>
+            </a:r>
+            <a:r>
+              <a:rPr lang="en-US" dirty="0" err="1" smtClean="0">
+                <a:latin typeface="Monaco"/>
+                <a:cs typeface="Monaco"/>
+              </a:rPr>
+              <a:t>str</a:t>
+            </a:r>
+            <a:r>
+              <a:rPr lang="en-US" dirty="0" smtClean="0">
+                <a:latin typeface="Monaco"/>
+                <a:cs typeface="Monaco"/>
+              </a:rPr>
               <a:t>(pi)  # missing a +</a:t>
             </a:r>
           </a:p>
@@ -21107,7 +21187,7 @@
 </p:sld>
 </file>
 
-<file path=ppt/slides/slide71.xml><?xml version="1.0" encoding="utf-8"?>
+<file path=ppt/slides/slide72.xml><?xml version="1.0" encoding="utf-8"?>
 <p:sld xmlns:a="http://schemas.openxmlformats.org/drawingml/2006/main" xmlns:r="http://schemas.openxmlformats.org/officeDocument/2006/relationships" xmlns:p="http://schemas.openxmlformats.org/presentationml/2006/main">
   <p:cSld>
     <p:spTree>
@@ -21460,19 +21540,8 @@
           <a:p>
             <a:r>
               <a:rPr lang="en-US" dirty="0" smtClean="0"/>
-              <a:t>Let’s begin with </a:t>
-            </a:r>
-            <a:r>
-              <a:rPr lang="en-US" dirty="0" err="1" smtClean="0"/>
-              <a:t>unix</a:t>
-            </a:r>
-            <a:r>
-              <a:rPr lang="en-US" dirty="0" smtClean="0"/>
-              <a:t/>
-            </a:r>
-            <a:br>
-              <a:rPr lang="en-US" dirty="0" smtClean="0"/>
-            </a:br>
+              <a:t>computers are stupid</a:t>
+            </a:r>
             <a:endParaRPr lang="en-US" dirty="0"/>
           </a:p>
         </p:txBody>
@@ -21492,100 +21561,18 @@
           <a:bodyPr/>
           <a:lstStyle/>
           <a:p>
-            <a:pPr marL="457200" indent="-457200">
-              <a:buFont typeface="Arial"/>
-              <a:buChar char="•"/>
-            </a:pPr>
             <a:r>
               <a:rPr lang="en-US" dirty="0" smtClean="0"/>
-              <a:t>UNIX is a computer operating system</a:t>
-            </a:r>
-          </a:p>
-          <a:p>
-            <a:pPr marL="914400" lvl="1" indent="-457200">
-              <a:buFont typeface="Arial"/>
-              <a:buChar char="•"/>
-            </a:pPr>
-            <a:r>
-              <a:rPr lang="en-US" dirty="0" smtClean="0"/>
-              <a:t>Mac and Linux are built on UNIX, but PCs are not </a:t>
-            </a:r>
-            <a:r>
-              <a:rPr lang="en-US" dirty="0" smtClean="0">
-                <a:sym typeface="Wingdings"/>
-              </a:rPr>
-              <a:t></a:t>
-            </a:r>
-          </a:p>
-          <a:p>
-            <a:pPr marL="457200" indent="-457200">
-              <a:buFont typeface="Arial"/>
-              <a:buChar char="•"/>
-            </a:pPr>
-            <a:r>
-              <a:rPr lang="en-US" dirty="0" smtClean="0">
-                <a:sym typeface="Wingdings"/>
-              </a:rPr>
-              <a:t>We interact with this system using a </a:t>
-            </a:r>
-            <a:r>
-              <a:rPr lang="en-US" i="1" dirty="0" smtClean="0">
-                <a:sym typeface="Wingdings"/>
-              </a:rPr>
-              <a:t>shell</a:t>
-            </a:r>
-            <a:r>
-              <a:rPr lang="en-US" dirty="0" smtClean="0">
-                <a:sym typeface="Wingdings"/>
-              </a:rPr>
-              <a:t>.</a:t>
-            </a:r>
-          </a:p>
-          <a:p>
-            <a:pPr marL="914400" lvl="1" indent="-457200">
-              <a:buFont typeface="Arial"/>
-              <a:buChar char="•"/>
-            </a:pPr>
-            <a:r>
-              <a:rPr lang="en-US" dirty="0" smtClean="0">
-                <a:sym typeface="Wingdings"/>
-              </a:rPr>
-              <a:t>We’ll use Bash (</a:t>
-            </a:r>
-            <a:r>
-              <a:rPr lang="en-US" dirty="0" err="1" smtClean="0">
-                <a:sym typeface="Wingdings"/>
-              </a:rPr>
-              <a:t>bourne</a:t>
-            </a:r>
-            <a:r>
-              <a:rPr lang="en-US" dirty="0" smtClean="0">
-                <a:sym typeface="Wingdings"/>
-              </a:rPr>
-              <a:t>-again shell)</a:t>
-            </a:r>
-          </a:p>
-          <a:p>
-            <a:pPr marL="457200" indent="-457200">
-              <a:buFont typeface="Arial"/>
-              <a:buChar char="•"/>
-            </a:pPr>
-            <a:r>
-              <a:rPr lang="en-US" dirty="0" smtClean="0">
-                <a:sym typeface="Wingdings"/>
-              </a:rPr>
-              <a:t>Oftentimes, UNIX and Bash are used interchangeably (in conversation…)</a:t>
-            </a:r>
-            <a:endParaRPr lang="en-US" dirty="0">
-              <a:sym typeface="Wingdings"/>
-            </a:endParaRPr>
+              <a:t>No, really.</a:t>
+            </a:r>
+            <a:endParaRPr lang="en-US" dirty="0"/>
           </a:p>
         </p:txBody>
       </p:sp>
     </p:spTree>
     <p:extLst>
       <p:ext uri="{BB962C8B-B14F-4D97-AF65-F5344CB8AC3E}">
-        <p14:creationId xmlns:p14="http://schemas.microsoft.com/office/powerpoint/2010/main" val="3063428488"/>
+        <p14:creationId xmlns:p14="http://schemas.microsoft.com/office/powerpoint/2010/main" val="2512607414"/>
       </p:ext>
     </p:extLst>
   </p:cSld>
@@ -21624,18 +21611,20 @@
         </p:nvSpPr>
         <p:spPr/>
         <p:txBody>
-          <a:bodyPr>
-            <a:normAutofit/>
-          </a:bodyPr>
+          <a:bodyPr/>
           <a:lstStyle/>
           <a:p>
             <a:r>
               <a:rPr lang="en-US" dirty="0" smtClean="0"/>
-              <a:t>navigating Unix </a:t>
+              <a:t>Let’s begin with </a:t>
+            </a:r>
+            <a:r>
+              <a:rPr lang="en-US" dirty="0" err="1" smtClean="0"/>
+              <a:t>unix</a:t>
             </a:r>
             <a:r>
               <a:rPr lang="en-US" dirty="0" smtClean="0"/>
-              <a:t>systems</a:t>
+              <a:t/>
             </a:r>
             <a:br>
               <a:rPr lang="en-US" dirty="0" smtClean="0"/>
@@ -21659,68 +21648,100 @@
           <a:bodyPr/>
           <a:lstStyle/>
           <a:p>
-            <a:r>
-              <a:rPr lang="en-US" dirty="0" smtClean="0"/>
-              <a:t>Files and directories in UNIX systems are organized </a:t>
-            </a:r>
-            <a:r>
-              <a:rPr lang="en-US" i="1" dirty="0" smtClean="0"/>
-              <a:t>hierarchically </a:t>
-            </a:r>
-            <a:endParaRPr lang="en-US" b="0" dirty="0" smtClean="0"/>
-          </a:p>
-          <a:p>
             <a:pPr marL="457200" indent="-457200">
               <a:buFont typeface="Arial"/>
               <a:buChar char="•"/>
             </a:pPr>
-            <a:endParaRPr lang="en-US" b="0" i="1" dirty="0"/>
-          </a:p>
-          <a:p>
-            <a:endParaRPr lang="en-US" b="0" dirty="0" smtClean="0"/>
-          </a:p>
-          <a:p>
-            <a:endParaRPr lang="en-US" b="0" dirty="0"/>
-          </a:p>
-          <a:p>
-            <a:endParaRPr lang="en-US" dirty="0" smtClean="0"/>
-          </a:p>
-        </p:txBody>
-      </p:sp>
-      <p:pic>
-        <p:nvPicPr>
-          <p:cNvPr id="4" name="Picture 3" descr="directory_hierarchy.pdf"/>
-          <p:cNvPicPr>
-            <a:picLocks noChangeAspect="1"/>
-          </p:cNvPicPr>
-          <p:nvPr/>
-        </p:nvPicPr>
-        <p:blipFill>
-          <a:blip r:embed="rId2">
-            <a:extLst>
-              <a:ext uri="{28A0092B-C50C-407E-A947-70E740481C1C}">
-                <a14:useLocalDpi xmlns:a14="http://schemas.microsoft.com/office/drawing/2010/main" val="0"/>
-              </a:ext>
-            </a:extLst>
-          </a:blip>
-          <a:stretch>
-            <a:fillRect/>
-          </a:stretch>
-        </p:blipFill>
-        <p:spPr>
-          <a:xfrm>
-            <a:off x="1206500" y="2867729"/>
-            <a:ext cx="6731000" cy="3365500"/>
-          </a:xfrm>
-          <a:prstGeom prst="rect">
-            <a:avLst/>
-          </a:prstGeom>
-        </p:spPr>
-      </p:pic>
+            <a:r>
+              <a:rPr lang="en-US" dirty="0" smtClean="0"/>
+              <a:t>UNIX is a computer operating system</a:t>
+            </a:r>
+          </a:p>
+          <a:p>
+            <a:pPr marL="914400" lvl="1" indent="-457200">
+              <a:buFont typeface="Arial"/>
+              <a:buChar char="•"/>
+            </a:pPr>
+            <a:r>
+              <a:rPr lang="en-US" dirty="0" smtClean="0"/>
+              <a:t>Mac and Linux are built on UNIX, but PCs are not </a:t>
+            </a:r>
+            <a:r>
+              <a:rPr lang="en-US" dirty="0" smtClean="0">
+                <a:sym typeface="Wingdings"/>
+              </a:rPr>
+              <a:t></a:t>
+            </a:r>
+          </a:p>
+          <a:p>
+            <a:pPr marL="457200" indent="-457200">
+              <a:buFont typeface="Arial"/>
+              <a:buChar char="•"/>
+            </a:pPr>
+            <a:r>
+              <a:rPr lang="en-US" dirty="0" smtClean="0">
+                <a:sym typeface="Wingdings"/>
+              </a:rPr>
+              <a:t>We interact with this system using a </a:t>
+            </a:r>
+            <a:r>
+              <a:rPr lang="en-US" i="1" dirty="0" smtClean="0">
+                <a:sym typeface="Wingdings"/>
+              </a:rPr>
+              <a:t>shell</a:t>
+            </a:r>
+            <a:r>
+              <a:rPr lang="en-US" dirty="0" smtClean="0">
+                <a:sym typeface="Wingdings"/>
+              </a:rPr>
+              <a:t>.</a:t>
+            </a:r>
+          </a:p>
+          <a:p>
+            <a:pPr marL="914400" lvl="1" indent="-457200">
+              <a:buFont typeface="Arial"/>
+              <a:buChar char="•"/>
+            </a:pPr>
+            <a:r>
+              <a:rPr lang="en-US" dirty="0" smtClean="0">
+                <a:sym typeface="Wingdings"/>
+              </a:rPr>
+              <a:t>We’ll use Bash (</a:t>
+            </a:r>
+            <a:r>
+              <a:rPr lang="en-US" dirty="0" err="1" smtClean="0">
+                <a:sym typeface="Wingdings"/>
+              </a:rPr>
+              <a:t>bourne</a:t>
+            </a:r>
+            <a:r>
+              <a:rPr lang="en-US" dirty="0" smtClean="0">
+                <a:sym typeface="Wingdings"/>
+              </a:rPr>
+              <a:t>-again shell)</a:t>
+            </a:r>
+          </a:p>
+          <a:p>
+            <a:pPr marL="457200" indent="-457200">
+              <a:buFont typeface="Arial"/>
+              <a:buChar char="•"/>
+            </a:pPr>
+            <a:r>
+              <a:rPr lang="en-US" dirty="0" smtClean="0">
+                <a:sym typeface="Wingdings"/>
+              </a:rPr>
+              <a:t>Oftentimes, UNIX and Bash are used interchangeably (in conversation…)</a:t>
+            </a:r>
+            <a:endParaRPr lang="en-US" dirty="0">
+              <a:sym typeface="Wingdings"/>
+            </a:endParaRPr>
+          </a:p>
+        </p:txBody>
+      </p:sp>
     </p:spTree>
     <p:extLst>
       <p:ext uri="{BB962C8B-B14F-4D97-AF65-F5344CB8AC3E}">
-        <p14:creationId xmlns:p14="http://schemas.microsoft.com/office/powerpoint/2010/main" val="1622347597"/>
+        <p14:creationId xmlns:p14="http://schemas.microsoft.com/office/powerpoint/2010/main" val="3063428488"/>
       </p:ext>
     </p:extLst>
   </p:cSld>

--- a/slides/day1_slides.pptx
+++ b/slides/day1_slides.pptx
@@ -5,7 +5,7 @@
     <p:sldMasterId id="2147483660" r:id="rId1"/>
   </p:sldMasterIdLst>
   <p:notesMasterIdLst>
-    <p:notesMasterId r:id="rId76"/>
+    <p:notesMasterId r:id="rId77"/>
   </p:notesMasterIdLst>
   <p:sldIdLst>
     <p:sldId id="256" r:id="rId2"/>
@@ -31,8 +31,8 @@
     <p:sldId id="275" r:id="rId22"/>
     <p:sldId id="276" r:id="rId23"/>
     <p:sldId id="281" r:id="rId24"/>
-    <p:sldId id="277" r:id="rId25"/>
-    <p:sldId id="278" r:id="rId26"/>
+    <p:sldId id="278" r:id="rId25"/>
+    <p:sldId id="277" r:id="rId26"/>
     <p:sldId id="279" r:id="rId27"/>
     <p:sldId id="280" r:id="rId28"/>
     <p:sldId id="283" r:id="rId29"/>
@@ -79,9 +79,10 @@
     <p:sldId id="322" r:id="rId70"/>
     <p:sldId id="323" r:id="rId71"/>
     <p:sldId id="333" r:id="rId72"/>
-    <p:sldId id="335" r:id="rId73"/>
+    <p:sldId id="340" r:id="rId73"/>
     <p:sldId id="334" r:id="rId74"/>
-    <p:sldId id="336" r:id="rId75"/>
+    <p:sldId id="341" r:id="rId75"/>
+    <p:sldId id="336" r:id="rId76"/>
   </p:sldIdLst>
   <p:sldSz cx="9144000" cy="6858000" type="screen4x3"/>
   <p:notesSz cx="6858000" cy="9144000"/>
@@ -891,6 +892,98 @@
             <a:fld id="{850A63CA-6EF3-434A-8E2F-FF8FCBDA0A72}" type="slidenum">
               <a:rPr lang="en-US" smtClean="0"/>
               <a:t>73</a:t>
+            </a:fld>
+            <a:endParaRPr lang="en-US"/>
+          </a:p>
+        </p:txBody>
+      </p:sp>
+    </p:spTree>
+    <p:extLst>
+      <p:ext uri="{BB962C8B-B14F-4D97-AF65-F5344CB8AC3E}">
+        <p14:creationId xmlns:p14="http://schemas.microsoft.com/office/powerpoint/2010/main" val="3922650663"/>
+      </p:ext>
+    </p:extLst>
+  </p:cSld>
+  <p:clrMapOvr>
+    <a:masterClrMapping/>
+  </p:clrMapOvr>
+</p:notes>
+</file>
+
+<file path=ppt/notesSlides/notesSlide5.xml><?xml version="1.0" encoding="utf-8"?>
+<p:notes xmlns:a="http://schemas.openxmlformats.org/drawingml/2006/main" xmlns:r="http://schemas.openxmlformats.org/officeDocument/2006/relationships" xmlns:p="http://schemas.openxmlformats.org/presentationml/2006/main">
+  <p:cSld>
+    <p:spTree>
+      <p:nvGrpSpPr>
+        <p:cNvPr id="1" name=""/>
+        <p:cNvGrpSpPr/>
+        <p:nvPr/>
+      </p:nvGrpSpPr>
+      <p:grpSpPr>
+        <a:xfrm>
+          <a:off x="0" y="0"/>
+          <a:ext cx="0" cy="0"/>
+          <a:chOff x="0" y="0"/>
+          <a:chExt cx="0" cy="0"/>
+        </a:xfrm>
+      </p:grpSpPr>
+      <p:sp>
+        <p:nvSpPr>
+          <p:cNvPr id="2" name="Slide Image Placeholder 1"/>
+          <p:cNvSpPr>
+            <a:spLocks noGrp="1" noRot="1" noChangeAspect="1"/>
+          </p:cNvSpPr>
+          <p:nvPr>
+            <p:ph type="sldImg"/>
+          </p:nvPr>
+        </p:nvSpPr>
+        <p:spPr/>
+      </p:sp>
+      <p:sp>
+        <p:nvSpPr>
+          <p:cNvPr id="3" name="Notes Placeholder 2"/>
+          <p:cNvSpPr>
+            <a:spLocks noGrp="1"/>
+          </p:cNvSpPr>
+          <p:nvPr>
+            <p:ph type="body" idx="1"/>
+          </p:nvPr>
+        </p:nvSpPr>
+        <p:spPr/>
+        <p:txBody>
+          <a:bodyPr/>
+          <a:lstStyle/>
+          <a:p>
+            <a:r>
+              <a:rPr lang="en-US" dirty="0" smtClean="0"/>
+              <a:t>have them try out those print statements</a:t>
+            </a:r>
+            <a:r>
+              <a:rPr lang="en-US" baseline="0" dirty="0" smtClean="0"/>
+              <a:t> and see how it fails</a:t>
+            </a:r>
+            <a:endParaRPr lang="en-US" dirty="0"/>
+          </a:p>
+        </p:txBody>
+      </p:sp>
+      <p:sp>
+        <p:nvSpPr>
+          <p:cNvPr id="4" name="Slide Number Placeholder 3"/>
+          <p:cNvSpPr>
+            <a:spLocks noGrp="1"/>
+          </p:cNvSpPr>
+          <p:nvPr>
+            <p:ph type="sldNum" sz="quarter" idx="10"/>
+          </p:nvPr>
+        </p:nvSpPr>
+        <p:spPr/>
+        <p:txBody>
+          <a:bodyPr/>
+          <a:lstStyle/>
+          <a:p>
+            <a:fld id="{850A63CA-6EF3-434A-8E2F-FF8FCBDA0A72}" type="slidenum">
+              <a:rPr lang="en-US" smtClean="0"/>
+              <a:t>74</a:t>
             </a:fld>
             <a:endParaRPr lang="en-US"/>
           </a:p>
@@ -4818,47 +4911,15 @@
             <a:r>
               <a:rPr lang="en-US" sz="2400" dirty="0" smtClean="0">
                 <a:solidFill>
-                  <a:schemeClr val="accent2"/>
-                </a:solidFill>
-              </a:rPr>
-              <a:t>The path from </a:t>
+                  <a:schemeClr val="accent5"/>
+                </a:solidFill>
+              </a:rPr>
+              <a:t>The path from A to C is </a:t>
             </a:r>
             <a:r>
               <a:rPr lang="en-US" sz="2400" dirty="0" smtClean="0">
                 <a:solidFill>
-                  <a:schemeClr val="accent2"/>
-                </a:solidFill>
-              </a:rPr>
-              <a:t>A </a:t>
-            </a:r>
-            <a:r>
-              <a:rPr lang="en-US" sz="2400" dirty="0" smtClean="0">
-                <a:solidFill>
-                  <a:schemeClr val="accent2"/>
-                </a:solidFill>
-              </a:rPr>
-              <a:t>to </a:t>
-            </a:r>
-            <a:r>
-              <a:rPr lang="en-US" sz="2400" dirty="0" smtClean="0">
-                <a:solidFill>
-                  <a:schemeClr val="accent2"/>
-                </a:solidFill>
-              </a:rPr>
-              <a:t>C </a:t>
-            </a:r>
-            <a:r>
-              <a:rPr lang="en-US" sz="2400" dirty="0" smtClean="0">
-                <a:solidFill>
-                  <a:schemeClr val="accent2"/>
-                </a:solidFill>
-              </a:rPr>
-              <a:t>is </a:t>
-            </a:r>
-            <a:r>
-              <a:rPr lang="en-US" sz="2400" dirty="0" smtClean="0">
-                <a:solidFill>
-                  <a:schemeClr val="accent2"/>
+                  <a:schemeClr val="accent5"/>
                 </a:solidFill>
                 <a:latin typeface="Monaco"/>
                 <a:cs typeface="Monaco"/>
@@ -4867,7 +4928,7 @@
             </a:r>
             <a:endParaRPr lang="en-US" sz="2400" dirty="0">
               <a:solidFill>
-                <a:schemeClr val="accent2"/>
+                <a:schemeClr val="accent5"/>
               </a:solidFill>
               <a:latin typeface="Monaco"/>
               <a:cs typeface="Monaco"/>
@@ -5725,39 +5786,15 @@
             <a:r>
               <a:rPr lang="en-US" sz="2400" dirty="0" smtClean="0">
                 <a:solidFill>
-                  <a:schemeClr val="accent2"/>
-                </a:solidFill>
-              </a:rPr>
-              <a:t>The path from </a:t>
-            </a:r>
-            <a:r>
-              <a:rPr lang="en-US" sz="2400" dirty="0" smtClean="0">
-                <a:solidFill>
-                  <a:schemeClr val="accent2"/>
-                </a:solidFill>
-              </a:rPr>
-              <a:t>C </a:t>
-            </a:r>
-            <a:r>
-              <a:rPr lang="en-US" sz="2400" dirty="0" smtClean="0">
-                <a:solidFill>
-                  <a:schemeClr val="accent2"/>
-                </a:solidFill>
-              </a:rPr>
-              <a:t>to </a:t>
-            </a:r>
-            <a:r>
-              <a:rPr lang="en-US" sz="2400" dirty="0" smtClean="0">
-                <a:solidFill>
-                  <a:schemeClr val="accent2"/>
-                </a:solidFill>
-              </a:rPr>
-              <a:t>A is </a:t>
+                  <a:srgbClr val="DC5924"/>
+                </a:solidFill>
+              </a:rPr>
+              <a:t>The path from C to A is </a:t>
             </a:r>
             <a:r>
               <a:rPr lang="en-US" sz="2000" dirty="0" smtClean="0">
                 <a:solidFill>
-                  <a:schemeClr val="accent2"/>
+                  <a:srgbClr val="DC5924"/>
                 </a:solidFill>
                 <a:latin typeface="Monaco"/>
                 <a:cs typeface="Monaco"/>
@@ -5766,7 +5803,7 @@
             </a:r>
             <a:endParaRPr lang="en-US" sz="2000" dirty="0">
               <a:solidFill>
-                <a:schemeClr val="accent2"/>
+                <a:srgbClr val="DC5924"/>
               </a:solidFill>
               <a:latin typeface="Monaco"/>
               <a:cs typeface="Monaco"/>
@@ -6523,7 +6560,7 @@
             <a:r>
               <a:rPr lang="en-US" sz="2000" dirty="0" smtClean="0">
                 <a:solidFill>
-                  <a:srgbClr val="F5C201"/>
+                  <a:srgbClr val="DC5924"/>
                 </a:solidFill>
               </a:rPr>
               <a:t>The </a:t>
@@ -6531,7 +6568,7 @@
             <a:r>
               <a:rPr lang="en-US" sz="2000" i="1" dirty="0" smtClean="0">
                 <a:solidFill>
-                  <a:srgbClr val="F5C201"/>
+                  <a:srgbClr val="DC5924"/>
                 </a:solidFill>
               </a:rPr>
               <a:t>full path </a:t>
@@ -6539,7 +6576,7 @@
             <a:r>
               <a:rPr lang="en-US" sz="2000" dirty="0" smtClean="0">
                 <a:solidFill>
-                  <a:srgbClr val="F5C201"/>
+                  <a:srgbClr val="DC5924"/>
                 </a:solidFill>
               </a:rPr>
               <a:t>to my home directory is </a:t>
@@ -6547,7 +6584,7 @@
             <a:r>
               <a:rPr lang="en-US" sz="2000" dirty="0" smtClean="0">
                 <a:solidFill>
-                  <a:srgbClr val="F5C201"/>
+                  <a:srgbClr val="DC5924"/>
                 </a:solidFill>
                 <a:latin typeface="Monaco"/>
                 <a:cs typeface="Monaco"/>
@@ -6557,7 +6594,7 @@
             <a:r>
               <a:rPr lang="en-US" sz="2000" dirty="0" err="1" smtClean="0">
                 <a:solidFill>
-                  <a:srgbClr val="F5C201"/>
+                  <a:srgbClr val="DC5924"/>
                 </a:solidFill>
                 <a:latin typeface="Monaco"/>
                 <a:cs typeface="Monaco"/>
@@ -6567,7 +6604,7 @@
             <a:r>
               <a:rPr lang="en-US" sz="2000" dirty="0" smtClean="0">
                 <a:solidFill>
-                  <a:srgbClr val="F5C201"/>
+                  <a:srgbClr val="DC5924"/>
                 </a:solidFill>
                 <a:latin typeface="Monaco"/>
                 <a:cs typeface="Monaco"/>
@@ -6576,7 +6613,7 @@
             </a:r>
             <a:endParaRPr lang="en-US" sz="2000" dirty="0">
               <a:solidFill>
-                <a:srgbClr val="F5C201"/>
+                <a:srgbClr val="DC5924"/>
               </a:solidFill>
               <a:latin typeface="Monaco"/>
               <a:cs typeface="Monaco"/>
@@ -7890,7 +7927,12 @@
             <p:ph idx="1"/>
           </p:nvPr>
         </p:nvSpPr>
-        <p:spPr/>
+        <p:spPr>
+          <a:xfrm>
+            <a:off x="457200" y="1752600"/>
+            <a:ext cx="8686800" cy="4373563"/>
+          </a:xfrm>
+        </p:spPr>
         <p:txBody>
           <a:bodyPr/>
           <a:lstStyle/>
@@ -7969,19 +8011,13 @@
               <a:rPr lang="en-US" dirty="0" smtClean="0">
                 <a:sym typeface="Wingdings"/>
               </a:rPr>
-              <a:t> perform an action </a:t>
-            </a:r>
-            <a:r>
-              <a:rPr lang="en-US" i="1" dirty="0" smtClean="0">
+              <a:t> perform </a:t>
+            </a:r>
+            <a:r>
+              <a:rPr lang="en-US" dirty="0" smtClean="0">
                 <a:sym typeface="Wingdings"/>
               </a:rPr>
-              <a:t>on</a:t>
-            </a:r>
-            <a:r>
-              <a:rPr lang="en-US" dirty="0" smtClean="0">
-                <a:sym typeface="Wingdings"/>
-              </a:rPr>
-              <a:t> object</a:t>
+              <a:t>an object-specific action</a:t>
             </a:r>
             <a:endParaRPr lang="en-US" dirty="0" smtClean="0"/>
           </a:p>
@@ -8002,16 +8038,27 @@
               <a:rPr lang="en-US" dirty="0" smtClean="0">
                 <a:sym typeface="Wingdings"/>
               </a:rPr>
-              <a:t> see an aspect of the object</a:t>
-            </a:r>
-            <a:endParaRPr lang="en-US" dirty="0" smtClean="0"/>
+              <a:t> see an aspect of the </a:t>
+            </a:r>
+            <a:r>
+              <a:rPr lang="en-US" dirty="0" smtClean="0">
+                <a:sym typeface="Wingdings"/>
+              </a:rPr>
+              <a:t>object</a:t>
+            </a:r>
           </a:p>
           <a:p>
             <a:pPr marL="914400" lvl="1" indent="-457200">
               <a:buFont typeface="Arial"/>
               <a:buChar char="•"/>
             </a:pPr>
-            <a:endParaRPr lang="en-US" dirty="0"/>
+            <a:r>
+              <a:rPr lang="en-US" dirty="0" smtClean="0">
+                <a:sym typeface="Wingdings"/>
+              </a:rPr>
+              <a:t>function(object)    call a general function on the object</a:t>
+            </a:r>
+            <a:endParaRPr lang="en-US" dirty="0" smtClean="0"/>
           </a:p>
         </p:txBody>
       </p:sp>
@@ -8414,374 +8461,6 @@
 </file>
 
 <file path=ppt/slides/slide24.xml><?xml version="1.0" encoding="utf-8"?>
-<p:sld xmlns:a="http://schemas.openxmlformats.org/drawingml/2006/main" xmlns:r="http://schemas.openxmlformats.org/officeDocument/2006/relationships" xmlns:p="http://schemas.openxmlformats.org/presentationml/2006/main">
-  <p:cSld>
-    <p:spTree>
-      <p:nvGrpSpPr>
-        <p:cNvPr id="1" name=""/>
-        <p:cNvGrpSpPr/>
-        <p:nvPr/>
-      </p:nvGrpSpPr>
-      <p:grpSpPr>
-        <a:xfrm>
-          <a:off x="0" y="0"/>
-          <a:ext cx="0" cy="0"/>
-          <a:chOff x="0" y="0"/>
-          <a:chExt cx="0" cy="0"/>
-        </a:xfrm>
-      </p:grpSpPr>
-      <p:sp>
-        <p:nvSpPr>
-          <p:cNvPr id="2" name="Title 1"/>
-          <p:cNvSpPr>
-            <a:spLocks noGrp="1"/>
-          </p:cNvSpPr>
-          <p:nvPr>
-            <p:ph type="title"/>
-          </p:nvPr>
-        </p:nvSpPr>
-        <p:spPr/>
-        <p:txBody>
-          <a:bodyPr/>
-          <a:lstStyle/>
-          <a:p>
-            <a:r>
-              <a:rPr lang="en-US" dirty="0" smtClean="0"/>
-              <a:t>Integers and floats</a:t>
-            </a:r>
-            <a:endParaRPr lang="en-US" dirty="0"/>
-          </a:p>
-        </p:txBody>
-      </p:sp>
-      <p:sp>
-        <p:nvSpPr>
-          <p:cNvPr id="5" name="TextBox 4"/>
-          <p:cNvSpPr txBox="1"/>
-          <p:nvPr/>
-        </p:nvSpPr>
-        <p:spPr>
-          <a:xfrm>
-            <a:off x="658612" y="2351642"/>
-            <a:ext cx="4891953" cy="1200329"/>
-          </a:xfrm>
-          <a:prstGeom prst="rect">
-            <a:avLst/>
-          </a:prstGeom>
-          <a:noFill/>
-        </p:spPr>
-        <p:txBody>
-          <a:bodyPr wrap="square" rtlCol="0">
-            <a:spAutoFit/>
-          </a:bodyPr>
-          <a:lstStyle/>
-          <a:p>
-            <a:r>
-              <a:rPr lang="en-US" dirty="0" smtClean="0">
-                <a:latin typeface="Monaco"/>
-                <a:cs typeface="Monaco"/>
-              </a:rPr>
-              <a:t># Define some integer variables</a:t>
-            </a:r>
-          </a:p>
-          <a:p>
-            <a:r>
-              <a:rPr lang="en-US" dirty="0" smtClean="0">
-                <a:latin typeface="Monaco"/>
-                <a:cs typeface="Monaco"/>
-              </a:rPr>
-              <a:t>a = 5</a:t>
-            </a:r>
-          </a:p>
-          <a:p>
-            <a:r>
-              <a:rPr lang="en-US" dirty="0" smtClean="0">
-                <a:latin typeface="Monaco"/>
-                <a:cs typeface="Monaco"/>
-              </a:rPr>
-              <a:t>b = -33</a:t>
-            </a:r>
-          </a:p>
-          <a:p>
-            <a:r>
-              <a:rPr lang="en-US" dirty="0" smtClean="0">
-                <a:latin typeface="Monaco"/>
-                <a:cs typeface="Monaco"/>
-              </a:rPr>
-              <a:t>c = 0</a:t>
-            </a:r>
-            <a:endParaRPr lang="en-US" dirty="0">
-              <a:latin typeface="Monaco"/>
-              <a:cs typeface="Monaco"/>
-            </a:endParaRPr>
-          </a:p>
-        </p:txBody>
-      </p:sp>
-      <p:sp>
-        <p:nvSpPr>
-          <p:cNvPr id="6" name="TextBox 5"/>
-          <p:cNvSpPr txBox="1"/>
-          <p:nvPr/>
-        </p:nvSpPr>
-        <p:spPr>
-          <a:xfrm>
-            <a:off x="658611" y="3916319"/>
-            <a:ext cx="4643288" cy="1200329"/>
-          </a:xfrm>
-          <a:prstGeom prst="rect">
-            <a:avLst/>
-          </a:prstGeom>
-          <a:noFill/>
-        </p:spPr>
-        <p:txBody>
-          <a:bodyPr wrap="square" rtlCol="0">
-            <a:spAutoFit/>
-          </a:bodyPr>
-          <a:lstStyle/>
-          <a:p>
-            <a:r>
-              <a:rPr lang="en-US" dirty="0" smtClean="0">
-                <a:latin typeface="Monaco"/>
-                <a:cs typeface="Monaco"/>
-              </a:rPr>
-              <a:t># Define some float variables</a:t>
-            </a:r>
-          </a:p>
-          <a:p>
-            <a:r>
-              <a:rPr lang="en-US" dirty="0" smtClean="0">
-                <a:latin typeface="Monaco"/>
-                <a:cs typeface="Monaco"/>
-              </a:rPr>
-              <a:t>d = 5.67</a:t>
-            </a:r>
-          </a:p>
-          <a:p>
-            <a:r>
-              <a:rPr lang="en-US" dirty="0">
-                <a:latin typeface="Monaco"/>
-                <a:cs typeface="Monaco"/>
-              </a:rPr>
-              <a:t>e</a:t>
-            </a:r>
-            <a:r>
-              <a:rPr lang="en-US" dirty="0" smtClean="0">
-                <a:latin typeface="Monaco"/>
-                <a:cs typeface="Monaco"/>
-              </a:rPr>
-              <a:t> = -33.2</a:t>
-            </a:r>
-          </a:p>
-          <a:p>
-            <a:r>
-              <a:rPr lang="en-US" dirty="0">
-                <a:latin typeface="Monaco"/>
-                <a:cs typeface="Monaco"/>
-              </a:rPr>
-              <a:t>f</a:t>
-            </a:r>
-            <a:r>
-              <a:rPr lang="en-US" dirty="0" smtClean="0">
-                <a:latin typeface="Monaco"/>
-                <a:cs typeface="Monaco"/>
-              </a:rPr>
-              <a:t> = 0.</a:t>
-            </a:r>
-            <a:endParaRPr lang="en-US" dirty="0">
-              <a:latin typeface="Monaco"/>
-              <a:cs typeface="Monaco"/>
-            </a:endParaRPr>
-          </a:p>
-        </p:txBody>
-      </p:sp>
-      <p:sp>
-        <p:nvSpPr>
-          <p:cNvPr id="7" name="Rectangle 6"/>
-          <p:cNvSpPr/>
-          <p:nvPr/>
-        </p:nvSpPr>
-        <p:spPr>
-          <a:xfrm>
-            <a:off x="679432" y="4775167"/>
-            <a:ext cx="965291" cy="283603"/>
-          </a:xfrm>
-          <a:prstGeom prst="rect">
-            <a:avLst/>
-          </a:prstGeom>
-          <a:noFill/>
-          <a:ln w="28575" cmpd="sng">
-            <a:solidFill>
-              <a:schemeClr val="accent2"/>
-            </a:solidFill>
-          </a:ln>
-          <a:effectLst/>
-        </p:spPr>
-        <p:style>
-          <a:lnRef idx="1">
-            <a:schemeClr val="accent1"/>
-          </a:lnRef>
-          <a:fillRef idx="3">
-            <a:schemeClr val="accent1"/>
-          </a:fillRef>
-          <a:effectRef idx="2">
-            <a:schemeClr val="accent1"/>
-          </a:effectRef>
-          <a:fontRef idx="minor">
-            <a:schemeClr val="lt1"/>
-          </a:fontRef>
-        </p:style>
-        <p:txBody>
-          <a:bodyPr rtlCol="0" anchor="ctr"/>
-          <a:lstStyle/>
-          <a:p>
-            <a:pPr algn="ctr"/>
-            <a:endParaRPr lang="en-US"/>
-          </a:p>
-        </p:txBody>
-      </p:sp>
-      <p:sp>
-        <p:nvSpPr>
-          <p:cNvPr id="8" name="TextBox 7"/>
-          <p:cNvSpPr txBox="1"/>
-          <p:nvPr/>
-        </p:nvSpPr>
-        <p:spPr>
-          <a:xfrm>
-            <a:off x="2033348" y="4920134"/>
-            <a:ext cx="3830747" cy="923330"/>
-          </a:xfrm>
-          <a:prstGeom prst="rect">
-            <a:avLst/>
-          </a:prstGeom>
-          <a:noFill/>
-        </p:spPr>
-        <p:txBody>
-          <a:bodyPr wrap="square" rtlCol="0">
-            <a:spAutoFit/>
-          </a:bodyPr>
-          <a:lstStyle/>
-          <a:p>
-            <a:r>
-              <a:rPr lang="en-US" dirty="0" smtClean="0"/>
-              <a:t>The </a:t>
-            </a:r>
-            <a:r>
-              <a:rPr lang="en-US" dirty="0" smtClean="0">
-                <a:solidFill>
-                  <a:schemeClr val="tx2"/>
-                </a:solidFill>
-              </a:rPr>
-              <a:t>name </a:t>
-            </a:r>
-            <a:r>
-              <a:rPr lang="en-US" dirty="0" smtClean="0"/>
-              <a:t>of this variable is </a:t>
-            </a:r>
-            <a:r>
-              <a:rPr lang="en-US" dirty="0" smtClean="0">
-                <a:solidFill>
-                  <a:srgbClr val="F5C201"/>
-                </a:solidFill>
-              </a:rPr>
-              <a:t>f</a:t>
-            </a:r>
-            <a:r>
-              <a:rPr lang="en-US" dirty="0" smtClean="0"/>
-              <a:t>.</a:t>
-            </a:r>
-          </a:p>
-          <a:p>
-            <a:r>
-              <a:rPr lang="en-US" dirty="0" smtClean="0"/>
-              <a:t>The variable f has a </a:t>
-            </a:r>
-            <a:r>
-              <a:rPr lang="en-US" dirty="0" smtClean="0">
-                <a:solidFill>
-                  <a:srgbClr val="D1282E"/>
-                </a:solidFill>
-              </a:rPr>
-              <a:t>value </a:t>
-            </a:r>
-            <a:r>
-              <a:rPr lang="en-US" dirty="0" smtClean="0"/>
-              <a:t>of </a:t>
-            </a:r>
-            <a:r>
-              <a:rPr lang="en-US" dirty="0" smtClean="0">
-                <a:solidFill>
-                  <a:srgbClr val="F5C201"/>
-                </a:solidFill>
-              </a:rPr>
-              <a:t>0</a:t>
-            </a:r>
-            <a:r>
-              <a:rPr lang="en-US" dirty="0" smtClean="0"/>
-              <a:t>.</a:t>
-            </a:r>
-          </a:p>
-          <a:p>
-            <a:r>
-              <a:rPr lang="en-US" dirty="0" smtClean="0"/>
-              <a:t>The variable f is a </a:t>
-            </a:r>
-            <a:r>
-              <a:rPr lang="en-US" dirty="0" smtClean="0">
-                <a:solidFill>
-                  <a:srgbClr val="F5C201"/>
-                </a:solidFill>
-              </a:rPr>
-              <a:t>float</a:t>
-            </a:r>
-            <a:r>
-              <a:rPr lang="en-US" dirty="0" smtClean="0"/>
-              <a:t> </a:t>
-            </a:r>
-            <a:r>
-              <a:rPr lang="en-US" dirty="0" smtClean="0">
-                <a:solidFill>
-                  <a:srgbClr val="D1282E"/>
-                </a:solidFill>
-              </a:rPr>
-              <a:t>data</a:t>
-            </a:r>
-            <a:r>
-              <a:rPr lang="en-US" i="1" dirty="0" smtClean="0">
-                <a:solidFill>
-                  <a:srgbClr val="D1282E"/>
-                </a:solidFill>
-              </a:rPr>
-              <a:t> </a:t>
-            </a:r>
-            <a:r>
-              <a:rPr lang="en-US" dirty="0" smtClean="0">
-                <a:solidFill>
-                  <a:srgbClr val="D1282E"/>
-                </a:solidFill>
-              </a:rPr>
-              <a:t>type</a:t>
-            </a:r>
-            <a:r>
-              <a:rPr lang="en-US" dirty="0" smtClean="0"/>
-              <a:t>.</a:t>
-            </a:r>
-            <a:endParaRPr lang="en-US" dirty="0"/>
-          </a:p>
-        </p:txBody>
-      </p:sp>
-    </p:spTree>
-    <p:extLst>
-      <p:ext uri="{BB962C8B-B14F-4D97-AF65-F5344CB8AC3E}">
-        <p14:creationId xmlns:p14="http://schemas.microsoft.com/office/powerpoint/2010/main" val="1743352980"/>
-      </p:ext>
-    </p:extLst>
-  </p:cSld>
-  <p:clrMapOvr>
-    <a:masterClrMapping/>
-  </p:clrMapOvr>
-</p:sld>
-</file>
-
-<file path=ppt/slides/slide25.xml><?xml version="1.0" encoding="utf-8"?>
 <p:sld xmlns:a="http://schemas.openxmlformats.org/drawingml/2006/main" xmlns:r="http://schemas.openxmlformats.org/officeDocument/2006/relationships" xmlns:p="http://schemas.openxmlformats.org/presentationml/2006/main">
   <p:cSld>
     <p:spTree>
@@ -9036,14 +8715,14 @@
             <a:r>
               <a:rPr lang="en-US" sz="1600" dirty="0" smtClean="0">
                 <a:solidFill>
-                  <a:srgbClr val="F5C201"/>
+                  <a:srgbClr val="DC5924"/>
                 </a:solidFill>
               </a:rPr>
               <a:t>Floats have *decimals*</a:t>
             </a:r>
             <a:endParaRPr lang="en-US" sz="1600" dirty="0">
               <a:solidFill>
-                <a:srgbClr val="F5C201"/>
+                <a:srgbClr val="DC5924"/>
               </a:solidFill>
             </a:endParaRPr>
           </a:p>
@@ -9120,14 +8799,14 @@
             <a:r>
               <a:rPr lang="en-US" sz="1600" dirty="0" smtClean="0">
                 <a:solidFill>
-                  <a:schemeClr val="accent2"/>
+                  <a:srgbClr val="DC5924"/>
                 </a:solidFill>
               </a:rPr>
               <a:t>Integers are *counting numbers*</a:t>
             </a:r>
             <a:endParaRPr lang="en-US" sz="1600" dirty="0">
               <a:solidFill>
-                <a:schemeClr val="accent2"/>
+                <a:srgbClr val="DC5924"/>
               </a:solidFill>
             </a:endParaRPr>
           </a:p>
@@ -9137,6 +8816,378 @@
     <p:extLst>
       <p:ext uri="{BB962C8B-B14F-4D97-AF65-F5344CB8AC3E}">
         <p14:creationId xmlns:p14="http://schemas.microsoft.com/office/powerpoint/2010/main" val="949257662"/>
+      </p:ext>
+    </p:extLst>
+  </p:cSld>
+  <p:clrMapOvr>
+    <a:masterClrMapping/>
+  </p:clrMapOvr>
+</p:sld>
+</file>
+
+<file path=ppt/slides/slide25.xml><?xml version="1.0" encoding="utf-8"?>
+<p:sld xmlns:a="http://schemas.openxmlformats.org/drawingml/2006/main" xmlns:r="http://schemas.openxmlformats.org/officeDocument/2006/relationships" xmlns:p="http://schemas.openxmlformats.org/presentationml/2006/main">
+  <p:cSld>
+    <p:spTree>
+      <p:nvGrpSpPr>
+        <p:cNvPr id="1" name=""/>
+        <p:cNvGrpSpPr/>
+        <p:nvPr/>
+      </p:nvGrpSpPr>
+      <p:grpSpPr>
+        <a:xfrm>
+          <a:off x="0" y="0"/>
+          <a:ext cx="0" cy="0"/>
+          <a:chOff x="0" y="0"/>
+          <a:chExt cx="0" cy="0"/>
+        </a:xfrm>
+      </p:grpSpPr>
+      <p:sp>
+        <p:nvSpPr>
+          <p:cNvPr id="2" name="Title 1"/>
+          <p:cNvSpPr>
+            <a:spLocks noGrp="1"/>
+          </p:cNvSpPr>
+          <p:nvPr>
+            <p:ph type="title"/>
+          </p:nvPr>
+        </p:nvSpPr>
+        <p:spPr/>
+        <p:txBody>
+          <a:bodyPr/>
+          <a:lstStyle/>
+          <a:p>
+            <a:r>
+              <a:rPr lang="en-US" dirty="0" smtClean="0"/>
+              <a:t>Integers and floats</a:t>
+            </a:r>
+            <a:endParaRPr lang="en-US" dirty="0"/>
+          </a:p>
+        </p:txBody>
+      </p:sp>
+      <p:sp>
+        <p:nvSpPr>
+          <p:cNvPr id="5" name="TextBox 4"/>
+          <p:cNvSpPr txBox="1"/>
+          <p:nvPr/>
+        </p:nvSpPr>
+        <p:spPr>
+          <a:xfrm>
+            <a:off x="658612" y="2351642"/>
+            <a:ext cx="4891953" cy="1200329"/>
+          </a:xfrm>
+          <a:prstGeom prst="rect">
+            <a:avLst/>
+          </a:prstGeom>
+          <a:noFill/>
+        </p:spPr>
+        <p:txBody>
+          <a:bodyPr wrap="square" rtlCol="0">
+            <a:spAutoFit/>
+          </a:bodyPr>
+          <a:lstStyle/>
+          <a:p>
+            <a:r>
+              <a:rPr lang="en-US" dirty="0" smtClean="0">
+                <a:latin typeface="Monaco"/>
+                <a:cs typeface="Monaco"/>
+              </a:rPr>
+              <a:t># Define some integer variables</a:t>
+            </a:r>
+          </a:p>
+          <a:p>
+            <a:r>
+              <a:rPr lang="en-US" dirty="0" smtClean="0">
+                <a:latin typeface="Monaco"/>
+                <a:cs typeface="Monaco"/>
+              </a:rPr>
+              <a:t>a = 5</a:t>
+            </a:r>
+          </a:p>
+          <a:p>
+            <a:r>
+              <a:rPr lang="en-US" dirty="0" smtClean="0">
+                <a:latin typeface="Monaco"/>
+                <a:cs typeface="Monaco"/>
+              </a:rPr>
+              <a:t>b = -33</a:t>
+            </a:r>
+          </a:p>
+          <a:p>
+            <a:r>
+              <a:rPr lang="en-US" dirty="0" smtClean="0">
+                <a:latin typeface="Monaco"/>
+                <a:cs typeface="Monaco"/>
+              </a:rPr>
+              <a:t>c = 0</a:t>
+            </a:r>
+            <a:endParaRPr lang="en-US" dirty="0">
+              <a:latin typeface="Monaco"/>
+              <a:cs typeface="Monaco"/>
+            </a:endParaRPr>
+          </a:p>
+        </p:txBody>
+      </p:sp>
+      <p:sp>
+        <p:nvSpPr>
+          <p:cNvPr id="6" name="TextBox 5"/>
+          <p:cNvSpPr txBox="1"/>
+          <p:nvPr/>
+        </p:nvSpPr>
+        <p:spPr>
+          <a:xfrm>
+            <a:off x="658611" y="3916319"/>
+            <a:ext cx="4643288" cy="1200329"/>
+          </a:xfrm>
+          <a:prstGeom prst="rect">
+            <a:avLst/>
+          </a:prstGeom>
+          <a:noFill/>
+        </p:spPr>
+        <p:txBody>
+          <a:bodyPr wrap="square" rtlCol="0">
+            <a:spAutoFit/>
+          </a:bodyPr>
+          <a:lstStyle/>
+          <a:p>
+            <a:r>
+              <a:rPr lang="en-US" dirty="0" smtClean="0">
+                <a:latin typeface="Monaco"/>
+                <a:cs typeface="Monaco"/>
+              </a:rPr>
+              <a:t># Define some float variables</a:t>
+            </a:r>
+          </a:p>
+          <a:p>
+            <a:r>
+              <a:rPr lang="en-US" dirty="0" smtClean="0">
+                <a:latin typeface="Monaco"/>
+                <a:cs typeface="Monaco"/>
+              </a:rPr>
+              <a:t>d = 5.67</a:t>
+            </a:r>
+          </a:p>
+          <a:p>
+            <a:r>
+              <a:rPr lang="en-US" dirty="0">
+                <a:latin typeface="Monaco"/>
+                <a:cs typeface="Monaco"/>
+              </a:rPr>
+              <a:t>e</a:t>
+            </a:r>
+            <a:r>
+              <a:rPr lang="en-US" dirty="0" smtClean="0">
+                <a:latin typeface="Monaco"/>
+                <a:cs typeface="Monaco"/>
+              </a:rPr>
+              <a:t> = -33.2</a:t>
+            </a:r>
+          </a:p>
+          <a:p>
+            <a:r>
+              <a:rPr lang="en-US" dirty="0">
+                <a:latin typeface="Monaco"/>
+                <a:cs typeface="Monaco"/>
+              </a:rPr>
+              <a:t>f</a:t>
+            </a:r>
+            <a:r>
+              <a:rPr lang="en-US" dirty="0" smtClean="0">
+                <a:latin typeface="Monaco"/>
+                <a:cs typeface="Monaco"/>
+              </a:rPr>
+              <a:t> = 0.</a:t>
+            </a:r>
+            <a:endParaRPr lang="en-US" dirty="0">
+              <a:latin typeface="Monaco"/>
+              <a:cs typeface="Monaco"/>
+            </a:endParaRPr>
+          </a:p>
+        </p:txBody>
+      </p:sp>
+      <p:sp>
+        <p:nvSpPr>
+          <p:cNvPr id="7" name="Rectangle 6"/>
+          <p:cNvSpPr/>
+          <p:nvPr/>
+        </p:nvSpPr>
+        <p:spPr>
+          <a:xfrm>
+            <a:off x="679432" y="4775167"/>
+            <a:ext cx="965291" cy="283603"/>
+          </a:xfrm>
+          <a:prstGeom prst="rect">
+            <a:avLst/>
+          </a:prstGeom>
+          <a:noFill/>
+          <a:ln w="28575" cmpd="sng">
+            <a:solidFill>
+              <a:schemeClr val="accent2"/>
+            </a:solidFill>
+          </a:ln>
+          <a:effectLst/>
+        </p:spPr>
+        <p:style>
+          <a:lnRef idx="1">
+            <a:schemeClr val="accent1"/>
+          </a:lnRef>
+          <a:fillRef idx="3">
+            <a:schemeClr val="accent1"/>
+          </a:fillRef>
+          <a:effectRef idx="2">
+            <a:schemeClr val="accent1"/>
+          </a:effectRef>
+          <a:fontRef idx="minor">
+            <a:schemeClr val="lt1"/>
+          </a:fontRef>
+        </p:style>
+        <p:txBody>
+          <a:bodyPr rtlCol="0" anchor="ctr"/>
+          <a:lstStyle/>
+          <a:p>
+            <a:pPr algn="ctr"/>
+            <a:endParaRPr lang="en-US"/>
+          </a:p>
+        </p:txBody>
+      </p:sp>
+      <p:sp>
+        <p:nvSpPr>
+          <p:cNvPr id="8" name="TextBox 7"/>
+          <p:cNvSpPr txBox="1"/>
+          <p:nvPr/>
+        </p:nvSpPr>
+        <p:spPr>
+          <a:xfrm>
+            <a:off x="2033348" y="4920134"/>
+            <a:ext cx="3830747" cy="923330"/>
+          </a:xfrm>
+          <a:prstGeom prst="rect">
+            <a:avLst/>
+          </a:prstGeom>
+          <a:noFill/>
+        </p:spPr>
+        <p:txBody>
+          <a:bodyPr wrap="square" rtlCol="0">
+            <a:spAutoFit/>
+          </a:bodyPr>
+          <a:lstStyle/>
+          <a:p>
+            <a:r>
+              <a:rPr lang="en-US" dirty="0" smtClean="0"/>
+              <a:t>The </a:t>
+            </a:r>
+            <a:r>
+              <a:rPr lang="en-US" dirty="0" smtClean="0">
+                <a:solidFill>
+                  <a:srgbClr val="DC5924"/>
+                </a:solidFill>
+              </a:rPr>
+              <a:t>name</a:t>
+            </a:r>
+            <a:r>
+              <a:rPr lang="en-US" dirty="0" smtClean="0">
+                <a:solidFill>
+                  <a:schemeClr val="tx2"/>
+                </a:solidFill>
+              </a:rPr>
+              <a:t> </a:t>
+            </a:r>
+            <a:r>
+              <a:rPr lang="en-US" dirty="0" smtClean="0"/>
+              <a:t>of this variable is </a:t>
+            </a:r>
+            <a:r>
+              <a:rPr lang="en-US" dirty="0" smtClean="0">
+                <a:solidFill>
+                  <a:schemeClr val="tx2"/>
+                </a:solidFill>
+              </a:rPr>
+              <a:t>f</a:t>
+            </a:r>
+            <a:r>
+              <a:rPr lang="en-US" dirty="0" smtClean="0"/>
+              <a:t>.</a:t>
+            </a:r>
+          </a:p>
+          <a:p>
+            <a:r>
+              <a:rPr lang="en-US" dirty="0" smtClean="0"/>
+              <a:t>The variable f has a </a:t>
+            </a:r>
+            <a:r>
+              <a:rPr lang="en-US" dirty="0" smtClean="0">
+                <a:solidFill>
+                  <a:srgbClr val="DC5924"/>
+                </a:solidFill>
+              </a:rPr>
+              <a:t>value </a:t>
+            </a:r>
+            <a:r>
+              <a:rPr lang="en-US" dirty="0" smtClean="0"/>
+              <a:t>of </a:t>
+            </a:r>
+            <a:r>
+              <a:rPr lang="en-US" dirty="0" smtClean="0">
+                <a:solidFill>
+                  <a:schemeClr val="tx2"/>
+                </a:solidFill>
+              </a:rPr>
+              <a:t>0</a:t>
+            </a:r>
+            <a:r>
+              <a:rPr lang="en-US" dirty="0" smtClean="0"/>
+              <a:t>.</a:t>
+            </a:r>
+          </a:p>
+          <a:p>
+            <a:r>
+              <a:rPr lang="en-US" dirty="0" smtClean="0"/>
+              <a:t>The variable f is a </a:t>
+            </a:r>
+            <a:r>
+              <a:rPr lang="en-US" dirty="0" smtClean="0">
+                <a:solidFill>
+                  <a:schemeClr val="tx2"/>
+                </a:solidFill>
+              </a:rPr>
+              <a:t>float </a:t>
+            </a:r>
+            <a:r>
+              <a:rPr lang="en-US" dirty="0" smtClean="0">
+                <a:solidFill>
+                  <a:srgbClr val="DC5924"/>
+                </a:solidFill>
+              </a:rPr>
+              <a:t>data</a:t>
+            </a:r>
+            <a:r>
+              <a:rPr lang="en-US" i="1" dirty="0" smtClean="0">
+                <a:solidFill>
+                  <a:srgbClr val="DC5924"/>
+                </a:solidFill>
+              </a:rPr>
+              <a:t> </a:t>
+            </a:r>
+            <a:r>
+              <a:rPr lang="en-US" dirty="0" smtClean="0">
+                <a:solidFill>
+                  <a:srgbClr val="DC5924"/>
+                </a:solidFill>
+              </a:rPr>
+              <a:t>type</a:t>
+            </a:r>
+            <a:r>
+              <a:rPr lang="en-US" dirty="0" smtClean="0"/>
+              <a:t>.</a:t>
+            </a:r>
+            <a:endParaRPr lang="en-US" dirty="0"/>
+          </a:p>
+        </p:txBody>
+      </p:sp>
+    </p:spTree>
+    <p:extLst>
+      <p:ext uri="{BB962C8B-B14F-4D97-AF65-F5344CB8AC3E}">
+        <p14:creationId xmlns:p14="http://schemas.microsoft.com/office/powerpoint/2010/main" val="1743352980"/>
       </p:ext>
     </p:extLst>
   </p:cSld>
@@ -9901,14 +9952,14 @@
             <a:r>
               <a:rPr lang="en-US" dirty="0" smtClean="0">
                 <a:solidFill>
-                  <a:schemeClr val="accent2"/>
+                  <a:srgbClr val="DC5924"/>
                 </a:solidFill>
               </a:rPr>
               <a:t>What type of variable is c?</a:t>
             </a:r>
             <a:endParaRPr lang="en-US" dirty="0">
               <a:solidFill>
-                <a:schemeClr val="accent2"/>
+                <a:srgbClr val="DC5924"/>
               </a:solidFill>
             </a:endParaRPr>
           </a:p>
@@ -10392,14 +10443,14 @@
             <a:r>
               <a:rPr lang="en-US" dirty="0" smtClean="0">
                 <a:solidFill>
-                  <a:schemeClr val="accent2"/>
+                  <a:srgbClr val="DC5924"/>
                 </a:solidFill>
               </a:rPr>
               <a:t>What type of variable is c now?</a:t>
             </a:r>
             <a:endParaRPr lang="en-US" dirty="0">
               <a:solidFill>
-                <a:schemeClr val="accent2"/>
+                <a:srgbClr val="DC5924"/>
               </a:solidFill>
             </a:endParaRPr>
           </a:p>
@@ -11342,7 +11393,7 @@
             <a:r>
               <a:rPr lang="en-US" dirty="0" smtClean="0">
                 <a:solidFill>
-                  <a:schemeClr val="accent2"/>
+                  <a:srgbClr val="DC5924"/>
                 </a:solidFill>
                 <a:latin typeface="Monaco"/>
                 <a:cs typeface="Monaco"/>
@@ -11359,7 +11410,7 @@
             <a:r>
               <a:rPr lang="en-US" dirty="0" smtClean="0">
                 <a:solidFill>
-                  <a:schemeClr val="accent2"/>
+                  <a:srgbClr val="DC5924"/>
                 </a:solidFill>
                 <a:latin typeface="Monaco"/>
                 <a:cs typeface="Monaco"/>
@@ -12734,14 +12785,14 @@
             <a:r>
               <a:rPr lang="en-US" dirty="0" smtClean="0">
                 <a:solidFill>
-                  <a:schemeClr val="accent2"/>
+                  <a:srgbClr val="DC5924"/>
                 </a:solidFill>
               </a:rPr>
               <a:t>What do you notice about the values inside these lists?</a:t>
             </a:r>
             <a:endParaRPr lang="en-US" dirty="0">
               <a:solidFill>
-                <a:schemeClr val="accent2"/>
+                <a:srgbClr val="DC5924"/>
               </a:solidFill>
             </a:endParaRPr>
           </a:p>
@@ -13787,7 +13838,7 @@
             <a:r>
               <a:rPr lang="en-US" dirty="0" smtClean="0">
                 <a:solidFill>
-                  <a:schemeClr val="accent2"/>
+                  <a:srgbClr val="DC5924"/>
                 </a:solidFill>
               </a:rPr>
               <a:t>In </a:t>
@@ -13795,7 +13846,7 @@
             <a:r>
               <a:rPr lang="en-US" dirty="0" smtClean="0">
                 <a:solidFill>
-                  <a:schemeClr val="accent2"/>
+                  <a:srgbClr val="DC5924"/>
                 </a:solidFill>
                 <a:latin typeface="Monaco"/>
                 <a:cs typeface="Monaco"/>
@@ -13805,7 +13856,7 @@
             <a:r>
               <a:rPr lang="en-US" dirty="0" smtClean="0">
                 <a:solidFill>
-                  <a:schemeClr val="accent2"/>
+                  <a:srgbClr val="DC5924"/>
                 </a:solidFill>
               </a:rPr>
               <a:t>,  x is </a:t>
@@ -13813,7 +13864,7 @@
             <a:r>
               <a:rPr lang="en-US" u="sng" dirty="0" smtClean="0">
                 <a:solidFill>
-                  <a:schemeClr val="accent2"/>
+                  <a:srgbClr val="DC5924"/>
                 </a:solidFill>
               </a:rPr>
               <a:t>inclusive</a:t>
@@ -13821,7 +13872,7 @@
             <a:r>
               <a:rPr lang="en-US" dirty="0" smtClean="0">
                 <a:solidFill>
-                  <a:schemeClr val="accent2"/>
+                  <a:srgbClr val="DC5924"/>
                 </a:solidFill>
               </a:rPr>
               <a:t> and y is </a:t>
@@ -13829,14 +13880,14 @@
             <a:r>
               <a:rPr lang="en-US" u="sng" dirty="0" smtClean="0">
                 <a:solidFill>
-                  <a:schemeClr val="accent2"/>
+                  <a:srgbClr val="DC5924"/>
                 </a:solidFill>
               </a:rPr>
               <a:t>exclusive</a:t>
             </a:r>
             <a:endParaRPr lang="en-US" u="sng" dirty="0">
               <a:solidFill>
-                <a:schemeClr val="accent2"/>
+                <a:srgbClr val="DC5924"/>
               </a:solidFill>
             </a:endParaRPr>
           </a:p>
@@ -14198,7 +14249,7 @@
             <a:r>
               <a:rPr lang="en-US" dirty="0" smtClean="0">
                 <a:solidFill>
-                  <a:schemeClr val="accent2"/>
+                  <a:srgbClr val="DC5924"/>
                 </a:solidFill>
               </a:rPr>
               <a:t>In </a:t>
@@ -14206,7 +14257,7 @@
             <a:r>
               <a:rPr lang="en-US" dirty="0" smtClean="0">
                 <a:solidFill>
-                  <a:schemeClr val="accent2"/>
+                  <a:srgbClr val="DC5924"/>
                 </a:solidFill>
                 <a:latin typeface="Monaco"/>
                 <a:cs typeface="Monaco"/>
@@ -14216,7 +14267,7 @@
             <a:r>
               <a:rPr lang="en-US" dirty="0" smtClean="0">
                 <a:solidFill>
-                  <a:schemeClr val="accent2"/>
+                  <a:srgbClr val="DC5924"/>
                 </a:solidFill>
               </a:rPr>
               <a:t>,  x is </a:t>
@@ -14224,7 +14275,7 @@
             <a:r>
               <a:rPr lang="en-US" u="sng" dirty="0" smtClean="0">
                 <a:solidFill>
-                  <a:schemeClr val="accent2"/>
+                  <a:srgbClr val="DC5924"/>
                 </a:solidFill>
               </a:rPr>
               <a:t>inclusive</a:t>
@@ -14232,7 +14283,7 @@
             <a:r>
               <a:rPr lang="en-US" dirty="0" smtClean="0">
                 <a:solidFill>
-                  <a:schemeClr val="accent2"/>
+                  <a:srgbClr val="DC5924"/>
                 </a:solidFill>
               </a:rPr>
               <a:t> and y is </a:t>
@@ -14240,14 +14291,14 @@
             <a:r>
               <a:rPr lang="en-US" u="sng" dirty="0" smtClean="0">
                 <a:solidFill>
-                  <a:schemeClr val="accent2"/>
+                  <a:srgbClr val="DC5924"/>
                 </a:solidFill>
               </a:rPr>
               <a:t>exclusive</a:t>
             </a:r>
             <a:endParaRPr lang="en-US" u="sng" dirty="0">
               <a:solidFill>
-                <a:schemeClr val="accent2"/>
+                <a:srgbClr val="DC5924"/>
               </a:solidFill>
             </a:endParaRPr>
           </a:p>
@@ -14651,7 +14702,7 @@
             <a:r>
               <a:rPr lang="en-US" dirty="0" smtClean="0">
                 <a:solidFill>
-                  <a:schemeClr val="accent2"/>
+                  <a:srgbClr val="DC5924"/>
                 </a:solidFill>
               </a:rPr>
               <a:t>In </a:t>
@@ -14659,7 +14710,7 @@
             <a:r>
               <a:rPr lang="en-US" dirty="0" smtClean="0">
                 <a:solidFill>
-                  <a:schemeClr val="accent2"/>
+                  <a:srgbClr val="DC5924"/>
                 </a:solidFill>
                 <a:latin typeface="Monaco"/>
                 <a:cs typeface="Monaco"/>
@@ -14669,7 +14720,7 @@
             <a:r>
               <a:rPr lang="en-US" dirty="0" smtClean="0">
                 <a:solidFill>
-                  <a:schemeClr val="accent2"/>
+                  <a:srgbClr val="DC5924"/>
                 </a:solidFill>
               </a:rPr>
               <a:t>,  x is </a:t>
@@ -14677,7 +14728,7 @@
             <a:r>
               <a:rPr lang="en-US" u="sng" dirty="0" smtClean="0">
                 <a:solidFill>
-                  <a:schemeClr val="accent2"/>
+                  <a:srgbClr val="DC5924"/>
                 </a:solidFill>
               </a:rPr>
               <a:t>inclusive</a:t>
@@ -14685,7 +14736,7 @@
             <a:r>
               <a:rPr lang="en-US" dirty="0" smtClean="0">
                 <a:solidFill>
-                  <a:schemeClr val="accent2"/>
+                  <a:srgbClr val="DC5924"/>
                 </a:solidFill>
               </a:rPr>
               <a:t> and y is </a:t>
@@ -14693,14 +14744,14 @@
             <a:r>
               <a:rPr lang="en-US" u="sng" dirty="0" smtClean="0">
                 <a:solidFill>
-                  <a:schemeClr val="accent2"/>
+                  <a:srgbClr val="DC5924"/>
                 </a:solidFill>
               </a:rPr>
               <a:t>exclusive</a:t>
             </a:r>
             <a:endParaRPr lang="en-US" u="sng" dirty="0">
               <a:solidFill>
-                <a:schemeClr val="accent2"/>
+                <a:srgbClr val="DC5924"/>
               </a:solidFill>
             </a:endParaRPr>
           </a:p>
@@ -15151,7 +15202,7 @@
             <a:r>
               <a:rPr lang="en-US" dirty="0" smtClean="0">
                 <a:solidFill>
-                  <a:schemeClr val="accent2"/>
+                  <a:srgbClr val="DC5924"/>
                 </a:solidFill>
               </a:rPr>
               <a:t>In </a:t>
@@ -15159,7 +15210,7 @@
             <a:r>
               <a:rPr lang="en-US" dirty="0" smtClean="0">
                 <a:solidFill>
-                  <a:schemeClr val="accent2"/>
+                  <a:srgbClr val="DC5924"/>
                 </a:solidFill>
                 <a:latin typeface="Monaco"/>
                 <a:cs typeface="Monaco"/>
@@ -15169,7 +15220,7 @@
             <a:r>
               <a:rPr lang="en-US" dirty="0" smtClean="0">
                 <a:solidFill>
-                  <a:schemeClr val="accent2"/>
+                  <a:srgbClr val="DC5924"/>
                 </a:solidFill>
               </a:rPr>
               <a:t>,  x is </a:t>
@@ -15177,7 +15228,7 @@
             <a:r>
               <a:rPr lang="en-US" u="sng" dirty="0" smtClean="0">
                 <a:solidFill>
-                  <a:schemeClr val="accent2"/>
+                  <a:srgbClr val="DC5924"/>
                 </a:solidFill>
               </a:rPr>
               <a:t>inclusive</a:t>
@@ -15185,7 +15236,7 @@
             <a:r>
               <a:rPr lang="en-US" dirty="0" smtClean="0">
                 <a:solidFill>
-                  <a:schemeClr val="accent2"/>
+                  <a:srgbClr val="DC5924"/>
                 </a:solidFill>
               </a:rPr>
               <a:t> and y is </a:t>
@@ -15193,14 +15244,14 @@
             <a:r>
               <a:rPr lang="en-US" u="sng" dirty="0" smtClean="0">
                 <a:solidFill>
-                  <a:schemeClr val="accent2"/>
+                  <a:srgbClr val="DC5924"/>
                 </a:solidFill>
               </a:rPr>
               <a:t>exclusive</a:t>
             </a:r>
             <a:endParaRPr lang="en-US" u="sng" dirty="0">
               <a:solidFill>
-                <a:schemeClr val="accent2"/>
+                <a:srgbClr val="DC5924"/>
               </a:solidFill>
             </a:endParaRPr>
           </a:p>
@@ -17448,14 +17499,14 @@
             <a:r>
               <a:rPr lang="en-US" dirty="0" smtClean="0">
                 <a:solidFill>
-                  <a:schemeClr val="accent2"/>
+                  <a:srgbClr val="DC5924"/>
                 </a:solidFill>
               </a:rPr>
               <a:t>Why is d a string and not an integer?</a:t>
             </a:r>
             <a:endParaRPr lang="en-US" dirty="0">
               <a:solidFill>
-                <a:schemeClr val="accent2"/>
+                <a:srgbClr val="DC5924"/>
               </a:solidFill>
             </a:endParaRPr>
           </a:p>
@@ -21219,8 +21270,19 @@
                 <a:latin typeface="Monaco"/>
                 <a:cs typeface="Monaco"/>
               </a:rPr>
-              <a:t>(s)</a:t>
-            </a:r>
+              <a:t>(s</a:t>
+            </a:r>
+            <a:r>
+              <a:rPr lang="en-US" dirty="0" smtClean="0">
+                <a:latin typeface="Monaco"/>
+                <a:cs typeface="Monaco"/>
+              </a:rPr>
+              <a:t>)  # number of characters</a:t>
+            </a:r>
+            <a:endParaRPr lang="en-US" dirty="0" smtClean="0">
+              <a:latin typeface="Monaco"/>
+              <a:cs typeface="Monaco"/>
+            </a:endParaRPr>
           </a:p>
           <a:p>
             <a:r>
@@ -21263,33 +21325,30 @@
               <a:t>d = ["p", "y", "t", "</a:t>
             </a:r>
             <a:r>
+              <a:rPr lang="en-US" dirty="0" smtClean="0">
+                <a:latin typeface="Monaco"/>
+                <a:cs typeface="Monaco"/>
+              </a:rPr>
+              <a:t>h", "o", "n"]</a:t>
+            </a:r>
+            <a:endParaRPr lang="en-US" dirty="0" smtClean="0">
+              <a:latin typeface="Monaco"/>
+              <a:cs typeface="Monaco"/>
+            </a:endParaRPr>
+          </a:p>
+          <a:p>
+            <a:r>
+              <a:rPr lang="en-US" dirty="0" smtClean="0">
+                <a:latin typeface="Monaco"/>
+                <a:cs typeface="Monaco"/>
+              </a:rPr>
+              <a:t>print </a:t>
+            </a:r>
+            <a:r>
               <a:rPr lang="en-US" dirty="0" err="1" smtClean="0">
                 <a:latin typeface="Monaco"/>
                 <a:cs typeface="Monaco"/>
               </a:rPr>
-              <a:t>hon</a:t>
-            </a:r>
-            <a:r>
-              <a:rPr lang="en-US" dirty="0" smtClean="0">
-                <a:latin typeface="Monaco"/>
-                <a:cs typeface="Monaco"/>
-              </a:rPr>
-              <a:t>"]</a:t>
-            </a:r>
-          </a:p>
-          <a:p>
-            <a:r>
-              <a:rPr lang="en-US" dirty="0" smtClean="0">
-                <a:latin typeface="Monaco"/>
-                <a:cs typeface="Monaco"/>
-              </a:rPr>
-              <a:t>print </a:t>
-            </a:r>
-            <a:r>
-              <a:rPr lang="en-US" dirty="0" err="1" smtClean="0">
-                <a:latin typeface="Monaco"/>
-                <a:cs typeface="Monaco"/>
-              </a:rPr>
               <a:t>len</a:t>
             </a:r>
             <a:r>
@@ -21297,8 +21356,19 @@
                 <a:latin typeface="Monaco"/>
                 <a:cs typeface="Monaco"/>
               </a:rPr>
-              <a:t>(d)</a:t>
-            </a:r>
+              <a:t>(d</a:t>
+            </a:r>
+            <a:r>
+              <a:rPr lang="en-US" dirty="0" smtClean="0">
+                <a:latin typeface="Monaco"/>
+                <a:cs typeface="Monaco"/>
+              </a:rPr>
+              <a:t>)  # number of items</a:t>
+            </a:r>
+            <a:endParaRPr lang="en-US" dirty="0" smtClean="0">
+              <a:latin typeface="Monaco"/>
+              <a:cs typeface="Monaco"/>
+            </a:endParaRPr>
           </a:p>
           <a:p>
             <a:r>
@@ -21309,8 +21379,25 @@
                 <a:latin typeface="Monaco"/>
                 <a:cs typeface="Monaco"/>
               </a:rPr>
-              <a:t>	4</a:t>
-            </a:r>
+              <a:t>	</a:t>
+            </a:r>
+            <a:r>
+              <a:rPr lang="en-US" dirty="0" smtClean="0">
+                <a:solidFill>
+                  <a:srgbClr val="A6A6A6"/>
+                </a:solidFill>
+                <a:latin typeface="Monaco"/>
+                <a:cs typeface="Monaco"/>
+              </a:rPr>
+              <a:t>6</a:t>
+            </a:r>
+            <a:endParaRPr lang="en-US" dirty="0" smtClean="0">
+              <a:solidFill>
+                <a:srgbClr val="A6A6A6"/>
+              </a:solidFill>
+              <a:latin typeface="Monaco"/>
+              <a:cs typeface="Monaco"/>
+            </a:endParaRPr>
           </a:p>
           <a:p>
             <a:endParaRPr lang="en-US" dirty="0" smtClean="0">
@@ -21483,7 +21570,7 @@
         <p:spPr>
           <a:xfrm>
             <a:off x="146194" y="1661364"/>
-            <a:ext cx="8735113" cy="4524316"/>
+            <a:ext cx="8735113" cy="2308324"/>
           </a:xfrm>
           <a:prstGeom prst="rect">
             <a:avLst/>
@@ -21516,20 +21603,14 @@
                 <a:latin typeface="Monaco"/>
                 <a:cs typeface="Monaco"/>
               </a:rPr>
-              <a:t># Works fine!</a:t>
-            </a:r>
-            <a:endParaRPr lang="en-US" dirty="0">
-              <a:latin typeface="Monaco"/>
-              <a:cs typeface="Monaco"/>
-            </a:endParaRPr>
-          </a:p>
-          <a:p>
-            <a:r>
-              <a:rPr lang="en-US" dirty="0" smtClean="0">
-                <a:latin typeface="Monaco"/>
-                <a:cs typeface="Monaco"/>
-              </a:rPr>
-              <a:t>print pi</a:t>
+              <a:t>print </a:t>
+            </a:r>
+            <a:r>
+              <a:rPr lang="en-US" dirty="0" smtClean="0">
+                <a:latin typeface="Monaco"/>
+                <a:cs typeface="Monaco"/>
+              </a:rPr>
+              <a:t>pi</a:t>
             </a:r>
           </a:p>
           <a:p>
@@ -21553,8 +21634,40 @@
                 <a:latin typeface="Monaco"/>
                 <a:cs typeface="Monaco"/>
               </a:rPr>
-              <a:t># To print a string and a float, recast the float to a string</a:t>
-            </a:r>
+              <a:t># To print a string and a float, </a:t>
+            </a:r>
+            <a:r>
+              <a:rPr lang="en-US" i="1" dirty="0" smtClean="0">
+                <a:latin typeface="Monaco"/>
+                <a:cs typeface="Monaco"/>
+              </a:rPr>
+              <a:t>re-cast</a:t>
+            </a:r>
+            <a:r>
+              <a:rPr lang="en-US" dirty="0" smtClean="0">
+                <a:latin typeface="Monaco"/>
+                <a:cs typeface="Monaco"/>
+              </a:rPr>
+              <a:t> </a:t>
+            </a:r>
+            <a:r>
+              <a:rPr lang="en-US" dirty="0" smtClean="0">
+                <a:latin typeface="Monaco"/>
+                <a:cs typeface="Monaco"/>
+              </a:rPr>
+              <a:t>the float to a </a:t>
+            </a:r>
+            <a:r>
+              <a:rPr lang="en-US" dirty="0" smtClean="0">
+                <a:latin typeface="Monaco"/>
+                <a:cs typeface="Monaco"/>
+              </a:rPr>
+              <a:t>string</a:t>
+            </a:r>
+            <a:endParaRPr lang="en-US" dirty="0" smtClean="0">
+              <a:latin typeface="Monaco"/>
+              <a:cs typeface="Monaco"/>
+            </a:endParaRPr>
           </a:p>
           <a:p>
             <a:r>
@@ -21602,10 +21715,20 @@
                 <a:latin typeface="Monaco"/>
                 <a:cs typeface="Monaco"/>
               </a:rPr>
-              <a:t>The value of pi is 3.1415</a:t>
-            </a:r>
-          </a:p>
-          <a:p>
+              <a:t>The value of pi is </a:t>
+            </a:r>
+            <a:r>
+              <a:rPr lang="en-US" dirty="0" smtClean="0">
+                <a:solidFill>
+                  <a:schemeClr val="bg1">
+                    <a:lumMod val="65000"/>
+                  </a:schemeClr>
+                </a:solidFill>
+                <a:latin typeface="Monaco"/>
+                <a:cs typeface="Monaco"/>
+              </a:rPr>
+              <a:t>3.1415</a:t>
+            </a:r>
             <a:endParaRPr lang="en-US" dirty="0" smtClean="0">
               <a:solidFill>
                 <a:schemeClr val="bg1">
@@ -21616,86 +21739,12 @@
               <a:cs typeface="Monaco"/>
             </a:endParaRPr>
           </a:p>
-          <a:p>
-            <a:endParaRPr lang="en-US" dirty="0">
-              <a:solidFill>
-                <a:schemeClr val="bg1">
-                  <a:lumMod val="65000"/>
-                </a:schemeClr>
-              </a:solidFill>
-              <a:latin typeface="Monaco"/>
-              <a:cs typeface="Monaco"/>
-            </a:endParaRPr>
-          </a:p>
-          <a:p>
-            <a:r>
-              <a:rPr lang="en-US" dirty="0" smtClean="0">
-                <a:latin typeface="Monaco"/>
-                <a:cs typeface="Monaco"/>
-              </a:rPr>
-              <a:t># Print statements that won't work:</a:t>
-            </a:r>
-          </a:p>
-          <a:p>
-            <a:r>
-              <a:rPr lang="en-US" dirty="0" smtClean="0">
-                <a:latin typeface="Monaco"/>
-                <a:cs typeface="Monaco"/>
-              </a:rPr>
-              <a:t>print "The value of pi is" </a:t>
-            </a:r>
-            <a:r>
-              <a:rPr lang="en-US" dirty="0" err="1" smtClean="0">
-                <a:latin typeface="Monaco"/>
-                <a:cs typeface="Monaco"/>
-              </a:rPr>
-              <a:t>str</a:t>
-            </a:r>
-            <a:r>
-              <a:rPr lang="en-US" dirty="0" smtClean="0">
-                <a:latin typeface="Monaco"/>
-                <a:cs typeface="Monaco"/>
-              </a:rPr>
-              <a:t>(pi)</a:t>
-            </a:r>
-          </a:p>
-          <a:p>
-            <a:r>
-              <a:rPr lang="en-US" dirty="0" smtClean="0">
-                <a:latin typeface="Monaco"/>
-                <a:cs typeface="Monaco"/>
-              </a:rPr>
-              <a:t>print "The value of pi is" + pi    </a:t>
-            </a:r>
-          </a:p>
-          <a:p>
-            <a:r>
-              <a:rPr lang="en-US" dirty="0" smtClean="0">
-                <a:latin typeface="Monaco"/>
-                <a:cs typeface="Monaco"/>
-              </a:rPr>
-              <a:t>print "The value of pi is" pi       </a:t>
-            </a:r>
-          </a:p>
-          <a:p>
-            <a:r>
-              <a:rPr lang="en-US" dirty="0" smtClean="0">
-                <a:latin typeface="Monaco"/>
-                <a:cs typeface="Monaco"/>
-              </a:rPr>
-              <a:t>print "The value of pi is pi"</a:t>
-            </a:r>
-            <a:endParaRPr lang="en-US" dirty="0">
-              <a:latin typeface="Monaco"/>
-              <a:cs typeface="Monaco"/>
-            </a:endParaRPr>
-          </a:p>
         </p:txBody>
       </p:sp>
     </p:spTree>
     <p:extLst>
       <p:ext uri="{BB962C8B-B14F-4D97-AF65-F5344CB8AC3E}">
-        <p14:creationId xmlns:p14="http://schemas.microsoft.com/office/powerpoint/2010/main" val="607294152"/>
+        <p14:creationId xmlns:p14="http://schemas.microsoft.com/office/powerpoint/2010/main" val="1745139060"/>
       </p:ext>
     </p:extLst>
   </p:cSld>
@@ -21754,7 +21803,7 @@
         <p:spPr>
           <a:xfrm>
             <a:off x="146194" y="1661364"/>
-            <a:ext cx="8735113" cy="4524316"/>
+            <a:ext cx="8735113" cy="4247317"/>
           </a:xfrm>
           <a:prstGeom prst="rect">
             <a:avLst/>
@@ -21768,7 +21817,7 @@
           <a:lstStyle/>
           <a:p>
             <a:r>
-              <a:rPr lang="en-US" dirty="0" smtClean="0">
+              <a:rPr lang="en-US" dirty="0">
                 <a:latin typeface="Monaco"/>
                 <a:cs typeface="Monaco"/>
               </a:rPr>
@@ -21776,19 +21825,6 @@
             </a:r>
           </a:p>
           <a:p>
-            <a:endParaRPr lang="en-US" dirty="0" smtClean="0">
-              <a:latin typeface="Monaco"/>
-              <a:cs typeface="Monaco"/>
-            </a:endParaRPr>
-          </a:p>
-          <a:p>
-            <a:r>
-              <a:rPr lang="en-US" dirty="0" smtClean="0">
-                <a:latin typeface="Monaco"/>
-                <a:cs typeface="Monaco"/>
-              </a:rPr>
-              <a:t># Works fine!</a:t>
-            </a:r>
             <a:endParaRPr lang="en-US" dirty="0">
               <a:latin typeface="Monaco"/>
               <a:cs typeface="Monaco"/>
@@ -21796,7 +21832,7 @@
           </a:p>
           <a:p>
             <a:r>
-              <a:rPr lang="en-US" dirty="0" smtClean="0">
+              <a:rPr lang="en-US" dirty="0">
                 <a:latin typeface="Monaco"/>
                 <a:cs typeface="Monaco"/>
               </a:rPr>
@@ -21805,7 +21841,7 @@
           </a:p>
           <a:p>
             <a:r>
-              <a:rPr lang="en-US" dirty="0" smtClean="0">
+              <a:rPr lang="en-US" dirty="0">
                 <a:latin typeface="Monaco"/>
                 <a:cs typeface="Monaco"/>
               </a:rPr>
@@ -21813,37 +21849,51 @@
             </a:r>
           </a:p>
           <a:p>
-            <a:endParaRPr lang="en-US" dirty="0" smtClean="0">
+            <a:endParaRPr lang="en-US" dirty="0">
               <a:latin typeface="Monaco"/>
               <a:cs typeface="Monaco"/>
             </a:endParaRPr>
           </a:p>
           <a:p>
             <a:r>
-              <a:rPr lang="en-US" dirty="0" smtClean="0">
-                <a:latin typeface="Monaco"/>
-                <a:cs typeface="Monaco"/>
-              </a:rPr>
-              <a:t># To print a string and a float, recast the float to a string</a:t>
-            </a:r>
-          </a:p>
-          <a:p>
-            <a:r>
-              <a:rPr lang="en-US" dirty="0" smtClean="0">
+              <a:rPr lang="en-US" dirty="0">
+                <a:latin typeface="Monaco"/>
+                <a:cs typeface="Monaco"/>
+              </a:rPr>
+              <a:t># To print a string and a float, </a:t>
+            </a:r>
+            <a:r>
+              <a:rPr lang="en-US" i="1" dirty="0">
+                <a:latin typeface="Monaco"/>
+                <a:cs typeface="Monaco"/>
+              </a:rPr>
+              <a:t>re-cast</a:t>
+            </a:r>
+            <a:r>
+              <a:rPr lang="en-US" dirty="0">
+                <a:latin typeface="Monaco"/>
+                <a:cs typeface="Monaco"/>
+              </a:rPr>
+              <a:t> the float to a string</a:t>
+            </a:r>
+          </a:p>
+          <a:p>
+            <a:r>
+              <a:rPr lang="en-US" dirty="0">
                 <a:latin typeface="Monaco"/>
                 <a:cs typeface="Monaco"/>
               </a:rPr>
               <a:t>print "The value of pi is" + </a:t>
             </a:r>
             <a:r>
-              <a:rPr lang="en-US" dirty="0" err="1" smtClean="0">
+              <a:rPr lang="en-US" dirty="0" err="1">
                 <a:latin typeface="Monaco"/>
                 <a:cs typeface="Monaco"/>
               </a:rPr>
               <a:t>str</a:t>
             </a:r>
             <a:r>
-              <a:rPr lang="en-US" dirty="0" smtClean="0">
+              <a:rPr lang="en-US" dirty="0">
                 <a:latin typeface="Monaco"/>
                 <a:cs typeface="Monaco"/>
               </a:rPr>
@@ -21861,19 +21911,7 @@
                 <a:latin typeface="Monaco"/>
                 <a:cs typeface="Monaco"/>
               </a:rPr>
-              <a:t>	</a:t>
-            </a:r>
-            <a:r>
-              <a:rPr lang="en-US" dirty="0" smtClean="0">
-                <a:solidFill>
-                  <a:schemeClr val="bg1">
-                    <a:lumMod val="65000"/>
-                  </a:schemeClr>
-                </a:solidFill>
-                <a:latin typeface="Monaco"/>
-                <a:cs typeface="Monaco"/>
-              </a:rPr>
-              <a:t>The value of pi is 3.1415</a:t>
+              <a:t>	The value of pi is 3.1415</a:t>
             </a:r>
           </a:p>
           <a:p>
@@ -21927,23 +21965,7 @@
                 <a:latin typeface="Monaco"/>
                 <a:cs typeface="Monaco"/>
               </a:rPr>
-              <a:t>(pi)  # missing a +</a:t>
-            </a:r>
-          </a:p>
-          <a:p>
-            <a:r>
-              <a:rPr lang="en-US" dirty="0" smtClean="0">
-                <a:latin typeface="Monaco"/>
-                <a:cs typeface="Monaco"/>
-              </a:rPr>
-              <a:t>print "The value of pi is" + pi     # can't join float and </a:t>
-            </a:r>
-            <a:r>
-              <a:rPr lang="en-US" dirty="0" err="1" smtClean="0">
-                <a:latin typeface="Monaco"/>
-                <a:cs typeface="Monaco"/>
-              </a:rPr>
-              <a:t>str</a:t>
+              <a:t>(pi) </a:t>
             </a:r>
             <a:endParaRPr lang="en-US" dirty="0" smtClean="0">
               <a:latin typeface="Monaco"/>
@@ -21956,44 +21978,61 @@
                 <a:latin typeface="Monaco"/>
                 <a:cs typeface="Monaco"/>
               </a:rPr>
-              <a:t>print "The value of pi is" pi       # </a:t>
-            </a:r>
-            <a:r>
-              <a:rPr lang="en-US" dirty="0" err="1" smtClean="0">
-                <a:latin typeface="Monaco"/>
-                <a:cs typeface="Monaco"/>
-              </a:rPr>
-              <a:t>lotsa</a:t>
-            </a:r>
-            <a:r>
-              <a:rPr lang="en-US" dirty="0" smtClean="0">
-                <a:latin typeface="Monaco"/>
-                <a:cs typeface="Monaco"/>
-              </a:rPr>
-              <a:t> problems</a:t>
-            </a:r>
-          </a:p>
-          <a:p>
-            <a:r>
-              <a:rPr lang="en-US" dirty="0" smtClean="0">
-                <a:latin typeface="Monaco"/>
-                <a:cs typeface="Monaco"/>
-              </a:rPr>
-              <a:t>print "The value of pi is pi"       # ok, this works, </a:t>
-            </a:r>
-            <a:r>
-              <a:rPr lang="en-US" dirty="0" err="1" smtClean="0">
-                <a:latin typeface="Monaco"/>
-                <a:cs typeface="Monaco"/>
-              </a:rPr>
-              <a:t>kinda</a:t>
-            </a:r>
-            <a:r>
-              <a:rPr lang="en-US" dirty="0" smtClean="0">
-                <a:latin typeface="Monaco"/>
-                <a:cs typeface="Monaco"/>
-              </a:rPr>
-              <a:t>!</a:t>
+              <a:t>print </a:t>
+            </a:r>
+            <a:r>
+              <a:rPr lang="en-US" dirty="0" smtClean="0">
+                <a:latin typeface="Monaco"/>
+                <a:cs typeface="Monaco"/>
+              </a:rPr>
+              <a:t>"The value of pi is" + pi     </a:t>
+            </a:r>
+            <a:endParaRPr lang="en-US" dirty="0" smtClean="0">
+              <a:latin typeface="Monaco"/>
+              <a:cs typeface="Monaco"/>
+            </a:endParaRPr>
+          </a:p>
+          <a:p>
+            <a:r>
+              <a:rPr lang="en-US" dirty="0" smtClean="0">
+                <a:latin typeface="Monaco"/>
+                <a:cs typeface="Monaco"/>
+              </a:rPr>
+              <a:t>print </a:t>
+            </a:r>
+            <a:r>
+              <a:rPr lang="en-US" dirty="0" smtClean="0">
+                <a:latin typeface="Monaco"/>
+                <a:cs typeface="Monaco"/>
+              </a:rPr>
+              <a:t>"The value of pi is" </a:t>
+            </a:r>
+            <a:r>
+              <a:rPr lang="en-US" dirty="0" smtClean="0">
+                <a:latin typeface="Monaco"/>
+                <a:cs typeface="Monaco"/>
+              </a:rPr>
+              <a:t>pi</a:t>
+            </a:r>
+            <a:endParaRPr lang="en-US" dirty="0" smtClean="0">
+              <a:latin typeface="Monaco"/>
+              <a:cs typeface="Monaco"/>
+            </a:endParaRPr>
+          </a:p>
+          <a:p>
+            <a:r>
+              <a:rPr lang="en-US" dirty="0" smtClean="0">
+                <a:latin typeface="Monaco"/>
+                <a:cs typeface="Monaco"/>
+              </a:rPr>
+              <a:t>print "The value of pi is pi</a:t>
+            </a:r>
+            <a:r>
+              <a:rPr lang="en-US" dirty="0" smtClean="0">
+                <a:latin typeface="Monaco"/>
+                <a:cs typeface="Monaco"/>
+              </a:rPr>
+              <a:t>"</a:t>
             </a:r>
             <a:endParaRPr lang="en-US" dirty="0">
               <a:latin typeface="Monaco"/>
@@ -22016,6 +22055,305 @@
 </file>
 
 <file path=ppt/slides/slide74.xml><?xml version="1.0" encoding="utf-8"?>
+<p:sld xmlns:a="http://schemas.openxmlformats.org/drawingml/2006/main" xmlns:r="http://schemas.openxmlformats.org/officeDocument/2006/relationships" xmlns:p="http://schemas.openxmlformats.org/presentationml/2006/main">
+  <p:cSld>
+    <p:spTree>
+      <p:nvGrpSpPr>
+        <p:cNvPr id="1" name=""/>
+        <p:cNvGrpSpPr/>
+        <p:nvPr/>
+      </p:nvGrpSpPr>
+      <p:grpSpPr>
+        <a:xfrm>
+          <a:off x="0" y="0"/>
+          <a:ext cx="0" cy="0"/>
+          <a:chOff x="0" y="0"/>
+          <a:chExt cx="0" cy="0"/>
+        </a:xfrm>
+      </p:grpSpPr>
+      <p:sp>
+        <p:nvSpPr>
+          <p:cNvPr id="2" name="Title 1"/>
+          <p:cNvSpPr>
+            <a:spLocks noGrp="1"/>
+          </p:cNvSpPr>
+          <p:nvPr>
+            <p:ph type="title"/>
+          </p:nvPr>
+        </p:nvSpPr>
+        <p:spPr/>
+        <p:txBody>
+          <a:bodyPr/>
+          <a:lstStyle/>
+          <a:p>
+            <a:r>
+              <a:rPr lang="en-US" dirty="0" smtClean="0"/>
+              <a:t>A Note on print statements</a:t>
+            </a:r>
+            <a:endParaRPr lang="en-US" dirty="0"/>
+          </a:p>
+        </p:txBody>
+      </p:sp>
+      <p:sp>
+        <p:nvSpPr>
+          <p:cNvPr id="4" name="TextBox 3"/>
+          <p:cNvSpPr txBox="1"/>
+          <p:nvPr/>
+        </p:nvSpPr>
+        <p:spPr>
+          <a:xfrm>
+            <a:off x="146194" y="1661364"/>
+            <a:ext cx="8735113" cy="4247317"/>
+          </a:xfrm>
+          <a:prstGeom prst="rect">
+            <a:avLst/>
+          </a:prstGeom>
+          <a:noFill/>
+        </p:spPr>
+        <p:txBody>
+          <a:bodyPr wrap="square" rtlCol="0">
+            <a:spAutoFit/>
+          </a:bodyPr>
+          <a:lstStyle/>
+          <a:p>
+            <a:r>
+              <a:rPr lang="en-US" dirty="0">
+                <a:latin typeface="Monaco"/>
+                <a:cs typeface="Monaco"/>
+              </a:rPr>
+              <a:t>pi = 3.1415</a:t>
+            </a:r>
+          </a:p>
+          <a:p>
+            <a:endParaRPr lang="en-US" dirty="0">
+              <a:latin typeface="Monaco"/>
+              <a:cs typeface="Monaco"/>
+            </a:endParaRPr>
+          </a:p>
+          <a:p>
+            <a:r>
+              <a:rPr lang="en-US" dirty="0">
+                <a:latin typeface="Monaco"/>
+                <a:cs typeface="Monaco"/>
+              </a:rPr>
+              <a:t>print pi</a:t>
+            </a:r>
+          </a:p>
+          <a:p>
+            <a:r>
+              <a:rPr lang="en-US" dirty="0">
+                <a:latin typeface="Monaco"/>
+                <a:cs typeface="Monaco"/>
+              </a:rPr>
+              <a:t>	3.1415</a:t>
+            </a:r>
+          </a:p>
+          <a:p>
+            <a:endParaRPr lang="en-US" dirty="0">
+              <a:latin typeface="Monaco"/>
+              <a:cs typeface="Monaco"/>
+            </a:endParaRPr>
+          </a:p>
+          <a:p>
+            <a:r>
+              <a:rPr lang="en-US" dirty="0">
+                <a:latin typeface="Monaco"/>
+                <a:cs typeface="Monaco"/>
+              </a:rPr>
+              <a:t># To print a string and a float, </a:t>
+            </a:r>
+            <a:r>
+              <a:rPr lang="en-US" i="1" dirty="0">
+                <a:latin typeface="Monaco"/>
+                <a:cs typeface="Monaco"/>
+              </a:rPr>
+              <a:t>re-cast</a:t>
+            </a:r>
+            <a:r>
+              <a:rPr lang="en-US" dirty="0">
+                <a:latin typeface="Monaco"/>
+                <a:cs typeface="Monaco"/>
+              </a:rPr>
+              <a:t> the float to a string</a:t>
+            </a:r>
+          </a:p>
+          <a:p>
+            <a:r>
+              <a:rPr lang="en-US" dirty="0">
+                <a:latin typeface="Monaco"/>
+                <a:cs typeface="Monaco"/>
+              </a:rPr>
+              <a:t>print "The value of pi is" + </a:t>
+            </a:r>
+            <a:r>
+              <a:rPr lang="en-US" dirty="0" err="1">
+                <a:latin typeface="Monaco"/>
+                <a:cs typeface="Monaco"/>
+              </a:rPr>
+              <a:t>str</a:t>
+            </a:r>
+            <a:r>
+              <a:rPr lang="en-US" dirty="0">
+                <a:latin typeface="Monaco"/>
+                <a:cs typeface="Monaco"/>
+              </a:rPr>
+              <a:t>(pi)</a:t>
+            </a:r>
+          </a:p>
+          <a:p>
+            <a:r>
+              <a:rPr lang="en-US" dirty="0">
+                <a:solidFill>
+                  <a:schemeClr val="bg1">
+                    <a:lumMod val="65000"/>
+                  </a:schemeClr>
+                </a:solidFill>
+                <a:latin typeface="Monaco"/>
+                <a:cs typeface="Monaco"/>
+              </a:rPr>
+              <a:t>	The value of pi is 3.1415</a:t>
+            </a:r>
+          </a:p>
+          <a:p>
+            <a:endParaRPr lang="en-US" dirty="0" smtClean="0">
+              <a:solidFill>
+                <a:schemeClr val="bg1">
+                  <a:lumMod val="65000"/>
+                </a:schemeClr>
+              </a:solidFill>
+              <a:latin typeface="Monaco"/>
+              <a:cs typeface="Monaco"/>
+            </a:endParaRPr>
+          </a:p>
+          <a:p>
+            <a:endParaRPr lang="en-US" dirty="0">
+              <a:solidFill>
+                <a:schemeClr val="bg1">
+                  <a:lumMod val="65000"/>
+                </a:schemeClr>
+              </a:solidFill>
+              <a:latin typeface="Monaco"/>
+              <a:cs typeface="Monaco"/>
+            </a:endParaRPr>
+          </a:p>
+          <a:p>
+            <a:r>
+              <a:rPr lang="en-US" dirty="0" smtClean="0">
+                <a:latin typeface="Monaco"/>
+                <a:cs typeface="Monaco"/>
+              </a:rPr>
+              <a:t># Print statements that won't work:</a:t>
+            </a:r>
+          </a:p>
+          <a:p>
+            <a:r>
+              <a:rPr lang="en-US" dirty="0" smtClean="0">
+                <a:latin typeface="Monaco"/>
+                <a:cs typeface="Monaco"/>
+              </a:rPr>
+              <a:t>print "The value of pi is" </a:t>
+            </a:r>
+            <a:r>
+              <a:rPr lang="en-US" dirty="0" err="1" smtClean="0">
+                <a:latin typeface="Monaco"/>
+                <a:cs typeface="Monaco"/>
+              </a:rPr>
+              <a:t>str</a:t>
+            </a:r>
+            <a:r>
+              <a:rPr lang="en-US" dirty="0" smtClean="0">
+                <a:latin typeface="Monaco"/>
+                <a:cs typeface="Monaco"/>
+              </a:rPr>
+              <a:t>(pi)  # missing a +</a:t>
+            </a:r>
+          </a:p>
+          <a:p>
+            <a:r>
+              <a:rPr lang="en-US" dirty="0" smtClean="0">
+                <a:latin typeface="Monaco"/>
+                <a:cs typeface="Monaco"/>
+              </a:rPr>
+              <a:t>print "The value of pi is" + pi     # can't join float and </a:t>
+            </a:r>
+            <a:r>
+              <a:rPr lang="en-US" dirty="0" err="1" smtClean="0">
+                <a:latin typeface="Monaco"/>
+                <a:cs typeface="Monaco"/>
+              </a:rPr>
+              <a:t>str</a:t>
+            </a:r>
+            <a:endParaRPr lang="en-US" dirty="0" smtClean="0">
+              <a:latin typeface="Monaco"/>
+              <a:cs typeface="Monaco"/>
+            </a:endParaRPr>
+          </a:p>
+          <a:p>
+            <a:r>
+              <a:rPr lang="en-US" dirty="0" smtClean="0">
+                <a:latin typeface="Monaco"/>
+                <a:cs typeface="Monaco"/>
+              </a:rPr>
+              <a:t>print "The value of pi is" pi       # </a:t>
+            </a:r>
+            <a:r>
+              <a:rPr lang="en-US" dirty="0" err="1" smtClean="0">
+                <a:latin typeface="Monaco"/>
+                <a:cs typeface="Monaco"/>
+              </a:rPr>
+              <a:t>lotsa</a:t>
+            </a:r>
+            <a:r>
+              <a:rPr lang="en-US" dirty="0" smtClean="0">
+                <a:latin typeface="Monaco"/>
+                <a:cs typeface="Monaco"/>
+              </a:rPr>
+              <a:t> problems</a:t>
+            </a:r>
+          </a:p>
+          <a:p>
+            <a:r>
+              <a:rPr lang="en-US" dirty="0" smtClean="0">
+                <a:latin typeface="Monaco"/>
+                <a:cs typeface="Monaco"/>
+              </a:rPr>
+              <a:t>print "The value of pi is pi"       # ok, this works, </a:t>
+            </a:r>
+            <a:r>
+              <a:rPr lang="en-US" dirty="0" err="1" smtClean="0">
+                <a:latin typeface="Monaco"/>
+                <a:cs typeface="Monaco"/>
+              </a:rPr>
+              <a:t>kinda</a:t>
+            </a:r>
+            <a:r>
+              <a:rPr lang="en-US" dirty="0" smtClean="0">
+                <a:latin typeface="Monaco"/>
+                <a:cs typeface="Monaco"/>
+              </a:rPr>
+              <a:t>!</a:t>
+            </a:r>
+            <a:endParaRPr lang="en-US" dirty="0">
+              <a:latin typeface="Monaco"/>
+              <a:cs typeface="Monaco"/>
+            </a:endParaRPr>
+          </a:p>
+        </p:txBody>
+      </p:sp>
+    </p:spTree>
+    <p:extLst>
+      <p:ext uri="{BB962C8B-B14F-4D97-AF65-F5344CB8AC3E}">
+        <p14:creationId xmlns:p14="http://schemas.microsoft.com/office/powerpoint/2010/main" val="1055048309"/>
+      </p:ext>
+    </p:extLst>
+  </p:cSld>
+  <p:clrMapOvr>
+    <a:masterClrMapping/>
+  </p:clrMapOvr>
+</p:sld>
+</file>
+
+<file path=ppt/slides/slide75.xml><?xml version="1.0" encoding="utf-8"?>
 <p:sld xmlns:a="http://schemas.openxmlformats.org/drawingml/2006/main" xmlns:r="http://schemas.openxmlformats.org/officeDocument/2006/relationships" xmlns:p="http://schemas.openxmlformats.org/presentationml/2006/main">
   <p:cSld>
     <p:spTree>

--- a/slides/day1_slides.pptx
+++ b/slides/day1_slides.pptx
@@ -5,7 +5,7 @@
     <p:sldMasterId id="2147483660" r:id="rId1"/>
   </p:sldMasterIdLst>
   <p:notesMasterIdLst>
-    <p:notesMasterId r:id="rId77"/>
+    <p:notesMasterId r:id="rId78"/>
   </p:notesMasterIdLst>
   <p:sldIdLst>
     <p:sldId id="256" r:id="rId2"/>
@@ -83,6 +83,7 @@
     <p:sldId id="334" r:id="rId74"/>
     <p:sldId id="341" r:id="rId75"/>
     <p:sldId id="336" r:id="rId76"/>
+    <p:sldId id="342" r:id="rId77"/>
   </p:sldIdLst>
   <p:sldSz cx="9144000" cy="6858000" type="screen4x3"/>
   <p:notesSz cx="6858000" cy="9144000"/>
@@ -8011,13 +8012,7 @@
               <a:rPr lang="en-US" dirty="0" smtClean="0">
                 <a:sym typeface="Wingdings"/>
               </a:rPr>
-              <a:t> perform </a:t>
-            </a:r>
-            <a:r>
-              <a:rPr lang="en-US" dirty="0" smtClean="0">
-                <a:sym typeface="Wingdings"/>
-              </a:rPr>
-              <a:t>an object-specific action</a:t>
+              <a:t> perform an object-specific action</a:t>
             </a:r>
             <a:endParaRPr lang="en-US" dirty="0" smtClean="0"/>
           </a:p>
@@ -8038,13 +8033,7 @@
               <a:rPr lang="en-US" dirty="0" smtClean="0">
                 <a:sym typeface="Wingdings"/>
               </a:rPr>
-              <a:t> see an aspect of the </a:t>
-            </a:r>
-            <a:r>
-              <a:rPr lang="en-US" dirty="0" smtClean="0">
-                <a:sym typeface="Wingdings"/>
-              </a:rPr>
-              <a:t>object</a:t>
+              <a:t> see an aspect of the object</a:t>
             </a:r>
           </a:p>
           <a:p>
@@ -21270,19 +21259,8 @@
                 <a:latin typeface="Monaco"/>
                 <a:cs typeface="Monaco"/>
               </a:rPr>
-              <a:t>(s</a:t>
-            </a:r>
-            <a:r>
-              <a:rPr lang="en-US" dirty="0" smtClean="0">
-                <a:latin typeface="Monaco"/>
-                <a:cs typeface="Monaco"/>
-              </a:rPr>
-              <a:t>)  # number of characters</a:t>
-            </a:r>
-            <a:endParaRPr lang="en-US" dirty="0" smtClean="0">
-              <a:latin typeface="Monaco"/>
-              <a:cs typeface="Monaco"/>
-            </a:endParaRPr>
+              <a:t>(s)  # number of characters</a:t>
+            </a:r>
           </a:p>
           <a:p>
             <a:r>
@@ -21322,19 +21300,8 @@
                 <a:latin typeface="Monaco"/>
                 <a:cs typeface="Monaco"/>
               </a:rPr>
-              <a:t>d = ["p", "y", "t", "</a:t>
-            </a:r>
-            <a:r>
-              <a:rPr lang="en-US" dirty="0" smtClean="0">
-                <a:latin typeface="Monaco"/>
-                <a:cs typeface="Monaco"/>
-              </a:rPr>
-              <a:t>h", "o", "n"]</a:t>
-            </a:r>
-            <a:endParaRPr lang="en-US" dirty="0" smtClean="0">
-              <a:latin typeface="Monaco"/>
-              <a:cs typeface="Monaco"/>
-            </a:endParaRPr>
+              <a:t>d = ["p", "y", "t", "h", "o", "n"]</a:t>
+            </a:r>
           </a:p>
           <a:p>
             <a:r>
@@ -21356,19 +21323,8 @@
                 <a:latin typeface="Monaco"/>
                 <a:cs typeface="Monaco"/>
               </a:rPr>
-              <a:t>(d</a:t>
-            </a:r>
-            <a:r>
-              <a:rPr lang="en-US" dirty="0" smtClean="0">
-                <a:latin typeface="Monaco"/>
-                <a:cs typeface="Monaco"/>
-              </a:rPr>
-              <a:t>)  # number of items</a:t>
-            </a:r>
-            <a:endParaRPr lang="en-US" dirty="0" smtClean="0">
-              <a:latin typeface="Monaco"/>
-              <a:cs typeface="Monaco"/>
-            </a:endParaRPr>
+              <a:t>(d)  # number of items</a:t>
+            </a:r>
           </a:p>
           <a:p>
             <a:r>
@@ -21379,25 +21335,8 @@
                 <a:latin typeface="Monaco"/>
                 <a:cs typeface="Monaco"/>
               </a:rPr>
-              <a:t>	</a:t>
-            </a:r>
-            <a:r>
-              <a:rPr lang="en-US" dirty="0" smtClean="0">
-                <a:solidFill>
-                  <a:srgbClr val="A6A6A6"/>
-                </a:solidFill>
-                <a:latin typeface="Monaco"/>
-                <a:cs typeface="Monaco"/>
-              </a:rPr>
-              <a:t>6</a:t>
-            </a:r>
-            <a:endParaRPr lang="en-US" dirty="0" smtClean="0">
-              <a:solidFill>
-                <a:srgbClr val="A6A6A6"/>
-              </a:solidFill>
-              <a:latin typeface="Monaco"/>
-              <a:cs typeface="Monaco"/>
-            </a:endParaRPr>
+              <a:t>	6</a:t>
+            </a:r>
           </a:p>
           <a:p>
             <a:endParaRPr lang="en-US" dirty="0" smtClean="0">
@@ -21603,14 +21542,7 @@
                 <a:latin typeface="Monaco"/>
                 <a:cs typeface="Monaco"/>
               </a:rPr>
-              <a:t>print </a:t>
-            </a:r>
-            <a:r>
-              <a:rPr lang="en-US" dirty="0" smtClean="0">
-                <a:latin typeface="Monaco"/>
-                <a:cs typeface="Monaco"/>
-              </a:rPr>
-              <a:t>pi</a:t>
+              <a:t>print pi</a:t>
             </a:r>
           </a:p>
           <a:p>
@@ -21648,26 +21580,8 @@
                 <a:latin typeface="Monaco"/>
                 <a:cs typeface="Monaco"/>
               </a:rPr>
-              <a:t> </a:t>
-            </a:r>
-            <a:r>
-              <a:rPr lang="en-US" dirty="0" smtClean="0">
-                <a:latin typeface="Monaco"/>
-                <a:cs typeface="Monaco"/>
-              </a:rPr>
-              <a:t>the float to a </a:t>
-            </a:r>
-            <a:r>
-              <a:rPr lang="en-US" dirty="0" smtClean="0">
-                <a:latin typeface="Monaco"/>
-                <a:cs typeface="Monaco"/>
-              </a:rPr>
-              <a:t>string</a:t>
-            </a:r>
-            <a:endParaRPr lang="en-US" dirty="0" smtClean="0">
-              <a:latin typeface="Monaco"/>
-              <a:cs typeface="Monaco"/>
-            </a:endParaRPr>
+              <a:t> the float to a string</a:t>
+            </a:r>
           </a:p>
           <a:p>
             <a:r>
@@ -21715,29 +21629,8 @@
                 <a:latin typeface="Monaco"/>
                 <a:cs typeface="Monaco"/>
               </a:rPr>
-              <a:t>The value of pi is </a:t>
-            </a:r>
-            <a:r>
-              <a:rPr lang="en-US" dirty="0" smtClean="0">
-                <a:solidFill>
-                  <a:schemeClr val="bg1">
-                    <a:lumMod val="65000"/>
-                  </a:schemeClr>
-                </a:solidFill>
-                <a:latin typeface="Monaco"/>
-                <a:cs typeface="Monaco"/>
-              </a:rPr>
-              <a:t>3.1415</a:t>
-            </a:r>
-            <a:endParaRPr lang="en-US" dirty="0" smtClean="0">
-              <a:solidFill>
-                <a:schemeClr val="bg1">
-                  <a:lumMod val="65000"/>
-                </a:schemeClr>
-              </a:solidFill>
-              <a:latin typeface="Monaco"/>
-              <a:cs typeface="Monaco"/>
-            </a:endParaRPr>
+              <a:t>The value of pi is 3.1415</a:t>
+            </a:r>
           </a:p>
         </p:txBody>
       </p:sp>
@@ -21967,72 +21860,32 @@
               </a:rPr>
               <a:t>(pi) </a:t>
             </a:r>
-            <a:endParaRPr lang="en-US" dirty="0" smtClean="0">
-              <a:latin typeface="Monaco"/>
-              <a:cs typeface="Monaco"/>
-            </a:endParaRPr>
-          </a:p>
-          <a:p>
-            <a:r>
-              <a:rPr lang="en-US" dirty="0" smtClean="0">
-                <a:latin typeface="Monaco"/>
-                <a:cs typeface="Monaco"/>
-              </a:rPr>
-              <a:t>print </a:t>
-            </a:r>
-            <a:r>
-              <a:rPr lang="en-US" dirty="0" smtClean="0">
-                <a:latin typeface="Monaco"/>
-                <a:cs typeface="Monaco"/>
-              </a:rPr>
-              <a:t>"The value of pi is" + pi     </a:t>
-            </a:r>
-            <a:endParaRPr lang="en-US" dirty="0" smtClean="0">
-              <a:latin typeface="Monaco"/>
-              <a:cs typeface="Monaco"/>
-            </a:endParaRPr>
-          </a:p>
-          <a:p>
-            <a:r>
-              <a:rPr lang="en-US" dirty="0" smtClean="0">
-                <a:latin typeface="Monaco"/>
-                <a:cs typeface="Monaco"/>
-              </a:rPr>
-              <a:t>print </a:t>
-            </a:r>
-            <a:r>
-              <a:rPr lang="en-US" dirty="0" smtClean="0">
-                <a:latin typeface="Monaco"/>
-                <a:cs typeface="Monaco"/>
-              </a:rPr>
-              <a:t>"The value of pi is" </a:t>
-            </a:r>
-            <a:r>
-              <a:rPr lang="en-US" dirty="0" smtClean="0">
-                <a:latin typeface="Monaco"/>
-                <a:cs typeface="Monaco"/>
-              </a:rPr>
-              <a:t>pi</a:t>
-            </a:r>
-            <a:endParaRPr lang="en-US" dirty="0" smtClean="0">
-              <a:latin typeface="Monaco"/>
-              <a:cs typeface="Monaco"/>
-            </a:endParaRPr>
-          </a:p>
-          <a:p>
-            <a:r>
-              <a:rPr lang="en-US" dirty="0" smtClean="0">
-                <a:latin typeface="Monaco"/>
-                <a:cs typeface="Monaco"/>
-              </a:rPr>
-              <a:t>print "The value of pi is pi</a:t>
-            </a:r>
-            <a:r>
-              <a:rPr lang="en-US" dirty="0" smtClean="0">
-                <a:latin typeface="Monaco"/>
-                <a:cs typeface="Monaco"/>
-              </a:rPr>
-              <a:t>"</a:t>
+          </a:p>
+          <a:p>
+            <a:r>
+              <a:rPr lang="en-US" dirty="0" smtClean="0">
+                <a:latin typeface="Monaco"/>
+                <a:cs typeface="Monaco"/>
+              </a:rPr>
+              <a:t>print "The value of pi is" + pi     </a:t>
+            </a:r>
+          </a:p>
+          <a:p>
+            <a:r>
+              <a:rPr lang="en-US" dirty="0" smtClean="0">
+                <a:latin typeface="Monaco"/>
+                <a:cs typeface="Monaco"/>
+              </a:rPr>
+              <a:t>print "The value of pi is" pi</a:t>
+            </a:r>
+          </a:p>
+          <a:p>
+            <a:r>
+              <a:rPr lang="en-US" dirty="0" smtClean="0">
+                <a:latin typeface="Monaco"/>
+                <a:cs typeface="Monaco"/>
+              </a:rPr>
+              <a:t>print "The value of pi is pi"</a:t>
             </a:r>
             <a:endParaRPr lang="en-US" dirty="0">
               <a:latin typeface="Monaco"/>
@@ -22663,6 +22516,64 @@
     <p:extLst>
       <p:ext uri="{BB962C8B-B14F-4D97-AF65-F5344CB8AC3E}">
         <p14:creationId xmlns:p14="http://schemas.microsoft.com/office/powerpoint/2010/main" val="2800269948"/>
+      </p:ext>
+    </p:extLst>
+  </p:cSld>
+  <p:clrMapOvr>
+    <a:masterClrMapping/>
+  </p:clrMapOvr>
+</p:sld>
+</file>
+
+<file path=ppt/slides/slide76.xml><?xml version="1.0" encoding="utf-8"?>
+<p:sld xmlns:a="http://schemas.openxmlformats.org/drawingml/2006/main" xmlns:r="http://schemas.openxmlformats.org/officeDocument/2006/relationships" xmlns:p="http://schemas.openxmlformats.org/presentationml/2006/main">
+  <p:cSld>
+    <p:spTree>
+      <p:nvGrpSpPr>
+        <p:cNvPr id="1" name=""/>
+        <p:cNvGrpSpPr/>
+        <p:nvPr/>
+      </p:nvGrpSpPr>
+      <p:grpSpPr>
+        <a:xfrm>
+          <a:off x="0" y="0"/>
+          <a:ext cx="0" cy="0"/>
+          <a:chOff x="0" y="0"/>
+          <a:chExt cx="0" cy="0"/>
+        </a:xfrm>
+      </p:grpSpPr>
+      <p:sp>
+        <p:nvSpPr>
+          <p:cNvPr id="2" name="Title 1"/>
+          <p:cNvSpPr>
+            <a:spLocks noGrp="1"/>
+          </p:cNvSpPr>
+          <p:nvPr>
+            <p:ph type="title"/>
+          </p:nvPr>
+        </p:nvSpPr>
+        <p:spPr>
+          <a:xfrm>
+            <a:off x="2230714" y="3087537"/>
+            <a:ext cx="4688183" cy="692215"/>
+          </a:xfrm>
+        </p:spPr>
+        <p:txBody>
+          <a:bodyPr/>
+          <a:lstStyle/>
+          <a:p>
+            <a:r>
+              <a:rPr lang="en-US" dirty="0" smtClean="0"/>
+              <a:t>exercise break</a:t>
+            </a:r>
+            <a:endParaRPr lang="en-US" dirty="0"/>
+          </a:p>
+        </p:txBody>
+      </p:sp>
+    </p:spTree>
+    <p:extLst>
+      <p:ext uri="{BB962C8B-B14F-4D97-AF65-F5344CB8AC3E}">
+        <p14:creationId xmlns:p14="http://schemas.microsoft.com/office/powerpoint/2010/main" val="4207585177"/>
       </p:ext>
     </p:extLst>
   </p:cSld>

--- a/slides/day1_slides.pptx
+++ b/slides/day1_slides.pptx
@@ -267,7 +267,7 @@
           <a:p>
             <a:fld id="{F833E4A7-8C8F-0444-B05A-6DE0ED7B35B0}" type="datetimeFigureOut">
               <a:rPr lang="en-US" smtClean="0"/>
-              <a:t>5/15/15</a:t>
+              <a:t>5/17/15</a:t>
             </a:fld>
             <a:endParaRPr lang="en-US"/>
           </a:p>
@@ -1196,7 +1196,7 @@
           <a:p>
             <a:fld id="{CAF647BD-C221-1844-9ED2-A7F7759EF665}" type="datetimeFigureOut">
               <a:rPr lang="en-US" smtClean="0"/>
-              <a:t>5/15/15</a:t>
+              <a:t>5/17/15</a:t>
             </a:fld>
             <a:endParaRPr lang="en-US"/>
           </a:p>
@@ -1461,7 +1461,7 @@
           <a:p>
             <a:fld id="{CAF647BD-C221-1844-9ED2-A7F7759EF665}" type="datetimeFigureOut">
               <a:rPr lang="en-US" smtClean="0"/>
-              <a:t>5/15/15</a:t>
+              <a:t>5/17/15</a:t>
             </a:fld>
             <a:endParaRPr lang="en-US"/>
           </a:p>
@@ -1636,7 +1636,7 @@
           <a:p>
             <a:fld id="{CAF647BD-C221-1844-9ED2-A7F7759EF665}" type="datetimeFigureOut">
               <a:rPr lang="en-US" smtClean="0"/>
-              <a:t>5/15/15</a:t>
+              <a:t>5/17/15</a:t>
             </a:fld>
             <a:endParaRPr lang="en-US"/>
           </a:p>
@@ -1801,7 +1801,7 @@
           <a:p>
             <a:fld id="{CAF647BD-C221-1844-9ED2-A7F7759EF665}" type="datetimeFigureOut">
               <a:rPr lang="en-US" smtClean="0"/>
-              <a:t>5/15/15</a:t>
+              <a:t>5/17/15</a:t>
             </a:fld>
             <a:endParaRPr lang="en-US"/>
           </a:p>
@@ -2050,7 +2050,7 @@
           <a:p>
             <a:fld id="{CAF647BD-C221-1844-9ED2-A7F7759EF665}" type="datetimeFigureOut">
               <a:rPr lang="en-US" smtClean="0"/>
-              <a:t>5/15/15</a:t>
+              <a:t>5/17/15</a:t>
             </a:fld>
             <a:endParaRPr lang="en-US"/>
           </a:p>
@@ -2333,7 +2333,7 @@
           <a:p>
             <a:fld id="{CAF647BD-C221-1844-9ED2-A7F7759EF665}" type="datetimeFigureOut">
               <a:rPr lang="en-US" smtClean="0"/>
-              <a:t>5/15/15</a:t>
+              <a:t>5/17/15</a:t>
             </a:fld>
             <a:endParaRPr lang="en-US"/>
           </a:p>
@@ -2772,7 +2772,7 @@
           <a:p>
             <a:fld id="{CAF647BD-C221-1844-9ED2-A7F7759EF665}" type="datetimeFigureOut">
               <a:rPr lang="en-US" smtClean="0"/>
-              <a:t>5/15/15</a:t>
+              <a:t>5/17/15</a:t>
             </a:fld>
             <a:endParaRPr lang="en-US"/>
           </a:p>
@@ -2885,7 +2885,7 @@
           <a:p>
             <a:fld id="{CAF647BD-C221-1844-9ED2-A7F7759EF665}" type="datetimeFigureOut">
               <a:rPr lang="en-US" smtClean="0"/>
-              <a:t>5/15/15</a:t>
+              <a:t>5/17/15</a:t>
             </a:fld>
             <a:endParaRPr lang="en-US"/>
           </a:p>
@@ -2975,7 +2975,7 @@
           <a:p>
             <a:fld id="{CAF647BD-C221-1844-9ED2-A7F7759EF665}" type="datetimeFigureOut">
               <a:rPr lang="en-US" smtClean="0"/>
-              <a:t>5/15/15</a:t>
+              <a:t>5/17/15</a:t>
             </a:fld>
             <a:endParaRPr lang="en-US"/>
           </a:p>
@@ -3217,7 +3217,7 @@
           <a:p>
             <a:fld id="{CAF647BD-C221-1844-9ED2-A7F7759EF665}" type="datetimeFigureOut">
               <a:rPr lang="en-US" smtClean="0"/>
-              <a:t>5/15/15</a:t>
+              <a:t>5/17/15</a:t>
             </a:fld>
             <a:endParaRPr lang="en-US"/>
           </a:p>
@@ -3511,7 +3511,7 @@
           <a:p>
             <a:fld id="{CAF647BD-C221-1844-9ED2-A7F7759EF665}" type="datetimeFigureOut">
               <a:rPr lang="en-US" smtClean="0"/>
-              <a:t>5/15/15</a:t>
+              <a:t>5/17/15</a:t>
             </a:fld>
             <a:endParaRPr lang="en-US"/>
           </a:p>
@@ -3805,7 +3805,7 @@
           <a:p>
             <a:fld id="{CAF647BD-C221-1844-9ED2-A7F7759EF665}" type="datetimeFigureOut">
               <a:rPr lang="en-US" smtClean="0"/>
-              <a:t>5/15/15</a:t>
+              <a:t>5/17/15</a:t>
             </a:fld>
             <a:endParaRPr lang="en-US"/>
           </a:p>
@@ -4315,7 +4315,7 @@
       </p:sp>
       <p:sp>
         <p:nvSpPr>
-          <p:cNvPr id="3" name="Subtitle 2"/>
+          <p:cNvPr id="5" name="Subtitle 2"/>
           <p:cNvSpPr>
             <a:spLocks noGrp="1"/>
           </p:cNvSpPr>
@@ -4323,24 +4323,60 @@
             <p:ph type="subTitle" idx="1"/>
           </p:nvPr>
         </p:nvSpPr>
-        <p:spPr/>
+        <p:spPr>
+          <a:xfrm>
+            <a:off x="457199" y="4800599"/>
+            <a:ext cx="8491415" cy="1578709"/>
+          </a:xfrm>
+        </p:spPr>
         <p:txBody>
           <a:bodyPr>
-            <a:normAutofit fontScale="62500" lnSpcReduction="20000"/>
+            <a:normAutofit fontScale="55000" lnSpcReduction="20000"/>
           </a:bodyPr>
           <a:lstStyle/>
           <a:p>
             <a:r>
               <a:rPr lang="en-US" dirty="0" smtClean="0"/>
-              <a:t>Stephanie Spielman</a:t>
-            </a:r>
-          </a:p>
-          <a:p>
+              <a:t>Stephanie </a:t>
+            </a:r>
             <a:r>
               <a:rPr lang="en-US" dirty="0" smtClean="0"/>
-              <a:t>UT CCBB Big data in biology summer school, 2015</a:t>
-            </a:r>
-            <a:endParaRPr lang="en-US" dirty="0"/>
+              <a:t>Spielman</a:t>
+            </a:r>
+          </a:p>
+          <a:p>
+            <a:endParaRPr lang="en-US" dirty="0" smtClean="0"/>
+          </a:p>
+          <a:p>
+            <a:r>
+              <a:rPr lang="en-US" dirty="0" smtClean="0"/>
+              <a:t>Big </a:t>
+            </a:r>
+            <a:r>
+              <a:rPr lang="en-US" dirty="0" smtClean="0"/>
+              <a:t>data in biology summer school, </a:t>
+            </a:r>
+            <a:r>
+              <a:rPr lang="en-US" dirty="0" smtClean="0"/>
+              <a:t>2015</a:t>
+            </a:r>
+          </a:p>
+          <a:p>
+            <a:r>
+              <a:rPr lang="en-US" dirty="0"/>
+              <a:t>Center for computational biology and bioinformatics </a:t>
+            </a:r>
+          </a:p>
+          <a:p>
+            <a:r>
+              <a:rPr lang="en-US" dirty="0" smtClean="0"/>
+              <a:t>University of Texas at </a:t>
+            </a:r>
+            <a:r>
+              <a:rPr lang="en-US" dirty="0" err="1" smtClean="0"/>
+              <a:t>austin</a:t>
+            </a:r>
+            <a:endParaRPr lang="en-US" dirty="0" smtClean="0"/>
           </a:p>
         </p:txBody>
       </p:sp>

--- a/slides/day1_slides.pptx
+++ b/slides/day1_slides.pptx
@@ -4337,28 +4337,16 @@
           <a:p>
             <a:r>
               <a:rPr lang="en-US" dirty="0" smtClean="0"/>
-              <a:t>Stephanie </a:t>
-            </a:r>
+              <a:t>Stephanie Spielman</a:t>
+            </a:r>
+          </a:p>
+          <a:p>
+            <a:endParaRPr lang="en-US" dirty="0" smtClean="0"/>
+          </a:p>
+          <a:p>
             <a:r>
               <a:rPr lang="en-US" dirty="0" smtClean="0"/>
-              <a:t>Spielman</a:t>
-            </a:r>
-          </a:p>
-          <a:p>
-            <a:endParaRPr lang="en-US" dirty="0" smtClean="0"/>
-          </a:p>
-          <a:p>
-            <a:r>
-              <a:rPr lang="en-US" dirty="0" smtClean="0"/>
-              <a:t>Big </a:t>
-            </a:r>
-            <a:r>
-              <a:rPr lang="en-US" dirty="0" smtClean="0"/>
-              <a:t>data in biology summer school, </a:t>
-            </a:r>
-            <a:r>
-              <a:rPr lang="en-US" dirty="0" smtClean="0"/>
-              <a:t>2015</a:t>
+              <a:t>Big data in biology summer school, 2015</a:t>
             </a:r>
           </a:p>
           <a:p>
@@ -7161,15 +7149,17 @@
             <a:pPr marL="914400" lvl="1" indent="-457200"/>
             <a:r>
               <a:rPr lang="en-US" sz="2200" dirty="0" smtClean="0"/>
-              <a:t>More file input/output</a:t>
-            </a:r>
+              <a:t>Handling sequence data</a:t>
+            </a:r>
+            <a:endParaRPr lang="en-US" sz="2200" dirty="0" smtClean="0"/>
           </a:p>
           <a:p>
             <a:pPr marL="914400" lvl="1" indent="-457200"/>
             <a:r>
-              <a:rPr lang="en-US" sz="2200" dirty="0" smtClean="0"/>
-              <a:t>Text handling and regular expressions</a:t>
-            </a:r>
+              <a:rPr lang="en-US" sz="2200" smtClean="0"/>
+              <a:t>Scripting</a:t>
+            </a:r>
+            <a:endParaRPr lang="en-US" sz="2200" dirty="0" smtClean="0"/>
           </a:p>
         </p:txBody>
       </p:sp>

--- a/slides/day1_slides.pptx
+++ b/slides/day1_slides.pptx
@@ -267,7 +267,7 @@
           <a:p>
             <a:fld id="{F833E4A7-8C8F-0444-B05A-6DE0ED7B35B0}" type="datetimeFigureOut">
               <a:rPr lang="en-US" smtClean="0"/>
-              <a:t>5/17/15</a:t>
+              <a:t>5/18/15</a:t>
             </a:fld>
             <a:endParaRPr lang="en-US"/>
           </a:p>
@@ -1196,7 +1196,7 @@
           <a:p>
             <a:fld id="{CAF647BD-C221-1844-9ED2-A7F7759EF665}" type="datetimeFigureOut">
               <a:rPr lang="en-US" smtClean="0"/>
-              <a:t>5/17/15</a:t>
+              <a:t>5/18/15</a:t>
             </a:fld>
             <a:endParaRPr lang="en-US"/>
           </a:p>
@@ -1461,7 +1461,7 @@
           <a:p>
             <a:fld id="{CAF647BD-C221-1844-9ED2-A7F7759EF665}" type="datetimeFigureOut">
               <a:rPr lang="en-US" smtClean="0"/>
-              <a:t>5/17/15</a:t>
+              <a:t>5/18/15</a:t>
             </a:fld>
             <a:endParaRPr lang="en-US"/>
           </a:p>
@@ -1636,7 +1636,7 @@
           <a:p>
             <a:fld id="{CAF647BD-C221-1844-9ED2-A7F7759EF665}" type="datetimeFigureOut">
               <a:rPr lang="en-US" smtClean="0"/>
-              <a:t>5/17/15</a:t>
+              <a:t>5/18/15</a:t>
             </a:fld>
             <a:endParaRPr lang="en-US"/>
           </a:p>
@@ -1801,7 +1801,7 @@
           <a:p>
             <a:fld id="{CAF647BD-C221-1844-9ED2-A7F7759EF665}" type="datetimeFigureOut">
               <a:rPr lang="en-US" smtClean="0"/>
-              <a:t>5/17/15</a:t>
+              <a:t>5/18/15</a:t>
             </a:fld>
             <a:endParaRPr lang="en-US"/>
           </a:p>
@@ -2050,7 +2050,7 @@
           <a:p>
             <a:fld id="{CAF647BD-C221-1844-9ED2-A7F7759EF665}" type="datetimeFigureOut">
               <a:rPr lang="en-US" smtClean="0"/>
-              <a:t>5/17/15</a:t>
+              <a:t>5/18/15</a:t>
             </a:fld>
             <a:endParaRPr lang="en-US"/>
           </a:p>
@@ -2333,7 +2333,7 @@
           <a:p>
             <a:fld id="{CAF647BD-C221-1844-9ED2-A7F7759EF665}" type="datetimeFigureOut">
               <a:rPr lang="en-US" smtClean="0"/>
-              <a:t>5/17/15</a:t>
+              <a:t>5/18/15</a:t>
             </a:fld>
             <a:endParaRPr lang="en-US"/>
           </a:p>
@@ -2772,7 +2772,7 @@
           <a:p>
             <a:fld id="{CAF647BD-C221-1844-9ED2-A7F7759EF665}" type="datetimeFigureOut">
               <a:rPr lang="en-US" smtClean="0"/>
-              <a:t>5/17/15</a:t>
+              <a:t>5/18/15</a:t>
             </a:fld>
             <a:endParaRPr lang="en-US"/>
           </a:p>
@@ -2885,7 +2885,7 @@
           <a:p>
             <a:fld id="{CAF647BD-C221-1844-9ED2-A7F7759EF665}" type="datetimeFigureOut">
               <a:rPr lang="en-US" smtClean="0"/>
-              <a:t>5/17/15</a:t>
+              <a:t>5/18/15</a:t>
             </a:fld>
             <a:endParaRPr lang="en-US"/>
           </a:p>
@@ -2975,7 +2975,7 @@
           <a:p>
             <a:fld id="{CAF647BD-C221-1844-9ED2-A7F7759EF665}" type="datetimeFigureOut">
               <a:rPr lang="en-US" smtClean="0"/>
-              <a:t>5/17/15</a:t>
+              <a:t>5/18/15</a:t>
             </a:fld>
             <a:endParaRPr lang="en-US"/>
           </a:p>
@@ -3217,7 +3217,7 @@
           <a:p>
             <a:fld id="{CAF647BD-C221-1844-9ED2-A7F7759EF665}" type="datetimeFigureOut">
               <a:rPr lang="en-US" smtClean="0"/>
-              <a:t>5/17/15</a:t>
+              <a:t>5/18/15</a:t>
             </a:fld>
             <a:endParaRPr lang="en-US"/>
           </a:p>
@@ -3511,7 +3511,7 @@
           <a:p>
             <a:fld id="{CAF647BD-C221-1844-9ED2-A7F7759EF665}" type="datetimeFigureOut">
               <a:rPr lang="en-US" smtClean="0"/>
-              <a:t>5/17/15</a:t>
+              <a:t>5/18/15</a:t>
             </a:fld>
             <a:endParaRPr lang="en-US"/>
           </a:p>
@@ -3805,7 +3805,7 @@
           <a:p>
             <a:fld id="{CAF647BD-C221-1844-9ED2-A7F7759EF665}" type="datetimeFigureOut">
               <a:rPr lang="en-US" smtClean="0"/>
-              <a:t>5/17/15</a:t>
+              <a:t>5/18/15</a:t>
             </a:fld>
             <a:endParaRPr lang="en-US"/>
           </a:p>
@@ -7063,7 +7063,7 @@
         <p:spPr/>
         <p:txBody>
           <a:bodyPr>
-            <a:normAutofit fontScale="92500" lnSpcReduction="10000"/>
+            <a:normAutofit fontScale="92500" lnSpcReduction="20000"/>
           </a:bodyPr>
           <a:lstStyle/>
           <a:p>
@@ -7149,17 +7149,34 @@
             <a:pPr marL="914400" lvl="1" indent="-457200"/>
             <a:r>
               <a:rPr lang="en-US" sz="2200" dirty="0" smtClean="0"/>
-              <a:t>Handling sequence data</a:t>
-            </a:r>
-            <a:endParaRPr lang="en-US" sz="2200" dirty="0" smtClean="0"/>
+              <a:t>Python modules</a:t>
+            </a:r>
           </a:p>
           <a:p>
             <a:pPr marL="914400" lvl="1" indent="-457200"/>
             <a:r>
-              <a:rPr lang="en-US" sz="2200" smtClean="0"/>
+              <a:rPr lang="en-US" sz="2200" dirty="0" err="1" smtClean="0"/>
+              <a:t>BioPython</a:t>
+            </a:r>
+            <a:r>
+              <a:rPr lang="en-US" sz="2200" dirty="0" smtClean="0"/>
+              <a:t>: </a:t>
+            </a:r>
+            <a:r>
+              <a:rPr lang="en-US" sz="2200" dirty="0" smtClean="0"/>
+              <a:t>Handling </a:t>
+            </a:r>
+            <a:r>
+              <a:rPr lang="en-US" sz="2200" dirty="0" smtClean="0"/>
+              <a:t>sequence data</a:t>
+            </a:r>
+          </a:p>
+          <a:p>
+            <a:pPr marL="914400" lvl="1" indent="-457200"/>
+            <a:r>
+              <a:rPr lang="en-US" sz="2200" dirty="0" smtClean="0"/>
               <a:t>Scripting</a:t>
             </a:r>
-            <a:endParaRPr lang="en-US" sz="2200" dirty="0" smtClean="0"/>
           </a:p>
         </p:txBody>
       </p:sp>
